--- a/発表資料/B4_上坂大樹_サーベイ大会資料.pptx
+++ b/発表資料/B4_上坂大樹_サーベイ大会資料.pptx
@@ -5,28 +5,29 @@
     <p:sldMasterId id="2147483648" r:id="rId1"/>
   </p:sldMasterIdLst>
   <p:notesMasterIdLst>
-    <p:notesMasterId r:id="rId21"/>
+    <p:notesMasterId r:id="rId22"/>
   </p:notesMasterIdLst>
   <p:sldIdLst>
     <p:sldId id="279" r:id="rId2"/>
-    <p:sldId id="323" r:id="rId3"/>
-    <p:sldId id="329" r:id="rId4"/>
-    <p:sldId id="284" r:id="rId5"/>
-    <p:sldId id="313" r:id="rId6"/>
-    <p:sldId id="315" r:id="rId7"/>
-    <p:sldId id="324" r:id="rId8"/>
-    <p:sldId id="325" r:id="rId9"/>
-    <p:sldId id="326" r:id="rId10"/>
-    <p:sldId id="327" r:id="rId11"/>
-    <p:sldId id="328" r:id="rId12"/>
-    <p:sldId id="306" r:id="rId13"/>
-    <p:sldId id="289" r:id="rId14"/>
-    <p:sldId id="330" r:id="rId15"/>
-    <p:sldId id="320" r:id="rId16"/>
-    <p:sldId id="321" r:id="rId17"/>
-    <p:sldId id="322" r:id="rId18"/>
-    <p:sldId id="282" r:id="rId19"/>
-    <p:sldId id="314" r:id="rId20"/>
+    <p:sldId id="331" r:id="rId3"/>
+    <p:sldId id="323" r:id="rId4"/>
+    <p:sldId id="329" r:id="rId5"/>
+    <p:sldId id="284" r:id="rId6"/>
+    <p:sldId id="313" r:id="rId7"/>
+    <p:sldId id="315" r:id="rId8"/>
+    <p:sldId id="324" r:id="rId9"/>
+    <p:sldId id="325" r:id="rId10"/>
+    <p:sldId id="326" r:id="rId11"/>
+    <p:sldId id="327" r:id="rId12"/>
+    <p:sldId id="328" r:id="rId13"/>
+    <p:sldId id="306" r:id="rId14"/>
+    <p:sldId id="289" r:id="rId15"/>
+    <p:sldId id="330" r:id="rId16"/>
+    <p:sldId id="320" r:id="rId17"/>
+    <p:sldId id="321" r:id="rId18"/>
+    <p:sldId id="322" r:id="rId19"/>
+    <p:sldId id="282" r:id="rId20"/>
+    <p:sldId id="314" r:id="rId21"/>
   </p:sldIdLst>
   <p:sldSz cx="12192000" cy="6858000"/>
   <p:notesSz cx="6858000" cy="9144000"/>
@@ -742,6 +743,46 @@
               <a:rPr lang="en-JP" dirty="0"/>
               <a:t>所要時間: [s]</a:t>
             </a:r>
+            <a:endParaRPr lang="en-US" dirty="0"/>
+          </a:p>
+          <a:p>
+            <a:pPr marL="0" marR="0" lvl="0" indent="0" algn="l" defTabSz="914400" rtl="0" eaLnBrk="1" fontAlgn="auto" latinLnBrk="0" hangingPunct="1">
+              <a:lnSpc>
+                <a:spcPct val="100000"/>
+              </a:lnSpc>
+              <a:spcBef>
+                <a:spcPts val="0"/>
+              </a:spcBef>
+              <a:spcAft>
+                <a:spcPts val="0"/>
+              </a:spcAft>
+              <a:buClrTx/>
+              <a:buSzTx/>
+              <a:buFontTx/>
+              <a:buNone/>
+              <a:tabLst/>
+              <a:defRPr/>
+            </a:pPr>
+            <a:r>
+              <a:rPr lang="ja-JP" altLang="en-US" dirty="0"/>
+              <a:t>解説部分</a:t>
+            </a:r>
+            <a:r>
+              <a:rPr lang="en-US" altLang="ja-JP" dirty="0"/>
+              <a:t>(</a:t>
+            </a:r>
+            <a:r>
+              <a:rPr lang="ja-JP" altLang="en-US" dirty="0"/>
+              <a:t>詳しいことはここに記述して、かいつまんでスライドにも書く。図も欲しい</a:t>
+            </a:r>
+            <a:r>
+              <a:rPr lang="en-US" altLang="ja-JP" dirty="0"/>
+              <a:t>)</a:t>
+            </a:r>
+            <a:endParaRPr lang="en-JP" altLang="ja-JP" dirty="0"/>
+          </a:p>
+          <a:p>
+            <a:endParaRPr lang="en-JP" dirty="0"/>
           </a:p>
         </p:txBody>
       </p:sp>
@@ -771,7 +812,7 @@
     </p:spTree>
     <p:extLst>
       <p:ext uri="{BB962C8B-B14F-4D97-AF65-F5344CB8AC3E}">
-        <p14:creationId xmlns:p14="http://schemas.microsoft.com/office/powerpoint/2010/main" val="4032642849"/>
+        <p14:creationId xmlns:p14="http://schemas.microsoft.com/office/powerpoint/2010/main" val="959664245"/>
       </p:ext>
     </p:extLst>
   </p:cSld>
@@ -858,7 +899,7 @@
     </p:spTree>
     <p:extLst>
       <p:ext uri="{BB962C8B-B14F-4D97-AF65-F5344CB8AC3E}">
-        <p14:creationId xmlns:p14="http://schemas.microsoft.com/office/powerpoint/2010/main" val="4084542094"/>
+        <p14:creationId xmlns:p14="http://schemas.microsoft.com/office/powerpoint/2010/main" val="4032642849"/>
       </p:ext>
     </p:extLst>
   </p:cSld>
@@ -912,144 +953,10 @@
           <a:bodyPr/>
           <a:lstStyle/>
           <a:p>
-            <a:pPr marL="0" marR="0" lvl="0" indent="0" algn="l" defTabSz="914400" rtl="0" eaLnBrk="1" fontAlgn="auto" latinLnBrk="0" hangingPunct="1">
-              <a:lnSpc>
-                <a:spcPct val="100000"/>
-              </a:lnSpc>
-              <a:spcBef>
-                <a:spcPts val="0"/>
-              </a:spcBef>
-              <a:spcAft>
-                <a:spcPts val="0"/>
-              </a:spcAft>
-              <a:buClrTx/>
-              <a:buSzTx/>
-              <a:buFontTx/>
-              <a:buNone/>
-              <a:tabLst/>
-              <a:defRPr/>
-            </a:pPr>
             <a:r>
               <a:rPr lang="en-JP" dirty="0"/>
               <a:t>所要時間: [s]</a:t>
             </a:r>
-            <a:endParaRPr lang="en-US" dirty="0"/>
-          </a:p>
-          <a:p>
-            <a:pPr marL="0" marR="0" lvl="0" indent="0" algn="l" defTabSz="914400" rtl="0" eaLnBrk="1" fontAlgn="auto" latinLnBrk="0" hangingPunct="1">
-              <a:lnSpc>
-                <a:spcPct val="100000"/>
-              </a:lnSpc>
-              <a:spcBef>
-                <a:spcPts val="0"/>
-              </a:spcBef>
-              <a:spcAft>
-                <a:spcPts val="0"/>
-              </a:spcAft>
-              <a:buClrTx/>
-              <a:buSzTx/>
-              <a:buFontTx/>
-              <a:buNone/>
-              <a:tabLst/>
-              <a:defRPr/>
-            </a:pPr>
-            <a:r>
-              <a:rPr lang="ja-JP" altLang="en-US" dirty="0"/>
-              <a:t>所感・意見です。</a:t>
-            </a:r>
-            <a:endParaRPr lang="en-US" altLang="ja-JP" dirty="0"/>
-          </a:p>
-          <a:p>
-            <a:pPr marL="0" marR="0" lvl="0" indent="0" algn="l" defTabSz="914400" rtl="0" eaLnBrk="1" fontAlgn="auto" latinLnBrk="0" hangingPunct="1">
-              <a:lnSpc>
-                <a:spcPct val="100000"/>
-              </a:lnSpc>
-              <a:spcBef>
-                <a:spcPts val="0"/>
-              </a:spcBef>
-              <a:spcAft>
-                <a:spcPts val="0"/>
-              </a:spcAft>
-              <a:buClrTx/>
-              <a:buSzTx/>
-              <a:buFontTx/>
-              <a:buNone/>
-              <a:tabLst/>
-              <a:defRPr/>
-            </a:pPr>
-            <a:endParaRPr lang="en-US" altLang="ja-JP" dirty="0"/>
-          </a:p>
-          <a:p>
-            <a:pPr marL="0" marR="0" lvl="0" indent="0" algn="l" defTabSz="914400" rtl="0" eaLnBrk="1" fontAlgn="auto" latinLnBrk="0" hangingPunct="1">
-              <a:lnSpc>
-                <a:spcPct val="100000"/>
-              </a:lnSpc>
-              <a:spcBef>
-                <a:spcPts val="0"/>
-              </a:spcBef>
-              <a:spcAft>
-                <a:spcPts val="0"/>
-              </a:spcAft>
-              <a:buClrTx/>
-              <a:buSzTx/>
-              <a:buFontTx/>
-              <a:buNone/>
-              <a:tabLst/>
-              <a:defRPr/>
-            </a:pPr>
-            <a:r>
-              <a:rPr lang="ja-JP" altLang="en-US" dirty="0"/>
-              <a:t>組み合わせたら強くなりそう</a:t>
-            </a:r>
-            <a:endParaRPr lang="en-US" altLang="ja-JP" dirty="0"/>
-          </a:p>
-          <a:p>
-            <a:pPr marL="0" marR="0" lvl="0" indent="0" algn="l" defTabSz="914400" rtl="0" eaLnBrk="1" fontAlgn="auto" latinLnBrk="0" hangingPunct="1">
-              <a:lnSpc>
-                <a:spcPct val="100000"/>
-              </a:lnSpc>
-              <a:spcBef>
-                <a:spcPts val="0"/>
-              </a:spcBef>
-              <a:spcAft>
-                <a:spcPts val="0"/>
-              </a:spcAft>
-              <a:buClrTx/>
-              <a:buSzTx/>
-              <a:buFontTx/>
-              <a:buNone/>
-              <a:tabLst/>
-              <a:defRPr/>
-            </a:pPr>
-            <a:endParaRPr lang="en-US" altLang="ja-JP" dirty="0"/>
-          </a:p>
-          <a:p>
-            <a:pPr marL="0" marR="0" lvl="0" indent="0" algn="l" defTabSz="914400" rtl="0" eaLnBrk="1" fontAlgn="auto" latinLnBrk="0" hangingPunct="1">
-              <a:lnSpc>
-                <a:spcPct val="100000"/>
-              </a:lnSpc>
-              <a:spcBef>
-                <a:spcPts val="0"/>
-              </a:spcBef>
-              <a:spcAft>
-                <a:spcPts val="0"/>
-              </a:spcAft>
-              <a:buClrTx/>
-              <a:buSzTx/>
-              <a:buFontTx/>
-              <a:buNone/>
-              <a:tabLst/>
-              <a:defRPr/>
-            </a:pPr>
-            <a:r>
-              <a:rPr lang="ja-JP" altLang="en-US" dirty="0"/>
-              <a:t>概要がつかめてきたので実装も</a:t>
-            </a:r>
-            <a:r>
-              <a:rPr lang="ja-JP" altLang="en-US" dirty="0" err="1"/>
-              <a:t>しなきゃな</a:t>
-            </a:r>
-            <a:endParaRPr lang="en-JP" dirty="0"/>
           </a:p>
         </p:txBody>
       </p:sp>
@@ -1079,7 +986,7 @@
     </p:spTree>
     <p:extLst>
       <p:ext uri="{BB962C8B-B14F-4D97-AF65-F5344CB8AC3E}">
-        <p14:creationId xmlns:p14="http://schemas.microsoft.com/office/powerpoint/2010/main" val="1136788670"/>
+        <p14:creationId xmlns:p14="http://schemas.microsoft.com/office/powerpoint/2010/main" val="4084542094"/>
       </p:ext>
     </p:extLst>
   </p:cSld>
@@ -1108,7 +1015,7 @@
       </p:grpSpPr>
       <p:sp>
         <p:nvSpPr>
-          <p:cNvPr id="2" name="スライド イメージ プレースホルダー 1"/>
+          <p:cNvPr id="2" name="Slide Image Placeholder 1"/>
           <p:cNvSpPr>
             <a:spLocks noGrp="1" noRot="1" noChangeAspect="1"/>
           </p:cNvSpPr>
@@ -1120,7 +1027,7 @@
       </p:sp>
       <p:sp>
         <p:nvSpPr>
-          <p:cNvPr id="3" name="ノート プレースホルダー 2"/>
+          <p:cNvPr id="3" name="Notes Placeholder 2"/>
           <p:cNvSpPr>
             <a:spLocks noGrp="1"/>
           </p:cNvSpPr>
@@ -1133,27 +1040,150 @@
           <a:bodyPr/>
           <a:lstStyle/>
           <a:p>
-            <a:r>
-              <a:rPr kumimoji="1" lang="ja-JP" altLang="en-US" dirty="0"/>
-              <a:t>参考にした論文です。</a:t>
-            </a:r>
-            <a:endParaRPr kumimoji="1" lang="en-US" altLang="ja-JP" dirty="0"/>
-          </a:p>
-          <a:p>
-            <a:endParaRPr kumimoji="1" lang="en-US" altLang="ja-JP" dirty="0"/>
-          </a:p>
-          <a:p>
-            <a:r>
-              <a:rPr kumimoji="1" lang="ja-JP" altLang="en-US"/>
-              <a:t>以上で発表を終わります。</a:t>
-            </a:r>
-            <a:endParaRPr kumimoji="1" lang="ja-JP" altLang="en-US" dirty="0"/>
-          </a:p>
-        </p:txBody>
-      </p:sp>
-      <p:sp>
-        <p:nvSpPr>
-          <p:cNvPr id="4" name="スライド番号プレースホルダー 3"/>
+            <a:pPr marL="0" marR="0" lvl="0" indent="0" algn="l" defTabSz="914400" rtl="0" eaLnBrk="1" fontAlgn="auto" latinLnBrk="0" hangingPunct="1">
+              <a:lnSpc>
+                <a:spcPct val="100000"/>
+              </a:lnSpc>
+              <a:spcBef>
+                <a:spcPts val="0"/>
+              </a:spcBef>
+              <a:spcAft>
+                <a:spcPts val="0"/>
+              </a:spcAft>
+              <a:buClrTx/>
+              <a:buSzTx/>
+              <a:buFontTx/>
+              <a:buNone/>
+              <a:tabLst/>
+              <a:defRPr/>
+            </a:pPr>
+            <a:r>
+              <a:rPr lang="en-JP" dirty="0"/>
+              <a:t>所要時間: [s]</a:t>
+            </a:r>
+            <a:endParaRPr lang="en-US" dirty="0"/>
+          </a:p>
+          <a:p>
+            <a:pPr marL="0" marR="0" lvl="0" indent="0" algn="l" defTabSz="914400" rtl="0" eaLnBrk="1" fontAlgn="auto" latinLnBrk="0" hangingPunct="1">
+              <a:lnSpc>
+                <a:spcPct val="100000"/>
+              </a:lnSpc>
+              <a:spcBef>
+                <a:spcPts val="0"/>
+              </a:spcBef>
+              <a:spcAft>
+                <a:spcPts val="0"/>
+              </a:spcAft>
+              <a:buClrTx/>
+              <a:buSzTx/>
+              <a:buFontTx/>
+              <a:buNone/>
+              <a:tabLst/>
+              <a:defRPr/>
+            </a:pPr>
+            <a:r>
+              <a:rPr lang="ja-JP" altLang="en-US" dirty="0"/>
+              <a:t>所感・意見です。</a:t>
+            </a:r>
+            <a:endParaRPr lang="en-US" altLang="ja-JP" dirty="0"/>
+          </a:p>
+          <a:p>
+            <a:pPr marL="0" marR="0" lvl="0" indent="0" algn="l" defTabSz="914400" rtl="0" eaLnBrk="1" fontAlgn="auto" latinLnBrk="0" hangingPunct="1">
+              <a:lnSpc>
+                <a:spcPct val="100000"/>
+              </a:lnSpc>
+              <a:spcBef>
+                <a:spcPts val="0"/>
+              </a:spcBef>
+              <a:spcAft>
+                <a:spcPts val="0"/>
+              </a:spcAft>
+              <a:buClrTx/>
+              <a:buSzTx/>
+              <a:buFontTx/>
+              <a:buNone/>
+              <a:tabLst/>
+              <a:defRPr/>
+            </a:pPr>
+            <a:endParaRPr lang="en-US" altLang="ja-JP" dirty="0"/>
+          </a:p>
+          <a:p>
+            <a:pPr marL="0" marR="0" lvl="0" indent="0" algn="l" defTabSz="914400" rtl="0" eaLnBrk="1" fontAlgn="auto" latinLnBrk="0" hangingPunct="1">
+              <a:lnSpc>
+                <a:spcPct val="100000"/>
+              </a:lnSpc>
+              <a:spcBef>
+                <a:spcPts val="0"/>
+              </a:spcBef>
+              <a:spcAft>
+                <a:spcPts val="0"/>
+              </a:spcAft>
+              <a:buClrTx/>
+              <a:buSzTx/>
+              <a:buFontTx/>
+              <a:buNone/>
+              <a:tabLst/>
+              <a:defRPr/>
+            </a:pPr>
+            <a:r>
+              <a:rPr lang="ja-JP" altLang="en-US" dirty="0"/>
+              <a:t>組み合わせたら強くなりそう</a:t>
+            </a:r>
+            <a:endParaRPr lang="en-US" altLang="ja-JP" dirty="0"/>
+          </a:p>
+          <a:p>
+            <a:pPr marL="0" marR="0" lvl="0" indent="0" algn="l" defTabSz="914400" rtl="0" eaLnBrk="1" fontAlgn="auto" latinLnBrk="0" hangingPunct="1">
+              <a:lnSpc>
+                <a:spcPct val="100000"/>
+              </a:lnSpc>
+              <a:spcBef>
+                <a:spcPts val="0"/>
+              </a:spcBef>
+              <a:spcAft>
+                <a:spcPts val="0"/>
+              </a:spcAft>
+              <a:buClrTx/>
+              <a:buSzTx/>
+              <a:buFontTx/>
+              <a:buNone/>
+              <a:tabLst/>
+              <a:defRPr/>
+            </a:pPr>
+            <a:endParaRPr lang="en-US" altLang="ja-JP" dirty="0"/>
+          </a:p>
+          <a:p>
+            <a:pPr marL="0" marR="0" lvl="0" indent="0" algn="l" defTabSz="914400" rtl="0" eaLnBrk="1" fontAlgn="auto" latinLnBrk="0" hangingPunct="1">
+              <a:lnSpc>
+                <a:spcPct val="100000"/>
+              </a:lnSpc>
+              <a:spcBef>
+                <a:spcPts val="0"/>
+              </a:spcBef>
+              <a:spcAft>
+                <a:spcPts val="0"/>
+              </a:spcAft>
+              <a:buClrTx/>
+              <a:buSzTx/>
+              <a:buFontTx/>
+              <a:buNone/>
+              <a:tabLst/>
+              <a:defRPr/>
+            </a:pPr>
+            <a:r>
+              <a:rPr lang="ja-JP" altLang="en-US" dirty="0"/>
+              <a:t>概要がつかめてきたので実装も</a:t>
+            </a:r>
+            <a:r>
+              <a:rPr lang="ja-JP" altLang="en-US" dirty="0" err="1"/>
+              <a:t>しなきゃな</a:t>
+            </a:r>
+            <a:endParaRPr lang="en-JP" dirty="0"/>
+          </a:p>
+        </p:txBody>
+      </p:sp>
+      <p:sp>
+        <p:nvSpPr>
+          <p:cNvPr id="4" name="Slide Number Placeholder 3"/>
           <p:cNvSpPr>
             <a:spLocks noGrp="1"/>
           </p:cNvSpPr>
@@ -1166,7 +1196,7 @@
           <a:bodyPr/>
           <a:lstStyle/>
           <a:p>
-            <a:fld id="{9C089636-1275-4B33-B565-A6C15888DBD7}" type="slidenum">
+            <a:fld id="{4170CF48-14AD-4B24-8659-A353857BCB31}" type="slidenum">
               <a:rPr kumimoji="1" lang="ja-JP" altLang="en-US" smtClean="0"/>
               <a:t>13</a:t>
             </a:fld>
@@ -1177,7 +1207,7 @@
     </p:spTree>
     <p:extLst>
       <p:ext uri="{BB962C8B-B14F-4D97-AF65-F5344CB8AC3E}">
-        <p14:creationId xmlns:p14="http://schemas.microsoft.com/office/powerpoint/2010/main" val="1260155029"/>
+        <p14:creationId xmlns:p14="http://schemas.microsoft.com/office/powerpoint/2010/main" val="1136788670"/>
       </p:ext>
     </p:extLst>
   </p:cSld>
@@ -1206,7 +1236,7 @@
       </p:grpSpPr>
       <p:sp>
         <p:nvSpPr>
-          <p:cNvPr id="2" name="Slide Image Placeholder 1"/>
+          <p:cNvPr id="2" name="スライド イメージ プレースホルダー 1"/>
           <p:cNvSpPr>
             <a:spLocks noGrp="1" noRot="1" noChangeAspect="1"/>
           </p:cNvSpPr>
@@ -1218,7 +1248,7 @@
       </p:sp>
       <p:sp>
         <p:nvSpPr>
-          <p:cNvPr id="3" name="Notes Placeholder 2"/>
+          <p:cNvPr id="3" name="ノート プレースホルダー 2"/>
           <p:cNvSpPr>
             <a:spLocks noGrp="1"/>
           </p:cNvSpPr>
@@ -1231,150 +1261,27 @@
           <a:bodyPr/>
           <a:lstStyle/>
           <a:p>
-            <a:pPr marL="0" marR="0" lvl="0" indent="0" algn="l" defTabSz="914400" rtl="0" eaLnBrk="1" fontAlgn="auto" latinLnBrk="0" hangingPunct="1">
-              <a:lnSpc>
-                <a:spcPct val="100000"/>
-              </a:lnSpc>
-              <a:spcBef>
-                <a:spcPts val="0"/>
-              </a:spcBef>
-              <a:spcAft>
-                <a:spcPts val="0"/>
-              </a:spcAft>
-              <a:buClrTx/>
-              <a:buSzTx/>
-              <a:buFontTx/>
-              <a:buNone/>
-              <a:tabLst/>
-              <a:defRPr/>
-            </a:pPr>
-            <a:r>
-              <a:rPr lang="en-JP" dirty="0"/>
-              <a:t>所要時間: [s]</a:t>
-            </a:r>
-            <a:endParaRPr lang="en-US" dirty="0"/>
-          </a:p>
-          <a:p>
-            <a:pPr marL="0" marR="0" lvl="0" indent="0" algn="l" defTabSz="914400" rtl="0" eaLnBrk="1" fontAlgn="auto" latinLnBrk="0" hangingPunct="1">
-              <a:lnSpc>
-                <a:spcPct val="100000"/>
-              </a:lnSpc>
-              <a:spcBef>
-                <a:spcPts val="0"/>
-              </a:spcBef>
-              <a:spcAft>
-                <a:spcPts val="0"/>
-              </a:spcAft>
-              <a:buClrTx/>
-              <a:buSzTx/>
-              <a:buFontTx/>
-              <a:buNone/>
-              <a:tabLst/>
-              <a:defRPr/>
-            </a:pPr>
-            <a:r>
-              <a:rPr lang="ja-JP" altLang="en-US" dirty="0"/>
-              <a:t>所感・意見です。</a:t>
-            </a:r>
-            <a:endParaRPr lang="en-US" altLang="ja-JP" dirty="0"/>
-          </a:p>
-          <a:p>
-            <a:pPr marL="0" marR="0" lvl="0" indent="0" algn="l" defTabSz="914400" rtl="0" eaLnBrk="1" fontAlgn="auto" latinLnBrk="0" hangingPunct="1">
-              <a:lnSpc>
-                <a:spcPct val="100000"/>
-              </a:lnSpc>
-              <a:spcBef>
-                <a:spcPts val="0"/>
-              </a:spcBef>
-              <a:spcAft>
-                <a:spcPts val="0"/>
-              </a:spcAft>
-              <a:buClrTx/>
-              <a:buSzTx/>
-              <a:buFontTx/>
-              <a:buNone/>
-              <a:tabLst/>
-              <a:defRPr/>
-            </a:pPr>
-            <a:endParaRPr lang="en-US" altLang="ja-JP" dirty="0"/>
-          </a:p>
-          <a:p>
-            <a:pPr marL="0" marR="0" lvl="0" indent="0" algn="l" defTabSz="914400" rtl="0" eaLnBrk="1" fontAlgn="auto" latinLnBrk="0" hangingPunct="1">
-              <a:lnSpc>
-                <a:spcPct val="100000"/>
-              </a:lnSpc>
-              <a:spcBef>
-                <a:spcPts val="0"/>
-              </a:spcBef>
-              <a:spcAft>
-                <a:spcPts val="0"/>
-              </a:spcAft>
-              <a:buClrTx/>
-              <a:buSzTx/>
-              <a:buFontTx/>
-              <a:buNone/>
-              <a:tabLst/>
-              <a:defRPr/>
-            </a:pPr>
-            <a:r>
-              <a:rPr lang="ja-JP" altLang="en-US" dirty="0"/>
-              <a:t>組み合わせたら強くなりそう</a:t>
-            </a:r>
-            <a:endParaRPr lang="en-US" altLang="ja-JP" dirty="0"/>
-          </a:p>
-          <a:p>
-            <a:pPr marL="0" marR="0" lvl="0" indent="0" algn="l" defTabSz="914400" rtl="0" eaLnBrk="1" fontAlgn="auto" latinLnBrk="0" hangingPunct="1">
-              <a:lnSpc>
-                <a:spcPct val="100000"/>
-              </a:lnSpc>
-              <a:spcBef>
-                <a:spcPts val="0"/>
-              </a:spcBef>
-              <a:spcAft>
-                <a:spcPts val="0"/>
-              </a:spcAft>
-              <a:buClrTx/>
-              <a:buSzTx/>
-              <a:buFontTx/>
-              <a:buNone/>
-              <a:tabLst/>
-              <a:defRPr/>
-            </a:pPr>
-            <a:endParaRPr lang="en-US" altLang="ja-JP" dirty="0"/>
-          </a:p>
-          <a:p>
-            <a:pPr marL="0" marR="0" lvl="0" indent="0" algn="l" defTabSz="914400" rtl="0" eaLnBrk="1" fontAlgn="auto" latinLnBrk="0" hangingPunct="1">
-              <a:lnSpc>
-                <a:spcPct val="100000"/>
-              </a:lnSpc>
-              <a:spcBef>
-                <a:spcPts val="0"/>
-              </a:spcBef>
-              <a:spcAft>
-                <a:spcPts val="0"/>
-              </a:spcAft>
-              <a:buClrTx/>
-              <a:buSzTx/>
-              <a:buFontTx/>
-              <a:buNone/>
-              <a:tabLst/>
-              <a:defRPr/>
-            </a:pPr>
-            <a:r>
-              <a:rPr lang="ja-JP" altLang="en-US" dirty="0"/>
-              <a:t>概要がつかめてきたので実装も</a:t>
-            </a:r>
-            <a:r>
-              <a:rPr lang="ja-JP" altLang="en-US" dirty="0" err="1"/>
-              <a:t>しなきゃな</a:t>
-            </a:r>
-            <a:endParaRPr lang="en-JP" dirty="0"/>
-          </a:p>
-        </p:txBody>
-      </p:sp>
-      <p:sp>
-        <p:nvSpPr>
-          <p:cNvPr id="4" name="Slide Number Placeholder 3"/>
+            <a:r>
+              <a:rPr kumimoji="1" lang="ja-JP" altLang="en-US" dirty="0"/>
+              <a:t>参考にした論文です。</a:t>
+            </a:r>
+            <a:endParaRPr kumimoji="1" lang="en-US" altLang="ja-JP" dirty="0"/>
+          </a:p>
+          <a:p>
+            <a:endParaRPr kumimoji="1" lang="en-US" altLang="ja-JP" dirty="0"/>
+          </a:p>
+          <a:p>
+            <a:r>
+              <a:rPr kumimoji="1" lang="ja-JP" altLang="en-US"/>
+              <a:t>以上で発表を終わります。</a:t>
+            </a:r>
+            <a:endParaRPr kumimoji="1" lang="ja-JP" altLang="en-US" dirty="0"/>
+          </a:p>
+        </p:txBody>
+      </p:sp>
+      <p:sp>
+        <p:nvSpPr>
+          <p:cNvPr id="4" name="スライド番号プレースホルダー 3"/>
           <p:cNvSpPr>
             <a:spLocks noGrp="1"/>
           </p:cNvSpPr>
@@ -1387,7 +1294,7 @@
           <a:bodyPr/>
           <a:lstStyle/>
           <a:p>
-            <a:fld id="{4170CF48-14AD-4B24-8659-A353857BCB31}" type="slidenum">
+            <a:fld id="{9C089636-1275-4B33-B565-A6C15888DBD7}" type="slidenum">
               <a:rPr kumimoji="1" lang="ja-JP" altLang="en-US" smtClean="0"/>
               <a:t>14</a:t>
             </a:fld>
@@ -1398,7 +1305,7 @@
     </p:spTree>
     <p:extLst>
       <p:ext uri="{BB962C8B-B14F-4D97-AF65-F5344CB8AC3E}">
-        <p14:creationId xmlns:p14="http://schemas.microsoft.com/office/powerpoint/2010/main" val="3708307019"/>
+        <p14:creationId xmlns:p14="http://schemas.microsoft.com/office/powerpoint/2010/main" val="1260155029"/>
       </p:ext>
     </p:extLst>
   </p:cSld>
@@ -1452,6 +1359,227 @@
           <a:bodyPr/>
           <a:lstStyle/>
           <a:p>
+            <a:pPr marL="0" marR="0" lvl="0" indent="0" algn="l" defTabSz="914400" rtl="0" eaLnBrk="1" fontAlgn="auto" latinLnBrk="0" hangingPunct="1">
+              <a:lnSpc>
+                <a:spcPct val="100000"/>
+              </a:lnSpc>
+              <a:spcBef>
+                <a:spcPts val="0"/>
+              </a:spcBef>
+              <a:spcAft>
+                <a:spcPts val="0"/>
+              </a:spcAft>
+              <a:buClrTx/>
+              <a:buSzTx/>
+              <a:buFontTx/>
+              <a:buNone/>
+              <a:tabLst/>
+              <a:defRPr/>
+            </a:pPr>
+            <a:r>
+              <a:rPr lang="en-JP" dirty="0"/>
+              <a:t>所要時間: [s]</a:t>
+            </a:r>
+            <a:endParaRPr lang="en-US" dirty="0"/>
+          </a:p>
+          <a:p>
+            <a:pPr marL="0" marR="0" lvl="0" indent="0" algn="l" defTabSz="914400" rtl="0" eaLnBrk="1" fontAlgn="auto" latinLnBrk="0" hangingPunct="1">
+              <a:lnSpc>
+                <a:spcPct val="100000"/>
+              </a:lnSpc>
+              <a:spcBef>
+                <a:spcPts val="0"/>
+              </a:spcBef>
+              <a:spcAft>
+                <a:spcPts val="0"/>
+              </a:spcAft>
+              <a:buClrTx/>
+              <a:buSzTx/>
+              <a:buFontTx/>
+              <a:buNone/>
+              <a:tabLst/>
+              <a:defRPr/>
+            </a:pPr>
+            <a:r>
+              <a:rPr lang="ja-JP" altLang="en-US" dirty="0"/>
+              <a:t>所感・意見です。</a:t>
+            </a:r>
+            <a:endParaRPr lang="en-US" altLang="ja-JP" dirty="0"/>
+          </a:p>
+          <a:p>
+            <a:pPr marL="0" marR="0" lvl="0" indent="0" algn="l" defTabSz="914400" rtl="0" eaLnBrk="1" fontAlgn="auto" latinLnBrk="0" hangingPunct="1">
+              <a:lnSpc>
+                <a:spcPct val="100000"/>
+              </a:lnSpc>
+              <a:spcBef>
+                <a:spcPts val="0"/>
+              </a:spcBef>
+              <a:spcAft>
+                <a:spcPts val="0"/>
+              </a:spcAft>
+              <a:buClrTx/>
+              <a:buSzTx/>
+              <a:buFontTx/>
+              <a:buNone/>
+              <a:tabLst/>
+              <a:defRPr/>
+            </a:pPr>
+            <a:endParaRPr lang="en-US" altLang="ja-JP" dirty="0"/>
+          </a:p>
+          <a:p>
+            <a:pPr marL="0" marR="0" lvl="0" indent="0" algn="l" defTabSz="914400" rtl="0" eaLnBrk="1" fontAlgn="auto" latinLnBrk="0" hangingPunct="1">
+              <a:lnSpc>
+                <a:spcPct val="100000"/>
+              </a:lnSpc>
+              <a:spcBef>
+                <a:spcPts val="0"/>
+              </a:spcBef>
+              <a:spcAft>
+                <a:spcPts val="0"/>
+              </a:spcAft>
+              <a:buClrTx/>
+              <a:buSzTx/>
+              <a:buFontTx/>
+              <a:buNone/>
+              <a:tabLst/>
+              <a:defRPr/>
+            </a:pPr>
+            <a:r>
+              <a:rPr lang="ja-JP" altLang="en-US" dirty="0"/>
+              <a:t>組み合わせたら強くなりそう</a:t>
+            </a:r>
+            <a:endParaRPr lang="en-US" altLang="ja-JP" dirty="0"/>
+          </a:p>
+          <a:p>
+            <a:pPr marL="0" marR="0" lvl="0" indent="0" algn="l" defTabSz="914400" rtl="0" eaLnBrk="1" fontAlgn="auto" latinLnBrk="0" hangingPunct="1">
+              <a:lnSpc>
+                <a:spcPct val="100000"/>
+              </a:lnSpc>
+              <a:spcBef>
+                <a:spcPts val="0"/>
+              </a:spcBef>
+              <a:spcAft>
+                <a:spcPts val="0"/>
+              </a:spcAft>
+              <a:buClrTx/>
+              <a:buSzTx/>
+              <a:buFontTx/>
+              <a:buNone/>
+              <a:tabLst/>
+              <a:defRPr/>
+            </a:pPr>
+            <a:endParaRPr lang="en-US" altLang="ja-JP" dirty="0"/>
+          </a:p>
+          <a:p>
+            <a:pPr marL="0" marR="0" lvl="0" indent="0" algn="l" defTabSz="914400" rtl="0" eaLnBrk="1" fontAlgn="auto" latinLnBrk="0" hangingPunct="1">
+              <a:lnSpc>
+                <a:spcPct val="100000"/>
+              </a:lnSpc>
+              <a:spcBef>
+                <a:spcPts val="0"/>
+              </a:spcBef>
+              <a:spcAft>
+                <a:spcPts val="0"/>
+              </a:spcAft>
+              <a:buClrTx/>
+              <a:buSzTx/>
+              <a:buFontTx/>
+              <a:buNone/>
+              <a:tabLst/>
+              <a:defRPr/>
+            </a:pPr>
+            <a:r>
+              <a:rPr lang="ja-JP" altLang="en-US" dirty="0"/>
+              <a:t>概要がつかめてきたので実装も</a:t>
+            </a:r>
+            <a:r>
+              <a:rPr lang="ja-JP" altLang="en-US" dirty="0" err="1"/>
+              <a:t>しなきゃな</a:t>
+            </a:r>
+            <a:endParaRPr lang="en-JP" dirty="0"/>
+          </a:p>
+        </p:txBody>
+      </p:sp>
+      <p:sp>
+        <p:nvSpPr>
+          <p:cNvPr id="4" name="Slide Number Placeholder 3"/>
+          <p:cNvSpPr>
+            <a:spLocks noGrp="1"/>
+          </p:cNvSpPr>
+          <p:nvPr>
+            <p:ph type="sldNum" sz="quarter" idx="5"/>
+          </p:nvPr>
+        </p:nvSpPr>
+        <p:spPr/>
+        <p:txBody>
+          <a:bodyPr/>
+          <a:lstStyle/>
+          <a:p>
+            <a:fld id="{4170CF48-14AD-4B24-8659-A353857BCB31}" type="slidenum">
+              <a:rPr kumimoji="1" lang="ja-JP" altLang="en-US" smtClean="0"/>
+              <a:t>15</a:t>
+            </a:fld>
+            <a:endParaRPr kumimoji="1" lang="ja-JP" altLang="en-US"/>
+          </a:p>
+        </p:txBody>
+      </p:sp>
+    </p:spTree>
+    <p:extLst>
+      <p:ext uri="{BB962C8B-B14F-4D97-AF65-F5344CB8AC3E}">
+        <p14:creationId xmlns:p14="http://schemas.microsoft.com/office/powerpoint/2010/main" val="3708307019"/>
+      </p:ext>
+    </p:extLst>
+  </p:cSld>
+  <p:clrMapOvr>
+    <a:masterClrMapping/>
+  </p:clrMapOvr>
+</p:notes>
+</file>
+
+<file path=ppt/notesSlides/notesSlide16.xml><?xml version="1.0" encoding="utf-8"?>
+<p:notes xmlns:a="http://schemas.openxmlformats.org/drawingml/2006/main" xmlns:r="http://schemas.openxmlformats.org/officeDocument/2006/relationships" xmlns:p="http://schemas.openxmlformats.org/presentationml/2006/main">
+  <p:cSld>
+    <p:spTree>
+      <p:nvGrpSpPr>
+        <p:cNvPr id="1" name=""/>
+        <p:cNvGrpSpPr/>
+        <p:nvPr/>
+      </p:nvGrpSpPr>
+      <p:grpSpPr>
+        <a:xfrm>
+          <a:off x="0" y="0"/>
+          <a:ext cx="0" cy="0"/>
+          <a:chOff x="0" y="0"/>
+          <a:chExt cx="0" cy="0"/>
+        </a:xfrm>
+      </p:grpSpPr>
+      <p:sp>
+        <p:nvSpPr>
+          <p:cNvPr id="2" name="Slide Image Placeholder 1"/>
+          <p:cNvSpPr>
+            <a:spLocks noGrp="1" noRot="1" noChangeAspect="1"/>
+          </p:cNvSpPr>
+          <p:nvPr>
+            <p:ph type="sldImg"/>
+          </p:nvPr>
+        </p:nvSpPr>
+        <p:spPr/>
+      </p:sp>
+      <p:sp>
+        <p:nvSpPr>
+          <p:cNvPr id="3" name="Notes Placeholder 2"/>
+          <p:cNvSpPr>
+            <a:spLocks noGrp="1"/>
+          </p:cNvSpPr>
+          <p:nvPr>
+            <p:ph type="body" idx="1"/>
+          </p:nvPr>
+        </p:nvSpPr>
+        <p:spPr/>
+        <p:txBody>
+          <a:bodyPr/>
+          <a:lstStyle/>
+          <a:p>
             <a:r>
               <a:rPr lang="en-JP" dirty="0"/>
               <a:t>所要時間: [s]</a:t>
@@ -1583,7 +1711,7 @@
           <a:p>
             <a:fld id="{4170CF48-14AD-4B24-8659-A353857BCB31}" type="slidenum">
               <a:rPr kumimoji="1" lang="ja-JP" altLang="en-US" smtClean="0"/>
-              <a:t>15</a:t>
+              <a:t>16</a:t>
             </a:fld>
             <a:endParaRPr kumimoji="1" lang="ja-JP" altLang="en-US"/>
           </a:p>
@@ -1593,217 +1721,6 @@
     <p:extLst>
       <p:ext uri="{BB962C8B-B14F-4D97-AF65-F5344CB8AC3E}">
         <p14:creationId xmlns:p14="http://schemas.microsoft.com/office/powerpoint/2010/main" val="2102673284"/>
-      </p:ext>
-    </p:extLst>
-  </p:cSld>
-  <p:clrMapOvr>
-    <a:masterClrMapping/>
-  </p:clrMapOvr>
-</p:notes>
-</file>
-
-<file path=ppt/notesSlides/notesSlide16.xml><?xml version="1.0" encoding="utf-8"?>
-<p:notes xmlns:a="http://schemas.openxmlformats.org/drawingml/2006/main" xmlns:r="http://schemas.openxmlformats.org/officeDocument/2006/relationships" xmlns:p="http://schemas.openxmlformats.org/presentationml/2006/main">
-  <p:cSld>
-    <p:spTree>
-      <p:nvGrpSpPr>
-        <p:cNvPr id="1" name=""/>
-        <p:cNvGrpSpPr/>
-        <p:nvPr/>
-      </p:nvGrpSpPr>
-      <p:grpSpPr>
-        <a:xfrm>
-          <a:off x="0" y="0"/>
-          <a:ext cx="0" cy="0"/>
-          <a:chOff x="0" y="0"/>
-          <a:chExt cx="0" cy="0"/>
-        </a:xfrm>
-      </p:grpSpPr>
-      <p:sp>
-        <p:nvSpPr>
-          <p:cNvPr id="2" name="Slide Image Placeholder 1"/>
-          <p:cNvSpPr>
-            <a:spLocks noGrp="1" noRot="1" noChangeAspect="1"/>
-          </p:cNvSpPr>
-          <p:nvPr>
-            <p:ph type="sldImg"/>
-          </p:nvPr>
-        </p:nvSpPr>
-        <p:spPr/>
-      </p:sp>
-      <p:sp>
-        <p:nvSpPr>
-          <p:cNvPr id="3" name="Notes Placeholder 2"/>
-          <p:cNvSpPr>
-            <a:spLocks noGrp="1"/>
-          </p:cNvSpPr>
-          <p:nvPr>
-            <p:ph type="body" idx="1"/>
-          </p:nvPr>
-        </p:nvSpPr>
-        <p:spPr/>
-        <p:txBody>
-          <a:bodyPr/>
-          <a:lstStyle/>
-          <a:p>
-            <a:r>
-              <a:rPr lang="en-JP" dirty="0"/>
-              <a:t>所要時間: [s]</a:t>
-            </a:r>
-            <a:endParaRPr lang="en-US" dirty="0"/>
-          </a:p>
-          <a:p>
-            <a:endParaRPr lang="en-US" dirty="0"/>
-          </a:p>
-          <a:p>
-            <a:endParaRPr lang="en-US" dirty="0"/>
-          </a:p>
-          <a:p>
-            <a:r>
-              <a:rPr kumimoji="1" lang="ja-JP" altLang="en-US" sz="1200" dirty="0"/>
-              <a:t>ピクセル単位の</a:t>
-            </a:r>
-            <a:r>
-              <a:rPr kumimoji="1" lang="en-US" altLang="ja-JP" sz="1200" dirty="0"/>
-              <a:t>ROCAUC</a:t>
-            </a:r>
-            <a:r>
-              <a:rPr kumimoji="1" lang="ja-JP" altLang="en-US" sz="1200" dirty="0"/>
-              <a:t>ではサイズの大きい欠陥を持つ画像に対してスコアが高く</a:t>
-            </a:r>
-            <a:r>
-              <a:rPr lang="ja-JP" altLang="en-US" sz="1200" dirty="0"/>
-              <a:t>なりやすい</a:t>
-            </a:r>
-            <a:r>
-              <a:rPr kumimoji="1" lang="ja-JP" altLang="en-US" sz="1200" dirty="0"/>
-              <a:t>。</a:t>
-            </a:r>
-            <a:endParaRPr kumimoji="1" lang="en-US" altLang="ja-JP" sz="1200" dirty="0"/>
-          </a:p>
-          <a:p>
-            <a:r>
-              <a:rPr kumimoji="1" lang="ja-JP" altLang="en-US" sz="1200" dirty="0"/>
-              <a:t>そのため、小さい欠陥を見逃しても高スコアを</a:t>
-            </a:r>
-            <a:r>
-              <a:rPr lang="ja-JP" altLang="en-US" sz="1200" dirty="0"/>
-              <a:t>達成してしまうかもしれない</a:t>
-            </a:r>
-            <a:endParaRPr lang="en-US" altLang="ja-JP" sz="1200" dirty="0"/>
-          </a:p>
-          <a:p>
-            <a:endParaRPr lang="en-US" sz="1200" dirty="0"/>
-          </a:p>
-          <a:p>
-            <a:r>
-              <a:rPr lang="en-US" altLang="ja-JP" sz="1200" dirty="0"/>
-              <a:t>PRO</a:t>
-            </a:r>
-            <a:r>
-              <a:rPr lang="ja-JP" altLang="en-US" sz="1200" dirty="0"/>
-              <a:t>では、</a:t>
-            </a:r>
-            <a:r>
-              <a:rPr lang="ja-JP" altLang="en-US" dirty="0"/>
-              <a:t>ピクセルではなく、異常領域のかたまりを</a:t>
-            </a:r>
-            <a:r>
-              <a:rPr lang="en-US" altLang="ja-JP" dirty="0"/>
-              <a:t>1</a:t>
-            </a:r>
-            <a:r>
-              <a:rPr lang="ja-JP" altLang="en-US" dirty="0" err="1"/>
-              <a:t>つの</a:t>
-            </a:r>
-            <a:r>
-              <a:rPr lang="ja-JP" altLang="en-US" dirty="0"/>
-              <a:t>単位として評価する。　（大きい領域でも小さい領域でも１つとカウント）</a:t>
-            </a:r>
-            <a:endParaRPr lang="en-US" altLang="ja-JP" dirty="0"/>
-          </a:p>
-          <a:p>
-            <a:r>
-              <a:rPr lang="ja-JP" altLang="en-US" dirty="0"/>
-              <a:t>⇒つまり、領域レベル。</a:t>
-            </a:r>
-            <a:r>
-              <a:rPr kumimoji="1" lang="ja-JP" altLang="en-US" sz="1200" b="0" i="0" kern="1200" dirty="0">
-                <a:solidFill>
-                  <a:schemeClr val="tx1"/>
-                </a:solidFill>
-                <a:effectLst/>
-                <a:latin typeface="+mn-lt"/>
-                <a:ea typeface="+mn-ea"/>
-                <a:cs typeface="+mn-cs"/>
-              </a:rPr>
-              <a:t>（正しく検出された異常領域の数） </a:t>
-            </a:r>
-            <a:r>
-              <a:rPr kumimoji="1" lang="en-US" altLang="ja-JP" sz="1200" b="0" i="0" kern="1200" dirty="0">
-                <a:solidFill>
-                  <a:schemeClr val="tx1"/>
-                </a:solidFill>
-                <a:effectLst/>
-                <a:latin typeface="+mn-lt"/>
-                <a:ea typeface="+mn-ea"/>
-                <a:cs typeface="+mn-cs"/>
-              </a:rPr>
-              <a:t>/ </a:t>
-            </a:r>
-            <a:r>
-              <a:rPr kumimoji="1" lang="ja-JP" altLang="en-US" sz="1200" b="0" i="0" kern="1200" dirty="0">
-                <a:solidFill>
-                  <a:schemeClr val="tx1"/>
-                </a:solidFill>
-                <a:effectLst/>
-                <a:latin typeface="+mn-lt"/>
-                <a:ea typeface="+mn-ea"/>
-                <a:cs typeface="+mn-cs"/>
-              </a:rPr>
-              <a:t>（画像全体の真の異常領域の総数）</a:t>
-            </a:r>
-            <a:endParaRPr lang="en-US" altLang="ja-JP" dirty="0"/>
-          </a:p>
-          <a:p>
-            <a:endParaRPr lang="en-US" dirty="0"/>
-          </a:p>
-          <a:p>
-            <a:r>
-              <a:rPr lang="ja-JP" altLang="en-US" dirty="0"/>
-              <a:t>詳細は末尾に比較した表を添付している。</a:t>
-            </a:r>
-            <a:endParaRPr lang="en-JP" dirty="0"/>
-          </a:p>
-        </p:txBody>
-      </p:sp>
-      <p:sp>
-        <p:nvSpPr>
-          <p:cNvPr id="4" name="Slide Number Placeholder 3"/>
-          <p:cNvSpPr>
-            <a:spLocks noGrp="1"/>
-          </p:cNvSpPr>
-          <p:nvPr>
-            <p:ph type="sldNum" sz="quarter" idx="5"/>
-          </p:nvPr>
-        </p:nvSpPr>
-        <p:spPr/>
-        <p:txBody>
-          <a:bodyPr/>
-          <a:lstStyle/>
-          <a:p>
-            <a:fld id="{4170CF48-14AD-4B24-8659-A353857BCB31}" type="slidenum">
-              <a:rPr kumimoji="1" lang="ja-JP" altLang="en-US" smtClean="0"/>
-              <a:t>16</a:t>
-            </a:fld>
-            <a:endParaRPr kumimoji="1" lang="ja-JP" altLang="en-US"/>
-          </a:p>
-        </p:txBody>
-      </p:sp>
-    </p:spTree>
-    <p:extLst>
-      <p:ext uri="{BB962C8B-B14F-4D97-AF65-F5344CB8AC3E}">
-        <p14:creationId xmlns:p14="http://schemas.microsoft.com/office/powerpoint/2010/main" val="2753617406"/>
       </p:ext>
     </p:extLst>
   </p:cSld>
@@ -1857,29 +1774,133 @@
           <a:bodyPr/>
           <a:lstStyle/>
           <a:p>
-            <a:pPr marL="0" marR="0" lvl="0" indent="0" algn="l" defTabSz="914400" rtl="0" eaLnBrk="1" fontAlgn="auto" latinLnBrk="0" hangingPunct="1">
-              <a:lnSpc>
-                <a:spcPct val="100000"/>
-              </a:lnSpc>
-              <a:spcBef>
-                <a:spcPts val="0"/>
-              </a:spcBef>
-              <a:spcAft>
-                <a:spcPts val="0"/>
-              </a:spcAft>
-              <a:buClrTx/>
-              <a:buSzTx/>
-              <a:buFontTx/>
-              <a:buNone/>
-              <a:tabLst/>
-              <a:defRPr/>
-            </a:pPr>
             <a:r>
               <a:rPr lang="en-JP" dirty="0"/>
               <a:t>所要時間: [s]</a:t>
             </a:r>
-          </a:p>
-          <a:p>
+            <a:endParaRPr lang="en-US" dirty="0"/>
+          </a:p>
+          <a:p>
+            <a:endParaRPr lang="en-US" dirty="0"/>
+          </a:p>
+          <a:p>
+            <a:endParaRPr lang="en-US" dirty="0"/>
+          </a:p>
+          <a:p>
+            <a:r>
+              <a:rPr kumimoji="1" lang="ja-JP" altLang="en-US" sz="1200" dirty="0"/>
+              <a:t>ピクセル単位の</a:t>
+            </a:r>
+            <a:r>
+              <a:rPr kumimoji="1" lang="en-US" altLang="ja-JP" sz="1200" dirty="0"/>
+              <a:t>ROCAUC</a:t>
+            </a:r>
+            <a:r>
+              <a:rPr kumimoji="1" lang="ja-JP" altLang="en-US" sz="1200" dirty="0"/>
+              <a:t>ではサイズの大きい欠陥を持つ画像に対してスコアが高く</a:t>
+            </a:r>
+            <a:r>
+              <a:rPr lang="ja-JP" altLang="en-US" sz="1200" dirty="0"/>
+              <a:t>なりやすい</a:t>
+            </a:r>
+            <a:r>
+              <a:rPr kumimoji="1" lang="ja-JP" altLang="en-US" sz="1200" dirty="0"/>
+              <a:t>。</a:t>
+            </a:r>
+            <a:endParaRPr kumimoji="1" lang="en-US" altLang="ja-JP" sz="1200" dirty="0"/>
+          </a:p>
+          <a:p>
+            <a:r>
+              <a:rPr kumimoji="1" lang="ja-JP" altLang="en-US" sz="1200" dirty="0"/>
+              <a:t>そのため、小さい欠陥を見逃しても高スコアを</a:t>
+            </a:r>
+            <a:r>
+              <a:rPr lang="ja-JP" altLang="en-US" sz="1200" dirty="0"/>
+              <a:t>達成してしまうかもしれない</a:t>
+            </a:r>
+            <a:endParaRPr lang="en-US" altLang="ja-JP" sz="1200" dirty="0"/>
+          </a:p>
+          <a:p>
+            <a:endParaRPr lang="en-US" sz="1200" dirty="0"/>
+          </a:p>
+          <a:p>
+            <a:r>
+              <a:rPr lang="en-US" altLang="ja-JP" sz="1200" dirty="0"/>
+              <a:t>PRO</a:t>
+            </a:r>
+            <a:r>
+              <a:rPr lang="ja-JP" altLang="en-US" sz="1200" dirty="0"/>
+              <a:t>では、</a:t>
+            </a:r>
+            <a:r>
+              <a:rPr lang="ja-JP" altLang="en-US" dirty="0"/>
+              <a:t>ピクセルではなく、異常領域のかたまりを</a:t>
+            </a:r>
+            <a:r>
+              <a:rPr lang="en-US" altLang="ja-JP" dirty="0"/>
+              <a:t>1</a:t>
+            </a:r>
+            <a:r>
+              <a:rPr lang="ja-JP" altLang="en-US" dirty="0" err="1"/>
+              <a:t>つの</a:t>
+            </a:r>
+            <a:r>
+              <a:rPr lang="ja-JP" altLang="en-US" dirty="0"/>
+              <a:t>単位として評価する。　（大きい領域でも小さい領域でも１つとカウント）</a:t>
+            </a:r>
+            <a:endParaRPr lang="en-US" altLang="ja-JP" dirty="0"/>
+          </a:p>
+          <a:p>
+            <a:r>
+              <a:rPr lang="ja-JP" altLang="en-US" dirty="0"/>
+              <a:t>⇒つまり、領域レベル。</a:t>
+            </a:r>
+            <a:r>
+              <a:rPr kumimoji="1" lang="ja-JP" altLang="en-US" sz="1200" b="0" i="0" kern="1200" dirty="0">
+                <a:solidFill>
+                  <a:schemeClr val="tx1"/>
+                </a:solidFill>
+                <a:effectLst/>
+                <a:latin typeface="+mn-lt"/>
+                <a:ea typeface="+mn-ea"/>
+                <a:cs typeface="+mn-cs"/>
+              </a:rPr>
+              <a:t>（正しく検出された異常領域の数） </a:t>
+            </a:r>
+            <a:r>
+              <a:rPr kumimoji="1" lang="en-US" altLang="ja-JP" sz="1200" b="0" i="0" kern="1200" dirty="0">
+                <a:solidFill>
+                  <a:schemeClr val="tx1"/>
+                </a:solidFill>
+                <a:effectLst/>
+                <a:latin typeface="+mn-lt"/>
+                <a:ea typeface="+mn-ea"/>
+                <a:cs typeface="+mn-cs"/>
+              </a:rPr>
+              <a:t>/ </a:t>
+            </a:r>
+            <a:r>
+              <a:rPr kumimoji="1" lang="ja-JP" altLang="en-US" sz="1200" b="0" i="0" kern="1200" dirty="0">
+                <a:solidFill>
+                  <a:schemeClr val="tx1"/>
+                </a:solidFill>
+                <a:effectLst/>
+                <a:latin typeface="+mn-lt"/>
+                <a:ea typeface="+mn-ea"/>
+                <a:cs typeface="+mn-cs"/>
+              </a:rPr>
+              <a:t>（画像全体の真の異常領域の総数）</a:t>
+            </a:r>
+            <a:endParaRPr lang="en-US" altLang="ja-JP" dirty="0"/>
+          </a:p>
+          <a:p>
+            <a:endParaRPr lang="en-US" dirty="0"/>
+          </a:p>
+          <a:p>
+            <a:r>
+              <a:rPr lang="ja-JP" altLang="en-US" dirty="0"/>
+              <a:t>詳細は末尾に比較した表を添付している。</a:t>
+            </a:r>
             <a:endParaRPr lang="en-JP" dirty="0"/>
           </a:p>
         </p:txBody>
@@ -1910,7 +1931,7 @@
     </p:spTree>
     <p:extLst>
       <p:ext uri="{BB962C8B-B14F-4D97-AF65-F5344CB8AC3E}">
-        <p14:creationId xmlns:p14="http://schemas.microsoft.com/office/powerpoint/2010/main" val="875335912"/>
+        <p14:creationId xmlns:p14="http://schemas.microsoft.com/office/powerpoint/2010/main" val="2753617406"/>
       </p:ext>
     </p:extLst>
   </p:cSld>
@@ -2017,7 +2038,7 @@
     </p:spTree>
     <p:extLst>
       <p:ext uri="{BB962C8B-B14F-4D97-AF65-F5344CB8AC3E}">
-        <p14:creationId xmlns:p14="http://schemas.microsoft.com/office/powerpoint/2010/main" val="4051404549"/>
+        <p14:creationId xmlns:p14="http://schemas.microsoft.com/office/powerpoint/2010/main" val="875335912"/>
       </p:ext>
     </p:extLst>
   </p:cSld>
@@ -2071,125 +2092,6 @@
           <a:bodyPr/>
           <a:lstStyle/>
           <a:p>
-            <a:r>
-              <a:rPr lang="en-JP" dirty="0"/>
-              <a:t>所要時間: [s]</a:t>
-            </a:r>
-          </a:p>
-        </p:txBody>
-      </p:sp>
-      <p:sp>
-        <p:nvSpPr>
-          <p:cNvPr id="4" name="Slide Number Placeholder 3"/>
-          <p:cNvSpPr>
-            <a:spLocks noGrp="1"/>
-          </p:cNvSpPr>
-          <p:nvPr>
-            <p:ph type="sldNum" sz="quarter" idx="5"/>
-          </p:nvPr>
-        </p:nvSpPr>
-        <p:spPr/>
-        <p:txBody>
-          <a:bodyPr/>
-          <a:lstStyle/>
-          <a:p>
-            <a:fld id="{4170CF48-14AD-4B24-8659-A353857BCB31}" type="slidenum">
-              <a:rPr kumimoji="1" lang="ja-JP" altLang="en-US" smtClean="0"/>
-              <a:t>19</a:t>
-            </a:fld>
-            <a:endParaRPr kumimoji="1" lang="ja-JP" altLang="en-US"/>
-          </a:p>
-        </p:txBody>
-      </p:sp>
-    </p:spTree>
-    <p:extLst>
-      <p:ext uri="{BB962C8B-B14F-4D97-AF65-F5344CB8AC3E}">
-        <p14:creationId xmlns:p14="http://schemas.microsoft.com/office/powerpoint/2010/main" val="191591255"/>
-      </p:ext>
-    </p:extLst>
-  </p:cSld>
-  <p:clrMapOvr>
-    <a:masterClrMapping/>
-  </p:clrMapOvr>
-</p:notes>
-</file>
-
-<file path=ppt/notesSlides/notesSlide2.xml><?xml version="1.0" encoding="utf-8"?>
-<p:notes xmlns:a="http://schemas.openxmlformats.org/drawingml/2006/main" xmlns:r="http://schemas.openxmlformats.org/officeDocument/2006/relationships" xmlns:p="http://schemas.openxmlformats.org/presentationml/2006/main">
-  <p:cSld>
-    <p:spTree>
-      <p:nvGrpSpPr>
-        <p:cNvPr id="1" name=""/>
-        <p:cNvGrpSpPr/>
-        <p:nvPr/>
-      </p:nvGrpSpPr>
-      <p:grpSpPr>
-        <a:xfrm>
-          <a:off x="0" y="0"/>
-          <a:ext cx="0" cy="0"/>
-          <a:chOff x="0" y="0"/>
-          <a:chExt cx="0" cy="0"/>
-        </a:xfrm>
-      </p:grpSpPr>
-      <p:sp>
-        <p:nvSpPr>
-          <p:cNvPr id="2" name="スライド イメージ プレースホルダー 1"/>
-          <p:cNvSpPr>
-            <a:spLocks noGrp="1" noRot="1" noChangeAspect="1"/>
-          </p:cNvSpPr>
-          <p:nvPr>
-            <p:ph type="sldImg"/>
-          </p:nvPr>
-        </p:nvSpPr>
-        <p:spPr/>
-      </p:sp>
-      <p:sp>
-        <p:nvSpPr>
-          <p:cNvPr id="3" name="ノート プレースホルダー 2"/>
-          <p:cNvSpPr>
-            <a:spLocks noGrp="1"/>
-          </p:cNvSpPr>
-          <p:nvPr>
-            <p:ph type="body" idx="1"/>
-          </p:nvPr>
-        </p:nvSpPr>
-        <p:spPr/>
-        <p:txBody>
-          <a:bodyPr/>
-          <a:lstStyle/>
-          <a:p>
-            <a:r>
-              <a:rPr kumimoji="1" lang="ja-JP" altLang="en-US" u="none" dirty="0"/>
-              <a:t>異常検知手法は大きく分けて３つに分類できます。　　　　　　　　　　</a:t>
-            </a:r>
-            <a:r>
-              <a:rPr kumimoji="1" lang="ja-JP" altLang="en-US" dirty="0"/>
-              <a:t>３つの簡単な説明（自分の理解）</a:t>
-            </a:r>
-            <a:endParaRPr kumimoji="1" lang="en-US" altLang="ja-JP" dirty="0"/>
-          </a:p>
-          <a:p>
-            <a:r>
-              <a:rPr kumimoji="1" lang="ja-JP" altLang="en-US" dirty="0"/>
-              <a:t>メモリバンクベースは、</a:t>
-            </a:r>
-            <a:endParaRPr kumimoji="1" lang="en-US" altLang="ja-JP" dirty="0"/>
-          </a:p>
-          <a:p>
-            <a:r>
-              <a:rPr kumimoji="1" lang="ja-JP" altLang="en-US" dirty="0"/>
-              <a:t>再構成ベースは、</a:t>
-            </a:r>
-            <a:endParaRPr kumimoji="1" lang="en-US" altLang="ja-JP" dirty="0"/>
-          </a:p>
-          <a:p>
-            <a:r>
-              <a:rPr kumimoji="1" lang="ja-JP" altLang="en-US" dirty="0"/>
-              <a:t>確率分布ベースは、</a:t>
-            </a:r>
-            <a:endParaRPr kumimoji="1" lang="en-US" altLang="ja-JP" dirty="0"/>
-          </a:p>
-          <a:p>
             <a:pPr marL="0" marR="0" lvl="0" indent="0" algn="l" defTabSz="914400" rtl="0" eaLnBrk="1" fontAlgn="auto" latinLnBrk="0" hangingPunct="1">
               <a:lnSpc>
                 <a:spcPct val="100000"/>
@@ -2208,33 +2110,18 @@
               <a:defRPr/>
             </a:pPr>
             <a:r>
-              <a:rPr kumimoji="1" lang="ja-JP" altLang="en-US" dirty="0"/>
-              <a:t>また、すべての手法において、異常か否か判定は、なにかしらの方法で計算された異常スコア と 設定した閾値 を基に行います。</a:t>
-            </a:r>
-            <a:endParaRPr kumimoji="1" lang="en-US" altLang="ja-JP" dirty="0"/>
-          </a:p>
-          <a:p>
-            <a:endParaRPr kumimoji="1" lang="en-US" altLang="ja-JP" u="none" dirty="0"/>
-          </a:p>
-          <a:p>
-            <a:r>
-              <a:rPr kumimoji="1" lang="ja-JP" altLang="en-US" u="none" dirty="0"/>
-              <a:t>＠ここでクリック。</a:t>
-            </a:r>
-            <a:endParaRPr kumimoji="1" lang="en-US" altLang="ja-JP" u="none" dirty="0"/>
-          </a:p>
-          <a:p>
-            <a:r>
-              <a:rPr kumimoji="1" lang="ja-JP" altLang="en-US" u="none" dirty="0"/>
-              <a:t>今回は、この２つを対象とします。</a:t>
-            </a:r>
-            <a:endParaRPr kumimoji="1" lang="en-US" altLang="ja-JP" u="none" dirty="0"/>
-          </a:p>
-        </p:txBody>
-      </p:sp>
-      <p:sp>
-        <p:nvSpPr>
-          <p:cNvPr id="4" name="スライド番号プレースホルダー 3"/>
+              <a:rPr lang="en-JP" dirty="0"/>
+              <a:t>所要時間: [s]</a:t>
+            </a:r>
+          </a:p>
+          <a:p>
+            <a:endParaRPr lang="en-JP" dirty="0"/>
+          </a:p>
+        </p:txBody>
+      </p:sp>
+      <p:sp>
+        <p:nvSpPr>
+          <p:cNvPr id="4" name="Slide Number Placeholder 3"/>
           <p:cNvSpPr>
             <a:spLocks noGrp="1"/>
           </p:cNvSpPr>
@@ -2247,6 +2134,135 @@
           <a:bodyPr/>
           <a:lstStyle/>
           <a:p>
+            <a:fld id="{4170CF48-14AD-4B24-8659-A353857BCB31}" type="slidenum">
+              <a:rPr kumimoji="1" lang="ja-JP" altLang="en-US" smtClean="0"/>
+              <a:t>19</a:t>
+            </a:fld>
+            <a:endParaRPr kumimoji="1" lang="ja-JP" altLang="en-US"/>
+          </a:p>
+        </p:txBody>
+      </p:sp>
+    </p:spTree>
+    <p:extLst>
+      <p:ext uri="{BB962C8B-B14F-4D97-AF65-F5344CB8AC3E}">
+        <p14:creationId xmlns:p14="http://schemas.microsoft.com/office/powerpoint/2010/main" val="4051404549"/>
+      </p:ext>
+    </p:extLst>
+  </p:cSld>
+  <p:clrMapOvr>
+    <a:masterClrMapping/>
+  </p:clrMapOvr>
+</p:notes>
+</file>
+
+<file path=ppt/notesSlides/notesSlide2.xml><?xml version="1.0" encoding="utf-8"?>
+<p:notes xmlns:a="http://schemas.openxmlformats.org/drawingml/2006/main" xmlns:r="http://schemas.openxmlformats.org/officeDocument/2006/relationships" xmlns:p="http://schemas.openxmlformats.org/presentationml/2006/main">
+  <p:cSld>
+    <p:spTree>
+      <p:nvGrpSpPr>
+        <p:cNvPr id="1" name="">
+          <a:extLst>
+            <a:ext uri="{FF2B5EF4-FFF2-40B4-BE49-F238E27FC236}">
+              <a16:creationId xmlns:a16="http://schemas.microsoft.com/office/drawing/2014/main" id="{3CE8D743-458E-8F3B-BBE0-7766CA31A204}"/>
+            </a:ext>
+          </a:extLst>
+        </p:cNvPr>
+        <p:cNvGrpSpPr/>
+        <p:nvPr/>
+      </p:nvGrpSpPr>
+      <p:grpSpPr>
+        <a:xfrm>
+          <a:off x="0" y="0"/>
+          <a:ext cx="0" cy="0"/>
+          <a:chOff x="0" y="0"/>
+          <a:chExt cx="0" cy="0"/>
+        </a:xfrm>
+      </p:grpSpPr>
+      <p:sp>
+        <p:nvSpPr>
+          <p:cNvPr id="2" name="スライド イメージ プレースホルダー 1">
+            <a:extLst>
+              <a:ext uri="{FF2B5EF4-FFF2-40B4-BE49-F238E27FC236}">
+                <a16:creationId xmlns:a16="http://schemas.microsoft.com/office/drawing/2014/main" id="{4FC31CBE-BC3A-3ABE-6C62-7FD91989FB36}"/>
+              </a:ext>
+            </a:extLst>
+          </p:cNvPr>
+          <p:cNvSpPr>
+            <a:spLocks noGrp="1" noRot="1" noChangeAspect="1"/>
+          </p:cNvSpPr>
+          <p:nvPr>
+            <p:ph type="sldImg"/>
+          </p:nvPr>
+        </p:nvSpPr>
+        <p:spPr/>
+      </p:sp>
+      <p:sp>
+        <p:nvSpPr>
+          <p:cNvPr id="3" name="ノート プレースホルダー 2">
+            <a:extLst>
+              <a:ext uri="{FF2B5EF4-FFF2-40B4-BE49-F238E27FC236}">
+                <a16:creationId xmlns:a16="http://schemas.microsoft.com/office/drawing/2014/main" id="{CC024DF2-AA73-D5D6-1AD0-72FF6926F47B}"/>
+              </a:ext>
+            </a:extLst>
+          </p:cNvPr>
+          <p:cNvSpPr>
+            <a:spLocks noGrp="1"/>
+          </p:cNvSpPr>
+          <p:nvPr>
+            <p:ph type="body" idx="1"/>
+          </p:nvPr>
+        </p:nvSpPr>
+        <p:spPr/>
+        <p:txBody>
+          <a:bodyPr/>
+          <a:lstStyle/>
+          <a:p>
+            <a:pPr marL="0" marR="0" lvl="0" indent="0" algn="l" defTabSz="914400" rtl="0" eaLnBrk="1" fontAlgn="auto" latinLnBrk="0" hangingPunct="1">
+              <a:lnSpc>
+                <a:spcPct val="100000"/>
+              </a:lnSpc>
+              <a:spcBef>
+                <a:spcPts val="0"/>
+              </a:spcBef>
+              <a:spcAft>
+                <a:spcPts val="0"/>
+              </a:spcAft>
+              <a:buClrTx/>
+              <a:buSzTx/>
+              <a:buFontTx/>
+              <a:buNone/>
+              <a:tabLst/>
+              <a:defRPr/>
+            </a:pPr>
+            <a:r>
+              <a:rPr kumimoji="1" lang="ja-JP" altLang="en-US" dirty="0"/>
+              <a:t>飛ばしていいかも　ゼミやん</a:t>
+            </a:r>
+            <a:endParaRPr kumimoji="1" lang="en-US" altLang="ja-JP" dirty="0"/>
+          </a:p>
+        </p:txBody>
+      </p:sp>
+      <p:sp>
+        <p:nvSpPr>
+          <p:cNvPr id="4" name="スライド番号プレースホルダー 3">
+            <a:extLst>
+              <a:ext uri="{FF2B5EF4-FFF2-40B4-BE49-F238E27FC236}">
+                <a16:creationId xmlns:a16="http://schemas.microsoft.com/office/drawing/2014/main" id="{05BC705D-2BEA-0666-4094-F83F4898ADB3}"/>
+              </a:ext>
+            </a:extLst>
+          </p:cNvPr>
+          <p:cNvSpPr>
+            <a:spLocks noGrp="1"/>
+          </p:cNvSpPr>
+          <p:nvPr>
+            <p:ph type="sldNum" sz="quarter" idx="5"/>
+          </p:nvPr>
+        </p:nvSpPr>
+        <p:spPr/>
+        <p:txBody>
+          <a:bodyPr/>
+          <a:lstStyle/>
+          <a:p>
             <a:fld id="{9C089636-1275-4B33-B565-A6C15888DBD7}" type="slidenum">
               <a:rPr kumimoji="1" lang="ja-JP" altLang="en-US" smtClean="0"/>
               <a:t>2</a:t>
@@ -2258,7 +2274,94 @@
     </p:spTree>
     <p:extLst>
       <p:ext uri="{BB962C8B-B14F-4D97-AF65-F5344CB8AC3E}">
-        <p14:creationId xmlns:p14="http://schemas.microsoft.com/office/powerpoint/2010/main" val="673946660"/>
+        <p14:creationId xmlns:p14="http://schemas.microsoft.com/office/powerpoint/2010/main" val="91560154"/>
+      </p:ext>
+    </p:extLst>
+  </p:cSld>
+  <p:clrMapOvr>
+    <a:masterClrMapping/>
+  </p:clrMapOvr>
+</p:notes>
+</file>
+
+<file path=ppt/notesSlides/notesSlide20.xml><?xml version="1.0" encoding="utf-8"?>
+<p:notes xmlns:a="http://schemas.openxmlformats.org/drawingml/2006/main" xmlns:r="http://schemas.openxmlformats.org/officeDocument/2006/relationships" xmlns:p="http://schemas.openxmlformats.org/presentationml/2006/main">
+  <p:cSld>
+    <p:spTree>
+      <p:nvGrpSpPr>
+        <p:cNvPr id="1" name=""/>
+        <p:cNvGrpSpPr/>
+        <p:nvPr/>
+      </p:nvGrpSpPr>
+      <p:grpSpPr>
+        <a:xfrm>
+          <a:off x="0" y="0"/>
+          <a:ext cx="0" cy="0"/>
+          <a:chOff x="0" y="0"/>
+          <a:chExt cx="0" cy="0"/>
+        </a:xfrm>
+      </p:grpSpPr>
+      <p:sp>
+        <p:nvSpPr>
+          <p:cNvPr id="2" name="Slide Image Placeholder 1"/>
+          <p:cNvSpPr>
+            <a:spLocks noGrp="1" noRot="1" noChangeAspect="1"/>
+          </p:cNvSpPr>
+          <p:nvPr>
+            <p:ph type="sldImg"/>
+          </p:nvPr>
+        </p:nvSpPr>
+        <p:spPr/>
+      </p:sp>
+      <p:sp>
+        <p:nvSpPr>
+          <p:cNvPr id="3" name="Notes Placeholder 2"/>
+          <p:cNvSpPr>
+            <a:spLocks noGrp="1"/>
+          </p:cNvSpPr>
+          <p:nvPr>
+            <p:ph type="body" idx="1"/>
+          </p:nvPr>
+        </p:nvSpPr>
+        <p:spPr/>
+        <p:txBody>
+          <a:bodyPr/>
+          <a:lstStyle/>
+          <a:p>
+            <a:r>
+              <a:rPr lang="en-JP" dirty="0"/>
+              <a:t>所要時間: [s]</a:t>
+            </a:r>
+          </a:p>
+        </p:txBody>
+      </p:sp>
+      <p:sp>
+        <p:nvSpPr>
+          <p:cNvPr id="4" name="Slide Number Placeholder 3"/>
+          <p:cNvSpPr>
+            <a:spLocks noGrp="1"/>
+          </p:cNvSpPr>
+          <p:nvPr>
+            <p:ph type="sldNum" sz="quarter" idx="5"/>
+          </p:nvPr>
+        </p:nvSpPr>
+        <p:spPr/>
+        <p:txBody>
+          <a:bodyPr/>
+          <a:lstStyle/>
+          <a:p>
+            <a:fld id="{4170CF48-14AD-4B24-8659-A353857BCB31}" type="slidenum">
+              <a:rPr kumimoji="1" lang="ja-JP" altLang="en-US" smtClean="0"/>
+              <a:t>20</a:t>
+            </a:fld>
+            <a:endParaRPr kumimoji="1" lang="ja-JP" altLang="en-US"/>
+          </a:p>
+        </p:txBody>
+      </p:sp>
+    </p:spTree>
+    <p:extLst>
+      <p:ext uri="{BB962C8B-B14F-4D97-AF65-F5344CB8AC3E}">
+        <p14:creationId xmlns:p14="http://schemas.microsoft.com/office/powerpoint/2010/main" val="191591255"/>
       </p:ext>
     </p:extLst>
   </p:cSld>
@@ -2312,9 +2415,260 @@
           <a:bodyPr/>
           <a:lstStyle/>
           <a:p>
+            <a:pPr marL="0" marR="0" lvl="0" indent="0" algn="l" defTabSz="914400" rtl="0" eaLnBrk="1" fontAlgn="auto" latinLnBrk="0" hangingPunct="1">
+              <a:lnSpc>
+                <a:spcPct val="100000"/>
+              </a:lnSpc>
+              <a:spcBef>
+                <a:spcPts val="0"/>
+              </a:spcBef>
+              <a:spcAft>
+                <a:spcPts val="0"/>
+              </a:spcAft>
+              <a:buClrTx/>
+              <a:buSzTx/>
+              <a:buFontTx/>
+              <a:buNone/>
+              <a:tabLst/>
+              <a:defRPr/>
+            </a:pPr>
+            <a:r>
+              <a:rPr kumimoji="1" lang="ja-JP" altLang="en-US" u="none" dirty="0"/>
+              <a:t>・手法は大きく分けると特徴量ベースのものと、再構築ベースのものに大別できます。　　　　　　　　　　</a:t>
+            </a:r>
+            <a:endParaRPr kumimoji="1" lang="en-US" altLang="ja-JP" dirty="0"/>
+          </a:p>
+          <a:p>
+            <a:r>
+              <a:rPr kumimoji="1" lang="en-US" altLang="ja-JP" u="none" dirty="0"/>
+              <a:t> </a:t>
+            </a:r>
+          </a:p>
+          <a:p>
+            <a:r>
+              <a:rPr kumimoji="1" lang="ja-JP" altLang="en-US" u="none" dirty="0"/>
+              <a:t>＠ここでクリック。</a:t>
+            </a:r>
+            <a:endParaRPr kumimoji="1" lang="en-US" altLang="ja-JP" u="none" dirty="0"/>
+          </a:p>
+          <a:p>
+            <a:endParaRPr kumimoji="1" lang="en-US" altLang="ja-JP" u="none" dirty="0"/>
+          </a:p>
+          <a:p>
+            <a:pPr marL="0" marR="0" lvl="0" indent="0" algn="l" defTabSz="914400" rtl="0" eaLnBrk="1" fontAlgn="auto" latinLnBrk="0" hangingPunct="1">
+              <a:lnSpc>
+                <a:spcPct val="100000"/>
+              </a:lnSpc>
+              <a:spcBef>
+                <a:spcPts val="0"/>
+              </a:spcBef>
+              <a:spcAft>
+                <a:spcPts val="0"/>
+              </a:spcAft>
+              <a:buClrTx/>
+              <a:buSzTx/>
+              <a:buFontTx/>
+              <a:buNone/>
+              <a:tabLst/>
+              <a:defRPr/>
+            </a:pPr>
+            <a:r>
+              <a:rPr kumimoji="1" lang="ja-JP" altLang="en-US" u="none" dirty="0"/>
+              <a:t>・今回はその中でも、これら２つを対象とします。</a:t>
+            </a:r>
+            <a:endParaRPr kumimoji="1" lang="en-US" altLang="ja-JP" u="none" dirty="0"/>
+          </a:p>
+          <a:p>
+            <a:endParaRPr kumimoji="1" lang="en-US" altLang="ja-JP" dirty="0"/>
+          </a:p>
+          <a:p>
+            <a:endParaRPr kumimoji="1" lang="en-US" altLang="ja-JP" dirty="0"/>
+          </a:p>
+          <a:p>
             <a:r>
               <a:rPr kumimoji="1" lang="ja-JP" altLang="en-US" dirty="0"/>
-              <a:t>メモリバンクベースの手法は上記４つを紹介・説明します。</a:t>
+              <a:t>・メモリバンクベースは、　</a:t>
+            </a:r>
+            <a:r>
+              <a:rPr lang="ja-JP" altLang="en-US" dirty="0"/>
+              <a:t> 事前学習された</a:t>
+            </a:r>
+            <a:r>
+              <a:rPr lang="en-US" altLang="ja-JP" dirty="0"/>
+              <a:t>CNN</a:t>
+            </a:r>
+            <a:r>
+              <a:rPr lang="ja-JP" altLang="en-US" dirty="0"/>
+              <a:t>でいろんな正常画像の特徴マップを得て、　　（データベース保存します。</a:t>
+            </a:r>
+            <a:endParaRPr lang="en-US" altLang="ja-JP" dirty="0"/>
+          </a:p>
+          <a:p>
+            <a:r>
+              <a:rPr lang="ja-JP" altLang="en-US" dirty="0"/>
+              <a:t>これらとテスト画像の特徴マップが近いなら正常、遠いなら異常と見なす手法です。　　　　　　　　　</a:t>
+            </a:r>
+            <a:endParaRPr kumimoji="1" lang="en-US" altLang="ja-JP" dirty="0"/>
+          </a:p>
+          <a:p>
+            <a:endParaRPr kumimoji="1" lang="en-US" altLang="ja-JP" dirty="0"/>
+          </a:p>
+          <a:p>
+            <a:endParaRPr kumimoji="1" lang="en-US" altLang="ja-JP" dirty="0"/>
+          </a:p>
+          <a:p>
+            <a:r>
+              <a:rPr kumimoji="1" lang="ja-JP" altLang="en-US" dirty="0"/>
+              <a:t>・再構成ベースは、生成モデルの再現性に注目して異常スコアを求める手法です。　　　　（正常画像のみで訓練</a:t>
+            </a:r>
+            <a:endParaRPr kumimoji="1" lang="en-US" altLang="ja-JP" dirty="0"/>
+          </a:p>
+          <a:p>
+            <a:endParaRPr kumimoji="1" lang="en-US" altLang="ja-JP" dirty="0"/>
+          </a:p>
+          <a:p>
+            <a:endParaRPr kumimoji="1" lang="en-US" altLang="ja-JP" dirty="0"/>
+          </a:p>
+          <a:p>
+            <a:r>
+              <a:rPr kumimoji="1" lang="ja-JP" altLang="en-US" dirty="0"/>
+              <a:t>・また、すべての手法において、異常か否か判定は、なにかしらの方法で計算された異常スコア と 設定した閾値 を基に行います。</a:t>
+            </a:r>
+            <a:r>
+              <a:rPr kumimoji="1" lang="en-US" altLang="ja-JP" dirty="0"/>
+              <a:t>end</a:t>
+            </a:r>
+          </a:p>
+          <a:p>
+            <a:endParaRPr kumimoji="1" lang="en-US" altLang="ja-JP" dirty="0"/>
+          </a:p>
+          <a:p>
+            <a:endParaRPr kumimoji="1" lang="en-US" altLang="ja-JP" dirty="0"/>
+          </a:p>
+          <a:p>
+            <a:endParaRPr kumimoji="1" lang="en-US" altLang="ja-JP" dirty="0"/>
+          </a:p>
+          <a:p>
+            <a:endParaRPr kumimoji="1" lang="en-US" altLang="ja-JP" dirty="0"/>
+          </a:p>
+          <a:p>
+            <a:endParaRPr kumimoji="1" lang="en-US" altLang="ja-JP" dirty="0"/>
+          </a:p>
+          <a:p>
+            <a:endParaRPr kumimoji="1" lang="en-US" altLang="ja-JP" dirty="0"/>
+          </a:p>
+          <a:p>
+            <a:pPr marL="0" marR="0" lvl="0" indent="0" algn="l" defTabSz="914400" rtl="0" eaLnBrk="1" fontAlgn="auto" latinLnBrk="0" hangingPunct="1">
+              <a:lnSpc>
+                <a:spcPct val="100000"/>
+              </a:lnSpc>
+              <a:spcBef>
+                <a:spcPts val="0"/>
+              </a:spcBef>
+              <a:spcAft>
+                <a:spcPts val="0"/>
+              </a:spcAft>
+              <a:buClrTx/>
+              <a:buSzTx/>
+              <a:buFontTx/>
+              <a:buNone/>
+              <a:tabLst/>
+              <a:defRPr/>
+            </a:pPr>
+            <a:r>
+              <a:rPr kumimoji="1" lang="ja-JP" altLang="en-US" dirty="0"/>
+              <a:t>簡単な説明（自分の理解）    </a:t>
+            </a:r>
+            <a:r>
+              <a:rPr lang="ja-JP" altLang="en-US" dirty="0"/>
+              <a:t>高次元ベクトル群</a:t>
+            </a:r>
+            <a:r>
+              <a:rPr lang="en-US" altLang="ja-JP" dirty="0"/>
+              <a:t>(</a:t>
+            </a:r>
+            <a:r>
+              <a:rPr lang="ja-JP" altLang="en-US" dirty="0"/>
+              <a:t>特徴量</a:t>
+            </a:r>
+            <a:r>
+              <a:rPr lang="en-US" altLang="ja-JP" dirty="0"/>
+              <a:t>)</a:t>
+            </a:r>
+            <a:r>
+              <a:rPr lang="ja-JP" altLang="en-US" dirty="0"/>
+              <a:t>て書くべきかも実際ピクセル単位の奴もあるし</a:t>
+            </a:r>
+            <a:endParaRPr kumimoji="1" lang="en-US" altLang="ja-JP" dirty="0"/>
+          </a:p>
+          <a:p>
+            <a:endParaRPr kumimoji="1" lang="en-US" altLang="ja-JP" dirty="0"/>
+          </a:p>
+          <a:p>
+            <a:endParaRPr kumimoji="1" lang="en-US" altLang="ja-JP" dirty="0"/>
+          </a:p>
+          <a:p>
+            <a:r>
+              <a:rPr kumimoji="1" lang="ja-JP" altLang="en-US" dirty="0"/>
+              <a:t>⇓完全体やけど長すぎるかも軽い説明で行くわ</a:t>
+            </a:r>
+            <a:endParaRPr kumimoji="1" lang="en-US" altLang="ja-JP" dirty="0"/>
+          </a:p>
+          <a:p>
+            <a:r>
+              <a:rPr kumimoji="1" lang="ja-JP" altLang="en-US" dirty="0"/>
+              <a:t>・メモリバンクベースは、　</a:t>
+            </a:r>
+            <a:r>
+              <a:rPr lang="ja-JP" altLang="en-US" dirty="0"/>
+              <a:t>例えばー 事前学習された</a:t>
+            </a:r>
+            <a:r>
+              <a:rPr lang="en-US" altLang="ja-JP" dirty="0"/>
+              <a:t>CNN</a:t>
+            </a:r>
+            <a:r>
+              <a:rPr lang="ja-JP" altLang="en-US" dirty="0"/>
+              <a:t>の特徴抽出器</a:t>
+            </a:r>
+            <a:r>
+              <a:rPr lang="en-US" altLang="ja-JP" dirty="0"/>
+              <a:t>(</a:t>
+            </a:r>
+            <a:r>
+              <a:rPr lang="ja-JP" altLang="en-US" dirty="0"/>
+              <a:t>畳み込み層とか</a:t>
+            </a:r>
+            <a:r>
+              <a:rPr lang="en-US" altLang="ja-JP" dirty="0"/>
+              <a:t>)</a:t>
+            </a:r>
+            <a:r>
+              <a:rPr lang="ja-JP" altLang="en-US" dirty="0"/>
+              <a:t>で正常画像の特徴マップを得て、データベース保存する。</a:t>
+            </a:r>
+            <a:endParaRPr lang="en-US" altLang="ja-JP" dirty="0"/>
+          </a:p>
+          <a:p>
+            <a:r>
+              <a:rPr lang="ja-JP" altLang="en-US" dirty="0"/>
+              <a:t>これを複数の正常画像で繰り返して得られるデータベース</a:t>
+            </a:r>
+            <a:r>
+              <a:rPr lang="en-US" altLang="ja-JP" dirty="0"/>
+              <a:t>(</a:t>
+            </a:r>
+            <a:r>
+              <a:rPr lang="ja-JP" altLang="en-US" dirty="0"/>
+              <a:t>メモリバンク</a:t>
+            </a:r>
+            <a:r>
+              <a:rPr lang="en-US" altLang="ja-JP" dirty="0"/>
+              <a:t>)</a:t>
+            </a:r>
+            <a:r>
+              <a:rPr lang="ja-JP" altLang="en-US" dirty="0"/>
+              <a:t>の要素とテスト画像から得られる特徴マップによって異常スコアを計算する手法。　</a:t>
             </a:r>
             <a:endParaRPr kumimoji="1" lang="en-US" altLang="ja-JP" dirty="0"/>
           </a:p>
@@ -2346,7 +2700,7 @@
     </p:spTree>
     <p:extLst>
       <p:ext uri="{BB962C8B-B14F-4D97-AF65-F5344CB8AC3E}">
-        <p14:creationId xmlns:p14="http://schemas.microsoft.com/office/powerpoint/2010/main" val="3915497748"/>
+        <p14:creationId xmlns:p14="http://schemas.microsoft.com/office/powerpoint/2010/main" val="673946660"/>
       </p:ext>
     </p:extLst>
   </p:cSld>
@@ -2375,7 +2729,7 @@
       </p:grpSpPr>
       <p:sp>
         <p:nvSpPr>
-          <p:cNvPr id="2" name="Slide Image Placeholder 1"/>
+          <p:cNvPr id="2" name="スライド イメージ プレースホルダー 1"/>
           <p:cNvSpPr>
             <a:spLocks noGrp="1" noRot="1" noChangeAspect="1"/>
           </p:cNvSpPr>
@@ -2387,7 +2741,7 @@
       </p:sp>
       <p:sp>
         <p:nvSpPr>
-          <p:cNvPr id="3" name="Notes Placeholder 2"/>
+          <p:cNvPr id="3" name="ノート プレースホルダー 2"/>
           <p:cNvSpPr>
             <a:spLocks noGrp="1"/>
           </p:cNvSpPr>
@@ -2401,55 +2755,28 @@
           <a:lstStyle/>
           <a:p>
             <a:r>
-              <a:rPr lang="en-JP" dirty="0"/>
-              <a:t>所要時間: [s]</a:t>
-            </a:r>
-            <a:endParaRPr lang="en-US" dirty="0"/>
-          </a:p>
-          <a:p>
-            <a:endParaRPr lang="en-US" dirty="0"/>
-          </a:p>
-          <a:p>
-            <a:r>
-              <a:rPr lang="ja-JP" altLang="en-US" dirty="0"/>
-              <a:t>解説部分</a:t>
-            </a:r>
-            <a:r>
-              <a:rPr lang="en-US" altLang="ja-JP" dirty="0"/>
-              <a:t>(</a:t>
-            </a:r>
-            <a:r>
-              <a:rPr lang="ja-JP" altLang="en-US" dirty="0"/>
-              <a:t>詳しいことはここに記述して、かいつまんでスライドにも書く。図も欲しい</a:t>
-            </a:r>
-            <a:r>
-              <a:rPr lang="en-US" altLang="ja-JP" dirty="0"/>
-              <a:t>)</a:t>
-            </a:r>
-          </a:p>
-          <a:p>
-            <a:endParaRPr lang="en-US" dirty="0"/>
-          </a:p>
-          <a:p>
-            <a:r>
-              <a:rPr lang="en-US" dirty="0" err="1"/>
-              <a:t>Knn</a:t>
-            </a:r>
-            <a:r>
-              <a:rPr lang="ja-JP" altLang="en-US" dirty="0"/>
-              <a:t>：正常な画像が入力されたのならばベクトル間の合計距離は小さくなるはずだという仮定の下で、異常な画像が入力された場合は合計距離が大きくなるので、しきい値を超えた場合に異常と判断される。　　</a:t>
-            </a:r>
-            <a:r>
-              <a:rPr kumimoji="1" lang="ja-JP" altLang="en-US" sz="1200" dirty="0"/>
-              <a:t>内積が大きい</a:t>
-            </a:r>
-            <a:endParaRPr lang="en-JP" dirty="0"/>
-          </a:p>
-        </p:txBody>
-      </p:sp>
-      <p:sp>
-        <p:nvSpPr>
-          <p:cNvPr id="4" name="Slide Number Placeholder 3"/>
+              <a:rPr kumimoji="1" lang="ja-JP" altLang="en-US" dirty="0"/>
+              <a:t>メモリバンクベースの手法は上記４つを紹介・説明します。</a:t>
+            </a:r>
+            <a:r>
+              <a:rPr kumimoji="1" lang="en-US" altLang="ja-JP" dirty="0"/>
+              <a:t>end</a:t>
+            </a:r>
+          </a:p>
+          <a:p>
+            <a:endParaRPr kumimoji="1" lang="en-US" altLang="ja-JP" dirty="0"/>
+          </a:p>
+          <a:p>
+            <a:endParaRPr kumimoji="1" lang="en-US" altLang="ja-JP" dirty="0"/>
+          </a:p>
+          <a:p>
+            <a:endParaRPr kumimoji="1" lang="en-US" altLang="ja-JP" dirty="0"/>
+          </a:p>
+        </p:txBody>
+      </p:sp>
+      <p:sp>
+        <p:nvSpPr>
+          <p:cNvPr id="4" name="スライド番号プレースホルダー 3"/>
           <p:cNvSpPr>
             <a:spLocks noGrp="1"/>
           </p:cNvSpPr>
@@ -2462,7 +2789,7 @@
           <a:bodyPr/>
           <a:lstStyle/>
           <a:p>
-            <a:fld id="{4170CF48-14AD-4B24-8659-A353857BCB31}" type="slidenum">
+            <a:fld id="{9C089636-1275-4B33-B565-A6C15888DBD7}" type="slidenum">
               <a:rPr kumimoji="1" lang="ja-JP" altLang="en-US" smtClean="0"/>
               <a:t>4</a:t>
             </a:fld>
@@ -2473,7 +2800,7 @@
     </p:spTree>
     <p:extLst>
       <p:ext uri="{BB962C8B-B14F-4D97-AF65-F5344CB8AC3E}">
-        <p14:creationId xmlns:p14="http://schemas.microsoft.com/office/powerpoint/2010/main" val="266714576"/>
+        <p14:creationId xmlns:p14="http://schemas.microsoft.com/office/powerpoint/2010/main" val="3915497748"/>
       </p:ext>
     </p:extLst>
   </p:cSld>
@@ -2527,13 +2854,6 @@
           <a:bodyPr/>
           <a:lstStyle/>
           <a:p>
-            <a:r>
-              <a:rPr lang="en-JP" dirty="0"/>
-              <a:t>所要時間: [s]</a:t>
-            </a:r>
-            <a:endParaRPr lang="en-US" dirty="0"/>
-          </a:p>
-          <a:p>
             <a:pPr marL="0" marR="0" lvl="0" indent="0" algn="l" defTabSz="914400" rtl="0" eaLnBrk="1" fontAlgn="auto" latinLnBrk="0" hangingPunct="1">
               <a:lnSpc>
                 <a:spcPct val="100000"/>
@@ -2552,42 +2872,177 @@
               <a:defRPr/>
             </a:pPr>
             <a:r>
+              <a:rPr lang="en-US" altLang="ja-JP" sz="1200" dirty="0" err="1"/>
+              <a:t>imageNet</a:t>
+            </a:r>
+            <a:r>
+              <a:rPr lang="ja-JP" altLang="en-US" sz="1200" dirty="0"/>
+              <a:t>で事前学習された深層ニューラルネットワーク</a:t>
+            </a:r>
+            <a:r>
+              <a:rPr lang="en-US" altLang="ja-JP" sz="1200" dirty="0"/>
+              <a:t>(</a:t>
+            </a:r>
+            <a:r>
+              <a:rPr lang="en-US" altLang="ja-JP" sz="1200" dirty="0" err="1"/>
+              <a:t>ResNet</a:t>
+            </a:r>
+            <a:r>
+              <a:rPr lang="ja-JP" altLang="en-US" sz="1200" dirty="0"/>
+              <a:t>など</a:t>
+            </a:r>
+            <a:r>
+              <a:rPr lang="en-US" altLang="ja-JP" sz="1200" dirty="0"/>
+              <a:t>)</a:t>
+            </a:r>
+            <a:r>
+              <a:rPr lang="ja-JP" altLang="en-US" sz="1200" dirty="0"/>
+              <a:t>を</a:t>
+            </a:r>
+            <a:br>
+              <a:rPr lang="en-US" altLang="ja-JP" sz="1200" dirty="0"/>
+            </a:br>
+            <a:r>
+              <a:rPr lang="ja-JP" altLang="en-US" sz="1200" dirty="0"/>
+              <a:t>汎用的な画像の特徴抽出器として利用し、</a:t>
+            </a:r>
+            <a:r>
+              <a:rPr lang="en-US" altLang="ja-JP" sz="1200" u="sng" dirty="0"/>
+              <a:t>KNN</a:t>
+            </a:r>
+            <a:r>
+              <a:rPr lang="ja-JP" altLang="en-US" sz="1200" dirty="0"/>
+              <a:t>を適用する手法。</a:t>
+            </a:r>
+            <a:endParaRPr lang="en-US" dirty="0"/>
+          </a:p>
+          <a:p>
+            <a:endParaRPr lang="en-US" dirty="0"/>
+          </a:p>
+          <a:p>
+            <a:r>
+              <a:rPr lang="en-US" dirty="0" err="1"/>
+              <a:t>Knn</a:t>
+            </a:r>
+            <a:r>
               <a:rPr lang="ja-JP" altLang="en-US" dirty="0"/>
-              <a:t>解説部分</a:t>
-            </a:r>
-            <a:r>
-              <a:rPr lang="en-US" altLang="ja-JP" dirty="0"/>
+              <a:t>：正常な画像が入力されたのならばベクトル間の合計距離は小さくなるはずだという仮定の下で、異常な画像が入力された場合は合計距離が大きくなるので、しきい値を超えた場合に異常と判断されます。</a:t>
+            </a:r>
+            <a:endParaRPr lang="en-US" altLang="ja-JP" dirty="0"/>
+          </a:p>
+          <a:p>
+            <a:endParaRPr lang="en-US" altLang="ja-JP" dirty="0"/>
+          </a:p>
+          <a:p>
+            <a:r>
+              <a:rPr kumimoji="1" lang="en-US" altLang="ja-JP" dirty="0"/>
+              <a:t>end</a:t>
+            </a:r>
+            <a:endParaRPr lang="en-US" altLang="ja-JP" dirty="0"/>
+          </a:p>
+          <a:p>
+            <a:endParaRPr lang="en-US" dirty="0"/>
+          </a:p>
+          <a:p>
+            <a:endParaRPr lang="en-US" dirty="0"/>
+          </a:p>
+          <a:p>
+            <a:endParaRPr lang="en-US" dirty="0"/>
+          </a:p>
+          <a:p>
+            <a:endParaRPr lang="en-US" dirty="0"/>
+          </a:p>
+          <a:p>
+            <a:endParaRPr lang="en-US" dirty="0"/>
+          </a:p>
+          <a:p>
+            <a:endParaRPr lang="en-US" dirty="0"/>
+          </a:p>
+          <a:p>
+            <a:endParaRPr lang="en-US" dirty="0"/>
+          </a:p>
+          <a:p>
+            <a:r>
+              <a:rPr lang="ja-JP" altLang="en-US" dirty="0"/>
+              <a:t>異常スコアは、Ｋ個の特徴ベクトルとの距離の合計です。 </a:t>
+            </a:r>
+            <a:endParaRPr lang="en-US" dirty="0"/>
+          </a:p>
+          <a:p>
+            <a:endParaRPr lang="en-US" dirty="0"/>
+          </a:p>
+          <a:p>
+            <a:r>
+              <a:rPr lang="ja-JP" altLang="en-US" dirty="0"/>
+              <a:t>正規の説明</a:t>
+            </a:r>
+            <a:endParaRPr lang="en-US" dirty="0"/>
+          </a:p>
+          <a:p>
+            <a:pPr marL="0" marR="0" lvl="0" indent="0" algn="l" defTabSz="914400" rtl="0" eaLnBrk="1" fontAlgn="auto" latinLnBrk="0" hangingPunct="1">
+              <a:lnSpc>
+                <a:spcPct val="100000"/>
+              </a:lnSpc>
+              <a:spcBef>
+                <a:spcPts val="0"/>
+              </a:spcBef>
+              <a:spcAft>
+                <a:spcPts val="0"/>
+              </a:spcAft>
+              <a:buClrTx/>
+              <a:buSzTx/>
+              <a:buFontTx/>
+              <a:buNone/>
+              <a:tabLst/>
+              <a:defRPr/>
+            </a:pPr>
+            <a:r>
+              <a:rPr lang="en-US" altLang="ja-JP" sz="1200" dirty="0" err="1"/>
+              <a:t>imageNet</a:t>
+            </a:r>
+            <a:r>
+              <a:rPr lang="ja-JP" altLang="en-US" sz="1200" dirty="0"/>
+              <a:t>で事前学習された深層ニューラルネットワーク</a:t>
+            </a:r>
+            <a:r>
+              <a:rPr lang="en-US" altLang="ja-JP" sz="1200" dirty="0"/>
               <a:t>(</a:t>
             </a:r>
             <a:r>
-              <a:rPr lang="ja-JP" altLang="en-US" dirty="0"/>
-              <a:t>詳しいことはここに記述して、かいつまんでスライドにも書く。図も欲しい</a:t>
-            </a:r>
-            <a:r>
-              <a:rPr lang="en-US" altLang="ja-JP" dirty="0"/>
+              <a:rPr lang="en-US" altLang="ja-JP" sz="1200" dirty="0" err="1"/>
+              <a:t>ResNet</a:t>
+            </a:r>
+            <a:r>
+              <a:rPr lang="ja-JP" altLang="en-US" sz="1200" dirty="0"/>
+              <a:t>など</a:t>
+            </a:r>
+            <a:r>
+              <a:rPr lang="en-US" altLang="ja-JP" sz="1200" dirty="0"/>
               <a:t>)</a:t>
             </a:r>
-            <a:endParaRPr lang="en-JP" altLang="ja-JP" dirty="0"/>
+            <a:r>
+              <a:rPr lang="ja-JP" altLang="en-US" sz="1200" dirty="0"/>
+              <a:t>を</a:t>
+            </a:r>
+            <a:br>
+              <a:rPr lang="en-US" altLang="ja-JP" sz="1200" dirty="0"/>
+            </a:br>
+            <a:r>
+              <a:rPr lang="ja-JP" altLang="en-US" sz="1200" dirty="0"/>
+              <a:t>　汎用的な画像の特徴抽出器として利用し、</a:t>
+            </a:r>
+            <a:r>
+              <a:rPr lang="en-US" altLang="ja-JP" sz="1200" u="sng" dirty="0"/>
+              <a:t>KNN(k-Nearest Neighbors)</a:t>
+            </a:r>
+            <a:r>
+              <a:rPr lang="ja-JP" altLang="en-US" sz="1200" dirty="0"/>
+              <a:t>を適用する手法。</a:t>
+            </a:r>
+            <a:endParaRPr lang="en-US" altLang="ja-JP" sz="1200" dirty="0"/>
           </a:p>
           <a:p>
             <a:endParaRPr lang="en-US" dirty="0"/>
-          </a:p>
-          <a:p>
-            <a:r>
-              <a:rPr lang="ja-JP" altLang="en-US" dirty="0"/>
-              <a:t>その複数層を採用した意図を説明</a:t>
-            </a:r>
-            <a:endParaRPr lang="en-US" altLang="ja-JP" dirty="0"/>
-          </a:p>
-          <a:p>
-            <a:endParaRPr lang="en-US" dirty="0"/>
-          </a:p>
-          <a:p>
-            <a:r>
-              <a:rPr lang="ja-JP" altLang="en-US" dirty="0"/>
-              <a:t>マジ軽く　時間は短く</a:t>
-            </a:r>
-            <a:endParaRPr lang="en-JP" dirty="0"/>
           </a:p>
         </p:txBody>
       </p:sp>
@@ -2617,7 +3072,7 @@
     </p:spTree>
     <p:extLst>
       <p:ext uri="{BB962C8B-B14F-4D97-AF65-F5344CB8AC3E}">
-        <p14:creationId xmlns:p14="http://schemas.microsoft.com/office/powerpoint/2010/main" val="3002620156"/>
+        <p14:creationId xmlns:p14="http://schemas.microsoft.com/office/powerpoint/2010/main" val="266714576"/>
       </p:ext>
     </p:extLst>
   </p:cSld>
@@ -2672,10 +3127,35 @@
           <a:lstStyle/>
           <a:p>
             <a:r>
-              <a:rPr lang="en-JP" dirty="0"/>
-              <a:t>所要時間: [s]</a:t>
-            </a:r>
-            <a:endParaRPr lang="en-US" dirty="0"/>
+              <a:rPr lang="en-US" altLang="ja-JP" sz="1200" dirty="0"/>
+              <a:t>DNN</a:t>
+            </a:r>
+            <a:r>
+              <a:rPr lang="ja-JP" altLang="en-US" sz="1200" dirty="0"/>
+              <a:t>の特徴抽出器に複数の層から得られる特徴マップを利用した手法。</a:t>
+            </a:r>
+            <a:endParaRPr lang="en-US" altLang="ja-JP" dirty="0"/>
+          </a:p>
+          <a:p>
+            <a:endParaRPr lang="en-US" altLang="ja-JP" dirty="0"/>
+          </a:p>
+          <a:p>
+            <a:r>
+              <a:rPr lang="ja-JP" altLang="en-US" dirty="0"/>
+              <a:t>複数層を採用した意図は、 異なる視点から捉えた特徴ら</a:t>
+            </a:r>
+            <a:r>
+              <a:rPr lang="en-US" altLang="ja-JP" dirty="0"/>
+              <a:t> </a:t>
+            </a:r>
+            <a:r>
+              <a:rPr lang="ja-JP" altLang="en-US" dirty="0"/>
+              <a:t>を一つにまとめたら異常箇所が細分化できるからです。</a:t>
+            </a:r>
+            <a:endParaRPr lang="en-US" altLang="ja-JP" dirty="0"/>
+          </a:p>
+          <a:p>
+            <a:endParaRPr lang="en-US" altLang="ja-JP" dirty="0"/>
           </a:p>
           <a:p>
             <a:pPr marL="0" marR="0" lvl="0" indent="0" algn="l" defTabSz="914400" rtl="0" eaLnBrk="1" fontAlgn="auto" latinLnBrk="0" hangingPunct="1">
@@ -2696,8 +3176,207 @@
               <a:defRPr/>
             </a:pPr>
             <a:r>
+              <a:rPr lang="ja-JP" altLang="en-US" sz="1200" dirty="0"/>
+              <a:t>どこが異常たらしめているか判断できる</a:t>
+            </a:r>
+            <a:r>
+              <a:rPr lang="en-US" altLang="ja-JP" sz="1200" dirty="0"/>
+              <a:t>--</a:t>
+            </a:r>
+            <a:r>
               <a:rPr lang="ja-JP" altLang="en-US" dirty="0"/>
-              <a:t>解説部分</a:t>
+              <a:t>局所検知ができます。</a:t>
+            </a:r>
+            <a:r>
+              <a:rPr lang="en-US" altLang="ja-JP" dirty="0"/>
+              <a:t>end</a:t>
+            </a:r>
+          </a:p>
+          <a:p>
+            <a:endParaRPr lang="en-US" altLang="ja-JP" dirty="0"/>
+          </a:p>
+          <a:p>
+            <a:endParaRPr lang="en-US" altLang="ja-JP" dirty="0"/>
+          </a:p>
+          <a:p>
+            <a:endParaRPr lang="en-US" altLang="ja-JP" dirty="0"/>
+          </a:p>
+          <a:p>
+            <a:endParaRPr lang="en-US" altLang="ja-JP" dirty="0"/>
+          </a:p>
+          <a:p>
+            <a:endParaRPr lang="en-US" altLang="ja-JP" dirty="0"/>
+          </a:p>
+          <a:p>
+            <a:endParaRPr lang="en-US" altLang="ja-JP" dirty="0"/>
+          </a:p>
+          <a:p>
+            <a:pPr marL="0" marR="0" lvl="0" indent="0" algn="l" defTabSz="914400" rtl="0" eaLnBrk="1" fontAlgn="auto" latinLnBrk="0" hangingPunct="1">
+              <a:lnSpc>
+                <a:spcPct val="100000"/>
+              </a:lnSpc>
+              <a:spcBef>
+                <a:spcPts val="0"/>
+              </a:spcBef>
+              <a:spcAft>
+                <a:spcPts val="0"/>
+              </a:spcAft>
+              <a:buClrTx/>
+              <a:buSzTx/>
+              <a:buFontTx/>
+              <a:buNone/>
+              <a:tabLst/>
+              <a:defRPr/>
+            </a:pPr>
+            <a:r>
+              <a:rPr lang="ja-JP" altLang="en-US" sz="1200" dirty="0"/>
+              <a:t>・異常スコア＝Ｋ個の特徴ベクトルとの距離の合計。←ちょっと工夫があったかも、、、　</a:t>
+            </a:r>
+            <a:r>
+              <a:rPr lang="ja-JP" altLang="en-US" dirty="0"/>
+              <a:t>　</a:t>
+            </a:r>
+            <a:r>
+              <a:rPr lang="en-US" altLang="ja-JP" dirty="0"/>
+              <a:t>end</a:t>
+            </a:r>
+          </a:p>
+          <a:p>
+            <a:pPr marL="0" marR="0" lvl="0" indent="0" algn="l" defTabSz="914400" rtl="0" eaLnBrk="1" fontAlgn="auto" latinLnBrk="0" hangingPunct="1">
+              <a:lnSpc>
+                <a:spcPct val="100000"/>
+              </a:lnSpc>
+              <a:spcBef>
+                <a:spcPts val="0"/>
+              </a:spcBef>
+              <a:spcAft>
+                <a:spcPts val="0"/>
+              </a:spcAft>
+              <a:buClrTx/>
+              <a:buSzTx/>
+              <a:buFontTx/>
+              <a:buNone/>
+              <a:tabLst/>
+              <a:defRPr/>
+            </a:pPr>
+            <a:endParaRPr lang="en-US" altLang="ja-JP" dirty="0"/>
+          </a:p>
+          <a:p>
+            <a:pPr marL="0" marR="0" lvl="0" indent="0" algn="l" defTabSz="914400" rtl="0" eaLnBrk="1" fontAlgn="auto" latinLnBrk="0" hangingPunct="1">
+              <a:lnSpc>
+                <a:spcPct val="100000"/>
+              </a:lnSpc>
+              <a:spcBef>
+                <a:spcPts val="0"/>
+              </a:spcBef>
+              <a:spcAft>
+                <a:spcPts val="0"/>
+              </a:spcAft>
+              <a:buClrTx/>
+              <a:buSzTx/>
+              <a:buFontTx/>
+              <a:buNone/>
+              <a:tabLst/>
+              <a:defRPr/>
+            </a:pPr>
+            <a:r>
+              <a:rPr lang="ja-JP" altLang="en-US" dirty="0"/>
+              <a:t>ガチの説明</a:t>
+            </a:r>
+            <a:endParaRPr lang="en-US" altLang="ja-JP" dirty="0"/>
+          </a:p>
+          <a:p>
+            <a:pPr marL="0" marR="0" lvl="0" indent="0" algn="l" defTabSz="914400" rtl="0" eaLnBrk="1" fontAlgn="auto" latinLnBrk="0" hangingPunct="1">
+              <a:lnSpc>
+                <a:spcPct val="100000"/>
+              </a:lnSpc>
+              <a:spcBef>
+                <a:spcPts val="0"/>
+              </a:spcBef>
+              <a:spcAft>
+                <a:spcPts val="0"/>
+              </a:spcAft>
+              <a:buClrTx/>
+              <a:buSzTx/>
+              <a:buFontTx/>
+              <a:buNone/>
+              <a:tabLst/>
+              <a:defRPr/>
+            </a:pPr>
+            <a:r>
+              <a:rPr lang="ja-JP" altLang="en-US" dirty="0"/>
+              <a:t>画像をモデルに通して得られる、浅い層と深い層の特徴マップをチャネル方向に結合してから、テスト画像のベクトルと比較する。</a:t>
+            </a:r>
+            <a:endParaRPr lang="en-US" altLang="ja-JP" dirty="0"/>
+          </a:p>
+          <a:p>
+            <a:pPr marL="0" marR="0" lvl="0" indent="0" algn="l" defTabSz="914400" rtl="0" eaLnBrk="1" fontAlgn="auto" latinLnBrk="0" hangingPunct="1">
+              <a:lnSpc>
+                <a:spcPct val="100000"/>
+              </a:lnSpc>
+              <a:spcBef>
+                <a:spcPts val="0"/>
+              </a:spcBef>
+              <a:spcAft>
+                <a:spcPts val="0"/>
+              </a:spcAft>
+              <a:buClrTx/>
+              <a:buSzTx/>
+              <a:buFontTx/>
+              <a:buNone/>
+              <a:tabLst/>
+              <a:defRPr/>
+            </a:pPr>
+            <a:endParaRPr lang="en-US" altLang="ja-JP" dirty="0"/>
+          </a:p>
+          <a:p>
+            <a:r>
+              <a:rPr lang="ja-JP" altLang="en-US" dirty="0"/>
+              <a:t>セマンティック・ピラミッド異常検出（</a:t>
+            </a:r>
+            <a:r>
+              <a:rPr lang="en-US" altLang="ja-JP" dirty="0"/>
+              <a:t>SPADE</a:t>
+            </a:r>
+            <a:r>
+              <a:rPr lang="ja-JP" altLang="en-US" dirty="0"/>
+              <a:t>）提案された手法は</a:t>
+            </a:r>
+          </a:p>
+          <a:p>
+            <a:r>
+              <a:rPr lang="ja-JP" altLang="en-US" dirty="0"/>
+              <a:t>１．</a:t>
+            </a:r>
+            <a:r>
+              <a:rPr lang="en-US" altLang="ja-JP" dirty="0" err="1"/>
+              <a:t>knn</a:t>
+            </a:r>
+            <a:r>
+              <a:rPr lang="ja-JP" altLang="en-US" dirty="0"/>
+              <a:t>で画像単位で似ている正常画像を</a:t>
+            </a:r>
+            <a:r>
+              <a:rPr lang="en-US" altLang="ja-JP" dirty="0"/>
+              <a:t>k</a:t>
+            </a:r>
+            <a:r>
+              <a:rPr lang="ja-JP" altLang="en-US" dirty="0"/>
+              <a:t>個探索。</a:t>
+            </a:r>
+          </a:p>
+          <a:p>
+            <a:r>
+              <a:rPr lang="ja-JP" altLang="en-US" dirty="0"/>
+              <a:t>２．式</a:t>
+            </a:r>
+            <a:r>
+              <a:rPr lang="en-US" altLang="ja-JP" dirty="0"/>
+              <a:t>(2)</a:t>
+            </a:r>
+            <a:r>
+              <a:rPr lang="ja-JP" altLang="en-US" dirty="0"/>
+              <a:t>で得られた特徴ベクトル</a:t>
             </a:r>
             <a:r>
               <a:rPr lang="en-US" altLang="ja-JP" dirty="0"/>
@@ -2705,29 +3384,148 @@
             </a:r>
             <a:r>
               <a:rPr lang="ja-JP" altLang="en-US" dirty="0"/>
-              <a:t>詳しいことはここに記述して、かいつまんでスライドにも書く。図も欲しい</a:t>
+              <a:t>チャンネルごとに</a:t>
+            </a:r>
+            <a:r>
+              <a:rPr lang="en-US" altLang="ja-JP" dirty="0"/>
+              <a:t>GAP</a:t>
+            </a:r>
+            <a:r>
+              <a:rPr lang="ja-JP" altLang="en-US" dirty="0"/>
+              <a:t>済み</a:t>
             </a:r>
             <a:r>
               <a:rPr lang="en-US" altLang="ja-JP" dirty="0"/>
               <a:t>)</a:t>
             </a:r>
-            <a:endParaRPr lang="en-JP" altLang="ja-JP" dirty="0"/>
-          </a:p>
-          <a:p>
-            <a:endParaRPr lang="en-US" dirty="0"/>
-          </a:p>
-          <a:p>
             <a:r>
               <a:rPr lang="ja-JP" altLang="en-US" dirty="0"/>
-              <a:t>分布に沿っているが原点から遠い点⇒異常度を減衰させる</a:t>
+              <a:t>からどれだけ離れているか計算。</a:t>
+            </a:r>
+          </a:p>
+          <a:p>
+            <a:r>
+              <a:rPr lang="ja-JP" altLang="en-US" dirty="0"/>
+              <a:t>３．２でしきい値を上回っていたら異常と判断し４へ。</a:t>
+            </a:r>
+          </a:p>
+          <a:p>
+            <a:r>
+              <a:rPr lang="ja-JP" altLang="en-US" dirty="0"/>
+              <a:t>４．さきほど選ばれたｋ個の正常画像について、各々全てのピクセルに対して特徴ベクトルを得る。得られた特徴ベクトルらを一つの集合Ｓとする。</a:t>
+            </a:r>
+          </a:p>
+          <a:p>
+            <a:r>
+              <a:rPr lang="ja-JP" altLang="en-US" dirty="0"/>
+              <a:t>５．異常と判断された画像の各ピクセルに対して、特徴ベクトルを得る</a:t>
+            </a:r>
+            <a:r>
+              <a:rPr lang="en-US" altLang="ja-JP" dirty="0"/>
+              <a:t>(</a:t>
+            </a:r>
+            <a:r>
+              <a:rPr lang="ja-JP" altLang="en-US" dirty="0"/>
+              <a:t>ベクトルのサイズが小さいから隣接するピクセルと同じ場合がある</a:t>
+            </a:r>
+            <a:r>
+              <a:rPr lang="en-US" altLang="ja-JP" dirty="0"/>
+              <a:t>)</a:t>
+            </a:r>
+            <a:r>
+              <a:rPr lang="ja-JP" altLang="en-US" dirty="0"/>
+              <a:t>。</a:t>
+            </a:r>
+          </a:p>
+          <a:p>
+            <a:r>
+              <a:rPr lang="ja-JP" altLang="en-US" dirty="0"/>
+              <a:t>６．集合Ｓの最も近い値をとるベクトル</a:t>
+            </a:r>
+            <a:r>
+              <a:rPr lang="en-US" altLang="ja-JP" dirty="0"/>
+              <a:t>κ</a:t>
+            </a:r>
+            <a:r>
+              <a:rPr lang="ja-JP" altLang="en-US" dirty="0"/>
+              <a:t>個 と ５．で決めたピクセルに対する特徴ベクトルの距離をそれぞれ計算し合計して</a:t>
+            </a:r>
+            <a:r>
+              <a:rPr lang="en-US" altLang="ja-JP" dirty="0"/>
+              <a:t>κ</a:t>
+            </a:r>
+            <a:r>
+              <a:rPr lang="ja-JP" altLang="en-US" dirty="0"/>
+              <a:t>で割る。</a:t>
+            </a:r>
+          </a:p>
+          <a:p>
+            <a:r>
+              <a:rPr lang="ja-JP" altLang="en-US" dirty="0"/>
+              <a:t>７．しきい値を上回っていたら異常箇所発見。</a:t>
+            </a:r>
+          </a:p>
+          <a:p>
+            <a:r>
+              <a:rPr lang="ja-JP" altLang="en-US" dirty="0"/>
+              <a:t>８．すべてのピクセルを見るまで４～７を繰り返す。</a:t>
             </a:r>
             <a:endParaRPr lang="en-US" altLang="ja-JP" dirty="0"/>
           </a:p>
           <a:p>
+            <a:endParaRPr lang="en-US" altLang="ja-JP" dirty="0"/>
+          </a:p>
+          <a:p>
+            <a:endParaRPr lang="en-US" altLang="ja-JP" dirty="0"/>
+          </a:p>
+          <a:p>
             <a:r>
               <a:rPr lang="ja-JP" altLang="en-US" dirty="0"/>
-              <a:t>分布から明らかに外れているが原点には近い点⇒異常度を増幅させる　って理解。</a:t>
-            </a:r>
+              <a:t>浅い層（高解像度）の特徴は、局所的な細かいディテールを捉えるのに優れてて、</a:t>
+            </a:r>
+          </a:p>
+          <a:p>
+            <a:r>
+              <a:rPr lang="ja-JP" altLang="en-US" dirty="0"/>
+              <a:t>深い層（低解像度）の特徴は、より広い範囲の文脈情報、つまり大域的な構造や意味を捉えるのに優れてる</a:t>
+            </a:r>
+          </a:p>
+          <a:p>
+            <a:endParaRPr lang="en-US" altLang="ja-JP" dirty="0"/>
+          </a:p>
+          <a:p>
+            <a:r>
+              <a:rPr lang="ja-JP" altLang="en-US" dirty="0"/>
+              <a:t>⇓</a:t>
+            </a:r>
+            <a:endParaRPr lang="en-US" altLang="ja-JP" dirty="0"/>
+          </a:p>
+          <a:p>
+            <a:r>
+              <a:rPr lang="ja-JP" altLang="en-US" dirty="0"/>
+              <a:t>浅い層はディティールを捉える目が、深い層は構造や意味を捉える目が肥えている</a:t>
+            </a:r>
+            <a:endParaRPr lang="en-US" altLang="ja-JP" dirty="0"/>
+          </a:p>
+          <a:p>
+            <a:pPr marL="0" marR="0" lvl="0" indent="0" algn="l" defTabSz="914400" rtl="0" eaLnBrk="1" fontAlgn="auto" latinLnBrk="0" hangingPunct="1">
+              <a:lnSpc>
+                <a:spcPct val="100000"/>
+              </a:lnSpc>
+              <a:spcBef>
+                <a:spcPts val="0"/>
+              </a:spcBef>
+              <a:spcAft>
+                <a:spcPts val="0"/>
+              </a:spcAft>
+              <a:buClrTx/>
+              <a:buSzTx/>
+              <a:buFontTx/>
+              <a:buNone/>
+              <a:tabLst/>
+              <a:defRPr/>
+            </a:pPr>
+            <a:endParaRPr lang="en-US" altLang="ja-JP" dirty="0"/>
           </a:p>
         </p:txBody>
       </p:sp>
@@ -2757,7 +3555,7 @@
     </p:spTree>
     <p:extLst>
       <p:ext uri="{BB962C8B-B14F-4D97-AF65-F5344CB8AC3E}">
-        <p14:creationId xmlns:p14="http://schemas.microsoft.com/office/powerpoint/2010/main" val="253265554"/>
+        <p14:creationId xmlns:p14="http://schemas.microsoft.com/office/powerpoint/2010/main" val="3002620156"/>
       </p:ext>
     </p:extLst>
   </p:cSld>
@@ -2854,7 +3652,81 @@
             <a:endParaRPr lang="en-JP" altLang="ja-JP" dirty="0"/>
           </a:p>
           <a:p>
-            <a:endParaRPr lang="en-JP" dirty="0"/>
+            <a:endParaRPr lang="en-US" dirty="0"/>
+          </a:p>
+          <a:p>
+            <a:r>
+              <a:rPr lang="en-US" altLang="ja-JP" dirty="0"/>
+              <a:t>2</a:t>
+            </a:r>
+            <a:r>
+              <a:rPr lang="ja-JP" altLang="en-US" dirty="0"/>
+              <a:t>次元でイメージしてみると、</a:t>
+            </a:r>
+            <a:endParaRPr lang="en-US" dirty="0"/>
+          </a:p>
+          <a:p>
+            <a:r>
+              <a:rPr lang="ja-JP" altLang="en-US" dirty="0"/>
+              <a:t>分散が大きい次元（データの広がりが大きい方向）なら異常度を減衰させる。</a:t>
+            </a:r>
+            <a:endParaRPr lang="en-US" altLang="ja-JP" dirty="0"/>
+          </a:p>
+          <a:p>
+            <a:r>
+              <a:rPr lang="ja-JP" altLang="en-US" dirty="0"/>
+              <a:t>分散が小さい次元なら異常度を増幅させる。　って理解です。</a:t>
+            </a:r>
+            <a:endParaRPr lang="en-US" dirty="0"/>
+          </a:p>
+          <a:p>
+            <a:endParaRPr lang="en-US" dirty="0"/>
+          </a:p>
+          <a:p>
+            <a:r>
+              <a:rPr lang="ja-JP" altLang="en-US" dirty="0"/>
+              <a:t>本当は高次元なので共分散（次元の相関関係を無視していたらペナルティを与える等もある） </a:t>
+            </a:r>
+            <a:r>
+              <a:rPr lang="en-US" altLang="ja-JP" dirty="0"/>
+              <a:t>end</a:t>
+            </a:r>
+            <a:endParaRPr lang="en-US" dirty="0"/>
+          </a:p>
+          <a:p>
+            <a:endParaRPr lang="en-US" dirty="0"/>
+          </a:p>
+          <a:p>
+            <a:endParaRPr lang="en-US" dirty="0"/>
+          </a:p>
+          <a:p>
+            <a:endParaRPr lang="en-US" dirty="0"/>
+          </a:p>
+          <a:p>
+            <a:endParaRPr lang="en-US" dirty="0"/>
+          </a:p>
+          <a:p>
+            <a:endParaRPr lang="en-US" dirty="0"/>
+          </a:p>
+          <a:p>
+            <a:r>
+              <a:rPr lang="ja-JP" altLang="en-US" dirty="0"/>
+              <a:t>原点周りが正常らしいと仮定すると、</a:t>
+            </a:r>
+            <a:endParaRPr lang="en-US" dirty="0"/>
+          </a:p>
+          <a:p>
+            <a:r>
+              <a:rPr lang="ja-JP" altLang="en-US" dirty="0"/>
+              <a:t>データの分布に沿っているが原点から遠い点⇒異常度を減衰させる</a:t>
+            </a:r>
+            <a:endParaRPr lang="en-US" altLang="ja-JP" dirty="0"/>
+          </a:p>
+          <a:p>
+            <a:r>
+              <a:rPr lang="ja-JP" altLang="en-US" dirty="0"/>
+              <a:t>分布から明らかに外れているが原点には近い点⇒異常度を増幅させる　って理解です。</a:t>
+            </a:r>
           </a:p>
         </p:txBody>
       </p:sp>
@@ -2884,7 +3756,7 @@
     </p:spTree>
     <p:extLst>
       <p:ext uri="{BB962C8B-B14F-4D97-AF65-F5344CB8AC3E}">
-        <p14:creationId xmlns:p14="http://schemas.microsoft.com/office/powerpoint/2010/main" val="3124842465"/>
+        <p14:creationId xmlns:p14="http://schemas.microsoft.com/office/powerpoint/2010/main" val="253265554"/>
       </p:ext>
     </p:extLst>
   </p:cSld>
@@ -2913,7 +3785,7 @@
       </p:grpSpPr>
       <p:sp>
         <p:nvSpPr>
-          <p:cNvPr id="2" name="スライド イメージ プレースホルダー 1"/>
+          <p:cNvPr id="2" name="Slide Image Placeholder 1"/>
           <p:cNvSpPr>
             <a:spLocks noGrp="1" noRot="1" noChangeAspect="1"/>
           </p:cNvSpPr>
@@ -2925,7 +3797,7 @@
       </p:sp>
       <p:sp>
         <p:nvSpPr>
-          <p:cNvPr id="3" name="ノート プレースホルダー 2"/>
+          <p:cNvPr id="3" name="Notes Placeholder 2"/>
           <p:cNvSpPr>
             <a:spLocks noGrp="1"/>
           </p:cNvSpPr>
@@ -2939,15 +3811,55 @@
           <a:lstStyle/>
           <a:p>
             <a:r>
-              <a:rPr kumimoji="1" lang="ja-JP" altLang="en-US" dirty="0"/>
-              <a:t>再構築ベースの手法は上記３つを紹介・説明します。</a:t>
-            </a:r>
-          </a:p>
-        </p:txBody>
-      </p:sp>
-      <p:sp>
-        <p:nvSpPr>
-          <p:cNvPr id="4" name="スライド番号プレースホルダー 3"/>
+              <a:rPr lang="en-JP" dirty="0"/>
+              <a:t>所要時間: [s]</a:t>
+            </a:r>
+            <a:endParaRPr lang="en-US" dirty="0"/>
+          </a:p>
+          <a:p>
+            <a:pPr marL="0" marR="0" lvl="0" indent="0" algn="l" defTabSz="914400" rtl="0" eaLnBrk="1" fontAlgn="auto" latinLnBrk="0" hangingPunct="1">
+              <a:lnSpc>
+                <a:spcPct val="100000"/>
+              </a:lnSpc>
+              <a:spcBef>
+                <a:spcPts val="0"/>
+              </a:spcBef>
+              <a:spcAft>
+                <a:spcPts val="0"/>
+              </a:spcAft>
+              <a:buClrTx/>
+              <a:buSzTx/>
+              <a:buFontTx/>
+              <a:buNone/>
+              <a:tabLst/>
+              <a:defRPr/>
+            </a:pPr>
+            <a:r>
+              <a:rPr lang="ja-JP" altLang="en-US" dirty="0"/>
+              <a:t>解説部分</a:t>
+            </a:r>
+            <a:r>
+              <a:rPr lang="en-US" altLang="ja-JP" dirty="0"/>
+              <a:t>(</a:t>
+            </a:r>
+            <a:r>
+              <a:rPr lang="ja-JP" altLang="en-US" dirty="0"/>
+              <a:t>詳しいことはここに記述して、かいつまんでスライドにも書く。図も欲しい</a:t>
+            </a:r>
+            <a:r>
+              <a:rPr lang="en-US" altLang="ja-JP" dirty="0"/>
+              <a:t>)</a:t>
+            </a:r>
+            <a:endParaRPr lang="en-JP" altLang="ja-JP" dirty="0"/>
+          </a:p>
+          <a:p>
+            <a:endParaRPr lang="en-JP" dirty="0"/>
+          </a:p>
+        </p:txBody>
+      </p:sp>
+      <p:sp>
+        <p:nvSpPr>
+          <p:cNvPr id="4" name="Slide Number Placeholder 3"/>
           <p:cNvSpPr>
             <a:spLocks noGrp="1"/>
           </p:cNvSpPr>
@@ -2960,7 +3872,7 @@
           <a:bodyPr/>
           <a:lstStyle/>
           <a:p>
-            <a:fld id="{9C089636-1275-4B33-B565-A6C15888DBD7}" type="slidenum">
+            <a:fld id="{4170CF48-14AD-4B24-8659-A353857BCB31}" type="slidenum">
               <a:rPr kumimoji="1" lang="ja-JP" altLang="en-US" smtClean="0"/>
               <a:t>8</a:t>
             </a:fld>
@@ -2971,7 +3883,7 @@
     </p:spTree>
     <p:extLst>
       <p:ext uri="{BB962C8B-B14F-4D97-AF65-F5344CB8AC3E}">
-        <p14:creationId xmlns:p14="http://schemas.microsoft.com/office/powerpoint/2010/main" val="365982690"/>
+        <p14:creationId xmlns:p14="http://schemas.microsoft.com/office/powerpoint/2010/main" val="3124842465"/>
       </p:ext>
     </p:extLst>
   </p:cSld>
@@ -3000,7 +3912,7 @@
       </p:grpSpPr>
       <p:sp>
         <p:nvSpPr>
-          <p:cNvPr id="2" name="Slide Image Placeholder 1"/>
+          <p:cNvPr id="2" name="スライド イメージ プレースホルダー 1"/>
           <p:cNvSpPr>
             <a:spLocks noGrp="1" noRot="1" noChangeAspect="1"/>
           </p:cNvSpPr>
@@ -3012,7 +3924,7 @@
       </p:sp>
       <p:sp>
         <p:nvSpPr>
-          <p:cNvPr id="3" name="Notes Placeholder 2"/>
+          <p:cNvPr id="3" name="ノート プレースホルダー 2"/>
           <p:cNvSpPr>
             <a:spLocks noGrp="1"/>
           </p:cNvSpPr>
@@ -3026,55 +3938,15 @@
           <a:lstStyle/>
           <a:p>
             <a:r>
-              <a:rPr lang="en-JP" dirty="0"/>
-              <a:t>所要時間: [s]</a:t>
-            </a:r>
-            <a:endParaRPr lang="en-US" dirty="0"/>
-          </a:p>
-          <a:p>
-            <a:pPr marL="0" marR="0" lvl="0" indent="0" algn="l" defTabSz="914400" rtl="0" eaLnBrk="1" fontAlgn="auto" latinLnBrk="0" hangingPunct="1">
-              <a:lnSpc>
-                <a:spcPct val="100000"/>
-              </a:lnSpc>
-              <a:spcBef>
-                <a:spcPts val="0"/>
-              </a:spcBef>
-              <a:spcAft>
-                <a:spcPts val="0"/>
-              </a:spcAft>
-              <a:buClrTx/>
-              <a:buSzTx/>
-              <a:buFontTx/>
-              <a:buNone/>
-              <a:tabLst/>
-              <a:defRPr/>
-            </a:pPr>
-            <a:r>
-              <a:rPr lang="ja-JP" altLang="en-US" dirty="0"/>
-              <a:t>解説部分</a:t>
-            </a:r>
-            <a:r>
-              <a:rPr lang="en-US" altLang="ja-JP" dirty="0"/>
-              <a:t>(</a:t>
-            </a:r>
-            <a:r>
-              <a:rPr lang="ja-JP" altLang="en-US" dirty="0"/>
-              <a:t>詳しいことはここに記述して、かいつまんでスライドにも書く。図も欲しい</a:t>
-            </a:r>
-            <a:r>
-              <a:rPr lang="en-US" altLang="ja-JP" dirty="0"/>
-              <a:t>)</a:t>
-            </a:r>
-            <a:endParaRPr lang="en-JP" altLang="ja-JP" dirty="0"/>
-          </a:p>
-          <a:p>
-            <a:endParaRPr lang="en-JP" dirty="0"/>
-          </a:p>
-        </p:txBody>
-      </p:sp>
-      <p:sp>
-        <p:nvSpPr>
-          <p:cNvPr id="4" name="Slide Number Placeholder 3"/>
+              <a:rPr kumimoji="1" lang="ja-JP" altLang="en-US" dirty="0"/>
+              <a:t>再構築ベースの手法は上記３つを紹介・説明します。</a:t>
+            </a:r>
+          </a:p>
+        </p:txBody>
+      </p:sp>
+      <p:sp>
+        <p:nvSpPr>
+          <p:cNvPr id="4" name="スライド番号プレースホルダー 3"/>
           <p:cNvSpPr>
             <a:spLocks noGrp="1"/>
           </p:cNvSpPr>
@@ -3087,7 +3959,7 @@
           <a:bodyPr/>
           <a:lstStyle/>
           <a:p>
-            <a:fld id="{4170CF48-14AD-4B24-8659-A353857BCB31}" type="slidenum">
+            <a:fld id="{9C089636-1275-4B33-B565-A6C15888DBD7}" type="slidenum">
               <a:rPr kumimoji="1" lang="ja-JP" altLang="en-US" smtClean="0"/>
               <a:t>9</a:t>
             </a:fld>
@@ -3098,7 +3970,7 @@
     </p:spTree>
     <p:extLst>
       <p:ext uri="{BB962C8B-B14F-4D97-AF65-F5344CB8AC3E}">
-        <p14:creationId xmlns:p14="http://schemas.microsoft.com/office/powerpoint/2010/main" val="959664245"/>
+        <p14:creationId xmlns:p14="http://schemas.microsoft.com/office/powerpoint/2010/main" val="365982690"/>
       </p:ext>
     </p:extLst>
   </p:cSld>
@@ -7561,11 +8433,11 @@
           <a:p>
             <a:r>
               <a:rPr lang="ja-JP" altLang="en-US" sz="4000" dirty="0"/>
-              <a:t>提案手法： </a:t>
+              <a:t>提案手法：</a:t>
             </a:r>
             <a:r>
               <a:rPr lang="en-US" altLang="ja-JP" sz="4000" dirty="0"/>
-              <a:t>ADTR</a:t>
+              <a:t>SSIM</a:t>
             </a:r>
             <a:endParaRPr lang="en-JP" sz="4000" dirty="0"/>
           </a:p>
@@ -7586,7 +8458,7 @@
         <p:spPr>
           <a:xfrm>
             <a:off x="449017" y="1452605"/>
-            <a:ext cx="1107996" cy="369332"/>
+            <a:ext cx="1569660" cy="369332"/>
           </a:xfrm>
           <a:prstGeom prst="rect">
             <a:avLst/>
@@ -7600,7 +8472,7 @@
           <a:p>
             <a:r>
               <a:rPr lang="ja-JP" altLang="en-US" b="1" dirty="0"/>
-              <a:t>ああああ</a:t>
+              <a:t>ああああああ</a:t>
             </a:r>
             <a:endParaRPr lang="ja-JP" altLang="en-US" dirty="0"/>
           </a:p>
@@ -7609,7 +8481,7 @@
     </p:spTree>
     <p:extLst>
       <p:ext uri="{BB962C8B-B14F-4D97-AF65-F5344CB8AC3E}">
-        <p14:creationId xmlns:p14="http://schemas.microsoft.com/office/powerpoint/2010/main" val="3411825101"/>
+        <p14:creationId xmlns:p14="http://schemas.microsoft.com/office/powerpoint/2010/main" val="2097275022"/>
       </p:ext>
     </p:extLst>
   </p:cSld>
@@ -7707,8 +8579,8 @@
         </p:nvSpPr>
         <p:spPr>
           <a:xfrm>
-            <a:off x="449016" y="269481"/>
-            <a:ext cx="9732952" cy="707886"/>
+            <a:off x="449017" y="269481"/>
+            <a:ext cx="7135318" cy="707886"/>
           </a:xfrm>
           <a:prstGeom prst="rect">
             <a:avLst/>
@@ -7723,12 +8595,13 @@
           <a:p>
             <a:r>
               <a:rPr lang="ja-JP" altLang="en-US" sz="4000" dirty="0"/>
-              <a:t>提案手法： </a:t>
+              <a:t>提案手法：</a:t>
             </a:r>
             <a:r>
               <a:rPr lang="en-US" altLang="ja-JP" sz="4000" dirty="0"/>
-              <a:t>Morita et al.(2022)</a:t>
-            </a:r>
+              <a:t>ADTR</a:t>
+            </a:r>
+            <a:endParaRPr lang="en-JP" sz="4000" dirty="0"/>
           </a:p>
         </p:txBody>
       </p:sp>
@@ -7767,54 +8640,10 @@
           </a:p>
         </p:txBody>
       </p:sp>
-      <p:sp>
-        <p:nvSpPr>
-          <p:cNvPr id="5" name="テキスト ボックス 4">
-            <a:extLst>
-              <a:ext uri="{FF2B5EF4-FFF2-40B4-BE49-F238E27FC236}">
-                <a16:creationId xmlns:a16="http://schemas.microsoft.com/office/drawing/2014/main" id="{23B5CFF3-EE2A-4F91-86A0-8BFC1984EE8D}"/>
-              </a:ext>
-            </a:extLst>
-          </p:cNvPr>
-          <p:cNvSpPr txBox="1"/>
-          <p:nvPr/>
-        </p:nvSpPr>
-        <p:spPr>
-          <a:xfrm>
-            <a:off x="4497860" y="849412"/>
-            <a:ext cx="6178378" cy="276999"/>
-          </a:xfrm>
-          <a:prstGeom prst="rect">
-            <a:avLst/>
-          </a:prstGeom>
-          <a:noFill/>
-        </p:spPr>
-        <p:txBody>
-          <a:bodyPr wrap="square" rtlCol="0">
-            <a:spAutoFit/>
-          </a:bodyPr>
-          <a:lstStyle/>
-          <a:p>
-            <a:r>
-              <a:rPr lang="en-US" altLang="ja-JP" sz="1200" dirty="0"/>
-              <a:t>(</a:t>
-            </a:r>
-            <a:r>
-              <a:rPr lang="en-US" altLang="ja-JP" sz="1200" dirty="0" err="1"/>
-              <a:t>Removing_Anomalies_as_Noises_for_Industrial_Defect_Localization</a:t>
-            </a:r>
-            <a:r>
-              <a:rPr lang="en-US" altLang="ja-JP" sz="1200" dirty="0"/>
-              <a:t>)</a:t>
-            </a:r>
-            <a:endParaRPr kumimoji="1" lang="ja-JP" altLang="en-US" sz="1200" dirty="0"/>
-          </a:p>
-        </p:txBody>
-      </p:sp>
     </p:spTree>
     <p:extLst>
       <p:ext uri="{BB962C8B-B14F-4D97-AF65-F5344CB8AC3E}">
-        <p14:creationId xmlns:p14="http://schemas.microsoft.com/office/powerpoint/2010/main" val="359630709"/>
+        <p14:creationId xmlns:p14="http://schemas.microsoft.com/office/powerpoint/2010/main" val="3411825101"/>
       </p:ext>
     </p:extLst>
   </p:cSld>
@@ -7841,7 +8670,13 @@
   <p:cSld>
     <p:spTree>
       <p:nvGrpSpPr>
-        <p:cNvPr id="1" name=""/>
+        <p:cNvPr id="1" name="">
+          <a:extLst>
+            <a:ext uri="{FF2B5EF4-FFF2-40B4-BE49-F238E27FC236}">
+              <a16:creationId xmlns:a16="http://schemas.microsoft.com/office/drawing/2014/main" id="{B952A17A-80FF-DA20-EF66-670AF34F25CA}"/>
+            </a:ext>
+          </a:extLst>
+        </p:cNvPr>
         <p:cNvGrpSpPr/>
         <p:nvPr/>
       </p:nvGrpSpPr>
@@ -7855,10 +8690,10 @@
       </p:grpSpPr>
       <p:sp>
         <p:nvSpPr>
-          <p:cNvPr id="2" name="Slide Number Placeholder 1">
-            <a:extLst>
-              <a:ext uri="{FF2B5EF4-FFF2-40B4-BE49-F238E27FC236}">
-                <a16:creationId xmlns:a16="http://schemas.microsoft.com/office/drawing/2014/main" id="{5751CFFC-35DF-11CF-319A-7BD996C08093}"/>
+          <p:cNvPr id="3" name="Slide Number Placeholder 2">
+            <a:extLst>
+              <a:ext uri="{FF2B5EF4-FFF2-40B4-BE49-F238E27FC236}">
+                <a16:creationId xmlns:a16="http://schemas.microsoft.com/office/drawing/2014/main" id="{27BCBD73-CE08-BAE7-80DD-E0A99D17B396}"/>
               </a:ext>
             </a:extLst>
           </p:cNvPr>
@@ -7894,10 +8729,10 @@
       </p:sp>
       <p:sp>
         <p:nvSpPr>
-          <p:cNvPr id="3" name="TextBox 2">
-            <a:extLst>
-              <a:ext uri="{FF2B5EF4-FFF2-40B4-BE49-F238E27FC236}">
-                <a16:creationId xmlns:a16="http://schemas.microsoft.com/office/drawing/2014/main" id="{9245702B-67A0-528F-3DEE-771EFA468E1A}"/>
+          <p:cNvPr id="4" name="TextBox 3">
+            <a:extLst>
+              <a:ext uri="{FF2B5EF4-FFF2-40B4-BE49-F238E27FC236}">
+                <a16:creationId xmlns:a16="http://schemas.microsoft.com/office/drawing/2014/main" id="{58CECEC3-FDFA-4105-AAAB-B509D98AACFD}"/>
               </a:ext>
             </a:extLst>
           </p:cNvPr>
@@ -7906,8 +8741,8 @@
         </p:nvSpPr>
         <p:spPr>
           <a:xfrm>
-            <a:off x="449017" y="269481"/>
-            <a:ext cx="7135318" cy="707886"/>
+            <a:off x="449016" y="269481"/>
+            <a:ext cx="9732952" cy="707886"/>
           </a:xfrm>
           <a:prstGeom prst="rect">
             <a:avLst/>
@@ -7921,18 +8756,22 @@
           <a:lstStyle/>
           <a:p>
             <a:r>
-              <a:rPr lang="en-JP" sz="4000" dirty="0"/>
-              <a:t>My Opinion</a:t>
-            </a:r>
-          </a:p>
-        </p:txBody>
-      </p:sp>
-      <p:sp>
-        <p:nvSpPr>
-          <p:cNvPr id="4" name="正方形/長方形 3">
-            <a:extLst>
-              <a:ext uri="{FF2B5EF4-FFF2-40B4-BE49-F238E27FC236}">
-                <a16:creationId xmlns:a16="http://schemas.microsoft.com/office/drawing/2014/main" id="{D9186BEB-D3A8-4C93-B5B0-435567838C9C}"/>
+              <a:rPr lang="ja-JP" altLang="en-US" sz="4000" dirty="0"/>
+              <a:t>提案手法：</a:t>
+            </a:r>
+            <a:r>
+              <a:rPr lang="en-US" altLang="ja-JP" sz="4000" dirty="0"/>
+              <a:t>Morita et al.(2022)</a:t>
+            </a:r>
+          </a:p>
+        </p:txBody>
+      </p:sp>
+      <p:sp>
+        <p:nvSpPr>
+          <p:cNvPr id="2" name="正方形/長方形 1">
+            <a:extLst>
+              <a:ext uri="{FF2B5EF4-FFF2-40B4-BE49-F238E27FC236}">
+                <a16:creationId xmlns:a16="http://schemas.microsoft.com/office/drawing/2014/main" id="{C3E1F148-AE59-4527-A32D-DE296172C5F8}"/>
               </a:ext>
             </a:extLst>
           </p:cNvPr>
@@ -7941,34 +8780,75 @@
         </p:nvSpPr>
         <p:spPr>
           <a:xfrm>
-            <a:off x="449017" y="1314105"/>
-            <a:ext cx="10696778" cy="369332"/>
+            <a:off x="449017" y="1452605"/>
+            <a:ext cx="1107996" cy="369332"/>
           </a:xfrm>
           <a:prstGeom prst="rect">
             <a:avLst/>
           </a:prstGeom>
         </p:spPr>
         <p:txBody>
-          <a:bodyPr wrap="square">
+          <a:bodyPr wrap="none">
             <a:spAutoFit/>
           </a:bodyPr>
           <a:lstStyle/>
           <a:p>
             <a:r>
-              <a:rPr lang="en-JP" altLang="ja-JP" dirty="0"/>
-              <a:t>・</a:t>
-            </a:r>
-            <a:r>
-              <a:rPr lang="ja-JP" altLang="en-US" dirty="0"/>
-              <a:t>新しく提案された手法でも過去の手法と比べると苦手な評価項目が存在すること。</a:t>
-            </a:r>
+              <a:rPr lang="ja-JP" altLang="en-US" b="1" dirty="0"/>
+              <a:t>ああああ</a:t>
+            </a:r>
+            <a:endParaRPr lang="ja-JP" altLang="en-US" dirty="0"/>
+          </a:p>
+        </p:txBody>
+      </p:sp>
+      <p:sp>
+        <p:nvSpPr>
+          <p:cNvPr id="5" name="テキスト ボックス 4">
+            <a:extLst>
+              <a:ext uri="{FF2B5EF4-FFF2-40B4-BE49-F238E27FC236}">
+                <a16:creationId xmlns:a16="http://schemas.microsoft.com/office/drawing/2014/main" id="{23B5CFF3-EE2A-4F91-86A0-8BFC1984EE8D}"/>
+              </a:ext>
+            </a:extLst>
+          </p:cNvPr>
+          <p:cNvSpPr txBox="1"/>
+          <p:nvPr/>
+        </p:nvSpPr>
+        <p:spPr>
+          <a:xfrm>
+            <a:off x="4497860" y="849412"/>
+            <a:ext cx="6178378" cy="276999"/>
+          </a:xfrm>
+          <a:prstGeom prst="rect">
+            <a:avLst/>
+          </a:prstGeom>
+          <a:noFill/>
+        </p:spPr>
+        <p:txBody>
+          <a:bodyPr wrap="square" rtlCol="0">
+            <a:spAutoFit/>
+          </a:bodyPr>
+          <a:lstStyle/>
+          <a:p>
+            <a:r>
+              <a:rPr lang="en-US" altLang="ja-JP" sz="1200" dirty="0"/>
+              <a:t>(</a:t>
+            </a:r>
+            <a:r>
+              <a:rPr lang="en-US" altLang="ja-JP" sz="1200" dirty="0" err="1"/>
+              <a:t>Removing_Anomalies_as_Noises_for_Industrial_Defect_Localization</a:t>
+            </a:r>
+            <a:r>
+              <a:rPr lang="en-US" altLang="ja-JP" sz="1200" dirty="0"/>
+              <a:t>)</a:t>
+            </a:r>
+            <a:endParaRPr kumimoji="1" lang="ja-JP" altLang="en-US" sz="1200" dirty="0"/>
           </a:p>
         </p:txBody>
       </p:sp>
     </p:spTree>
     <p:extLst>
       <p:ext uri="{BB962C8B-B14F-4D97-AF65-F5344CB8AC3E}">
-        <p14:creationId xmlns:p14="http://schemas.microsoft.com/office/powerpoint/2010/main" val="3422333681"/>
+        <p14:creationId xmlns:p14="http://schemas.microsoft.com/office/powerpoint/2010/main" val="359630709"/>
       </p:ext>
     </p:extLst>
   </p:cSld>
@@ -7995,13 +8875,7 @@
   <p:cSld>
     <p:spTree>
       <p:nvGrpSpPr>
-        <p:cNvPr id="1" name="">
-          <a:extLst>
-            <a:ext uri="{FF2B5EF4-FFF2-40B4-BE49-F238E27FC236}">
-              <a16:creationId xmlns:a16="http://schemas.microsoft.com/office/drawing/2014/main" id="{79A214FC-E6F4-7B59-B279-01A956BB430F}"/>
-            </a:ext>
-          </a:extLst>
-        </p:cNvPr>
+        <p:cNvPr id="1" name=""/>
         <p:cNvGrpSpPr/>
         <p:nvPr/>
       </p:nvGrpSpPr>
@@ -8015,10 +8889,10 @@
       </p:grpSpPr>
       <p:sp>
         <p:nvSpPr>
-          <p:cNvPr id="3" name="Slide Number Placeholder 2">
-            <a:extLst>
-              <a:ext uri="{FF2B5EF4-FFF2-40B4-BE49-F238E27FC236}">
-                <a16:creationId xmlns:a16="http://schemas.microsoft.com/office/drawing/2014/main" id="{64B16C86-23D5-F268-6A8B-5CA7887F9E60}"/>
+          <p:cNvPr id="2" name="Slide Number Placeholder 1">
+            <a:extLst>
+              <a:ext uri="{FF2B5EF4-FFF2-40B4-BE49-F238E27FC236}">
+                <a16:creationId xmlns:a16="http://schemas.microsoft.com/office/drawing/2014/main" id="{5751CFFC-35DF-11CF-319A-7BD996C08093}"/>
               </a:ext>
             </a:extLst>
           </p:cNvPr>
@@ -8054,10 +8928,10 @@
       </p:sp>
       <p:sp>
         <p:nvSpPr>
-          <p:cNvPr id="4" name="TextBox 3">
-            <a:extLst>
-              <a:ext uri="{FF2B5EF4-FFF2-40B4-BE49-F238E27FC236}">
-                <a16:creationId xmlns:a16="http://schemas.microsoft.com/office/drawing/2014/main" id="{DE968B57-7C15-67CE-CDB0-8B1BE675CB57}"/>
+          <p:cNvPr id="3" name="TextBox 2">
+            <a:extLst>
+              <a:ext uri="{FF2B5EF4-FFF2-40B4-BE49-F238E27FC236}">
+                <a16:creationId xmlns:a16="http://schemas.microsoft.com/office/drawing/2014/main" id="{9245702B-67A0-528F-3DEE-771EFA468E1A}"/>
               </a:ext>
             </a:extLst>
           </p:cNvPr>
@@ -8082,420 +8956,53 @@
           <a:p>
             <a:r>
               <a:rPr lang="en-JP" sz="4000" dirty="0"/>
-              <a:t>References</a:t>
-            </a:r>
-          </a:p>
-        </p:txBody>
-      </p:sp>
-      <p:sp>
-        <p:nvSpPr>
-          <p:cNvPr id="2" name="TextBox 1">
-            <a:extLst>
-              <a:ext uri="{FF2B5EF4-FFF2-40B4-BE49-F238E27FC236}">
-                <a16:creationId xmlns:a16="http://schemas.microsoft.com/office/drawing/2014/main" id="{8A354E10-C5BA-BE87-2451-351ED5C4E0E6}"/>
-              </a:ext>
-            </a:extLst>
-          </p:cNvPr>
-          <p:cNvSpPr txBox="1"/>
+              <a:t>My Opinion</a:t>
+            </a:r>
+          </a:p>
+        </p:txBody>
+      </p:sp>
+      <p:sp>
+        <p:nvSpPr>
+          <p:cNvPr id="4" name="正方形/長方形 3">
+            <a:extLst>
+              <a:ext uri="{FF2B5EF4-FFF2-40B4-BE49-F238E27FC236}">
+                <a16:creationId xmlns:a16="http://schemas.microsoft.com/office/drawing/2014/main" id="{D9186BEB-D3A8-4C93-B5B0-435567838C9C}"/>
+              </a:ext>
+            </a:extLst>
+          </p:cNvPr>
+          <p:cNvSpPr/>
           <p:nvPr/>
         </p:nvSpPr>
         <p:spPr>
           <a:xfrm>
-            <a:off x="149902" y="1244183"/>
-            <a:ext cx="11887200" cy="5355312"/>
+            <a:off x="449017" y="1314105"/>
+            <a:ext cx="10696778" cy="369332"/>
           </a:xfrm>
           <a:prstGeom prst="rect">
             <a:avLst/>
           </a:prstGeom>
-          <a:noFill/>
         </p:spPr>
         <p:txBody>
-          <a:bodyPr wrap="square" rtlCol="0">
+          <a:bodyPr wrap="square">
             <a:spAutoFit/>
           </a:bodyPr>
           <a:lstStyle/>
           <a:p>
             <a:r>
-              <a:rPr lang="ja-JP" altLang="en-US" b="1" dirty="0"/>
-              <a:t>メモリバンクベースの手法</a:t>
-            </a:r>
-            <a:endParaRPr lang="en-US" altLang="ja-JP" b="1" dirty="0"/>
-          </a:p>
-          <a:p>
-            <a:r>
               <a:rPr lang="en-JP" altLang="ja-JP" dirty="0"/>
-              <a:t>[1]</a:t>
+              <a:t>・</a:t>
             </a:r>
             <a:r>
               <a:rPr lang="ja-JP" altLang="en-US" dirty="0"/>
-              <a:t> </a:t>
-            </a:r>
-            <a:r>
-              <a:rPr lang="en-US" altLang="ja-JP" dirty="0"/>
-              <a:t>Bergman</a:t>
-            </a:r>
-            <a:r>
-              <a:rPr lang="en-JP" altLang="ja-JP" dirty="0"/>
-              <a:t> </a:t>
-            </a:r>
-            <a:r>
-              <a:rPr lang="en-JP" altLang="ja-JP" i="1" dirty="0"/>
-              <a:t>et.al., </a:t>
-            </a:r>
-            <a:r>
-              <a:rPr lang="en-US" dirty="0">
-                <a:solidFill>
-                  <a:srgbClr val="000000"/>
-                </a:solidFill>
-                <a:hlinkClick r:id="rId3"/>
-              </a:rPr>
-              <a:t>“Deep Nearest Neighbor Anomaly Detection</a:t>
-            </a:r>
-            <a:r>
-              <a:rPr lang="en-US" dirty="0">
-                <a:solidFill>
-                  <a:srgbClr val="000000"/>
-                </a:solidFill>
-              </a:rPr>
-              <a:t>”, 2020, </a:t>
-            </a:r>
-            <a:r>
-              <a:rPr lang="en-US" altLang="ja-JP" dirty="0"/>
-              <a:t>ICLR 2020</a:t>
-            </a:r>
-          </a:p>
-          <a:p>
-            <a:r>
-              <a:rPr lang="en-JP" altLang="ja-JP" dirty="0"/>
-              <a:t>[</a:t>
-            </a:r>
-            <a:r>
-              <a:rPr lang="en-US" altLang="ja-JP" dirty="0"/>
-              <a:t>2</a:t>
-            </a:r>
-            <a:r>
-              <a:rPr lang="en-JP" altLang="ja-JP" dirty="0"/>
-              <a:t>]</a:t>
-            </a:r>
-            <a:r>
-              <a:rPr lang="en-US" altLang="ja-JP" dirty="0">
-                <a:solidFill>
-                  <a:srgbClr val="000000"/>
-                </a:solidFill>
-              </a:rPr>
-              <a:t> </a:t>
-            </a:r>
-            <a:r>
-              <a:rPr lang="en-US" altLang="ja-JP" dirty="0"/>
-              <a:t>Cohen et.al., </a:t>
-            </a:r>
-            <a:r>
-              <a:rPr lang="en-US" altLang="ja-JP" dirty="0">
-                <a:solidFill>
-                  <a:srgbClr val="000000"/>
-                </a:solidFill>
-                <a:hlinkClick r:id="rId4"/>
-              </a:rPr>
-              <a:t>“Sub-Image Anomaly Detection with Deep Pyramid Correspondences</a:t>
-            </a:r>
-            <a:r>
-              <a:rPr lang="en-US" altLang="ja-JP" dirty="0">
-                <a:hlinkClick r:id="rId5"/>
-              </a:rPr>
-              <a:t>”</a:t>
-            </a:r>
-            <a:r>
-              <a:rPr lang="en-US" altLang="ja-JP" dirty="0">
-                <a:solidFill>
-                  <a:srgbClr val="000000"/>
-                </a:solidFill>
-              </a:rPr>
-              <a:t> 2020, </a:t>
-            </a:r>
-            <a:r>
-              <a:rPr lang="en-US" altLang="ja-JP" dirty="0"/>
-              <a:t>CVPR 2020 </a:t>
-            </a:r>
-          </a:p>
-          <a:p>
-            <a:r>
-              <a:rPr lang="en-JP" altLang="ja-JP" dirty="0"/>
-              <a:t>[</a:t>
-            </a:r>
-            <a:r>
-              <a:rPr lang="en-US" altLang="ja-JP" dirty="0"/>
-              <a:t>3</a:t>
-            </a:r>
-            <a:r>
-              <a:rPr lang="en-JP" altLang="ja-JP" dirty="0"/>
-              <a:t>]</a:t>
-            </a:r>
-            <a:r>
-              <a:rPr lang="en-US" altLang="ja-JP" dirty="0"/>
-              <a:t> </a:t>
-            </a:r>
-            <a:r>
-              <a:rPr lang="en-US" altLang="ja-JP" dirty="0" err="1"/>
-              <a:t>Defard</a:t>
-            </a:r>
-            <a:r>
-              <a:rPr lang="en-US" altLang="ja-JP" dirty="0"/>
-              <a:t> et.al., </a:t>
-            </a:r>
-            <a:r>
-              <a:rPr lang="en-US" altLang="ja-JP" dirty="0">
-                <a:hlinkClick r:id="rId6"/>
-              </a:rPr>
-              <a:t>“</a:t>
-            </a:r>
-            <a:r>
-              <a:rPr lang="en-US" altLang="ja-JP" dirty="0" err="1">
-                <a:hlinkClick r:id="rId6"/>
-              </a:rPr>
-              <a:t>PaDiM</a:t>
-            </a:r>
-            <a:r>
-              <a:rPr lang="en-US" altLang="ja-JP" dirty="0">
-                <a:hlinkClick r:id="rId6"/>
-              </a:rPr>
-              <a:t>: a Patch Distribution Modeling Framework for Anomaly Detection and Localization</a:t>
-            </a:r>
-            <a:r>
-              <a:rPr lang="en-US" altLang="ja-JP" dirty="0">
-                <a:hlinkClick r:id="rId5"/>
-              </a:rPr>
-              <a:t>”</a:t>
-            </a:r>
-            <a:r>
-              <a:rPr lang="en-US" altLang="ja-JP" dirty="0">
-                <a:solidFill>
-                  <a:srgbClr val="000000"/>
-                </a:solidFill>
-              </a:rPr>
-              <a:t> 2020, ICIP</a:t>
-            </a:r>
-            <a:r>
-              <a:rPr lang="ja-JP" altLang="en-US" dirty="0">
-                <a:solidFill>
-                  <a:srgbClr val="000000"/>
-                </a:solidFill>
-              </a:rPr>
-              <a:t> </a:t>
-            </a:r>
-            <a:r>
-              <a:rPr lang="en-US" altLang="ja-JP" dirty="0">
-                <a:solidFill>
-                  <a:srgbClr val="000000"/>
-                </a:solidFill>
-              </a:rPr>
-              <a:t>2021</a:t>
-            </a:r>
-            <a:endParaRPr lang="en-US" altLang="ja-JP" dirty="0"/>
-          </a:p>
-          <a:p>
-            <a:r>
-              <a:rPr lang="en-JP" altLang="ja-JP" dirty="0"/>
-              <a:t>[</a:t>
-            </a:r>
-            <a:r>
-              <a:rPr lang="en-US" altLang="ja-JP" dirty="0"/>
-              <a:t>4</a:t>
-            </a:r>
-            <a:r>
-              <a:rPr lang="en-JP" altLang="ja-JP" dirty="0"/>
-              <a:t>]</a:t>
-            </a:r>
-            <a:r>
-              <a:rPr lang="en-US" altLang="ja-JP" dirty="0"/>
-              <a:t> Roth et.al., </a:t>
-            </a:r>
-            <a:r>
-              <a:rPr lang="en-US" altLang="ja-JP" dirty="0">
-                <a:hlinkClick r:id="rId5"/>
-              </a:rPr>
-              <a:t>“Towards Total Recall in Industrial Anomaly Detection”</a:t>
-            </a:r>
-            <a:r>
-              <a:rPr lang="en-US" altLang="ja-JP" dirty="0">
-                <a:solidFill>
-                  <a:srgbClr val="000000"/>
-                </a:solidFill>
-              </a:rPr>
-              <a:t> 2021, </a:t>
-            </a:r>
-            <a:r>
-              <a:rPr lang="en-US" altLang="ja-JP" dirty="0"/>
-              <a:t>CVPR 2022</a:t>
-            </a:r>
-          </a:p>
-          <a:p>
-            <a:endParaRPr lang="en-US" altLang="ja-JP" dirty="0"/>
-          </a:p>
-          <a:p>
-            <a:endParaRPr lang="en-US" altLang="ja-JP" dirty="0"/>
-          </a:p>
-          <a:p>
-            <a:r>
-              <a:rPr lang="ja-JP" altLang="en-US" b="1" dirty="0"/>
-              <a:t>再構成ベースの手法</a:t>
-            </a:r>
-            <a:endParaRPr lang="en-US" altLang="ja-JP" b="1" dirty="0"/>
-          </a:p>
-          <a:p>
-            <a:r>
-              <a:rPr lang="en-JP" altLang="ja-JP" dirty="0"/>
-              <a:t>[</a:t>
-            </a:r>
-            <a:r>
-              <a:rPr lang="en-US" altLang="ja-JP" dirty="0"/>
-              <a:t>5</a:t>
-            </a:r>
-            <a:r>
-              <a:rPr lang="en-JP" altLang="ja-JP" dirty="0"/>
-              <a:t>]</a:t>
-            </a:r>
-            <a:r>
-              <a:rPr lang="en-US" altLang="ja-JP" dirty="0"/>
-              <a:t> Bergmann et.al., </a:t>
-            </a:r>
-            <a:r>
-              <a:rPr lang="en-US" altLang="ja-JP" dirty="0">
-                <a:hlinkClick r:id="rId7"/>
-              </a:rPr>
-              <a:t>“Improving Unsupervised Defect Segmentation by Applying Structural Similarity to Autoencoders”</a:t>
-            </a:r>
-            <a:r>
-              <a:rPr lang="en-US" altLang="ja-JP" dirty="0">
-                <a:solidFill>
-                  <a:srgbClr val="000000"/>
-                </a:solidFill>
-              </a:rPr>
-              <a:t> 2018, </a:t>
-            </a:r>
-            <a:r>
-              <a:rPr lang="en-US" altLang="ja-JP" dirty="0"/>
-              <a:t>VISAPP 2019</a:t>
-            </a:r>
-          </a:p>
-          <a:p>
-            <a:r>
-              <a:rPr lang="en-JP" altLang="ja-JP" dirty="0"/>
-              <a:t>[</a:t>
-            </a:r>
-            <a:r>
-              <a:rPr lang="en-US" altLang="ja-JP" dirty="0"/>
-              <a:t>6</a:t>
-            </a:r>
-            <a:r>
-              <a:rPr lang="en-JP" altLang="ja-JP" dirty="0"/>
-              <a:t>]</a:t>
-            </a:r>
-            <a:r>
-              <a:rPr lang="en-US" altLang="ja-JP" dirty="0"/>
-              <a:t> You et.al., </a:t>
-            </a:r>
-            <a:r>
-              <a:rPr lang="en-US" altLang="ja-JP" dirty="0">
-                <a:hlinkClick r:id="rId8"/>
-              </a:rPr>
-              <a:t>“ADTR: Anomaly Detection Transformer with Feature Reconstruction”</a:t>
-            </a:r>
-            <a:r>
-              <a:rPr lang="en-US" altLang="ja-JP" dirty="0">
-                <a:solidFill>
-                  <a:srgbClr val="000000"/>
-                </a:solidFill>
-              </a:rPr>
-              <a:t> 2022, </a:t>
-            </a:r>
-            <a:r>
-              <a:rPr lang="en-US" altLang="ja-JP" dirty="0"/>
-              <a:t>ICME 2022</a:t>
-            </a:r>
-          </a:p>
-          <a:p>
-            <a:r>
-              <a:rPr lang="en-JP" altLang="ja-JP" dirty="0"/>
-              <a:t>[</a:t>
-            </a:r>
-            <a:r>
-              <a:rPr lang="en-US" altLang="ja-JP" dirty="0"/>
-              <a:t>7</a:t>
-            </a:r>
-            <a:r>
-              <a:rPr lang="en-JP" altLang="ja-JP" dirty="0"/>
-              <a:t>]</a:t>
-            </a:r>
-            <a:r>
-              <a:rPr lang="en-US" altLang="ja-JP" dirty="0"/>
-              <a:t> Lu et.al., </a:t>
-            </a:r>
-            <a:r>
-              <a:rPr lang="en-US" dirty="0">
-                <a:solidFill>
-                  <a:srgbClr val="000000"/>
-                </a:solidFill>
-                <a:hlinkClick r:id="rId9"/>
-              </a:rPr>
-              <a:t>“Removing Anomalies as Noises for Industrial Defect Localization”</a:t>
-            </a:r>
-            <a:r>
-              <a:rPr lang="en-US" altLang="ja-JP" dirty="0">
-                <a:solidFill>
-                  <a:srgbClr val="000000"/>
-                </a:solidFill>
-              </a:rPr>
-              <a:t> 2023, ICCV 2023</a:t>
-            </a:r>
-          </a:p>
-          <a:p>
-            <a:endParaRPr lang="en-US" altLang="ja-JP" dirty="0">
-              <a:solidFill>
-                <a:srgbClr val="000000"/>
-              </a:solidFill>
-            </a:endParaRPr>
-          </a:p>
-          <a:p>
-            <a:endParaRPr lang="en-US" altLang="ja-JP" dirty="0">
-              <a:solidFill>
-                <a:srgbClr val="000000"/>
-              </a:solidFill>
-            </a:endParaRPr>
-          </a:p>
-          <a:p>
-            <a:endParaRPr lang="en-US" altLang="ja-JP" dirty="0">
-              <a:solidFill>
-                <a:srgbClr val="000000"/>
-              </a:solidFill>
-            </a:endParaRPr>
-          </a:p>
-          <a:p>
-            <a:endParaRPr lang="en-US" altLang="ja-JP" dirty="0">
-              <a:solidFill>
-                <a:srgbClr val="000000"/>
-              </a:solidFill>
-            </a:endParaRPr>
-          </a:p>
-          <a:p>
-            <a:endParaRPr lang="en-US" altLang="ja-JP" dirty="0">
-              <a:solidFill>
-                <a:srgbClr val="000000"/>
-              </a:solidFill>
-            </a:endParaRPr>
-          </a:p>
-          <a:p>
-            <a:endParaRPr lang="en-US" altLang="ja-JP" dirty="0">
-              <a:solidFill>
-                <a:srgbClr val="000000"/>
-              </a:solidFill>
-            </a:endParaRPr>
+              <a:t>新しく提案された手法でも過去の手法と比べると苦手な評価項目が存在すること。</a:t>
+            </a:r>
           </a:p>
         </p:txBody>
       </p:sp>
     </p:spTree>
     <p:extLst>
       <p:ext uri="{BB962C8B-B14F-4D97-AF65-F5344CB8AC3E}">
-        <p14:creationId xmlns:p14="http://schemas.microsoft.com/office/powerpoint/2010/main" val="2830937450"/>
+        <p14:creationId xmlns:p14="http://schemas.microsoft.com/office/powerpoint/2010/main" val="3422333681"/>
       </p:ext>
     </p:extLst>
   </p:cSld>
@@ -8522,7 +9029,13 @@
   <p:cSld>
     <p:spTree>
       <p:nvGrpSpPr>
-        <p:cNvPr id="1" name=""/>
+        <p:cNvPr id="1" name="">
+          <a:extLst>
+            <a:ext uri="{FF2B5EF4-FFF2-40B4-BE49-F238E27FC236}">
+              <a16:creationId xmlns:a16="http://schemas.microsoft.com/office/drawing/2014/main" id="{79A214FC-E6F4-7B59-B279-01A956BB430F}"/>
+            </a:ext>
+          </a:extLst>
+        </p:cNvPr>
         <p:cNvGrpSpPr/>
         <p:nvPr/>
       </p:nvGrpSpPr>
@@ -8536,10 +9049,10 @@
       </p:grpSpPr>
       <p:sp>
         <p:nvSpPr>
-          <p:cNvPr id="2" name="Slide Number Placeholder 1">
-            <a:extLst>
-              <a:ext uri="{FF2B5EF4-FFF2-40B4-BE49-F238E27FC236}">
-                <a16:creationId xmlns:a16="http://schemas.microsoft.com/office/drawing/2014/main" id="{5751CFFC-35DF-11CF-319A-7BD996C08093}"/>
+          <p:cNvPr id="3" name="Slide Number Placeholder 2">
+            <a:extLst>
+              <a:ext uri="{FF2B5EF4-FFF2-40B4-BE49-F238E27FC236}">
+                <a16:creationId xmlns:a16="http://schemas.microsoft.com/office/drawing/2014/main" id="{64B16C86-23D5-F268-6A8B-5CA7887F9E60}"/>
               </a:ext>
             </a:extLst>
           </p:cNvPr>
@@ -8573,10 +9086,450 @@
           </a:p>
         </p:txBody>
       </p:sp>
+      <p:sp>
+        <p:nvSpPr>
+          <p:cNvPr id="4" name="TextBox 3">
+            <a:extLst>
+              <a:ext uri="{FF2B5EF4-FFF2-40B4-BE49-F238E27FC236}">
+                <a16:creationId xmlns:a16="http://schemas.microsoft.com/office/drawing/2014/main" id="{DE968B57-7C15-67CE-CDB0-8B1BE675CB57}"/>
+              </a:ext>
+            </a:extLst>
+          </p:cNvPr>
+          <p:cNvSpPr txBox="1"/>
+          <p:nvPr/>
+        </p:nvSpPr>
+        <p:spPr>
+          <a:xfrm>
+            <a:off x="449017" y="269481"/>
+            <a:ext cx="7135318" cy="707886"/>
+          </a:xfrm>
+          <a:prstGeom prst="rect">
+            <a:avLst/>
+          </a:prstGeom>
+          <a:noFill/>
+        </p:spPr>
+        <p:txBody>
+          <a:bodyPr wrap="square" rtlCol="0">
+            <a:spAutoFit/>
+          </a:bodyPr>
+          <a:lstStyle/>
+          <a:p>
+            <a:r>
+              <a:rPr lang="en-JP" sz="4000" dirty="0"/>
+              <a:t>References</a:t>
+            </a:r>
+          </a:p>
+        </p:txBody>
+      </p:sp>
+      <p:sp>
+        <p:nvSpPr>
+          <p:cNvPr id="2" name="TextBox 1">
+            <a:extLst>
+              <a:ext uri="{FF2B5EF4-FFF2-40B4-BE49-F238E27FC236}">
+                <a16:creationId xmlns:a16="http://schemas.microsoft.com/office/drawing/2014/main" id="{8A354E10-C5BA-BE87-2451-351ED5C4E0E6}"/>
+              </a:ext>
+            </a:extLst>
+          </p:cNvPr>
+          <p:cNvSpPr txBox="1"/>
+          <p:nvPr/>
+        </p:nvSpPr>
+        <p:spPr>
+          <a:xfrm>
+            <a:off x="149902" y="1244183"/>
+            <a:ext cx="11887200" cy="5355312"/>
+          </a:xfrm>
+          <a:prstGeom prst="rect">
+            <a:avLst/>
+          </a:prstGeom>
+          <a:noFill/>
+        </p:spPr>
+        <p:txBody>
+          <a:bodyPr wrap="square" rtlCol="0">
+            <a:spAutoFit/>
+          </a:bodyPr>
+          <a:lstStyle/>
+          <a:p>
+            <a:r>
+              <a:rPr lang="ja-JP" altLang="en-US" b="1" dirty="0"/>
+              <a:t>メモリバンクベースの手法</a:t>
+            </a:r>
+            <a:endParaRPr lang="en-US" altLang="ja-JP" b="1" dirty="0"/>
+          </a:p>
+          <a:p>
+            <a:r>
+              <a:rPr lang="en-JP" altLang="ja-JP" dirty="0"/>
+              <a:t>[1]</a:t>
+            </a:r>
+            <a:r>
+              <a:rPr lang="ja-JP" altLang="en-US" dirty="0"/>
+              <a:t> </a:t>
+            </a:r>
+            <a:r>
+              <a:rPr lang="en-US" altLang="ja-JP" dirty="0"/>
+              <a:t>Bergman</a:t>
+            </a:r>
+            <a:r>
+              <a:rPr lang="en-JP" altLang="ja-JP" dirty="0"/>
+              <a:t> </a:t>
+            </a:r>
+            <a:r>
+              <a:rPr lang="en-JP" altLang="ja-JP" i="1" dirty="0"/>
+              <a:t>et.al., </a:t>
+            </a:r>
+            <a:r>
+              <a:rPr lang="en-US" dirty="0">
+                <a:solidFill>
+                  <a:srgbClr val="000000"/>
+                </a:solidFill>
+                <a:hlinkClick r:id="rId3"/>
+              </a:rPr>
+              <a:t>“Deep Nearest Neighbor Anomaly Detection</a:t>
+            </a:r>
+            <a:r>
+              <a:rPr lang="en-US" dirty="0">
+                <a:solidFill>
+                  <a:srgbClr val="000000"/>
+                </a:solidFill>
+              </a:rPr>
+              <a:t>”, 2020, </a:t>
+            </a:r>
+            <a:r>
+              <a:rPr lang="en-US" altLang="ja-JP" dirty="0"/>
+              <a:t>ICLR 2020</a:t>
+            </a:r>
+          </a:p>
+          <a:p>
+            <a:r>
+              <a:rPr lang="en-JP" altLang="ja-JP" dirty="0"/>
+              <a:t>[</a:t>
+            </a:r>
+            <a:r>
+              <a:rPr lang="en-US" altLang="ja-JP" dirty="0"/>
+              <a:t>2</a:t>
+            </a:r>
+            <a:r>
+              <a:rPr lang="en-JP" altLang="ja-JP" dirty="0"/>
+              <a:t>]</a:t>
+            </a:r>
+            <a:r>
+              <a:rPr lang="en-US" altLang="ja-JP" dirty="0">
+                <a:solidFill>
+                  <a:srgbClr val="000000"/>
+                </a:solidFill>
+              </a:rPr>
+              <a:t> </a:t>
+            </a:r>
+            <a:r>
+              <a:rPr lang="en-US" altLang="ja-JP" dirty="0"/>
+              <a:t>Cohen et.al., </a:t>
+            </a:r>
+            <a:r>
+              <a:rPr lang="en-US" altLang="ja-JP" dirty="0">
+                <a:solidFill>
+                  <a:srgbClr val="000000"/>
+                </a:solidFill>
+                <a:hlinkClick r:id="rId4"/>
+              </a:rPr>
+              <a:t>“Sub-Image Anomaly Detection with Deep Pyramid Correspondences</a:t>
+            </a:r>
+            <a:r>
+              <a:rPr lang="en-US" altLang="ja-JP" dirty="0">
+                <a:hlinkClick r:id="rId5"/>
+              </a:rPr>
+              <a:t>”</a:t>
+            </a:r>
+            <a:r>
+              <a:rPr lang="en-US" altLang="ja-JP" dirty="0">
+                <a:solidFill>
+                  <a:srgbClr val="000000"/>
+                </a:solidFill>
+              </a:rPr>
+              <a:t> 2020, </a:t>
+            </a:r>
+            <a:r>
+              <a:rPr lang="en-US" altLang="ja-JP" dirty="0"/>
+              <a:t>CVPR 2020 </a:t>
+            </a:r>
+          </a:p>
+          <a:p>
+            <a:r>
+              <a:rPr lang="en-JP" altLang="ja-JP" dirty="0"/>
+              <a:t>[</a:t>
+            </a:r>
+            <a:r>
+              <a:rPr lang="en-US" altLang="ja-JP" dirty="0"/>
+              <a:t>3</a:t>
+            </a:r>
+            <a:r>
+              <a:rPr lang="en-JP" altLang="ja-JP" dirty="0"/>
+              <a:t>]</a:t>
+            </a:r>
+            <a:r>
+              <a:rPr lang="en-US" altLang="ja-JP" dirty="0"/>
+              <a:t> </a:t>
+            </a:r>
+            <a:r>
+              <a:rPr lang="en-US" altLang="ja-JP" dirty="0" err="1"/>
+              <a:t>Defard</a:t>
+            </a:r>
+            <a:r>
+              <a:rPr lang="en-US" altLang="ja-JP" dirty="0"/>
+              <a:t> et.al., </a:t>
+            </a:r>
+            <a:r>
+              <a:rPr lang="en-US" altLang="ja-JP" dirty="0">
+                <a:hlinkClick r:id="rId6"/>
+              </a:rPr>
+              <a:t>“</a:t>
+            </a:r>
+            <a:r>
+              <a:rPr lang="en-US" altLang="ja-JP" dirty="0" err="1">
+                <a:hlinkClick r:id="rId6"/>
+              </a:rPr>
+              <a:t>PaDiM</a:t>
+            </a:r>
+            <a:r>
+              <a:rPr lang="en-US" altLang="ja-JP" dirty="0">
+                <a:hlinkClick r:id="rId6"/>
+              </a:rPr>
+              <a:t>: a Patch Distribution Modeling Framework for Anomaly Detection and Localization</a:t>
+            </a:r>
+            <a:r>
+              <a:rPr lang="en-US" altLang="ja-JP" dirty="0">
+                <a:hlinkClick r:id="rId5"/>
+              </a:rPr>
+              <a:t>”</a:t>
+            </a:r>
+            <a:r>
+              <a:rPr lang="en-US" altLang="ja-JP" dirty="0">
+                <a:solidFill>
+                  <a:srgbClr val="000000"/>
+                </a:solidFill>
+              </a:rPr>
+              <a:t> 2020, ICIP</a:t>
+            </a:r>
+            <a:r>
+              <a:rPr lang="ja-JP" altLang="en-US" dirty="0">
+                <a:solidFill>
+                  <a:srgbClr val="000000"/>
+                </a:solidFill>
+              </a:rPr>
+              <a:t> </a:t>
+            </a:r>
+            <a:r>
+              <a:rPr lang="en-US" altLang="ja-JP" dirty="0">
+                <a:solidFill>
+                  <a:srgbClr val="000000"/>
+                </a:solidFill>
+              </a:rPr>
+              <a:t>2021</a:t>
+            </a:r>
+            <a:endParaRPr lang="en-US" altLang="ja-JP" dirty="0"/>
+          </a:p>
+          <a:p>
+            <a:r>
+              <a:rPr lang="en-JP" altLang="ja-JP" dirty="0"/>
+              <a:t>[</a:t>
+            </a:r>
+            <a:r>
+              <a:rPr lang="en-US" altLang="ja-JP" dirty="0"/>
+              <a:t>4</a:t>
+            </a:r>
+            <a:r>
+              <a:rPr lang="en-JP" altLang="ja-JP" dirty="0"/>
+              <a:t>]</a:t>
+            </a:r>
+            <a:r>
+              <a:rPr lang="en-US" altLang="ja-JP" dirty="0"/>
+              <a:t> Roth et.al., </a:t>
+            </a:r>
+            <a:r>
+              <a:rPr lang="en-US" altLang="ja-JP" dirty="0">
+                <a:hlinkClick r:id="rId5"/>
+              </a:rPr>
+              <a:t>“Towards Total Recall in Industrial Anomaly Detection”</a:t>
+            </a:r>
+            <a:r>
+              <a:rPr lang="en-US" altLang="ja-JP" dirty="0">
+                <a:solidFill>
+                  <a:srgbClr val="000000"/>
+                </a:solidFill>
+              </a:rPr>
+              <a:t> 2021, </a:t>
+            </a:r>
+            <a:r>
+              <a:rPr lang="en-US" altLang="ja-JP" dirty="0"/>
+              <a:t>CVPR 2022</a:t>
+            </a:r>
+          </a:p>
+          <a:p>
+            <a:endParaRPr lang="en-US" altLang="ja-JP" dirty="0"/>
+          </a:p>
+          <a:p>
+            <a:endParaRPr lang="en-US" altLang="ja-JP" dirty="0"/>
+          </a:p>
+          <a:p>
+            <a:r>
+              <a:rPr lang="ja-JP" altLang="en-US" b="1" dirty="0"/>
+              <a:t>再構成ベースの手法</a:t>
+            </a:r>
+            <a:endParaRPr lang="en-US" altLang="ja-JP" b="1" dirty="0"/>
+          </a:p>
+          <a:p>
+            <a:r>
+              <a:rPr lang="en-JP" altLang="ja-JP" dirty="0"/>
+              <a:t>[</a:t>
+            </a:r>
+            <a:r>
+              <a:rPr lang="en-US" altLang="ja-JP" dirty="0"/>
+              <a:t>5</a:t>
+            </a:r>
+            <a:r>
+              <a:rPr lang="en-JP" altLang="ja-JP" dirty="0"/>
+              <a:t>]</a:t>
+            </a:r>
+            <a:r>
+              <a:rPr lang="en-US" altLang="ja-JP" dirty="0"/>
+              <a:t> Bergmann et.al., </a:t>
+            </a:r>
+            <a:r>
+              <a:rPr lang="en-US" altLang="ja-JP" dirty="0">
+                <a:hlinkClick r:id="rId7"/>
+              </a:rPr>
+              <a:t>“Improving Unsupervised Defect Segmentation by Applying Structural Similarity to Autoencoders”</a:t>
+            </a:r>
+            <a:r>
+              <a:rPr lang="en-US" altLang="ja-JP" dirty="0">
+                <a:solidFill>
+                  <a:srgbClr val="000000"/>
+                </a:solidFill>
+              </a:rPr>
+              <a:t> 2018, </a:t>
+            </a:r>
+            <a:r>
+              <a:rPr lang="en-US" altLang="ja-JP" dirty="0"/>
+              <a:t>VISAPP 2019</a:t>
+            </a:r>
+          </a:p>
+          <a:p>
+            <a:r>
+              <a:rPr lang="en-JP" altLang="ja-JP" dirty="0"/>
+              <a:t>[</a:t>
+            </a:r>
+            <a:r>
+              <a:rPr lang="en-US" altLang="ja-JP" dirty="0"/>
+              <a:t>6</a:t>
+            </a:r>
+            <a:r>
+              <a:rPr lang="en-JP" altLang="ja-JP" dirty="0"/>
+              <a:t>]</a:t>
+            </a:r>
+            <a:r>
+              <a:rPr lang="en-US" altLang="ja-JP" dirty="0"/>
+              <a:t> You et.al., </a:t>
+            </a:r>
+            <a:r>
+              <a:rPr lang="en-US" altLang="ja-JP" dirty="0">
+                <a:hlinkClick r:id="rId8"/>
+              </a:rPr>
+              <a:t>“ADTR: Anomaly Detection Transformer with Feature Reconstruction”</a:t>
+            </a:r>
+            <a:r>
+              <a:rPr lang="en-US" altLang="ja-JP" dirty="0">
+                <a:solidFill>
+                  <a:srgbClr val="000000"/>
+                </a:solidFill>
+              </a:rPr>
+              <a:t> 2022, </a:t>
+            </a:r>
+            <a:r>
+              <a:rPr lang="en-US" altLang="ja-JP" dirty="0"/>
+              <a:t>ICME 2022</a:t>
+            </a:r>
+          </a:p>
+          <a:p>
+            <a:r>
+              <a:rPr lang="en-JP" altLang="ja-JP" dirty="0"/>
+              <a:t>[</a:t>
+            </a:r>
+            <a:r>
+              <a:rPr lang="en-US" altLang="ja-JP" dirty="0"/>
+              <a:t>7</a:t>
+            </a:r>
+            <a:r>
+              <a:rPr lang="en-JP" altLang="ja-JP" dirty="0"/>
+              <a:t>]</a:t>
+            </a:r>
+            <a:r>
+              <a:rPr lang="en-US" altLang="ja-JP" dirty="0"/>
+              <a:t> Lu et.al., </a:t>
+            </a:r>
+            <a:r>
+              <a:rPr lang="en-US" dirty="0">
+                <a:solidFill>
+                  <a:srgbClr val="000000"/>
+                </a:solidFill>
+                <a:hlinkClick r:id="rId9"/>
+              </a:rPr>
+              <a:t>“Removing Anomalies as Noises for Industrial Defect Localization”</a:t>
+            </a:r>
+            <a:r>
+              <a:rPr lang="en-US" altLang="ja-JP" dirty="0">
+                <a:solidFill>
+                  <a:srgbClr val="000000"/>
+                </a:solidFill>
+              </a:rPr>
+              <a:t> 2023, ICCV 2023</a:t>
+            </a:r>
+          </a:p>
+          <a:p>
+            <a:endParaRPr lang="en-US" altLang="ja-JP" dirty="0">
+              <a:solidFill>
+                <a:srgbClr val="000000"/>
+              </a:solidFill>
+            </a:endParaRPr>
+          </a:p>
+          <a:p>
+            <a:endParaRPr lang="en-US" altLang="ja-JP" dirty="0">
+              <a:solidFill>
+                <a:srgbClr val="000000"/>
+              </a:solidFill>
+            </a:endParaRPr>
+          </a:p>
+          <a:p>
+            <a:endParaRPr lang="en-US" altLang="ja-JP" dirty="0">
+              <a:solidFill>
+                <a:srgbClr val="000000"/>
+              </a:solidFill>
+            </a:endParaRPr>
+          </a:p>
+          <a:p>
+            <a:endParaRPr lang="en-US" altLang="ja-JP" dirty="0">
+              <a:solidFill>
+                <a:srgbClr val="000000"/>
+              </a:solidFill>
+            </a:endParaRPr>
+          </a:p>
+          <a:p>
+            <a:endParaRPr lang="en-US" altLang="ja-JP" dirty="0">
+              <a:solidFill>
+                <a:srgbClr val="000000"/>
+              </a:solidFill>
+            </a:endParaRPr>
+          </a:p>
+          <a:p>
+            <a:endParaRPr lang="en-US" altLang="ja-JP" dirty="0">
+              <a:solidFill>
+                <a:srgbClr val="000000"/>
+              </a:solidFill>
+            </a:endParaRPr>
+          </a:p>
+        </p:txBody>
+      </p:sp>
     </p:spTree>
     <p:extLst>
       <p:ext uri="{BB962C8B-B14F-4D97-AF65-F5344CB8AC3E}">
-        <p14:creationId xmlns:p14="http://schemas.microsoft.com/office/powerpoint/2010/main" val="3527193056"/>
+        <p14:creationId xmlns:p14="http://schemas.microsoft.com/office/powerpoint/2010/main" val="2830937450"/>
       </p:ext>
     </p:extLst>
   </p:cSld>
@@ -8599,7 +9552,88 @@
 </file>
 
 <file path=ppt/slides/slide15.xml><?xml version="1.0" encoding="utf-8"?>
-<p:sld xmlns:a="http://schemas.openxmlformats.org/drawingml/2006/main" xmlns:r="http://schemas.openxmlformats.org/officeDocument/2006/relationships" xmlns:p="http://schemas.openxmlformats.org/presentationml/2006/main">
+<p:sld xmlns:a="http://schemas.openxmlformats.org/drawingml/2006/main" xmlns:r="http://schemas.openxmlformats.org/officeDocument/2006/relationships" xmlns:p="http://schemas.openxmlformats.org/presentationml/2006/main" show="0">
+  <p:cSld>
+    <p:spTree>
+      <p:nvGrpSpPr>
+        <p:cNvPr id="1" name=""/>
+        <p:cNvGrpSpPr/>
+        <p:nvPr/>
+      </p:nvGrpSpPr>
+      <p:grpSpPr>
+        <a:xfrm>
+          <a:off x="0" y="0"/>
+          <a:ext cx="0" cy="0"/>
+          <a:chOff x="0" y="0"/>
+          <a:chExt cx="0" cy="0"/>
+        </a:xfrm>
+      </p:grpSpPr>
+      <p:sp>
+        <p:nvSpPr>
+          <p:cNvPr id="2" name="Slide Number Placeholder 1">
+            <a:extLst>
+              <a:ext uri="{FF2B5EF4-FFF2-40B4-BE49-F238E27FC236}">
+                <a16:creationId xmlns:a16="http://schemas.microsoft.com/office/drawing/2014/main" id="{5751CFFC-35DF-11CF-319A-7BD996C08093}"/>
+              </a:ext>
+            </a:extLst>
+          </p:cNvPr>
+          <p:cNvSpPr>
+            <a:spLocks noGrp="1"/>
+          </p:cNvSpPr>
+          <p:nvPr>
+            <p:ph type="sldNum" sz="quarter" idx="12"/>
+          </p:nvPr>
+        </p:nvSpPr>
+        <p:spPr/>
+        <p:txBody>
+          <a:bodyPr/>
+          <a:lstStyle/>
+          <a:p>
+            <a:pPr algn="ctr"/>
+            <a:r>
+              <a:rPr kumimoji="1" lang="en-US" altLang="ja-JP"/>
+              <a:t>-</a:t>
+            </a:r>
+            <a:fld id="{DD4CF77E-606E-4148-BC8B-C5EDFD579810}" type="slidenum">
+              <a:rPr kumimoji="1" lang="ja-JP" altLang="en-US" smtClean="0"/>
+              <a:pPr algn="ctr"/>
+              <a:t>15</a:t>
+            </a:fld>
+            <a:r>
+              <a:rPr kumimoji="1" lang="en-US" altLang="ja-JP"/>
+              <a:t>-</a:t>
+            </a:r>
+            <a:endParaRPr kumimoji="1" lang="ja-JP" altLang="en-US" dirty="0"/>
+          </a:p>
+        </p:txBody>
+      </p:sp>
+    </p:spTree>
+    <p:extLst>
+      <p:ext uri="{BB962C8B-B14F-4D97-AF65-F5344CB8AC3E}">
+        <p14:creationId xmlns:p14="http://schemas.microsoft.com/office/powerpoint/2010/main" val="3527193056"/>
+      </p:ext>
+    </p:extLst>
+  </p:cSld>
+  <p:clrMapOvr>
+    <a:masterClrMapping/>
+  </p:clrMapOvr>
+  <mc:AlternateContent xmlns:mc="http://schemas.openxmlformats.org/markup-compatibility/2006">
+    <mc:Choice xmlns:p14="http://schemas.microsoft.com/office/powerpoint/2010/main" Requires="p14">
+      <p:transition p14:dur="180">
+        <p:fade/>
+      </p:transition>
+    </mc:Choice>
+    <mc:Fallback>
+      <p:transition>
+        <p:fade/>
+      </p:transition>
+    </mc:Fallback>
+  </mc:AlternateContent>
+</p:sld>
+</file>
+
+<file path=ppt/slides/slide16.xml><?xml version="1.0" encoding="utf-8"?>
+<p:sld xmlns:a="http://schemas.openxmlformats.org/drawingml/2006/main" xmlns:r="http://schemas.openxmlformats.org/officeDocument/2006/relationships" xmlns:p="http://schemas.openxmlformats.org/presentationml/2006/main" show="0">
   <p:cSld>
     <p:spTree>
       <p:nvGrpSpPr>
@@ -8650,7 +9684,7 @@
             <a:fld id="{DD4CF77E-606E-4148-BC8B-C5EDFD579810}" type="slidenum">
               <a:rPr kumimoji="1" lang="ja-JP" altLang="en-US" smtClean="0"/>
               <a:pPr algn="ctr"/>
-              <a:t>15</a:t>
+              <a:t>16</a:t>
             </a:fld>
             <a:r>
               <a:rPr kumimoji="1" lang="en-US" altLang="ja-JP"/>
@@ -9007,13 +10041,13 @@
   <p:clrMapOvr>
     <a:masterClrMapping/>
   </p:clrMapOvr>
-  <mc:AlternateContent xmlns:mc="http://schemas.openxmlformats.org/markup-compatibility/2006" xmlns:p14="http://schemas.microsoft.com/office/powerpoint/2010/main">
-    <mc:Choice Requires="p14">
+  <mc:AlternateContent xmlns:mc="http://schemas.openxmlformats.org/markup-compatibility/2006">
+    <mc:Choice xmlns:p14="http://schemas.microsoft.com/office/powerpoint/2010/main" Requires="p14">
       <p:transition p14:dur="180">
         <p:fade/>
       </p:transition>
     </mc:Choice>
-    <mc:Fallback xmlns="">
+    <mc:Fallback>
       <p:transition>
         <p:fade/>
       </p:transition>
@@ -9022,8 +10056,8 @@
 </p:sld>
 </file>
 
-<file path=ppt/slides/slide16.xml><?xml version="1.0" encoding="utf-8"?>
-<p:sld xmlns:a="http://schemas.openxmlformats.org/drawingml/2006/main" xmlns:r="http://schemas.openxmlformats.org/officeDocument/2006/relationships" xmlns:p="http://schemas.openxmlformats.org/presentationml/2006/main">
+<file path=ppt/slides/slide17.xml><?xml version="1.0" encoding="utf-8"?>
+<p:sld xmlns:a="http://schemas.openxmlformats.org/drawingml/2006/main" xmlns:r="http://schemas.openxmlformats.org/officeDocument/2006/relationships" xmlns:p="http://schemas.openxmlformats.org/presentationml/2006/main" show="0">
   <p:cSld>
     <p:spTree>
       <p:nvGrpSpPr>
@@ -9074,7 +10108,7 @@
             <a:fld id="{DD4CF77E-606E-4148-BC8B-C5EDFD579810}" type="slidenum">
               <a:rPr kumimoji="1" lang="ja-JP" altLang="en-US" smtClean="0"/>
               <a:pPr algn="ctr"/>
-              <a:t>16</a:t>
+              <a:t>17</a:t>
             </a:fld>
             <a:r>
               <a:rPr kumimoji="1" lang="en-US" altLang="ja-JP"/>
@@ -9246,13 +10280,13 @@
   <p:clrMapOvr>
     <a:masterClrMapping/>
   </p:clrMapOvr>
-  <mc:AlternateContent xmlns:mc="http://schemas.openxmlformats.org/markup-compatibility/2006" xmlns:p14="http://schemas.microsoft.com/office/powerpoint/2010/main">
-    <mc:Choice Requires="p14">
+  <mc:AlternateContent xmlns:mc="http://schemas.openxmlformats.org/markup-compatibility/2006">
+    <mc:Choice xmlns:p14="http://schemas.microsoft.com/office/powerpoint/2010/main" Requires="p14">
       <p:transition p14:dur="180">
         <p:fade/>
       </p:transition>
     </mc:Choice>
-    <mc:Fallback xmlns="">
+    <mc:Fallback>
       <p:transition>
         <p:fade/>
       </p:transition>
@@ -9261,8 +10295,8 @@
 </p:sld>
 </file>
 
-<file path=ppt/slides/slide17.xml><?xml version="1.0" encoding="utf-8"?>
-<p:sld xmlns:a="http://schemas.openxmlformats.org/drawingml/2006/main" xmlns:r="http://schemas.openxmlformats.org/officeDocument/2006/relationships" xmlns:p="http://schemas.openxmlformats.org/presentationml/2006/main">
+<file path=ppt/slides/slide18.xml><?xml version="1.0" encoding="utf-8"?>
+<p:sld xmlns:a="http://schemas.openxmlformats.org/drawingml/2006/main" xmlns:r="http://schemas.openxmlformats.org/officeDocument/2006/relationships" xmlns:p="http://schemas.openxmlformats.org/presentationml/2006/main" show="0">
   <p:cSld>
     <p:spTree>
       <p:nvGrpSpPr>
@@ -9307,7 +10341,7 @@
             <a:fld id="{DD4CF77E-606E-4148-BC8B-C5EDFD579810}" type="slidenum">
               <a:rPr kumimoji="1" lang="ja-JP" altLang="en-US" smtClean="0"/>
               <a:pPr algn="ctr"/>
-              <a:t>17</a:t>
+              <a:t>18</a:t>
             </a:fld>
             <a:r>
               <a:rPr kumimoji="1" lang="en-US" altLang="ja-JP"/>
@@ -9779,13 +10813,13 @@
   <p:clrMapOvr>
     <a:masterClrMapping/>
   </p:clrMapOvr>
-  <mc:AlternateContent xmlns:mc="http://schemas.openxmlformats.org/markup-compatibility/2006" xmlns:p14="http://schemas.microsoft.com/office/powerpoint/2010/main">
-    <mc:Choice Requires="p14">
+  <mc:AlternateContent xmlns:mc="http://schemas.openxmlformats.org/markup-compatibility/2006">
+    <mc:Choice xmlns:p14="http://schemas.microsoft.com/office/powerpoint/2010/main" Requires="p14">
       <p:transition p14:dur="180">
         <p:fade/>
       </p:transition>
     </mc:Choice>
-    <mc:Fallback xmlns="">
+    <mc:Fallback>
       <p:transition>
         <p:fade/>
       </p:transition>
@@ -9794,8 +10828,8 @@
 </p:sld>
 </file>
 
-<file path=ppt/slides/slide18.xml><?xml version="1.0" encoding="utf-8"?>
-<p:sld xmlns:a="http://schemas.openxmlformats.org/drawingml/2006/main" xmlns:r="http://schemas.openxmlformats.org/officeDocument/2006/relationships" xmlns:p="http://schemas.openxmlformats.org/presentationml/2006/main">
+<file path=ppt/slides/slide19.xml><?xml version="1.0" encoding="utf-8"?>
+<p:sld xmlns:a="http://schemas.openxmlformats.org/drawingml/2006/main" xmlns:r="http://schemas.openxmlformats.org/officeDocument/2006/relationships" xmlns:p="http://schemas.openxmlformats.org/presentationml/2006/main" show="0">
   <p:cSld>
     <p:spTree>
       <p:nvGrpSpPr>
@@ -10008,7 +11042,7 @@
             <a:fld id="{DD4CF77E-606E-4148-BC8B-C5EDFD579810}" type="slidenum">
               <a:rPr kumimoji="1" lang="ja-JP" altLang="en-US" smtClean="0"/>
               <a:pPr algn="ctr"/>
-              <a:t>18</a:t>
+              <a:t>19</a:t>
             </a:fld>
             <a:r>
               <a:rPr kumimoji="1" lang="en-US" altLang="ja-JP"/>
@@ -10381,6 +11415,175 @@
     <p:extLst>
       <p:ext uri="{BB962C8B-B14F-4D97-AF65-F5344CB8AC3E}">
         <p14:creationId xmlns:p14="http://schemas.microsoft.com/office/powerpoint/2010/main" val="2311812192"/>
+      </p:ext>
+    </p:extLst>
+  </p:cSld>
+  <p:clrMapOvr>
+    <a:masterClrMapping/>
+  </p:clrMapOvr>
+  <mc:AlternateContent xmlns:mc="http://schemas.openxmlformats.org/markup-compatibility/2006">
+    <mc:Choice xmlns:p14="http://schemas.microsoft.com/office/powerpoint/2010/main" Requires="p14">
+      <p:transition p14:dur="180">
+        <p:fade/>
+      </p:transition>
+    </mc:Choice>
+    <mc:Fallback>
+      <p:transition>
+        <p:fade/>
+      </p:transition>
+    </mc:Fallback>
+  </mc:AlternateContent>
+</p:sld>
+</file>
+
+<file path=ppt/slides/slide2.xml><?xml version="1.0" encoding="utf-8"?>
+<p:sld xmlns:a="http://schemas.openxmlformats.org/drawingml/2006/main" xmlns:r="http://schemas.openxmlformats.org/officeDocument/2006/relationships" xmlns:p="http://schemas.openxmlformats.org/presentationml/2006/main">
+  <p:cSld>
+    <p:spTree>
+      <p:nvGrpSpPr>
+        <p:cNvPr id="1" name="">
+          <a:extLst>
+            <a:ext uri="{FF2B5EF4-FFF2-40B4-BE49-F238E27FC236}">
+              <a16:creationId xmlns:a16="http://schemas.microsoft.com/office/drawing/2014/main" id="{86F9451F-49B4-342F-683F-0BF43610030D}"/>
+            </a:ext>
+          </a:extLst>
+        </p:cNvPr>
+        <p:cNvGrpSpPr/>
+        <p:nvPr/>
+      </p:nvGrpSpPr>
+      <p:grpSpPr>
+        <a:xfrm>
+          <a:off x="0" y="0"/>
+          <a:ext cx="0" cy="0"/>
+          <a:chOff x="0" y="0"/>
+          <a:chExt cx="0" cy="0"/>
+        </a:xfrm>
+      </p:grpSpPr>
+      <p:sp>
+        <p:nvSpPr>
+          <p:cNvPr id="3" name="TextBox 3">
+            <a:extLst>
+              <a:ext uri="{FF2B5EF4-FFF2-40B4-BE49-F238E27FC236}">
+                <a16:creationId xmlns:a16="http://schemas.microsoft.com/office/drawing/2014/main" id="{4FCFBFBC-2EE1-64DE-FE48-B7B621C4B7ED}"/>
+              </a:ext>
+            </a:extLst>
+          </p:cNvPr>
+          <p:cNvSpPr txBox="1"/>
+          <p:nvPr/>
+        </p:nvSpPr>
+        <p:spPr>
+          <a:xfrm>
+            <a:off x="449017" y="269481"/>
+            <a:ext cx="9263394" cy="707886"/>
+          </a:xfrm>
+          <a:prstGeom prst="rect">
+            <a:avLst/>
+          </a:prstGeom>
+          <a:noFill/>
+        </p:spPr>
+        <p:txBody>
+          <a:bodyPr wrap="square" rtlCol="0">
+            <a:spAutoFit/>
+          </a:bodyPr>
+          <a:lstStyle/>
+          <a:p>
+            <a:r>
+              <a:rPr lang="ja-JP" altLang="en-US" sz="4000" dirty="0"/>
+              <a:t>異常検知　背景</a:t>
+            </a:r>
+            <a:endParaRPr lang="en-JP" sz="2800" dirty="0"/>
+          </a:p>
+        </p:txBody>
+      </p:sp>
+      <p:sp>
+        <p:nvSpPr>
+          <p:cNvPr id="4" name="TextBox 3">
+            <a:extLst>
+              <a:ext uri="{FF2B5EF4-FFF2-40B4-BE49-F238E27FC236}">
+                <a16:creationId xmlns:a16="http://schemas.microsoft.com/office/drawing/2014/main" id="{6CF4AC3B-245B-FCB5-B131-008741567EEC}"/>
+              </a:ext>
+            </a:extLst>
+          </p:cNvPr>
+          <p:cNvSpPr txBox="1"/>
+          <p:nvPr/>
+        </p:nvSpPr>
+        <p:spPr>
+          <a:xfrm>
+            <a:off x="449017" y="1472206"/>
+            <a:ext cx="11136626" cy="2246769"/>
+          </a:xfrm>
+          <a:prstGeom prst="rect">
+            <a:avLst/>
+          </a:prstGeom>
+          <a:noFill/>
+        </p:spPr>
+        <p:txBody>
+          <a:bodyPr wrap="square" rtlCol="0">
+            <a:spAutoFit/>
+          </a:bodyPr>
+          <a:lstStyle/>
+          <a:p>
+            <a:pPr algn="ctr"/>
+            <a:r>
+              <a:rPr lang="ja-JP" altLang="en-US" sz="2800" dirty="0"/>
+              <a:t>産業上</a:t>
+            </a:r>
+            <a:r>
+              <a:rPr lang="en-US" altLang="ja-JP" sz="2800" dirty="0"/>
+              <a:t>”</a:t>
+            </a:r>
+            <a:r>
+              <a:rPr lang="ja-JP" altLang="en-US" sz="2800" dirty="0"/>
+              <a:t>異常</a:t>
+            </a:r>
+            <a:r>
+              <a:rPr lang="en-US" altLang="ja-JP" sz="2800" dirty="0"/>
+              <a:t>”</a:t>
+            </a:r>
+            <a:r>
+              <a:rPr lang="ja-JP" altLang="en-US" sz="2800" dirty="0"/>
+              <a:t>は稀な現象であり、異常データは不足している。</a:t>
+            </a:r>
+            <a:endParaRPr lang="en-US" altLang="ja-JP" sz="2800" dirty="0"/>
+          </a:p>
+          <a:p>
+            <a:pPr algn="ctr"/>
+            <a:r>
+              <a:rPr lang="ja-JP" altLang="en-US" sz="2800" dirty="0"/>
+              <a:t>⇓</a:t>
+            </a:r>
+            <a:endParaRPr lang="en-US" altLang="ja-JP" sz="2800" dirty="0"/>
+          </a:p>
+          <a:p>
+            <a:pPr algn="ctr"/>
+            <a:r>
+              <a:rPr lang="ja-JP" altLang="en-US" sz="2800" dirty="0"/>
+              <a:t>ならば、大量にある正常データを使ってどうにかできないか？</a:t>
+            </a:r>
+            <a:endParaRPr lang="en-US" altLang="ja-JP" sz="2800" dirty="0"/>
+          </a:p>
+          <a:p>
+            <a:pPr algn="ctr"/>
+            <a:r>
+              <a:rPr lang="ja-JP" altLang="en-US" sz="2800" dirty="0"/>
+              <a:t>⇓</a:t>
+            </a:r>
+            <a:endParaRPr lang="en-US" altLang="ja-JP" sz="2800" dirty="0"/>
+          </a:p>
+          <a:p>
+            <a:pPr algn="ctr"/>
+            <a:r>
+              <a:rPr lang="ja-JP" altLang="en-US" sz="2800" dirty="0"/>
+              <a:t>正常データの特徴をモデルに学ばせて異常を弾こう。</a:t>
+            </a:r>
+            <a:endParaRPr lang="en-US" altLang="ja-JP" sz="2800" dirty="0"/>
+          </a:p>
+        </p:txBody>
+      </p:sp>
+    </p:spTree>
+    <p:extLst>
+      <p:ext uri="{BB962C8B-B14F-4D97-AF65-F5344CB8AC3E}">
+        <p14:creationId xmlns:p14="http://schemas.microsoft.com/office/powerpoint/2010/main" val="1658393337"/>
       </p:ext>
     </p:extLst>
   </p:cSld>
@@ -10402,8 +11605,8 @@
 </p:sld>
 </file>
 
-<file path=ppt/slides/slide19.xml><?xml version="1.0" encoding="utf-8"?>
-<p:sld xmlns:a="http://schemas.openxmlformats.org/drawingml/2006/main" xmlns:r="http://schemas.openxmlformats.org/officeDocument/2006/relationships" xmlns:p="http://schemas.openxmlformats.org/presentationml/2006/main">
+<file path=ppt/slides/slide20.xml><?xml version="1.0" encoding="utf-8"?>
+<p:sld xmlns:a="http://schemas.openxmlformats.org/drawingml/2006/main" xmlns:r="http://schemas.openxmlformats.org/officeDocument/2006/relationships" xmlns:p="http://schemas.openxmlformats.org/presentationml/2006/main" show="0">
   <p:cSld>
     <p:spTree>
       <p:nvGrpSpPr>
@@ -10454,7 +11657,7 @@
             <a:fld id="{DD4CF77E-606E-4148-BC8B-C5EDFD579810}" type="slidenum">
               <a:rPr kumimoji="1" lang="ja-JP" altLang="en-US" smtClean="0"/>
               <a:pPr algn="ctr"/>
-              <a:t>19</a:t>
+              <a:t>20</a:t>
             </a:fld>
             <a:r>
               <a:rPr kumimoji="1" lang="en-US" altLang="ja-JP"/>
@@ -10554,13 +11757,13 @@
   <p:clrMapOvr>
     <a:masterClrMapping/>
   </p:clrMapOvr>
-  <mc:AlternateContent xmlns:mc="http://schemas.openxmlformats.org/markup-compatibility/2006" xmlns:p14="http://schemas.microsoft.com/office/powerpoint/2010/main">
-    <mc:Choice Requires="p14">
+  <mc:AlternateContent xmlns:mc="http://schemas.openxmlformats.org/markup-compatibility/2006">
+    <mc:Choice xmlns:p14="http://schemas.microsoft.com/office/powerpoint/2010/main" Requires="p14">
       <p:transition p14:dur="180">
         <p:fade/>
       </p:transition>
     </mc:Choice>
-    <mc:Fallback xmlns="">
+    <mc:Fallback>
       <p:transition>
         <p:fade/>
       </p:transition>
@@ -10569,7 +11772,7 @@
 </p:sld>
 </file>
 
-<file path=ppt/slides/slide2.xml><?xml version="1.0" encoding="utf-8"?>
+<file path=ppt/slides/slide3.xml><?xml version="1.0" encoding="utf-8"?>
 <p:sld xmlns:a="http://schemas.openxmlformats.org/drawingml/2006/main" xmlns:r="http://schemas.openxmlformats.org/officeDocument/2006/relationships" xmlns:p="http://schemas.openxmlformats.org/presentationml/2006/main">
   <p:cSld>
     <p:spTree>
@@ -10637,7 +11840,7 @@
         <p:spPr>
           <a:xfrm>
             <a:off x="449017" y="1472206"/>
-            <a:ext cx="9263394" cy="1384995"/>
+            <a:ext cx="9263394" cy="4401205"/>
           </a:xfrm>
           <a:prstGeom prst="rect">
             <a:avLst/>
@@ -10652,23 +11855,110 @@
           <a:p>
             <a:r>
               <a:rPr lang="ja-JP" altLang="en-US" sz="2800" dirty="0"/>
-              <a:t>１．メモリバンク</a:t>
+              <a:t>１．特徴量ベース</a:t>
             </a:r>
             <a:endParaRPr lang="en-US" altLang="ja-JP" sz="2800" dirty="0"/>
           </a:p>
           <a:p>
             <a:r>
+              <a:rPr lang="en-US" altLang="ja-JP" sz="2800" dirty="0"/>
+              <a:t>	</a:t>
+            </a:r>
+            <a:r>
               <a:rPr lang="ja-JP" altLang="en-US" sz="2800" dirty="0"/>
-              <a:t>２．再構成</a:t>
+              <a:t>・メモリバンク</a:t>
             </a:r>
             <a:endParaRPr lang="en-US" altLang="ja-JP" sz="2800" dirty="0"/>
           </a:p>
           <a:p>
             <a:r>
+              <a:rPr lang="en-US" altLang="ja-JP" sz="2800" dirty="0"/>
+              <a:t>	</a:t>
+            </a:r>
+            <a:r>
               <a:rPr lang="ja-JP" altLang="en-US" sz="2800" dirty="0"/>
-              <a:t>３．確率分布</a:t>
+              <a:t>・確率分布</a:t>
             </a:r>
             <a:endParaRPr lang="en-US" altLang="ja-JP" sz="2800" dirty="0"/>
+          </a:p>
+          <a:p>
+            <a:r>
+              <a:rPr lang="en-US" altLang="ja-JP" sz="2800" dirty="0"/>
+              <a:t>	</a:t>
+            </a:r>
+            <a:r>
+              <a:rPr lang="ja-JP" altLang="en-US" sz="2800" dirty="0"/>
+              <a:t>・　</a:t>
+            </a:r>
+            <a:r>
+              <a:rPr lang="en-US" altLang="ja-JP" sz="2800" dirty="0"/>
+              <a:t>…</a:t>
+            </a:r>
+          </a:p>
+          <a:p>
+            <a:endParaRPr lang="en-US" altLang="ja-JP" sz="2800" dirty="0"/>
+          </a:p>
+          <a:p>
+            <a:r>
+              <a:rPr lang="ja-JP" altLang="en-US" sz="2800" dirty="0"/>
+              <a:t>２．再構成ベース</a:t>
+            </a:r>
+            <a:endParaRPr lang="en-US" altLang="ja-JP" sz="2800" dirty="0"/>
+          </a:p>
+          <a:p>
+            <a:r>
+              <a:rPr lang="en-US" altLang="ja-JP" sz="2800" dirty="0"/>
+              <a:t>	</a:t>
+            </a:r>
+            <a:r>
+              <a:rPr lang="ja-JP" altLang="en-US" sz="2800" dirty="0"/>
+              <a:t>・拡散モデル</a:t>
+            </a:r>
+            <a:endParaRPr lang="en-US" altLang="ja-JP" sz="2800" dirty="0"/>
+          </a:p>
+          <a:p>
+            <a:r>
+              <a:rPr lang="en-US" altLang="ja-JP" sz="2800" dirty="0"/>
+              <a:t>	</a:t>
+            </a:r>
+            <a:r>
+              <a:rPr lang="ja-JP" altLang="en-US" sz="2800" dirty="0"/>
+              <a:t>・オートエンコーダ</a:t>
+            </a:r>
+            <a:endParaRPr lang="en-US" altLang="ja-JP" sz="2800" dirty="0"/>
+          </a:p>
+          <a:p>
+            <a:r>
+              <a:rPr lang="en-US" altLang="ja-JP" sz="2800" dirty="0"/>
+              <a:t>	</a:t>
+            </a:r>
+            <a:r>
+              <a:rPr lang="ja-JP" altLang="en-US" sz="2800" dirty="0"/>
+              <a:t>・</a:t>
+            </a:r>
+            <a:r>
+              <a:rPr lang="en-US" altLang="ja-JP" sz="2800" dirty="0"/>
+              <a:t>GAN</a:t>
+            </a:r>
+            <a:r>
+              <a:rPr lang="ja-JP" altLang="en-US" sz="2800" dirty="0"/>
+              <a:t>ｓ</a:t>
+            </a:r>
+            <a:endParaRPr lang="en-US" altLang="ja-JP" sz="2800" dirty="0"/>
+          </a:p>
+          <a:p>
+            <a:r>
+              <a:rPr lang="en-US" altLang="ja-JP" sz="2800" dirty="0"/>
+              <a:t>	</a:t>
+            </a:r>
+            <a:r>
+              <a:rPr lang="ja-JP" altLang="en-US" sz="2800" dirty="0"/>
+              <a:t>・　</a:t>
+            </a:r>
+            <a:r>
+              <a:rPr lang="en-US" altLang="ja-JP" sz="2800" dirty="0"/>
+              <a:t>…</a:t>
+            </a:r>
           </a:p>
         </p:txBody>
       </p:sp>
@@ -10686,8 +11976,60 @@
         </p:nvSpPr>
         <p:spPr>
           <a:xfrm>
-            <a:off x="1103586" y="1472206"/>
-            <a:ext cx="2427890" cy="908387"/>
+            <a:off x="1765067" y="1851586"/>
+            <a:ext cx="2174635" cy="521964"/>
+          </a:xfrm>
+          <a:prstGeom prst="roundRect">
+            <a:avLst/>
+          </a:prstGeom>
+          <a:noFill/>
+          <a:ln w="38100">
+            <a:solidFill>
+              <a:srgbClr val="FF0000"/>
+            </a:solidFill>
+          </a:ln>
+        </p:spPr>
+        <p:style>
+          <a:lnRef idx="2">
+            <a:schemeClr val="accent1">
+              <a:shade val="50000"/>
+            </a:schemeClr>
+          </a:lnRef>
+          <a:fillRef idx="1">
+            <a:schemeClr val="accent1"/>
+          </a:fillRef>
+          <a:effectRef idx="0">
+            <a:schemeClr val="accent1"/>
+          </a:effectRef>
+          <a:fontRef idx="minor">
+            <a:schemeClr val="lt1"/>
+          </a:fontRef>
+        </p:style>
+        <p:txBody>
+          <a:bodyPr rtlCol="0" anchor="ctr"/>
+          <a:lstStyle/>
+          <a:p>
+            <a:pPr algn="ctr"/>
+            <a:endParaRPr kumimoji="1" lang="ja-JP" altLang="en-US"/>
+          </a:p>
+        </p:txBody>
+      </p:sp>
+      <p:sp>
+        <p:nvSpPr>
+          <p:cNvPr id="2" name="四角形: 角を丸くする 1">
+            <a:extLst>
+              <a:ext uri="{FF2B5EF4-FFF2-40B4-BE49-F238E27FC236}">
+                <a16:creationId xmlns:a16="http://schemas.microsoft.com/office/drawing/2014/main" id="{E723B5E4-4401-708F-154E-B59E7D10F80A}"/>
+              </a:ext>
+            </a:extLst>
+          </p:cNvPr>
+          <p:cNvSpPr/>
+          <p:nvPr/>
+        </p:nvSpPr>
+        <p:spPr>
+          <a:xfrm>
+            <a:off x="1123041" y="3550595"/>
+            <a:ext cx="3585146" cy="1835199"/>
           </a:xfrm>
           <a:prstGeom prst="roundRect">
             <a:avLst/>
@@ -10801,6 +12143,41 @@
                                   </p:childTnLst>
                                 </p:cTn>
                               </p:par>
+                              <p:par>
+                                <p:cTn id="8" presetID="10" presetClass="entr" presetSubtype="0" fill="hold" grpId="0" nodeType="withEffect">
+                                  <p:stCondLst>
+                                    <p:cond delay="0"/>
+                                  </p:stCondLst>
+                                  <p:childTnLst>
+                                    <p:set>
+                                      <p:cBhvr>
+                                        <p:cTn id="9" dur="1" fill="hold">
+                                          <p:stCondLst>
+                                            <p:cond delay="0"/>
+                                          </p:stCondLst>
+                                        </p:cTn>
+                                        <p:tgtEl>
+                                          <p:spTgt spid="2"/>
+                                        </p:tgtEl>
+                                        <p:attrNameLst>
+                                          <p:attrName>style.visibility</p:attrName>
+                                        </p:attrNameLst>
+                                      </p:cBhvr>
+                                      <p:to>
+                                        <p:strVal val="visible"/>
+                                      </p:to>
+                                    </p:set>
+                                    <p:animEffect transition="in" filter="fade">
+                                      <p:cBhvr>
+                                        <p:cTn id="10" dur="500"/>
+                                        <p:tgtEl>
+                                          <p:spTgt spid="2"/>
+                                        </p:tgtEl>
+                                      </p:cBhvr>
+                                    </p:animEffect>
+                                  </p:childTnLst>
+                                </p:cTn>
+                              </p:par>
                             </p:childTnLst>
                           </p:cTn>
                         </p:par>
@@ -10830,12 +12207,13 @@
     </p:tnLst>
     <p:bldLst>
       <p:bldP spid="7" grpId="0" animBg="1"/>
+      <p:bldP spid="2" grpId="0" animBg="1"/>
     </p:bldLst>
   </p:timing>
 </p:sld>
 </file>
 
-<file path=ppt/slides/slide3.xml><?xml version="1.0" encoding="utf-8"?>
+<file path=ppt/slides/slide4.xml><?xml version="1.0" encoding="utf-8"?>
 <p:sld xmlns:a="http://schemas.openxmlformats.org/drawingml/2006/main" xmlns:r="http://schemas.openxmlformats.org/officeDocument/2006/relationships" xmlns:p="http://schemas.openxmlformats.org/presentationml/2006/main">
   <p:cSld>
     <p:spTree>
@@ -10963,274 +12341,6 @@
     <p:extLst>
       <p:ext uri="{BB962C8B-B14F-4D97-AF65-F5344CB8AC3E}">
         <p14:creationId xmlns:p14="http://schemas.microsoft.com/office/powerpoint/2010/main" val="3543279747"/>
-      </p:ext>
-    </p:extLst>
-  </p:cSld>
-  <p:clrMapOvr>
-    <a:masterClrMapping/>
-  </p:clrMapOvr>
-  <mc:AlternateContent xmlns:mc="http://schemas.openxmlformats.org/markup-compatibility/2006" xmlns:p14="http://schemas.microsoft.com/office/powerpoint/2010/main">
-    <mc:Choice Requires="p14">
-      <p:transition p14:dur="180">
-        <p:fade/>
-      </p:transition>
-    </mc:Choice>
-    <mc:Fallback xmlns="">
-      <p:transition>
-        <p:fade/>
-      </p:transition>
-    </mc:Fallback>
-  </mc:AlternateContent>
-</p:sld>
-</file>
-
-<file path=ppt/slides/slide4.xml><?xml version="1.0" encoding="utf-8"?>
-<p:sld xmlns:a="http://schemas.openxmlformats.org/drawingml/2006/main" xmlns:r="http://schemas.openxmlformats.org/officeDocument/2006/relationships" xmlns:p="http://schemas.openxmlformats.org/presentationml/2006/main">
-  <p:cSld>
-    <p:spTree>
-      <p:nvGrpSpPr>
-        <p:cNvPr id="1" name="">
-          <a:extLst>
-            <a:ext uri="{FF2B5EF4-FFF2-40B4-BE49-F238E27FC236}">
-              <a16:creationId xmlns:a16="http://schemas.microsoft.com/office/drawing/2014/main" id="{B952A17A-80FF-DA20-EF66-670AF34F25CA}"/>
-            </a:ext>
-          </a:extLst>
-        </p:cNvPr>
-        <p:cNvGrpSpPr/>
-        <p:nvPr/>
-      </p:nvGrpSpPr>
-      <p:grpSpPr>
-        <a:xfrm>
-          <a:off x="0" y="0"/>
-          <a:ext cx="0" cy="0"/>
-          <a:chOff x="0" y="0"/>
-          <a:chExt cx="0" cy="0"/>
-        </a:xfrm>
-      </p:grpSpPr>
-      <p:sp>
-        <p:nvSpPr>
-          <p:cNvPr id="3" name="Slide Number Placeholder 2">
-            <a:extLst>
-              <a:ext uri="{FF2B5EF4-FFF2-40B4-BE49-F238E27FC236}">
-                <a16:creationId xmlns:a16="http://schemas.microsoft.com/office/drawing/2014/main" id="{27BCBD73-CE08-BAE7-80DD-E0A99D17B396}"/>
-              </a:ext>
-            </a:extLst>
-          </p:cNvPr>
-          <p:cNvSpPr>
-            <a:spLocks noGrp="1"/>
-          </p:cNvSpPr>
-          <p:nvPr>
-            <p:ph type="sldNum" sz="quarter" idx="12"/>
-          </p:nvPr>
-        </p:nvSpPr>
-        <p:spPr/>
-        <p:txBody>
-          <a:bodyPr/>
-          <a:lstStyle/>
-          <a:p>
-            <a:pPr algn="ctr"/>
-            <a:r>
-              <a:rPr kumimoji="1" lang="en-US" altLang="ja-JP"/>
-              <a:t>-</a:t>
-            </a:r>
-            <a:fld id="{DD4CF77E-606E-4148-BC8B-C5EDFD579810}" type="slidenum">
-              <a:rPr kumimoji="1" lang="ja-JP" altLang="en-US" smtClean="0"/>
-              <a:pPr algn="ctr"/>
-              <a:t>4</a:t>
-            </a:fld>
-            <a:r>
-              <a:rPr kumimoji="1" lang="en-US" altLang="ja-JP"/>
-              <a:t>-</a:t>
-            </a:r>
-            <a:endParaRPr kumimoji="1" lang="ja-JP" altLang="en-US" dirty="0"/>
-          </a:p>
-        </p:txBody>
-      </p:sp>
-      <p:sp>
-        <p:nvSpPr>
-          <p:cNvPr id="4" name="TextBox 3">
-            <a:extLst>
-              <a:ext uri="{FF2B5EF4-FFF2-40B4-BE49-F238E27FC236}">
-                <a16:creationId xmlns:a16="http://schemas.microsoft.com/office/drawing/2014/main" id="{58CECEC3-FDFA-4105-AAAB-B509D98AACFD}"/>
-              </a:ext>
-            </a:extLst>
-          </p:cNvPr>
-          <p:cNvSpPr txBox="1"/>
-          <p:nvPr/>
-        </p:nvSpPr>
-        <p:spPr>
-          <a:xfrm>
-            <a:off x="449016" y="269481"/>
-            <a:ext cx="8479084" cy="707886"/>
-          </a:xfrm>
-          <a:prstGeom prst="rect">
-            <a:avLst/>
-          </a:prstGeom>
-          <a:noFill/>
-        </p:spPr>
-        <p:txBody>
-          <a:bodyPr wrap="square" rtlCol="0">
-            <a:spAutoFit/>
-          </a:bodyPr>
-          <a:lstStyle/>
-          <a:p>
-            <a:r>
-              <a:rPr lang="ja-JP" altLang="en-US" sz="4000" dirty="0"/>
-              <a:t>提案手法：</a:t>
-            </a:r>
-            <a:r>
-              <a:rPr lang="en-US" altLang="ja-JP" sz="4000" dirty="0"/>
-              <a:t>DNN  </a:t>
-            </a:r>
-            <a:r>
-              <a:rPr lang="en-US" altLang="ja-JP" sz="2400" dirty="0"/>
-              <a:t>(Deep Nearest-Neighbors)</a:t>
-            </a:r>
-            <a:endParaRPr lang="en-JP" sz="2400" dirty="0"/>
-          </a:p>
-        </p:txBody>
-      </p:sp>
-      <p:sp>
-        <p:nvSpPr>
-          <p:cNvPr id="2" name="テキスト ボックス 1">
-            <a:extLst>
-              <a:ext uri="{FF2B5EF4-FFF2-40B4-BE49-F238E27FC236}">
-                <a16:creationId xmlns:a16="http://schemas.microsoft.com/office/drawing/2014/main" id="{E21702CF-DFF1-403E-B122-F7C9751136B5}"/>
-              </a:ext>
-            </a:extLst>
-          </p:cNvPr>
-          <p:cNvSpPr txBox="1"/>
-          <p:nvPr/>
-        </p:nvSpPr>
-        <p:spPr>
-          <a:xfrm>
-            <a:off x="140677" y="1424354"/>
-            <a:ext cx="10568354" cy="2862322"/>
-          </a:xfrm>
-          <a:prstGeom prst="rect">
-            <a:avLst/>
-          </a:prstGeom>
-          <a:noFill/>
-        </p:spPr>
-        <p:txBody>
-          <a:bodyPr wrap="square" rtlCol="0">
-            <a:spAutoFit/>
-          </a:bodyPr>
-          <a:lstStyle/>
-          <a:p>
-            <a:r>
-              <a:rPr lang="ja-JP" altLang="en-US" sz="2000" dirty="0"/>
-              <a:t>・</a:t>
-            </a:r>
-            <a:r>
-              <a:rPr lang="en-US" altLang="ja-JP" sz="2000" dirty="0" err="1"/>
-              <a:t>imageNet</a:t>
-            </a:r>
-            <a:r>
-              <a:rPr lang="ja-JP" altLang="en-US" sz="2000" dirty="0"/>
-              <a:t>で事前学習された深層ニューラルネットワーク</a:t>
-            </a:r>
-            <a:r>
-              <a:rPr lang="en-US" altLang="ja-JP" sz="2000" dirty="0"/>
-              <a:t>(</a:t>
-            </a:r>
-            <a:r>
-              <a:rPr lang="en-US" altLang="ja-JP" sz="2000" dirty="0" err="1"/>
-              <a:t>ResNet</a:t>
-            </a:r>
-            <a:r>
-              <a:rPr lang="en-US" altLang="ja-JP" sz="2000" dirty="0"/>
-              <a:t>)</a:t>
-            </a:r>
-            <a:r>
-              <a:rPr lang="ja-JP" altLang="en-US" sz="2000" dirty="0"/>
-              <a:t>を</a:t>
-            </a:r>
-            <a:br>
-              <a:rPr lang="en-US" altLang="ja-JP" sz="2000" dirty="0"/>
-            </a:br>
-            <a:r>
-              <a:rPr lang="ja-JP" altLang="en-US" sz="2000" dirty="0"/>
-              <a:t>　汎用的な画像の特徴抽出器として利用し、</a:t>
-            </a:r>
-            <a:r>
-              <a:rPr lang="en-US" altLang="ja-JP" sz="2000" dirty="0"/>
-              <a:t>KNN(k-Nearest Neighbors)</a:t>
-            </a:r>
-            <a:r>
-              <a:rPr lang="ja-JP" altLang="en-US" sz="2000" dirty="0"/>
-              <a:t>を適用する手法。</a:t>
-            </a:r>
-            <a:endParaRPr lang="en-US" altLang="ja-JP" sz="2000" dirty="0"/>
-          </a:p>
-          <a:p>
-            <a:endParaRPr kumimoji="1" lang="en-US" altLang="ja-JP" sz="2000" dirty="0"/>
-          </a:p>
-          <a:p>
-            <a:r>
-              <a:rPr lang="ja-JP" altLang="en-US" sz="2000" dirty="0"/>
-              <a:t>・異常スコア＝Ｋ個の特徴ベクトルとの距離の合計。</a:t>
-            </a:r>
-            <a:endParaRPr lang="en-US" altLang="ja-JP" sz="2000" dirty="0"/>
-          </a:p>
-          <a:p>
-            <a:endParaRPr kumimoji="1" lang="en-US" altLang="ja-JP" sz="2000" dirty="0"/>
-          </a:p>
-          <a:p>
-            <a:endParaRPr lang="en-US" altLang="ja-JP" sz="2000" dirty="0"/>
-          </a:p>
-          <a:p>
-            <a:endParaRPr lang="en-US" altLang="ja-JP" sz="2000" dirty="0"/>
-          </a:p>
-          <a:p>
-            <a:r>
-              <a:rPr kumimoji="1" lang="en-US" altLang="ja-JP" sz="2000" dirty="0"/>
-              <a:t>KNN…</a:t>
-            </a:r>
-            <a:r>
-              <a:rPr kumimoji="1" lang="ja-JP" altLang="en-US" sz="2000" dirty="0"/>
-              <a:t>入力画像の特徴ベクトルと似ている</a:t>
-            </a:r>
-            <a:r>
-              <a:rPr kumimoji="1" lang="en-US" altLang="ja-JP" sz="2000" dirty="0"/>
-              <a:t>(</a:t>
-            </a:r>
-            <a:r>
-              <a:rPr kumimoji="1" lang="ja-JP" altLang="en-US" sz="2000" dirty="0"/>
-              <a:t>距離が近い</a:t>
-            </a:r>
-            <a:r>
-              <a:rPr kumimoji="1" lang="en-US" altLang="ja-JP" sz="2000" dirty="0"/>
-              <a:t>)</a:t>
-            </a:r>
-            <a:r>
-              <a:rPr kumimoji="1" lang="ja-JP" altLang="en-US" sz="2000" dirty="0"/>
-              <a:t>上位</a:t>
-            </a:r>
-            <a:r>
-              <a:rPr lang="ja-JP" altLang="en-US" sz="2000" dirty="0"/>
-              <a:t>Ｋ</a:t>
-            </a:r>
-            <a:r>
-              <a:rPr kumimoji="1" lang="ja-JP" altLang="en-US" sz="2000" dirty="0"/>
-              <a:t>個の特徴ベクトルとの合計距離</a:t>
-            </a:r>
-            <a:r>
-              <a:rPr lang="ja-JP" altLang="en-US" sz="2000" dirty="0"/>
-              <a:t>によって</a:t>
-            </a:r>
-            <a:r>
-              <a:rPr kumimoji="1" lang="ja-JP" altLang="en-US" sz="2000" dirty="0"/>
-              <a:t>異常か判定する手法。</a:t>
-            </a:r>
-            <a:endParaRPr kumimoji="1" lang="en-US" altLang="ja-JP" sz="2000" dirty="0"/>
-          </a:p>
-        </p:txBody>
-      </p:sp>
-    </p:spTree>
-    <p:extLst>
-      <p:ext uri="{BB962C8B-B14F-4D97-AF65-F5344CB8AC3E}">
-        <p14:creationId xmlns:p14="http://schemas.microsoft.com/office/powerpoint/2010/main" val="4167963483"/>
       </p:ext>
     </p:extLst>
   </p:cSld>
@@ -11275,6 +12385,105 @@
           <a:chExt cx="0" cy="0"/>
         </a:xfrm>
       </p:grpSpPr>
+      <p:pic>
+        <p:nvPicPr>
+          <p:cNvPr id="1026" name="Picture 2">
+            <a:extLst>
+              <a:ext uri="{FF2B5EF4-FFF2-40B4-BE49-F238E27FC236}">
+                <a16:creationId xmlns:a16="http://schemas.microsoft.com/office/drawing/2014/main" id="{D7DD0B40-36EB-6304-F157-3AAB1C61F7EF}"/>
+              </a:ext>
+            </a:extLst>
+          </p:cNvPr>
+          <p:cNvPicPr>
+            <a:picLocks noChangeAspect="1" noChangeArrowheads="1"/>
+          </p:cNvPicPr>
+          <p:nvPr/>
+        </p:nvPicPr>
+        <p:blipFill>
+          <a:blip r:embed="rId3">
+            <a:extLst>
+              <a:ext uri="{28A0092B-C50C-407E-A947-70E740481C1C}">
+                <a14:useLocalDpi xmlns:a14="http://schemas.microsoft.com/office/drawing/2010/main" val="0"/>
+              </a:ext>
+            </a:extLst>
+          </a:blip>
+          <a:srcRect/>
+          <a:stretch>
+            <a:fillRect/>
+          </a:stretch>
+        </p:blipFill>
+        <p:spPr bwMode="auto">
+          <a:xfrm>
+            <a:off x="5671226" y="3699438"/>
+            <a:ext cx="4854103" cy="2680255"/>
+          </a:xfrm>
+          <a:prstGeom prst="rect">
+            <a:avLst/>
+          </a:prstGeom>
+          <a:noFill/>
+          <a:extLst>
+            <a:ext uri="{909E8E84-426E-40DD-AFC4-6F175D3DCCD1}">
+              <a14:hiddenFill xmlns:a14="http://schemas.microsoft.com/office/drawing/2010/main">
+                <a:solidFill>
+                  <a:srgbClr val="FFFFFF"/>
+                </a:solidFill>
+              </a14:hiddenFill>
+            </a:ext>
+          </a:extLst>
+        </p:spPr>
+      </p:pic>
+      <p:sp>
+        <p:nvSpPr>
+          <p:cNvPr id="6" name="矢印: 下 5">
+            <a:extLst>
+              <a:ext uri="{FF2B5EF4-FFF2-40B4-BE49-F238E27FC236}">
+                <a16:creationId xmlns:a16="http://schemas.microsoft.com/office/drawing/2014/main" id="{FA174815-DA0A-8261-ED3D-B7283F49F548}"/>
+              </a:ext>
+            </a:extLst>
+          </p:cNvPr>
+          <p:cNvSpPr/>
+          <p:nvPr/>
+        </p:nvSpPr>
+        <p:spPr>
+          <a:xfrm rot="3316128">
+            <a:off x="8872134" y="3635997"/>
+            <a:ext cx="178853" cy="2381347"/>
+          </a:xfrm>
+          <a:prstGeom prst="downArrow">
+            <a:avLst/>
+          </a:prstGeom>
+          <a:solidFill>
+            <a:schemeClr val="accent1">
+              <a:lumMod val="20000"/>
+              <a:lumOff val="80000"/>
+            </a:schemeClr>
+          </a:solidFill>
+        </p:spPr>
+        <p:style>
+          <a:lnRef idx="2">
+            <a:schemeClr val="accent1">
+              <a:shade val="15000"/>
+            </a:schemeClr>
+          </a:lnRef>
+          <a:fillRef idx="1">
+            <a:schemeClr val="accent1"/>
+          </a:fillRef>
+          <a:effectRef idx="0">
+            <a:schemeClr val="accent1"/>
+          </a:effectRef>
+          <a:fontRef idx="minor">
+            <a:schemeClr val="lt1"/>
+          </a:fontRef>
+        </p:style>
+        <p:txBody>
+          <a:bodyPr rtlCol="0" anchor="ctr"/>
+          <a:lstStyle/>
+          <a:p>
+            <a:pPr algn="ctr"/>
+            <a:endParaRPr kumimoji="1" lang="ja-JP" altLang="en-US"/>
+          </a:p>
+        </p:txBody>
+      </p:sp>
       <p:sp>
         <p:nvSpPr>
           <p:cNvPr id="3" name="Slide Number Placeholder 2">
@@ -11329,7 +12538,7 @@
         <p:spPr>
           <a:xfrm>
             <a:off x="449016" y="269481"/>
-            <a:ext cx="9152183" cy="707886"/>
+            <a:ext cx="8479084" cy="707886"/>
           </a:xfrm>
           <a:prstGeom prst="rect">
             <a:avLst/>
@@ -11344,22 +12553,26 @@
           <a:p>
             <a:r>
               <a:rPr lang="ja-JP" altLang="en-US" sz="4000" dirty="0"/>
-              <a:t>提案手法： </a:t>
+              <a:t>提案手法：</a:t>
             </a:r>
             <a:r>
               <a:rPr lang="en-US" altLang="ja-JP" sz="4000" dirty="0"/>
-              <a:t>SPADE</a:t>
-            </a:r>
-            <a:endParaRPr lang="en-JP" sz="4000" dirty="0"/>
-          </a:p>
-        </p:txBody>
-      </p:sp>
-      <p:sp>
-        <p:nvSpPr>
-          <p:cNvPr id="5" name="テキスト ボックス 4">
-            <a:extLst>
-              <a:ext uri="{FF2B5EF4-FFF2-40B4-BE49-F238E27FC236}">
-                <a16:creationId xmlns:a16="http://schemas.microsoft.com/office/drawing/2014/main" id="{C487BEB7-018F-4387-B08F-DFAAFFA88390}"/>
+              <a:t>DNN  </a:t>
+            </a:r>
+            <a:r>
+              <a:rPr lang="en-US" altLang="ja-JP" sz="2400" dirty="0"/>
+              <a:t>(Deep Nearest-Neighbors)</a:t>
+            </a:r>
+            <a:endParaRPr lang="en-JP" sz="2400" dirty="0"/>
+          </a:p>
+        </p:txBody>
+      </p:sp>
+      <p:sp>
+        <p:nvSpPr>
+          <p:cNvPr id="2" name="テキスト ボックス 1">
+            <a:extLst>
+              <a:ext uri="{FF2B5EF4-FFF2-40B4-BE49-F238E27FC236}">
+                <a16:creationId xmlns:a16="http://schemas.microsoft.com/office/drawing/2014/main" id="{E21702CF-DFF1-403E-B122-F7C9751136B5}"/>
               </a:ext>
             </a:extLst>
           </p:cNvPr>
@@ -11368,8 +12581,8 @@
         </p:nvSpPr>
         <p:spPr>
           <a:xfrm>
-            <a:off x="140677" y="1424354"/>
-            <a:ext cx="10568354" cy="1631216"/>
+            <a:off x="140676" y="1424354"/>
+            <a:ext cx="10853675" cy="1938992"/>
           </a:xfrm>
           <a:prstGeom prst="rect">
             <a:avLst/>
@@ -11387,45 +12600,285 @@
               <a:t>・</a:t>
             </a:r>
             <a:r>
+              <a:rPr lang="en-US" altLang="ja-JP" sz="2000" dirty="0" err="1"/>
+              <a:t>imageNet</a:t>
+            </a:r>
+            <a:r>
+              <a:rPr lang="ja-JP" altLang="en-US" sz="2000" dirty="0"/>
+              <a:t>で事前学習された</a:t>
+            </a:r>
+            <a:r>
+              <a:rPr lang="en-US" altLang="ja-JP" sz="2000" dirty="0" err="1"/>
+              <a:t>ResNet</a:t>
+            </a:r>
+            <a:r>
+              <a:rPr lang="ja-JP" altLang="en-US" sz="2000" dirty="0"/>
+              <a:t>を特徴抽出器として利用し、</a:t>
+            </a:r>
+            <a:r>
+              <a:rPr lang="en-US" altLang="ja-JP" sz="2000" u="sng" dirty="0"/>
+              <a:t>KNN</a:t>
+            </a:r>
+            <a:r>
+              <a:rPr lang="ja-JP" altLang="en-US" sz="2000" dirty="0"/>
+              <a:t>を適用する手法。</a:t>
+            </a:r>
+            <a:endParaRPr lang="en-US" altLang="ja-JP" sz="2000" dirty="0"/>
+          </a:p>
+          <a:p>
+            <a:endParaRPr lang="en-US" altLang="ja-JP" sz="2000" dirty="0"/>
+          </a:p>
+          <a:p>
+            <a:r>
+              <a:rPr lang="ja-JP" altLang="en-US" sz="2000" dirty="0"/>
+              <a:t>・</a:t>
+            </a:r>
+            <a:r>
+              <a:rPr lang="en-US" altLang="ja-JP" sz="2000" u="sng" dirty="0"/>
+              <a:t>KNN</a:t>
+            </a:r>
+            <a:r>
+              <a:rPr lang="ja-JP" altLang="en-US" sz="2000" dirty="0"/>
+              <a:t>を採用しているため、データ数に比例してメモリ使用量と計算量が増加する。</a:t>
+            </a:r>
+            <a:endParaRPr lang="en-US" altLang="ja-JP" sz="2000" dirty="0"/>
+          </a:p>
+          <a:p>
+            <a:endParaRPr lang="en-US" altLang="ja-JP" sz="2000" dirty="0"/>
+          </a:p>
+          <a:p>
+            <a:r>
+              <a:rPr lang="en-US" altLang="ja-JP" sz="2000" u="sng" dirty="0"/>
+              <a:t>KNN</a:t>
+            </a:r>
+            <a:r>
               <a:rPr lang="en-US" altLang="ja-JP" sz="2000" dirty="0"/>
-              <a:t>DNN</a:t>
+              <a:t>…</a:t>
             </a:r>
             <a:r>
               <a:rPr lang="ja-JP" altLang="en-US" sz="2000" dirty="0"/>
-              <a:t>の特徴抽出器を工夫した手法。</a:t>
+              <a:t>入力画像の特徴ベクトルと似ている</a:t>
+            </a:r>
+            <a:r>
+              <a:rPr lang="en-US" altLang="ja-JP" sz="2000" dirty="0"/>
+              <a:t>(</a:t>
+            </a:r>
+            <a:r>
+              <a:rPr lang="ja-JP" altLang="en-US" sz="2000" dirty="0"/>
+              <a:t>距離が近い</a:t>
+            </a:r>
+            <a:r>
+              <a:rPr lang="en-US" altLang="ja-JP" sz="2000" dirty="0"/>
+              <a:t>)</a:t>
+            </a:r>
+            <a:r>
+              <a:rPr lang="ja-JP" altLang="en-US" sz="2000" dirty="0"/>
+              <a:t>上位Ｋ個の特徴ベクトルとの</a:t>
             </a:r>
             <a:endParaRPr lang="en-US" altLang="ja-JP" sz="2000" dirty="0"/>
           </a:p>
           <a:p>
+            <a:r>
+              <a:rPr lang="ja-JP" altLang="en-US" sz="2000" dirty="0"/>
+              <a:t>　　　 合計距離によって異常か判定する手法。</a:t>
+            </a:r>
             <a:endParaRPr lang="en-US" altLang="ja-JP" sz="2000" dirty="0"/>
           </a:p>
-          <a:p>
-            <a:r>
-              <a:rPr lang="ja-JP" altLang="en-US" sz="2000" dirty="0"/>
-              <a:t>・浅い層＋深い層の特徴マップを利用するように改善。</a:t>
-            </a:r>
-            <a:endParaRPr lang="en-US" altLang="ja-JP" sz="2000" dirty="0"/>
-          </a:p>
-          <a:p>
-            <a:endParaRPr kumimoji="1" lang="en-US" altLang="ja-JP" sz="2000" dirty="0"/>
-          </a:p>
-          <a:p>
-            <a:r>
-              <a:rPr lang="ja-JP" altLang="en-US" sz="2000" dirty="0"/>
-              <a:t>・異常スコア＝Ｋ個の特徴ベクトルとの距離の合計。←ちょっと工夫があったかも</a:t>
-            </a:r>
-            <a:r>
-              <a:rPr lang="ja-JP" altLang="en-US" sz="2000" dirty="0" err="1"/>
-              <a:t>、、、、</a:t>
-            </a:r>
-            <a:endParaRPr lang="en-US" altLang="ja-JP" sz="2000" dirty="0"/>
+        </p:txBody>
+      </p:sp>
+      <p:sp>
+        <p:nvSpPr>
+          <p:cNvPr id="5" name="正方形/長方形 4">
+            <a:extLst>
+              <a:ext uri="{FF2B5EF4-FFF2-40B4-BE49-F238E27FC236}">
+                <a16:creationId xmlns:a16="http://schemas.microsoft.com/office/drawing/2014/main" id="{B71861AD-9830-7E20-607F-9C25F1115A92}"/>
+              </a:ext>
+            </a:extLst>
+          </p:cNvPr>
+          <p:cNvSpPr/>
+          <p:nvPr/>
+        </p:nvSpPr>
+        <p:spPr>
+          <a:xfrm>
+            <a:off x="8010251" y="6301155"/>
+            <a:ext cx="3505476" cy="215444"/>
+          </a:xfrm>
+          <a:prstGeom prst="rect">
+            <a:avLst/>
+          </a:prstGeom>
+        </p:spPr>
+        <p:txBody>
+          <a:bodyPr wrap="square">
+            <a:spAutoFit/>
+          </a:bodyPr>
+          <a:lstStyle/>
+          <a:p>
+            <a:r>
+              <a:rPr lang="ja-JP" altLang="en-US" sz="800" dirty="0">
+                <a:hlinkClick r:id="rId4"/>
+              </a:rPr>
+              <a:t>https://qiita.com/makotoito/items/c58ebf12f5f179950e68</a:t>
+            </a:r>
+            <a:endParaRPr lang="en-US" altLang="ja-JP" sz="800" dirty="0"/>
+          </a:p>
+        </p:txBody>
+      </p:sp>
+      <p:sp>
+        <p:nvSpPr>
+          <p:cNvPr id="7" name="矢印: 下 6">
+            <a:extLst>
+              <a:ext uri="{FF2B5EF4-FFF2-40B4-BE49-F238E27FC236}">
+                <a16:creationId xmlns:a16="http://schemas.microsoft.com/office/drawing/2014/main" id="{B391A30E-0A0E-7BBF-DEBD-C4E70E2BA450}"/>
+              </a:ext>
+            </a:extLst>
+          </p:cNvPr>
+          <p:cNvSpPr/>
+          <p:nvPr/>
+        </p:nvSpPr>
+        <p:spPr>
+          <a:xfrm rot="17384102">
+            <a:off x="6413614" y="3626268"/>
+            <a:ext cx="178853" cy="2381347"/>
+          </a:xfrm>
+          <a:prstGeom prst="downArrow">
+            <a:avLst/>
+          </a:prstGeom>
+          <a:solidFill>
+            <a:schemeClr val="accent1">
+              <a:lumMod val="20000"/>
+              <a:lumOff val="80000"/>
+            </a:schemeClr>
+          </a:solidFill>
+        </p:spPr>
+        <p:style>
+          <a:lnRef idx="2">
+            <a:schemeClr val="accent1">
+              <a:shade val="15000"/>
+            </a:schemeClr>
+          </a:lnRef>
+          <a:fillRef idx="1">
+            <a:schemeClr val="accent1"/>
+          </a:fillRef>
+          <a:effectRef idx="0">
+            <a:schemeClr val="accent1"/>
+          </a:effectRef>
+          <a:fontRef idx="minor">
+            <a:schemeClr val="lt1"/>
+          </a:fontRef>
+        </p:style>
+        <p:txBody>
+          <a:bodyPr rtlCol="0" anchor="ctr"/>
+          <a:lstStyle/>
+          <a:p>
+            <a:pPr algn="ctr"/>
+            <a:endParaRPr kumimoji="1" lang="ja-JP" altLang="en-US"/>
+          </a:p>
+        </p:txBody>
+      </p:sp>
+      <p:sp>
+        <p:nvSpPr>
+          <p:cNvPr id="8" name="テキスト ボックス 7">
+            <a:extLst>
+              <a:ext uri="{FF2B5EF4-FFF2-40B4-BE49-F238E27FC236}">
+                <a16:creationId xmlns:a16="http://schemas.microsoft.com/office/drawing/2014/main" id="{2F567071-488A-A28C-1AF6-D717BB774C97}"/>
+              </a:ext>
+            </a:extLst>
+          </p:cNvPr>
+          <p:cNvSpPr txBox="1"/>
+          <p:nvPr/>
+        </p:nvSpPr>
+        <p:spPr>
+          <a:xfrm>
+            <a:off x="3853848" y="4271997"/>
+            <a:ext cx="1628634" cy="307777"/>
+          </a:xfrm>
+          <a:prstGeom prst="rect">
+            <a:avLst/>
+          </a:prstGeom>
+          <a:noFill/>
+        </p:spPr>
+        <p:txBody>
+          <a:bodyPr wrap="square" rtlCol="0">
+            <a:spAutoFit/>
+          </a:bodyPr>
+          <a:lstStyle/>
+          <a:p>
+            <a:r>
+              <a:rPr lang="ja-JP" altLang="en-US" sz="1400" dirty="0"/>
+              <a:t>遠い</a:t>
+            </a:r>
+            <a:r>
+              <a:rPr kumimoji="1" lang="en-US" altLang="ja-JP" sz="1400" dirty="0"/>
+              <a:t>(</a:t>
+            </a:r>
+            <a:r>
+              <a:rPr lang="ja-JP" altLang="en-US" sz="1400" dirty="0"/>
+              <a:t>異常</a:t>
+            </a:r>
+            <a:r>
+              <a:rPr kumimoji="1" lang="ja-JP" altLang="en-US" sz="1400" dirty="0"/>
+              <a:t>だろう</a:t>
+            </a:r>
+            <a:r>
+              <a:rPr kumimoji="1" lang="en-US" altLang="ja-JP" sz="1400" dirty="0"/>
+              <a:t>)</a:t>
+            </a:r>
+            <a:endParaRPr kumimoji="1" lang="ja-JP" altLang="en-US" sz="1400" dirty="0"/>
+          </a:p>
+        </p:txBody>
+      </p:sp>
+      <p:sp>
+        <p:nvSpPr>
+          <p:cNvPr id="9" name="テキスト ボックス 8">
+            <a:extLst>
+              <a:ext uri="{FF2B5EF4-FFF2-40B4-BE49-F238E27FC236}">
+                <a16:creationId xmlns:a16="http://schemas.microsoft.com/office/drawing/2014/main" id="{83955474-8788-CC68-58E9-85C0CDE4ED60}"/>
+              </a:ext>
+            </a:extLst>
+          </p:cNvPr>
+          <p:cNvSpPr txBox="1"/>
+          <p:nvPr/>
+        </p:nvSpPr>
+        <p:spPr>
+          <a:xfrm>
+            <a:off x="9931823" y="4018525"/>
+            <a:ext cx="1656034" cy="307777"/>
+          </a:xfrm>
+          <a:prstGeom prst="rect">
+            <a:avLst/>
+          </a:prstGeom>
+          <a:noFill/>
+        </p:spPr>
+        <p:txBody>
+          <a:bodyPr wrap="square" rtlCol="0">
+            <a:spAutoFit/>
+          </a:bodyPr>
+          <a:lstStyle/>
+          <a:p>
+            <a:r>
+              <a:rPr kumimoji="1" lang="ja-JP" altLang="en-US" sz="1400" dirty="0"/>
+              <a:t>近い</a:t>
+            </a:r>
+            <a:r>
+              <a:rPr kumimoji="1" lang="en-US" altLang="ja-JP" sz="1400" dirty="0"/>
+              <a:t>(</a:t>
+            </a:r>
+            <a:r>
+              <a:rPr kumimoji="1" lang="ja-JP" altLang="en-US" sz="1400" dirty="0"/>
+              <a:t>正常だろう</a:t>
+            </a:r>
+            <a:r>
+              <a:rPr kumimoji="1" lang="en-US" altLang="ja-JP" sz="1400" dirty="0"/>
+              <a:t>)</a:t>
+            </a:r>
+            <a:endParaRPr kumimoji="1" lang="ja-JP" altLang="en-US" sz="1400" dirty="0"/>
           </a:p>
         </p:txBody>
       </p:sp>
     </p:spTree>
     <p:extLst>
       <p:ext uri="{BB962C8B-B14F-4D97-AF65-F5344CB8AC3E}">
-        <p14:creationId xmlns:p14="http://schemas.microsoft.com/office/powerpoint/2010/main" val="4113228319"/>
+        <p14:creationId xmlns:p14="http://schemas.microsoft.com/office/powerpoint/2010/main" val="4167963483"/>
       </p:ext>
     </p:extLst>
   </p:cSld>
@@ -11523,8 +12976,8 @@
         </p:nvSpPr>
         <p:spPr>
           <a:xfrm>
-            <a:off x="449017" y="269481"/>
-            <a:ext cx="7135318" cy="707886"/>
+            <a:off x="449016" y="269481"/>
+            <a:ext cx="9152183" cy="707886"/>
           </a:xfrm>
           <a:prstGeom prst="rect">
             <a:avLst/>
@@ -11539,11 +12992,11 @@
           <a:p>
             <a:r>
               <a:rPr lang="ja-JP" altLang="en-US" sz="4000" dirty="0"/>
-              <a:t>提案手法： </a:t>
-            </a:r>
-            <a:r>
-              <a:rPr lang="en-US" altLang="ja-JP" sz="4000" dirty="0" err="1"/>
-              <a:t>PaDim</a:t>
+              <a:t>提案手法：</a:t>
+            </a:r>
+            <a:r>
+              <a:rPr lang="en-US" altLang="ja-JP" sz="4000" dirty="0"/>
+              <a:t>SPADE</a:t>
             </a:r>
             <a:endParaRPr lang="en-JP" sz="4000" dirty="0"/>
           </a:p>
@@ -11551,10 +13004,124 @@
       </p:sp>
       <p:sp>
         <p:nvSpPr>
-          <p:cNvPr id="2" name="正方形/長方形 1">
-            <a:extLst>
-              <a:ext uri="{FF2B5EF4-FFF2-40B4-BE49-F238E27FC236}">
-                <a16:creationId xmlns:a16="http://schemas.microsoft.com/office/drawing/2014/main" id="{C3E1F148-AE59-4527-A32D-DE296172C5F8}"/>
+          <p:cNvPr id="5" name="テキスト ボックス 4">
+            <a:extLst>
+              <a:ext uri="{FF2B5EF4-FFF2-40B4-BE49-F238E27FC236}">
+                <a16:creationId xmlns:a16="http://schemas.microsoft.com/office/drawing/2014/main" id="{C487BEB7-018F-4387-B08F-DFAAFFA88390}"/>
+              </a:ext>
+            </a:extLst>
+          </p:cNvPr>
+          <p:cNvSpPr txBox="1"/>
+          <p:nvPr/>
+        </p:nvSpPr>
+        <p:spPr>
+          <a:xfrm>
+            <a:off x="140677" y="1424354"/>
+            <a:ext cx="10568354" cy="1938992"/>
+          </a:xfrm>
+          <a:prstGeom prst="rect">
+            <a:avLst/>
+          </a:prstGeom>
+          <a:noFill/>
+        </p:spPr>
+        <p:txBody>
+          <a:bodyPr wrap="square" rtlCol="0">
+            <a:spAutoFit/>
+          </a:bodyPr>
+          <a:lstStyle/>
+          <a:p>
+            <a:r>
+              <a:rPr lang="ja-JP" altLang="en-US" sz="2000" dirty="0"/>
+              <a:t>・</a:t>
+            </a:r>
+            <a:r>
+              <a:rPr lang="en-US" altLang="ja-JP" sz="2000" dirty="0"/>
+              <a:t>DNN</a:t>
+            </a:r>
+            <a:r>
+              <a:rPr lang="ja-JP" altLang="en-US" sz="2000" dirty="0"/>
+              <a:t>の特徴抽出器を工夫した手法。</a:t>
+            </a:r>
+            <a:endParaRPr lang="en-US" altLang="ja-JP" sz="2000" dirty="0"/>
+          </a:p>
+          <a:p>
+            <a:endParaRPr lang="en-US" altLang="ja-JP" sz="2000" dirty="0"/>
+          </a:p>
+          <a:p>
+            <a:r>
+              <a:rPr lang="ja-JP" altLang="en-US" sz="2000" dirty="0"/>
+              <a:t>・浅い層＋深い層の特徴マップを利用するように改善。</a:t>
+            </a:r>
+            <a:endParaRPr lang="en-US" altLang="ja-JP" sz="2000" dirty="0"/>
+          </a:p>
+          <a:p>
+            <a:endParaRPr lang="en-US" altLang="ja-JP" sz="2000" dirty="0"/>
+          </a:p>
+          <a:p>
+            <a:r>
+              <a:rPr lang="ja-JP" altLang="en-US" sz="2000" dirty="0"/>
+              <a:t>・ピクセルに注目することで、局所検知が可能に。</a:t>
+            </a:r>
+            <a:endParaRPr kumimoji="1" lang="en-US" altLang="ja-JP" sz="2000" dirty="0"/>
+          </a:p>
+          <a:p>
+            <a:endParaRPr kumimoji="1" lang="en-US" altLang="ja-JP" sz="2000" dirty="0"/>
+          </a:p>
+        </p:txBody>
+      </p:sp>
+      <p:pic>
+        <p:nvPicPr>
+          <p:cNvPr id="2" name="Picture 2">
+            <a:extLst>
+              <a:ext uri="{FF2B5EF4-FFF2-40B4-BE49-F238E27FC236}">
+                <a16:creationId xmlns:a16="http://schemas.microsoft.com/office/drawing/2014/main" id="{ABD6B806-D8B9-5583-FDF4-89474471CE58}"/>
+              </a:ext>
+            </a:extLst>
+          </p:cNvPr>
+          <p:cNvPicPr>
+            <a:picLocks noChangeAspect="1" noChangeArrowheads="1"/>
+          </p:cNvPicPr>
+          <p:nvPr/>
+        </p:nvPicPr>
+        <p:blipFill>
+          <a:blip r:embed="rId3">
+            <a:extLst>
+              <a:ext uri="{28A0092B-C50C-407E-A947-70E740481C1C}">
+                <a14:useLocalDpi xmlns:a14="http://schemas.microsoft.com/office/drawing/2010/main" val="0"/>
+              </a:ext>
+            </a:extLst>
+          </a:blip>
+          <a:srcRect/>
+          <a:stretch>
+            <a:fillRect/>
+          </a:stretch>
+        </p:blipFill>
+        <p:spPr bwMode="auto">
+          <a:xfrm>
+            <a:off x="5671226" y="3699438"/>
+            <a:ext cx="4854103" cy="2680255"/>
+          </a:xfrm>
+          <a:prstGeom prst="rect">
+            <a:avLst/>
+          </a:prstGeom>
+          <a:noFill/>
+          <a:extLst>
+            <a:ext uri="{909E8E84-426E-40DD-AFC4-6F175D3DCCD1}">
+              <a14:hiddenFill xmlns:a14="http://schemas.microsoft.com/office/drawing/2010/main">
+                <a:solidFill>
+                  <a:srgbClr val="FFFFFF"/>
+                </a:solidFill>
+              </a14:hiddenFill>
+            </a:ext>
+          </a:extLst>
+        </p:spPr>
+      </p:pic>
+      <p:sp>
+        <p:nvSpPr>
+          <p:cNvPr id="6" name="正方形/長方形 5">
+            <a:extLst>
+              <a:ext uri="{FF2B5EF4-FFF2-40B4-BE49-F238E27FC236}">
+                <a16:creationId xmlns:a16="http://schemas.microsoft.com/office/drawing/2014/main" id="{57087E1E-379E-8E5A-A8B6-880FDE560E02}"/>
               </a:ext>
             </a:extLst>
           </p:cNvPr>
@@ -11563,64 +13130,213 @@
         </p:nvSpPr>
         <p:spPr>
           <a:xfrm>
-            <a:off x="449017" y="1452605"/>
-            <a:ext cx="10341293" cy="2308324"/>
+            <a:off x="6789907" y="4033769"/>
+            <a:ext cx="145915" cy="651754"/>
           </a:xfrm>
           <a:prstGeom prst="rect">
             <a:avLst/>
           </a:prstGeom>
         </p:spPr>
-        <p:txBody>
-          <a:bodyPr wrap="none">
+        <p:style>
+          <a:lnRef idx="2">
+            <a:schemeClr val="accent1">
+              <a:shade val="15000"/>
+            </a:schemeClr>
+          </a:lnRef>
+          <a:fillRef idx="1">
+            <a:schemeClr val="accent1"/>
+          </a:fillRef>
+          <a:effectRef idx="0">
+            <a:schemeClr val="accent1"/>
+          </a:effectRef>
+          <a:fontRef idx="minor">
+            <a:schemeClr val="lt1"/>
+          </a:fontRef>
+        </p:style>
+        <p:txBody>
+          <a:bodyPr rtlCol="0" anchor="ctr"/>
+          <a:lstStyle/>
+          <a:p>
+            <a:pPr algn="ctr"/>
+            <a:endParaRPr kumimoji="1" lang="ja-JP" altLang="en-US"/>
+          </a:p>
+        </p:txBody>
+      </p:sp>
+      <p:sp>
+        <p:nvSpPr>
+          <p:cNvPr id="7" name="正方形/長方形 6">
+            <a:extLst>
+              <a:ext uri="{FF2B5EF4-FFF2-40B4-BE49-F238E27FC236}">
+                <a16:creationId xmlns:a16="http://schemas.microsoft.com/office/drawing/2014/main" id="{E075CC01-A8B1-5D7B-7B22-3A6722E06282}"/>
+              </a:ext>
+            </a:extLst>
+          </p:cNvPr>
+          <p:cNvSpPr/>
+          <p:nvPr/>
+        </p:nvSpPr>
+        <p:spPr>
+          <a:xfrm>
+            <a:off x="7100619" y="4157022"/>
+            <a:ext cx="145915" cy="408561"/>
+          </a:xfrm>
+          <a:prstGeom prst="rect">
+            <a:avLst/>
+          </a:prstGeom>
+        </p:spPr>
+        <p:style>
+          <a:lnRef idx="2">
+            <a:schemeClr val="accent1">
+              <a:shade val="15000"/>
+            </a:schemeClr>
+          </a:lnRef>
+          <a:fillRef idx="1">
+            <a:schemeClr val="accent1"/>
+          </a:fillRef>
+          <a:effectRef idx="0">
+            <a:schemeClr val="accent1"/>
+          </a:effectRef>
+          <a:fontRef idx="minor">
+            <a:schemeClr val="lt1"/>
+          </a:fontRef>
+        </p:style>
+        <p:txBody>
+          <a:bodyPr rtlCol="0" anchor="ctr"/>
+          <a:lstStyle/>
+          <a:p>
+            <a:pPr algn="ctr"/>
+            <a:endParaRPr kumimoji="1" lang="ja-JP" altLang="en-US"/>
+          </a:p>
+        </p:txBody>
+      </p:sp>
+      <p:sp>
+        <p:nvSpPr>
+          <p:cNvPr id="8" name="矢印: 下 7">
+            <a:extLst>
+              <a:ext uri="{FF2B5EF4-FFF2-40B4-BE49-F238E27FC236}">
+                <a16:creationId xmlns:a16="http://schemas.microsoft.com/office/drawing/2014/main" id="{CACDC1F3-EF40-620C-E822-B5BA9125AD6C}"/>
+              </a:ext>
+            </a:extLst>
+          </p:cNvPr>
+          <p:cNvSpPr/>
+          <p:nvPr/>
+        </p:nvSpPr>
+        <p:spPr>
+          <a:xfrm rot="3262658">
+            <a:off x="7965075" y="2161248"/>
+            <a:ext cx="178853" cy="2381347"/>
+          </a:xfrm>
+          <a:prstGeom prst="downArrow">
+            <a:avLst/>
+          </a:prstGeom>
+          <a:solidFill>
+            <a:schemeClr val="accent1">
+              <a:lumMod val="20000"/>
+              <a:lumOff val="80000"/>
+            </a:schemeClr>
+          </a:solidFill>
+        </p:spPr>
+        <p:style>
+          <a:lnRef idx="2">
+            <a:schemeClr val="accent1">
+              <a:shade val="15000"/>
+            </a:schemeClr>
+          </a:lnRef>
+          <a:fillRef idx="1">
+            <a:schemeClr val="accent1"/>
+          </a:fillRef>
+          <a:effectRef idx="0">
+            <a:schemeClr val="accent1"/>
+          </a:effectRef>
+          <a:fontRef idx="minor">
+            <a:schemeClr val="lt1"/>
+          </a:fontRef>
+        </p:style>
+        <p:txBody>
+          <a:bodyPr rtlCol="0" anchor="ctr"/>
+          <a:lstStyle/>
+          <a:p>
+            <a:pPr algn="ctr"/>
+            <a:endParaRPr kumimoji="1" lang="ja-JP" altLang="en-US"/>
+          </a:p>
+        </p:txBody>
+      </p:sp>
+      <p:sp>
+        <p:nvSpPr>
+          <p:cNvPr id="9" name="テキスト ボックス 8">
+            <a:extLst>
+              <a:ext uri="{FF2B5EF4-FFF2-40B4-BE49-F238E27FC236}">
+                <a16:creationId xmlns:a16="http://schemas.microsoft.com/office/drawing/2014/main" id="{EEE3E272-A900-1C64-4815-0DB8F1ED4F0B}"/>
+              </a:ext>
+            </a:extLst>
+          </p:cNvPr>
+          <p:cNvSpPr txBox="1"/>
+          <p:nvPr/>
+        </p:nvSpPr>
+        <p:spPr>
+          <a:xfrm>
+            <a:off x="8445304" y="2277955"/>
+            <a:ext cx="1628634" cy="307777"/>
+          </a:xfrm>
+          <a:prstGeom prst="rect">
+            <a:avLst/>
+          </a:prstGeom>
+          <a:noFill/>
+        </p:spPr>
+        <p:txBody>
+          <a:bodyPr wrap="square" rtlCol="0">
             <a:spAutoFit/>
           </a:bodyPr>
           <a:lstStyle/>
           <a:p>
             <a:r>
-              <a:rPr lang="ja-JP" altLang="en-US" dirty="0"/>
-              <a:t>マハラノビス距離を評価指標に採用</a:t>
-            </a:r>
-            <a:endParaRPr lang="en-US" altLang="ja-JP" dirty="0"/>
-          </a:p>
-          <a:p>
-            <a:endParaRPr lang="en-US" altLang="ja-JP" b="1" dirty="0"/>
-          </a:p>
-          <a:p>
-            <a:endParaRPr lang="en-US" altLang="ja-JP" b="1" dirty="0"/>
-          </a:p>
-          <a:p>
-            <a:endParaRPr lang="en-US" altLang="ja-JP" b="1" dirty="0"/>
-          </a:p>
-          <a:p>
-            <a:endParaRPr lang="en-US" altLang="ja-JP" b="1" dirty="0"/>
-          </a:p>
-          <a:p>
-            <a:endParaRPr lang="en-US" altLang="ja-JP" b="1" dirty="0"/>
-          </a:p>
-          <a:p>
-            <a:r>
-              <a:rPr lang="ja-JP" altLang="en-US" b="1" dirty="0"/>
-              <a:t>マハラノビス距離</a:t>
-            </a:r>
-            <a:r>
-              <a:rPr lang="en-US" altLang="ja-JP" b="1" dirty="0"/>
-              <a:t>…</a:t>
-            </a:r>
-            <a:r>
-              <a:rPr lang="ja-JP" altLang="en-US" dirty="0"/>
-              <a:t>データ点の偏りに応じてペナルティを与えることで正しく異常度を比較する。</a:t>
-            </a:r>
-            <a:endParaRPr lang="en-US" altLang="ja-JP" dirty="0"/>
-          </a:p>
-          <a:p>
-            <a:endParaRPr lang="en-US" altLang="ja-JP" dirty="0"/>
+              <a:rPr lang="ja-JP" altLang="en-US" sz="1400" dirty="0"/>
+              <a:t>複数層を使ってる</a:t>
+            </a:r>
+            <a:endParaRPr kumimoji="1" lang="ja-JP" altLang="en-US" sz="1400" dirty="0"/>
+          </a:p>
+        </p:txBody>
+      </p:sp>
+      <p:sp>
+        <p:nvSpPr>
+          <p:cNvPr id="10" name="正方形/長方形 9">
+            <a:extLst>
+              <a:ext uri="{FF2B5EF4-FFF2-40B4-BE49-F238E27FC236}">
+                <a16:creationId xmlns:a16="http://schemas.microsoft.com/office/drawing/2014/main" id="{78D7CDBE-1399-54A5-BD23-3F53A92AC005}"/>
+              </a:ext>
+            </a:extLst>
+          </p:cNvPr>
+          <p:cNvSpPr/>
+          <p:nvPr/>
+        </p:nvSpPr>
+        <p:spPr>
+          <a:xfrm>
+            <a:off x="8010251" y="6301155"/>
+            <a:ext cx="3505476" cy="215444"/>
+          </a:xfrm>
+          <a:prstGeom prst="rect">
+            <a:avLst/>
+          </a:prstGeom>
+        </p:spPr>
+        <p:txBody>
+          <a:bodyPr wrap="square">
+            <a:spAutoFit/>
+          </a:bodyPr>
+          <a:lstStyle/>
+          <a:p>
+            <a:r>
+              <a:rPr lang="ja-JP" altLang="en-US" sz="800" dirty="0">
+                <a:hlinkClick r:id="rId4"/>
+              </a:rPr>
+              <a:t>https://qiita.com/makotoito/items/c58ebf12f5f179950e68</a:t>
+            </a:r>
+            <a:endParaRPr lang="en-US" altLang="ja-JP" sz="800" dirty="0"/>
           </a:p>
         </p:txBody>
       </p:sp>
     </p:spTree>
     <p:extLst>
       <p:ext uri="{BB962C8B-B14F-4D97-AF65-F5344CB8AC3E}">
-        <p14:creationId xmlns:p14="http://schemas.microsoft.com/office/powerpoint/2010/main" val="1169452718"/>
+        <p14:creationId xmlns:p14="http://schemas.microsoft.com/office/powerpoint/2010/main" val="4113228319"/>
       </p:ext>
     </p:extLst>
   </p:cSld>
@@ -11734,11 +13450,11 @@
           <a:p>
             <a:r>
               <a:rPr lang="ja-JP" altLang="en-US" sz="4000" dirty="0"/>
-              <a:t>提案手法： </a:t>
+              <a:t>提案手法：</a:t>
             </a:r>
             <a:r>
               <a:rPr lang="en-US" altLang="ja-JP" sz="4000" dirty="0" err="1"/>
-              <a:t>PatchCore</a:t>
+              <a:t>PaDim</a:t>
             </a:r>
             <a:endParaRPr lang="en-JP" sz="4000" dirty="0"/>
           </a:p>
@@ -11759,7 +13475,7 @@
         <p:spPr>
           <a:xfrm>
             <a:off x="449017" y="1452605"/>
-            <a:ext cx="3647152" cy="369332"/>
+            <a:ext cx="10341293" cy="2308324"/>
           </a:xfrm>
           <a:prstGeom prst="rect">
             <a:avLst/>
@@ -11771,18 +13487,378 @@
           </a:bodyPr>
           <a:lstStyle/>
           <a:p>
+            <a:endParaRPr lang="en-US" altLang="ja-JP"/>
+          </a:p>
+          <a:p>
+            <a:r>
+              <a:rPr lang="ja-JP" altLang="en-US" dirty="0"/>
+              <a:t>マハラノビス距離を評価指標に採用。</a:t>
+            </a:r>
+            <a:endParaRPr lang="en-US" altLang="ja-JP" dirty="0"/>
+          </a:p>
+          <a:p>
+            <a:endParaRPr lang="en-US" altLang="ja-JP" b="1" dirty="0"/>
+          </a:p>
+          <a:p>
+            <a:endParaRPr lang="en-US" altLang="ja-JP" b="1" dirty="0"/>
+          </a:p>
+          <a:p>
+            <a:endParaRPr lang="en-US" altLang="ja-JP" b="1" dirty="0"/>
+          </a:p>
+          <a:p>
+            <a:endParaRPr lang="en-US" altLang="ja-JP" b="1" dirty="0"/>
+          </a:p>
+          <a:p>
             <a:r>
               <a:rPr lang="ja-JP" altLang="en-US" b="1" dirty="0"/>
-              <a:t>なんか色々評価指標を増やした奴</a:t>
-            </a:r>
-            <a:endParaRPr lang="ja-JP" altLang="en-US" dirty="0"/>
+              <a:t>マハラノビス距離</a:t>
+            </a:r>
+            <a:r>
+              <a:rPr lang="en-US" altLang="ja-JP" b="1" dirty="0"/>
+              <a:t>…</a:t>
+            </a:r>
+            <a:r>
+              <a:rPr lang="ja-JP" altLang="en-US" dirty="0"/>
+              <a:t>データ点の偏りに応じてペナルティを与えることで正しく異常度を比較する。</a:t>
+            </a:r>
+            <a:endParaRPr lang="en-US" altLang="ja-JP" dirty="0"/>
+          </a:p>
+          <a:p>
+            <a:endParaRPr lang="en-US" altLang="ja-JP" dirty="0"/>
+          </a:p>
+        </p:txBody>
+      </p:sp>
+      <p:pic>
+        <p:nvPicPr>
+          <p:cNvPr id="2050" name="Picture 2">
+            <a:extLst>
+              <a:ext uri="{FF2B5EF4-FFF2-40B4-BE49-F238E27FC236}">
+                <a16:creationId xmlns:a16="http://schemas.microsoft.com/office/drawing/2014/main" id="{7DE0A099-ABBC-727E-DC33-7A9665CE89CA}"/>
+              </a:ext>
+            </a:extLst>
+          </p:cNvPr>
+          <p:cNvPicPr>
+            <a:picLocks noChangeAspect="1" noChangeArrowheads="1"/>
+          </p:cNvPicPr>
+          <p:nvPr/>
+        </p:nvPicPr>
+        <p:blipFill>
+          <a:blip r:embed="rId3">
+            <a:extLst>
+              <a:ext uri="{28A0092B-C50C-407E-A947-70E740481C1C}">
+                <a14:useLocalDpi xmlns:a14="http://schemas.microsoft.com/office/drawing/2010/main" val="0"/>
+              </a:ext>
+            </a:extLst>
+          </a:blip>
+          <a:srcRect/>
+          <a:stretch>
+            <a:fillRect/>
+          </a:stretch>
+        </p:blipFill>
+        <p:spPr bwMode="auto">
+          <a:xfrm>
+            <a:off x="821498" y="3860127"/>
+            <a:ext cx="3738444" cy="2308324"/>
+          </a:xfrm>
+          <a:prstGeom prst="rect">
+            <a:avLst/>
+          </a:prstGeom>
+          <a:noFill/>
+          <a:extLst>
+            <a:ext uri="{909E8E84-426E-40DD-AFC4-6F175D3DCCD1}">
+              <a14:hiddenFill xmlns:a14="http://schemas.microsoft.com/office/drawing/2010/main">
+                <a:solidFill>
+                  <a:srgbClr val="FFFFFF"/>
+                </a:solidFill>
+              </a14:hiddenFill>
+            </a:ext>
+          </a:extLst>
+        </p:spPr>
+      </p:pic>
+      <p:sp>
+        <p:nvSpPr>
+          <p:cNvPr id="5" name="正方形/長方形 4">
+            <a:extLst>
+              <a:ext uri="{FF2B5EF4-FFF2-40B4-BE49-F238E27FC236}">
+                <a16:creationId xmlns:a16="http://schemas.microsoft.com/office/drawing/2014/main" id="{9D586D92-8693-6648-2884-4A8C31D4D5C0}"/>
+              </a:ext>
+            </a:extLst>
+          </p:cNvPr>
+          <p:cNvSpPr/>
+          <p:nvPr/>
+        </p:nvSpPr>
+        <p:spPr>
+          <a:xfrm>
+            <a:off x="8010251" y="6301155"/>
+            <a:ext cx="3505476" cy="215444"/>
+          </a:xfrm>
+          <a:prstGeom prst="rect">
+            <a:avLst/>
+          </a:prstGeom>
+        </p:spPr>
+        <p:txBody>
+          <a:bodyPr wrap="square">
+            <a:spAutoFit/>
+          </a:bodyPr>
+          <a:lstStyle/>
+          <a:p>
+            <a:r>
+              <a:rPr lang="en-US" altLang="ja-JP" sz="800" dirty="0">
+                <a:hlinkClick r:id="rId4"/>
+              </a:rPr>
+              <a:t>https://qiita.com/kotai2003/items/297930db4466b71f06b0</a:t>
+            </a:r>
+            <a:endParaRPr lang="en-US" altLang="ja-JP" sz="800" dirty="0"/>
+          </a:p>
+        </p:txBody>
+      </p:sp>
+      <p:sp>
+        <p:nvSpPr>
+          <p:cNvPr id="6" name="矢印: 下 5">
+            <a:extLst>
+              <a:ext uri="{FF2B5EF4-FFF2-40B4-BE49-F238E27FC236}">
+                <a16:creationId xmlns:a16="http://schemas.microsoft.com/office/drawing/2014/main" id="{13181C3A-6879-C98B-0E18-104FF64B93E2}"/>
+              </a:ext>
+            </a:extLst>
+          </p:cNvPr>
+          <p:cNvSpPr/>
+          <p:nvPr/>
+        </p:nvSpPr>
+        <p:spPr>
+          <a:xfrm rot="8167701">
+            <a:off x="1737568" y="4788130"/>
+            <a:ext cx="109844" cy="339869"/>
+          </a:xfrm>
+          <a:prstGeom prst="downArrow">
+            <a:avLst/>
+          </a:prstGeom>
+          <a:solidFill>
+            <a:schemeClr val="accent4">
+              <a:lumMod val="60000"/>
+              <a:lumOff val="40000"/>
+            </a:schemeClr>
+          </a:solidFill>
+        </p:spPr>
+        <p:style>
+          <a:lnRef idx="2">
+            <a:schemeClr val="accent1">
+              <a:shade val="15000"/>
+            </a:schemeClr>
+          </a:lnRef>
+          <a:fillRef idx="1">
+            <a:schemeClr val="accent1"/>
+          </a:fillRef>
+          <a:effectRef idx="0">
+            <a:schemeClr val="accent1"/>
+          </a:effectRef>
+          <a:fontRef idx="minor">
+            <a:schemeClr val="lt1"/>
+          </a:fontRef>
+        </p:style>
+        <p:txBody>
+          <a:bodyPr rtlCol="0" anchor="ctr"/>
+          <a:lstStyle/>
+          <a:p>
+            <a:pPr algn="ctr"/>
+            <a:endParaRPr kumimoji="1" lang="ja-JP" altLang="en-US"/>
+          </a:p>
+        </p:txBody>
+      </p:sp>
+      <p:sp>
+        <p:nvSpPr>
+          <p:cNvPr id="7" name="矢印: 下 6">
+            <a:extLst>
+              <a:ext uri="{FF2B5EF4-FFF2-40B4-BE49-F238E27FC236}">
+                <a16:creationId xmlns:a16="http://schemas.microsoft.com/office/drawing/2014/main" id="{DA1D72F2-AA72-EA42-AE8C-7E4D10188C5A}"/>
+              </a:ext>
+            </a:extLst>
+          </p:cNvPr>
+          <p:cNvSpPr/>
+          <p:nvPr/>
+        </p:nvSpPr>
+        <p:spPr>
+          <a:xfrm rot="13437489">
+            <a:off x="2190506" y="4290901"/>
+            <a:ext cx="109844" cy="907850"/>
+          </a:xfrm>
+          <a:prstGeom prst="downArrow">
+            <a:avLst/>
+          </a:prstGeom>
+          <a:solidFill>
+            <a:schemeClr val="accent6">
+              <a:lumMod val="60000"/>
+              <a:lumOff val="40000"/>
+            </a:schemeClr>
+          </a:solidFill>
+        </p:spPr>
+        <p:style>
+          <a:lnRef idx="2">
+            <a:schemeClr val="accent1">
+              <a:shade val="15000"/>
+            </a:schemeClr>
+          </a:lnRef>
+          <a:fillRef idx="1">
+            <a:schemeClr val="accent1"/>
+          </a:fillRef>
+          <a:effectRef idx="0">
+            <a:schemeClr val="accent1"/>
+          </a:effectRef>
+          <a:fontRef idx="minor">
+            <a:schemeClr val="lt1"/>
+          </a:fontRef>
+        </p:style>
+        <p:txBody>
+          <a:bodyPr rtlCol="0" anchor="ctr"/>
+          <a:lstStyle/>
+          <a:p>
+            <a:pPr algn="ctr"/>
+            <a:endParaRPr kumimoji="1" lang="ja-JP" altLang="en-US"/>
+          </a:p>
+        </p:txBody>
+      </p:sp>
+      <p:sp>
+        <p:nvSpPr>
+          <p:cNvPr id="8" name="矢印: 下 7">
+            <a:extLst>
+              <a:ext uri="{FF2B5EF4-FFF2-40B4-BE49-F238E27FC236}">
+                <a16:creationId xmlns:a16="http://schemas.microsoft.com/office/drawing/2014/main" id="{9EDEDCF2-DE3B-B0CD-DD32-C49601836A9B}"/>
+              </a:ext>
+            </a:extLst>
+          </p:cNvPr>
+          <p:cNvSpPr/>
+          <p:nvPr/>
+        </p:nvSpPr>
+        <p:spPr>
+          <a:xfrm rot="8167701">
+            <a:off x="5050508" y="4863404"/>
+            <a:ext cx="109844" cy="339869"/>
+          </a:xfrm>
+          <a:prstGeom prst="downArrow">
+            <a:avLst/>
+          </a:prstGeom>
+          <a:solidFill>
+            <a:schemeClr val="accent4">
+              <a:lumMod val="60000"/>
+              <a:lumOff val="40000"/>
+            </a:schemeClr>
+          </a:solidFill>
+        </p:spPr>
+        <p:style>
+          <a:lnRef idx="2">
+            <a:schemeClr val="accent1">
+              <a:shade val="15000"/>
+            </a:schemeClr>
+          </a:lnRef>
+          <a:fillRef idx="1">
+            <a:schemeClr val="accent1"/>
+          </a:fillRef>
+          <a:effectRef idx="0">
+            <a:schemeClr val="accent1"/>
+          </a:effectRef>
+          <a:fontRef idx="minor">
+            <a:schemeClr val="lt1"/>
+          </a:fontRef>
+        </p:style>
+        <p:txBody>
+          <a:bodyPr rtlCol="0" anchor="ctr"/>
+          <a:lstStyle/>
+          <a:p>
+            <a:pPr algn="ctr"/>
+            <a:endParaRPr kumimoji="1" lang="ja-JP" altLang="en-US"/>
+          </a:p>
+        </p:txBody>
+      </p:sp>
+      <p:sp>
+        <p:nvSpPr>
+          <p:cNvPr id="9" name="矢印: 下 8">
+            <a:extLst>
+              <a:ext uri="{FF2B5EF4-FFF2-40B4-BE49-F238E27FC236}">
+                <a16:creationId xmlns:a16="http://schemas.microsoft.com/office/drawing/2014/main" id="{8A50BED3-19E1-DA6A-C2B8-D834AB020538}"/>
+              </a:ext>
+            </a:extLst>
+          </p:cNvPr>
+          <p:cNvSpPr/>
+          <p:nvPr/>
+        </p:nvSpPr>
+        <p:spPr>
+          <a:xfrm rot="13437489">
+            <a:off x="6145511" y="4523189"/>
+            <a:ext cx="109844" cy="907850"/>
+          </a:xfrm>
+          <a:prstGeom prst="downArrow">
+            <a:avLst/>
+          </a:prstGeom>
+          <a:solidFill>
+            <a:schemeClr val="accent6">
+              <a:lumMod val="60000"/>
+              <a:lumOff val="40000"/>
+            </a:schemeClr>
+          </a:solidFill>
+        </p:spPr>
+        <p:style>
+          <a:lnRef idx="2">
+            <a:schemeClr val="accent1">
+              <a:shade val="15000"/>
+            </a:schemeClr>
+          </a:lnRef>
+          <a:fillRef idx="1">
+            <a:schemeClr val="accent1"/>
+          </a:fillRef>
+          <a:effectRef idx="0">
+            <a:schemeClr val="accent1"/>
+          </a:effectRef>
+          <a:fontRef idx="minor">
+            <a:schemeClr val="lt1"/>
+          </a:fontRef>
+        </p:style>
+        <p:txBody>
+          <a:bodyPr rtlCol="0" anchor="ctr"/>
+          <a:lstStyle/>
+          <a:p>
+            <a:pPr algn="ctr"/>
+            <a:endParaRPr kumimoji="1" lang="ja-JP" altLang="en-US"/>
+          </a:p>
+        </p:txBody>
+      </p:sp>
+      <p:sp>
+        <p:nvSpPr>
+          <p:cNvPr id="10" name="正方形/長方形 9">
+            <a:extLst>
+              <a:ext uri="{FF2B5EF4-FFF2-40B4-BE49-F238E27FC236}">
+                <a16:creationId xmlns:a16="http://schemas.microsoft.com/office/drawing/2014/main" id="{CFA06003-A790-A3A0-E687-528EF26A04B7}"/>
+              </a:ext>
+            </a:extLst>
+          </p:cNvPr>
+          <p:cNvSpPr/>
+          <p:nvPr/>
+        </p:nvSpPr>
+        <p:spPr>
+          <a:xfrm>
+            <a:off x="5316331" y="4943152"/>
+            <a:ext cx="6723308" cy="369332"/>
+          </a:xfrm>
+          <a:prstGeom prst="rect">
+            <a:avLst/>
+          </a:prstGeom>
+        </p:spPr>
+        <p:txBody>
+          <a:bodyPr wrap="square">
+            <a:spAutoFit/>
+          </a:bodyPr>
+          <a:lstStyle/>
+          <a:p>
+            <a:r>
+              <a:rPr lang="ja-JP" altLang="en-US" dirty="0"/>
+              <a:t>と　　　　の距離が等価＝同じ異常度になるイメージ。</a:t>
+            </a:r>
+            <a:endParaRPr lang="en-US" altLang="ja-JP" dirty="0"/>
           </a:p>
         </p:txBody>
       </p:sp>
     </p:spTree>
     <p:extLst>
       <p:ext uri="{BB962C8B-B14F-4D97-AF65-F5344CB8AC3E}">
-        <p14:creationId xmlns:p14="http://schemas.microsoft.com/office/powerpoint/2010/main" val="1575909704"/>
+        <p14:creationId xmlns:p14="http://schemas.microsoft.com/office/powerpoint/2010/main" val="1169452718"/>
       </p:ext>
     </p:extLst>
   </p:cSld>
@@ -11809,7 +13885,13 @@
   <p:cSld>
     <p:spTree>
       <p:nvGrpSpPr>
-        <p:cNvPr id="1" name=""/>
+        <p:cNvPr id="1" name="">
+          <a:extLst>
+            <a:ext uri="{FF2B5EF4-FFF2-40B4-BE49-F238E27FC236}">
+              <a16:creationId xmlns:a16="http://schemas.microsoft.com/office/drawing/2014/main" id="{B952A17A-80FF-DA20-EF66-670AF34F25CA}"/>
+            </a:ext>
+          </a:extLst>
+        </p:cNvPr>
         <p:cNvGrpSpPr/>
         <p:nvPr/>
       </p:nvGrpSpPr>
@@ -11823,10 +13905,49 @@
       </p:grpSpPr>
       <p:sp>
         <p:nvSpPr>
-          <p:cNvPr id="3" name="TextBox 3">
-            <a:extLst>
-              <a:ext uri="{FF2B5EF4-FFF2-40B4-BE49-F238E27FC236}">
-                <a16:creationId xmlns:a16="http://schemas.microsoft.com/office/drawing/2014/main" id="{9EEA2E65-8F3A-4926-AD71-F4F0188ED458}"/>
+          <p:cNvPr id="3" name="Slide Number Placeholder 2">
+            <a:extLst>
+              <a:ext uri="{FF2B5EF4-FFF2-40B4-BE49-F238E27FC236}">
+                <a16:creationId xmlns:a16="http://schemas.microsoft.com/office/drawing/2014/main" id="{27BCBD73-CE08-BAE7-80DD-E0A99D17B396}"/>
+              </a:ext>
+            </a:extLst>
+          </p:cNvPr>
+          <p:cNvSpPr>
+            <a:spLocks noGrp="1"/>
+          </p:cNvSpPr>
+          <p:nvPr>
+            <p:ph type="sldNum" sz="quarter" idx="12"/>
+          </p:nvPr>
+        </p:nvSpPr>
+        <p:spPr/>
+        <p:txBody>
+          <a:bodyPr/>
+          <a:lstStyle/>
+          <a:p>
+            <a:pPr algn="ctr"/>
+            <a:r>
+              <a:rPr kumimoji="1" lang="en-US" altLang="ja-JP"/>
+              <a:t>-</a:t>
+            </a:r>
+            <a:fld id="{DD4CF77E-606E-4148-BC8B-C5EDFD579810}" type="slidenum">
+              <a:rPr kumimoji="1" lang="ja-JP" altLang="en-US" smtClean="0"/>
+              <a:pPr algn="ctr"/>
+              <a:t>8</a:t>
+            </a:fld>
+            <a:r>
+              <a:rPr kumimoji="1" lang="en-US" altLang="ja-JP"/>
+              <a:t>-</a:t>
+            </a:r>
+            <a:endParaRPr kumimoji="1" lang="ja-JP" altLang="en-US" dirty="0"/>
+          </a:p>
+        </p:txBody>
+      </p:sp>
+      <p:sp>
+        <p:nvSpPr>
+          <p:cNvPr id="4" name="TextBox 3">
+            <a:extLst>
+              <a:ext uri="{FF2B5EF4-FFF2-40B4-BE49-F238E27FC236}">
+                <a16:creationId xmlns:a16="http://schemas.microsoft.com/office/drawing/2014/main" id="{58CECEC3-FDFA-4105-AAAB-B509D98AACFD}"/>
               </a:ext>
             </a:extLst>
           </p:cNvPr>
@@ -11836,7 +13957,7 @@
         <p:spPr>
           <a:xfrm>
             <a:off x="449017" y="269481"/>
-            <a:ext cx="9263394" cy="707886"/>
+            <a:ext cx="7135318" cy="707886"/>
           </a:xfrm>
           <a:prstGeom prst="rect">
             <a:avLst/>
@@ -11851,89 +13972,55 @@
           <a:p>
             <a:r>
               <a:rPr lang="ja-JP" altLang="en-US" sz="4000" dirty="0"/>
-              <a:t>再構築ベースの手法</a:t>
-            </a:r>
-            <a:endParaRPr lang="en-JP" sz="2800" dirty="0"/>
-          </a:p>
-        </p:txBody>
-      </p:sp>
-      <p:sp>
-        <p:nvSpPr>
-          <p:cNvPr id="4" name="TextBox 3">
-            <a:extLst>
-              <a:ext uri="{FF2B5EF4-FFF2-40B4-BE49-F238E27FC236}">
-                <a16:creationId xmlns:a16="http://schemas.microsoft.com/office/drawing/2014/main" id="{8F89DC98-CEA3-42EA-87B1-A1E4A18DC524}"/>
-              </a:ext>
-            </a:extLst>
-          </p:cNvPr>
-          <p:cNvSpPr txBox="1"/>
+              <a:t>提案手法：</a:t>
+            </a:r>
+            <a:r>
+              <a:rPr lang="en-US" altLang="ja-JP" sz="4000" dirty="0" err="1"/>
+              <a:t>PatchCore</a:t>
+            </a:r>
+            <a:endParaRPr lang="en-JP" sz="4000" dirty="0"/>
+          </a:p>
+        </p:txBody>
+      </p:sp>
+      <p:sp>
+        <p:nvSpPr>
+          <p:cNvPr id="2" name="正方形/長方形 1">
+            <a:extLst>
+              <a:ext uri="{FF2B5EF4-FFF2-40B4-BE49-F238E27FC236}">
+                <a16:creationId xmlns:a16="http://schemas.microsoft.com/office/drawing/2014/main" id="{C3E1F148-AE59-4527-A32D-DE296172C5F8}"/>
+              </a:ext>
+            </a:extLst>
+          </p:cNvPr>
+          <p:cNvSpPr/>
           <p:nvPr/>
         </p:nvSpPr>
         <p:spPr>
           <a:xfrm>
-            <a:off x="449016" y="1472206"/>
-            <a:ext cx="11561751" cy="1692771"/>
+            <a:off x="449017" y="1452605"/>
+            <a:ext cx="3647152" cy="369332"/>
           </a:xfrm>
           <a:prstGeom prst="rect">
             <a:avLst/>
           </a:prstGeom>
-          <a:noFill/>
         </p:spPr>
         <p:txBody>
-          <a:bodyPr wrap="square" rtlCol="0">
+          <a:bodyPr wrap="none">
             <a:spAutoFit/>
           </a:bodyPr>
           <a:lstStyle/>
           <a:p>
             <a:r>
-              <a:rPr lang="ja-JP" altLang="en-US" sz="2800" dirty="0"/>
-              <a:t>１．</a:t>
-            </a:r>
-            <a:r>
-              <a:rPr lang="en-US" altLang="ja-JP" sz="2800" dirty="0"/>
-              <a:t>SSIM</a:t>
-            </a:r>
-          </a:p>
-          <a:p>
-            <a:r>
-              <a:rPr lang="ja-JP" altLang="en-US" sz="2800" dirty="0"/>
-              <a:t>２．</a:t>
-            </a:r>
-            <a:r>
-              <a:rPr lang="en-US" altLang="ja-JP" sz="2800" dirty="0"/>
-              <a:t>ADTR</a:t>
-            </a:r>
-          </a:p>
-          <a:p>
-            <a:r>
-              <a:rPr lang="ja-JP" altLang="en-US" sz="2800" dirty="0"/>
-              <a:t>３．</a:t>
-            </a:r>
-            <a:r>
-              <a:rPr lang="en-US" altLang="ja-JP" sz="2800" dirty="0"/>
-              <a:t>Morita et al.(2022)</a:t>
-            </a:r>
-          </a:p>
-          <a:p>
-            <a:r>
-              <a:rPr lang="en-US" altLang="ja-JP" sz="2000" dirty="0"/>
-              <a:t>                  -(</a:t>
-            </a:r>
-            <a:r>
-              <a:rPr lang="en-US" altLang="ja-JP" sz="2000" dirty="0" err="1"/>
-              <a:t>Removing_Anomalies_as_Noises_for_Industrial_Defect_Localization</a:t>
-            </a:r>
-            <a:r>
-              <a:rPr lang="en-US" altLang="ja-JP" sz="2000" dirty="0"/>
-              <a:t>)</a:t>
-            </a:r>
+              <a:rPr lang="ja-JP" altLang="en-US" b="1" dirty="0"/>
+              <a:t>なんか色々評価指標を増やした奴</a:t>
+            </a:r>
+            <a:endParaRPr lang="ja-JP" altLang="en-US" dirty="0"/>
           </a:p>
         </p:txBody>
       </p:sp>
     </p:spTree>
     <p:extLst>
       <p:ext uri="{BB962C8B-B14F-4D97-AF65-F5344CB8AC3E}">
-        <p14:creationId xmlns:p14="http://schemas.microsoft.com/office/powerpoint/2010/main" val="4094854531"/>
+        <p14:creationId xmlns:p14="http://schemas.microsoft.com/office/powerpoint/2010/main" val="1575909704"/>
       </p:ext>
     </p:extLst>
   </p:cSld>
@@ -11960,13 +14047,7 @@
   <p:cSld>
     <p:spTree>
       <p:nvGrpSpPr>
-        <p:cNvPr id="1" name="">
-          <a:extLst>
-            <a:ext uri="{FF2B5EF4-FFF2-40B4-BE49-F238E27FC236}">
-              <a16:creationId xmlns:a16="http://schemas.microsoft.com/office/drawing/2014/main" id="{B952A17A-80FF-DA20-EF66-670AF34F25CA}"/>
-            </a:ext>
-          </a:extLst>
-        </p:cNvPr>
+        <p:cNvPr id="1" name=""/>
         <p:cNvGrpSpPr/>
         <p:nvPr/>
       </p:nvGrpSpPr>
@@ -11980,49 +14061,10 @@
       </p:grpSpPr>
       <p:sp>
         <p:nvSpPr>
-          <p:cNvPr id="3" name="Slide Number Placeholder 2">
-            <a:extLst>
-              <a:ext uri="{FF2B5EF4-FFF2-40B4-BE49-F238E27FC236}">
-                <a16:creationId xmlns:a16="http://schemas.microsoft.com/office/drawing/2014/main" id="{27BCBD73-CE08-BAE7-80DD-E0A99D17B396}"/>
-              </a:ext>
-            </a:extLst>
-          </p:cNvPr>
-          <p:cNvSpPr>
-            <a:spLocks noGrp="1"/>
-          </p:cNvSpPr>
-          <p:nvPr>
-            <p:ph type="sldNum" sz="quarter" idx="12"/>
-          </p:nvPr>
-        </p:nvSpPr>
-        <p:spPr/>
-        <p:txBody>
-          <a:bodyPr/>
-          <a:lstStyle/>
-          <a:p>
-            <a:pPr algn="ctr"/>
-            <a:r>
-              <a:rPr kumimoji="1" lang="en-US" altLang="ja-JP"/>
-              <a:t>-</a:t>
-            </a:r>
-            <a:fld id="{DD4CF77E-606E-4148-BC8B-C5EDFD579810}" type="slidenum">
-              <a:rPr kumimoji="1" lang="ja-JP" altLang="en-US" smtClean="0"/>
-              <a:pPr algn="ctr"/>
-              <a:t>9</a:t>
-            </a:fld>
-            <a:r>
-              <a:rPr kumimoji="1" lang="en-US" altLang="ja-JP"/>
-              <a:t>-</a:t>
-            </a:r>
-            <a:endParaRPr kumimoji="1" lang="ja-JP" altLang="en-US" dirty="0"/>
-          </a:p>
-        </p:txBody>
-      </p:sp>
-      <p:sp>
-        <p:nvSpPr>
-          <p:cNvPr id="4" name="TextBox 3">
-            <a:extLst>
-              <a:ext uri="{FF2B5EF4-FFF2-40B4-BE49-F238E27FC236}">
-                <a16:creationId xmlns:a16="http://schemas.microsoft.com/office/drawing/2014/main" id="{58CECEC3-FDFA-4105-AAAB-B509D98AACFD}"/>
+          <p:cNvPr id="3" name="TextBox 3">
+            <a:extLst>
+              <a:ext uri="{FF2B5EF4-FFF2-40B4-BE49-F238E27FC236}">
+                <a16:creationId xmlns:a16="http://schemas.microsoft.com/office/drawing/2014/main" id="{9EEA2E65-8F3A-4926-AD71-F4F0188ED458}"/>
               </a:ext>
             </a:extLst>
           </p:cNvPr>
@@ -12032,7 +14074,7 @@
         <p:spPr>
           <a:xfrm>
             <a:off x="449017" y="269481"/>
-            <a:ext cx="7135318" cy="707886"/>
+            <a:ext cx="9263394" cy="707886"/>
           </a:xfrm>
           <a:prstGeom prst="rect">
             <a:avLst/>
@@ -12047,55 +14089,89 @@
           <a:p>
             <a:r>
               <a:rPr lang="ja-JP" altLang="en-US" sz="4000" dirty="0"/>
-              <a:t>提案手法： </a:t>
-            </a:r>
-            <a:r>
-              <a:rPr lang="en-US" altLang="ja-JP" sz="4000" dirty="0"/>
-              <a:t>SSIM</a:t>
-            </a:r>
-            <a:endParaRPr lang="en-JP" sz="4000" dirty="0"/>
-          </a:p>
-        </p:txBody>
-      </p:sp>
-      <p:sp>
-        <p:nvSpPr>
-          <p:cNvPr id="2" name="正方形/長方形 1">
-            <a:extLst>
-              <a:ext uri="{FF2B5EF4-FFF2-40B4-BE49-F238E27FC236}">
-                <a16:creationId xmlns:a16="http://schemas.microsoft.com/office/drawing/2014/main" id="{C3E1F148-AE59-4527-A32D-DE296172C5F8}"/>
-              </a:ext>
-            </a:extLst>
-          </p:cNvPr>
-          <p:cNvSpPr/>
+              <a:t>再構築ベースの手法</a:t>
+            </a:r>
+            <a:endParaRPr lang="en-JP" sz="2800" dirty="0"/>
+          </a:p>
+        </p:txBody>
+      </p:sp>
+      <p:sp>
+        <p:nvSpPr>
+          <p:cNvPr id="4" name="TextBox 3">
+            <a:extLst>
+              <a:ext uri="{FF2B5EF4-FFF2-40B4-BE49-F238E27FC236}">
+                <a16:creationId xmlns:a16="http://schemas.microsoft.com/office/drawing/2014/main" id="{8F89DC98-CEA3-42EA-87B1-A1E4A18DC524}"/>
+              </a:ext>
+            </a:extLst>
+          </p:cNvPr>
+          <p:cNvSpPr txBox="1"/>
           <p:nvPr/>
         </p:nvSpPr>
         <p:spPr>
           <a:xfrm>
-            <a:off x="449017" y="1452605"/>
-            <a:ext cx="1569660" cy="369332"/>
+            <a:off x="449016" y="1472206"/>
+            <a:ext cx="11561751" cy="1692771"/>
           </a:xfrm>
           <a:prstGeom prst="rect">
             <a:avLst/>
           </a:prstGeom>
+          <a:noFill/>
         </p:spPr>
         <p:txBody>
-          <a:bodyPr wrap="none">
+          <a:bodyPr wrap="square" rtlCol="0">
             <a:spAutoFit/>
           </a:bodyPr>
           <a:lstStyle/>
           <a:p>
             <a:r>
-              <a:rPr lang="ja-JP" altLang="en-US" b="1" dirty="0"/>
-              <a:t>ああああああ</a:t>
-            </a:r>
-            <a:endParaRPr lang="ja-JP" altLang="en-US" dirty="0"/>
+              <a:rPr lang="ja-JP" altLang="en-US" sz="2800" dirty="0"/>
+              <a:t>１．</a:t>
+            </a:r>
+            <a:r>
+              <a:rPr lang="en-US" altLang="ja-JP" sz="2800" dirty="0"/>
+              <a:t>SSIM</a:t>
+            </a:r>
+          </a:p>
+          <a:p>
+            <a:r>
+              <a:rPr lang="ja-JP" altLang="en-US" sz="2800" dirty="0"/>
+              <a:t>２．</a:t>
+            </a:r>
+            <a:r>
+              <a:rPr lang="en-US" altLang="ja-JP" sz="2800" dirty="0"/>
+              <a:t>ADTR</a:t>
+            </a:r>
+          </a:p>
+          <a:p>
+            <a:r>
+              <a:rPr lang="ja-JP" altLang="en-US" sz="2800" dirty="0"/>
+              <a:t>３．</a:t>
+            </a:r>
+            <a:r>
+              <a:rPr lang="en-US" altLang="ja-JP" sz="2800" dirty="0"/>
+              <a:t>Morita et al.(2022)</a:t>
+            </a:r>
+          </a:p>
+          <a:p>
+            <a:r>
+              <a:rPr lang="en-US" altLang="ja-JP" sz="2000" dirty="0"/>
+              <a:t>                  -(</a:t>
+            </a:r>
+            <a:r>
+              <a:rPr lang="en-US" altLang="ja-JP" sz="2000" dirty="0" err="1"/>
+              <a:t>Removing_Anomalies_as_Noises_for_Industrial_Defect_Localization</a:t>
+            </a:r>
+            <a:r>
+              <a:rPr lang="en-US" altLang="ja-JP" sz="2000" dirty="0"/>
+              <a:t>)</a:t>
+            </a:r>
           </a:p>
         </p:txBody>
       </p:sp>
     </p:spTree>
     <p:extLst>
       <p:ext uri="{BB962C8B-B14F-4D97-AF65-F5344CB8AC3E}">
-        <p14:creationId xmlns:p14="http://schemas.microsoft.com/office/powerpoint/2010/main" val="2097275022"/>
+        <p14:creationId xmlns:p14="http://schemas.microsoft.com/office/powerpoint/2010/main" val="4094854531"/>
       </p:ext>
     </p:extLst>
   </p:cSld>

--- a/発表資料/B4_上坂大樹_サーベイ大会資料.pptx
+++ b/発表資料/B4_上坂大樹_サーベイ大会資料.pptx
@@ -216,7 +216,7 @@
           <a:p>
             <a:fld id="{D7BEEBC3-E73B-4C7A-8A9B-630A45928F96}" type="datetimeFigureOut">
               <a:rPr kumimoji="1" lang="ja-JP" altLang="en-US" smtClean="0"/>
-              <a:t>2025/7/1</a:t>
+              <a:t>2025/7/2</a:t>
             </a:fld>
             <a:endParaRPr kumimoji="1" lang="ja-JP" altLang="en-US"/>
           </a:p>
@@ -578,26 +578,6 @@
           <a:lstStyle/>
           <a:p>
             <a:r>
-              <a:rPr kumimoji="1" lang="ja-JP" altLang="en-US" u="none" dirty="0"/>
-              <a:t>所要時間</a:t>
-            </a:r>
-            <a:r>
-              <a:rPr kumimoji="1" lang="en-US" altLang="ja-JP" u="none" dirty="0"/>
-              <a:t>: [s]</a:t>
-            </a:r>
-          </a:p>
-          <a:p>
-            <a:endParaRPr kumimoji="1" lang="en-US" altLang="ja-JP" u="sng" dirty="0"/>
-          </a:p>
-          <a:p>
-            <a:r>
-              <a:rPr kumimoji="1" lang="ja-JP" altLang="en-US" u="sng" dirty="0"/>
-              <a:t>紹介文</a:t>
-            </a:r>
-            <a:endParaRPr kumimoji="1" lang="en-US" altLang="ja-JP" u="sng" dirty="0"/>
-          </a:p>
-          <a:p>
-            <a:r>
               <a:rPr kumimoji="1" lang="en-US" altLang="ja-JP" dirty="0"/>
               <a:t>B4</a:t>
             </a:r>
@@ -640,13 +620,6 @@
           </a:p>
           <a:p>
             <a:endParaRPr kumimoji="1" lang="en-US" altLang="ja-JP" dirty="0"/>
-          </a:p>
-          <a:p>
-            <a:r>
-              <a:rPr kumimoji="1" lang="ja-JP" altLang="en-US" u="sng" dirty="0"/>
-              <a:t>イントロ</a:t>
-            </a:r>
-            <a:endParaRPr kumimoji="1" lang="en-US" altLang="ja-JP" u="sng" dirty="0"/>
           </a:p>
           <a:p>
             <a:endParaRPr kumimoji="1" lang="en-US" altLang="ja-JP" u="none" dirty="0"/>
@@ -3127,12 +3100,16 @@
           <a:lstStyle/>
           <a:p>
             <a:r>
+              <a:rPr lang="ja-JP" altLang="en-US" sz="1200" dirty="0"/>
+              <a:t>これは</a:t>
+            </a:r>
+            <a:r>
               <a:rPr lang="en-US" altLang="ja-JP" sz="1200" dirty="0"/>
               <a:t>DNN</a:t>
             </a:r>
             <a:r>
               <a:rPr lang="ja-JP" altLang="en-US" sz="1200" dirty="0"/>
-              <a:t>の特徴抽出器に複数の層から得られる特徴マップを利用した手法。</a:t>
+              <a:t>の特徴抽出器に複数の層から得られる特徴マップを利用した手法です。</a:t>
             </a:r>
             <a:endParaRPr lang="en-US" altLang="ja-JP" dirty="0"/>
           </a:p>
@@ -3610,32 +3587,26 @@
           <a:lstStyle/>
           <a:p>
             <a:r>
-              <a:rPr lang="en-JP" dirty="0"/>
-              <a:t>所要時間: [s]</a:t>
-            </a:r>
-            <a:endParaRPr lang="en-US" dirty="0"/>
-          </a:p>
-          <a:p>
-            <a:pPr marL="0" marR="0" lvl="0" indent="0" algn="l" defTabSz="914400" rtl="0" eaLnBrk="1" fontAlgn="auto" latinLnBrk="0" hangingPunct="1">
-              <a:lnSpc>
-                <a:spcPct val="100000"/>
-              </a:lnSpc>
-              <a:spcBef>
-                <a:spcPts val="0"/>
-              </a:spcBef>
-              <a:spcAft>
-                <a:spcPts val="0"/>
-              </a:spcAft>
-              <a:buClrTx/>
-              <a:buSzTx/>
-              <a:buFontTx/>
-              <a:buNone/>
-              <a:tabLst/>
-              <a:defRPr/>
-            </a:pPr>
+              <a:rPr lang="ja-JP" altLang="en-US" sz="1200" dirty="0"/>
+              <a:t>これは</a:t>
+            </a:r>
+            <a:r>
+              <a:rPr lang="en-US" altLang="ja-JP" sz="1200" dirty="0"/>
+              <a:t>SPADE</a:t>
+            </a:r>
+            <a:r>
+              <a:rPr lang="ja-JP" altLang="en-US" sz="1200" dirty="0"/>
+              <a:t>に工夫を加えた手法です。</a:t>
+            </a:r>
+            <a:endParaRPr lang="en-US" altLang="ja-JP" dirty="0"/>
+          </a:p>
+          <a:p>
+            <a:endParaRPr lang="en-US" altLang="ja-JP" dirty="0"/>
+          </a:p>
+          <a:p>
             <a:r>
               <a:rPr lang="ja-JP" altLang="en-US" dirty="0"/>
-              <a:t>解説部分</a:t>
+              <a:t>全てのパッチの各要素</a:t>
             </a:r>
             <a:r>
               <a:rPr lang="en-US" altLang="ja-JP" dirty="0"/>
@@ -3643,16 +3614,62 @@
             </a:r>
             <a:r>
               <a:rPr lang="ja-JP" altLang="en-US" dirty="0"/>
-              <a:t>詳しいことはここに記述して、かいつまんでスライドにも書く。図も欲しい</a:t>
+              <a:t>特徴ベクトル</a:t>
             </a:r>
             <a:r>
               <a:rPr lang="en-US" altLang="ja-JP" dirty="0"/>
               <a:t>)</a:t>
             </a:r>
-            <a:endParaRPr lang="en-JP" altLang="ja-JP" dirty="0"/>
-          </a:p>
-          <a:p>
-            <a:endParaRPr lang="en-US" dirty="0"/>
+            <a:r>
+              <a:rPr lang="ja-JP" altLang="en-US" dirty="0"/>
+              <a:t>の分布をモデル化</a:t>
+            </a:r>
+            <a:r>
+              <a:rPr lang="en-US" altLang="ja-JP" dirty="0"/>
+              <a:t>(</a:t>
+            </a:r>
+            <a:r>
+              <a:rPr lang="ja-JP" altLang="en-US" dirty="0"/>
+              <a:t>平均ベクトルと共分散行列を得ることを</a:t>
+            </a:r>
+            <a:r>
+              <a:rPr lang="en-US" altLang="ja-JP" dirty="0"/>
+              <a:t>)</a:t>
+            </a:r>
+            <a:r>
+              <a:rPr lang="ja-JP" altLang="en-US" dirty="0"/>
+              <a:t>して正常とは</a:t>
+            </a:r>
+            <a:r>
+              <a:rPr lang="en-US" altLang="ja-JP" dirty="0"/>
+              <a:t>?</a:t>
+            </a:r>
+            <a:r>
+              <a:rPr lang="ja-JP" altLang="en-US" dirty="0"/>
+              <a:t>を学習させます。</a:t>
+            </a:r>
+            <a:endParaRPr lang="en-US" altLang="ja-JP" dirty="0"/>
+          </a:p>
+          <a:p>
+            <a:endParaRPr lang="en-US" altLang="ja-JP" dirty="0"/>
+          </a:p>
+          <a:p>
+            <a:r>
+              <a:rPr lang="ja-JP" altLang="en-US" dirty="0"/>
+              <a:t>ここでパッチとは画像から得られる特徴マップ中の</a:t>
+            </a:r>
+            <a:r>
+              <a:rPr lang="en-US" altLang="ja-JP" dirty="0"/>
+              <a:t>1</a:t>
+            </a:r>
+            <a:r>
+              <a:rPr lang="ja-JP" altLang="en-US" dirty="0"/>
+              <a:t>マスのことです。</a:t>
+            </a:r>
+            <a:endParaRPr lang="en-US" altLang="ja-JP" dirty="0"/>
+          </a:p>
+          <a:p>
+            <a:endParaRPr lang="en-US" altLang="ja-JP" dirty="0"/>
           </a:p>
           <a:p>
             <a:r>
@@ -3668,14 +3685,14 @@
           <a:p>
             <a:r>
               <a:rPr lang="ja-JP" altLang="en-US" dirty="0"/>
-              <a:t>分散が大きい次元（データの広がりが大きい方向）なら異常度を減衰させる。</a:t>
+              <a:t>分散が大きい次元（データの広がりが大きい方向）なら異常度を減衰させる、</a:t>
             </a:r>
             <a:endParaRPr lang="en-US" altLang="ja-JP" dirty="0"/>
           </a:p>
           <a:p>
             <a:r>
               <a:rPr lang="ja-JP" altLang="en-US" dirty="0"/>
-              <a:t>分散が小さい次元なら異常度を増幅させる。　って理解です。</a:t>
+              <a:t>分散が小さい次元なら異常度を増幅させる。　ってイメージです。</a:t>
             </a:r>
             <a:endParaRPr lang="en-US" dirty="0"/>
           </a:p>
@@ -3685,7 +3702,7 @@
           <a:p>
             <a:r>
               <a:rPr lang="ja-JP" altLang="en-US" dirty="0"/>
-              <a:t>本当は高次元なので共分散（次元の相関関係を無視していたらペナルティを与える等もある） </a:t>
+              <a:t>本当は高次元なので共分散（複数次元間の相関関係を無視していたらペナルティを与える等もある） </a:t>
             </a:r>
             <a:r>
               <a:rPr lang="en-US" altLang="ja-JP" dirty="0"/>
@@ -3811,46 +3828,261 @@
           <a:lstStyle/>
           <a:p>
             <a:r>
-              <a:rPr lang="en-JP" dirty="0"/>
-              <a:t>所要時間: [s]</a:t>
-            </a:r>
-            <a:endParaRPr lang="en-US" dirty="0"/>
-          </a:p>
-          <a:p>
-            <a:pPr marL="0" marR="0" lvl="0" indent="0" algn="l" defTabSz="914400" rtl="0" eaLnBrk="1" fontAlgn="auto" latinLnBrk="0" hangingPunct="1">
-              <a:lnSpc>
-                <a:spcPct val="100000"/>
-              </a:lnSpc>
-              <a:spcBef>
-                <a:spcPts val="0"/>
-              </a:spcBef>
-              <a:spcAft>
-                <a:spcPts val="0"/>
-              </a:spcAft>
-              <a:buClrTx/>
-              <a:buSzTx/>
-              <a:buFontTx/>
-              <a:buNone/>
-              <a:tabLst/>
-              <a:defRPr/>
-            </a:pPr>
-            <a:r>
               <a:rPr lang="ja-JP" altLang="en-US" dirty="0"/>
-              <a:t>解説部分</a:t>
-            </a:r>
+              <a:t>これは工業製品用の異常検知手法です。</a:t>
+            </a:r>
+            <a:endParaRPr lang="en-US" altLang="ja-JP" dirty="0"/>
+          </a:p>
+          <a:p>
+            <a:endParaRPr lang="en-US" altLang="ja-JP" dirty="0"/>
+          </a:p>
+          <a:p>
+            <a:r>
+              <a:rPr lang="ja-JP" altLang="en-US" dirty="0"/>
+              <a:t>中間層を採用した理由は、特徴抽出器の</a:t>
+            </a:r>
+            <a:r>
+              <a:rPr lang="en-US" altLang="ja-JP" dirty="0" err="1"/>
+              <a:t>resnet</a:t>
+            </a:r>
+            <a:r>
+              <a:rPr lang="ja-JP" altLang="en-US" dirty="0"/>
+              <a:t>にあります。</a:t>
+            </a:r>
+            <a:endParaRPr lang="en-US" altLang="ja-JP" dirty="0"/>
+          </a:p>
+          <a:p>
             <a:r>
               <a:rPr lang="en-US" altLang="ja-JP" dirty="0"/>
+              <a:t>1</a:t>
+            </a:r>
+            <a:r>
+              <a:rPr lang="ja-JP" altLang="en-US" dirty="0"/>
+              <a:t>つ目は、</a:t>
+            </a:r>
+            <a:r>
+              <a:rPr lang="en-US" altLang="ja-JP" dirty="0" err="1"/>
+              <a:t>resnet</a:t>
+            </a:r>
+            <a:r>
+              <a:rPr lang="ja-JP" altLang="en-US" dirty="0"/>
+              <a:t>は</a:t>
+            </a:r>
+            <a:r>
+              <a:rPr lang="en-US" altLang="ja-JP" dirty="0"/>
+              <a:t>ImageNet</a:t>
+            </a:r>
+            <a:r>
+              <a:rPr lang="ja-JP" altLang="en-US" dirty="0"/>
+              <a:t>で学習したモデルであり、</a:t>
+            </a:r>
+            <a:r>
+              <a:rPr kumimoji="1" lang="ja-JP" altLang="en-US" sz="1200" b="0" i="0" kern="1200" dirty="0">
+                <a:solidFill>
+                  <a:schemeClr val="tx1"/>
+                </a:solidFill>
+                <a:effectLst/>
+                <a:latin typeface="+mn-lt"/>
+                <a:ea typeface="+mn-ea"/>
+                <a:cs typeface="+mn-cs"/>
+              </a:rPr>
+              <a:t>自然画像の</a:t>
+            </a:r>
+            <a:r>
+              <a:rPr lang="ja-JP" altLang="en-US" dirty="0"/>
+              <a:t>様々な特徴に特化していて工業製品用の異常検知としては深い層が有効ではないと考えられるから。</a:t>
+            </a:r>
+            <a:endParaRPr lang="en-US" altLang="ja-JP" dirty="0"/>
+          </a:p>
+          <a:p>
+            <a:r>
+              <a:rPr lang="en-US" altLang="ja-JP" dirty="0"/>
+              <a:t>2</a:t>
+            </a:r>
+            <a:r>
+              <a:rPr lang="ja-JP" altLang="en-US" dirty="0"/>
+              <a:t>つ目は、中間層ならば自然画像に特化する前の汎用的な特徴を捉えていると考えられるからです。</a:t>
+            </a:r>
+            <a:endParaRPr lang="en-US" altLang="ja-JP" dirty="0"/>
+          </a:p>
+          <a:p>
+            <a:endParaRPr lang="en-US" altLang="ja-JP" dirty="0"/>
+          </a:p>
+          <a:p>
+            <a:r>
+              <a:rPr lang="ja-JP" altLang="en-US" dirty="0"/>
+              <a:t>詳細は控えますが貪欲アルゴリズムによってメモリバンク全体と同等の性能を発揮する、最小限のベクトル群で構成された小さなメモリバンクの構成に成功しています。</a:t>
+            </a:r>
+            <a:endParaRPr lang="en-US" altLang="ja-JP" dirty="0"/>
+          </a:p>
+          <a:p>
+            <a:r>
+              <a:rPr lang="ja-JP" altLang="en-US" dirty="0"/>
+              <a:t>これにより計算量・メモリ使用量ともに改善されています。</a:t>
+            </a:r>
+            <a:endParaRPr lang="en-US" altLang="ja-JP" dirty="0"/>
+          </a:p>
+          <a:p>
+            <a:endParaRPr lang="en-US" altLang="ja-JP" dirty="0"/>
+          </a:p>
+          <a:p>
+            <a:r>
+              <a:rPr lang="ja-JP" altLang="en-US" dirty="0"/>
+              <a:t>また、</a:t>
+            </a:r>
+            <a:r>
+              <a:rPr lang="en-US" altLang="ja-JP" dirty="0" err="1"/>
+              <a:t>Padim</a:t>
+            </a:r>
+            <a:r>
+              <a:rPr lang="ja-JP" altLang="en-US" dirty="0"/>
+              <a:t>の弱点の画像の位置ズレに耐性があります。　　</a:t>
+            </a:r>
+            <a:r>
+              <a:rPr lang="en-US" altLang="ja-JP" dirty="0"/>
+              <a:t>End        </a:t>
+            </a:r>
+            <a:r>
+              <a:rPr lang="ja-JP" altLang="en-US" dirty="0"/>
+              <a:t>（左上のパッチは正常な左上のパッチとだけ比較するんじゃなくて全ての正常パッチと比較するから位置に堅牢。）</a:t>
+            </a:r>
+            <a:endParaRPr lang="en-US" altLang="ja-JP" dirty="0"/>
+          </a:p>
+          <a:p>
+            <a:endParaRPr lang="en-US" altLang="ja-JP" dirty="0"/>
+          </a:p>
+          <a:p>
+            <a:endParaRPr lang="en-US" altLang="ja-JP" dirty="0"/>
+          </a:p>
+          <a:p>
+            <a:endParaRPr lang="en-US" altLang="ja-JP" dirty="0"/>
+          </a:p>
+          <a:p>
+            <a:endParaRPr lang="en-US" altLang="ja-JP" dirty="0"/>
+          </a:p>
+          <a:p>
+            <a:endParaRPr lang="en-US" altLang="ja-JP" dirty="0"/>
+          </a:p>
+          <a:p>
+            <a:endParaRPr lang="en-US" altLang="ja-JP" dirty="0"/>
+          </a:p>
+          <a:p>
+            <a:r>
+              <a:rPr lang="en-US" altLang="ja-JP" b="1" dirty="0" err="1"/>
+              <a:t>PaDiM</a:t>
+            </a:r>
+            <a:r>
+              <a:rPr lang="en-US" altLang="ja-JP" dirty="0"/>
+              <a:t>: </a:t>
+            </a:r>
+            <a:r>
+              <a:rPr lang="ja-JP" altLang="en-US" dirty="0"/>
+              <a:t>「左上のパッチは、正常な左上のパッチとだけ比較する」という</a:t>
+            </a:r>
+            <a:r>
+              <a:rPr lang="ja-JP" altLang="en-US" b="1" dirty="0"/>
+              <a:t>厳格だが柔軟性のない</a:t>
+            </a:r>
+            <a:r>
+              <a:rPr lang="ja-JP" altLang="en-US" dirty="0"/>
+              <a:t>方式。位置がズレると破綻する。</a:t>
+            </a:r>
+          </a:p>
+          <a:p>
+            <a:r>
+              <a:rPr lang="en-US" altLang="ja-JP" b="1" dirty="0" err="1"/>
+              <a:t>PatchCore</a:t>
+            </a:r>
+            <a:r>
+              <a:rPr lang="en-US" altLang="ja-JP" dirty="0"/>
+              <a:t>: </a:t>
+            </a:r>
+            <a:r>
+              <a:rPr lang="ja-JP" altLang="en-US" dirty="0"/>
+              <a:t>「あるパッチは、全ての正常パッチと比較する」という</a:t>
+            </a:r>
+            <a:r>
+              <a:rPr lang="ja-JP" altLang="en-US" b="1" dirty="0"/>
+              <a:t>柔軟だが一見大雑把に見える</a:t>
+            </a:r>
+            <a:r>
+              <a:rPr lang="ja-JP" altLang="en-US" dirty="0"/>
+              <a:t>方式。しかし、特徴空間の意味的な類似性のおかげで、部位が多少違っても「正常の範囲内」と判断でき、位置ズレに強く、より頑健になる。</a:t>
+            </a:r>
+          </a:p>
+          <a:p>
+            <a:r>
+              <a:rPr lang="ja-JP" altLang="en-US" dirty="0"/>
+              <a:t>⇒</a:t>
+            </a:r>
+          </a:p>
+          <a:p>
+            <a:r>
+              <a:rPr lang="ja-JP" altLang="en-US" dirty="0"/>
+              <a:t>「関係のない部位（例えば、ねじの胴体）とも比較してしまうのでは？」という懸念について。 例、テスト画像のとあるパッチ「ねじの頭」は、メモリバンク内の「ねじの胴体」のパッチとも距離が計算される。</a:t>
+            </a:r>
+            <a:endParaRPr lang="en-US" altLang="ja-JP" dirty="0"/>
+          </a:p>
+          <a:p>
+            <a:r>
+              <a:rPr lang="ja-JP" altLang="en-US" dirty="0"/>
+              <a:t>しかし、特徴空間の性質上、 </a:t>
+            </a:r>
+            <a:r>
+              <a:rPr lang="ja-JP" altLang="en-US" b="1" dirty="0"/>
+              <a:t>距離</a:t>
+            </a:r>
+            <a:r>
+              <a:rPr lang="en-US" altLang="ja-JP" b="1" dirty="0"/>
               <a:t>(</a:t>
             </a:r>
             <a:r>
+              <a:rPr lang="ja-JP" altLang="en-US" b="1" dirty="0"/>
+              <a:t>テストの頭</a:t>
+            </a:r>
+            <a:r>
+              <a:rPr lang="en-US" altLang="ja-JP" b="1" dirty="0"/>
+              <a:t>, </a:t>
+            </a:r>
+            <a:r>
+              <a:rPr lang="ja-JP" altLang="en-US" b="1" dirty="0"/>
+              <a:t>正常な頭</a:t>
+            </a:r>
+            <a:r>
+              <a:rPr lang="en-US" altLang="ja-JP" b="1" dirty="0"/>
+              <a:t>) &lt; </a:t>
+            </a:r>
+            <a:r>
+              <a:rPr lang="ja-JP" altLang="en-US" b="1" dirty="0"/>
+              <a:t>距離</a:t>
+            </a:r>
+            <a:r>
+              <a:rPr lang="en-US" altLang="ja-JP" b="1" dirty="0"/>
+              <a:t>(</a:t>
+            </a:r>
+            <a:r>
+              <a:rPr lang="ja-JP" altLang="en-US" b="1" dirty="0"/>
+              <a:t>テストの頭</a:t>
+            </a:r>
+            <a:r>
+              <a:rPr lang="en-US" altLang="ja-JP" b="1" dirty="0"/>
+              <a:t>, </a:t>
+            </a:r>
+            <a:r>
+              <a:rPr lang="ja-JP" altLang="en-US" b="1" dirty="0"/>
+              <a:t>正常な胴体</a:t>
+            </a:r>
+            <a:r>
+              <a:rPr lang="en-US" altLang="ja-JP" b="1" dirty="0"/>
+              <a:t>)</a:t>
+            </a:r>
+            <a:r>
               <a:rPr lang="ja-JP" altLang="en-US" dirty="0"/>
-              <a:t>詳しいことはここに記述して、かいつまんでスライドにも書く。図も欲しい</a:t>
-            </a:r>
-            <a:r>
-              <a:rPr lang="en-US" altLang="ja-JP" dirty="0"/>
-              <a:t>)</a:t>
-            </a:r>
-            <a:endParaRPr lang="en-JP" altLang="ja-JP" dirty="0"/>
+              <a:t> となる可能性が非常に高い。そのため、全数検索をしても、結局は意味的に最も近い「正常な頭」が最近傍として選ばれるからヨシ！。</a:t>
+            </a:r>
+          </a:p>
+          <a:p>
+            <a:endParaRPr lang="en-US" altLang="ja-JP" dirty="0"/>
           </a:p>
           <a:p>
             <a:endParaRPr lang="en-JP" dirty="0"/>
@@ -4127,7 +4359,7 @@
           <a:p>
             <a:fld id="{8E13C0C7-DE05-4833-8785-D21399826AC3}" type="datetimeFigureOut">
               <a:rPr kumimoji="1" lang="ja-JP" altLang="en-US" smtClean="0"/>
-              <a:t>2025/7/1</a:t>
+              <a:t>2025/7/2</a:t>
             </a:fld>
             <a:endParaRPr kumimoji="1" lang="ja-JP" altLang="en-US"/>
           </a:p>
@@ -4357,7 +4589,7 @@
           <a:p>
             <a:fld id="{8E13C0C7-DE05-4833-8785-D21399826AC3}" type="datetimeFigureOut">
               <a:rPr kumimoji="1" lang="ja-JP" altLang="en-US" smtClean="0"/>
-              <a:t>2025/7/1</a:t>
+              <a:t>2025/7/2</a:t>
             </a:fld>
             <a:endParaRPr kumimoji="1" lang="ja-JP" altLang="en-US"/>
           </a:p>
@@ -4597,7 +4829,7 @@
           <a:p>
             <a:fld id="{8E13C0C7-DE05-4833-8785-D21399826AC3}" type="datetimeFigureOut">
               <a:rPr kumimoji="1" lang="ja-JP" altLang="en-US" smtClean="0"/>
-              <a:t>2025/7/1</a:t>
+              <a:t>2025/7/2</a:t>
             </a:fld>
             <a:endParaRPr kumimoji="1" lang="ja-JP" altLang="en-US"/>
           </a:p>
@@ -5340,7 +5572,7 @@
           <a:p>
             <a:fld id="{8E13C0C7-DE05-4833-8785-D21399826AC3}" type="datetimeFigureOut">
               <a:rPr kumimoji="1" lang="ja-JP" altLang="en-US" smtClean="0"/>
-              <a:t>2025/7/1</a:t>
+              <a:t>2025/7/2</a:t>
             </a:fld>
             <a:endParaRPr kumimoji="1" lang="ja-JP" altLang="en-US"/>
           </a:p>
@@ -5615,7 +5847,7 @@
           <a:p>
             <a:fld id="{8E13C0C7-DE05-4833-8785-D21399826AC3}" type="datetimeFigureOut">
               <a:rPr kumimoji="1" lang="ja-JP" altLang="en-US" smtClean="0"/>
-              <a:t>2025/7/1</a:t>
+              <a:t>2025/7/2</a:t>
             </a:fld>
             <a:endParaRPr kumimoji="1" lang="ja-JP" altLang="en-US"/>
           </a:p>
@@ -5944,7 +6176,7 @@
           <a:p>
             <a:fld id="{8E13C0C7-DE05-4833-8785-D21399826AC3}" type="datetimeFigureOut">
               <a:rPr kumimoji="1" lang="ja-JP" altLang="en-US" smtClean="0"/>
-              <a:t>2025/7/1</a:t>
+              <a:t>2025/7/2</a:t>
             </a:fld>
             <a:endParaRPr kumimoji="1" lang="ja-JP" altLang="en-US"/>
           </a:p>
@@ -6420,7 +6652,7 @@
           <a:p>
             <a:fld id="{8E13C0C7-DE05-4833-8785-D21399826AC3}" type="datetimeFigureOut">
               <a:rPr kumimoji="1" lang="ja-JP" altLang="en-US" smtClean="0"/>
-              <a:t>2025/7/1</a:t>
+              <a:t>2025/7/2</a:t>
             </a:fld>
             <a:endParaRPr kumimoji="1" lang="ja-JP" altLang="en-US"/>
           </a:p>
@@ -6561,7 +6793,7 @@
           <a:p>
             <a:fld id="{8E13C0C7-DE05-4833-8785-D21399826AC3}" type="datetimeFigureOut">
               <a:rPr kumimoji="1" lang="ja-JP" altLang="en-US" smtClean="0"/>
-              <a:t>2025/7/1</a:t>
+              <a:t>2025/7/2</a:t>
             </a:fld>
             <a:endParaRPr kumimoji="1" lang="ja-JP" altLang="en-US"/>
           </a:p>
@@ -6674,7 +6906,7 @@
           <a:p>
             <a:fld id="{8E13C0C7-DE05-4833-8785-D21399826AC3}" type="datetimeFigureOut">
               <a:rPr kumimoji="1" lang="ja-JP" altLang="en-US" smtClean="0"/>
-              <a:t>2025/7/1</a:t>
+              <a:t>2025/7/2</a:t>
             </a:fld>
             <a:endParaRPr kumimoji="1" lang="ja-JP" altLang="en-US"/>
           </a:p>
@@ -7017,7 +7249,7 @@
           <a:p>
             <a:fld id="{8E13C0C7-DE05-4833-8785-D21399826AC3}" type="datetimeFigureOut">
               <a:rPr kumimoji="1" lang="ja-JP" altLang="en-US" smtClean="0"/>
-              <a:t>2025/7/1</a:t>
+              <a:t>2025/7/2</a:t>
             </a:fld>
             <a:endParaRPr kumimoji="1" lang="ja-JP" altLang="en-US"/>
           </a:p>
@@ -7305,7 +7537,7 @@
           <a:p>
             <a:fld id="{8E13C0C7-DE05-4833-8785-D21399826AC3}" type="datetimeFigureOut">
               <a:rPr kumimoji="1" lang="ja-JP" altLang="en-US" smtClean="0"/>
-              <a:t>2025/7/1</a:t>
+              <a:t>2025/7/2</a:t>
             </a:fld>
             <a:endParaRPr kumimoji="1" lang="ja-JP" altLang="en-US"/>
           </a:p>
@@ -7578,7 +7810,7 @@
           <a:p>
             <a:fld id="{8E13C0C7-DE05-4833-8785-D21399826AC3}" type="datetimeFigureOut">
               <a:rPr kumimoji="1" lang="ja-JP" altLang="en-US" smtClean="0"/>
-              <a:t>2025/7/1</a:t>
+              <a:t>2025/7/2</a:t>
             </a:fld>
             <a:endParaRPr kumimoji="1" lang="ja-JP" altLang="en-US"/>
           </a:p>
@@ -8458,7 +8690,7 @@
         <p:spPr>
           <a:xfrm>
             <a:off x="449017" y="1452605"/>
-            <a:ext cx="1569660" cy="369332"/>
+            <a:ext cx="3647152" cy="369332"/>
           </a:xfrm>
           <a:prstGeom prst="rect">
             <a:avLst/>
@@ -8472,9 +8704,9 @@
           <a:p>
             <a:r>
               <a:rPr lang="ja-JP" altLang="en-US" b="1" dirty="0"/>
-              <a:t>ああああああ</a:t>
-            </a:r>
-            <a:endParaRPr lang="ja-JP" altLang="en-US" dirty="0"/>
+              <a:t>なんか色々評価指標を増やした奴</a:t>
+            </a:r>
+            <a:endParaRPr lang="en-US" altLang="ja-JP" b="1" dirty="0"/>
           </a:p>
         </p:txBody>
       </p:sp>
@@ -8975,8 +9207,8 @@
         </p:nvSpPr>
         <p:spPr>
           <a:xfrm>
-            <a:off x="449017" y="1314105"/>
-            <a:ext cx="10696778" cy="369332"/>
+            <a:off x="449016" y="1314105"/>
+            <a:ext cx="11282319" cy="1477328"/>
           </a:xfrm>
           <a:prstGeom prst="rect">
             <a:avLst/>
@@ -8994,11 +9226,445 @@
             </a:r>
             <a:r>
               <a:rPr lang="ja-JP" altLang="en-US" dirty="0"/>
-              <a:t>新しく提案された手法でも過去の手法と比べると苦手な評価項目が存在すること。</a:t>
-            </a:r>
-          </a:p>
-        </p:txBody>
-      </p:sp>
+              <a:t>新しく提案された手法でも過去の手法より苦手な評価項目が存在する。</a:t>
+            </a:r>
+            <a:r>
+              <a:rPr lang="en-US" altLang="ja-JP" dirty="0"/>
+              <a:t>(</a:t>
+            </a:r>
+            <a:r>
+              <a:rPr lang="ja-JP" altLang="en-US" dirty="0"/>
+              <a:t>平均的な性能は優れているが</a:t>
+            </a:r>
+            <a:r>
+              <a:rPr lang="en-US" altLang="ja-JP" dirty="0"/>
+              <a:t>)</a:t>
+            </a:r>
+          </a:p>
+          <a:p>
+            <a:endParaRPr lang="en-US" altLang="ja-JP" dirty="0"/>
+          </a:p>
+          <a:p>
+            <a:r>
+              <a:rPr lang="ja-JP" altLang="en-US" dirty="0"/>
+              <a:t>・</a:t>
+            </a:r>
+            <a:endParaRPr lang="en-US" altLang="ja-JP" dirty="0"/>
+          </a:p>
+          <a:p>
+            <a:endParaRPr lang="en-US" altLang="ja-JP" dirty="0"/>
+          </a:p>
+          <a:p>
+            <a:r>
+              <a:rPr lang="ja-JP" altLang="en-US" dirty="0"/>
+              <a:t>・マハラノビス距離</a:t>
+            </a:r>
+            <a:r>
+              <a:rPr lang="ja-JP" altLang="en-US" b="1" dirty="0"/>
+              <a:t>ｄ</a:t>
+            </a:r>
+            <a:r>
+              <a:rPr lang="ja-JP" altLang="en-US" dirty="0"/>
+              <a:t>のイメージ。</a:t>
+            </a:r>
+          </a:p>
+        </p:txBody>
+      </p:sp>
+      <p:sp>
+        <p:nvSpPr>
+          <p:cNvPr id="6" name="正方形/長方形 5">
+            <a:extLst>
+              <a:ext uri="{FF2B5EF4-FFF2-40B4-BE49-F238E27FC236}">
+                <a16:creationId xmlns:a16="http://schemas.microsoft.com/office/drawing/2014/main" id="{13FAFA27-23CB-5908-C0E9-55B37884F746}"/>
+              </a:ext>
+            </a:extLst>
+          </p:cNvPr>
+          <p:cNvSpPr/>
+          <p:nvPr/>
+        </p:nvSpPr>
+        <p:spPr>
+          <a:xfrm>
+            <a:off x="449017" y="6203875"/>
+            <a:ext cx="3505476" cy="215444"/>
+          </a:xfrm>
+          <a:prstGeom prst="rect">
+            <a:avLst/>
+          </a:prstGeom>
+        </p:spPr>
+        <p:txBody>
+          <a:bodyPr wrap="square">
+            <a:spAutoFit/>
+          </a:bodyPr>
+          <a:lstStyle/>
+          <a:p>
+            <a:r>
+              <a:rPr lang="en-US" altLang="ja-JP" sz="800" dirty="0">
+                <a:hlinkClick r:id="rId3"/>
+              </a:rPr>
+              <a:t>https://qiita.com/kotai2003/items/297930db4466b71f06b0</a:t>
+            </a:r>
+            <a:endParaRPr lang="en-US" altLang="ja-JP" sz="800" dirty="0"/>
+          </a:p>
+        </p:txBody>
+      </p:sp>
+      <p:sp>
+        <p:nvSpPr>
+          <p:cNvPr id="7" name="矢印: 下 6">
+            <a:extLst>
+              <a:ext uri="{FF2B5EF4-FFF2-40B4-BE49-F238E27FC236}">
+                <a16:creationId xmlns:a16="http://schemas.microsoft.com/office/drawing/2014/main" id="{E97E4EE6-2A13-A4A1-8E22-C1AC9877BA0A}"/>
+              </a:ext>
+            </a:extLst>
+          </p:cNvPr>
+          <p:cNvSpPr/>
+          <p:nvPr/>
+        </p:nvSpPr>
+        <p:spPr>
+          <a:xfrm rot="8167701">
+            <a:off x="5050508" y="4863404"/>
+            <a:ext cx="109844" cy="339869"/>
+          </a:xfrm>
+          <a:prstGeom prst="downArrow">
+            <a:avLst/>
+          </a:prstGeom>
+          <a:solidFill>
+            <a:schemeClr val="accent4">
+              <a:lumMod val="60000"/>
+              <a:lumOff val="40000"/>
+            </a:schemeClr>
+          </a:solidFill>
+        </p:spPr>
+        <p:style>
+          <a:lnRef idx="2">
+            <a:schemeClr val="accent1">
+              <a:shade val="15000"/>
+            </a:schemeClr>
+          </a:lnRef>
+          <a:fillRef idx="1">
+            <a:schemeClr val="accent1"/>
+          </a:fillRef>
+          <a:effectRef idx="0">
+            <a:schemeClr val="accent1"/>
+          </a:effectRef>
+          <a:fontRef idx="minor">
+            <a:schemeClr val="lt1"/>
+          </a:fontRef>
+        </p:style>
+        <p:txBody>
+          <a:bodyPr rtlCol="0" anchor="ctr"/>
+          <a:lstStyle/>
+          <a:p>
+            <a:pPr algn="ctr"/>
+            <a:endParaRPr kumimoji="1" lang="ja-JP" altLang="en-US"/>
+          </a:p>
+        </p:txBody>
+      </p:sp>
+      <p:sp>
+        <p:nvSpPr>
+          <p:cNvPr id="8" name="矢印: 下 7">
+            <a:extLst>
+              <a:ext uri="{FF2B5EF4-FFF2-40B4-BE49-F238E27FC236}">
+                <a16:creationId xmlns:a16="http://schemas.microsoft.com/office/drawing/2014/main" id="{7CD712EE-A00E-10E6-6B00-87EE45149F63}"/>
+              </a:ext>
+            </a:extLst>
+          </p:cNvPr>
+          <p:cNvSpPr/>
+          <p:nvPr/>
+        </p:nvSpPr>
+        <p:spPr>
+          <a:xfrm rot="13437489">
+            <a:off x="6145511" y="4523189"/>
+            <a:ext cx="109844" cy="907850"/>
+          </a:xfrm>
+          <a:prstGeom prst="downArrow">
+            <a:avLst/>
+          </a:prstGeom>
+          <a:solidFill>
+            <a:schemeClr val="accent6">
+              <a:lumMod val="60000"/>
+              <a:lumOff val="40000"/>
+            </a:schemeClr>
+          </a:solidFill>
+        </p:spPr>
+        <p:style>
+          <a:lnRef idx="2">
+            <a:schemeClr val="accent1">
+              <a:shade val="15000"/>
+            </a:schemeClr>
+          </a:lnRef>
+          <a:fillRef idx="1">
+            <a:schemeClr val="accent1"/>
+          </a:fillRef>
+          <a:effectRef idx="0">
+            <a:schemeClr val="accent1"/>
+          </a:effectRef>
+          <a:fontRef idx="minor">
+            <a:schemeClr val="lt1"/>
+          </a:fontRef>
+        </p:style>
+        <p:txBody>
+          <a:bodyPr rtlCol="0" anchor="ctr"/>
+          <a:lstStyle/>
+          <a:p>
+            <a:pPr algn="ctr"/>
+            <a:endParaRPr kumimoji="1" lang="ja-JP" altLang="en-US"/>
+          </a:p>
+        </p:txBody>
+      </p:sp>
+      <p:sp>
+        <p:nvSpPr>
+          <p:cNvPr id="9" name="正方形/長方形 8">
+            <a:extLst>
+              <a:ext uri="{FF2B5EF4-FFF2-40B4-BE49-F238E27FC236}">
+                <a16:creationId xmlns:a16="http://schemas.microsoft.com/office/drawing/2014/main" id="{2E11100C-A767-2D2E-21F1-3004817BFB80}"/>
+              </a:ext>
+            </a:extLst>
+          </p:cNvPr>
+          <p:cNvSpPr/>
+          <p:nvPr/>
+        </p:nvSpPr>
+        <p:spPr>
+          <a:xfrm>
+            <a:off x="5316331" y="4943152"/>
+            <a:ext cx="6723308" cy="369332"/>
+          </a:xfrm>
+          <a:prstGeom prst="rect">
+            <a:avLst/>
+          </a:prstGeom>
+        </p:spPr>
+        <p:txBody>
+          <a:bodyPr wrap="square">
+            <a:spAutoFit/>
+          </a:bodyPr>
+          <a:lstStyle/>
+          <a:p>
+            <a:r>
+              <a:rPr lang="ja-JP" altLang="en-US" dirty="0"/>
+              <a:t>と　　　　の距離が等価＝同じ異常度になるってイメージ。</a:t>
+            </a:r>
+            <a:endParaRPr lang="en-US" altLang="ja-JP" dirty="0"/>
+          </a:p>
+        </p:txBody>
+      </p:sp>
+      <p:grpSp>
+        <p:nvGrpSpPr>
+          <p:cNvPr id="12" name="グループ化 11">
+            <a:extLst>
+              <a:ext uri="{FF2B5EF4-FFF2-40B4-BE49-F238E27FC236}">
+                <a16:creationId xmlns:a16="http://schemas.microsoft.com/office/drawing/2014/main" id="{6C8924D0-1BA1-32DF-9F14-F417AAD7BABB}"/>
+              </a:ext>
+            </a:extLst>
+          </p:cNvPr>
+          <p:cNvGrpSpPr/>
+          <p:nvPr/>
+        </p:nvGrpSpPr>
+        <p:grpSpPr>
+          <a:xfrm>
+            <a:off x="821498" y="3860127"/>
+            <a:ext cx="3738444" cy="2308324"/>
+            <a:chOff x="821498" y="3860127"/>
+            <a:chExt cx="3738444" cy="2308324"/>
+          </a:xfrm>
+        </p:grpSpPr>
+        <p:pic>
+          <p:nvPicPr>
+            <p:cNvPr id="5" name="Picture 2">
+              <a:extLst>
+                <a:ext uri="{FF2B5EF4-FFF2-40B4-BE49-F238E27FC236}">
+                  <a16:creationId xmlns:a16="http://schemas.microsoft.com/office/drawing/2014/main" id="{FAA186A5-F97A-ECB5-BB19-495DF9C42813}"/>
+                </a:ext>
+              </a:extLst>
+            </p:cNvPr>
+            <p:cNvPicPr>
+              <a:picLocks noChangeAspect="1" noChangeArrowheads="1"/>
+            </p:cNvPicPr>
+            <p:nvPr/>
+          </p:nvPicPr>
+          <p:blipFill>
+            <a:blip r:embed="rId4">
+              <a:extLst>
+                <a:ext uri="{28A0092B-C50C-407E-A947-70E740481C1C}">
+                  <a14:useLocalDpi xmlns:a14="http://schemas.microsoft.com/office/drawing/2010/main" val="0"/>
+                </a:ext>
+              </a:extLst>
+            </a:blip>
+            <a:srcRect/>
+            <a:stretch>
+              <a:fillRect/>
+            </a:stretch>
+          </p:blipFill>
+          <p:spPr bwMode="auto">
+            <a:xfrm>
+              <a:off x="821498" y="3860127"/>
+              <a:ext cx="3738444" cy="2308324"/>
+            </a:xfrm>
+            <a:prstGeom prst="rect">
+              <a:avLst/>
+            </a:prstGeom>
+            <a:noFill/>
+            <a:extLst>
+              <a:ext uri="{909E8E84-426E-40DD-AFC4-6F175D3DCCD1}">
+                <a14:hiddenFill xmlns:a14="http://schemas.microsoft.com/office/drawing/2010/main">
+                  <a:solidFill>
+                    <a:srgbClr val="FFFFFF"/>
+                  </a:solidFill>
+                </a14:hiddenFill>
+              </a:ext>
+            </a:extLst>
+          </p:spPr>
+        </p:pic>
+        <p:sp>
+          <p:nvSpPr>
+            <p:cNvPr id="10" name="矢印: 下 9">
+              <a:extLst>
+                <a:ext uri="{FF2B5EF4-FFF2-40B4-BE49-F238E27FC236}">
+                  <a16:creationId xmlns:a16="http://schemas.microsoft.com/office/drawing/2014/main" id="{4A7DEB85-BF8F-98CD-8C92-D9C0651D2482}"/>
+                </a:ext>
+              </a:extLst>
+            </p:cNvPr>
+            <p:cNvSpPr/>
+            <p:nvPr/>
+          </p:nvSpPr>
+          <p:spPr>
+            <a:xfrm rot="8167701">
+              <a:off x="1737568" y="4788130"/>
+              <a:ext cx="109844" cy="339869"/>
+            </a:xfrm>
+            <a:prstGeom prst="downArrow">
+              <a:avLst/>
+            </a:prstGeom>
+            <a:solidFill>
+              <a:schemeClr val="accent4">
+                <a:lumMod val="60000"/>
+                <a:lumOff val="40000"/>
+              </a:schemeClr>
+            </a:solidFill>
+          </p:spPr>
+          <p:style>
+            <a:lnRef idx="2">
+              <a:schemeClr val="accent1">
+                <a:shade val="15000"/>
+              </a:schemeClr>
+            </a:lnRef>
+            <a:fillRef idx="1">
+              <a:schemeClr val="accent1"/>
+            </a:fillRef>
+            <a:effectRef idx="0">
+              <a:schemeClr val="accent1"/>
+            </a:effectRef>
+            <a:fontRef idx="minor">
+              <a:schemeClr val="lt1"/>
+            </a:fontRef>
+          </p:style>
+          <p:txBody>
+            <a:bodyPr rtlCol="0" anchor="ctr"/>
+            <a:lstStyle/>
+            <a:p>
+              <a:pPr algn="ctr"/>
+              <a:endParaRPr kumimoji="1" lang="ja-JP" altLang="en-US"/>
+            </a:p>
+          </p:txBody>
+        </p:sp>
+        <p:sp>
+          <p:nvSpPr>
+            <p:cNvPr id="11" name="矢印: 下 10">
+              <a:extLst>
+                <a:ext uri="{FF2B5EF4-FFF2-40B4-BE49-F238E27FC236}">
+                  <a16:creationId xmlns:a16="http://schemas.microsoft.com/office/drawing/2014/main" id="{763FA8AB-F09D-F12D-6746-40A362328D3F}"/>
+                </a:ext>
+              </a:extLst>
+            </p:cNvPr>
+            <p:cNvSpPr/>
+            <p:nvPr/>
+          </p:nvSpPr>
+          <p:spPr>
+            <a:xfrm rot="13437489">
+              <a:off x="2190506" y="4290901"/>
+              <a:ext cx="109844" cy="907850"/>
+            </a:xfrm>
+            <a:prstGeom prst="downArrow">
+              <a:avLst/>
+            </a:prstGeom>
+            <a:solidFill>
+              <a:schemeClr val="accent6">
+                <a:lumMod val="60000"/>
+                <a:lumOff val="40000"/>
+              </a:schemeClr>
+            </a:solidFill>
+          </p:spPr>
+          <p:style>
+            <a:lnRef idx="2">
+              <a:schemeClr val="accent1">
+                <a:shade val="15000"/>
+              </a:schemeClr>
+            </a:lnRef>
+            <a:fillRef idx="1">
+              <a:schemeClr val="accent1"/>
+            </a:fillRef>
+            <a:effectRef idx="0">
+              <a:schemeClr val="accent1"/>
+            </a:effectRef>
+            <a:fontRef idx="minor">
+              <a:schemeClr val="lt1"/>
+            </a:fontRef>
+          </p:style>
+          <p:txBody>
+            <a:bodyPr rtlCol="0" anchor="ctr"/>
+            <a:lstStyle/>
+            <a:p>
+              <a:pPr algn="ctr"/>
+              <a:endParaRPr kumimoji="1" lang="ja-JP" altLang="en-US"/>
+            </a:p>
+          </p:txBody>
+        </p:sp>
+      </p:grpSp>
+      <p:pic>
+        <p:nvPicPr>
+          <p:cNvPr id="1026" name="Picture 2">
+            <a:extLst>
+              <a:ext uri="{FF2B5EF4-FFF2-40B4-BE49-F238E27FC236}">
+                <a16:creationId xmlns:a16="http://schemas.microsoft.com/office/drawing/2014/main" id="{78DEA117-3C8A-683A-6226-D52B8553B1BB}"/>
+              </a:ext>
+            </a:extLst>
+          </p:cNvPr>
+          <p:cNvPicPr>
+            <a:picLocks noChangeAspect="1" noChangeArrowheads="1"/>
+          </p:cNvPicPr>
+          <p:nvPr/>
+        </p:nvPicPr>
+        <p:blipFill>
+          <a:blip r:embed="rId5">
+            <a:extLst>
+              <a:ext uri="{28A0092B-C50C-407E-A947-70E740481C1C}">
+                <a14:useLocalDpi xmlns:a14="http://schemas.microsoft.com/office/drawing/2010/main" val="0"/>
+              </a:ext>
+            </a:extLst>
+          </a:blip>
+          <a:srcRect/>
+          <a:stretch>
+            <a:fillRect/>
+          </a:stretch>
+        </p:blipFill>
+        <p:spPr bwMode="auto">
+          <a:xfrm>
+            <a:off x="4229589" y="2273947"/>
+            <a:ext cx="2941502" cy="517486"/>
+          </a:xfrm>
+          <a:prstGeom prst="rect">
+            <a:avLst/>
+          </a:prstGeom>
+          <a:noFill/>
+          <a:extLst>
+            <a:ext uri="{909E8E84-426E-40DD-AFC4-6F175D3DCCD1}">
+              <a14:hiddenFill xmlns:a14="http://schemas.microsoft.com/office/drawing/2010/main">
+                <a:solidFill>
+                  <a:srgbClr val="FFFFFF"/>
+                </a:solidFill>
+              </a14:hiddenFill>
+            </a:ext>
+          </a:extLst>
+        </p:spPr>
+      </p:pic>
     </p:spTree>
     <p:extLst>
       <p:ext uri="{BB962C8B-B14F-4D97-AF65-F5344CB8AC3E}">
@@ -9617,13 +10283,13 @@
   <p:clrMapOvr>
     <a:masterClrMapping/>
   </p:clrMapOvr>
-  <mc:AlternateContent xmlns:mc="http://schemas.openxmlformats.org/markup-compatibility/2006">
-    <mc:Choice xmlns:p14="http://schemas.microsoft.com/office/powerpoint/2010/main" Requires="p14">
+  <mc:AlternateContent xmlns:mc="http://schemas.openxmlformats.org/markup-compatibility/2006" xmlns:p14="http://schemas.microsoft.com/office/powerpoint/2010/main">
+    <mc:Choice Requires="p14">
       <p:transition p14:dur="180">
         <p:fade/>
       </p:transition>
     </mc:Choice>
-    <mc:Fallback>
+    <mc:Fallback xmlns="">
       <p:transition>
         <p:fade/>
       </p:transition>
@@ -10041,13 +10707,13 @@
   <p:clrMapOvr>
     <a:masterClrMapping/>
   </p:clrMapOvr>
-  <mc:AlternateContent xmlns:mc="http://schemas.openxmlformats.org/markup-compatibility/2006">
-    <mc:Choice xmlns:p14="http://schemas.microsoft.com/office/powerpoint/2010/main" Requires="p14">
+  <mc:AlternateContent xmlns:mc="http://schemas.openxmlformats.org/markup-compatibility/2006" xmlns:p14="http://schemas.microsoft.com/office/powerpoint/2010/main">
+    <mc:Choice Requires="p14">
       <p:transition p14:dur="180">
         <p:fade/>
       </p:transition>
     </mc:Choice>
-    <mc:Fallback>
+    <mc:Fallback xmlns="">
       <p:transition>
         <p:fade/>
       </p:transition>
@@ -10280,13 +10946,13 @@
   <p:clrMapOvr>
     <a:masterClrMapping/>
   </p:clrMapOvr>
-  <mc:AlternateContent xmlns:mc="http://schemas.openxmlformats.org/markup-compatibility/2006">
-    <mc:Choice xmlns:p14="http://schemas.microsoft.com/office/powerpoint/2010/main" Requires="p14">
+  <mc:AlternateContent xmlns:mc="http://schemas.openxmlformats.org/markup-compatibility/2006" xmlns:p14="http://schemas.microsoft.com/office/powerpoint/2010/main">
+    <mc:Choice Requires="p14">
       <p:transition p14:dur="180">
         <p:fade/>
       </p:transition>
     </mc:Choice>
-    <mc:Fallback>
+    <mc:Fallback xmlns="">
       <p:transition>
         <p:fade/>
       </p:transition>
@@ -10813,13 +11479,13 @@
   <p:clrMapOvr>
     <a:masterClrMapping/>
   </p:clrMapOvr>
-  <mc:AlternateContent xmlns:mc="http://schemas.openxmlformats.org/markup-compatibility/2006">
-    <mc:Choice xmlns:p14="http://schemas.microsoft.com/office/powerpoint/2010/main" Requires="p14">
+  <mc:AlternateContent xmlns:mc="http://schemas.openxmlformats.org/markup-compatibility/2006" xmlns:p14="http://schemas.microsoft.com/office/powerpoint/2010/main">
+    <mc:Choice Requires="p14">
       <p:transition p14:dur="180">
         <p:fade/>
       </p:transition>
     </mc:Choice>
-    <mc:Fallback>
+    <mc:Fallback xmlns="">
       <p:transition>
         <p:fade/>
       </p:transition>
@@ -11421,13 +12087,13 @@
   <p:clrMapOvr>
     <a:masterClrMapping/>
   </p:clrMapOvr>
-  <mc:AlternateContent xmlns:mc="http://schemas.openxmlformats.org/markup-compatibility/2006">
-    <mc:Choice xmlns:p14="http://schemas.microsoft.com/office/powerpoint/2010/main" Requires="p14">
+  <mc:AlternateContent xmlns:mc="http://schemas.openxmlformats.org/markup-compatibility/2006" xmlns:p14="http://schemas.microsoft.com/office/powerpoint/2010/main">
+    <mc:Choice Requires="p14">
       <p:transition p14:dur="180">
         <p:fade/>
       </p:transition>
     </mc:Choice>
-    <mc:Fallback>
+    <mc:Fallback xmlns="">
       <p:transition>
         <p:fade/>
       </p:transition>
@@ -11757,13 +12423,13 @@
   <p:clrMapOvr>
     <a:masterClrMapping/>
   </p:clrMapOvr>
-  <mc:AlternateContent xmlns:mc="http://schemas.openxmlformats.org/markup-compatibility/2006">
-    <mc:Choice xmlns:p14="http://schemas.microsoft.com/office/powerpoint/2010/main" Requires="p14">
+  <mc:AlternateContent xmlns:mc="http://schemas.openxmlformats.org/markup-compatibility/2006" xmlns:p14="http://schemas.microsoft.com/office/powerpoint/2010/main">
+    <mc:Choice Requires="p14">
       <p:transition p14:dur="180">
         <p:fade/>
       </p:transition>
     </mc:Choice>
-    <mc:Fallback>
+    <mc:Fallback xmlns="">
       <p:transition>
         <p:fade/>
       </p:transition>
@@ -13136,6 +13802,9 @@
           <a:prstGeom prst="rect">
             <a:avLst/>
           </a:prstGeom>
+          <a:solidFill>
+            <a:srgbClr val="FFFF00"/>
+          </a:solidFill>
         </p:spPr>
         <p:style>
           <a:lnRef idx="2">
@@ -13182,6 +13851,12 @@
           <a:prstGeom prst="rect">
             <a:avLst/>
           </a:prstGeom>
+          <a:solidFill>
+            <a:schemeClr val="tx1">
+              <a:lumMod val="50000"/>
+              <a:lumOff val="50000"/>
+            </a:schemeClr>
+          </a:solidFill>
         </p:spPr>
         <p:style>
           <a:lnRef idx="2">
@@ -13434,8 +14109,8 @@
         </p:nvSpPr>
         <p:spPr>
           <a:xfrm>
-            <a:off x="449017" y="269481"/>
-            <a:ext cx="7135318" cy="707886"/>
+            <a:off x="449016" y="269481"/>
+            <a:ext cx="7396119" cy="707886"/>
           </a:xfrm>
           <a:prstGeom prst="rect">
             <a:avLst/>
@@ -13456,7 +14131,15 @@
               <a:rPr lang="en-US" altLang="ja-JP" sz="4000" dirty="0" err="1"/>
               <a:t>PaDim</a:t>
             </a:r>
-            <a:endParaRPr lang="en-JP" sz="4000" dirty="0"/>
+            <a:r>
+              <a:rPr lang="en-US" altLang="ja-JP" sz="4000" dirty="0"/>
+              <a:t>    </a:t>
+            </a:r>
+            <a:r>
+              <a:rPr lang="ja-JP" altLang="en-US" sz="1600" dirty="0"/>
+              <a:t>位置がズレると破綻する</a:t>
+            </a:r>
+            <a:endParaRPr lang="en-JP" sz="1600" dirty="0"/>
           </a:p>
         </p:txBody>
       </p:sp>
@@ -13475,106 +14158,91 @@
         <p:spPr>
           <a:xfrm>
             <a:off x="449017" y="1452605"/>
-            <a:ext cx="10341293" cy="2308324"/>
+            <a:ext cx="11588085" cy="2554545"/>
           </a:xfrm>
           <a:prstGeom prst="rect">
             <a:avLst/>
           </a:prstGeom>
         </p:spPr>
         <p:txBody>
-          <a:bodyPr wrap="none">
+          <a:bodyPr wrap="square">
             <a:spAutoFit/>
           </a:bodyPr>
           <a:lstStyle/>
           <a:p>
-            <a:endParaRPr lang="en-US" altLang="ja-JP"/>
-          </a:p>
-          <a:p>
-            <a:r>
-              <a:rPr lang="ja-JP" altLang="en-US" dirty="0"/>
-              <a:t>マハラノビス距離を評価指標に採用。</a:t>
-            </a:r>
-            <a:endParaRPr lang="en-US" altLang="ja-JP" dirty="0"/>
-          </a:p>
-          <a:p>
-            <a:endParaRPr lang="en-US" altLang="ja-JP" b="1" dirty="0"/>
-          </a:p>
-          <a:p>
-            <a:endParaRPr lang="en-US" altLang="ja-JP" b="1" dirty="0"/>
-          </a:p>
-          <a:p>
-            <a:endParaRPr lang="en-US" altLang="ja-JP" b="1" dirty="0"/>
-          </a:p>
-          <a:p>
-            <a:endParaRPr lang="en-US" altLang="ja-JP" b="1" dirty="0"/>
-          </a:p>
-          <a:p>
-            <a:r>
-              <a:rPr lang="ja-JP" altLang="en-US" b="1" dirty="0"/>
+            <a:r>
+              <a:rPr lang="ja-JP" altLang="en-US" sz="2000" dirty="0"/>
+              <a:t>・</a:t>
+            </a:r>
+            <a:r>
+              <a:rPr lang="en-US" altLang="ja-JP" sz="2000" dirty="0"/>
+              <a:t>SPADE</a:t>
+            </a:r>
+            <a:r>
+              <a:rPr lang="ja-JP" altLang="en-US" sz="2000" dirty="0"/>
+              <a:t>に工夫を加えた手法。</a:t>
+            </a:r>
+            <a:endParaRPr lang="en-US" altLang="ja-JP" sz="2000" dirty="0"/>
+          </a:p>
+          <a:p>
+            <a:endParaRPr lang="en-US" altLang="ja-JP" sz="2000" dirty="0"/>
+          </a:p>
+          <a:p>
+            <a:r>
+              <a:rPr lang="ja-JP" altLang="en-US" sz="2000" dirty="0"/>
+              <a:t>・ピクセルではなく</a:t>
+            </a:r>
+            <a:r>
+              <a:rPr lang="ja-JP" altLang="en-US" sz="2000" u="sng" dirty="0"/>
+              <a:t>パッチ</a:t>
+            </a:r>
+            <a:r>
+              <a:rPr lang="ja-JP" altLang="en-US" sz="2000" dirty="0"/>
+              <a:t>に注目。</a:t>
+            </a:r>
+            <a:endParaRPr lang="en-US" altLang="ja-JP" sz="2000" dirty="0"/>
+          </a:p>
+          <a:p>
+            <a:endParaRPr lang="en-US" altLang="ja-JP" sz="2000" dirty="0"/>
+          </a:p>
+          <a:p>
+            <a:r>
+              <a:rPr lang="ja-JP" altLang="en-US" sz="2000" dirty="0"/>
+              <a:t>・</a:t>
+            </a:r>
+            <a:r>
+              <a:rPr lang="ja-JP" altLang="en-US" sz="2000" u="sng" dirty="0"/>
               <a:t>マハラノビス距離</a:t>
             </a:r>
             <a:r>
-              <a:rPr lang="en-US" altLang="ja-JP" b="1" dirty="0"/>
+              <a:rPr lang="ja-JP" altLang="en-US" sz="2000" dirty="0"/>
+              <a:t>を評価指標に採用。</a:t>
+            </a:r>
+            <a:endParaRPr lang="en-US" altLang="ja-JP" sz="2000" dirty="0"/>
+          </a:p>
+          <a:p>
+            <a:endParaRPr lang="en-US" altLang="ja-JP" sz="2000" b="1" dirty="0"/>
+          </a:p>
+          <a:p>
+            <a:r>
+              <a:rPr lang="ja-JP" altLang="en-US" sz="2000" b="1" u="sng" dirty="0"/>
+              <a:t>マハラノビス距離</a:t>
+            </a:r>
+            <a:r>
+              <a:rPr lang="en-US" altLang="ja-JP" sz="2000" b="1" dirty="0"/>
               <a:t>…</a:t>
             </a:r>
             <a:r>
-              <a:rPr lang="ja-JP" altLang="en-US" dirty="0"/>
+              <a:rPr lang="ja-JP" altLang="en-US" sz="2000" dirty="0"/>
               <a:t>データ点の偏りに応じてペナルティを与えることで正しく異常度を比較する。</a:t>
             </a:r>
-            <a:endParaRPr lang="en-US" altLang="ja-JP" dirty="0"/>
-          </a:p>
-          <a:p>
-            <a:endParaRPr lang="en-US" altLang="ja-JP" dirty="0"/>
-          </a:p>
-        </p:txBody>
-      </p:sp>
-      <p:pic>
-        <p:nvPicPr>
-          <p:cNvPr id="2050" name="Picture 2">
-            <a:extLst>
-              <a:ext uri="{FF2B5EF4-FFF2-40B4-BE49-F238E27FC236}">
-                <a16:creationId xmlns:a16="http://schemas.microsoft.com/office/drawing/2014/main" id="{7DE0A099-ABBC-727E-DC33-7A9665CE89CA}"/>
-              </a:ext>
-            </a:extLst>
-          </p:cNvPr>
-          <p:cNvPicPr>
-            <a:picLocks noChangeAspect="1" noChangeArrowheads="1"/>
-          </p:cNvPicPr>
-          <p:nvPr/>
-        </p:nvPicPr>
-        <p:blipFill>
-          <a:blip r:embed="rId3">
-            <a:extLst>
-              <a:ext uri="{28A0092B-C50C-407E-A947-70E740481C1C}">
-                <a14:useLocalDpi xmlns:a14="http://schemas.microsoft.com/office/drawing/2010/main" val="0"/>
-              </a:ext>
-            </a:extLst>
-          </a:blip>
-          <a:srcRect/>
-          <a:stretch>
-            <a:fillRect/>
-          </a:stretch>
-        </p:blipFill>
-        <p:spPr bwMode="auto">
-          <a:xfrm>
-            <a:off x="821498" y="3860127"/>
-            <a:ext cx="3738444" cy="2308324"/>
-          </a:xfrm>
-          <a:prstGeom prst="rect">
-            <a:avLst/>
-          </a:prstGeom>
-          <a:noFill/>
-          <a:extLst>
-            <a:ext uri="{909E8E84-426E-40DD-AFC4-6F175D3DCCD1}">
-              <a14:hiddenFill xmlns:a14="http://schemas.microsoft.com/office/drawing/2010/main">
-                <a:solidFill>
-                  <a:srgbClr val="FFFFFF"/>
-                </a:solidFill>
-              </a14:hiddenFill>
-            </a:ext>
-          </a:extLst>
-        </p:spPr>
-      </p:pic>
+            <a:endParaRPr lang="en-US" altLang="ja-JP" sz="2000" dirty="0"/>
+          </a:p>
+          <a:p>
+            <a:endParaRPr lang="en-US" altLang="ja-JP" sz="2000" dirty="0"/>
+          </a:p>
+        </p:txBody>
+      </p:sp>
       <p:sp>
         <p:nvSpPr>
           <p:cNvPr id="5" name="正方形/長方形 4">
@@ -13589,7 +14257,7 @@
         </p:nvSpPr>
         <p:spPr>
           <a:xfrm>
-            <a:off x="8010251" y="6301155"/>
+            <a:off x="645792" y="6217802"/>
             <a:ext cx="3505476" cy="215444"/>
           </a:xfrm>
           <a:prstGeom prst="rect">
@@ -13604,115 +14272,11 @@
           <a:p>
             <a:r>
               <a:rPr lang="en-US" altLang="ja-JP" sz="800" dirty="0">
-                <a:hlinkClick r:id="rId4"/>
+                <a:hlinkClick r:id="rId3"/>
               </a:rPr>
               <a:t>https://qiita.com/kotai2003/items/297930db4466b71f06b0</a:t>
             </a:r>
             <a:endParaRPr lang="en-US" altLang="ja-JP" sz="800" dirty="0"/>
-          </a:p>
-        </p:txBody>
-      </p:sp>
-      <p:sp>
-        <p:nvSpPr>
-          <p:cNvPr id="6" name="矢印: 下 5">
-            <a:extLst>
-              <a:ext uri="{FF2B5EF4-FFF2-40B4-BE49-F238E27FC236}">
-                <a16:creationId xmlns:a16="http://schemas.microsoft.com/office/drawing/2014/main" id="{13181C3A-6879-C98B-0E18-104FF64B93E2}"/>
-              </a:ext>
-            </a:extLst>
-          </p:cNvPr>
-          <p:cNvSpPr/>
-          <p:nvPr/>
-        </p:nvSpPr>
-        <p:spPr>
-          <a:xfrm rot="8167701">
-            <a:off x="1737568" y="4788130"/>
-            <a:ext cx="109844" cy="339869"/>
-          </a:xfrm>
-          <a:prstGeom prst="downArrow">
-            <a:avLst/>
-          </a:prstGeom>
-          <a:solidFill>
-            <a:schemeClr val="accent4">
-              <a:lumMod val="60000"/>
-              <a:lumOff val="40000"/>
-            </a:schemeClr>
-          </a:solidFill>
-        </p:spPr>
-        <p:style>
-          <a:lnRef idx="2">
-            <a:schemeClr val="accent1">
-              <a:shade val="15000"/>
-            </a:schemeClr>
-          </a:lnRef>
-          <a:fillRef idx="1">
-            <a:schemeClr val="accent1"/>
-          </a:fillRef>
-          <a:effectRef idx="0">
-            <a:schemeClr val="accent1"/>
-          </a:effectRef>
-          <a:fontRef idx="minor">
-            <a:schemeClr val="lt1"/>
-          </a:fontRef>
-        </p:style>
-        <p:txBody>
-          <a:bodyPr rtlCol="0" anchor="ctr"/>
-          <a:lstStyle/>
-          <a:p>
-            <a:pPr algn="ctr"/>
-            <a:endParaRPr kumimoji="1" lang="ja-JP" altLang="en-US"/>
-          </a:p>
-        </p:txBody>
-      </p:sp>
-      <p:sp>
-        <p:nvSpPr>
-          <p:cNvPr id="7" name="矢印: 下 6">
-            <a:extLst>
-              <a:ext uri="{FF2B5EF4-FFF2-40B4-BE49-F238E27FC236}">
-                <a16:creationId xmlns:a16="http://schemas.microsoft.com/office/drawing/2014/main" id="{DA1D72F2-AA72-EA42-AE8C-7E4D10188C5A}"/>
-              </a:ext>
-            </a:extLst>
-          </p:cNvPr>
-          <p:cNvSpPr/>
-          <p:nvPr/>
-        </p:nvSpPr>
-        <p:spPr>
-          <a:xfrm rot="13437489">
-            <a:off x="2190506" y="4290901"/>
-            <a:ext cx="109844" cy="907850"/>
-          </a:xfrm>
-          <a:prstGeom prst="downArrow">
-            <a:avLst/>
-          </a:prstGeom>
-          <a:solidFill>
-            <a:schemeClr val="accent6">
-              <a:lumMod val="60000"/>
-              <a:lumOff val="40000"/>
-            </a:schemeClr>
-          </a:solidFill>
-        </p:spPr>
-        <p:style>
-          <a:lnRef idx="2">
-            <a:schemeClr val="accent1">
-              <a:shade val="15000"/>
-            </a:schemeClr>
-          </a:lnRef>
-          <a:fillRef idx="1">
-            <a:schemeClr val="accent1"/>
-          </a:fillRef>
-          <a:effectRef idx="0">
-            <a:schemeClr val="accent1"/>
-          </a:effectRef>
-          <a:fontRef idx="minor">
-            <a:schemeClr val="lt1"/>
-          </a:fontRef>
-        </p:style>
-        <p:txBody>
-          <a:bodyPr rtlCol="0" anchor="ctr"/>
-          <a:lstStyle/>
-          <a:p>
-            <a:pPr algn="ctr"/>
-            <a:endParaRPr kumimoji="1" lang="ja-JP" altLang="en-US"/>
           </a:p>
         </p:txBody>
       </p:sp>
@@ -13849,9 +14413,425 @@
           <a:p>
             <a:r>
               <a:rPr lang="ja-JP" altLang="en-US" dirty="0"/>
-              <a:t>と　　　　の距離が等価＝同じ異常度になるイメージ。</a:t>
+              <a:t>と　　　　の距離が等価になる＝同じ異常度になるイメージ。</a:t>
             </a:r>
             <a:endParaRPr lang="en-US" altLang="ja-JP" dirty="0"/>
+          </a:p>
+        </p:txBody>
+      </p:sp>
+      <p:grpSp>
+        <p:nvGrpSpPr>
+          <p:cNvPr id="11" name="グループ化 10">
+            <a:extLst>
+              <a:ext uri="{FF2B5EF4-FFF2-40B4-BE49-F238E27FC236}">
+                <a16:creationId xmlns:a16="http://schemas.microsoft.com/office/drawing/2014/main" id="{A918D3E7-9B57-B617-9151-ED175D54EA8C}"/>
+              </a:ext>
+            </a:extLst>
+          </p:cNvPr>
+          <p:cNvGrpSpPr/>
+          <p:nvPr/>
+        </p:nvGrpSpPr>
+        <p:grpSpPr>
+          <a:xfrm>
+            <a:off x="821498" y="3906427"/>
+            <a:ext cx="3738444" cy="2308324"/>
+            <a:chOff x="821498" y="3860127"/>
+            <a:chExt cx="3738444" cy="2308324"/>
+          </a:xfrm>
+        </p:grpSpPr>
+        <p:pic>
+          <p:nvPicPr>
+            <p:cNvPr id="12" name="Picture 2">
+              <a:extLst>
+                <a:ext uri="{FF2B5EF4-FFF2-40B4-BE49-F238E27FC236}">
+                  <a16:creationId xmlns:a16="http://schemas.microsoft.com/office/drawing/2014/main" id="{32065EE3-F31E-9CD5-71D5-E80BE532ECB7}"/>
+                </a:ext>
+              </a:extLst>
+            </p:cNvPr>
+            <p:cNvPicPr>
+              <a:picLocks noChangeAspect="1" noChangeArrowheads="1"/>
+            </p:cNvPicPr>
+            <p:nvPr/>
+          </p:nvPicPr>
+          <p:blipFill>
+            <a:blip r:embed="rId4">
+              <a:extLst>
+                <a:ext uri="{28A0092B-C50C-407E-A947-70E740481C1C}">
+                  <a14:useLocalDpi xmlns:a14="http://schemas.microsoft.com/office/drawing/2010/main" val="0"/>
+                </a:ext>
+              </a:extLst>
+            </a:blip>
+            <a:srcRect/>
+            <a:stretch>
+              <a:fillRect/>
+            </a:stretch>
+          </p:blipFill>
+          <p:spPr bwMode="auto">
+            <a:xfrm>
+              <a:off x="821498" y="3860127"/>
+              <a:ext cx="3738444" cy="2308324"/>
+            </a:xfrm>
+            <a:prstGeom prst="rect">
+              <a:avLst/>
+            </a:prstGeom>
+            <a:noFill/>
+            <a:extLst>
+              <a:ext uri="{909E8E84-426E-40DD-AFC4-6F175D3DCCD1}">
+                <a14:hiddenFill xmlns:a14="http://schemas.microsoft.com/office/drawing/2010/main">
+                  <a:solidFill>
+                    <a:srgbClr val="FFFFFF"/>
+                  </a:solidFill>
+                </a14:hiddenFill>
+              </a:ext>
+            </a:extLst>
+          </p:spPr>
+        </p:pic>
+        <p:sp>
+          <p:nvSpPr>
+            <p:cNvPr id="13" name="矢印: 下 12">
+              <a:extLst>
+                <a:ext uri="{FF2B5EF4-FFF2-40B4-BE49-F238E27FC236}">
+                  <a16:creationId xmlns:a16="http://schemas.microsoft.com/office/drawing/2014/main" id="{8FB66705-C641-2E72-6D31-7F52933D3644}"/>
+                </a:ext>
+              </a:extLst>
+            </p:cNvPr>
+            <p:cNvSpPr/>
+            <p:nvPr/>
+          </p:nvSpPr>
+          <p:spPr>
+            <a:xfrm rot="8167701">
+              <a:off x="1737568" y="4788130"/>
+              <a:ext cx="109844" cy="339869"/>
+            </a:xfrm>
+            <a:prstGeom prst="downArrow">
+              <a:avLst/>
+            </a:prstGeom>
+            <a:solidFill>
+              <a:schemeClr val="accent4">
+                <a:lumMod val="60000"/>
+                <a:lumOff val="40000"/>
+              </a:schemeClr>
+            </a:solidFill>
+          </p:spPr>
+          <p:style>
+            <a:lnRef idx="2">
+              <a:schemeClr val="accent1">
+                <a:shade val="15000"/>
+              </a:schemeClr>
+            </a:lnRef>
+            <a:fillRef idx="1">
+              <a:schemeClr val="accent1"/>
+            </a:fillRef>
+            <a:effectRef idx="0">
+              <a:schemeClr val="accent1"/>
+            </a:effectRef>
+            <a:fontRef idx="minor">
+              <a:schemeClr val="lt1"/>
+            </a:fontRef>
+          </p:style>
+          <p:txBody>
+            <a:bodyPr rtlCol="0" anchor="ctr"/>
+            <a:lstStyle/>
+            <a:p>
+              <a:pPr algn="ctr"/>
+              <a:endParaRPr kumimoji="1" lang="ja-JP" altLang="en-US"/>
+            </a:p>
+          </p:txBody>
+        </p:sp>
+        <p:sp>
+          <p:nvSpPr>
+            <p:cNvPr id="14" name="矢印: 下 13">
+              <a:extLst>
+                <a:ext uri="{FF2B5EF4-FFF2-40B4-BE49-F238E27FC236}">
+                  <a16:creationId xmlns:a16="http://schemas.microsoft.com/office/drawing/2014/main" id="{EA08C61E-62EF-2A24-D259-D576D678BD19}"/>
+                </a:ext>
+              </a:extLst>
+            </p:cNvPr>
+            <p:cNvSpPr/>
+            <p:nvPr/>
+          </p:nvSpPr>
+          <p:spPr>
+            <a:xfrm rot="13437489">
+              <a:off x="2190506" y="4290901"/>
+              <a:ext cx="109844" cy="907850"/>
+            </a:xfrm>
+            <a:prstGeom prst="downArrow">
+              <a:avLst/>
+            </a:prstGeom>
+            <a:solidFill>
+              <a:schemeClr val="accent6">
+                <a:lumMod val="60000"/>
+                <a:lumOff val="40000"/>
+              </a:schemeClr>
+            </a:solidFill>
+          </p:spPr>
+          <p:style>
+            <a:lnRef idx="2">
+              <a:schemeClr val="accent1">
+                <a:shade val="15000"/>
+              </a:schemeClr>
+            </a:lnRef>
+            <a:fillRef idx="1">
+              <a:schemeClr val="accent1"/>
+            </a:fillRef>
+            <a:effectRef idx="0">
+              <a:schemeClr val="accent1"/>
+            </a:effectRef>
+            <a:fontRef idx="minor">
+              <a:schemeClr val="lt1"/>
+            </a:fontRef>
+          </p:style>
+          <p:txBody>
+            <a:bodyPr rtlCol="0" anchor="ctr"/>
+            <a:lstStyle/>
+            <a:p>
+              <a:pPr algn="ctr"/>
+              <a:endParaRPr kumimoji="1" lang="ja-JP" altLang="en-US"/>
+            </a:p>
+          </p:txBody>
+        </p:sp>
+      </p:grpSp>
+      <p:pic>
+        <p:nvPicPr>
+          <p:cNvPr id="15" name="Picture 2">
+            <a:extLst>
+              <a:ext uri="{FF2B5EF4-FFF2-40B4-BE49-F238E27FC236}">
+                <a16:creationId xmlns:a16="http://schemas.microsoft.com/office/drawing/2014/main" id="{8D1218BD-AF58-42F1-C009-EC5C6D5A0AF7}"/>
+              </a:ext>
+            </a:extLst>
+          </p:cNvPr>
+          <p:cNvPicPr>
+            <a:picLocks noChangeAspect="1" noChangeArrowheads="1"/>
+          </p:cNvPicPr>
+          <p:nvPr/>
+        </p:nvPicPr>
+        <p:blipFill rotWithShape="1">
+          <a:blip r:embed="rId5">
+            <a:extLst>
+              <a:ext uri="{28A0092B-C50C-407E-A947-70E740481C1C}">
+                <a14:useLocalDpi xmlns:a14="http://schemas.microsoft.com/office/drawing/2010/main" val="0"/>
+              </a:ext>
+            </a:extLst>
+          </a:blip>
+          <a:srcRect t="31457" r="71909" b="38415"/>
+          <a:stretch>
+            <a:fillRect/>
+          </a:stretch>
+        </p:blipFill>
+        <p:spPr bwMode="auto">
+          <a:xfrm>
+            <a:off x="5966582" y="1542412"/>
+            <a:ext cx="2138327" cy="1025449"/>
+          </a:xfrm>
+          <a:prstGeom prst="rect">
+            <a:avLst/>
+          </a:prstGeom>
+          <a:noFill/>
+          <a:extLst>
+            <a:ext uri="{909E8E84-426E-40DD-AFC4-6F175D3DCCD1}">
+              <a14:hiddenFill xmlns:a14="http://schemas.microsoft.com/office/drawing/2010/main">
+                <a:solidFill>
+                  <a:srgbClr val="FFFFFF"/>
+                </a:solidFill>
+              </a14:hiddenFill>
+            </a:ext>
+          </a:extLst>
+        </p:spPr>
+      </p:pic>
+      <p:sp>
+        <p:nvSpPr>
+          <p:cNvPr id="16" name="矢印: 下 15">
+            <a:extLst>
+              <a:ext uri="{FF2B5EF4-FFF2-40B4-BE49-F238E27FC236}">
+                <a16:creationId xmlns:a16="http://schemas.microsoft.com/office/drawing/2014/main" id="{9EFBC164-096C-E730-8CFC-BF6763A32DA8}"/>
+              </a:ext>
+            </a:extLst>
+          </p:cNvPr>
+          <p:cNvSpPr/>
+          <p:nvPr/>
+        </p:nvSpPr>
+        <p:spPr>
+          <a:xfrm rot="4377814">
+            <a:off x="8719261" y="514701"/>
+            <a:ext cx="183119" cy="2247358"/>
+          </a:xfrm>
+          <a:prstGeom prst="downArrow">
+            <a:avLst/>
+          </a:prstGeom>
+          <a:solidFill>
+            <a:schemeClr val="accent1">
+              <a:lumMod val="20000"/>
+              <a:lumOff val="80000"/>
+            </a:schemeClr>
+          </a:solidFill>
+        </p:spPr>
+        <p:style>
+          <a:lnRef idx="2">
+            <a:schemeClr val="accent1">
+              <a:shade val="15000"/>
+            </a:schemeClr>
+          </a:lnRef>
+          <a:fillRef idx="1">
+            <a:schemeClr val="accent1"/>
+          </a:fillRef>
+          <a:effectRef idx="0">
+            <a:schemeClr val="accent1"/>
+          </a:effectRef>
+          <a:fontRef idx="minor">
+            <a:schemeClr val="lt1"/>
+          </a:fontRef>
+        </p:style>
+        <p:txBody>
+          <a:bodyPr rtlCol="0" anchor="ctr"/>
+          <a:lstStyle/>
+          <a:p>
+            <a:pPr algn="ctr"/>
+            <a:endParaRPr kumimoji="1" lang="ja-JP" altLang="en-US"/>
+          </a:p>
+        </p:txBody>
+      </p:sp>
+      <p:sp>
+        <p:nvSpPr>
+          <p:cNvPr id="17" name="テキスト ボックス 16">
+            <a:extLst>
+              <a:ext uri="{FF2B5EF4-FFF2-40B4-BE49-F238E27FC236}">
+                <a16:creationId xmlns:a16="http://schemas.microsoft.com/office/drawing/2014/main" id="{DA567C68-305C-1ABB-E978-FDCBF2A2537E}"/>
+              </a:ext>
+            </a:extLst>
+          </p:cNvPr>
+          <p:cNvSpPr txBox="1"/>
+          <p:nvPr/>
+        </p:nvSpPr>
+        <p:spPr>
+          <a:xfrm>
+            <a:off x="9887093" y="1144828"/>
+            <a:ext cx="1628634" cy="307777"/>
+          </a:xfrm>
+          <a:prstGeom prst="rect">
+            <a:avLst/>
+          </a:prstGeom>
+          <a:noFill/>
+        </p:spPr>
+        <p:txBody>
+          <a:bodyPr wrap="square" rtlCol="0">
+            <a:spAutoFit/>
+          </a:bodyPr>
+          <a:lstStyle/>
+          <a:p>
+            <a:r>
+              <a:rPr lang="ja-JP" altLang="en-US" sz="1400" u="sng" dirty="0"/>
+              <a:t>パッチ</a:t>
+            </a:r>
+            <a:endParaRPr kumimoji="1" lang="ja-JP" altLang="en-US" sz="1400" u="sng" dirty="0"/>
+          </a:p>
+        </p:txBody>
+      </p:sp>
+      <p:sp>
+        <p:nvSpPr>
+          <p:cNvPr id="18" name="テキスト ボックス 17">
+            <a:extLst>
+              <a:ext uri="{FF2B5EF4-FFF2-40B4-BE49-F238E27FC236}">
+                <a16:creationId xmlns:a16="http://schemas.microsoft.com/office/drawing/2014/main" id="{C6AC8B1F-98D0-11DC-49A5-46FA7681A8C4}"/>
+              </a:ext>
+            </a:extLst>
+          </p:cNvPr>
+          <p:cNvSpPr txBox="1"/>
+          <p:nvPr/>
+        </p:nvSpPr>
+        <p:spPr>
+          <a:xfrm>
+            <a:off x="7167383" y="2606767"/>
+            <a:ext cx="1084481" cy="307777"/>
+          </a:xfrm>
+          <a:prstGeom prst="rect">
+            <a:avLst/>
+          </a:prstGeom>
+          <a:noFill/>
+        </p:spPr>
+        <p:txBody>
+          <a:bodyPr wrap="square" rtlCol="0">
+            <a:spAutoFit/>
+          </a:bodyPr>
+          <a:lstStyle/>
+          <a:p>
+            <a:pPr algn="ctr"/>
+            <a:r>
+              <a:rPr kumimoji="1" lang="ja-JP" altLang="en-US" sz="1400" b="1" i="1" dirty="0"/>
+              <a:t>畳み込み後</a:t>
+            </a:r>
+          </a:p>
+        </p:txBody>
+      </p:sp>
+      <p:sp>
+        <p:nvSpPr>
+          <p:cNvPr id="19" name="テキスト ボックス 18">
+            <a:extLst>
+              <a:ext uri="{FF2B5EF4-FFF2-40B4-BE49-F238E27FC236}">
+                <a16:creationId xmlns:a16="http://schemas.microsoft.com/office/drawing/2014/main" id="{2C96C18E-924B-F379-09BD-2D3081668ECA}"/>
+              </a:ext>
+            </a:extLst>
+          </p:cNvPr>
+          <p:cNvSpPr txBox="1"/>
+          <p:nvPr/>
+        </p:nvSpPr>
+        <p:spPr>
+          <a:xfrm>
+            <a:off x="6012812" y="2605752"/>
+            <a:ext cx="1084481" cy="307777"/>
+          </a:xfrm>
+          <a:prstGeom prst="rect">
+            <a:avLst/>
+          </a:prstGeom>
+          <a:noFill/>
+        </p:spPr>
+        <p:txBody>
+          <a:bodyPr wrap="square" rtlCol="0">
+            <a:spAutoFit/>
+          </a:bodyPr>
+          <a:lstStyle/>
+          <a:p>
+            <a:pPr algn="ctr"/>
+            <a:r>
+              <a:rPr kumimoji="1" lang="ja-JP" altLang="en-US" sz="1400" b="1" i="1" dirty="0"/>
+              <a:t>入力画像</a:t>
+            </a:r>
+          </a:p>
+        </p:txBody>
+      </p:sp>
+      <p:sp>
+        <p:nvSpPr>
+          <p:cNvPr id="20" name="正方形/長方形 19">
+            <a:extLst>
+              <a:ext uri="{FF2B5EF4-FFF2-40B4-BE49-F238E27FC236}">
+                <a16:creationId xmlns:a16="http://schemas.microsoft.com/office/drawing/2014/main" id="{F2620584-F1E6-B623-7204-65657F4356AA}"/>
+              </a:ext>
+            </a:extLst>
+          </p:cNvPr>
+          <p:cNvSpPr/>
+          <p:nvPr/>
+        </p:nvSpPr>
+        <p:spPr>
+          <a:xfrm>
+            <a:off x="7302894" y="2875638"/>
+            <a:ext cx="1084481" cy="215444"/>
+          </a:xfrm>
+          <a:prstGeom prst="rect">
+            <a:avLst/>
+          </a:prstGeom>
+        </p:spPr>
+        <p:txBody>
+          <a:bodyPr wrap="square">
+            <a:spAutoFit/>
+          </a:bodyPr>
+          <a:lstStyle/>
+          <a:p>
+            <a:r>
+              <a:rPr lang="en-US" altLang="ja-JP" sz="800" dirty="0">
+                <a:hlinkClick r:id="rId6"/>
+              </a:rPr>
+              <a:t>https://x.gd/Yfuxp</a:t>
+            </a:r>
+            <a:endParaRPr lang="en-US" altLang="ja-JP" sz="800" dirty="0"/>
           </a:p>
         </p:txBody>
       </p:sp>
@@ -13926,7 +14906,7 @@
           <a:p>
             <a:pPr algn="ctr"/>
             <a:r>
-              <a:rPr kumimoji="1" lang="en-US" altLang="ja-JP"/>
+              <a:rPr kumimoji="1" lang="en-US" altLang="ja-JP" dirty="0"/>
               <a:t>-</a:t>
             </a:r>
             <a:fld id="{DD4CF77E-606E-4148-BC8B-C5EDFD579810}" type="slidenum">
@@ -13935,7 +14915,7 @@
               <a:t>8</a:t>
             </a:fld>
             <a:r>
-              <a:rPr kumimoji="1" lang="en-US" altLang="ja-JP"/>
+              <a:rPr kumimoji="1" lang="en-US" altLang="ja-JP" dirty="0"/>
               <a:t>-</a:t>
             </a:r>
             <a:endParaRPr kumimoji="1" lang="ja-JP" altLang="en-US" dirty="0"/>
@@ -13997,23 +14977,288 @@
         <p:spPr>
           <a:xfrm>
             <a:off x="449017" y="1452605"/>
-            <a:ext cx="3647152" cy="369332"/>
+            <a:ext cx="10409483" cy="2031325"/>
           </a:xfrm>
           <a:prstGeom prst="rect">
             <a:avLst/>
           </a:prstGeom>
         </p:spPr>
         <p:txBody>
-          <a:bodyPr wrap="none">
+          <a:bodyPr wrap="square">
             <a:spAutoFit/>
           </a:bodyPr>
           <a:lstStyle/>
           <a:p>
             <a:r>
-              <a:rPr lang="ja-JP" altLang="en-US" b="1" dirty="0"/>
-              <a:t>なんか色々評価指標を増やした奴</a:t>
-            </a:r>
-            <a:endParaRPr lang="ja-JP" altLang="en-US" dirty="0"/>
+              <a:rPr lang="ja-JP" altLang="en-US" dirty="0"/>
+              <a:t>・工業製品向けの異常検知手法。</a:t>
+            </a:r>
+            <a:endParaRPr lang="en-US" altLang="ja-JP" dirty="0"/>
+          </a:p>
+          <a:p>
+            <a:endParaRPr lang="en-US" altLang="ja-JP" dirty="0"/>
+          </a:p>
+          <a:p>
+            <a:r>
+              <a:rPr lang="ja-JP" altLang="en-US" dirty="0"/>
+              <a:t>・特徴抽出器では中間層を採用している。</a:t>
+            </a:r>
+            <a:endParaRPr lang="en-US" altLang="ja-JP" dirty="0"/>
+          </a:p>
+          <a:p>
+            <a:endParaRPr lang="en-US" altLang="ja-JP" dirty="0"/>
+          </a:p>
+          <a:p>
+            <a:r>
+              <a:rPr lang="ja-JP" altLang="en-US" dirty="0"/>
+              <a:t>・貪欲アルゴリズムによってメモリバンクの圧縮に成功している。</a:t>
+            </a:r>
+            <a:r>
+              <a:rPr lang="en-US" altLang="ja-JP" dirty="0"/>
+              <a:t>(</a:t>
+            </a:r>
+            <a:r>
+              <a:rPr lang="ja-JP" altLang="en-US" dirty="0"/>
+              <a:t>先ほどの</a:t>
+            </a:r>
+            <a:r>
+              <a:rPr lang="en-US" altLang="ja-JP" dirty="0"/>
+              <a:t>3</a:t>
+            </a:r>
+            <a:r>
+              <a:rPr lang="ja-JP" altLang="en-US" dirty="0"/>
+              <a:t>手法の弱点を克服！</a:t>
+            </a:r>
+            <a:r>
+              <a:rPr lang="en-US" altLang="ja-JP" dirty="0"/>
+              <a:t>)</a:t>
+            </a:r>
+          </a:p>
+          <a:p>
+            <a:endParaRPr lang="en-US" altLang="ja-JP" dirty="0"/>
+          </a:p>
+          <a:p>
+            <a:r>
+              <a:rPr lang="ja-JP" altLang="en-US" dirty="0"/>
+              <a:t>・位置ズレに強い。</a:t>
+            </a:r>
+            <a:endParaRPr lang="en-US" altLang="ja-JP" dirty="0"/>
+          </a:p>
+        </p:txBody>
+      </p:sp>
+      <p:pic>
+        <p:nvPicPr>
+          <p:cNvPr id="6" name="図 5">
+            <a:extLst>
+              <a:ext uri="{FF2B5EF4-FFF2-40B4-BE49-F238E27FC236}">
+                <a16:creationId xmlns:a16="http://schemas.microsoft.com/office/drawing/2014/main" id="{BECBD828-A734-63DA-C273-79E9382EBBE9}"/>
+              </a:ext>
+            </a:extLst>
+          </p:cNvPr>
+          <p:cNvPicPr>
+            <a:picLocks noChangeAspect="1"/>
+          </p:cNvPicPr>
+          <p:nvPr/>
+        </p:nvPicPr>
+        <p:blipFill>
+          <a:blip r:embed="rId3"/>
+          <a:stretch>
+            <a:fillRect/>
+          </a:stretch>
+        </p:blipFill>
+        <p:spPr>
+          <a:xfrm>
+            <a:off x="1249235" y="3969533"/>
+            <a:ext cx="3258005" cy="1876687"/>
+          </a:xfrm>
+          <a:prstGeom prst="rect">
+            <a:avLst/>
+          </a:prstGeom>
+        </p:spPr>
+      </p:pic>
+      <p:sp>
+        <p:nvSpPr>
+          <p:cNvPr id="7" name="正方形/長方形 6">
+            <a:extLst>
+              <a:ext uri="{FF2B5EF4-FFF2-40B4-BE49-F238E27FC236}">
+                <a16:creationId xmlns:a16="http://schemas.microsoft.com/office/drawing/2014/main" id="{D779FF2E-F21D-3E0F-D76F-829C9D3F57BB}"/>
+              </a:ext>
+            </a:extLst>
+          </p:cNvPr>
+          <p:cNvSpPr/>
+          <p:nvPr/>
+        </p:nvSpPr>
+        <p:spPr>
+          <a:xfrm>
+            <a:off x="3461091" y="5924720"/>
+            <a:ext cx="1328334" cy="215391"/>
+          </a:xfrm>
+          <a:prstGeom prst="rect">
+            <a:avLst/>
+          </a:prstGeom>
+        </p:spPr>
+        <p:txBody>
+          <a:bodyPr wrap="square">
+            <a:spAutoFit/>
+          </a:bodyPr>
+          <a:lstStyle/>
+          <a:p>
+            <a:r>
+              <a:rPr lang="en-US" altLang="ja-JP" sz="800" dirty="0">
+                <a:hlinkClick r:id="rId4"/>
+              </a:rPr>
+              <a:t>https://x.gd/3XSdz</a:t>
+            </a:r>
+            <a:endParaRPr lang="en-US" altLang="ja-JP" sz="800" dirty="0"/>
+          </a:p>
+        </p:txBody>
+      </p:sp>
+      <p:sp>
+        <p:nvSpPr>
+          <p:cNvPr id="15" name="テキスト ボックス 14">
+            <a:extLst>
+              <a:ext uri="{FF2B5EF4-FFF2-40B4-BE49-F238E27FC236}">
+                <a16:creationId xmlns:a16="http://schemas.microsoft.com/office/drawing/2014/main" id="{2899345C-7FF7-D125-C0E6-71738BA12A9E}"/>
+              </a:ext>
+            </a:extLst>
+          </p:cNvPr>
+          <p:cNvSpPr txBox="1"/>
+          <p:nvPr/>
+        </p:nvSpPr>
+        <p:spPr>
+          <a:xfrm>
+            <a:off x="1308882" y="6147157"/>
+            <a:ext cx="3137570" cy="369332"/>
+          </a:xfrm>
+          <a:prstGeom prst="rect">
+            <a:avLst/>
+          </a:prstGeom>
+          <a:noFill/>
+        </p:spPr>
+        <p:txBody>
+          <a:bodyPr wrap="square" rtlCol="0">
+            <a:spAutoFit/>
+          </a:bodyPr>
+          <a:lstStyle/>
+          <a:p>
+            <a:pPr algn="ctr"/>
+            <a:r>
+              <a:rPr lang="en-US" altLang="ja-JP" dirty="0"/>
+              <a:t>ImageNet</a:t>
+            </a:r>
+            <a:r>
+              <a:rPr lang="ja-JP" altLang="en-US" dirty="0"/>
+              <a:t>の画像（抜粋）</a:t>
+            </a:r>
+            <a:endParaRPr kumimoji="1" lang="ja-JP" altLang="en-US" dirty="0"/>
+          </a:p>
+        </p:txBody>
+      </p:sp>
+      <p:pic>
+        <p:nvPicPr>
+          <p:cNvPr id="18" name="図 17">
+            <a:extLst>
+              <a:ext uri="{FF2B5EF4-FFF2-40B4-BE49-F238E27FC236}">
+                <a16:creationId xmlns:a16="http://schemas.microsoft.com/office/drawing/2014/main" id="{BBA8BD97-8DC0-4143-1D0B-0A7C4EABF61B}"/>
+              </a:ext>
+            </a:extLst>
+          </p:cNvPr>
+          <p:cNvPicPr>
+            <a:picLocks noChangeAspect="1"/>
+          </p:cNvPicPr>
+          <p:nvPr/>
+        </p:nvPicPr>
+        <p:blipFill>
+          <a:blip r:embed="rId5"/>
+          <a:stretch>
+            <a:fillRect/>
+          </a:stretch>
+        </p:blipFill>
+        <p:spPr>
+          <a:xfrm>
+            <a:off x="5653758" y="4239565"/>
+            <a:ext cx="5597012" cy="1345019"/>
+          </a:xfrm>
+          <a:prstGeom prst="rect">
+            <a:avLst/>
+          </a:prstGeom>
+        </p:spPr>
+      </p:pic>
+      <p:sp>
+        <p:nvSpPr>
+          <p:cNvPr id="19" name="正方形/長方形 18">
+            <a:extLst>
+              <a:ext uri="{FF2B5EF4-FFF2-40B4-BE49-F238E27FC236}">
+                <a16:creationId xmlns:a16="http://schemas.microsoft.com/office/drawing/2014/main" id="{612E3988-2E84-66C8-1F24-8BE9457A2C2C}"/>
+              </a:ext>
+            </a:extLst>
+          </p:cNvPr>
+          <p:cNvSpPr/>
+          <p:nvPr/>
+        </p:nvSpPr>
+        <p:spPr>
+          <a:xfrm>
+            <a:off x="8882038" y="5931766"/>
+            <a:ext cx="2278022" cy="215391"/>
+          </a:xfrm>
+          <a:prstGeom prst="rect">
+            <a:avLst/>
+          </a:prstGeom>
+        </p:spPr>
+        <p:txBody>
+          <a:bodyPr wrap="square">
+            <a:spAutoFit/>
+          </a:bodyPr>
+          <a:lstStyle/>
+          <a:p>
+            <a:r>
+              <a:rPr lang="en-US" altLang="ja-JP" sz="800" dirty="0">
+                <a:hlinkClick r:id="rId6"/>
+              </a:rPr>
+              <a:t>https://hoya012.github.io/blog/MVTec-AD/</a:t>
+            </a:r>
+            <a:endParaRPr lang="en-US" altLang="ja-JP" sz="800" dirty="0"/>
+          </a:p>
+        </p:txBody>
+      </p:sp>
+      <p:sp>
+        <p:nvSpPr>
+          <p:cNvPr id="20" name="テキスト ボックス 19">
+            <a:extLst>
+              <a:ext uri="{FF2B5EF4-FFF2-40B4-BE49-F238E27FC236}">
+                <a16:creationId xmlns:a16="http://schemas.microsoft.com/office/drawing/2014/main" id="{1F0D819C-FB09-5C22-9043-B129E1F73B61}"/>
+              </a:ext>
+            </a:extLst>
+          </p:cNvPr>
+          <p:cNvSpPr txBox="1"/>
+          <p:nvPr/>
+        </p:nvSpPr>
+        <p:spPr>
+          <a:xfrm>
+            <a:off x="6883479" y="6140111"/>
+            <a:ext cx="3137570" cy="369332"/>
+          </a:xfrm>
+          <a:prstGeom prst="rect">
+            <a:avLst/>
+          </a:prstGeom>
+          <a:noFill/>
+        </p:spPr>
+        <p:txBody>
+          <a:bodyPr wrap="square" rtlCol="0">
+            <a:spAutoFit/>
+          </a:bodyPr>
+          <a:lstStyle/>
+          <a:p>
+            <a:pPr algn="ctr"/>
+            <a:r>
+              <a:rPr lang="en-US" altLang="ja-JP" dirty="0" err="1"/>
+              <a:t>MVTecAD</a:t>
+            </a:r>
+            <a:r>
+              <a:rPr lang="ja-JP" altLang="en-US" dirty="0"/>
+              <a:t>の画像（抜粋）</a:t>
+            </a:r>
+            <a:endParaRPr kumimoji="1" lang="ja-JP" altLang="en-US" dirty="0"/>
           </a:p>
         </p:txBody>
       </p:sp>

--- a/発表資料/B4_上坂大樹_サーベイ大会資料.pptx
+++ b/発表資料/B4_上坂大樹_サーベイ大会資料.pptx
@@ -9208,7 +9208,7 @@
         <p:spPr>
           <a:xfrm>
             <a:off x="449016" y="1314105"/>
-            <a:ext cx="11282319" cy="1477328"/>
+            <a:ext cx="11282319" cy="923330"/>
           </a:xfrm>
           <a:prstGeom prst="rect">
             <a:avLst/>
@@ -9246,425 +9246,13 @@
           </a:p>
           <a:p>
             <a:r>
-              <a:rPr lang="ja-JP" altLang="en-US" dirty="0"/>
+              <a:rPr lang="ja-JP" altLang="en-US"/>
               <a:t>・</a:t>
             </a:r>
             <a:endParaRPr lang="en-US" altLang="ja-JP" dirty="0"/>
           </a:p>
-          <a:p>
-            <a:endParaRPr lang="en-US" altLang="ja-JP" dirty="0"/>
-          </a:p>
-          <a:p>
-            <a:r>
-              <a:rPr lang="ja-JP" altLang="en-US" dirty="0"/>
-              <a:t>・マハラノビス距離</a:t>
-            </a:r>
-            <a:r>
-              <a:rPr lang="ja-JP" altLang="en-US" b="1" dirty="0"/>
-              <a:t>ｄ</a:t>
-            </a:r>
-            <a:r>
-              <a:rPr lang="ja-JP" altLang="en-US" dirty="0"/>
-              <a:t>のイメージ。</a:t>
-            </a:r>
-          </a:p>
-        </p:txBody>
-      </p:sp>
-      <p:sp>
-        <p:nvSpPr>
-          <p:cNvPr id="6" name="正方形/長方形 5">
-            <a:extLst>
-              <a:ext uri="{FF2B5EF4-FFF2-40B4-BE49-F238E27FC236}">
-                <a16:creationId xmlns:a16="http://schemas.microsoft.com/office/drawing/2014/main" id="{13FAFA27-23CB-5908-C0E9-55B37884F746}"/>
-              </a:ext>
-            </a:extLst>
-          </p:cNvPr>
-          <p:cNvSpPr/>
-          <p:nvPr/>
-        </p:nvSpPr>
-        <p:spPr>
-          <a:xfrm>
-            <a:off x="449017" y="6203875"/>
-            <a:ext cx="3505476" cy="215444"/>
-          </a:xfrm>
-          <a:prstGeom prst="rect">
-            <a:avLst/>
-          </a:prstGeom>
-        </p:spPr>
-        <p:txBody>
-          <a:bodyPr wrap="square">
-            <a:spAutoFit/>
-          </a:bodyPr>
-          <a:lstStyle/>
-          <a:p>
-            <a:r>
-              <a:rPr lang="en-US" altLang="ja-JP" sz="800" dirty="0">
-                <a:hlinkClick r:id="rId3"/>
-              </a:rPr>
-              <a:t>https://qiita.com/kotai2003/items/297930db4466b71f06b0</a:t>
-            </a:r>
-            <a:endParaRPr lang="en-US" altLang="ja-JP" sz="800" dirty="0"/>
-          </a:p>
-        </p:txBody>
-      </p:sp>
-      <p:sp>
-        <p:nvSpPr>
-          <p:cNvPr id="7" name="矢印: 下 6">
-            <a:extLst>
-              <a:ext uri="{FF2B5EF4-FFF2-40B4-BE49-F238E27FC236}">
-                <a16:creationId xmlns:a16="http://schemas.microsoft.com/office/drawing/2014/main" id="{E97E4EE6-2A13-A4A1-8E22-C1AC9877BA0A}"/>
-              </a:ext>
-            </a:extLst>
-          </p:cNvPr>
-          <p:cNvSpPr/>
-          <p:nvPr/>
-        </p:nvSpPr>
-        <p:spPr>
-          <a:xfrm rot="8167701">
-            <a:off x="5050508" y="4863404"/>
-            <a:ext cx="109844" cy="339869"/>
-          </a:xfrm>
-          <a:prstGeom prst="downArrow">
-            <a:avLst/>
-          </a:prstGeom>
-          <a:solidFill>
-            <a:schemeClr val="accent4">
-              <a:lumMod val="60000"/>
-              <a:lumOff val="40000"/>
-            </a:schemeClr>
-          </a:solidFill>
-        </p:spPr>
-        <p:style>
-          <a:lnRef idx="2">
-            <a:schemeClr val="accent1">
-              <a:shade val="15000"/>
-            </a:schemeClr>
-          </a:lnRef>
-          <a:fillRef idx="1">
-            <a:schemeClr val="accent1"/>
-          </a:fillRef>
-          <a:effectRef idx="0">
-            <a:schemeClr val="accent1"/>
-          </a:effectRef>
-          <a:fontRef idx="minor">
-            <a:schemeClr val="lt1"/>
-          </a:fontRef>
-        </p:style>
-        <p:txBody>
-          <a:bodyPr rtlCol="0" anchor="ctr"/>
-          <a:lstStyle/>
-          <a:p>
-            <a:pPr algn="ctr"/>
-            <a:endParaRPr kumimoji="1" lang="ja-JP" altLang="en-US"/>
-          </a:p>
-        </p:txBody>
-      </p:sp>
-      <p:sp>
-        <p:nvSpPr>
-          <p:cNvPr id="8" name="矢印: 下 7">
-            <a:extLst>
-              <a:ext uri="{FF2B5EF4-FFF2-40B4-BE49-F238E27FC236}">
-                <a16:creationId xmlns:a16="http://schemas.microsoft.com/office/drawing/2014/main" id="{7CD712EE-A00E-10E6-6B00-87EE45149F63}"/>
-              </a:ext>
-            </a:extLst>
-          </p:cNvPr>
-          <p:cNvSpPr/>
-          <p:nvPr/>
-        </p:nvSpPr>
-        <p:spPr>
-          <a:xfrm rot="13437489">
-            <a:off x="6145511" y="4523189"/>
-            <a:ext cx="109844" cy="907850"/>
-          </a:xfrm>
-          <a:prstGeom prst="downArrow">
-            <a:avLst/>
-          </a:prstGeom>
-          <a:solidFill>
-            <a:schemeClr val="accent6">
-              <a:lumMod val="60000"/>
-              <a:lumOff val="40000"/>
-            </a:schemeClr>
-          </a:solidFill>
-        </p:spPr>
-        <p:style>
-          <a:lnRef idx="2">
-            <a:schemeClr val="accent1">
-              <a:shade val="15000"/>
-            </a:schemeClr>
-          </a:lnRef>
-          <a:fillRef idx="1">
-            <a:schemeClr val="accent1"/>
-          </a:fillRef>
-          <a:effectRef idx="0">
-            <a:schemeClr val="accent1"/>
-          </a:effectRef>
-          <a:fontRef idx="minor">
-            <a:schemeClr val="lt1"/>
-          </a:fontRef>
-        </p:style>
-        <p:txBody>
-          <a:bodyPr rtlCol="0" anchor="ctr"/>
-          <a:lstStyle/>
-          <a:p>
-            <a:pPr algn="ctr"/>
-            <a:endParaRPr kumimoji="1" lang="ja-JP" altLang="en-US"/>
-          </a:p>
-        </p:txBody>
-      </p:sp>
-      <p:sp>
-        <p:nvSpPr>
-          <p:cNvPr id="9" name="正方形/長方形 8">
-            <a:extLst>
-              <a:ext uri="{FF2B5EF4-FFF2-40B4-BE49-F238E27FC236}">
-                <a16:creationId xmlns:a16="http://schemas.microsoft.com/office/drawing/2014/main" id="{2E11100C-A767-2D2E-21F1-3004817BFB80}"/>
-              </a:ext>
-            </a:extLst>
-          </p:cNvPr>
-          <p:cNvSpPr/>
-          <p:nvPr/>
-        </p:nvSpPr>
-        <p:spPr>
-          <a:xfrm>
-            <a:off x="5316331" y="4943152"/>
-            <a:ext cx="6723308" cy="369332"/>
-          </a:xfrm>
-          <a:prstGeom prst="rect">
-            <a:avLst/>
-          </a:prstGeom>
-        </p:spPr>
-        <p:txBody>
-          <a:bodyPr wrap="square">
-            <a:spAutoFit/>
-          </a:bodyPr>
-          <a:lstStyle/>
-          <a:p>
-            <a:r>
-              <a:rPr lang="ja-JP" altLang="en-US" dirty="0"/>
-              <a:t>と　　　　の距離が等価＝同じ異常度になるってイメージ。</a:t>
-            </a:r>
-            <a:endParaRPr lang="en-US" altLang="ja-JP" dirty="0"/>
-          </a:p>
-        </p:txBody>
-      </p:sp>
-      <p:grpSp>
-        <p:nvGrpSpPr>
-          <p:cNvPr id="12" name="グループ化 11">
-            <a:extLst>
-              <a:ext uri="{FF2B5EF4-FFF2-40B4-BE49-F238E27FC236}">
-                <a16:creationId xmlns:a16="http://schemas.microsoft.com/office/drawing/2014/main" id="{6C8924D0-1BA1-32DF-9F14-F417AAD7BABB}"/>
-              </a:ext>
-            </a:extLst>
-          </p:cNvPr>
-          <p:cNvGrpSpPr/>
-          <p:nvPr/>
-        </p:nvGrpSpPr>
-        <p:grpSpPr>
-          <a:xfrm>
-            <a:off x="821498" y="3860127"/>
-            <a:ext cx="3738444" cy="2308324"/>
-            <a:chOff x="821498" y="3860127"/>
-            <a:chExt cx="3738444" cy="2308324"/>
-          </a:xfrm>
-        </p:grpSpPr>
-        <p:pic>
-          <p:nvPicPr>
-            <p:cNvPr id="5" name="Picture 2">
-              <a:extLst>
-                <a:ext uri="{FF2B5EF4-FFF2-40B4-BE49-F238E27FC236}">
-                  <a16:creationId xmlns:a16="http://schemas.microsoft.com/office/drawing/2014/main" id="{FAA186A5-F97A-ECB5-BB19-495DF9C42813}"/>
-                </a:ext>
-              </a:extLst>
-            </p:cNvPr>
-            <p:cNvPicPr>
-              <a:picLocks noChangeAspect="1" noChangeArrowheads="1"/>
-            </p:cNvPicPr>
-            <p:nvPr/>
-          </p:nvPicPr>
-          <p:blipFill>
-            <a:blip r:embed="rId4">
-              <a:extLst>
-                <a:ext uri="{28A0092B-C50C-407E-A947-70E740481C1C}">
-                  <a14:useLocalDpi xmlns:a14="http://schemas.microsoft.com/office/drawing/2010/main" val="0"/>
-                </a:ext>
-              </a:extLst>
-            </a:blip>
-            <a:srcRect/>
-            <a:stretch>
-              <a:fillRect/>
-            </a:stretch>
-          </p:blipFill>
-          <p:spPr bwMode="auto">
-            <a:xfrm>
-              <a:off x="821498" y="3860127"/>
-              <a:ext cx="3738444" cy="2308324"/>
-            </a:xfrm>
-            <a:prstGeom prst="rect">
-              <a:avLst/>
-            </a:prstGeom>
-            <a:noFill/>
-            <a:extLst>
-              <a:ext uri="{909E8E84-426E-40DD-AFC4-6F175D3DCCD1}">
-                <a14:hiddenFill xmlns:a14="http://schemas.microsoft.com/office/drawing/2010/main">
-                  <a:solidFill>
-                    <a:srgbClr val="FFFFFF"/>
-                  </a:solidFill>
-                </a14:hiddenFill>
-              </a:ext>
-            </a:extLst>
-          </p:spPr>
-        </p:pic>
-        <p:sp>
-          <p:nvSpPr>
-            <p:cNvPr id="10" name="矢印: 下 9">
-              <a:extLst>
-                <a:ext uri="{FF2B5EF4-FFF2-40B4-BE49-F238E27FC236}">
-                  <a16:creationId xmlns:a16="http://schemas.microsoft.com/office/drawing/2014/main" id="{4A7DEB85-BF8F-98CD-8C92-D9C0651D2482}"/>
-                </a:ext>
-              </a:extLst>
-            </p:cNvPr>
-            <p:cNvSpPr/>
-            <p:nvPr/>
-          </p:nvSpPr>
-          <p:spPr>
-            <a:xfrm rot="8167701">
-              <a:off x="1737568" y="4788130"/>
-              <a:ext cx="109844" cy="339869"/>
-            </a:xfrm>
-            <a:prstGeom prst="downArrow">
-              <a:avLst/>
-            </a:prstGeom>
-            <a:solidFill>
-              <a:schemeClr val="accent4">
-                <a:lumMod val="60000"/>
-                <a:lumOff val="40000"/>
-              </a:schemeClr>
-            </a:solidFill>
-          </p:spPr>
-          <p:style>
-            <a:lnRef idx="2">
-              <a:schemeClr val="accent1">
-                <a:shade val="15000"/>
-              </a:schemeClr>
-            </a:lnRef>
-            <a:fillRef idx="1">
-              <a:schemeClr val="accent1"/>
-            </a:fillRef>
-            <a:effectRef idx="0">
-              <a:schemeClr val="accent1"/>
-            </a:effectRef>
-            <a:fontRef idx="minor">
-              <a:schemeClr val="lt1"/>
-            </a:fontRef>
-          </p:style>
-          <p:txBody>
-            <a:bodyPr rtlCol="0" anchor="ctr"/>
-            <a:lstStyle/>
-            <a:p>
-              <a:pPr algn="ctr"/>
-              <a:endParaRPr kumimoji="1" lang="ja-JP" altLang="en-US"/>
-            </a:p>
-          </p:txBody>
-        </p:sp>
-        <p:sp>
-          <p:nvSpPr>
-            <p:cNvPr id="11" name="矢印: 下 10">
-              <a:extLst>
-                <a:ext uri="{FF2B5EF4-FFF2-40B4-BE49-F238E27FC236}">
-                  <a16:creationId xmlns:a16="http://schemas.microsoft.com/office/drawing/2014/main" id="{763FA8AB-F09D-F12D-6746-40A362328D3F}"/>
-                </a:ext>
-              </a:extLst>
-            </p:cNvPr>
-            <p:cNvSpPr/>
-            <p:nvPr/>
-          </p:nvSpPr>
-          <p:spPr>
-            <a:xfrm rot="13437489">
-              <a:off x="2190506" y="4290901"/>
-              <a:ext cx="109844" cy="907850"/>
-            </a:xfrm>
-            <a:prstGeom prst="downArrow">
-              <a:avLst/>
-            </a:prstGeom>
-            <a:solidFill>
-              <a:schemeClr val="accent6">
-                <a:lumMod val="60000"/>
-                <a:lumOff val="40000"/>
-              </a:schemeClr>
-            </a:solidFill>
-          </p:spPr>
-          <p:style>
-            <a:lnRef idx="2">
-              <a:schemeClr val="accent1">
-                <a:shade val="15000"/>
-              </a:schemeClr>
-            </a:lnRef>
-            <a:fillRef idx="1">
-              <a:schemeClr val="accent1"/>
-            </a:fillRef>
-            <a:effectRef idx="0">
-              <a:schemeClr val="accent1"/>
-            </a:effectRef>
-            <a:fontRef idx="minor">
-              <a:schemeClr val="lt1"/>
-            </a:fontRef>
-          </p:style>
-          <p:txBody>
-            <a:bodyPr rtlCol="0" anchor="ctr"/>
-            <a:lstStyle/>
-            <a:p>
-              <a:pPr algn="ctr"/>
-              <a:endParaRPr kumimoji="1" lang="ja-JP" altLang="en-US"/>
-            </a:p>
-          </p:txBody>
-        </p:sp>
-      </p:grpSp>
-      <p:pic>
-        <p:nvPicPr>
-          <p:cNvPr id="1026" name="Picture 2">
-            <a:extLst>
-              <a:ext uri="{FF2B5EF4-FFF2-40B4-BE49-F238E27FC236}">
-                <a16:creationId xmlns:a16="http://schemas.microsoft.com/office/drawing/2014/main" id="{78DEA117-3C8A-683A-6226-D52B8553B1BB}"/>
-              </a:ext>
-            </a:extLst>
-          </p:cNvPr>
-          <p:cNvPicPr>
-            <a:picLocks noChangeAspect="1" noChangeArrowheads="1"/>
-          </p:cNvPicPr>
-          <p:nvPr/>
-        </p:nvPicPr>
-        <p:blipFill>
-          <a:blip r:embed="rId5">
-            <a:extLst>
-              <a:ext uri="{28A0092B-C50C-407E-A947-70E740481C1C}">
-                <a14:useLocalDpi xmlns:a14="http://schemas.microsoft.com/office/drawing/2010/main" val="0"/>
-              </a:ext>
-            </a:extLst>
-          </a:blip>
-          <a:srcRect/>
-          <a:stretch>
-            <a:fillRect/>
-          </a:stretch>
-        </p:blipFill>
-        <p:spPr bwMode="auto">
-          <a:xfrm>
-            <a:off x="4229589" y="2273947"/>
-            <a:ext cx="2941502" cy="517486"/>
-          </a:xfrm>
-          <a:prstGeom prst="rect">
-            <a:avLst/>
-          </a:prstGeom>
-          <a:noFill/>
-          <a:extLst>
-            <a:ext uri="{909E8E84-426E-40DD-AFC4-6F175D3DCCD1}">
-              <a14:hiddenFill xmlns:a14="http://schemas.microsoft.com/office/drawing/2010/main">
-                <a:solidFill>
-                  <a:srgbClr val="FFFFFF"/>
-                </a:solidFill>
-              </a14:hiddenFill>
-            </a:ext>
-          </a:extLst>
-        </p:spPr>
-      </p:pic>
+        </p:txBody>
+      </p:sp>
     </p:spTree>
     <p:extLst>
       <p:ext uri="{BB962C8B-B14F-4D97-AF65-F5344CB8AC3E}">
@@ -14835,6 +14423,53 @@
           </a:p>
         </p:txBody>
       </p:sp>
+      <p:pic>
+        <p:nvPicPr>
+          <p:cNvPr id="1026" name="Picture 2">
+            <a:extLst>
+              <a:ext uri="{FF2B5EF4-FFF2-40B4-BE49-F238E27FC236}">
+                <a16:creationId xmlns:a16="http://schemas.microsoft.com/office/drawing/2014/main" id="{78DEA117-3C8A-683A-6226-D52B8553B1BB}"/>
+              </a:ext>
+            </a:extLst>
+          </p:cNvPr>
+          <p:cNvPicPr>
+            <a:picLocks noChangeAspect="1" noChangeArrowheads="1"/>
+          </p:cNvPicPr>
+          <p:nvPr/>
+        </p:nvPicPr>
+        <p:blipFill>
+          <a:blip r:embed="rId7">
+            <a:extLst>
+              <a:ext uri="{28A0092B-C50C-407E-A947-70E740481C1C}">
+                <a14:useLocalDpi xmlns:a14="http://schemas.microsoft.com/office/drawing/2010/main" val="0"/>
+              </a:ext>
+            </a:extLst>
+          </a:blip>
+          <a:srcRect/>
+          <a:stretch>
+            <a:fillRect/>
+          </a:stretch>
+        </p:blipFill>
+        <p:spPr bwMode="auto">
+          <a:xfrm>
+            <a:off x="2398530" y="5794606"/>
+            <a:ext cx="2059222" cy="362270"/>
+          </a:xfrm>
+          <a:prstGeom prst="rect">
+            <a:avLst/>
+          </a:prstGeom>
+          <a:noFill/>
+          <a:extLst>
+            <a:ext uri="{909E8E84-426E-40DD-AFC4-6F175D3DCCD1}">
+              <a14:hiddenFill xmlns:a14="http://schemas.microsoft.com/office/drawing/2010/main">
+                <a:solidFill>
+                  <a:srgbClr val="FFFFFF"/>
+                </a:solidFill>
+              </a14:hiddenFill>
+            </a:ext>
+          </a:extLst>
+        </p:spPr>
+      </p:pic>
     </p:spTree>
     <p:extLst>
       <p:ext uri="{BB962C8B-B14F-4D97-AF65-F5344CB8AC3E}">

--- a/発表資料/B4_上坂大樹_サーベイ大会資料.pptx
+++ b/発表資料/B4_上坂大樹_サーベイ大会資料.pptx
@@ -713,46 +713,71 @@
           <a:lstStyle/>
           <a:p>
             <a:r>
-              <a:rPr lang="en-JP" dirty="0"/>
-              <a:t>所要時間: [s]</a:t>
-            </a:r>
+              <a:rPr lang="en-US" altLang="ja-JP" b="1" dirty="0"/>
+              <a:t>SSIM</a:t>
+            </a:r>
+            <a:r>
+              <a:rPr lang="ja-JP" altLang="en-US" b="1" dirty="0"/>
+              <a:t>の要素３つ</a:t>
+            </a:r>
+            <a:endParaRPr lang="en-US" altLang="ja-JP" b="1" dirty="0"/>
+          </a:p>
+          <a:p>
+            <a:r>
+              <a:rPr lang="ja-JP" altLang="en-US" b="1" dirty="0"/>
+              <a:t>輝度 </a:t>
+            </a:r>
+            <a:r>
+              <a:rPr lang="en-US" altLang="ja-JP" b="1" dirty="0"/>
+              <a:t>(Luminance)</a:t>
+            </a:r>
+            <a:r>
+              <a:rPr lang="en-US" altLang="ja-JP" dirty="0"/>
+              <a:t>: </a:t>
+            </a:r>
+            <a:r>
+              <a:rPr lang="ja-JP" altLang="en-US" dirty="0"/>
+              <a:t>パッチ全体の平均的な明るさ</a:t>
+            </a:r>
+          </a:p>
+          <a:p>
+            <a:r>
+              <a:rPr lang="ja-JP" altLang="en-US" b="1" dirty="0"/>
+              <a:t>コントラスト </a:t>
+            </a:r>
+            <a:r>
+              <a:rPr lang="en-US" altLang="ja-JP" b="1" dirty="0"/>
+              <a:t>(Contrast)</a:t>
+            </a:r>
+            <a:r>
+              <a:rPr lang="en-US" altLang="ja-JP" dirty="0"/>
+              <a:t>: </a:t>
+            </a:r>
+            <a:r>
+              <a:rPr lang="ja-JP" altLang="en-US" dirty="0"/>
+              <a:t>パッチ内の明るさのばらつき（標準偏差）</a:t>
+            </a:r>
+          </a:p>
+          <a:p>
+            <a:r>
+              <a:rPr lang="ja-JP" altLang="en-US" b="1" dirty="0"/>
+              <a:t>構造 </a:t>
+            </a:r>
+            <a:r>
+              <a:rPr lang="en-US" altLang="ja-JP" b="1" dirty="0"/>
+              <a:t>(Structure)</a:t>
+            </a:r>
+            <a:r>
+              <a:rPr lang="en-US" altLang="ja-JP" dirty="0"/>
+              <a:t>: </a:t>
+            </a:r>
+            <a:r>
+              <a:rPr lang="ja-JP" altLang="en-US" dirty="0"/>
+              <a:t>パッチ内のピクセルの相関関係</a:t>
+            </a:r>
+          </a:p>
+          <a:p>
             <a:endParaRPr lang="en-US" dirty="0"/>
-          </a:p>
-          <a:p>
-            <a:pPr marL="0" marR="0" lvl="0" indent="0" algn="l" defTabSz="914400" rtl="0" eaLnBrk="1" fontAlgn="auto" latinLnBrk="0" hangingPunct="1">
-              <a:lnSpc>
-                <a:spcPct val="100000"/>
-              </a:lnSpc>
-              <a:spcBef>
-                <a:spcPts val="0"/>
-              </a:spcBef>
-              <a:spcAft>
-                <a:spcPts val="0"/>
-              </a:spcAft>
-              <a:buClrTx/>
-              <a:buSzTx/>
-              <a:buFontTx/>
-              <a:buNone/>
-              <a:tabLst/>
-              <a:defRPr/>
-            </a:pPr>
-            <a:r>
-              <a:rPr lang="ja-JP" altLang="en-US" dirty="0"/>
-              <a:t>解説部分</a:t>
-            </a:r>
-            <a:r>
-              <a:rPr lang="en-US" altLang="ja-JP" dirty="0"/>
-              <a:t>(</a:t>
-            </a:r>
-            <a:r>
-              <a:rPr lang="ja-JP" altLang="en-US" dirty="0"/>
-              <a:t>詳しいことはここに記述して、かいつまんでスライドにも書く。図も欲しい</a:t>
-            </a:r>
-            <a:r>
-              <a:rPr lang="en-US" altLang="ja-JP" dirty="0"/>
-              <a:t>)</a:t>
-            </a:r>
-            <a:endParaRPr lang="en-JP" altLang="ja-JP" dirty="0"/>
           </a:p>
           <a:p>
             <a:endParaRPr lang="en-JP" dirty="0"/>
@@ -8649,8 +8674,8 @@
         </p:nvSpPr>
         <p:spPr>
           <a:xfrm>
-            <a:off x="449017" y="269481"/>
-            <a:ext cx="7135318" cy="707886"/>
+            <a:off x="449016" y="269481"/>
+            <a:ext cx="8116249" cy="707886"/>
           </a:xfrm>
           <a:prstGeom prst="rect">
             <a:avLst/>
@@ -8671,7 +8696,23 @@
               <a:rPr lang="en-US" altLang="ja-JP" sz="4000" dirty="0"/>
               <a:t>SSIM</a:t>
             </a:r>
-            <a:endParaRPr lang="en-JP" sz="4000" dirty="0"/>
+            <a:r>
+              <a:rPr lang="ja-JP" altLang="en-US" sz="4000" dirty="0"/>
+              <a:t> </a:t>
+            </a:r>
+            <a:r>
+              <a:rPr lang="ja-JP" altLang="en-US" sz="1600" dirty="0"/>
+              <a:t>（</a:t>
+            </a:r>
+            <a:r>
+              <a:rPr lang="en-US" altLang="ja-JP" sz="1600" dirty="0"/>
+              <a:t>Structural Similarity</a:t>
+            </a:r>
+            <a:r>
+              <a:rPr lang="ja-JP" altLang="en-US" sz="1600" dirty="0"/>
+              <a:t>）</a:t>
+            </a:r>
+            <a:endParaRPr lang="en-JP" sz="1600" dirty="0"/>
           </a:p>
         </p:txBody>
       </p:sp>
@@ -8690,7 +8731,7 @@
         <p:spPr>
           <a:xfrm>
             <a:off x="449017" y="1452605"/>
-            <a:ext cx="3647152" cy="369332"/>
+            <a:ext cx="9010800" cy="2308324"/>
           </a:xfrm>
           <a:prstGeom prst="rect">
             <a:avLst/>
@@ -8703,8 +8744,81 @@
           <a:lstStyle/>
           <a:p>
             <a:r>
+              <a:rPr lang="ja-JP" altLang="en-US" dirty="0"/>
+              <a:t>・再構成誤差の計算にピクセル単位の距離の代わりに構造的類似性</a:t>
+            </a:r>
+            <a:r>
+              <a:rPr lang="en-US" altLang="ja-JP" dirty="0"/>
+              <a:t>(SSIM)</a:t>
+            </a:r>
+            <a:r>
+              <a:rPr lang="ja-JP" altLang="en-US" dirty="0"/>
+              <a:t>を用いる。</a:t>
+            </a:r>
+            <a:endParaRPr lang="en-US" altLang="ja-JP" dirty="0"/>
+          </a:p>
+          <a:p>
+            <a:endParaRPr lang="en-US" altLang="ja-JP" dirty="0"/>
+          </a:p>
+          <a:p>
+            <a:r>
+              <a:rPr lang="ja-JP" altLang="en-US" dirty="0"/>
+              <a:t>・正常画像のみで訓練した</a:t>
+            </a:r>
+            <a:r>
+              <a:rPr lang="en-US" altLang="ja-JP" dirty="0"/>
+              <a:t>VAE</a:t>
+            </a:r>
+            <a:r>
+              <a:rPr lang="ja-JP" altLang="en-US" dirty="0"/>
+              <a:t>を利用している。</a:t>
+            </a:r>
+            <a:endParaRPr lang="en-US" altLang="ja-JP" dirty="0"/>
+          </a:p>
+          <a:p>
+            <a:endParaRPr lang="en-US" altLang="ja-JP" dirty="0"/>
+          </a:p>
+          <a:p>
+            <a:r>
+              <a:rPr lang="ja-JP" altLang="en-US" dirty="0"/>
+              <a:t>・パッチごとの比較によりエッジ位置のズレに耐性がある。</a:t>
+            </a:r>
+            <a:endParaRPr lang="en-US" altLang="ja-JP" dirty="0"/>
+          </a:p>
+          <a:p>
+            <a:endParaRPr lang="en-US" altLang="ja-JP" dirty="0"/>
+          </a:p>
+          <a:p>
+            <a:endParaRPr lang="en-US" altLang="ja-JP" b="1" dirty="0"/>
+          </a:p>
+          <a:p>
+            <a:r>
               <a:rPr lang="ja-JP" altLang="en-US" b="1" dirty="0"/>
-              <a:t>なんか色々評価指標を増やした奴</a:t>
+              <a:t>構造的類似性</a:t>
+            </a:r>
+            <a:r>
+              <a:rPr lang="en-US" altLang="ja-JP" b="1" dirty="0"/>
+              <a:t>…</a:t>
+            </a:r>
+            <a:r>
+              <a:rPr lang="ja-JP" altLang="en-US" b="1" dirty="0"/>
+              <a:t>輝度＊コントラスト＊構造</a:t>
+            </a:r>
+            <a:r>
+              <a:rPr lang="en-US" altLang="ja-JP" b="1" dirty="0"/>
+              <a:t>(</a:t>
+            </a:r>
+            <a:r>
+              <a:rPr lang="ja-JP" altLang="en-US" b="1" dirty="0"/>
+              <a:t>パターン</a:t>
+            </a:r>
+            <a:r>
+              <a:rPr lang="en-US" altLang="ja-JP" b="1" dirty="0"/>
+              <a:t>)</a:t>
+            </a:r>
+            <a:r>
+              <a:rPr lang="ja-JP" altLang="en-US" b="1" dirty="0"/>
+              <a:t>。</a:t>
             </a:r>
             <a:endParaRPr lang="en-US" altLang="ja-JP" b="1" dirty="0"/>
           </a:p>
@@ -8852,7 +8966,7 @@
         <p:spPr>
           <a:xfrm>
             <a:off x="449017" y="1452605"/>
-            <a:ext cx="1107996" cy="369332"/>
+            <a:ext cx="2262158" cy="369332"/>
           </a:xfrm>
           <a:prstGeom prst="rect">
             <a:avLst/>
@@ -8866,7 +8980,7 @@
           <a:p>
             <a:r>
               <a:rPr lang="ja-JP" altLang="en-US" b="1" dirty="0"/>
-              <a:t>ああああ</a:t>
+              <a:t>トランスフォーマー</a:t>
             </a:r>
             <a:endParaRPr lang="ja-JP" altLang="en-US" dirty="0"/>
           </a:p>
@@ -9013,7 +9127,7 @@
         <p:spPr>
           <a:xfrm>
             <a:off x="449017" y="1452605"/>
-            <a:ext cx="1107996" cy="369332"/>
+            <a:ext cx="1338828" cy="369332"/>
           </a:xfrm>
           <a:prstGeom prst="rect">
             <a:avLst/>
@@ -9027,7 +9141,7 @@
           <a:p>
             <a:r>
               <a:rPr lang="ja-JP" altLang="en-US" b="1" dirty="0"/>
-              <a:t>ああああ</a:t>
+              <a:t>拡散モデル</a:t>
             </a:r>
             <a:endParaRPr lang="ja-JP" altLang="en-US" dirty="0"/>
           </a:p>

--- a/発表資料/B4_上坂大樹_サーベイ大会資料.pptx
+++ b/発表資料/B4_上坂大樹_サーベイ大会資料.pptx
@@ -9,20 +9,20 @@
   </p:notesMasterIdLst>
   <p:sldIdLst>
     <p:sldId id="279" r:id="rId2"/>
-    <p:sldId id="331" r:id="rId3"/>
-    <p:sldId id="323" r:id="rId4"/>
-    <p:sldId id="329" r:id="rId5"/>
-    <p:sldId id="284" r:id="rId6"/>
-    <p:sldId id="313" r:id="rId7"/>
-    <p:sldId id="315" r:id="rId8"/>
-    <p:sldId id="324" r:id="rId9"/>
-    <p:sldId id="325" r:id="rId10"/>
-    <p:sldId id="326" r:id="rId11"/>
-    <p:sldId id="327" r:id="rId12"/>
-    <p:sldId id="328" r:id="rId13"/>
-    <p:sldId id="306" r:id="rId14"/>
-    <p:sldId id="289" r:id="rId15"/>
-    <p:sldId id="330" r:id="rId16"/>
+    <p:sldId id="323" r:id="rId3"/>
+    <p:sldId id="329" r:id="rId4"/>
+    <p:sldId id="284" r:id="rId5"/>
+    <p:sldId id="313" r:id="rId6"/>
+    <p:sldId id="315" r:id="rId7"/>
+    <p:sldId id="324" r:id="rId8"/>
+    <p:sldId id="325" r:id="rId9"/>
+    <p:sldId id="326" r:id="rId10"/>
+    <p:sldId id="327" r:id="rId11"/>
+    <p:sldId id="328" r:id="rId12"/>
+    <p:sldId id="306" r:id="rId13"/>
+    <p:sldId id="289" r:id="rId14"/>
+    <p:sldId id="330" r:id="rId15"/>
+    <p:sldId id="331" r:id="rId16"/>
     <p:sldId id="320" r:id="rId17"/>
     <p:sldId id="321" r:id="rId18"/>
     <p:sldId id="322" r:id="rId19"/>
@@ -619,6 +619,21 @@
             <a:endParaRPr kumimoji="1" lang="en-US" altLang="ja-JP" dirty="0"/>
           </a:p>
           <a:p>
+            <a:r>
+              <a:rPr kumimoji="1" lang="ja-JP" altLang="en-US" dirty="0"/>
+              <a:t>まとめは</a:t>
+            </a:r>
+            <a:r>
+              <a:rPr kumimoji="1" lang="en-US" altLang="ja-JP" dirty="0"/>
+              <a:t>Notion</a:t>
+            </a:r>
+            <a:r>
+              <a:rPr kumimoji="1" lang="ja-JP" altLang="en-US" dirty="0"/>
+              <a:t>に作りました。</a:t>
+            </a:r>
+            <a:endParaRPr kumimoji="1" lang="en-US" altLang="ja-JP" dirty="0"/>
+          </a:p>
+          <a:p>
             <a:endParaRPr kumimoji="1" lang="en-US" altLang="ja-JP" dirty="0"/>
           </a:p>
           <a:p>
@@ -713,73 +728,52 @@
           <a:lstStyle/>
           <a:p>
             <a:r>
-              <a:rPr lang="en-US" altLang="ja-JP" b="1" dirty="0"/>
-              <a:t>SSIM</a:t>
-            </a:r>
-            <a:r>
-              <a:rPr lang="ja-JP" altLang="en-US" b="1" dirty="0"/>
-              <a:t>の要素３つ</a:t>
-            </a:r>
-            <a:endParaRPr lang="en-US" altLang="ja-JP" b="1" dirty="0"/>
-          </a:p>
-          <a:p>
-            <a:r>
-              <a:rPr lang="ja-JP" altLang="en-US" b="1" dirty="0"/>
-              <a:t>輝度 </a:t>
-            </a:r>
-            <a:r>
-              <a:rPr lang="en-US" altLang="ja-JP" b="1" dirty="0"/>
-              <a:t>(Luminance)</a:t>
+              <a:rPr lang="ja-JP" altLang="en-US" dirty="0"/>
+              <a:t>再構成部分で</a:t>
             </a:r>
             <a:r>
               <a:rPr lang="en-US" altLang="ja-JP" dirty="0"/>
-              <a:t>: </a:t>
+              <a:t>CNN</a:t>
             </a:r>
             <a:r>
               <a:rPr lang="ja-JP" altLang="en-US" dirty="0"/>
-              <a:t>パッチ全体の平均的な明るさ</a:t>
-            </a:r>
-          </a:p>
-          <a:p>
-            <a:r>
-              <a:rPr lang="ja-JP" altLang="en-US" b="1" dirty="0"/>
-              <a:t>コントラスト </a:t>
-            </a:r>
-            <a:r>
-              <a:rPr lang="en-US" altLang="ja-JP" b="1" dirty="0"/>
-              <a:t>(Contrast)</a:t>
+              <a:t>ではなく</a:t>
             </a:r>
             <a:r>
               <a:rPr lang="en-US" altLang="ja-JP" dirty="0"/>
-              <a:t>: </a:t>
+              <a:t>Transformer</a:t>
             </a:r>
             <a:r>
               <a:rPr lang="ja-JP" altLang="en-US" dirty="0"/>
-              <a:t>パッチ内の明るさのばらつき（標準偏差）</a:t>
-            </a:r>
-          </a:p>
-          <a:p>
-            <a:r>
-              <a:rPr lang="ja-JP" altLang="en-US" b="1" dirty="0"/>
-              <a:t>構造 </a:t>
-            </a:r>
-            <a:r>
-              <a:rPr lang="en-US" altLang="ja-JP" b="1" dirty="0"/>
-              <a:t>(Structure)</a:t>
-            </a:r>
-            <a:r>
-              <a:rPr lang="en-US" altLang="ja-JP" dirty="0"/>
-              <a:t>: </a:t>
-            </a:r>
+              <a:t>を使用している手法です。</a:t>
+            </a:r>
+            <a:endParaRPr lang="en-US" altLang="ja-JP" dirty="0"/>
+          </a:p>
+          <a:p>
+            <a:endParaRPr lang="en-US" dirty="0"/>
+          </a:p>
+          <a:p>
             <a:r>
               <a:rPr lang="ja-JP" altLang="en-US" dirty="0"/>
-              <a:t>パッチ内のピクセルの相関関係</a:t>
-            </a:r>
-          </a:p>
-          <a:p>
+              <a:t>複数のケースに対応している。</a:t>
+            </a:r>
+            <a:endParaRPr lang="en-US" altLang="ja-JP" dirty="0"/>
+          </a:p>
+          <a:p>
+            <a:r>
+              <a:rPr lang="ja-JP" altLang="en-US" dirty="0"/>
+              <a:t>正常サンプルのみの場合、異常サンプルが利用可能な場合、</a:t>
+            </a:r>
             <a:endParaRPr lang="en-US" dirty="0"/>
           </a:p>
           <a:p>
+            <a:endParaRPr lang="en-US" dirty="0"/>
+          </a:p>
+          <a:p>
+            <a:r>
+              <a:rPr lang="ja-JP" altLang="en-US" dirty="0"/>
+              <a:t>トランスフォーマーの理解がキモでした。</a:t>
+            </a:r>
             <a:endParaRPr lang="en-JP" dirty="0"/>
           </a:p>
         </p:txBody>
@@ -810,7 +804,7 @@
     </p:spTree>
     <p:extLst>
       <p:ext uri="{BB962C8B-B14F-4D97-AF65-F5344CB8AC3E}">
-        <p14:creationId xmlns:p14="http://schemas.microsoft.com/office/powerpoint/2010/main" val="959664245"/>
+        <p14:creationId xmlns:p14="http://schemas.microsoft.com/office/powerpoint/2010/main" val="4032642849"/>
       </p:ext>
     </p:extLst>
   </p:cSld>
@@ -865,9 +859,166 @@
           <a:lstStyle/>
           <a:p>
             <a:r>
-              <a:rPr lang="en-JP" dirty="0"/>
-              <a:t>所要時間: [s]</a:t>
-            </a:r>
+              <a:rPr lang="ja-JP" altLang="en-US" b="0" dirty="0"/>
+              <a:t>異常をノイズと見立てて、拡散モデルによって除去を行う検知手法です。</a:t>
+            </a:r>
+            <a:endParaRPr lang="en-US" b="0" dirty="0"/>
+          </a:p>
+          <a:p>
+            <a:endParaRPr lang="en-US" b="0" dirty="0"/>
+          </a:p>
+          <a:p>
+            <a:r>
+              <a:rPr lang="ja-JP" altLang="en-US" b="0" dirty="0"/>
+              <a:t>他手法よりも鮮明な再構成画像が得られる。</a:t>
+            </a:r>
+            <a:endParaRPr lang="en-US" b="0" dirty="0"/>
+          </a:p>
+          <a:p>
+            <a:endParaRPr lang="en-US" b="1" dirty="0"/>
+          </a:p>
+          <a:p>
+            <a:r>
+              <a:rPr lang="ja-JP" altLang="en-US" dirty="0"/>
+              <a:t>画像全体を見るから周囲のピクセル＋全体の構造に依存するようになっている。</a:t>
+            </a:r>
+            <a:endParaRPr lang="en-US" b="1" dirty="0"/>
+          </a:p>
+          <a:p>
+            <a:endParaRPr lang="en-US" dirty="0"/>
+          </a:p>
+          <a:p>
+            <a:endParaRPr lang="en-US" dirty="0"/>
+          </a:p>
+          <a:p>
+            <a:endParaRPr lang="en-US" dirty="0"/>
+          </a:p>
+          <a:p>
+            <a:endParaRPr lang="en-US" dirty="0"/>
+          </a:p>
+          <a:p>
+            <a:endParaRPr lang="en-US" dirty="0"/>
+          </a:p>
+          <a:p>
+            <a:r>
+              <a:rPr lang="ja-JP" altLang="en-US" dirty="0"/>
+              <a:t>・学習ではランダムな</a:t>
+            </a:r>
+            <a:r>
+              <a:rPr lang="en-US" altLang="ja-JP" dirty="0"/>
+              <a:t>t</a:t>
+            </a:r>
+            <a:r>
+              <a:rPr lang="ja-JP" altLang="en-US" dirty="0"/>
+              <a:t>を選んで、その</a:t>
+            </a:r>
+            <a:r>
+              <a:rPr lang="en-US" altLang="ja-JP" dirty="0"/>
+              <a:t>t</a:t>
+            </a:r>
+            <a:r>
+              <a:rPr lang="ja-JP" altLang="en-US" dirty="0"/>
+              <a:t>回目の状態を作り出したノイズ</a:t>
+            </a:r>
+            <a:r>
+              <a:rPr lang="en-US" altLang="ja-JP" dirty="0"/>
+              <a:t>ε</a:t>
+            </a:r>
+            <a:r>
+              <a:rPr lang="ja-JP" altLang="en-US" dirty="0"/>
+              <a:t>の予測を繰り返す。</a:t>
+            </a:r>
+            <a:endParaRPr lang="en-US" altLang="ja-JP" dirty="0"/>
+          </a:p>
+          <a:p>
+            <a:r>
+              <a:rPr lang="ja-JP" altLang="en-US" dirty="0"/>
+              <a:t>その結果、モデルは間接的に</a:t>
+            </a:r>
+            <a:r>
+              <a:rPr lang="en-US" altLang="ja-JP" dirty="0"/>
+              <a:t>t</a:t>
+            </a:r>
+            <a:r>
+              <a:rPr lang="ja-JP" altLang="en-US" dirty="0"/>
+              <a:t>回目から</a:t>
+            </a:r>
+            <a:r>
+              <a:rPr lang="en-US" altLang="ja-JP" dirty="0"/>
+              <a:t>t-1</a:t>
+            </a:r>
+            <a:r>
+              <a:rPr lang="ja-JP" altLang="en-US" dirty="0"/>
+              <a:t>回目の状態を予測する能力を得る。</a:t>
+            </a:r>
+            <a:endParaRPr lang="en-US" dirty="0"/>
+          </a:p>
+          <a:p>
+            <a:endParaRPr lang="en-US" dirty="0"/>
+          </a:p>
+          <a:p>
+            <a:r>
+              <a:rPr lang="ja-JP" altLang="en-US" dirty="0"/>
+              <a:t>モデルとノイズ除去の実際。逐一ｔ⇒ｔ－１⇒ｔ－２</a:t>
+            </a:r>
+            <a:r>
+              <a:rPr lang="en-US" altLang="ja-JP" dirty="0"/>
+              <a:t>…</a:t>
+            </a:r>
+            <a:r>
+              <a:rPr lang="ja-JP" altLang="en-US" dirty="0"/>
+              <a:t>と進めるのではない。</a:t>
+            </a:r>
+            <a:br>
+              <a:rPr lang="en-US" altLang="ja-JP" dirty="0"/>
+            </a:br>
+            <a:endParaRPr lang="en-US" dirty="0"/>
+          </a:p>
+          <a:p>
+            <a:r>
+              <a:rPr lang="ja-JP" altLang="en-US" dirty="0"/>
+              <a:t>モデルは、正常画像の</a:t>
+            </a:r>
+            <a:r>
+              <a:rPr lang="en-US" altLang="ja-JP" dirty="0"/>
+              <a:t>『</a:t>
+            </a:r>
+            <a:r>
+              <a:rPr lang="ja-JP" altLang="en-US" dirty="0"/>
+              <a:t>あるピクセルとその周辺領域（文脈）の関係性</a:t>
+            </a:r>
+            <a:r>
+              <a:rPr lang="en-US" altLang="ja-JP" dirty="0"/>
+              <a:t>』</a:t>
+            </a:r>
+            <a:r>
+              <a:rPr lang="ja-JP" altLang="en-US" dirty="0"/>
+              <a:t>を分布として学習します。</a:t>
+            </a:r>
+            <a:endParaRPr lang="en-US" altLang="ja-JP" dirty="0"/>
+          </a:p>
+          <a:p>
+            <a:r>
+              <a:rPr lang="ja-JP" altLang="en-US" dirty="0"/>
+              <a:t>そしてノイズ除去の際には、ノイズの乗った画像全体を入力として受け取り、その文脈を考慮しながら、全てのピクセルに対する</a:t>
+            </a:r>
+            <a:r>
+              <a:rPr lang="en-US" altLang="ja-JP" dirty="0"/>
+              <a:t>『</a:t>
+            </a:r>
+            <a:r>
+              <a:rPr lang="ja-JP" altLang="en-US" dirty="0"/>
+              <a:t>除去すべきノイズ量</a:t>
+            </a:r>
+            <a:r>
+              <a:rPr lang="en-US" altLang="ja-JP" dirty="0"/>
+              <a:t>』</a:t>
+            </a:r>
+            <a:r>
+              <a:rPr lang="ja-JP" altLang="en-US" dirty="0"/>
+              <a:t>を一度に予測（生成）し、それを入力画像から引き算することでノイズを除去します。</a:t>
+            </a:r>
+            <a:endParaRPr lang="en-JP" dirty="0"/>
           </a:p>
         </p:txBody>
       </p:sp>
@@ -897,7 +1048,7 @@
     </p:spTree>
     <p:extLst>
       <p:ext uri="{BB962C8B-B14F-4D97-AF65-F5344CB8AC3E}">
-        <p14:creationId xmlns:p14="http://schemas.microsoft.com/office/powerpoint/2010/main" val="4032642849"/>
+        <p14:creationId xmlns:p14="http://schemas.microsoft.com/office/powerpoint/2010/main" val="4084542094"/>
       </p:ext>
     </p:extLst>
   </p:cSld>
@@ -951,10 +1102,140 @@
           <a:bodyPr/>
           <a:lstStyle/>
           <a:p>
+            <a:pPr marL="0" marR="0" lvl="0" indent="0" algn="l" defTabSz="914400" rtl="0" eaLnBrk="1" fontAlgn="auto" latinLnBrk="0" hangingPunct="1">
+              <a:lnSpc>
+                <a:spcPct val="100000"/>
+              </a:lnSpc>
+              <a:spcBef>
+                <a:spcPts val="0"/>
+              </a:spcBef>
+              <a:spcAft>
+                <a:spcPts val="0"/>
+              </a:spcAft>
+              <a:buClrTx/>
+              <a:buSzTx/>
+              <a:buFontTx/>
+              <a:buNone/>
+              <a:tabLst/>
+              <a:defRPr/>
+            </a:pPr>
             <a:r>
               <a:rPr lang="en-JP" dirty="0"/>
               <a:t>所要時間: [s]</a:t>
             </a:r>
+            <a:endParaRPr lang="en-US" dirty="0"/>
+          </a:p>
+          <a:p>
+            <a:pPr marL="0" marR="0" lvl="0" indent="0" algn="l" defTabSz="914400" rtl="0" eaLnBrk="1" fontAlgn="auto" latinLnBrk="0" hangingPunct="1">
+              <a:lnSpc>
+                <a:spcPct val="100000"/>
+              </a:lnSpc>
+              <a:spcBef>
+                <a:spcPts val="0"/>
+              </a:spcBef>
+              <a:spcAft>
+                <a:spcPts val="0"/>
+              </a:spcAft>
+              <a:buClrTx/>
+              <a:buSzTx/>
+              <a:buFontTx/>
+              <a:buNone/>
+              <a:tabLst/>
+              <a:defRPr/>
+            </a:pPr>
+            <a:r>
+              <a:rPr lang="ja-JP" altLang="en-US" dirty="0"/>
+              <a:t>所感・意見です。</a:t>
+            </a:r>
+            <a:endParaRPr lang="en-US" altLang="ja-JP" dirty="0"/>
+          </a:p>
+          <a:p>
+            <a:pPr marL="0" marR="0" lvl="0" indent="0" algn="l" defTabSz="914400" rtl="0" eaLnBrk="1" fontAlgn="auto" latinLnBrk="0" hangingPunct="1">
+              <a:lnSpc>
+                <a:spcPct val="100000"/>
+              </a:lnSpc>
+              <a:spcBef>
+                <a:spcPts val="0"/>
+              </a:spcBef>
+              <a:spcAft>
+                <a:spcPts val="0"/>
+              </a:spcAft>
+              <a:buClrTx/>
+              <a:buSzTx/>
+              <a:buFontTx/>
+              <a:buNone/>
+              <a:tabLst/>
+              <a:defRPr/>
+            </a:pPr>
+            <a:endParaRPr lang="en-US" altLang="ja-JP" dirty="0"/>
+          </a:p>
+          <a:p>
+            <a:pPr marL="0" marR="0" lvl="0" indent="0" algn="l" defTabSz="914400" rtl="0" eaLnBrk="1" fontAlgn="auto" latinLnBrk="0" hangingPunct="1">
+              <a:lnSpc>
+                <a:spcPct val="100000"/>
+              </a:lnSpc>
+              <a:spcBef>
+                <a:spcPts val="0"/>
+              </a:spcBef>
+              <a:spcAft>
+                <a:spcPts val="0"/>
+              </a:spcAft>
+              <a:buClrTx/>
+              <a:buSzTx/>
+              <a:buFontTx/>
+              <a:buNone/>
+              <a:tabLst/>
+              <a:defRPr/>
+            </a:pPr>
+            <a:r>
+              <a:rPr lang="ja-JP" altLang="en-US" dirty="0"/>
+              <a:t>組み合わせたら強くなりそう</a:t>
+            </a:r>
+            <a:endParaRPr lang="en-US" altLang="ja-JP" dirty="0"/>
+          </a:p>
+          <a:p>
+            <a:pPr marL="0" marR="0" lvl="0" indent="0" algn="l" defTabSz="914400" rtl="0" eaLnBrk="1" fontAlgn="auto" latinLnBrk="0" hangingPunct="1">
+              <a:lnSpc>
+                <a:spcPct val="100000"/>
+              </a:lnSpc>
+              <a:spcBef>
+                <a:spcPts val="0"/>
+              </a:spcBef>
+              <a:spcAft>
+                <a:spcPts val="0"/>
+              </a:spcAft>
+              <a:buClrTx/>
+              <a:buSzTx/>
+              <a:buFontTx/>
+              <a:buNone/>
+              <a:tabLst/>
+              <a:defRPr/>
+            </a:pPr>
+            <a:endParaRPr lang="en-US" dirty="0"/>
+          </a:p>
+          <a:p>
+            <a:pPr marL="0" marR="0" lvl="0" indent="0" algn="l" defTabSz="914400" rtl="0" eaLnBrk="1" fontAlgn="auto" latinLnBrk="0" hangingPunct="1">
+              <a:lnSpc>
+                <a:spcPct val="100000"/>
+              </a:lnSpc>
+              <a:spcBef>
+                <a:spcPts val="0"/>
+              </a:spcBef>
+              <a:spcAft>
+                <a:spcPts val="0"/>
+              </a:spcAft>
+              <a:buClrTx/>
+              <a:buSzTx/>
+              <a:buFontTx/>
+              <a:buNone/>
+              <a:tabLst/>
+              <a:defRPr/>
+            </a:pPr>
+            <a:r>
+              <a:rPr lang="ja-JP" altLang="en-US" dirty="0"/>
+              <a:t>破壊的な新技術を見つけて手法提案じゃなくて、改善が</a:t>
+            </a:r>
+            <a:endParaRPr lang="en-JP" dirty="0"/>
           </a:p>
         </p:txBody>
       </p:sp>
@@ -984,7 +1265,7 @@
     </p:spTree>
     <p:extLst>
       <p:ext uri="{BB962C8B-B14F-4D97-AF65-F5344CB8AC3E}">
-        <p14:creationId xmlns:p14="http://schemas.microsoft.com/office/powerpoint/2010/main" val="4084542094"/>
+        <p14:creationId xmlns:p14="http://schemas.microsoft.com/office/powerpoint/2010/main" val="1136788670"/>
       </p:ext>
     </p:extLst>
   </p:cSld>
@@ -1013,7 +1294,7 @@
       </p:grpSpPr>
       <p:sp>
         <p:nvSpPr>
-          <p:cNvPr id="2" name="Slide Image Placeholder 1"/>
+          <p:cNvPr id="2" name="スライド イメージ プレースホルダー 1"/>
           <p:cNvSpPr>
             <a:spLocks noGrp="1" noRot="1" noChangeAspect="1"/>
           </p:cNvSpPr>
@@ -1025,7 +1306,7 @@
       </p:sp>
       <p:sp>
         <p:nvSpPr>
-          <p:cNvPr id="3" name="Notes Placeholder 2"/>
+          <p:cNvPr id="3" name="ノート プレースホルダー 2"/>
           <p:cNvSpPr>
             <a:spLocks noGrp="1"/>
           </p:cNvSpPr>
@@ -1038,150 +1319,27 @@
           <a:bodyPr/>
           <a:lstStyle/>
           <a:p>
-            <a:pPr marL="0" marR="0" lvl="0" indent="0" algn="l" defTabSz="914400" rtl="0" eaLnBrk="1" fontAlgn="auto" latinLnBrk="0" hangingPunct="1">
-              <a:lnSpc>
-                <a:spcPct val="100000"/>
-              </a:lnSpc>
-              <a:spcBef>
-                <a:spcPts val="0"/>
-              </a:spcBef>
-              <a:spcAft>
-                <a:spcPts val="0"/>
-              </a:spcAft>
-              <a:buClrTx/>
-              <a:buSzTx/>
-              <a:buFontTx/>
-              <a:buNone/>
-              <a:tabLst/>
-              <a:defRPr/>
-            </a:pPr>
-            <a:r>
-              <a:rPr lang="en-JP" dirty="0"/>
-              <a:t>所要時間: [s]</a:t>
-            </a:r>
-            <a:endParaRPr lang="en-US" dirty="0"/>
-          </a:p>
-          <a:p>
-            <a:pPr marL="0" marR="0" lvl="0" indent="0" algn="l" defTabSz="914400" rtl="0" eaLnBrk="1" fontAlgn="auto" latinLnBrk="0" hangingPunct="1">
-              <a:lnSpc>
-                <a:spcPct val="100000"/>
-              </a:lnSpc>
-              <a:spcBef>
-                <a:spcPts val="0"/>
-              </a:spcBef>
-              <a:spcAft>
-                <a:spcPts val="0"/>
-              </a:spcAft>
-              <a:buClrTx/>
-              <a:buSzTx/>
-              <a:buFontTx/>
-              <a:buNone/>
-              <a:tabLst/>
-              <a:defRPr/>
-            </a:pPr>
-            <a:r>
-              <a:rPr lang="ja-JP" altLang="en-US" dirty="0"/>
-              <a:t>所感・意見です。</a:t>
-            </a:r>
-            <a:endParaRPr lang="en-US" altLang="ja-JP" dirty="0"/>
-          </a:p>
-          <a:p>
-            <a:pPr marL="0" marR="0" lvl="0" indent="0" algn="l" defTabSz="914400" rtl="0" eaLnBrk="1" fontAlgn="auto" latinLnBrk="0" hangingPunct="1">
-              <a:lnSpc>
-                <a:spcPct val="100000"/>
-              </a:lnSpc>
-              <a:spcBef>
-                <a:spcPts val="0"/>
-              </a:spcBef>
-              <a:spcAft>
-                <a:spcPts val="0"/>
-              </a:spcAft>
-              <a:buClrTx/>
-              <a:buSzTx/>
-              <a:buFontTx/>
-              <a:buNone/>
-              <a:tabLst/>
-              <a:defRPr/>
-            </a:pPr>
-            <a:endParaRPr lang="en-US" altLang="ja-JP" dirty="0"/>
-          </a:p>
-          <a:p>
-            <a:pPr marL="0" marR="0" lvl="0" indent="0" algn="l" defTabSz="914400" rtl="0" eaLnBrk="1" fontAlgn="auto" latinLnBrk="0" hangingPunct="1">
-              <a:lnSpc>
-                <a:spcPct val="100000"/>
-              </a:lnSpc>
-              <a:spcBef>
-                <a:spcPts val="0"/>
-              </a:spcBef>
-              <a:spcAft>
-                <a:spcPts val="0"/>
-              </a:spcAft>
-              <a:buClrTx/>
-              <a:buSzTx/>
-              <a:buFontTx/>
-              <a:buNone/>
-              <a:tabLst/>
-              <a:defRPr/>
-            </a:pPr>
-            <a:r>
-              <a:rPr lang="ja-JP" altLang="en-US" dirty="0"/>
-              <a:t>組み合わせたら強くなりそう</a:t>
-            </a:r>
-            <a:endParaRPr lang="en-US" altLang="ja-JP" dirty="0"/>
-          </a:p>
-          <a:p>
-            <a:pPr marL="0" marR="0" lvl="0" indent="0" algn="l" defTabSz="914400" rtl="0" eaLnBrk="1" fontAlgn="auto" latinLnBrk="0" hangingPunct="1">
-              <a:lnSpc>
-                <a:spcPct val="100000"/>
-              </a:lnSpc>
-              <a:spcBef>
-                <a:spcPts val="0"/>
-              </a:spcBef>
-              <a:spcAft>
-                <a:spcPts val="0"/>
-              </a:spcAft>
-              <a:buClrTx/>
-              <a:buSzTx/>
-              <a:buFontTx/>
-              <a:buNone/>
-              <a:tabLst/>
-              <a:defRPr/>
-            </a:pPr>
-            <a:endParaRPr lang="en-US" altLang="ja-JP" dirty="0"/>
-          </a:p>
-          <a:p>
-            <a:pPr marL="0" marR="0" lvl="0" indent="0" algn="l" defTabSz="914400" rtl="0" eaLnBrk="1" fontAlgn="auto" latinLnBrk="0" hangingPunct="1">
-              <a:lnSpc>
-                <a:spcPct val="100000"/>
-              </a:lnSpc>
-              <a:spcBef>
-                <a:spcPts val="0"/>
-              </a:spcBef>
-              <a:spcAft>
-                <a:spcPts val="0"/>
-              </a:spcAft>
-              <a:buClrTx/>
-              <a:buSzTx/>
-              <a:buFontTx/>
-              <a:buNone/>
-              <a:tabLst/>
-              <a:defRPr/>
-            </a:pPr>
-            <a:r>
-              <a:rPr lang="ja-JP" altLang="en-US" dirty="0"/>
-              <a:t>概要がつかめてきたので実装も</a:t>
-            </a:r>
-            <a:r>
-              <a:rPr lang="ja-JP" altLang="en-US" dirty="0" err="1"/>
-              <a:t>しなきゃな</a:t>
-            </a:r>
-            <a:endParaRPr lang="en-JP" dirty="0"/>
-          </a:p>
-        </p:txBody>
-      </p:sp>
-      <p:sp>
-        <p:nvSpPr>
-          <p:cNvPr id="4" name="Slide Number Placeholder 3"/>
+            <a:r>
+              <a:rPr kumimoji="1" lang="ja-JP" altLang="en-US" dirty="0"/>
+              <a:t>参考にした論文です。</a:t>
+            </a:r>
+            <a:endParaRPr kumimoji="1" lang="en-US" altLang="ja-JP" dirty="0"/>
+          </a:p>
+          <a:p>
+            <a:endParaRPr kumimoji="1" lang="en-US" altLang="ja-JP" dirty="0"/>
+          </a:p>
+          <a:p>
+            <a:r>
+              <a:rPr kumimoji="1" lang="ja-JP" altLang="en-US"/>
+              <a:t>以上で発表を終わります。</a:t>
+            </a:r>
+            <a:endParaRPr kumimoji="1" lang="ja-JP" altLang="en-US" dirty="0"/>
+          </a:p>
+        </p:txBody>
+      </p:sp>
+      <p:sp>
+        <p:nvSpPr>
+          <p:cNvPr id="4" name="スライド番号プレースホルダー 3"/>
           <p:cNvSpPr>
             <a:spLocks noGrp="1"/>
           </p:cNvSpPr>
@@ -1194,7 +1352,7 @@
           <a:bodyPr/>
           <a:lstStyle/>
           <a:p>
-            <a:fld id="{4170CF48-14AD-4B24-8659-A353857BCB31}" type="slidenum">
+            <a:fld id="{9C089636-1275-4B33-B565-A6C15888DBD7}" type="slidenum">
               <a:rPr kumimoji="1" lang="ja-JP" altLang="en-US" smtClean="0"/>
               <a:t>13</a:t>
             </a:fld>
@@ -1205,7 +1363,7 @@
     </p:spTree>
     <p:extLst>
       <p:ext uri="{BB962C8B-B14F-4D97-AF65-F5344CB8AC3E}">
-        <p14:creationId xmlns:p14="http://schemas.microsoft.com/office/powerpoint/2010/main" val="1136788670"/>
+        <p14:creationId xmlns:p14="http://schemas.microsoft.com/office/powerpoint/2010/main" val="1260155029"/>
       </p:ext>
     </p:extLst>
   </p:cSld>
@@ -1234,104 +1392,6 @@
       </p:grpSpPr>
       <p:sp>
         <p:nvSpPr>
-          <p:cNvPr id="2" name="スライド イメージ プレースホルダー 1"/>
-          <p:cNvSpPr>
-            <a:spLocks noGrp="1" noRot="1" noChangeAspect="1"/>
-          </p:cNvSpPr>
-          <p:nvPr>
-            <p:ph type="sldImg"/>
-          </p:nvPr>
-        </p:nvSpPr>
-        <p:spPr/>
-      </p:sp>
-      <p:sp>
-        <p:nvSpPr>
-          <p:cNvPr id="3" name="ノート プレースホルダー 2"/>
-          <p:cNvSpPr>
-            <a:spLocks noGrp="1"/>
-          </p:cNvSpPr>
-          <p:nvPr>
-            <p:ph type="body" idx="1"/>
-          </p:nvPr>
-        </p:nvSpPr>
-        <p:spPr/>
-        <p:txBody>
-          <a:bodyPr/>
-          <a:lstStyle/>
-          <a:p>
-            <a:r>
-              <a:rPr kumimoji="1" lang="ja-JP" altLang="en-US" dirty="0"/>
-              <a:t>参考にした論文です。</a:t>
-            </a:r>
-            <a:endParaRPr kumimoji="1" lang="en-US" altLang="ja-JP" dirty="0"/>
-          </a:p>
-          <a:p>
-            <a:endParaRPr kumimoji="1" lang="en-US" altLang="ja-JP" dirty="0"/>
-          </a:p>
-          <a:p>
-            <a:r>
-              <a:rPr kumimoji="1" lang="ja-JP" altLang="en-US"/>
-              <a:t>以上で発表を終わります。</a:t>
-            </a:r>
-            <a:endParaRPr kumimoji="1" lang="ja-JP" altLang="en-US" dirty="0"/>
-          </a:p>
-        </p:txBody>
-      </p:sp>
-      <p:sp>
-        <p:nvSpPr>
-          <p:cNvPr id="4" name="スライド番号プレースホルダー 3"/>
-          <p:cNvSpPr>
-            <a:spLocks noGrp="1"/>
-          </p:cNvSpPr>
-          <p:nvPr>
-            <p:ph type="sldNum" sz="quarter" idx="5"/>
-          </p:nvPr>
-        </p:nvSpPr>
-        <p:spPr/>
-        <p:txBody>
-          <a:bodyPr/>
-          <a:lstStyle/>
-          <a:p>
-            <a:fld id="{9C089636-1275-4B33-B565-A6C15888DBD7}" type="slidenum">
-              <a:rPr kumimoji="1" lang="ja-JP" altLang="en-US" smtClean="0"/>
-              <a:t>14</a:t>
-            </a:fld>
-            <a:endParaRPr kumimoji="1" lang="ja-JP" altLang="en-US"/>
-          </a:p>
-        </p:txBody>
-      </p:sp>
-    </p:spTree>
-    <p:extLst>
-      <p:ext uri="{BB962C8B-B14F-4D97-AF65-F5344CB8AC3E}">
-        <p14:creationId xmlns:p14="http://schemas.microsoft.com/office/powerpoint/2010/main" val="1260155029"/>
-      </p:ext>
-    </p:extLst>
-  </p:cSld>
-  <p:clrMapOvr>
-    <a:masterClrMapping/>
-  </p:clrMapOvr>
-</p:notes>
-</file>
-
-<file path=ppt/notesSlides/notesSlide15.xml><?xml version="1.0" encoding="utf-8"?>
-<p:notes xmlns:a="http://schemas.openxmlformats.org/drawingml/2006/main" xmlns:r="http://schemas.openxmlformats.org/officeDocument/2006/relationships" xmlns:p="http://schemas.openxmlformats.org/presentationml/2006/main">
-  <p:cSld>
-    <p:spTree>
-      <p:nvGrpSpPr>
-        <p:cNvPr id="1" name=""/>
-        <p:cNvGrpSpPr/>
-        <p:nvPr/>
-      </p:nvGrpSpPr>
-      <p:grpSpPr>
-        <a:xfrm>
-          <a:off x="0" y="0"/>
-          <a:ext cx="0" cy="0"/>
-          <a:chOff x="0" y="0"/>
-          <a:chExt cx="0" cy="0"/>
-        </a:xfrm>
-      </p:grpSpPr>
-      <p:sp>
-        <p:nvSpPr>
           <p:cNvPr id="2" name="Slide Image Placeholder 1"/>
           <p:cNvSpPr>
             <a:spLocks noGrp="1" noRot="1" noChangeAspect="1"/>
@@ -1515,7 +1575,7 @@
           <a:p>
             <a:fld id="{4170CF48-14AD-4B24-8659-A353857BCB31}" type="slidenum">
               <a:rPr kumimoji="1" lang="ja-JP" altLang="en-US" smtClean="0"/>
-              <a:t>15</a:t>
+              <a:t>14</a:t>
             </a:fld>
             <a:endParaRPr kumimoji="1" lang="ja-JP" altLang="en-US"/>
           </a:p>
@@ -1525,6 +1585,135 @@
     <p:extLst>
       <p:ext uri="{BB962C8B-B14F-4D97-AF65-F5344CB8AC3E}">
         <p14:creationId xmlns:p14="http://schemas.microsoft.com/office/powerpoint/2010/main" val="3708307019"/>
+      </p:ext>
+    </p:extLst>
+  </p:cSld>
+  <p:clrMapOvr>
+    <a:masterClrMapping/>
+  </p:clrMapOvr>
+</p:notes>
+</file>
+
+<file path=ppt/notesSlides/notesSlide15.xml><?xml version="1.0" encoding="utf-8"?>
+<p:notes xmlns:a="http://schemas.openxmlformats.org/drawingml/2006/main" xmlns:r="http://schemas.openxmlformats.org/officeDocument/2006/relationships" xmlns:p="http://schemas.openxmlformats.org/presentationml/2006/main">
+  <p:cSld>
+    <p:spTree>
+      <p:nvGrpSpPr>
+        <p:cNvPr id="1" name="">
+          <a:extLst>
+            <a:ext uri="{FF2B5EF4-FFF2-40B4-BE49-F238E27FC236}">
+              <a16:creationId xmlns:a16="http://schemas.microsoft.com/office/drawing/2014/main" id="{3CE8D743-458E-8F3B-BBE0-7766CA31A204}"/>
+            </a:ext>
+          </a:extLst>
+        </p:cNvPr>
+        <p:cNvGrpSpPr/>
+        <p:nvPr/>
+      </p:nvGrpSpPr>
+      <p:grpSpPr>
+        <a:xfrm>
+          <a:off x="0" y="0"/>
+          <a:ext cx="0" cy="0"/>
+          <a:chOff x="0" y="0"/>
+          <a:chExt cx="0" cy="0"/>
+        </a:xfrm>
+      </p:grpSpPr>
+      <p:sp>
+        <p:nvSpPr>
+          <p:cNvPr id="2" name="スライド イメージ プレースホルダー 1">
+            <a:extLst>
+              <a:ext uri="{FF2B5EF4-FFF2-40B4-BE49-F238E27FC236}">
+                <a16:creationId xmlns:a16="http://schemas.microsoft.com/office/drawing/2014/main" id="{4FC31CBE-BC3A-3ABE-6C62-7FD91989FB36}"/>
+              </a:ext>
+            </a:extLst>
+          </p:cNvPr>
+          <p:cNvSpPr>
+            <a:spLocks noGrp="1" noRot="1" noChangeAspect="1"/>
+          </p:cNvSpPr>
+          <p:nvPr>
+            <p:ph type="sldImg"/>
+          </p:nvPr>
+        </p:nvSpPr>
+        <p:spPr/>
+      </p:sp>
+      <p:sp>
+        <p:nvSpPr>
+          <p:cNvPr id="3" name="ノート プレースホルダー 2">
+            <a:extLst>
+              <a:ext uri="{FF2B5EF4-FFF2-40B4-BE49-F238E27FC236}">
+                <a16:creationId xmlns:a16="http://schemas.microsoft.com/office/drawing/2014/main" id="{CC024DF2-AA73-D5D6-1AD0-72FF6926F47B}"/>
+              </a:ext>
+            </a:extLst>
+          </p:cNvPr>
+          <p:cNvSpPr>
+            <a:spLocks noGrp="1"/>
+          </p:cNvSpPr>
+          <p:nvPr>
+            <p:ph type="body" idx="1"/>
+          </p:nvPr>
+        </p:nvSpPr>
+        <p:spPr/>
+        <p:txBody>
+          <a:bodyPr/>
+          <a:lstStyle/>
+          <a:p>
+            <a:pPr marL="0" marR="0" lvl="0" indent="0" algn="l" defTabSz="914400" rtl="0" eaLnBrk="1" fontAlgn="auto" latinLnBrk="0" hangingPunct="1">
+              <a:lnSpc>
+                <a:spcPct val="100000"/>
+              </a:lnSpc>
+              <a:spcBef>
+                <a:spcPts val="0"/>
+              </a:spcBef>
+              <a:spcAft>
+                <a:spcPts val="0"/>
+              </a:spcAft>
+              <a:buClrTx/>
+              <a:buSzTx/>
+              <a:buFontTx/>
+              <a:buNone/>
+              <a:tabLst/>
+              <a:defRPr/>
+            </a:pPr>
+            <a:r>
+              <a:rPr kumimoji="1" lang="ja-JP" altLang="en-US" dirty="0"/>
+              <a:t>飛ばしていいかも　ゼミやん</a:t>
+            </a:r>
+            <a:endParaRPr kumimoji="1" lang="en-US" altLang="ja-JP" dirty="0"/>
+          </a:p>
+        </p:txBody>
+      </p:sp>
+      <p:sp>
+        <p:nvSpPr>
+          <p:cNvPr id="4" name="スライド番号プレースホルダー 3">
+            <a:extLst>
+              <a:ext uri="{FF2B5EF4-FFF2-40B4-BE49-F238E27FC236}">
+                <a16:creationId xmlns:a16="http://schemas.microsoft.com/office/drawing/2014/main" id="{05BC705D-2BEA-0666-4094-F83F4898ADB3}"/>
+              </a:ext>
+            </a:extLst>
+          </p:cNvPr>
+          <p:cNvSpPr>
+            <a:spLocks noGrp="1"/>
+          </p:cNvSpPr>
+          <p:nvPr>
+            <p:ph type="sldNum" sz="quarter" idx="5"/>
+          </p:nvPr>
+        </p:nvSpPr>
+        <p:spPr/>
+        <p:txBody>
+          <a:bodyPr/>
+          <a:lstStyle/>
+          <a:p>
+            <a:fld id="{9C089636-1275-4B33-B565-A6C15888DBD7}" type="slidenum">
+              <a:rPr kumimoji="1" lang="ja-JP" altLang="en-US" smtClean="0"/>
+              <a:t>15</a:t>
+            </a:fld>
+            <a:endParaRPr kumimoji="1" lang="ja-JP" altLang="en-US"/>
+          </a:p>
+        </p:txBody>
+      </p:sp>
+    </p:spTree>
+    <p:extLst>
+      <p:ext uri="{BB962C8B-B14F-4D97-AF65-F5344CB8AC3E}">
+        <p14:creationId xmlns:p14="http://schemas.microsoft.com/office/powerpoint/2010/main" val="91560154"/>
       </p:ext>
     </p:extLst>
   </p:cSld>
@@ -2158,13 +2347,7 @@
   <p:cSld>
     <p:spTree>
       <p:nvGrpSpPr>
-        <p:cNvPr id="1" name="">
-          <a:extLst>
-            <a:ext uri="{FF2B5EF4-FFF2-40B4-BE49-F238E27FC236}">
-              <a16:creationId xmlns:a16="http://schemas.microsoft.com/office/drawing/2014/main" id="{3CE8D743-458E-8F3B-BBE0-7766CA31A204}"/>
-            </a:ext>
-          </a:extLst>
-        </p:cNvPr>
+        <p:cNvPr id="1" name=""/>
         <p:cNvGrpSpPr/>
         <p:nvPr/>
       </p:nvGrpSpPr>
@@ -2178,13 +2361,7 @@
       </p:grpSpPr>
       <p:sp>
         <p:nvSpPr>
-          <p:cNvPr id="2" name="スライド イメージ プレースホルダー 1">
-            <a:extLst>
-              <a:ext uri="{FF2B5EF4-FFF2-40B4-BE49-F238E27FC236}">
-                <a16:creationId xmlns:a16="http://schemas.microsoft.com/office/drawing/2014/main" id="{4FC31CBE-BC3A-3ABE-6C62-7FD91989FB36}"/>
-              </a:ext>
-            </a:extLst>
-          </p:cNvPr>
+          <p:cNvPr id="2" name="スライド イメージ プレースホルダー 1"/>
           <p:cNvSpPr>
             <a:spLocks noGrp="1" noRot="1" noChangeAspect="1"/>
           </p:cNvSpPr>
@@ -2196,13 +2373,7 @@
       </p:sp>
       <p:sp>
         <p:nvSpPr>
-          <p:cNvPr id="3" name="ノート プレースホルダー 2">
-            <a:extLst>
-              <a:ext uri="{FF2B5EF4-FFF2-40B4-BE49-F238E27FC236}">
-                <a16:creationId xmlns:a16="http://schemas.microsoft.com/office/drawing/2014/main" id="{CC024DF2-AA73-D5D6-1AD0-72FF6926F47B}"/>
-              </a:ext>
-            </a:extLst>
-          </p:cNvPr>
+          <p:cNvPr id="3" name="ノート プレースホルダー 2"/>
           <p:cNvSpPr>
             <a:spLocks noGrp="1"/>
           </p:cNvSpPr>
@@ -2233,22 +2404,250 @@
               <a:defRPr/>
             </a:pPr>
             <a:r>
+              <a:rPr kumimoji="1" lang="ja-JP" altLang="en-US" u="none" dirty="0"/>
+              <a:t>・手法は大きく分けると特徴量ベースのものと、再構築ベースのものに大別できます。　　　　　　　　　　</a:t>
+            </a:r>
+            <a:endParaRPr kumimoji="1" lang="en-US" altLang="ja-JP" dirty="0"/>
+          </a:p>
+          <a:p>
+            <a:r>
+              <a:rPr kumimoji="1" lang="en-US" altLang="ja-JP" u="none" dirty="0"/>
+              <a:t> </a:t>
+            </a:r>
+          </a:p>
+          <a:p>
+            <a:r>
+              <a:rPr kumimoji="1" lang="ja-JP" altLang="en-US" u="none" dirty="0"/>
+              <a:t>＠ここでクリック。</a:t>
+            </a:r>
+            <a:endParaRPr kumimoji="1" lang="en-US" altLang="ja-JP" u="none" dirty="0"/>
+          </a:p>
+          <a:p>
+            <a:endParaRPr kumimoji="1" lang="en-US" altLang="ja-JP" u="none" dirty="0"/>
+          </a:p>
+          <a:p>
+            <a:pPr marL="0" marR="0" lvl="0" indent="0" algn="l" defTabSz="914400" rtl="0" eaLnBrk="1" fontAlgn="auto" latinLnBrk="0" hangingPunct="1">
+              <a:lnSpc>
+                <a:spcPct val="100000"/>
+              </a:lnSpc>
+              <a:spcBef>
+                <a:spcPts val="0"/>
+              </a:spcBef>
+              <a:spcAft>
+                <a:spcPts val="0"/>
+              </a:spcAft>
+              <a:buClrTx/>
+              <a:buSzTx/>
+              <a:buFontTx/>
+              <a:buNone/>
+              <a:tabLst/>
+              <a:defRPr/>
+            </a:pPr>
+            <a:r>
+              <a:rPr kumimoji="1" lang="ja-JP" altLang="en-US" u="none" dirty="0"/>
+              <a:t>・今回はその中でも、これら２つを対象としています。</a:t>
+            </a:r>
+            <a:endParaRPr kumimoji="1" lang="en-US" altLang="ja-JP" u="none" dirty="0"/>
+          </a:p>
+          <a:p>
+            <a:endParaRPr kumimoji="1" lang="en-US" altLang="ja-JP" dirty="0"/>
+          </a:p>
+          <a:p>
+            <a:endParaRPr kumimoji="1" lang="en-US" altLang="ja-JP" dirty="0"/>
+          </a:p>
+          <a:p>
+            <a:r>
               <a:rPr kumimoji="1" lang="ja-JP" altLang="en-US" dirty="0"/>
-              <a:t>飛ばしていいかも　ゼミやん</a:t>
+              <a:t>・メモリバンクベースは、　</a:t>
+            </a:r>
+            <a:r>
+              <a:rPr lang="ja-JP" altLang="en-US" dirty="0"/>
+              <a:t> 事前学習された</a:t>
+            </a:r>
+            <a:r>
+              <a:rPr lang="en-US" altLang="ja-JP" dirty="0"/>
+              <a:t>CNN</a:t>
+            </a:r>
+            <a:r>
+              <a:rPr lang="ja-JP" altLang="en-US" dirty="0"/>
+              <a:t>でいろんな正常画像の特徴マップを得て、　　（データベース保存します。</a:t>
+            </a:r>
+            <a:endParaRPr lang="en-US" altLang="ja-JP" dirty="0"/>
+          </a:p>
+          <a:p>
+            <a:r>
+              <a:rPr lang="ja-JP" altLang="en-US" dirty="0"/>
+              <a:t>これらとテスト画像の特徴マップが近いなら正常、遠いなら異常と見なす手法です。　　　　　　　　　</a:t>
             </a:r>
             <a:endParaRPr kumimoji="1" lang="en-US" altLang="ja-JP" dirty="0"/>
           </a:p>
-        </p:txBody>
-      </p:sp>
-      <p:sp>
-        <p:nvSpPr>
-          <p:cNvPr id="4" name="スライド番号プレースホルダー 3">
-            <a:extLst>
-              <a:ext uri="{FF2B5EF4-FFF2-40B4-BE49-F238E27FC236}">
-                <a16:creationId xmlns:a16="http://schemas.microsoft.com/office/drawing/2014/main" id="{05BC705D-2BEA-0666-4094-F83F4898ADB3}"/>
-              </a:ext>
-            </a:extLst>
-          </p:cNvPr>
+          <a:p>
+            <a:endParaRPr kumimoji="1" lang="en-US" altLang="ja-JP" dirty="0"/>
+          </a:p>
+          <a:p>
+            <a:endParaRPr kumimoji="1" lang="en-US" altLang="ja-JP" dirty="0"/>
+          </a:p>
+          <a:p>
+            <a:r>
+              <a:rPr kumimoji="1" lang="ja-JP" altLang="en-US" dirty="0"/>
+              <a:t>・再構成ベースは、生成モデルの再現性に注目して異常スコアを求める手法です。　　　　（正常画像のみで訓練</a:t>
+            </a:r>
+            <a:endParaRPr kumimoji="1" lang="en-US" altLang="ja-JP" dirty="0"/>
+          </a:p>
+          <a:p>
+            <a:endParaRPr kumimoji="1" lang="en-US" altLang="ja-JP" dirty="0"/>
+          </a:p>
+          <a:p>
+            <a:endParaRPr kumimoji="1" lang="en-US" altLang="ja-JP" dirty="0"/>
+          </a:p>
+          <a:p>
+            <a:r>
+              <a:rPr kumimoji="1" lang="ja-JP" altLang="en-US" dirty="0"/>
+              <a:t>・また、すべての手法において、異常か否か判定は、なにかしらの方法で計算された異常スコア と 設定した閾値 を基に行います。</a:t>
+            </a:r>
+            <a:r>
+              <a:rPr kumimoji="1" lang="en-US" altLang="ja-JP" dirty="0"/>
+              <a:t>end</a:t>
+            </a:r>
+          </a:p>
+          <a:p>
+            <a:endParaRPr kumimoji="1" lang="en-US" altLang="ja-JP" dirty="0"/>
+          </a:p>
+          <a:p>
+            <a:endParaRPr kumimoji="1" lang="en-US" altLang="ja-JP" dirty="0"/>
+          </a:p>
+          <a:p>
+            <a:endParaRPr kumimoji="1" lang="en-US" altLang="ja-JP" dirty="0"/>
+          </a:p>
+          <a:p>
+            <a:endParaRPr kumimoji="1" lang="en-US" altLang="ja-JP" dirty="0"/>
+          </a:p>
+          <a:p>
+            <a:endParaRPr kumimoji="1" lang="en-US" altLang="ja-JP" dirty="0"/>
+          </a:p>
+          <a:p>
+            <a:endParaRPr kumimoji="1" lang="en-US" altLang="ja-JP" dirty="0"/>
+          </a:p>
+          <a:p>
+            <a:pPr marL="0" marR="0" lvl="0" indent="0" algn="l" defTabSz="914400" rtl="0" eaLnBrk="1" fontAlgn="auto" latinLnBrk="0" hangingPunct="1">
+              <a:lnSpc>
+                <a:spcPct val="100000"/>
+              </a:lnSpc>
+              <a:spcBef>
+                <a:spcPts val="0"/>
+              </a:spcBef>
+              <a:spcAft>
+                <a:spcPts val="0"/>
+              </a:spcAft>
+              <a:buClrTx/>
+              <a:buSzTx/>
+              <a:buFontTx/>
+              <a:buNone/>
+              <a:tabLst/>
+              <a:defRPr/>
+            </a:pPr>
+            <a:r>
+              <a:rPr kumimoji="1" lang="ja-JP" altLang="en-US" dirty="0"/>
+              <a:t>簡単な説明（自分の理解）    </a:t>
+            </a:r>
+            <a:r>
+              <a:rPr lang="ja-JP" altLang="en-US" dirty="0"/>
+              <a:t>高次元ベクトル群</a:t>
+            </a:r>
+            <a:r>
+              <a:rPr lang="en-US" altLang="ja-JP" dirty="0"/>
+              <a:t>(</a:t>
+            </a:r>
+            <a:r>
+              <a:rPr lang="ja-JP" altLang="en-US" dirty="0"/>
+              <a:t>特徴量</a:t>
+            </a:r>
+            <a:r>
+              <a:rPr lang="en-US" altLang="ja-JP" dirty="0"/>
+              <a:t>)</a:t>
+            </a:r>
+            <a:r>
+              <a:rPr lang="ja-JP" altLang="en-US" dirty="0"/>
+              <a:t>て書くべきかも実際ピクセル単位の奴もあるし</a:t>
+            </a:r>
+            <a:endParaRPr kumimoji="1" lang="en-US" altLang="ja-JP" dirty="0"/>
+          </a:p>
+          <a:p>
+            <a:endParaRPr kumimoji="1" lang="en-US" altLang="ja-JP" dirty="0"/>
+          </a:p>
+          <a:p>
+            <a:endParaRPr kumimoji="1" lang="en-US" altLang="ja-JP" dirty="0"/>
+          </a:p>
+          <a:p>
+            <a:r>
+              <a:rPr kumimoji="1" lang="ja-JP" altLang="en-US" dirty="0"/>
+              <a:t>⇓完全体やけど長すぎるかも軽い説明で行くわ</a:t>
+            </a:r>
+            <a:endParaRPr kumimoji="1" lang="en-US" altLang="ja-JP" dirty="0"/>
+          </a:p>
+          <a:p>
+            <a:r>
+              <a:rPr kumimoji="1" lang="ja-JP" altLang="en-US" dirty="0"/>
+              <a:t>・メモリバンクベースは、　</a:t>
+            </a:r>
+            <a:r>
+              <a:rPr lang="ja-JP" altLang="en-US" dirty="0"/>
+              <a:t>例えばー 事前学習された</a:t>
+            </a:r>
+            <a:r>
+              <a:rPr lang="en-US" altLang="ja-JP" dirty="0"/>
+              <a:t>CNN</a:t>
+            </a:r>
+            <a:r>
+              <a:rPr lang="ja-JP" altLang="en-US" dirty="0"/>
+              <a:t>の特徴抽出器</a:t>
+            </a:r>
+            <a:r>
+              <a:rPr lang="en-US" altLang="ja-JP" dirty="0"/>
+              <a:t>(</a:t>
+            </a:r>
+            <a:r>
+              <a:rPr lang="ja-JP" altLang="en-US" dirty="0"/>
+              <a:t>畳み込み層とか</a:t>
+            </a:r>
+            <a:r>
+              <a:rPr lang="en-US" altLang="ja-JP" dirty="0"/>
+              <a:t>)</a:t>
+            </a:r>
+            <a:r>
+              <a:rPr lang="ja-JP" altLang="en-US" dirty="0"/>
+              <a:t>で正常画像の特徴マップを得て、データベース保存する。</a:t>
+            </a:r>
+            <a:endParaRPr lang="en-US" altLang="ja-JP" dirty="0"/>
+          </a:p>
+          <a:p>
+            <a:r>
+              <a:rPr lang="ja-JP" altLang="en-US" dirty="0"/>
+              <a:t>これを複数の正常画像で繰り返して得られるデータベース</a:t>
+            </a:r>
+            <a:r>
+              <a:rPr lang="en-US" altLang="ja-JP" dirty="0"/>
+              <a:t>(</a:t>
+            </a:r>
+            <a:r>
+              <a:rPr lang="ja-JP" altLang="en-US" dirty="0"/>
+              <a:t>メモリバンク</a:t>
+            </a:r>
+            <a:r>
+              <a:rPr lang="en-US" altLang="ja-JP" dirty="0"/>
+              <a:t>)</a:t>
+            </a:r>
+            <a:r>
+              <a:rPr lang="ja-JP" altLang="en-US" dirty="0"/>
+              <a:t>の要素とテスト画像から得られる特徴マップによって異常スコアを計算する手法。　</a:t>
+            </a:r>
+            <a:endParaRPr kumimoji="1" lang="en-US" altLang="ja-JP" dirty="0"/>
+          </a:p>
+        </p:txBody>
+      </p:sp>
+      <p:sp>
+        <p:nvSpPr>
+          <p:cNvPr id="4" name="スライド番号プレースホルダー 3"/>
           <p:cNvSpPr>
             <a:spLocks noGrp="1"/>
           </p:cNvSpPr>
@@ -2272,7 +2671,7 @@
     </p:spTree>
     <p:extLst>
       <p:ext uri="{BB962C8B-B14F-4D97-AF65-F5344CB8AC3E}">
-        <p14:creationId xmlns:p14="http://schemas.microsoft.com/office/powerpoint/2010/main" val="91560154"/>
+        <p14:creationId xmlns:p14="http://schemas.microsoft.com/office/powerpoint/2010/main" val="673946660"/>
       </p:ext>
     </p:extLst>
   </p:cSld>
@@ -2413,124 +2812,9 @@
           <a:bodyPr/>
           <a:lstStyle/>
           <a:p>
-            <a:pPr marL="0" marR="0" lvl="0" indent="0" algn="l" defTabSz="914400" rtl="0" eaLnBrk="1" fontAlgn="auto" latinLnBrk="0" hangingPunct="1">
-              <a:lnSpc>
-                <a:spcPct val="100000"/>
-              </a:lnSpc>
-              <a:spcBef>
-                <a:spcPts val="0"/>
-              </a:spcBef>
-              <a:spcAft>
-                <a:spcPts val="0"/>
-              </a:spcAft>
-              <a:buClrTx/>
-              <a:buSzTx/>
-              <a:buFontTx/>
-              <a:buNone/>
-              <a:tabLst/>
-              <a:defRPr/>
-            </a:pPr>
-            <a:r>
-              <a:rPr kumimoji="1" lang="ja-JP" altLang="en-US" u="none" dirty="0"/>
-              <a:t>・手法は大きく分けると特徴量ベースのものと、再構築ベースのものに大別できます。　　　　　　　　　　</a:t>
-            </a:r>
-            <a:endParaRPr kumimoji="1" lang="en-US" altLang="ja-JP" dirty="0"/>
-          </a:p>
-          <a:p>
-            <a:r>
-              <a:rPr kumimoji="1" lang="en-US" altLang="ja-JP" u="none" dirty="0"/>
-              <a:t> </a:t>
-            </a:r>
-          </a:p>
-          <a:p>
-            <a:r>
-              <a:rPr kumimoji="1" lang="ja-JP" altLang="en-US" u="none" dirty="0"/>
-              <a:t>＠ここでクリック。</a:t>
-            </a:r>
-            <a:endParaRPr kumimoji="1" lang="en-US" altLang="ja-JP" u="none" dirty="0"/>
-          </a:p>
-          <a:p>
-            <a:endParaRPr kumimoji="1" lang="en-US" altLang="ja-JP" u="none" dirty="0"/>
-          </a:p>
-          <a:p>
-            <a:pPr marL="0" marR="0" lvl="0" indent="0" algn="l" defTabSz="914400" rtl="0" eaLnBrk="1" fontAlgn="auto" latinLnBrk="0" hangingPunct="1">
-              <a:lnSpc>
-                <a:spcPct val="100000"/>
-              </a:lnSpc>
-              <a:spcBef>
-                <a:spcPts val="0"/>
-              </a:spcBef>
-              <a:spcAft>
-                <a:spcPts val="0"/>
-              </a:spcAft>
-              <a:buClrTx/>
-              <a:buSzTx/>
-              <a:buFontTx/>
-              <a:buNone/>
-              <a:tabLst/>
-              <a:defRPr/>
-            </a:pPr>
-            <a:r>
-              <a:rPr kumimoji="1" lang="ja-JP" altLang="en-US" u="none" dirty="0"/>
-              <a:t>・今回はその中でも、これら２つを対象とします。</a:t>
-            </a:r>
-            <a:endParaRPr kumimoji="1" lang="en-US" altLang="ja-JP" u="none" dirty="0"/>
-          </a:p>
-          <a:p>
-            <a:endParaRPr kumimoji="1" lang="en-US" altLang="ja-JP" dirty="0"/>
-          </a:p>
-          <a:p>
-            <a:endParaRPr kumimoji="1" lang="en-US" altLang="ja-JP" dirty="0"/>
-          </a:p>
-          <a:p>
             <a:r>
               <a:rPr kumimoji="1" lang="ja-JP" altLang="en-US" dirty="0"/>
-              <a:t>・メモリバンクベースは、　</a:t>
-            </a:r>
-            <a:r>
-              <a:rPr lang="ja-JP" altLang="en-US" dirty="0"/>
-              <a:t> 事前学習された</a:t>
-            </a:r>
-            <a:r>
-              <a:rPr lang="en-US" altLang="ja-JP" dirty="0"/>
-              <a:t>CNN</a:t>
-            </a:r>
-            <a:r>
-              <a:rPr lang="ja-JP" altLang="en-US" dirty="0"/>
-              <a:t>でいろんな正常画像の特徴マップを得て、　　（データベース保存します。</a:t>
-            </a:r>
-            <a:endParaRPr lang="en-US" altLang="ja-JP" dirty="0"/>
-          </a:p>
-          <a:p>
-            <a:r>
-              <a:rPr lang="ja-JP" altLang="en-US" dirty="0"/>
-              <a:t>これらとテスト画像の特徴マップが近いなら正常、遠いなら異常と見なす手法です。　　　　　　　　　</a:t>
-            </a:r>
-            <a:endParaRPr kumimoji="1" lang="en-US" altLang="ja-JP" dirty="0"/>
-          </a:p>
-          <a:p>
-            <a:endParaRPr kumimoji="1" lang="en-US" altLang="ja-JP" dirty="0"/>
-          </a:p>
-          <a:p>
-            <a:endParaRPr kumimoji="1" lang="en-US" altLang="ja-JP" dirty="0"/>
-          </a:p>
-          <a:p>
-            <a:r>
-              <a:rPr kumimoji="1" lang="ja-JP" altLang="en-US" dirty="0"/>
-              <a:t>・再構成ベースは、生成モデルの再現性に注目して異常スコアを求める手法です。　　　　（正常画像のみで訓練</a:t>
-            </a:r>
-            <a:endParaRPr kumimoji="1" lang="en-US" altLang="ja-JP" dirty="0"/>
-          </a:p>
-          <a:p>
-            <a:endParaRPr kumimoji="1" lang="en-US" altLang="ja-JP" dirty="0"/>
-          </a:p>
-          <a:p>
-            <a:endParaRPr kumimoji="1" lang="en-US" altLang="ja-JP" dirty="0"/>
-          </a:p>
-          <a:p>
-            <a:r>
-              <a:rPr kumimoji="1" lang="ja-JP" altLang="en-US" dirty="0"/>
-              <a:t>・また、すべての手法において、異常か否か判定は、なにかしらの方法で計算された異常スコア と 設定した閾値 を基に行います。</a:t>
+              <a:t>メモリバンクベースの手法は上記４つを紹介・説明します。</a:t>
             </a:r>
             <a:r>
               <a:rPr kumimoji="1" lang="en-US" altLang="ja-JP" dirty="0"/>
@@ -2544,130 +2828,6 @@
             <a:endParaRPr kumimoji="1" lang="en-US" altLang="ja-JP" dirty="0"/>
           </a:p>
           <a:p>
-            <a:endParaRPr kumimoji="1" lang="en-US" altLang="ja-JP" dirty="0"/>
-          </a:p>
-          <a:p>
-            <a:endParaRPr kumimoji="1" lang="en-US" altLang="ja-JP" dirty="0"/>
-          </a:p>
-          <a:p>
-            <a:endParaRPr kumimoji="1" lang="en-US" altLang="ja-JP" dirty="0"/>
-          </a:p>
-          <a:p>
-            <a:endParaRPr kumimoji="1" lang="en-US" altLang="ja-JP" dirty="0"/>
-          </a:p>
-          <a:p>
-            <a:pPr marL="0" marR="0" lvl="0" indent="0" algn="l" defTabSz="914400" rtl="0" eaLnBrk="1" fontAlgn="auto" latinLnBrk="0" hangingPunct="1">
-              <a:lnSpc>
-                <a:spcPct val="100000"/>
-              </a:lnSpc>
-              <a:spcBef>
-                <a:spcPts val="0"/>
-              </a:spcBef>
-              <a:spcAft>
-                <a:spcPts val="0"/>
-              </a:spcAft>
-              <a:buClrTx/>
-              <a:buSzTx/>
-              <a:buFontTx/>
-              <a:buNone/>
-              <a:tabLst/>
-              <a:defRPr/>
-            </a:pPr>
-            <a:r>
-              <a:rPr kumimoji="1" lang="ja-JP" altLang="en-US" dirty="0"/>
-              <a:t>簡単な説明（自分の理解）    </a:t>
-            </a:r>
-            <a:r>
-              <a:rPr lang="ja-JP" altLang="en-US" dirty="0"/>
-              <a:t>高次元ベクトル群</a:t>
-            </a:r>
-            <a:r>
-              <a:rPr lang="en-US" altLang="ja-JP" dirty="0"/>
-              <a:t>(</a:t>
-            </a:r>
-            <a:r>
-              <a:rPr lang="ja-JP" altLang="en-US" dirty="0"/>
-              <a:t>特徴量</a:t>
-            </a:r>
-            <a:r>
-              <a:rPr lang="en-US" altLang="ja-JP" dirty="0"/>
-              <a:t>)</a:t>
-            </a:r>
-            <a:r>
-              <a:rPr lang="ja-JP" altLang="en-US" dirty="0"/>
-              <a:t>て書くべきかも実際ピクセル単位の奴もあるし</a:t>
-            </a:r>
-            <a:endParaRPr kumimoji="1" lang="en-US" altLang="ja-JP" dirty="0"/>
-          </a:p>
-          <a:p>
-            <a:endParaRPr kumimoji="1" lang="en-US" altLang="ja-JP" dirty="0"/>
-          </a:p>
-          <a:p>
-            <a:endParaRPr kumimoji="1" lang="en-US" altLang="ja-JP" dirty="0"/>
-          </a:p>
-          <a:p>
-            <a:r>
-              <a:rPr kumimoji="1" lang="ja-JP" altLang="en-US" dirty="0"/>
-              <a:t>⇓完全体やけど長すぎるかも軽い説明で行くわ</a:t>
-            </a:r>
-            <a:endParaRPr kumimoji="1" lang="en-US" altLang="ja-JP" dirty="0"/>
-          </a:p>
-          <a:p>
-            <a:r>
-              <a:rPr kumimoji="1" lang="ja-JP" altLang="en-US" dirty="0"/>
-              <a:t>・メモリバンクベースは、　</a:t>
-            </a:r>
-            <a:r>
-              <a:rPr lang="ja-JP" altLang="en-US" dirty="0"/>
-              <a:t>例えばー 事前学習された</a:t>
-            </a:r>
-            <a:r>
-              <a:rPr lang="en-US" altLang="ja-JP" dirty="0"/>
-              <a:t>CNN</a:t>
-            </a:r>
-            <a:r>
-              <a:rPr lang="ja-JP" altLang="en-US" dirty="0"/>
-              <a:t>の特徴抽出器</a:t>
-            </a:r>
-            <a:r>
-              <a:rPr lang="en-US" altLang="ja-JP" dirty="0"/>
-              <a:t>(</a:t>
-            </a:r>
-            <a:r>
-              <a:rPr lang="ja-JP" altLang="en-US" dirty="0"/>
-              <a:t>畳み込み層とか</a:t>
-            </a:r>
-            <a:r>
-              <a:rPr lang="en-US" altLang="ja-JP" dirty="0"/>
-              <a:t>)</a:t>
-            </a:r>
-            <a:r>
-              <a:rPr lang="ja-JP" altLang="en-US" dirty="0"/>
-              <a:t>で正常画像の特徴マップを得て、データベース保存する。</a:t>
-            </a:r>
-            <a:endParaRPr lang="en-US" altLang="ja-JP" dirty="0"/>
-          </a:p>
-          <a:p>
-            <a:r>
-              <a:rPr lang="ja-JP" altLang="en-US" dirty="0"/>
-              <a:t>これを複数の正常画像で繰り返して得られるデータベース</a:t>
-            </a:r>
-            <a:r>
-              <a:rPr lang="en-US" altLang="ja-JP" dirty="0"/>
-              <a:t>(</a:t>
-            </a:r>
-            <a:r>
-              <a:rPr lang="ja-JP" altLang="en-US" dirty="0"/>
-              <a:t>メモリバンク</a:t>
-            </a:r>
-            <a:r>
-              <a:rPr lang="en-US" altLang="ja-JP" dirty="0"/>
-              <a:t>)</a:t>
-            </a:r>
-            <a:r>
-              <a:rPr lang="ja-JP" altLang="en-US" dirty="0"/>
-              <a:t>の要素とテスト画像から得られる特徴マップによって異常スコアを計算する手法。　</a:t>
-            </a:r>
             <a:endParaRPr kumimoji="1" lang="en-US" altLang="ja-JP" dirty="0"/>
           </a:p>
         </p:txBody>
@@ -2698,7 +2858,7 @@
     </p:spTree>
     <p:extLst>
       <p:ext uri="{BB962C8B-B14F-4D97-AF65-F5344CB8AC3E}">
-        <p14:creationId xmlns:p14="http://schemas.microsoft.com/office/powerpoint/2010/main" val="673946660"/>
+        <p14:creationId xmlns:p14="http://schemas.microsoft.com/office/powerpoint/2010/main" val="3915497748"/>
       </p:ext>
     </p:extLst>
   </p:cSld>
@@ -2727,7 +2887,7 @@
       </p:grpSpPr>
       <p:sp>
         <p:nvSpPr>
-          <p:cNvPr id="2" name="スライド イメージ プレースホルダー 1"/>
+          <p:cNvPr id="2" name="Slide Image Placeholder 1"/>
           <p:cNvSpPr>
             <a:spLocks noGrp="1" noRot="1" noChangeAspect="1"/>
           </p:cNvSpPr>
@@ -2739,7 +2899,7 @@
       </p:sp>
       <p:sp>
         <p:nvSpPr>
-          <p:cNvPr id="3" name="ノート プレースホルダー 2"/>
+          <p:cNvPr id="3" name="Notes Placeholder 2"/>
           <p:cNvSpPr>
             <a:spLocks noGrp="1"/>
           </p:cNvSpPr>
@@ -2752,29 +2912,215 @@
           <a:bodyPr/>
           <a:lstStyle/>
           <a:p>
-            <a:r>
-              <a:rPr kumimoji="1" lang="ja-JP" altLang="en-US" dirty="0"/>
-              <a:t>メモリバンクベースの手法は上記４つを紹介・説明します。</a:t>
-            </a:r>
+            <a:pPr marL="0" marR="0" lvl="0" indent="0" algn="l" defTabSz="914400" rtl="0" eaLnBrk="1" fontAlgn="auto" latinLnBrk="0" hangingPunct="1">
+              <a:lnSpc>
+                <a:spcPct val="100000"/>
+              </a:lnSpc>
+              <a:spcBef>
+                <a:spcPts val="0"/>
+              </a:spcBef>
+              <a:spcAft>
+                <a:spcPts val="0"/>
+              </a:spcAft>
+              <a:buClrTx/>
+              <a:buSzTx/>
+              <a:buFontTx/>
+              <a:buNone/>
+              <a:tabLst/>
+              <a:defRPr/>
+            </a:pPr>
+            <a:r>
+              <a:rPr lang="en-US" altLang="ja-JP" sz="1200" dirty="0" err="1"/>
+              <a:t>imageNet</a:t>
+            </a:r>
+            <a:r>
+              <a:rPr lang="ja-JP" altLang="en-US" sz="1200" dirty="0"/>
+              <a:t>で事前学習された深層ニューラルネットワーク</a:t>
+            </a:r>
+            <a:r>
+              <a:rPr lang="en-US" altLang="ja-JP" sz="1200" dirty="0"/>
+              <a:t>(</a:t>
+            </a:r>
+            <a:r>
+              <a:rPr lang="en-US" altLang="ja-JP" sz="1200" dirty="0" err="1"/>
+              <a:t>ResNet</a:t>
+            </a:r>
+            <a:r>
+              <a:rPr lang="ja-JP" altLang="en-US" sz="1200" dirty="0"/>
+              <a:t>など</a:t>
+            </a:r>
+            <a:r>
+              <a:rPr lang="en-US" altLang="ja-JP" sz="1200" dirty="0"/>
+              <a:t>)</a:t>
+            </a:r>
+            <a:r>
+              <a:rPr lang="ja-JP" altLang="en-US" sz="1200" dirty="0"/>
+              <a:t>を</a:t>
+            </a:r>
+            <a:br>
+              <a:rPr lang="en-US" altLang="ja-JP" sz="1200" dirty="0"/>
+            </a:br>
+            <a:r>
+              <a:rPr lang="ja-JP" altLang="en-US" sz="1200" dirty="0"/>
+              <a:t>汎用的な画像の特徴抽出器として利用し、</a:t>
+            </a:r>
+            <a:r>
+              <a:rPr lang="en-US" altLang="ja-JP" sz="1200" u="sng" dirty="0"/>
+              <a:t>KNN( K</a:t>
+            </a:r>
+            <a:r>
+              <a:rPr lang="ja-JP" altLang="en-US" sz="1200" u="sng" dirty="0"/>
+              <a:t>個の似ている画像の特徴ベクトルと距離を計算して異常か判定する奴 </a:t>
+            </a:r>
+            <a:r>
+              <a:rPr lang="en-US" altLang="ja-JP" sz="1200" u="sng" dirty="0"/>
+              <a:t>)</a:t>
+            </a:r>
+            <a:r>
+              <a:rPr lang="ja-JP" altLang="en-US" sz="1200" dirty="0"/>
+              <a:t>を適用する手法。</a:t>
+            </a:r>
+            <a:endParaRPr lang="en-US" dirty="0"/>
+          </a:p>
+          <a:p>
+            <a:endParaRPr lang="en-US" altLang="ja-JP" dirty="0"/>
+          </a:p>
+          <a:p>
             <a:r>
               <a:rPr kumimoji="1" lang="en-US" altLang="ja-JP" dirty="0"/>
               <a:t>end</a:t>
             </a:r>
-          </a:p>
-          <a:p>
-            <a:endParaRPr kumimoji="1" lang="en-US" altLang="ja-JP" dirty="0"/>
-          </a:p>
-          <a:p>
-            <a:endParaRPr kumimoji="1" lang="en-US" altLang="ja-JP" dirty="0"/>
-          </a:p>
-          <a:p>
-            <a:endParaRPr kumimoji="1" lang="en-US" altLang="ja-JP" dirty="0"/>
-          </a:p>
-        </p:txBody>
-      </p:sp>
-      <p:sp>
-        <p:nvSpPr>
-          <p:cNvPr id="4" name="スライド番号プレースホルダー 3"/>
+            <a:endParaRPr lang="en-US" altLang="ja-JP" dirty="0"/>
+          </a:p>
+          <a:p>
+            <a:endParaRPr lang="en-US" dirty="0"/>
+          </a:p>
+          <a:p>
+            <a:endParaRPr lang="en-US" dirty="0"/>
+          </a:p>
+          <a:p>
+            <a:endParaRPr lang="en-US" dirty="0"/>
+          </a:p>
+          <a:p>
+            <a:r>
+              <a:rPr lang="en-US" dirty="0" err="1"/>
+              <a:t>Knn</a:t>
+            </a:r>
+            <a:r>
+              <a:rPr lang="ja-JP" altLang="en-US" dirty="0"/>
+              <a:t>：正常な画像が入力されたのならばベクトル間の合計距離は小さくなるはずだという仮定の下で、異常な画像が入力された場合は合計距離が大きくなるので、しきい値を超えた場合に異常と判断されます。</a:t>
+            </a:r>
+            <a:endParaRPr lang="en-US" altLang="ja-JP" dirty="0"/>
+          </a:p>
+          <a:p>
+            <a:endParaRPr lang="en-US" dirty="0"/>
+          </a:p>
+          <a:p>
+            <a:endParaRPr lang="en-US" dirty="0"/>
+          </a:p>
+          <a:p>
+            <a:endParaRPr lang="en-US" dirty="0"/>
+          </a:p>
+          <a:p>
+            <a:endParaRPr lang="en-US" dirty="0"/>
+          </a:p>
+          <a:p>
+            <a:endParaRPr lang="en-US" dirty="0"/>
+          </a:p>
+          <a:p>
+            <a:endParaRPr lang="en-US" dirty="0"/>
+          </a:p>
+          <a:p>
+            <a:endParaRPr lang="en-US" dirty="0"/>
+          </a:p>
+          <a:p>
+            <a:r>
+              <a:rPr lang="ja-JP" altLang="en-US" dirty="0"/>
+              <a:t>異常スコアは、Ｋ個の特徴ベクトルとの距離の合計です。 </a:t>
+            </a:r>
+            <a:endParaRPr lang="en-US" dirty="0"/>
+          </a:p>
+          <a:p>
+            <a:endParaRPr lang="en-US" dirty="0"/>
+          </a:p>
+          <a:p>
+            <a:r>
+              <a:rPr lang="ja-JP" altLang="en-US" dirty="0"/>
+              <a:t>正規の説明</a:t>
+            </a:r>
+            <a:endParaRPr lang="en-US" dirty="0"/>
+          </a:p>
+          <a:p>
+            <a:pPr marL="0" marR="0" lvl="0" indent="0" algn="l" defTabSz="914400" rtl="0" eaLnBrk="1" fontAlgn="auto" latinLnBrk="0" hangingPunct="1">
+              <a:lnSpc>
+                <a:spcPct val="100000"/>
+              </a:lnSpc>
+              <a:spcBef>
+                <a:spcPts val="0"/>
+              </a:spcBef>
+              <a:spcAft>
+                <a:spcPts val="0"/>
+              </a:spcAft>
+              <a:buClrTx/>
+              <a:buSzTx/>
+              <a:buFontTx/>
+              <a:buNone/>
+              <a:tabLst/>
+              <a:defRPr/>
+            </a:pPr>
+            <a:r>
+              <a:rPr lang="en-US" altLang="ja-JP" sz="1200" dirty="0" err="1"/>
+              <a:t>imageNet</a:t>
+            </a:r>
+            <a:r>
+              <a:rPr lang="ja-JP" altLang="en-US" sz="1200" dirty="0"/>
+              <a:t>で事前学習された深層ニューラルネットワーク</a:t>
+            </a:r>
+            <a:r>
+              <a:rPr lang="en-US" altLang="ja-JP" sz="1200" dirty="0"/>
+              <a:t>(</a:t>
+            </a:r>
+            <a:r>
+              <a:rPr lang="en-US" altLang="ja-JP" sz="1200" dirty="0" err="1"/>
+              <a:t>ResNet</a:t>
+            </a:r>
+            <a:r>
+              <a:rPr lang="ja-JP" altLang="en-US" sz="1200" dirty="0"/>
+              <a:t>など</a:t>
+            </a:r>
+            <a:r>
+              <a:rPr lang="en-US" altLang="ja-JP" sz="1200" dirty="0"/>
+              <a:t>)</a:t>
+            </a:r>
+            <a:r>
+              <a:rPr lang="ja-JP" altLang="en-US" sz="1200" dirty="0"/>
+              <a:t>を</a:t>
+            </a:r>
+            <a:br>
+              <a:rPr lang="en-US" altLang="ja-JP" sz="1200" dirty="0"/>
+            </a:br>
+            <a:r>
+              <a:rPr lang="ja-JP" altLang="en-US" sz="1200" dirty="0"/>
+              <a:t>　汎用的な画像の特徴抽出器として利用し、</a:t>
+            </a:r>
+            <a:r>
+              <a:rPr lang="en-US" altLang="ja-JP" sz="1200" u="sng" dirty="0"/>
+              <a:t>KNN(k-Nearest Neighbors)</a:t>
+            </a:r>
+            <a:r>
+              <a:rPr lang="ja-JP" altLang="en-US" sz="1200" dirty="0"/>
+              <a:t>を適用する手法。</a:t>
+            </a:r>
+            <a:endParaRPr lang="en-US" altLang="ja-JP" sz="1200" dirty="0"/>
+          </a:p>
+          <a:p>
+            <a:endParaRPr lang="en-US" dirty="0"/>
+          </a:p>
+        </p:txBody>
+      </p:sp>
+      <p:sp>
+        <p:nvSpPr>
+          <p:cNvPr id="4" name="Slide Number Placeholder 3"/>
           <p:cNvSpPr>
             <a:spLocks noGrp="1"/>
           </p:cNvSpPr>
@@ -2787,7 +3133,7 @@
           <a:bodyPr/>
           <a:lstStyle/>
           <a:p>
-            <a:fld id="{9C089636-1275-4B33-B565-A6C15888DBD7}" type="slidenum">
+            <a:fld id="{4170CF48-14AD-4B24-8659-A353857BCB31}" type="slidenum">
               <a:rPr kumimoji="1" lang="ja-JP" altLang="en-US" smtClean="0"/>
               <a:t>4</a:t>
             </a:fld>
@@ -2798,7 +3144,7 @@
     </p:spTree>
     <p:extLst>
       <p:ext uri="{BB962C8B-B14F-4D97-AF65-F5344CB8AC3E}">
-        <p14:creationId xmlns:p14="http://schemas.microsoft.com/office/powerpoint/2010/main" val="3915497748"/>
+        <p14:creationId xmlns:p14="http://schemas.microsoft.com/office/powerpoint/2010/main" val="266714576"/>
       </p:ext>
     </p:extLst>
   </p:cSld>
@@ -2852,6 +3198,42 @@
           <a:bodyPr/>
           <a:lstStyle/>
           <a:p>
+            <a:r>
+              <a:rPr lang="ja-JP" altLang="en-US" sz="1200" dirty="0"/>
+              <a:t>これは、先ほどの </a:t>
+            </a:r>
+            <a:r>
+              <a:rPr lang="en-US" altLang="ja-JP" sz="1200" dirty="0"/>
+              <a:t>DNN </a:t>
+            </a:r>
+            <a:r>
+              <a:rPr lang="ja-JP" altLang="en-US" sz="1200" dirty="0"/>
+              <a:t>の特徴抽出器に複数の層から得られる特徴マップを利用した手法です。</a:t>
+            </a:r>
+            <a:endParaRPr lang="en-US" altLang="ja-JP" dirty="0"/>
+          </a:p>
+          <a:p>
+            <a:endParaRPr lang="en-US" altLang="ja-JP" dirty="0"/>
+          </a:p>
+          <a:p>
+            <a:r>
+              <a:rPr lang="ja-JP" altLang="en-US" dirty="0"/>
+              <a:t>複数層を採用した意図は、 異なる視点から捉えた特徴ら</a:t>
+            </a:r>
+            <a:r>
+              <a:rPr lang="en-US" altLang="ja-JP" dirty="0"/>
+              <a:t> </a:t>
+            </a:r>
+            <a:r>
+              <a:rPr lang="ja-JP" altLang="en-US" dirty="0"/>
+              <a:t>を一つにまとめたら異常箇所が細分化できるからです。</a:t>
+            </a:r>
+            <a:endParaRPr lang="en-US" altLang="ja-JP" dirty="0"/>
+          </a:p>
+          <a:p>
+            <a:endParaRPr lang="en-US" altLang="ja-JP" dirty="0"/>
+          </a:p>
+          <a:p>
             <a:pPr marL="0" marR="0" lvl="0" indent="0" algn="l" defTabSz="914400" rtl="0" eaLnBrk="1" fontAlgn="auto" latinLnBrk="0" hangingPunct="1">
               <a:lnSpc>
                 <a:spcPct val="100000"/>
@@ -2870,111 +3252,39 @@
               <a:defRPr/>
             </a:pPr>
             <a:r>
-              <a:rPr lang="en-US" altLang="ja-JP" sz="1200" dirty="0" err="1"/>
-              <a:t>imageNet</a:t>
-            </a:r>
-            <a:r>
               <a:rPr lang="ja-JP" altLang="en-US" sz="1200" dirty="0"/>
-              <a:t>で事前学習された深層ニューラルネットワーク</a:t>
+              <a:t>どこが異常たらしめているか判断できる</a:t>
             </a:r>
             <a:r>
               <a:rPr lang="en-US" altLang="ja-JP" sz="1200" dirty="0"/>
-              <a:t>(</a:t>
-            </a:r>
-            <a:r>
-              <a:rPr lang="en-US" altLang="ja-JP" sz="1200" dirty="0" err="1"/>
-              <a:t>ResNet</a:t>
-            </a:r>
-            <a:r>
-              <a:rPr lang="ja-JP" altLang="en-US" sz="1200" dirty="0"/>
-              <a:t>など</a:t>
-            </a:r>
-            <a:r>
-              <a:rPr lang="en-US" altLang="ja-JP" sz="1200" dirty="0"/>
-              <a:t>)</a:t>
-            </a:r>
-            <a:r>
-              <a:rPr lang="ja-JP" altLang="en-US" sz="1200" dirty="0"/>
-              <a:t>を</a:t>
-            </a:r>
-            <a:br>
-              <a:rPr lang="en-US" altLang="ja-JP" sz="1200" dirty="0"/>
-            </a:br>
-            <a:r>
-              <a:rPr lang="ja-JP" altLang="en-US" sz="1200" dirty="0"/>
-              <a:t>汎用的な画像の特徴抽出器として利用し、</a:t>
-            </a:r>
-            <a:r>
-              <a:rPr lang="en-US" altLang="ja-JP" sz="1200" u="sng" dirty="0"/>
-              <a:t>KNN</a:t>
-            </a:r>
-            <a:r>
-              <a:rPr lang="ja-JP" altLang="en-US" sz="1200" dirty="0"/>
-              <a:t>を適用する手法。</a:t>
-            </a:r>
-            <a:endParaRPr lang="en-US" dirty="0"/>
-          </a:p>
-          <a:p>
-            <a:endParaRPr lang="en-US" dirty="0"/>
-          </a:p>
-          <a:p>
-            <a:r>
-              <a:rPr lang="en-US" dirty="0" err="1"/>
-              <a:t>Knn</a:t>
+              <a:t>--</a:t>
             </a:r>
             <a:r>
               <a:rPr lang="ja-JP" altLang="en-US" dirty="0"/>
-              <a:t>：正常な画像が入力されたのならばベクトル間の合計距離は小さくなるはずだという仮定の下で、異常な画像が入力された場合は合計距離が大きくなるので、しきい値を超えた場合に異常と判断されます。</a:t>
-            </a:r>
+              <a:t>局所検知ができます。</a:t>
+            </a:r>
+            <a:r>
+              <a:rPr lang="en-US" altLang="ja-JP" dirty="0"/>
+              <a:t>end</a:t>
+            </a:r>
+          </a:p>
+          <a:p>
             <a:endParaRPr lang="en-US" altLang="ja-JP" dirty="0"/>
           </a:p>
           <a:p>
             <a:endParaRPr lang="en-US" altLang="ja-JP" dirty="0"/>
           </a:p>
           <a:p>
-            <a:r>
-              <a:rPr kumimoji="1" lang="en-US" altLang="ja-JP" dirty="0"/>
-              <a:t>end</a:t>
-            </a:r>
             <a:endParaRPr lang="en-US" altLang="ja-JP" dirty="0"/>
           </a:p>
           <a:p>
-            <a:endParaRPr lang="en-US" dirty="0"/>
-          </a:p>
-          <a:p>
-            <a:endParaRPr lang="en-US" dirty="0"/>
-          </a:p>
-          <a:p>
-            <a:endParaRPr lang="en-US" dirty="0"/>
-          </a:p>
-          <a:p>
-            <a:endParaRPr lang="en-US" dirty="0"/>
-          </a:p>
-          <a:p>
-            <a:endParaRPr lang="en-US" dirty="0"/>
-          </a:p>
-          <a:p>
-            <a:endParaRPr lang="en-US" dirty="0"/>
-          </a:p>
-          <a:p>
-            <a:endParaRPr lang="en-US" dirty="0"/>
-          </a:p>
-          <a:p>
-            <a:r>
-              <a:rPr lang="ja-JP" altLang="en-US" dirty="0"/>
-              <a:t>異常スコアは、Ｋ個の特徴ベクトルとの距離の合計です。 </a:t>
-            </a:r>
-            <a:endParaRPr lang="en-US" dirty="0"/>
-          </a:p>
-          <a:p>
-            <a:endParaRPr lang="en-US" dirty="0"/>
-          </a:p>
-          <a:p>
-            <a:r>
-              <a:rPr lang="ja-JP" altLang="en-US" dirty="0"/>
-              <a:t>正規の説明</a:t>
-            </a:r>
-            <a:endParaRPr lang="en-US" dirty="0"/>
+            <a:endParaRPr lang="en-US" altLang="ja-JP" dirty="0"/>
+          </a:p>
+          <a:p>
+            <a:endParaRPr lang="en-US" altLang="ja-JP" dirty="0"/>
+          </a:p>
+          <a:p>
+            <a:endParaRPr lang="en-US" altLang="ja-JP" dirty="0"/>
           </a:p>
           <a:p>
             <a:pPr marL="0" marR="0" lvl="0" indent="0" algn="l" defTabSz="914400" rtl="0" eaLnBrk="1" fontAlgn="auto" latinLnBrk="0" hangingPunct="1">
@@ -2995,52 +3305,303 @@
               <a:defRPr/>
             </a:pPr>
             <a:r>
-              <a:rPr lang="en-US" altLang="ja-JP" sz="1200" dirty="0" err="1"/>
-              <a:t>imageNet</a:t>
-            </a:r>
-            <a:r>
               <a:rPr lang="ja-JP" altLang="en-US" sz="1200" dirty="0"/>
-              <a:t>で事前学習された深層ニューラルネットワーク</a:t>
-            </a:r>
-            <a:r>
-              <a:rPr lang="en-US" altLang="ja-JP" sz="1200" dirty="0"/>
+              <a:t>・異常スコア＝Ｋ個の特徴ベクトルとの距離の合計。←ちょっと工夫があったかも、、、　</a:t>
+            </a:r>
+            <a:r>
+              <a:rPr lang="ja-JP" altLang="en-US" dirty="0"/>
+              <a:t>　</a:t>
+            </a:r>
+            <a:r>
+              <a:rPr lang="en-US" altLang="ja-JP" dirty="0"/>
+              <a:t>end</a:t>
+            </a:r>
+          </a:p>
+          <a:p>
+            <a:pPr marL="0" marR="0" lvl="0" indent="0" algn="l" defTabSz="914400" rtl="0" eaLnBrk="1" fontAlgn="auto" latinLnBrk="0" hangingPunct="1">
+              <a:lnSpc>
+                <a:spcPct val="100000"/>
+              </a:lnSpc>
+              <a:spcBef>
+                <a:spcPts val="0"/>
+              </a:spcBef>
+              <a:spcAft>
+                <a:spcPts val="0"/>
+              </a:spcAft>
+              <a:buClrTx/>
+              <a:buSzTx/>
+              <a:buFontTx/>
+              <a:buNone/>
+              <a:tabLst/>
+              <a:defRPr/>
+            </a:pPr>
+            <a:endParaRPr lang="en-US" altLang="ja-JP" dirty="0"/>
+          </a:p>
+          <a:p>
+            <a:pPr marL="0" marR="0" lvl="0" indent="0" algn="l" defTabSz="914400" rtl="0" eaLnBrk="1" fontAlgn="auto" latinLnBrk="0" hangingPunct="1">
+              <a:lnSpc>
+                <a:spcPct val="100000"/>
+              </a:lnSpc>
+              <a:spcBef>
+                <a:spcPts val="0"/>
+              </a:spcBef>
+              <a:spcAft>
+                <a:spcPts val="0"/>
+              </a:spcAft>
+              <a:buClrTx/>
+              <a:buSzTx/>
+              <a:buFontTx/>
+              <a:buNone/>
+              <a:tabLst/>
+              <a:defRPr/>
+            </a:pPr>
+            <a:r>
+              <a:rPr lang="ja-JP" altLang="en-US" dirty="0"/>
+              <a:t>ガチの説明</a:t>
+            </a:r>
+            <a:endParaRPr lang="en-US" altLang="ja-JP" dirty="0"/>
+          </a:p>
+          <a:p>
+            <a:pPr marL="0" marR="0" lvl="0" indent="0" algn="l" defTabSz="914400" rtl="0" eaLnBrk="1" fontAlgn="auto" latinLnBrk="0" hangingPunct="1">
+              <a:lnSpc>
+                <a:spcPct val="100000"/>
+              </a:lnSpc>
+              <a:spcBef>
+                <a:spcPts val="0"/>
+              </a:spcBef>
+              <a:spcAft>
+                <a:spcPts val="0"/>
+              </a:spcAft>
+              <a:buClrTx/>
+              <a:buSzTx/>
+              <a:buFontTx/>
+              <a:buNone/>
+              <a:tabLst/>
+              <a:defRPr/>
+            </a:pPr>
+            <a:r>
+              <a:rPr lang="ja-JP" altLang="en-US" dirty="0"/>
+              <a:t>画像をモデルに通して得られる、浅い層と深い層の特徴マップをチャネル方向に結合してから、テスト画像のベクトルと比較する。</a:t>
+            </a:r>
+            <a:endParaRPr lang="en-US" altLang="ja-JP" dirty="0"/>
+          </a:p>
+          <a:p>
+            <a:pPr marL="0" marR="0" lvl="0" indent="0" algn="l" defTabSz="914400" rtl="0" eaLnBrk="1" fontAlgn="auto" latinLnBrk="0" hangingPunct="1">
+              <a:lnSpc>
+                <a:spcPct val="100000"/>
+              </a:lnSpc>
+              <a:spcBef>
+                <a:spcPts val="0"/>
+              </a:spcBef>
+              <a:spcAft>
+                <a:spcPts val="0"/>
+              </a:spcAft>
+              <a:buClrTx/>
+              <a:buSzTx/>
+              <a:buFontTx/>
+              <a:buNone/>
+              <a:tabLst/>
+              <a:defRPr/>
+            </a:pPr>
+            <a:endParaRPr lang="en-US" altLang="ja-JP" dirty="0"/>
+          </a:p>
+          <a:p>
+            <a:r>
+              <a:rPr lang="ja-JP" altLang="en-US" dirty="0"/>
+              <a:t>セマンティック・ピラミッド異常検出（</a:t>
+            </a:r>
+            <a:r>
+              <a:rPr lang="en-US" altLang="ja-JP" dirty="0"/>
+              <a:t>SPADE</a:t>
+            </a:r>
+            <a:r>
+              <a:rPr lang="ja-JP" altLang="en-US" dirty="0"/>
+              <a:t>）提案された手法は</a:t>
+            </a:r>
+          </a:p>
+          <a:p>
+            <a:r>
+              <a:rPr lang="ja-JP" altLang="en-US" dirty="0"/>
+              <a:t>１．</a:t>
+            </a:r>
+            <a:r>
+              <a:rPr lang="en-US" altLang="ja-JP" dirty="0" err="1"/>
+              <a:t>knn</a:t>
+            </a:r>
+            <a:r>
+              <a:rPr lang="ja-JP" altLang="en-US" dirty="0"/>
+              <a:t>で画像単位で似ている正常画像を</a:t>
+            </a:r>
+            <a:r>
+              <a:rPr lang="en-US" altLang="ja-JP" dirty="0"/>
+              <a:t>k</a:t>
+            </a:r>
+            <a:r>
+              <a:rPr lang="ja-JP" altLang="en-US" dirty="0"/>
+              <a:t>個探索。</a:t>
+            </a:r>
+          </a:p>
+          <a:p>
+            <a:r>
+              <a:rPr lang="ja-JP" altLang="en-US" dirty="0"/>
+              <a:t>２．式</a:t>
+            </a:r>
+            <a:r>
+              <a:rPr lang="en-US" altLang="ja-JP" dirty="0"/>
+              <a:t>(2)</a:t>
+            </a:r>
+            <a:r>
+              <a:rPr lang="ja-JP" altLang="en-US" dirty="0"/>
+              <a:t>で得られた特徴ベクトル</a:t>
+            </a:r>
+            <a:r>
+              <a:rPr lang="en-US" altLang="ja-JP" dirty="0"/>
               <a:t>(</a:t>
             </a:r>
             <a:r>
-              <a:rPr lang="en-US" altLang="ja-JP" sz="1200" dirty="0" err="1"/>
-              <a:t>ResNet</a:t>
-            </a:r>
-            <a:r>
-              <a:rPr lang="ja-JP" altLang="en-US" sz="1200" dirty="0"/>
-              <a:t>など</a:t>
-            </a:r>
-            <a:r>
-              <a:rPr lang="en-US" altLang="ja-JP" sz="1200" dirty="0"/>
+              <a:rPr lang="ja-JP" altLang="en-US" dirty="0"/>
+              <a:t>チャンネルごとに</a:t>
+            </a:r>
+            <a:r>
+              <a:rPr lang="en-US" altLang="ja-JP" dirty="0"/>
+              <a:t>GAP</a:t>
+            </a:r>
+            <a:r>
+              <a:rPr lang="ja-JP" altLang="en-US" dirty="0"/>
+              <a:t>済み</a:t>
+            </a:r>
+            <a:r>
+              <a:rPr lang="en-US" altLang="ja-JP" dirty="0"/>
               <a:t>)</a:t>
             </a:r>
             <a:r>
-              <a:rPr lang="ja-JP" altLang="en-US" sz="1200" dirty="0"/>
-              <a:t>を</a:t>
-            </a:r>
-            <a:br>
-              <a:rPr lang="en-US" altLang="ja-JP" sz="1200" dirty="0"/>
-            </a:br>
-            <a:r>
-              <a:rPr lang="ja-JP" altLang="en-US" sz="1200" dirty="0"/>
-              <a:t>　汎用的な画像の特徴抽出器として利用し、</a:t>
-            </a:r>
-            <a:r>
-              <a:rPr lang="en-US" altLang="ja-JP" sz="1200" u="sng" dirty="0"/>
-              <a:t>KNN(k-Nearest Neighbors)</a:t>
-            </a:r>
-            <a:r>
-              <a:rPr lang="ja-JP" altLang="en-US" sz="1200" dirty="0"/>
-              <a:t>を適用する手法。</a:t>
-            </a:r>
-            <a:endParaRPr lang="en-US" altLang="ja-JP" sz="1200" dirty="0"/>
-          </a:p>
-          <a:p>
-            <a:endParaRPr lang="en-US" dirty="0"/>
+              <a:rPr lang="ja-JP" altLang="en-US" dirty="0"/>
+              <a:t>からどれだけ離れているか計算。</a:t>
+            </a:r>
+          </a:p>
+          <a:p>
+            <a:r>
+              <a:rPr lang="ja-JP" altLang="en-US" dirty="0"/>
+              <a:t>３．２でしきい値を上回っていたら異常と判断し４へ。</a:t>
+            </a:r>
+          </a:p>
+          <a:p>
+            <a:r>
+              <a:rPr lang="ja-JP" altLang="en-US" dirty="0"/>
+              <a:t>４．さきほど選ばれたｋ個の正常画像について、各々全てのピクセルに対して特徴ベクトルを得る。得られた特徴ベクトルらを一つの集合Ｓとする。</a:t>
+            </a:r>
+          </a:p>
+          <a:p>
+            <a:r>
+              <a:rPr lang="ja-JP" altLang="en-US" dirty="0"/>
+              <a:t>５．異常と判断された画像の各ピクセルに対して、特徴ベクトルを得る</a:t>
+            </a:r>
+            <a:r>
+              <a:rPr lang="en-US" altLang="ja-JP" dirty="0"/>
+              <a:t>(</a:t>
+            </a:r>
+            <a:r>
+              <a:rPr lang="ja-JP" altLang="en-US" dirty="0"/>
+              <a:t>ベクトルのサイズが小さいから隣接するピクセルと同じ場合がある</a:t>
+            </a:r>
+            <a:r>
+              <a:rPr lang="en-US" altLang="ja-JP" dirty="0"/>
+              <a:t>)</a:t>
+            </a:r>
+            <a:r>
+              <a:rPr lang="ja-JP" altLang="en-US" dirty="0"/>
+              <a:t>。</a:t>
+            </a:r>
+          </a:p>
+          <a:p>
+            <a:r>
+              <a:rPr lang="ja-JP" altLang="en-US" dirty="0"/>
+              <a:t>６．集合Ｓの最も近い値をとるベクトル</a:t>
+            </a:r>
+            <a:r>
+              <a:rPr lang="en-US" altLang="ja-JP" dirty="0"/>
+              <a:t>κ</a:t>
+            </a:r>
+            <a:r>
+              <a:rPr lang="ja-JP" altLang="en-US" dirty="0"/>
+              <a:t>個 と ５．で決めたピクセルに対する特徴ベクトルの距離をそれぞれ計算し合計して</a:t>
+            </a:r>
+            <a:r>
+              <a:rPr lang="en-US" altLang="ja-JP" dirty="0"/>
+              <a:t>κ</a:t>
+            </a:r>
+            <a:r>
+              <a:rPr lang="ja-JP" altLang="en-US" dirty="0"/>
+              <a:t>で割る。</a:t>
+            </a:r>
+          </a:p>
+          <a:p>
+            <a:r>
+              <a:rPr lang="ja-JP" altLang="en-US" dirty="0"/>
+              <a:t>７．しきい値を上回っていたら異常箇所発見。</a:t>
+            </a:r>
+          </a:p>
+          <a:p>
+            <a:r>
+              <a:rPr lang="ja-JP" altLang="en-US" dirty="0"/>
+              <a:t>８．すべてのピクセルを見るまで４～７を繰り返す。</a:t>
+            </a:r>
+            <a:endParaRPr lang="en-US" altLang="ja-JP" dirty="0"/>
+          </a:p>
+          <a:p>
+            <a:endParaRPr lang="en-US" altLang="ja-JP" dirty="0"/>
+          </a:p>
+          <a:p>
+            <a:endParaRPr lang="en-US" altLang="ja-JP" dirty="0"/>
+          </a:p>
+          <a:p>
+            <a:r>
+              <a:rPr lang="ja-JP" altLang="en-US" dirty="0"/>
+              <a:t>浅い層（高解像度）の特徴は、局所的な細かいディテールを捉えるのに優れてて、</a:t>
+            </a:r>
+          </a:p>
+          <a:p>
+            <a:r>
+              <a:rPr lang="ja-JP" altLang="en-US" dirty="0"/>
+              <a:t>深い層（低解像度）の特徴は、より広い範囲の文脈情報、つまり大域的な構造や意味を捉えるのに優れてる</a:t>
+            </a:r>
+          </a:p>
+          <a:p>
+            <a:endParaRPr lang="en-US" altLang="ja-JP" dirty="0"/>
+          </a:p>
+          <a:p>
+            <a:r>
+              <a:rPr lang="ja-JP" altLang="en-US" dirty="0"/>
+              <a:t>⇓</a:t>
+            </a:r>
+            <a:endParaRPr lang="en-US" altLang="ja-JP" dirty="0"/>
+          </a:p>
+          <a:p>
+            <a:r>
+              <a:rPr lang="ja-JP" altLang="en-US" dirty="0"/>
+              <a:t>浅い層はディティールを捉える目が、深い層は構造や意味を捉える目が肥えている</a:t>
+            </a:r>
+            <a:endParaRPr lang="en-US" altLang="ja-JP" dirty="0"/>
+          </a:p>
+          <a:p>
+            <a:pPr marL="0" marR="0" lvl="0" indent="0" algn="l" defTabSz="914400" rtl="0" eaLnBrk="1" fontAlgn="auto" latinLnBrk="0" hangingPunct="1">
+              <a:lnSpc>
+                <a:spcPct val="100000"/>
+              </a:lnSpc>
+              <a:spcBef>
+                <a:spcPts val="0"/>
+              </a:spcBef>
+              <a:spcAft>
+                <a:spcPts val="0"/>
+              </a:spcAft>
+              <a:buClrTx/>
+              <a:buSzTx/>
+              <a:buFontTx/>
+              <a:buNone/>
+              <a:tabLst/>
+              <a:defRPr/>
+            </a:pPr>
+            <a:endParaRPr lang="en-US" altLang="ja-JP" dirty="0"/>
           </a:p>
         </p:txBody>
       </p:sp>
@@ -3070,7 +3631,7 @@
     </p:spTree>
     <p:extLst>
       <p:ext uri="{BB962C8B-B14F-4D97-AF65-F5344CB8AC3E}">
-        <p14:creationId xmlns:p14="http://schemas.microsoft.com/office/powerpoint/2010/main" val="266714576"/>
+        <p14:creationId xmlns:p14="http://schemas.microsoft.com/office/powerpoint/2010/main" val="3002620156"/>
       </p:ext>
     </p:extLst>
   </p:cSld>
@@ -3130,11 +3691,11 @@
             </a:r>
             <a:r>
               <a:rPr lang="en-US" altLang="ja-JP" sz="1200" dirty="0"/>
-              <a:t>DNN</a:t>
+              <a:t>SPADE</a:t>
             </a:r>
             <a:r>
               <a:rPr lang="ja-JP" altLang="en-US" sz="1200" dirty="0"/>
-              <a:t>の特徴抽出器に複数の層から得られる特徴マップを利用した手法です。</a:t>
+              <a:t>に工夫を加えた手法です。</a:t>
             </a:r>
             <a:endParaRPr lang="en-US" altLang="ja-JP" dirty="0"/>
           </a:p>
@@ -3144,15 +3705,47 @@
           <a:p>
             <a:r>
               <a:rPr lang="ja-JP" altLang="en-US" dirty="0"/>
-              <a:t>複数層を採用した意図は、 異なる視点から捉えた特徴ら</a:t>
+              <a:t>全てのパッチの各要素</a:t>
             </a:r>
             <a:r>
               <a:rPr lang="en-US" altLang="ja-JP" dirty="0"/>
-              <a:t> </a:t>
+              <a:t>(</a:t>
             </a:r>
             <a:r>
               <a:rPr lang="ja-JP" altLang="en-US" dirty="0"/>
-              <a:t>を一つにまとめたら異常箇所が細分化できるからです。</a:t>
+              <a:t>特徴ベクトル</a:t>
+            </a:r>
+            <a:r>
+              <a:rPr lang="en-US" altLang="ja-JP" dirty="0"/>
+              <a:t>)</a:t>
+            </a:r>
+            <a:r>
+              <a:rPr lang="ja-JP" altLang="en-US" dirty="0"/>
+              <a:t>の分布をモデル化</a:t>
+            </a:r>
+            <a:r>
+              <a:rPr lang="en-US" altLang="ja-JP" dirty="0"/>
+              <a:t>(</a:t>
+            </a:r>
+            <a:r>
+              <a:rPr lang="ja-JP" altLang="en-US" dirty="0"/>
+              <a:t>平均ベクトルと共分散行列を得ることを</a:t>
+            </a:r>
+            <a:r>
+              <a:rPr lang="en-US" altLang="ja-JP" dirty="0"/>
+              <a:t>)</a:t>
+            </a:r>
+            <a:r>
+              <a:rPr lang="ja-JP" altLang="en-US" dirty="0"/>
+              <a:t>して正常とは</a:t>
+            </a:r>
+            <a:r>
+              <a:rPr lang="en-US" altLang="ja-JP" dirty="0"/>
+              <a:t>?</a:t>
+            </a:r>
+            <a:r>
+              <a:rPr lang="ja-JP" altLang="en-US" dirty="0"/>
+              <a:t>を学習させます。</a:t>
             </a:r>
             <a:endParaRPr lang="en-US" altLang="ja-JP" dirty="0"/>
           </a:p>
@@ -3160,374 +3753,96 @@
             <a:endParaRPr lang="en-US" altLang="ja-JP" dirty="0"/>
           </a:p>
           <a:p>
-            <a:pPr marL="0" marR="0" lvl="0" indent="0" algn="l" defTabSz="914400" rtl="0" eaLnBrk="1" fontAlgn="auto" latinLnBrk="0" hangingPunct="1">
-              <a:lnSpc>
-                <a:spcPct val="100000"/>
-              </a:lnSpc>
-              <a:spcBef>
-                <a:spcPts val="0"/>
-              </a:spcBef>
-              <a:spcAft>
-                <a:spcPts val="0"/>
-              </a:spcAft>
-              <a:buClrTx/>
-              <a:buSzTx/>
-              <a:buFontTx/>
-              <a:buNone/>
-              <a:tabLst/>
-              <a:defRPr/>
-            </a:pPr>
-            <a:r>
-              <a:rPr lang="ja-JP" altLang="en-US" sz="1200" dirty="0"/>
-              <a:t>どこが異常たらしめているか判断できる</a:t>
-            </a:r>
-            <a:r>
-              <a:rPr lang="en-US" altLang="ja-JP" sz="1200" dirty="0"/>
-              <a:t>--</a:t>
-            </a:r>
             <a:r>
               <a:rPr lang="ja-JP" altLang="en-US" dirty="0"/>
-              <a:t>局所検知ができます。</a:t>
+              <a:t>ここでパッチとは画像から得られる特徴マップ中の</a:t>
+            </a:r>
+            <a:r>
+              <a:rPr lang="en-US" altLang="ja-JP" dirty="0"/>
+              <a:t>1</a:t>
+            </a:r>
+            <a:r>
+              <a:rPr lang="ja-JP" altLang="en-US" dirty="0"/>
+              <a:t>マスのことです。</a:t>
+            </a:r>
+            <a:endParaRPr lang="en-US" altLang="ja-JP" dirty="0"/>
+          </a:p>
+          <a:p>
+            <a:endParaRPr lang="en-US" altLang="ja-JP" dirty="0"/>
+          </a:p>
+          <a:p>
+            <a:r>
+              <a:rPr lang="en-US" altLang="ja-JP" dirty="0"/>
+              <a:t>2</a:t>
+            </a:r>
+            <a:r>
+              <a:rPr lang="ja-JP" altLang="en-US" dirty="0"/>
+              <a:t>次元でイメージしてみると、</a:t>
+            </a:r>
+            <a:endParaRPr lang="en-US" dirty="0"/>
+          </a:p>
+          <a:p>
+            <a:r>
+              <a:rPr lang="ja-JP" altLang="en-US" dirty="0"/>
+              <a:t>分散が大きい次元（データの広がりが大きい方向）なら異常度を減衰させる、</a:t>
+            </a:r>
+            <a:endParaRPr lang="en-US" altLang="ja-JP" dirty="0"/>
+          </a:p>
+          <a:p>
+            <a:r>
+              <a:rPr lang="ja-JP" altLang="en-US" dirty="0"/>
+              <a:t>分散が小さい次元なら異常度を増幅させる。　ってイメージです。</a:t>
+            </a:r>
+            <a:endParaRPr lang="en-US" dirty="0"/>
+          </a:p>
+          <a:p>
+            <a:endParaRPr lang="en-US" dirty="0"/>
+          </a:p>
+          <a:p>
+            <a:r>
+              <a:rPr lang="ja-JP" altLang="en-US" dirty="0"/>
+              <a:t>本当は高次元なので共分散（複数次元間の相関関係を無視していたらペナルティを与える等もある） </a:t>
             </a:r>
             <a:r>
               <a:rPr lang="en-US" altLang="ja-JP" dirty="0"/>
               <a:t>end</a:t>
             </a:r>
-          </a:p>
-          <a:p>
+            <a:endParaRPr lang="en-US" dirty="0"/>
+          </a:p>
+          <a:p>
+            <a:endParaRPr lang="en-US" dirty="0"/>
+          </a:p>
+          <a:p>
+            <a:endParaRPr lang="en-US" dirty="0"/>
+          </a:p>
+          <a:p>
+            <a:endParaRPr lang="en-US" dirty="0"/>
+          </a:p>
+          <a:p>
+            <a:endParaRPr lang="en-US" dirty="0"/>
+          </a:p>
+          <a:p>
+            <a:endParaRPr lang="en-US" dirty="0"/>
+          </a:p>
+          <a:p>
+            <a:r>
+              <a:rPr lang="ja-JP" altLang="en-US" dirty="0"/>
+              <a:t>原点周りが正常らしいと仮定すると、</a:t>
+            </a:r>
+            <a:endParaRPr lang="en-US" dirty="0"/>
+          </a:p>
+          <a:p>
+            <a:r>
+              <a:rPr lang="ja-JP" altLang="en-US" dirty="0"/>
+              <a:t>データの分布に沿っているが原点から遠い点⇒異常度を減衰させる</a:t>
+            </a:r>
             <a:endParaRPr lang="en-US" altLang="ja-JP" dirty="0"/>
           </a:p>
           <a:p>
-            <a:endParaRPr lang="en-US" altLang="ja-JP" dirty="0"/>
-          </a:p>
-          <a:p>
-            <a:endParaRPr lang="en-US" altLang="ja-JP" dirty="0"/>
-          </a:p>
-          <a:p>
-            <a:endParaRPr lang="en-US" altLang="ja-JP" dirty="0"/>
-          </a:p>
-          <a:p>
-            <a:endParaRPr lang="en-US" altLang="ja-JP" dirty="0"/>
-          </a:p>
-          <a:p>
-            <a:endParaRPr lang="en-US" altLang="ja-JP" dirty="0"/>
-          </a:p>
-          <a:p>
-            <a:pPr marL="0" marR="0" lvl="0" indent="0" algn="l" defTabSz="914400" rtl="0" eaLnBrk="1" fontAlgn="auto" latinLnBrk="0" hangingPunct="1">
-              <a:lnSpc>
-                <a:spcPct val="100000"/>
-              </a:lnSpc>
-              <a:spcBef>
-                <a:spcPts val="0"/>
-              </a:spcBef>
-              <a:spcAft>
-                <a:spcPts val="0"/>
-              </a:spcAft>
-              <a:buClrTx/>
-              <a:buSzTx/>
-              <a:buFontTx/>
-              <a:buNone/>
-              <a:tabLst/>
-              <a:defRPr/>
-            </a:pPr>
-            <a:r>
-              <a:rPr lang="ja-JP" altLang="en-US" sz="1200" dirty="0"/>
-              <a:t>・異常スコア＝Ｋ個の特徴ベクトルとの距離の合計。←ちょっと工夫があったかも、、、　</a:t>
-            </a:r>
             <a:r>
               <a:rPr lang="ja-JP" altLang="en-US" dirty="0"/>
-              <a:t>　</a:t>
-            </a:r>
-            <a:r>
-              <a:rPr lang="en-US" altLang="ja-JP" dirty="0"/>
-              <a:t>end</a:t>
-            </a:r>
-          </a:p>
-          <a:p>
-            <a:pPr marL="0" marR="0" lvl="0" indent="0" algn="l" defTabSz="914400" rtl="0" eaLnBrk="1" fontAlgn="auto" latinLnBrk="0" hangingPunct="1">
-              <a:lnSpc>
-                <a:spcPct val="100000"/>
-              </a:lnSpc>
-              <a:spcBef>
-                <a:spcPts val="0"/>
-              </a:spcBef>
-              <a:spcAft>
-                <a:spcPts val="0"/>
-              </a:spcAft>
-              <a:buClrTx/>
-              <a:buSzTx/>
-              <a:buFontTx/>
-              <a:buNone/>
-              <a:tabLst/>
-              <a:defRPr/>
-            </a:pPr>
-            <a:endParaRPr lang="en-US" altLang="ja-JP" dirty="0"/>
-          </a:p>
-          <a:p>
-            <a:pPr marL="0" marR="0" lvl="0" indent="0" algn="l" defTabSz="914400" rtl="0" eaLnBrk="1" fontAlgn="auto" latinLnBrk="0" hangingPunct="1">
-              <a:lnSpc>
-                <a:spcPct val="100000"/>
-              </a:lnSpc>
-              <a:spcBef>
-                <a:spcPts val="0"/>
-              </a:spcBef>
-              <a:spcAft>
-                <a:spcPts val="0"/>
-              </a:spcAft>
-              <a:buClrTx/>
-              <a:buSzTx/>
-              <a:buFontTx/>
-              <a:buNone/>
-              <a:tabLst/>
-              <a:defRPr/>
-            </a:pPr>
-            <a:r>
-              <a:rPr lang="ja-JP" altLang="en-US" dirty="0"/>
-              <a:t>ガチの説明</a:t>
-            </a:r>
-            <a:endParaRPr lang="en-US" altLang="ja-JP" dirty="0"/>
-          </a:p>
-          <a:p>
-            <a:pPr marL="0" marR="0" lvl="0" indent="0" algn="l" defTabSz="914400" rtl="0" eaLnBrk="1" fontAlgn="auto" latinLnBrk="0" hangingPunct="1">
-              <a:lnSpc>
-                <a:spcPct val="100000"/>
-              </a:lnSpc>
-              <a:spcBef>
-                <a:spcPts val="0"/>
-              </a:spcBef>
-              <a:spcAft>
-                <a:spcPts val="0"/>
-              </a:spcAft>
-              <a:buClrTx/>
-              <a:buSzTx/>
-              <a:buFontTx/>
-              <a:buNone/>
-              <a:tabLst/>
-              <a:defRPr/>
-            </a:pPr>
-            <a:r>
-              <a:rPr lang="ja-JP" altLang="en-US" dirty="0"/>
-              <a:t>画像をモデルに通して得られる、浅い層と深い層の特徴マップをチャネル方向に結合してから、テスト画像のベクトルと比較する。</a:t>
-            </a:r>
-            <a:endParaRPr lang="en-US" altLang="ja-JP" dirty="0"/>
-          </a:p>
-          <a:p>
-            <a:pPr marL="0" marR="0" lvl="0" indent="0" algn="l" defTabSz="914400" rtl="0" eaLnBrk="1" fontAlgn="auto" latinLnBrk="0" hangingPunct="1">
-              <a:lnSpc>
-                <a:spcPct val="100000"/>
-              </a:lnSpc>
-              <a:spcBef>
-                <a:spcPts val="0"/>
-              </a:spcBef>
-              <a:spcAft>
-                <a:spcPts val="0"/>
-              </a:spcAft>
-              <a:buClrTx/>
-              <a:buSzTx/>
-              <a:buFontTx/>
-              <a:buNone/>
-              <a:tabLst/>
-              <a:defRPr/>
-            </a:pPr>
-            <a:endParaRPr lang="en-US" altLang="ja-JP" dirty="0"/>
-          </a:p>
-          <a:p>
-            <a:r>
-              <a:rPr lang="ja-JP" altLang="en-US" dirty="0"/>
-              <a:t>セマンティック・ピラミッド異常検出（</a:t>
-            </a:r>
-            <a:r>
-              <a:rPr lang="en-US" altLang="ja-JP" dirty="0"/>
-              <a:t>SPADE</a:t>
-            </a:r>
-            <a:r>
-              <a:rPr lang="ja-JP" altLang="en-US" dirty="0"/>
-              <a:t>）提案された手法は</a:t>
-            </a:r>
-          </a:p>
-          <a:p>
-            <a:r>
-              <a:rPr lang="ja-JP" altLang="en-US" dirty="0"/>
-              <a:t>１．</a:t>
-            </a:r>
-            <a:r>
-              <a:rPr lang="en-US" altLang="ja-JP" dirty="0" err="1"/>
-              <a:t>knn</a:t>
-            </a:r>
-            <a:r>
-              <a:rPr lang="ja-JP" altLang="en-US" dirty="0"/>
-              <a:t>で画像単位で似ている正常画像を</a:t>
-            </a:r>
-            <a:r>
-              <a:rPr lang="en-US" altLang="ja-JP" dirty="0"/>
-              <a:t>k</a:t>
-            </a:r>
-            <a:r>
-              <a:rPr lang="ja-JP" altLang="en-US" dirty="0"/>
-              <a:t>個探索。</a:t>
-            </a:r>
-          </a:p>
-          <a:p>
-            <a:r>
-              <a:rPr lang="ja-JP" altLang="en-US" dirty="0"/>
-              <a:t>２．式</a:t>
-            </a:r>
-            <a:r>
-              <a:rPr lang="en-US" altLang="ja-JP" dirty="0"/>
-              <a:t>(2)</a:t>
-            </a:r>
-            <a:r>
-              <a:rPr lang="ja-JP" altLang="en-US" dirty="0"/>
-              <a:t>で得られた特徴ベクトル</a:t>
-            </a:r>
-            <a:r>
-              <a:rPr lang="en-US" altLang="ja-JP" dirty="0"/>
-              <a:t>(</a:t>
-            </a:r>
-            <a:r>
-              <a:rPr lang="ja-JP" altLang="en-US" dirty="0"/>
-              <a:t>チャンネルごとに</a:t>
-            </a:r>
-            <a:r>
-              <a:rPr lang="en-US" altLang="ja-JP" dirty="0"/>
-              <a:t>GAP</a:t>
-            </a:r>
-            <a:r>
-              <a:rPr lang="ja-JP" altLang="en-US" dirty="0"/>
-              <a:t>済み</a:t>
-            </a:r>
-            <a:r>
-              <a:rPr lang="en-US" altLang="ja-JP" dirty="0"/>
-              <a:t>)</a:t>
-            </a:r>
-            <a:r>
-              <a:rPr lang="ja-JP" altLang="en-US" dirty="0"/>
-              <a:t>からどれだけ離れているか計算。</a:t>
-            </a:r>
-          </a:p>
-          <a:p>
-            <a:r>
-              <a:rPr lang="ja-JP" altLang="en-US" dirty="0"/>
-              <a:t>３．２でしきい値を上回っていたら異常と判断し４へ。</a:t>
-            </a:r>
-          </a:p>
-          <a:p>
-            <a:r>
-              <a:rPr lang="ja-JP" altLang="en-US" dirty="0"/>
-              <a:t>４．さきほど選ばれたｋ個の正常画像について、各々全てのピクセルに対して特徴ベクトルを得る。得られた特徴ベクトルらを一つの集合Ｓとする。</a:t>
-            </a:r>
-          </a:p>
-          <a:p>
-            <a:r>
-              <a:rPr lang="ja-JP" altLang="en-US" dirty="0"/>
-              <a:t>５．異常と判断された画像の各ピクセルに対して、特徴ベクトルを得る</a:t>
-            </a:r>
-            <a:r>
-              <a:rPr lang="en-US" altLang="ja-JP" dirty="0"/>
-              <a:t>(</a:t>
-            </a:r>
-            <a:r>
-              <a:rPr lang="ja-JP" altLang="en-US" dirty="0"/>
-              <a:t>ベクトルのサイズが小さいから隣接するピクセルと同じ場合がある</a:t>
-            </a:r>
-            <a:r>
-              <a:rPr lang="en-US" altLang="ja-JP" dirty="0"/>
-              <a:t>)</a:t>
-            </a:r>
-            <a:r>
-              <a:rPr lang="ja-JP" altLang="en-US" dirty="0"/>
-              <a:t>。</a:t>
-            </a:r>
-          </a:p>
-          <a:p>
-            <a:r>
-              <a:rPr lang="ja-JP" altLang="en-US" dirty="0"/>
-              <a:t>６．集合Ｓの最も近い値をとるベクトル</a:t>
-            </a:r>
-            <a:r>
-              <a:rPr lang="en-US" altLang="ja-JP" dirty="0"/>
-              <a:t>κ</a:t>
-            </a:r>
-            <a:r>
-              <a:rPr lang="ja-JP" altLang="en-US" dirty="0"/>
-              <a:t>個 と ５．で決めたピクセルに対する特徴ベクトルの距離をそれぞれ計算し合計して</a:t>
-            </a:r>
-            <a:r>
-              <a:rPr lang="en-US" altLang="ja-JP" dirty="0"/>
-              <a:t>κ</a:t>
-            </a:r>
-            <a:r>
-              <a:rPr lang="ja-JP" altLang="en-US" dirty="0"/>
-              <a:t>で割る。</a:t>
-            </a:r>
-          </a:p>
-          <a:p>
-            <a:r>
-              <a:rPr lang="ja-JP" altLang="en-US" dirty="0"/>
-              <a:t>７．しきい値を上回っていたら異常箇所発見。</a:t>
-            </a:r>
-          </a:p>
-          <a:p>
-            <a:r>
-              <a:rPr lang="ja-JP" altLang="en-US" dirty="0"/>
-              <a:t>８．すべてのピクセルを見るまで４～７を繰り返す。</a:t>
-            </a:r>
-            <a:endParaRPr lang="en-US" altLang="ja-JP" dirty="0"/>
-          </a:p>
-          <a:p>
-            <a:endParaRPr lang="en-US" altLang="ja-JP" dirty="0"/>
-          </a:p>
-          <a:p>
-            <a:endParaRPr lang="en-US" altLang="ja-JP" dirty="0"/>
-          </a:p>
-          <a:p>
-            <a:r>
-              <a:rPr lang="ja-JP" altLang="en-US" dirty="0"/>
-              <a:t>浅い層（高解像度）の特徴は、局所的な細かいディテールを捉えるのに優れてて、</a:t>
-            </a:r>
-          </a:p>
-          <a:p>
-            <a:r>
-              <a:rPr lang="ja-JP" altLang="en-US" dirty="0"/>
-              <a:t>深い層（低解像度）の特徴は、より広い範囲の文脈情報、つまり大域的な構造や意味を捉えるのに優れてる</a:t>
-            </a:r>
-          </a:p>
-          <a:p>
-            <a:endParaRPr lang="en-US" altLang="ja-JP" dirty="0"/>
-          </a:p>
-          <a:p>
-            <a:r>
-              <a:rPr lang="ja-JP" altLang="en-US" dirty="0"/>
-              <a:t>⇓</a:t>
-            </a:r>
-            <a:endParaRPr lang="en-US" altLang="ja-JP" dirty="0"/>
-          </a:p>
-          <a:p>
-            <a:r>
-              <a:rPr lang="ja-JP" altLang="en-US" dirty="0"/>
-              <a:t>浅い層はディティールを捉える目が、深い層は構造や意味を捉える目が肥えている</a:t>
-            </a:r>
-            <a:endParaRPr lang="en-US" altLang="ja-JP" dirty="0"/>
-          </a:p>
-          <a:p>
-            <a:pPr marL="0" marR="0" lvl="0" indent="0" algn="l" defTabSz="914400" rtl="0" eaLnBrk="1" fontAlgn="auto" latinLnBrk="0" hangingPunct="1">
-              <a:lnSpc>
-                <a:spcPct val="100000"/>
-              </a:lnSpc>
-              <a:spcBef>
-                <a:spcPts val="0"/>
-              </a:spcBef>
-              <a:spcAft>
-                <a:spcPts val="0"/>
-              </a:spcAft>
-              <a:buClrTx/>
-              <a:buSzTx/>
-              <a:buFontTx/>
-              <a:buNone/>
-              <a:tabLst/>
-              <a:defRPr/>
-            </a:pPr>
-            <a:endParaRPr lang="en-US" altLang="ja-JP" dirty="0"/>
+              <a:t>分布から明らかに外れているが原点には近い点⇒異常度を増幅させる　って理解です。</a:t>
+            </a:r>
           </a:p>
         </p:txBody>
       </p:sp>
@@ -3557,7 +3872,7 @@
     </p:spTree>
     <p:extLst>
       <p:ext uri="{BB962C8B-B14F-4D97-AF65-F5344CB8AC3E}">
-        <p14:creationId xmlns:p14="http://schemas.microsoft.com/office/powerpoint/2010/main" val="3002620156"/>
+        <p14:creationId xmlns:p14="http://schemas.microsoft.com/office/powerpoint/2010/main" val="253265554"/>
       </p:ext>
     </p:extLst>
   </p:cSld>
@@ -3612,88 +3927,73 @@
           <a:lstStyle/>
           <a:p>
             <a:r>
-              <a:rPr lang="ja-JP" altLang="en-US" sz="1200" dirty="0"/>
-              <a:t>これは</a:t>
-            </a:r>
-            <a:r>
-              <a:rPr lang="en-US" altLang="ja-JP" sz="1200" dirty="0"/>
-              <a:t>SPADE</a:t>
-            </a:r>
-            <a:r>
-              <a:rPr lang="ja-JP" altLang="en-US" sz="1200" dirty="0"/>
-              <a:t>に工夫を加えた手法です。</a:t>
-            </a:r>
+              <a:rPr lang="ja-JP" altLang="en-US" dirty="0"/>
+              <a:t>これは工業製品用の異常検知手法です。先ほどの３つの手法の弱点を克服しています。 </a:t>
+            </a:r>
+            <a:r>
+              <a:rPr lang="en-US" altLang="ja-JP" dirty="0"/>
+              <a:t>End??</a:t>
+            </a:r>
+          </a:p>
+          <a:p>
             <a:endParaRPr lang="en-US" altLang="ja-JP" dirty="0"/>
           </a:p>
           <a:p>
+            <a:r>
+              <a:rPr lang="ja-JP" altLang="en-US" dirty="0"/>
+              <a:t>中間層を採用した理由は、特徴抽出器の</a:t>
+            </a:r>
+            <a:r>
+              <a:rPr lang="en-US" altLang="ja-JP" dirty="0" err="1"/>
+              <a:t>resnet</a:t>
+            </a:r>
+            <a:r>
+              <a:rPr lang="ja-JP" altLang="en-US" dirty="0"/>
+              <a:t>にあります。</a:t>
+            </a:r>
             <a:endParaRPr lang="en-US" altLang="ja-JP" dirty="0"/>
           </a:p>
           <a:p>
-            <a:r>
-              <a:rPr lang="ja-JP" altLang="en-US" dirty="0"/>
-              <a:t>全てのパッチの各要素</a:t>
-            </a:r>
-            <a:r>
-              <a:rPr lang="en-US" altLang="ja-JP" dirty="0"/>
-              <a:t>(</a:t>
-            </a:r>
-            <a:r>
-              <a:rPr lang="ja-JP" altLang="en-US" dirty="0"/>
-              <a:t>特徴ベクトル</a:t>
-            </a:r>
-            <a:r>
-              <a:rPr lang="en-US" altLang="ja-JP" dirty="0"/>
-              <a:t>)</a:t>
-            </a:r>
-            <a:r>
-              <a:rPr lang="ja-JP" altLang="en-US" dirty="0"/>
-              <a:t>の分布をモデル化</a:t>
-            </a:r>
-            <a:r>
-              <a:rPr lang="en-US" altLang="ja-JP" dirty="0"/>
-              <a:t>(</a:t>
-            </a:r>
-            <a:r>
-              <a:rPr lang="ja-JP" altLang="en-US" dirty="0"/>
-              <a:t>平均ベクトルと共分散行列を得ることを</a:t>
-            </a:r>
-            <a:r>
-              <a:rPr lang="en-US" altLang="ja-JP" dirty="0"/>
-              <a:t>)</a:t>
-            </a:r>
-            <a:r>
-              <a:rPr lang="ja-JP" altLang="en-US" dirty="0"/>
-              <a:t>して正常とは</a:t>
-            </a:r>
-            <a:r>
-              <a:rPr lang="en-US" altLang="ja-JP" dirty="0"/>
-              <a:t>?</a:t>
-            </a:r>
-            <a:r>
-              <a:rPr lang="ja-JP" altLang="en-US" dirty="0"/>
-              <a:t>を学習させます。</a:t>
-            </a:r>
-            <a:endParaRPr lang="en-US" altLang="ja-JP" dirty="0"/>
-          </a:p>
-          <a:p>
-            <a:endParaRPr lang="en-US" altLang="ja-JP" dirty="0"/>
-          </a:p>
-          <a:p>
-            <a:r>
-              <a:rPr lang="ja-JP" altLang="en-US" dirty="0"/>
-              <a:t>ここでパッチとは画像から得られる特徴マップ中の</a:t>
-            </a:r>
             <a:r>
               <a:rPr lang="en-US" altLang="ja-JP" dirty="0"/>
               <a:t>1</a:t>
             </a:r>
             <a:r>
               <a:rPr lang="ja-JP" altLang="en-US" dirty="0"/>
-              <a:t>マスのことです。</a:t>
-            </a:r>
-            <a:endParaRPr lang="en-US" altLang="ja-JP" dirty="0"/>
-          </a:p>
-          <a:p>
+              <a:t>つ目は、</a:t>
+            </a:r>
+            <a:r>
+              <a:rPr lang="en-US" altLang="ja-JP" dirty="0" err="1"/>
+              <a:t>resnet</a:t>
+            </a:r>
+            <a:r>
+              <a:rPr lang="ja-JP" altLang="en-US" dirty="0"/>
+              <a:t>は</a:t>
+            </a:r>
+            <a:r>
+              <a:rPr lang="en-US" altLang="ja-JP" dirty="0"/>
+              <a:t>ImageNet</a:t>
+            </a:r>
+            <a:r>
+              <a:rPr lang="ja-JP" altLang="en-US" dirty="0"/>
+              <a:t>で学習したモデルであり、</a:t>
+            </a:r>
+            <a:r>
+              <a:rPr kumimoji="1" lang="ja-JP" altLang="en-US" sz="1200" b="0" i="0" kern="1200" dirty="0">
+                <a:solidFill>
+                  <a:schemeClr val="tx1"/>
+                </a:solidFill>
+                <a:effectLst/>
+                <a:latin typeface="+mn-lt"/>
+                <a:ea typeface="+mn-ea"/>
+                <a:cs typeface="+mn-cs"/>
+              </a:rPr>
+              <a:t>自然画像の</a:t>
+            </a:r>
+            <a:r>
+              <a:rPr lang="ja-JP" altLang="en-US" dirty="0"/>
+              <a:t>様々な特徴に特化していて工業製品用の異常検知としては深い層が有効ではないと考えられるから。</a:t>
+            </a:r>
             <a:endParaRPr lang="en-US" altLang="ja-JP" dirty="0"/>
           </a:p>
           <a:p>
@@ -3703,72 +4003,191 @@
             </a:r>
             <a:r>
               <a:rPr lang="ja-JP" altLang="en-US" dirty="0"/>
-              <a:t>次元でイメージしてみると、</a:t>
-            </a:r>
-            <a:endParaRPr lang="en-US" dirty="0"/>
+              <a:t>つ目は、中間層ならば自然画像に特化する前の汎用的な特徴を捉えていると考えられるからです。</a:t>
+            </a:r>
+            <a:endParaRPr lang="en-US" altLang="ja-JP" dirty="0"/>
+          </a:p>
+          <a:p>
+            <a:endParaRPr lang="en-US" altLang="ja-JP" dirty="0"/>
           </a:p>
           <a:p>
             <a:r>
               <a:rPr lang="ja-JP" altLang="en-US" dirty="0"/>
-              <a:t>分散が大きい次元（データの広がりが大きい方向）なら異常度を減衰させる、</a:t>
+              <a:t>詳細は控えますが貪欲アルゴリズムによってメモリバンク全体と同等の性能を発揮する、最小限のベクトル群で構成された小さなメモリバンクの構成に成功しています。</a:t>
             </a:r>
             <a:endParaRPr lang="en-US" altLang="ja-JP" dirty="0"/>
           </a:p>
           <a:p>
             <a:r>
               <a:rPr lang="ja-JP" altLang="en-US" dirty="0"/>
-              <a:t>分散が小さい次元なら異常度を増幅させる。　ってイメージです。</a:t>
-            </a:r>
-            <a:endParaRPr lang="en-US" dirty="0"/>
-          </a:p>
-          <a:p>
-            <a:endParaRPr lang="en-US" dirty="0"/>
+              <a:t>これにより計算量・メモリ使用量ともに改善されています。</a:t>
+            </a:r>
+            <a:endParaRPr lang="en-US" altLang="ja-JP" dirty="0"/>
+          </a:p>
+          <a:p>
+            <a:endParaRPr lang="en-US" altLang="ja-JP" dirty="0"/>
           </a:p>
           <a:p>
             <a:r>
               <a:rPr lang="ja-JP" altLang="en-US" dirty="0"/>
-              <a:t>本当は高次元なので共分散（複数次元間の相関関係を無視していたらペナルティを与える等もある） </a:t>
+              <a:t>また、</a:t>
+            </a:r>
+            <a:r>
+              <a:rPr lang="en-US" altLang="ja-JP" dirty="0" err="1"/>
+              <a:t>Padim</a:t>
+            </a:r>
+            <a:r>
+              <a:rPr lang="ja-JP" altLang="en-US" dirty="0"/>
+              <a:t>の弱点の画像の位置ズレに耐性があります。　　</a:t>
             </a:r>
             <a:r>
               <a:rPr lang="en-US" altLang="ja-JP" dirty="0"/>
-              <a:t>end</a:t>
-            </a:r>
-            <a:endParaRPr lang="en-US" dirty="0"/>
-          </a:p>
-          <a:p>
-            <a:endParaRPr lang="en-US" dirty="0"/>
-          </a:p>
-          <a:p>
-            <a:endParaRPr lang="en-US" dirty="0"/>
-          </a:p>
-          <a:p>
-            <a:endParaRPr lang="en-US" dirty="0"/>
-          </a:p>
-          <a:p>
-            <a:endParaRPr lang="en-US" dirty="0"/>
-          </a:p>
-          <a:p>
-            <a:endParaRPr lang="en-US" dirty="0"/>
-          </a:p>
-          <a:p>
+              <a:t>End        </a:t>
+            </a:r>
             <a:r>
               <a:rPr lang="ja-JP" altLang="en-US" dirty="0"/>
-              <a:t>原点周りが正常らしいと仮定すると、</a:t>
-            </a:r>
-            <a:endParaRPr lang="en-US" dirty="0"/>
-          </a:p>
-          <a:p>
+              <a:t>（左上のパッチは正常な左上のパッチとだけ比較するんじゃなくて全ての正常パッチと比較するから位置に堅牢。）</a:t>
+            </a:r>
+            <a:endParaRPr lang="en-US" altLang="ja-JP" dirty="0"/>
+          </a:p>
+          <a:p>
+            <a:endParaRPr lang="en-US" altLang="ja-JP" dirty="0"/>
+          </a:p>
+          <a:p>
+            <a:endParaRPr lang="en-US" altLang="ja-JP" dirty="0"/>
+          </a:p>
+          <a:p>
+            <a:endParaRPr lang="en-US" altLang="ja-JP" dirty="0"/>
+          </a:p>
+          <a:p>
+            <a:endParaRPr lang="en-US" altLang="ja-JP" dirty="0"/>
+          </a:p>
+          <a:p>
+            <a:endParaRPr lang="en-US" altLang="ja-JP" dirty="0"/>
+          </a:p>
+          <a:p>
+            <a:endParaRPr lang="en-US" altLang="ja-JP" dirty="0"/>
+          </a:p>
+          <a:p>
+            <a:r>
+              <a:rPr lang="en-US" altLang="ja-JP" b="1" dirty="0" err="1"/>
+              <a:t>PaDiM</a:t>
+            </a:r>
+            <a:r>
+              <a:rPr lang="en-US" altLang="ja-JP" dirty="0"/>
+              <a:t>: </a:t>
+            </a:r>
             <a:r>
               <a:rPr lang="ja-JP" altLang="en-US" dirty="0"/>
-              <a:t>データの分布に沿っているが原点から遠い点⇒異常度を減衰させる</a:t>
+              <a:t>「左上のパッチは、正常な左上のパッチとだけ比較する」という</a:t>
+            </a:r>
+            <a:r>
+              <a:rPr lang="ja-JP" altLang="en-US" b="1" dirty="0"/>
+              <a:t>厳格だが柔軟性のない</a:t>
+            </a:r>
+            <a:r>
+              <a:rPr lang="ja-JP" altLang="en-US" dirty="0"/>
+              <a:t>方式。位置がズレると破綻する。</a:t>
+            </a:r>
+          </a:p>
+          <a:p>
+            <a:r>
+              <a:rPr lang="en-US" altLang="ja-JP" b="1" dirty="0" err="1"/>
+              <a:t>PatchCore</a:t>
+            </a:r>
+            <a:r>
+              <a:rPr lang="en-US" altLang="ja-JP" dirty="0"/>
+              <a:t>: </a:t>
+            </a:r>
+            <a:r>
+              <a:rPr lang="ja-JP" altLang="en-US" dirty="0"/>
+              <a:t>「あるパッチは、全ての正常パッチと比較する」という</a:t>
+            </a:r>
+            <a:r>
+              <a:rPr lang="ja-JP" altLang="en-US" b="1" dirty="0"/>
+              <a:t>柔軟だが一見大雑把に見える</a:t>
+            </a:r>
+            <a:r>
+              <a:rPr lang="ja-JP" altLang="en-US" dirty="0"/>
+              <a:t>方式。しかし、特徴空間の意味的な類似性のおかげで、部位が多少違っても「正常の範囲内」と判断でき、位置ズレに強く、より頑健になる。</a:t>
+            </a:r>
+          </a:p>
+          <a:p>
+            <a:r>
+              <a:rPr lang="ja-JP" altLang="en-US" dirty="0"/>
+              <a:t>⇒</a:t>
+            </a:r>
+          </a:p>
+          <a:p>
+            <a:r>
+              <a:rPr lang="ja-JP" altLang="en-US" dirty="0"/>
+              <a:t>「関係のない部位（例えば、ねじの胴体）とも比較してしまうのでは？」という懸念について。 例、テスト画像のとあるパッチ「ねじの頭」は、メモリバンク内の「ねじの胴体」のパッチとも距離が計算される。</a:t>
             </a:r>
             <a:endParaRPr lang="en-US" altLang="ja-JP" dirty="0"/>
           </a:p>
           <a:p>
             <a:r>
               <a:rPr lang="ja-JP" altLang="en-US" dirty="0"/>
-              <a:t>分布から明らかに外れているが原点には近い点⇒異常度を増幅させる　って理解です。</a:t>
-            </a:r>
+              <a:t>しかし、特徴空間の性質上、 </a:t>
+            </a:r>
+            <a:r>
+              <a:rPr lang="ja-JP" altLang="en-US" b="1" dirty="0"/>
+              <a:t>距離</a:t>
+            </a:r>
+            <a:r>
+              <a:rPr lang="en-US" altLang="ja-JP" b="1" dirty="0"/>
+              <a:t>(</a:t>
+            </a:r>
+            <a:r>
+              <a:rPr lang="ja-JP" altLang="en-US" b="1" dirty="0"/>
+              <a:t>テストの頭</a:t>
+            </a:r>
+            <a:r>
+              <a:rPr lang="en-US" altLang="ja-JP" b="1" dirty="0"/>
+              <a:t>, </a:t>
+            </a:r>
+            <a:r>
+              <a:rPr lang="ja-JP" altLang="en-US" b="1" dirty="0"/>
+              <a:t>正常な頭</a:t>
+            </a:r>
+            <a:r>
+              <a:rPr lang="en-US" altLang="ja-JP" b="1" dirty="0"/>
+              <a:t>) &lt; </a:t>
+            </a:r>
+            <a:r>
+              <a:rPr lang="ja-JP" altLang="en-US" b="1" dirty="0"/>
+              <a:t>距離</a:t>
+            </a:r>
+            <a:r>
+              <a:rPr lang="en-US" altLang="ja-JP" b="1" dirty="0"/>
+              <a:t>(</a:t>
+            </a:r>
+            <a:r>
+              <a:rPr lang="ja-JP" altLang="en-US" b="1" dirty="0"/>
+              <a:t>テストの頭</a:t>
+            </a:r>
+            <a:r>
+              <a:rPr lang="en-US" altLang="ja-JP" b="1" dirty="0"/>
+              <a:t>, </a:t>
+            </a:r>
+            <a:r>
+              <a:rPr lang="ja-JP" altLang="en-US" b="1" dirty="0"/>
+              <a:t>正常な胴体</a:t>
+            </a:r>
+            <a:r>
+              <a:rPr lang="en-US" altLang="ja-JP" b="1" dirty="0"/>
+              <a:t>)</a:t>
+            </a:r>
+            <a:r>
+              <a:rPr lang="ja-JP" altLang="en-US" dirty="0"/>
+              <a:t> となる可能性が非常に高い。そのため、全数検索をしても、結局は意味的に最も近い「正常な頭」が最近傍として選ばれるからヨシ！。</a:t>
+            </a:r>
+          </a:p>
+          <a:p>
+            <a:endParaRPr lang="en-US" altLang="ja-JP" dirty="0"/>
+          </a:p>
+          <a:p>
+            <a:endParaRPr lang="en-JP" dirty="0"/>
           </a:p>
         </p:txBody>
       </p:sp>
@@ -3798,7 +4217,7 @@
     </p:spTree>
     <p:extLst>
       <p:ext uri="{BB962C8B-B14F-4D97-AF65-F5344CB8AC3E}">
-        <p14:creationId xmlns:p14="http://schemas.microsoft.com/office/powerpoint/2010/main" val="253265554"/>
+        <p14:creationId xmlns:p14="http://schemas.microsoft.com/office/powerpoint/2010/main" val="3124842465"/>
       </p:ext>
     </p:extLst>
   </p:cSld>
@@ -3827,7 +4246,7 @@
       </p:grpSpPr>
       <p:sp>
         <p:nvSpPr>
-          <p:cNvPr id="2" name="Slide Image Placeholder 1"/>
+          <p:cNvPr id="2" name="スライド イメージ プレースホルダー 1"/>
           <p:cNvSpPr>
             <a:spLocks noGrp="1" noRot="1" noChangeAspect="1"/>
           </p:cNvSpPr>
@@ -3839,7 +4258,7 @@
       </p:sp>
       <p:sp>
         <p:nvSpPr>
-          <p:cNvPr id="3" name="Notes Placeholder 2"/>
+          <p:cNvPr id="3" name="ノート プレースホルダー 2"/>
           <p:cNvSpPr>
             <a:spLocks noGrp="1"/>
           </p:cNvSpPr>
@@ -3853,270 +4272,15 @@
           <a:lstStyle/>
           <a:p>
             <a:r>
-              <a:rPr lang="ja-JP" altLang="en-US" dirty="0"/>
-              <a:t>これは工業製品用の異常検知手法です。</a:t>
-            </a:r>
-            <a:endParaRPr lang="en-US" altLang="ja-JP" dirty="0"/>
-          </a:p>
-          <a:p>
-            <a:endParaRPr lang="en-US" altLang="ja-JP" dirty="0"/>
-          </a:p>
-          <a:p>
-            <a:r>
-              <a:rPr lang="ja-JP" altLang="en-US" dirty="0"/>
-              <a:t>中間層を採用した理由は、特徴抽出器の</a:t>
-            </a:r>
-            <a:r>
-              <a:rPr lang="en-US" altLang="ja-JP" dirty="0" err="1"/>
-              <a:t>resnet</a:t>
-            </a:r>
-            <a:r>
-              <a:rPr lang="ja-JP" altLang="en-US" dirty="0"/>
-              <a:t>にあります。</a:t>
-            </a:r>
-            <a:endParaRPr lang="en-US" altLang="ja-JP" dirty="0"/>
-          </a:p>
-          <a:p>
-            <a:r>
-              <a:rPr lang="en-US" altLang="ja-JP" dirty="0"/>
-              <a:t>1</a:t>
-            </a:r>
-            <a:r>
-              <a:rPr lang="ja-JP" altLang="en-US" dirty="0"/>
-              <a:t>つ目は、</a:t>
-            </a:r>
-            <a:r>
-              <a:rPr lang="en-US" altLang="ja-JP" dirty="0" err="1"/>
-              <a:t>resnet</a:t>
-            </a:r>
-            <a:r>
-              <a:rPr lang="ja-JP" altLang="en-US" dirty="0"/>
-              <a:t>は</a:t>
-            </a:r>
-            <a:r>
-              <a:rPr lang="en-US" altLang="ja-JP" dirty="0"/>
-              <a:t>ImageNet</a:t>
-            </a:r>
-            <a:r>
-              <a:rPr lang="ja-JP" altLang="en-US" dirty="0"/>
-              <a:t>で学習したモデルであり、</a:t>
-            </a:r>
-            <a:r>
-              <a:rPr kumimoji="1" lang="ja-JP" altLang="en-US" sz="1200" b="0" i="0" kern="1200" dirty="0">
-                <a:solidFill>
-                  <a:schemeClr val="tx1"/>
-                </a:solidFill>
-                <a:effectLst/>
-                <a:latin typeface="+mn-lt"/>
-                <a:ea typeface="+mn-ea"/>
-                <a:cs typeface="+mn-cs"/>
-              </a:rPr>
-              <a:t>自然画像の</a:t>
-            </a:r>
-            <a:r>
-              <a:rPr lang="ja-JP" altLang="en-US" dirty="0"/>
-              <a:t>様々な特徴に特化していて工業製品用の異常検知としては深い層が有効ではないと考えられるから。</a:t>
-            </a:r>
-            <a:endParaRPr lang="en-US" altLang="ja-JP" dirty="0"/>
-          </a:p>
-          <a:p>
-            <a:r>
-              <a:rPr lang="en-US" altLang="ja-JP" dirty="0"/>
-              <a:t>2</a:t>
-            </a:r>
-            <a:r>
-              <a:rPr lang="ja-JP" altLang="en-US" dirty="0"/>
-              <a:t>つ目は、中間層ならば自然画像に特化する前の汎用的な特徴を捉えていると考えられるからです。</a:t>
-            </a:r>
-            <a:endParaRPr lang="en-US" altLang="ja-JP" dirty="0"/>
-          </a:p>
-          <a:p>
-            <a:endParaRPr lang="en-US" altLang="ja-JP" dirty="0"/>
-          </a:p>
-          <a:p>
-            <a:r>
-              <a:rPr lang="ja-JP" altLang="en-US" dirty="0"/>
-              <a:t>詳細は控えますが貪欲アルゴリズムによってメモリバンク全体と同等の性能を発揮する、最小限のベクトル群で構成された小さなメモリバンクの構成に成功しています。</a:t>
-            </a:r>
-            <a:endParaRPr lang="en-US" altLang="ja-JP" dirty="0"/>
-          </a:p>
-          <a:p>
-            <a:r>
-              <a:rPr lang="ja-JP" altLang="en-US" dirty="0"/>
-              <a:t>これにより計算量・メモリ使用量ともに改善されています。</a:t>
-            </a:r>
-            <a:endParaRPr lang="en-US" altLang="ja-JP" dirty="0"/>
-          </a:p>
-          <a:p>
-            <a:endParaRPr lang="en-US" altLang="ja-JP" dirty="0"/>
-          </a:p>
-          <a:p>
-            <a:r>
-              <a:rPr lang="ja-JP" altLang="en-US" dirty="0"/>
-              <a:t>また、</a:t>
-            </a:r>
-            <a:r>
-              <a:rPr lang="en-US" altLang="ja-JP" dirty="0" err="1"/>
-              <a:t>Padim</a:t>
-            </a:r>
-            <a:r>
-              <a:rPr lang="ja-JP" altLang="en-US" dirty="0"/>
-              <a:t>の弱点の画像の位置ズレに耐性があります。　　</a:t>
-            </a:r>
-            <a:r>
-              <a:rPr lang="en-US" altLang="ja-JP" dirty="0"/>
-              <a:t>End        </a:t>
-            </a:r>
-            <a:r>
-              <a:rPr lang="ja-JP" altLang="en-US" dirty="0"/>
-              <a:t>（左上のパッチは正常な左上のパッチとだけ比較するんじゃなくて全ての正常パッチと比較するから位置に堅牢。）</a:t>
-            </a:r>
-            <a:endParaRPr lang="en-US" altLang="ja-JP" dirty="0"/>
-          </a:p>
-          <a:p>
-            <a:endParaRPr lang="en-US" altLang="ja-JP" dirty="0"/>
-          </a:p>
-          <a:p>
-            <a:endParaRPr lang="en-US" altLang="ja-JP" dirty="0"/>
-          </a:p>
-          <a:p>
-            <a:endParaRPr lang="en-US" altLang="ja-JP" dirty="0"/>
-          </a:p>
-          <a:p>
-            <a:endParaRPr lang="en-US" altLang="ja-JP" dirty="0"/>
-          </a:p>
-          <a:p>
-            <a:endParaRPr lang="en-US" altLang="ja-JP" dirty="0"/>
-          </a:p>
-          <a:p>
-            <a:endParaRPr lang="en-US" altLang="ja-JP" dirty="0"/>
-          </a:p>
-          <a:p>
-            <a:r>
-              <a:rPr lang="en-US" altLang="ja-JP" b="1" dirty="0" err="1"/>
-              <a:t>PaDiM</a:t>
-            </a:r>
-            <a:r>
-              <a:rPr lang="en-US" altLang="ja-JP" dirty="0"/>
-              <a:t>: </a:t>
-            </a:r>
-            <a:r>
-              <a:rPr lang="ja-JP" altLang="en-US" dirty="0"/>
-              <a:t>「左上のパッチは、正常な左上のパッチとだけ比較する」という</a:t>
-            </a:r>
-            <a:r>
-              <a:rPr lang="ja-JP" altLang="en-US" b="1" dirty="0"/>
-              <a:t>厳格だが柔軟性のない</a:t>
-            </a:r>
-            <a:r>
-              <a:rPr lang="ja-JP" altLang="en-US" dirty="0"/>
-              <a:t>方式。位置がズレると破綻する。</a:t>
-            </a:r>
-          </a:p>
-          <a:p>
-            <a:r>
-              <a:rPr lang="en-US" altLang="ja-JP" b="1" dirty="0" err="1"/>
-              <a:t>PatchCore</a:t>
-            </a:r>
-            <a:r>
-              <a:rPr lang="en-US" altLang="ja-JP" dirty="0"/>
-              <a:t>: </a:t>
-            </a:r>
-            <a:r>
-              <a:rPr lang="ja-JP" altLang="en-US" dirty="0"/>
-              <a:t>「あるパッチは、全ての正常パッチと比較する」という</a:t>
-            </a:r>
-            <a:r>
-              <a:rPr lang="ja-JP" altLang="en-US" b="1" dirty="0"/>
-              <a:t>柔軟だが一見大雑把に見える</a:t>
-            </a:r>
-            <a:r>
-              <a:rPr lang="ja-JP" altLang="en-US" dirty="0"/>
-              <a:t>方式。しかし、特徴空間の意味的な類似性のおかげで、部位が多少違っても「正常の範囲内」と判断でき、位置ズレに強く、より頑健になる。</a:t>
-            </a:r>
-          </a:p>
-          <a:p>
-            <a:r>
-              <a:rPr lang="ja-JP" altLang="en-US" dirty="0"/>
-              <a:t>⇒</a:t>
-            </a:r>
-          </a:p>
-          <a:p>
-            <a:r>
-              <a:rPr lang="ja-JP" altLang="en-US" dirty="0"/>
-              <a:t>「関係のない部位（例えば、ねじの胴体）とも比較してしまうのでは？」という懸念について。 例、テスト画像のとあるパッチ「ねじの頭」は、メモリバンク内の「ねじの胴体」のパッチとも距離が計算される。</a:t>
-            </a:r>
-            <a:endParaRPr lang="en-US" altLang="ja-JP" dirty="0"/>
-          </a:p>
-          <a:p>
-            <a:r>
-              <a:rPr lang="ja-JP" altLang="en-US" dirty="0"/>
-              <a:t>しかし、特徴空間の性質上、 </a:t>
-            </a:r>
-            <a:r>
-              <a:rPr lang="ja-JP" altLang="en-US" b="1" dirty="0"/>
-              <a:t>距離</a:t>
-            </a:r>
-            <a:r>
-              <a:rPr lang="en-US" altLang="ja-JP" b="1" dirty="0"/>
-              <a:t>(</a:t>
-            </a:r>
-            <a:r>
-              <a:rPr lang="ja-JP" altLang="en-US" b="1" dirty="0"/>
-              <a:t>テストの頭</a:t>
-            </a:r>
-            <a:r>
-              <a:rPr lang="en-US" altLang="ja-JP" b="1" dirty="0"/>
-              <a:t>, </a:t>
-            </a:r>
-            <a:r>
-              <a:rPr lang="ja-JP" altLang="en-US" b="1" dirty="0"/>
-              <a:t>正常な頭</a:t>
-            </a:r>
-            <a:r>
-              <a:rPr lang="en-US" altLang="ja-JP" b="1" dirty="0"/>
-              <a:t>) &lt; </a:t>
-            </a:r>
-            <a:r>
-              <a:rPr lang="ja-JP" altLang="en-US" b="1" dirty="0"/>
-              <a:t>距離</a:t>
-            </a:r>
-            <a:r>
-              <a:rPr lang="en-US" altLang="ja-JP" b="1" dirty="0"/>
-              <a:t>(</a:t>
-            </a:r>
-            <a:r>
-              <a:rPr lang="ja-JP" altLang="en-US" b="1" dirty="0"/>
-              <a:t>テストの頭</a:t>
-            </a:r>
-            <a:r>
-              <a:rPr lang="en-US" altLang="ja-JP" b="1" dirty="0"/>
-              <a:t>, </a:t>
-            </a:r>
-            <a:r>
-              <a:rPr lang="ja-JP" altLang="en-US" b="1" dirty="0"/>
-              <a:t>正常な胴体</a:t>
-            </a:r>
-            <a:r>
-              <a:rPr lang="en-US" altLang="ja-JP" b="1" dirty="0"/>
-              <a:t>)</a:t>
-            </a:r>
-            <a:r>
-              <a:rPr lang="ja-JP" altLang="en-US" dirty="0"/>
-              <a:t> となる可能性が非常に高い。そのため、全数検索をしても、結局は意味的に最も近い「正常な頭」が最近傍として選ばれるからヨシ！。</a:t>
-            </a:r>
-          </a:p>
-          <a:p>
-            <a:endParaRPr lang="en-US" altLang="ja-JP" dirty="0"/>
-          </a:p>
-          <a:p>
-            <a:endParaRPr lang="en-JP" dirty="0"/>
-          </a:p>
-        </p:txBody>
-      </p:sp>
-      <p:sp>
-        <p:nvSpPr>
-          <p:cNvPr id="4" name="Slide Number Placeholder 3"/>
+              <a:rPr kumimoji="1" lang="ja-JP" altLang="en-US" dirty="0"/>
+              <a:t>再構築ベースの手法は上記３つを紹介・説明します。</a:t>
+            </a:r>
+          </a:p>
+        </p:txBody>
+      </p:sp>
+      <p:sp>
+        <p:nvSpPr>
+          <p:cNvPr id="4" name="スライド番号プレースホルダー 3"/>
           <p:cNvSpPr>
             <a:spLocks noGrp="1"/>
           </p:cNvSpPr>
@@ -4129,7 +4293,7 @@
           <a:bodyPr/>
           <a:lstStyle/>
           <a:p>
-            <a:fld id="{4170CF48-14AD-4B24-8659-A353857BCB31}" type="slidenum">
+            <a:fld id="{9C089636-1275-4B33-B565-A6C15888DBD7}" type="slidenum">
               <a:rPr kumimoji="1" lang="ja-JP" altLang="en-US" smtClean="0"/>
               <a:t>8</a:t>
             </a:fld>
@@ -4140,7 +4304,7 @@
     </p:spTree>
     <p:extLst>
       <p:ext uri="{BB962C8B-B14F-4D97-AF65-F5344CB8AC3E}">
-        <p14:creationId xmlns:p14="http://schemas.microsoft.com/office/powerpoint/2010/main" val="3124842465"/>
+        <p14:creationId xmlns:p14="http://schemas.microsoft.com/office/powerpoint/2010/main" val="365982690"/>
       </p:ext>
     </p:extLst>
   </p:cSld>
@@ -4169,7 +4333,7 @@
       </p:grpSpPr>
       <p:sp>
         <p:nvSpPr>
-          <p:cNvPr id="2" name="スライド イメージ プレースホルダー 1"/>
+          <p:cNvPr id="2" name="Slide Image Placeholder 1"/>
           <p:cNvSpPr>
             <a:spLocks noGrp="1" noRot="1" noChangeAspect="1"/>
           </p:cNvSpPr>
@@ -4181,7 +4345,7 @@
       </p:sp>
       <p:sp>
         <p:nvSpPr>
-          <p:cNvPr id="3" name="ノート プレースホルダー 2"/>
+          <p:cNvPr id="3" name="Notes Placeholder 2"/>
           <p:cNvSpPr>
             <a:spLocks noGrp="1"/>
           </p:cNvSpPr>
@@ -4195,15 +4359,98 @@
           <a:lstStyle/>
           <a:p>
             <a:r>
-              <a:rPr kumimoji="1" lang="ja-JP" altLang="en-US" dirty="0"/>
-              <a:t>再構築ベースの手法は上記３つを紹介・説明します。</a:t>
-            </a:r>
-          </a:p>
-        </p:txBody>
-      </p:sp>
-      <p:sp>
-        <p:nvSpPr>
-          <p:cNvPr id="4" name="スライド番号プレースホルダー 3"/>
+              <a:rPr lang="en-US" altLang="ja-JP" b="1" dirty="0"/>
+              <a:t>SSIM</a:t>
+            </a:r>
+            <a:r>
+              <a:rPr lang="ja-JP" altLang="en-US" b="1" dirty="0"/>
+              <a:t>は</a:t>
+            </a:r>
+            <a:endParaRPr lang="en-US" altLang="ja-JP" b="1" dirty="0"/>
+          </a:p>
+          <a:p>
+            <a:r>
+              <a:rPr lang="ja-JP" altLang="en-US" b="1" dirty="0"/>
+              <a:t>輝度 </a:t>
+            </a:r>
+            <a:r>
+              <a:rPr lang="en-US" altLang="ja-JP" b="1" dirty="0"/>
+              <a:t>(Luminance)</a:t>
+            </a:r>
+            <a:r>
+              <a:rPr lang="en-US" altLang="ja-JP" dirty="0"/>
+              <a:t>: </a:t>
+            </a:r>
+            <a:r>
+              <a:rPr lang="ja-JP" altLang="en-US" dirty="0"/>
+              <a:t>パッチ全体の平均的な明るさ</a:t>
+            </a:r>
+          </a:p>
+          <a:p>
+            <a:r>
+              <a:rPr lang="ja-JP" altLang="en-US" b="1" dirty="0"/>
+              <a:t>コントラスト </a:t>
+            </a:r>
+            <a:r>
+              <a:rPr lang="en-US" altLang="ja-JP" b="1" dirty="0"/>
+              <a:t>(Contrast)</a:t>
+            </a:r>
+            <a:r>
+              <a:rPr lang="en-US" altLang="ja-JP" dirty="0"/>
+              <a:t>: </a:t>
+            </a:r>
+            <a:r>
+              <a:rPr lang="ja-JP" altLang="en-US" dirty="0"/>
+              <a:t>パッチ内の明るさのばらつき（標準偏差）</a:t>
+            </a:r>
+          </a:p>
+          <a:p>
+            <a:r>
+              <a:rPr lang="ja-JP" altLang="en-US" b="1" dirty="0"/>
+              <a:t>構造 </a:t>
+            </a:r>
+            <a:r>
+              <a:rPr lang="en-US" altLang="ja-JP" b="1" dirty="0"/>
+              <a:t>(Structure)</a:t>
+            </a:r>
+            <a:r>
+              <a:rPr lang="en-US" altLang="ja-JP" dirty="0"/>
+              <a:t>: </a:t>
+            </a:r>
+            <a:r>
+              <a:rPr lang="ja-JP" altLang="en-US" dirty="0"/>
+              <a:t>パッチ内のピクセルの相関関係</a:t>
+            </a:r>
+          </a:p>
+          <a:p>
+            <a:r>
+              <a:rPr lang="ja-JP" altLang="en-US" b="1" dirty="0"/>
+              <a:t>の３要素のセットのことです。</a:t>
+            </a:r>
+            <a:endParaRPr lang="en-US" dirty="0"/>
+          </a:p>
+          <a:p>
+            <a:endParaRPr lang="en-US" dirty="0"/>
+          </a:p>
+          <a:p>
+            <a:r>
+              <a:rPr lang="ja-JP" altLang="en-US" dirty="0"/>
+              <a:t>強味は誤差の計算に構造的類似性を用いている点です。</a:t>
+            </a:r>
+            <a:endParaRPr lang="en-US" altLang="ja-JP" dirty="0"/>
+          </a:p>
+          <a:p>
+            <a:r>
+              <a:rPr lang="ja-JP" altLang="en-US" dirty="0"/>
+              <a:t>従来の手法ではピクセル単位の距離を使用していたため、</a:t>
+            </a:r>
+            <a:endParaRPr lang="en-JP" dirty="0"/>
+          </a:p>
+        </p:txBody>
+      </p:sp>
+      <p:sp>
+        <p:nvSpPr>
+          <p:cNvPr id="4" name="Slide Number Placeholder 3"/>
           <p:cNvSpPr>
             <a:spLocks noGrp="1"/>
           </p:cNvSpPr>
@@ -4216,7 +4463,7 @@
           <a:bodyPr/>
           <a:lstStyle/>
           <a:p>
-            <a:fld id="{9C089636-1275-4B33-B565-A6C15888DBD7}" type="slidenum">
+            <a:fld id="{4170CF48-14AD-4B24-8659-A353857BCB31}" type="slidenum">
               <a:rPr kumimoji="1" lang="ja-JP" altLang="en-US" smtClean="0"/>
               <a:t>9</a:t>
             </a:fld>
@@ -4227,7 +4474,7 @@
     </p:spTree>
     <p:extLst>
       <p:ext uri="{BB962C8B-B14F-4D97-AF65-F5344CB8AC3E}">
-        <p14:creationId xmlns:p14="http://schemas.microsoft.com/office/powerpoint/2010/main" val="365982690"/>
+        <p14:creationId xmlns:p14="http://schemas.microsoft.com/office/powerpoint/2010/main" val="959664245"/>
       </p:ext>
     </p:extLst>
   </p:cSld>
@@ -8674,8 +8921,8 @@
         </p:nvSpPr>
         <p:spPr>
           <a:xfrm>
-            <a:off x="449016" y="269481"/>
-            <a:ext cx="8116249" cy="707886"/>
+            <a:off x="449017" y="269481"/>
+            <a:ext cx="7135318" cy="707886"/>
           </a:xfrm>
           <a:prstGeom prst="rect">
             <a:avLst/>
@@ -8694,25 +8941,9 @@
             </a:r>
             <a:r>
               <a:rPr lang="en-US" altLang="ja-JP" sz="4000" dirty="0"/>
-              <a:t>SSIM</a:t>
-            </a:r>
-            <a:r>
-              <a:rPr lang="ja-JP" altLang="en-US" sz="4000" dirty="0"/>
-              <a:t> </a:t>
-            </a:r>
-            <a:r>
-              <a:rPr lang="ja-JP" altLang="en-US" sz="1600" dirty="0"/>
-              <a:t>（</a:t>
-            </a:r>
-            <a:r>
-              <a:rPr lang="en-US" altLang="ja-JP" sz="1600" dirty="0"/>
-              <a:t>Structural Similarity</a:t>
-            </a:r>
-            <a:r>
-              <a:rPr lang="ja-JP" altLang="en-US" sz="1600" dirty="0"/>
-              <a:t>）</a:t>
-            </a:r>
-            <a:endParaRPr lang="en-JP" sz="1600" dirty="0"/>
+              <a:t>ADTR</a:t>
+            </a:r>
+            <a:endParaRPr lang="en-JP" sz="4000" dirty="0"/>
           </a:p>
         </p:txBody>
       </p:sp>
@@ -8731,29 +8962,37 @@
         <p:spPr>
           <a:xfrm>
             <a:off x="449017" y="1452605"/>
-            <a:ext cx="9010800" cy="2308324"/>
+            <a:ext cx="11742983" cy="1477328"/>
           </a:xfrm>
           <a:prstGeom prst="rect">
             <a:avLst/>
           </a:prstGeom>
         </p:spPr>
         <p:txBody>
-          <a:bodyPr wrap="none">
+          <a:bodyPr wrap="square">
             <a:spAutoFit/>
           </a:bodyPr>
           <a:lstStyle/>
           <a:p>
             <a:r>
               <a:rPr lang="ja-JP" altLang="en-US" dirty="0"/>
-              <a:t>・再構成誤差の計算にピクセル単位の距離の代わりに構造的類似性</a:t>
+              <a:t>・再構成過程に</a:t>
             </a:r>
             <a:r>
               <a:rPr lang="en-US" altLang="ja-JP" dirty="0"/>
-              <a:t>(SSIM)</a:t>
+              <a:t>CNN</a:t>
             </a:r>
             <a:r>
               <a:rPr lang="ja-JP" altLang="en-US" dirty="0"/>
-              <a:t>を用いる。</a:t>
+              <a:t>ではなく</a:t>
+            </a:r>
+            <a:r>
+              <a:rPr lang="en-US" altLang="ja-JP" dirty="0"/>
+              <a:t>Transformer</a:t>
+            </a:r>
+            <a:r>
+              <a:rPr lang="ja-JP" altLang="en-US" dirty="0"/>
+              <a:t>を採用した手法。</a:t>
             </a:r>
             <a:endParaRPr lang="en-US" altLang="ja-JP" dirty="0"/>
           </a:p>
@@ -8763,71 +9002,255 @@
           <a:p>
             <a:r>
               <a:rPr lang="ja-JP" altLang="en-US" dirty="0"/>
-              <a:t>・正常画像のみで訓練した</a:t>
-            </a:r>
-            <a:r>
-              <a:rPr lang="en-US" altLang="ja-JP" dirty="0"/>
-              <a:t>VAE</a:t>
-            </a:r>
+              <a:t>・再構成する対象をピクセルから特徴マップへ。⇒人が分かる画像じゃなくて機械が分かりやすい特徴量を扱う。</a:t>
+            </a:r>
+          </a:p>
+          <a:p>
+            <a:endParaRPr lang="en-US" altLang="ja-JP" dirty="0"/>
+          </a:p>
+          <a:p>
             <a:r>
               <a:rPr lang="ja-JP" altLang="en-US" dirty="0"/>
-              <a:t>を利用している。</a:t>
+              <a:t>・</a:t>
             </a:r>
             <a:endParaRPr lang="en-US" altLang="ja-JP" dirty="0"/>
           </a:p>
+        </p:txBody>
+      </p:sp>
+      <p:pic>
+        <p:nvPicPr>
+          <p:cNvPr id="5" name="図 4">
+            <a:extLst>
+              <a:ext uri="{FF2B5EF4-FFF2-40B4-BE49-F238E27FC236}">
+                <a16:creationId xmlns:a16="http://schemas.microsoft.com/office/drawing/2014/main" id="{38958A28-6D5B-49D1-9673-4D5166F821FC}"/>
+              </a:ext>
+            </a:extLst>
+          </p:cNvPr>
+          <p:cNvPicPr>
+            <a:picLocks noChangeAspect="1"/>
+          </p:cNvPicPr>
+          <p:nvPr/>
+        </p:nvPicPr>
+        <p:blipFill>
+          <a:blip r:embed="rId3"/>
+          <a:stretch>
+            <a:fillRect/>
+          </a:stretch>
+        </p:blipFill>
+        <p:spPr>
+          <a:xfrm>
+            <a:off x="7584335" y="2929933"/>
+            <a:ext cx="3501731" cy="3790709"/>
+          </a:xfrm>
+          <a:prstGeom prst="rect">
+            <a:avLst/>
+          </a:prstGeom>
+        </p:spPr>
+      </p:pic>
+      <p:sp>
+        <p:nvSpPr>
+          <p:cNvPr id="6" name="正方形/長方形 5">
+            <a:extLst>
+              <a:ext uri="{FF2B5EF4-FFF2-40B4-BE49-F238E27FC236}">
+                <a16:creationId xmlns:a16="http://schemas.microsoft.com/office/drawing/2014/main" id="{300BBF48-A5D4-4FF5-B68B-379362247CFA}"/>
+              </a:ext>
+            </a:extLst>
+          </p:cNvPr>
+          <p:cNvSpPr/>
+          <p:nvPr/>
+        </p:nvSpPr>
+        <p:spPr>
+          <a:xfrm>
+            <a:off x="0" y="6349215"/>
+            <a:ext cx="6996418" cy="1138773"/>
+          </a:xfrm>
+          <a:prstGeom prst="rect">
+            <a:avLst/>
+          </a:prstGeom>
+        </p:spPr>
+        <p:txBody>
+          <a:bodyPr wrap="square">
+            <a:spAutoFit/>
+          </a:bodyPr>
+          <a:lstStyle/>
+          <a:p>
+            <a:r>
+              <a:rPr lang="ja-JP" altLang="en-US" sz="1400" dirty="0"/>
+              <a:t>畳みこまれた１マスに対応する</a:t>
+            </a:r>
+            <a:r>
+              <a:rPr lang="en-US" altLang="ja-JP" sz="1400" dirty="0"/>
+              <a:t>”1*1*(</a:t>
+            </a:r>
+            <a:r>
+              <a:rPr lang="ja-JP" altLang="en-US" sz="1400" dirty="0"/>
+              <a:t>特徴量</a:t>
+            </a:r>
+            <a:r>
+              <a:rPr lang="en-US" altLang="ja-JP" sz="1400" dirty="0"/>
+              <a:t>)”</a:t>
+            </a:r>
+            <a:r>
+              <a:rPr lang="ja-JP" altLang="en-US" sz="1400" dirty="0"/>
+              <a:t>のベクトル。</a:t>
+            </a:r>
+            <a:r>
+              <a:rPr lang="en-US" altLang="ja-JP" sz="1400" dirty="0"/>
+              <a:t>(</a:t>
+            </a:r>
+            <a:r>
+              <a:rPr lang="ja-JP" altLang="en-US" sz="1400" dirty="0"/>
+              <a:t>トークンと呼ばれる</a:t>
+            </a:r>
+            <a:r>
+              <a:rPr lang="en-US" altLang="ja-JP" sz="1400" dirty="0"/>
+              <a:t>)</a:t>
+            </a:r>
+          </a:p>
           <a:p>
             <a:endParaRPr lang="en-US" altLang="ja-JP" dirty="0"/>
           </a:p>
           <a:p>
-            <a:r>
-              <a:rPr lang="ja-JP" altLang="en-US" dirty="0"/>
-              <a:t>・パッチごとの比較によりエッジ位置のズレに耐性がある。</a:t>
-            </a:r>
             <a:endParaRPr lang="en-US" altLang="ja-JP" dirty="0"/>
           </a:p>
           <a:p>
-            <a:endParaRPr lang="en-US" altLang="ja-JP" dirty="0"/>
-          </a:p>
-          <a:p>
-            <a:endParaRPr lang="en-US" altLang="ja-JP" b="1" dirty="0"/>
-          </a:p>
-          <a:p>
-            <a:r>
-              <a:rPr lang="ja-JP" altLang="en-US" b="1" dirty="0"/>
-              <a:t>構造的類似性</a:t>
-            </a:r>
-            <a:r>
-              <a:rPr lang="en-US" altLang="ja-JP" b="1" dirty="0"/>
-              <a:t>…</a:t>
-            </a:r>
-            <a:r>
-              <a:rPr lang="ja-JP" altLang="en-US" b="1" dirty="0"/>
-              <a:t>輝度＊コントラスト＊構造</a:t>
-            </a:r>
-            <a:r>
-              <a:rPr lang="en-US" altLang="ja-JP" b="1" dirty="0"/>
-              <a:t>(</a:t>
-            </a:r>
-            <a:r>
-              <a:rPr lang="ja-JP" altLang="en-US" b="1" dirty="0"/>
-              <a:t>パターン</a:t>
-            </a:r>
-            <a:r>
-              <a:rPr lang="en-US" altLang="ja-JP" b="1" dirty="0"/>
-              <a:t>)</a:t>
-            </a:r>
-            <a:r>
-              <a:rPr lang="ja-JP" altLang="en-US" b="1" dirty="0"/>
-              <a:t>。</a:t>
-            </a:r>
-            <a:endParaRPr lang="en-US" altLang="ja-JP" b="1" dirty="0"/>
+            <a:endParaRPr lang="ja-JP" altLang="en-US" dirty="0"/>
+          </a:p>
+        </p:txBody>
+      </p:sp>
+      <p:sp>
+        <p:nvSpPr>
+          <p:cNvPr id="10" name="矢印: 下 9">
+            <a:extLst>
+              <a:ext uri="{FF2B5EF4-FFF2-40B4-BE49-F238E27FC236}">
+                <a16:creationId xmlns:a16="http://schemas.microsoft.com/office/drawing/2014/main" id="{DF378B8D-DD56-4D3A-A688-E96A397ACC2D}"/>
+              </a:ext>
+            </a:extLst>
+          </p:cNvPr>
+          <p:cNvSpPr/>
+          <p:nvPr/>
+        </p:nvSpPr>
+        <p:spPr>
+          <a:xfrm rot="16002596">
+            <a:off x="7252334" y="5814234"/>
+            <a:ext cx="112016" cy="1358758"/>
+          </a:xfrm>
+          <a:prstGeom prst="downArrow">
+            <a:avLst/>
+          </a:prstGeom>
+        </p:spPr>
+        <p:style>
+          <a:lnRef idx="2">
+            <a:schemeClr val="accent4">
+              <a:shade val="50000"/>
+            </a:schemeClr>
+          </a:lnRef>
+          <a:fillRef idx="1">
+            <a:schemeClr val="accent4"/>
+          </a:fillRef>
+          <a:effectRef idx="0">
+            <a:schemeClr val="accent4"/>
+          </a:effectRef>
+          <a:fontRef idx="minor">
+            <a:schemeClr val="lt1"/>
+          </a:fontRef>
+        </p:style>
+        <p:txBody>
+          <a:bodyPr rtlCol="0" anchor="ctr"/>
+          <a:lstStyle/>
+          <a:p>
+            <a:pPr algn="ctr"/>
+            <a:endParaRPr kumimoji="1" lang="ja-JP" altLang="en-US"/>
+          </a:p>
+        </p:txBody>
+      </p:sp>
+      <p:cxnSp>
+        <p:nvCxnSpPr>
+          <p:cNvPr id="12" name="コネクタ: 曲線 11">
+            <a:extLst>
+              <a:ext uri="{FF2B5EF4-FFF2-40B4-BE49-F238E27FC236}">
+                <a16:creationId xmlns:a16="http://schemas.microsoft.com/office/drawing/2014/main" id="{115078F2-0CC1-47E6-B5F9-867359FA5D59}"/>
+              </a:ext>
+            </a:extLst>
+          </p:cNvPr>
+          <p:cNvCxnSpPr/>
+          <p:nvPr/>
+        </p:nvCxnSpPr>
+        <p:spPr>
+          <a:xfrm>
+            <a:off x="4236334" y="4676172"/>
+            <a:ext cx="5694744" cy="1722535"/>
+          </a:xfrm>
+          <a:prstGeom prst="curvedConnector3">
+            <a:avLst>
+              <a:gd name="adj1" fmla="val 22154"/>
+            </a:avLst>
+          </a:prstGeom>
+          <a:ln>
+            <a:tailEnd type="triangle"/>
+          </a:ln>
+        </p:spPr>
+        <p:style>
+          <a:lnRef idx="2">
+            <a:schemeClr val="accent2"/>
+          </a:lnRef>
+          <a:fillRef idx="0">
+            <a:schemeClr val="accent2"/>
+          </a:fillRef>
+          <a:effectRef idx="1">
+            <a:schemeClr val="accent2"/>
+          </a:effectRef>
+          <a:fontRef idx="minor">
+            <a:schemeClr val="tx1"/>
+          </a:fontRef>
+        </p:style>
+      </p:cxnSp>
+      <p:sp>
+        <p:nvSpPr>
+          <p:cNvPr id="14" name="正方形/長方形 13">
+            <a:extLst>
+              <a:ext uri="{FF2B5EF4-FFF2-40B4-BE49-F238E27FC236}">
+                <a16:creationId xmlns:a16="http://schemas.microsoft.com/office/drawing/2014/main" id="{DDED4E31-292D-4007-8110-1F9EE3245D0A}"/>
+              </a:ext>
+            </a:extLst>
+          </p:cNvPr>
+          <p:cNvSpPr/>
+          <p:nvPr/>
+        </p:nvSpPr>
+        <p:spPr>
+          <a:xfrm>
+            <a:off x="809655" y="4302067"/>
+            <a:ext cx="5448392" cy="523220"/>
+          </a:xfrm>
+          <a:prstGeom prst="rect">
+            <a:avLst/>
+          </a:prstGeom>
+        </p:spPr>
+        <p:txBody>
+          <a:bodyPr wrap="square">
+            <a:spAutoFit/>
+          </a:bodyPr>
+          <a:lstStyle/>
+          <a:p>
+            <a:r>
+              <a:rPr lang="ja-JP" altLang="en-US" sz="1400" dirty="0"/>
+              <a:t>このベクトル群が正常とは何たるかを学習し、比較に利用される。</a:t>
+            </a:r>
+            <a:endParaRPr lang="en-US" altLang="ja-JP" sz="1400" dirty="0"/>
+          </a:p>
+          <a:p>
+            <a:r>
+              <a:rPr lang="ja-JP" altLang="en-US" sz="1400" dirty="0"/>
+              <a:t>最初は意味を持たない。</a:t>
+            </a:r>
+            <a:endParaRPr lang="en-US" altLang="ja-JP" sz="1400" dirty="0"/>
           </a:p>
         </p:txBody>
       </p:sp>
     </p:spTree>
     <p:extLst>
       <p:ext uri="{BB962C8B-B14F-4D97-AF65-F5344CB8AC3E}">
-        <p14:creationId xmlns:p14="http://schemas.microsoft.com/office/powerpoint/2010/main" val="2097275022"/>
+        <p14:creationId xmlns:p14="http://schemas.microsoft.com/office/powerpoint/2010/main" val="3411825101"/>
       </p:ext>
     </p:extLst>
   </p:cSld>
@@ -8925,8 +9348,8 @@
         </p:nvSpPr>
         <p:spPr>
           <a:xfrm>
-            <a:off x="449017" y="269481"/>
-            <a:ext cx="7135318" cy="707886"/>
+            <a:off x="449016" y="269481"/>
+            <a:ext cx="9732952" cy="707886"/>
           </a:xfrm>
           <a:prstGeom prst="rect">
             <a:avLst/>
@@ -8945,9 +9368,8 @@
             </a:r>
             <a:r>
               <a:rPr lang="en-US" altLang="ja-JP" sz="4000" dirty="0"/>
-              <a:t>ADTR</a:t>
-            </a:r>
-            <a:endParaRPr lang="en-JP" sz="4000" dirty="0"/>
+              <a:t>Morita et al.(2022)</a:t>
+            </a:r>
           </a:p>
         </p:txBody>
       </p:sp>
@@ -8966,7 +9388,7 @@
         <p:spPr>
           <a:xfrm>
             <a:off x="449017" y="1452605"/>
-            <a:ext cx="2262158" cy="369332"/>
+            <a:ext cx="8032968" cy="1477328"/>
           </a:xfrm>
           <a:prstGeom prst="rect">
             <a:avLst/>
@@ -8979,17 +9401,164 @@
           <a:lstStyle/>
           <a:p>
             <a:r>
-              <a:rPr lang="ja-JP" altLang="en-US" b="1" dirty="0"/>
-              <a:t>トランスフォーマー</a:t>
-            </a:r>
-            <a:endParaRPr lang="ja-JP" altLang="en-US" dirty="0"/>
+              <a:rPr lang="ja-JP" altLang="en-US" dirty="0"/>
+              <a:t>・拡散モデルを異常の除去に取り入れた手法。</a:t>
+            </a:r>
+            <a:endParaRPr lang="en-US" altLang="ja-JP" dirty="0"/>
+          </a:p>
+          <a:p>
+            <a:endParaRPr lang="en-US" altLang="ja-JP" dirty="0"/>
+          </a:p>
+          <a:p>
+            <a:r>
+              <a:rPr lang="ja-JP" altLang="en-US" dirty="0"/>
+              <a:t>・ほかの手法と比べて再構成画像にぼやけがなく、鮮明な画像が得られる。</a:t>
+            </a:r>
+            <a:endParaRPr lang="en-US" altLang="ja-JP" dirty="0"/>
+          </a:p>
+          <a:p>
+            <a:endParaRPr lang="en-US" altLang="ja-JP" dirty="0"/>
+          </a:p>
+          <a:p>
+            <a:r>
+              <a:rPr lang="ja-JP" altLang="en-US" dirty="0"/>
+              <a:t>・とあるピクセル</a:t>
+            </a:r>
+            <a:r>
+              <a:rPr lang="en-US" altLang="ja-JP" dirty="0"/>
+              <a:t>(</a:t>
+            </a:r>
+            <a:r>
+              <a:rPr lang="en-US" altLang="ja-JP" dirty="0" err="1"/>
+              <a:t>i</a:t>
+            </a:r>
+            <a:r>
+              <a:rPr lang="en-US" altLang="ja-JP" dirty="0"/>
+              <a:t>, j)</a:t>
+            </a:r>
+            <a:r>
+              <a:rPr lang="ja-JP" altLang="en-US" dirty="0"/>
+              <a:t>の値を計算する際は、その画像全体を見る。</a:t>
+            </a:r>
+            <a:endParaRPr lang="en-US" altLang="ja-JP" dirty="0"/>
+          </a:p>
+        </p:txBody>
+      </p:sp>
+      <p:sp>
+        <p:nvSpPr>
+          <p:cNvPr id="5" name="テキスト ボックス 4">
+            <a:extLst>
+              <a:ext uri="{FF2B5EF4-FFF2-40B4-BE49-F238E27FC236}">
+                <a16:creationId xmlns:a16="http://schemas.microsoft.com/office/drawing/2014/main" id="{23B5CFF3-EE2A-4F91-86A0-8BFC1984EE8D}"/>
+              </a:ext>
+            </a:extLst>
+          </p:cNvPr>
+          <p:cNvSpPr txBox="1"/>
+          <p:nvPr/>
+        </p:nvSpPr>
+        <p:spPr>
+          <a:xfrm>
+            <a:off x="4497860" y="849412"/>
+            <a:ext cx="6178378" cy="276999"/>
+          </a:xfrm>
+          <a:prstGeom prst="rect">
+            <a:avLst/>
+          </a:prstGeom>
+          <a:noFill/>
+        </p:spPr>
+        <p:txBody>
+          <a:bodyPr wrap="square" rtlCol="0">
+            <a:spAutoFit/>
+          </a:bodyPr>
+          <a:lstStyle/>
+          <a:p>
+            <a:r>
+              <a:rPr lang="en-US" altLang="ja-JP" sz="1200" dirty="0"/>
+              <a:t>(</a:t>
+            </a:r>
+            <a:r>
+              <a:rPr lang="en-US" altLang="ja-JP" sz="1200" dirty="0" err="1"/>
+              <a:t>Removing_Anomalies_as_Noises_for_Industrial_Defect_Localization</a:t>
+            </a:r>
+            <a:r>
+              <a:rPr lang="en-US" altLang="ja-JP" sz="1200" dirty="0"/>
+              <a:t>)</a:t>
+            </a:r>
+            <a:endParaRPr kumimoji="1" lang="ja-JP" altLang="en-US" sz="1200" dirty="0"/>
+          </a:p>
+        </p:txBody>
+      </p:sp>
+      <p:pic>
+        <p:nvPicPr>
+          <p:cNvPr id="6" name="図 5">
+            <a:extLst>
+              <a:ext uri="{FF2B5EF4-FFF2-40B4-BE49-F238E27FC236}">
+                <a16:creationId xmlns:a16="http://schemas.microsoft.com/office/drawing/2014/main" id="{BCABC6B2-CA94-4CAF-9F17-E3AA0B130BDF}"/>
+              </a:ext>
+            </a:extLst>
+          </p:cNvPr>
+          <p:cNvPicPr>
+            <a:picLocks noChangeAspect="1"/>
+          </p:cNvPicPr>
+          <p:nvPr/>
+        </p:nvPicPr>
+        <p:blipFill>
+          <a:blip r:embed="rId3"/>
+          <a:stretch>
+            <a:fillRect/>
+          </a:stretch>
+        </p:blipFill>
+        <p:spPr>
+          <a:xfrm>
+            <a:off x="7695337" y="3695214"/>
+            <a:ext cx="2980901" cy="3017702"/>
+          </a:xfrm>
+          <a:prstGeom prst="rect">
+            <a:avLst/>
+          </a:prstGeom>
+        </p:spPr>
+      </p:pic>
+      <p:sp>
+        <p:nvSpPr>
+          <p:cNvPr id="7" name="テキスト ボックス 6">
+            <a:extLst>
+              <a:ext uri="{FF2B5EF4-FFF2-40B4-BE49-F238E27FC236}">
+                <a16:creationId xmlns:a16="http://schemas.microsoft.com/office/drawing/2014/main" id="{DF8EDD07-EEF2-48A8-97EE-367771D80607}"/>
+              </a:ext>
+            </a:extLst>
+          </p:cNvPr>
+          <p:cNvSpPr txBox="1"/>
+          <p:nvPr/>
+        </p:nvSpPr>
+        <p:spPr>
+          <a:xfrm>
+            <a:off x="9848227" y="6516432"/>
+            <a:ext cx="705473" cy="246221"/>
+          </a:xfrm>
+          <a:prstGeom prst="rect">
+            <a:avLst/>
+          </a:prstGeom>
+          <a:solidFill>
+            <a:schemeClr val="bg1"/>
+          </a:solidFill>
+        </p:spPr>
+        <p:txBody>
+          <a:bodyPr wrap="square" rtlCol="0">
+            <a:spAutoFit/>
+          </a:bodyPr>
+          <a:lstStyle/>
+          <a:p>
+            <a:r>
+              <a:rPr kumimoji="1" lang="ja-JP" altLang="en-US" sz="1000" dirty="0"/>
+              <a:t>提案手法</a:t>
+            </a:r>
           </a:p>
         </p:txBody>
       </p:sp>
     </p:spTree>
     <p:extLst>
       <p:ext uri="{BB962C8B-B14F-4D97-AF65-F5344CB8AC3E}">
-        <p14:creationId xmlns:p14="http://schemas.microsoft.com/office/powerpoint/2010/main" val="3411825101"/>
+        <p14:creationId xmlns:p14="http://schemas.microsoft.com/office/powerpoint/2010/main" val="359630709"/>
       </p:ext>
     </p:extLst>
   </p:cSld>
@@ -9016,13 +9585,7 @@
   <p:cSld>
     <p:spTree>
       <p:nvGrpSpPr>
-        <p:cNvPr id="1" name="">
-          <a:extLst>
-            <a:ext uri="{FF2B5EF4-FFF2-40B4-BE49-F238E27FC236}">
-              <a16:creationId xmlns:a16="http://schemas.microsoft.com/office/drawing/2014/main" id="{B952A17A-80FF-DA20-EF66-670AF34F25CA}"/>
-            </a:ext>
-          </a:extLst>
-        </p:cNvPr>
+        <p:cNvPr id="1" name=""/>
         <p:cNvGrpSpPr/>
         <p:nvPr/>
       </p:nvGrpSpPr>
@@ -9036,10 +9599,10 @@
       </p:grpSpPr>
       <p:sp>
         <p:nvSpPr>
-          <p:cNvPr id="3" name="Slide Number Placeholder 2">
-            <a:extLst>
-              <a:ext uri="{FF2B5EF4-FFF2-40B4-BE49-F238E27FC236}">
-                <a16:creationId xmlns:a16="http://schemas.microsoft.com/office/drawing/2014/main" id="{27BCBD73-CE08-BAE7-80DD-E0A99D17B396}"/>
+          <p:cNvPr id="2" name="Slide Number Placeholder 1">
+            <a:extLst>
+              <a:ext uri="{FF2B5EF4-FFF2-40B4-BE49-F238E27FC236}">
+                <a16:creationId xmlns:a16="http://schemas.microsoft.com/office/drawing/2014/main" id="{5751CFFC-35DF-11CF-319A-7BD996C08093}"/>
               </a:ext>
             </a:extLst>
           </p:cNvPr>
@@ -9075,10 +9638,10 @@
       </p:sp>
       <p:sp>
         <p:nvSpPr>
-          <p:cNvPr id="4" name="TextBox 3">
-            <a:extLst>
-              <a:ext uri="{FF2B5EF4-FFF2-40B4-BE49-F238E27FC236}">
-                <a16:creationId xmlns:a16="http://schemas.microsoft.com/office/drawing/2014/main" id="{58CECEC3-FDFA-4105-AAAB-B509D98AACFD}"/>
+          <p:cNvPr id="3" name="TextBox 2">
+            <a:extLst>
+              <a:ext uri="{FF2B5EF4-FFF2-40B4-BE49-F238E27FC236}">
+                <a16:creationId xmlns:a16="http://schemas.microsoft.com/office/drawing/2014/main" id="{9245702B-67A0-528F-3DEE-771EFA468E1A}"/>
               </a:ext>
             </a:extLst>
           </p:cNvPr>
@@ -9087,8 +9650,8 @@
         </p:nvSpPr>
         <p:spPr>
           <a:xfrm>
-            <a:off x="449016" y="269481"/>
-            <a:ext cx="9732952" cy="707886"/>
+            <a:off x="449017" y="269481"/>
+            <a:ext cx="7135318" cy="707886"/>
           </a:xfrm>
           <a:prstGeom prst="rect">
             <a:avLst/>
@@ -9102,22 +9665,18 @@
           <a:lstStyle/>
           <a:p>
             <a:r>
-              <a:rPr lang="ja-JP" altLang="en-US" sz="4000" dirty="0"/>
-              <a:t>提案手法：</a:t>
-            </a:r>
-            <a:r>
-              <a:rPr lang="en-US" altLang="ja-JP" sz="4000" dirty="0"/>
-              <a:t>Morita et al.(2022)</a:t>
-            </a:r>
-          </a:p>
-        </p:txBody>
-      </p:sp>
-      <p:sp>
-        <p:nvSpPr>
-          <p:cNvPr id="2" name="正方形/長方形 1">
-            <a:extLst>
-              <a:ext uri="{FF2B5EF4-FFF2-40B4-BE49-F238E27FC236}">
-                <a16:creationId xmlns:a16="http://schemas.microsoft.com/office/drawing/2014/main" id="{C3E1F148-AE59-4527-A32D-DE296172C5F8}"/>
+              <a:rPr lang="en-JP" sz="4000" dirty="0"/>
+              <a:t>My Opinion</a:t>
+            </a:r>
+          </a:p>
+        </p:txBody>
+      </p:sp>
+      <p:sp>
+        <p:nvSpPr>
+          <p:cNvPr id="4" name="正方形/長方形 3">
+            <a:extLst>
+              <a:ext uri="{FF2B5EF4-FFF2-40B4-BE49-F238E27FC236}">
+                <a16:creationId xmlns:a16="http://schemas.microsoft.com/office/drawing/2014/main" id="{D9186BEB-D3A8-4C93-B5B0-435567838C9C}"/>
               </a:ext>
             </a:extLst>
           </p:cNvPr>
@@ -9126,75 +9685,82 @@
         </p:nvSpPr>
         <p:spPr>
           <a:xfrm>
-            <a:off x="449017" y="1452605"/>
-            <a:ext cx="1338828" cy="369332"/>
+            <a:off x="449016" y="1314105"/>
+            <a:ext cx="11282319" cy="1477328"/>
           </a:xfrm>
           <a:prstGeom prst="rect">
             <a:avLst/>
           </a:prstGeom>
         </p:spPr>
         <p:txBody>
-          <a:bodyPr wrap="none">
+          <a:bodyPr wrap="square">
             <a:spAutoFit/>
           </a:bodyPr>
           <a:lstStyle/>
           <a:p>
             <a:r>
-              <a:rPr lang="ja-JP" altLang="en-US" b="1" dirty="0"/>
-              <a:t>拡散モデル</a:t>
-            </a:r>
-            <a:endParaRPr lang="ja-JP" altLang="en-US" dirty="0"/>
-          </a:p>
-        </p:txBody>
-      </p:sp>
-      <p:sp>
-        <p:nvSpPr>
-          <p:cNvPr id="5" name="テキスト ボックス 4">
-            <a:extLst>
-              <a:ext uri="{FF2B5EF4-FFF2-40B4-BE49-F238E27FC236}">
-                <a16:creationId xmlns:a16="http://schemas.microsoft.com/office/drawing/2014/main" id="{23B5CFF3-EE2A-4F91-86A0-8BFC1984EE8D}"/>
-              </a:ext>
-            </a:extLst>
-          </p:cNvPr>
-          <p:cNvSpPr txBox="1"/>
-          <p:nvPr/>
-        </p:nvSpPr>
-        <p:spPr>
-          <a:xfrm>
-            <a:off x="4497860" y="849412"/>
-            <a:ext cx="6178378" cy="276999"/>
-          </a:xfrm>
-          <a:prstGeom prst="rect">
-            <a:avLst/>
-          </a:prstGeom>
-          <a:noFill/>
-        </p:spPr>
-        <p:txBody>
-          <a:bodyPr wrap="square" rtlCol="0">
-            <a:spAutoFit/>
-          </a:bodyPr>
-          <a:lstStyle/>
-          <a:p>
-            <a:r>
-              <a:rPr lang="en-US" altLang="ja-JP" sz="1200" dirty="0"/>
+              <a:rPr lang="en-JP" altLang="ja-JP" dirty="0"/>
+              <a:t>・</a:t>
+            </a:r>
+            <a:r>
+              <a:rPr lang="ja-JP" altLang="en-US" dirty="0"/>
+              <a:t>新しく提案された手法でも過去の手法より苦手な評価項目が存在してる。</a:t>
+            </a:r>
+            <a:r>
+              <a:rPr lang="en-US" altLang="ja-JP" dirty="0"/>
               <a:t>(</a:t>
             </a:r>
             <a:r>
-              <a:rPr lang="en-US" altLang="ja-JP" sz="1200" dirty="0" err="1"/>
-              <a:t>Removing_Anomalies_as_Noises_for_Industrial_Defect_Localization</a:t>
-            </a:r>
-            <a:r>
-              <a:rPr lang="en-US" altLang="ja-JP" sz="1200" dirty="0"/>
+              <a:rPr lang="ja-JP" altLang="en-US" dirty="0"/>
+              <a:t>平均的な性能は優れているが</a:t>
+            </a:r>
+            <a:r>
+              <a:rPr lang="en-US" altLang="ja-JP" dirty="0"/>
               <a:t>)</a:t>
             </a:r>
-            <a:endParaRPr kumimoji="1" lang="ja-JP" altLang="en-US" sz="1200" dirty="0"/>
+          </a:p>
+          <a:p>
+            <a:endParaRPr lang="en-US" altLang="ja-JP" dirty="0"/>
+          </a:p>
+          <a:p>
+            <a:r>
+              <a:rPr lang="ja-JP" altLang="en-US" dirty="0"/>
+              <a:t>・損失関数の設計。</a:t>
+            </a:r>
+            <a:endParaRPr lang="en-US" altLang="ja-JP" dirty="0"/>
+          </a:p>
+          <a:p>
+            <a:endParaRPr lang="en-US" altLang="ja-JP" dirty="0"/>
+          </a:p>
+          <a:p>
+            <a:r>
+              <a:rPr lang="ja-JP" altLang="en-US" dirty="0"/>
+              <a:t>・意外と</a:t>
+            </a:r>
+            <a:r>
+              <a:rPr lang="en-US" altLang="ja-JP" dirty="0"/>
+              <a:t>”</a:t>
+            </a:r>
+            <a:r>
+              <a:rPr lang="ja-JP" altLang="en-US" dirty="0"/>
+              <a:t>既存の手法の改善</a:t>
+            </a:r>
+            <a:r>
+              <a:rPr lang="en-US" altLang="ja-JP" dirty="0"/>
+              <a:t>”</a:t>
+            </a:r>
+            <a:r>
+              <a:rPr lang="ja-JP" altLang="en-US" dirty="0"/>
+              <a:t>で論文が出ていることに気づいた。</a:t>
+            </a:r>
+            <a:endParaRPr lang="en-US" altLang="ja-JP" dirty="0"/>
           </a:p>
         </p:txBody>
       </p:sp>
     </p:spTree>
     <p:extLst>
       <p:ext uri="{BB962C8B-B14F-4D97-AF65-F5344CB8AC3E}">
-        <p14:creationId xmlns:p14="http://schemas.microsoft.com/office/powerpoint/2010/main" val="359630709"/>
+        <p14:creationId xmlns:p14="http://schemas.microsoft.com/office/powerpoint/2010/main" val="3422333681"/>
       </p:ext>
     </p:extLst>
   </p:cSld>
@@ -9221,7 +9787,13 @@
   <p:cSld>
     <p:spTree>
       <p:nvGrpSpPr>
-        <p:cNvPr id="1" name=""/>
+        <p:cNvPr id="1" name="">
+          <a:extLst>
+            <a:ext uri="{FF2B5EF4-FFF2-40B4-BE49-F238E27FC236}">
+              <a16:creationId xmlns:a16="http://schemas.microsoft.com/office/drawing/2014/main" id="{79A214FC-E6F4-7B59-B279-01A956BB430F}"/>
+            </a:ext>
+          </a:extLst>
+        </p:cNvPr>
         <p:cNvGrpSpPr/>
         <p:nvPr/>
       </p:nvGrpSpPr>
@@ -9235,10 +9807,10 @@
       </p:grpSpPr>
       <p:sp>
         <p:nvSpPr>
-          <p:cNvPr id="2" name="Slide Number Placeholder 1">
-            <a:extLst>
-              <a:ext uri="{FF2B5EF4-FFF2-40B4-BE49-F238E27FC236}">
-                <a16:creationId xmlns:a16="http://schemas.microsoft.com/office/drawing/2014/main" id="{5751CFFC-35DF-11CF-319A-7BD996C08093}"/>
+          <p:cNvPr id="3" name="Slide Number Placeholder 2">
+            <a:extLst>
+              <a:ext uri="{FF2B5EF4-FFF2-40B4-BE49-F238E27FC236}">
+                <a16:creationId xmlns:a16="http://schemas.microsoft.com/office/drawing/2014/main" id="{64B16C86-23D5-F268-6A8B-5CA7887F9E60}"/>
               </a:ext>
             </a:extLst>
           </p:cNvPr>
@@ -9274,10 +9846,10 @@
       </p:sp>
       <p:sp>
         <p:nvSpPr>
-          <p:cNvPr id="3" name="TextBox 2">
-            <a:extLst>
-              <a:ext uri="{FF2B5EF4-FFF2-40B4-BE49-F238E27FC236}">
-                <a16:creationId xmlns:a16="http://schemas.microsoft.com/office/drawing/2014/main" id="{9245702B-67A0-528F-3DEE-771EFA468E1A}"/>
+          <p:cNvPr id="4" name="TextBox 3">
+            <a:extLst>
+              <a:ext uri="{FF2B5EF4-FFF2-40B4-BE49-F238E27FC236}">
+                <a16:creationId xmlns:a16="http://schemas.microsoft.com/office/drawing/2014/main" id="{DE968B57-7C15-67CE-CDB0-8B1BE675CB57}"/>
               </a:ext>
             </a:extLst>
           </p:cNvPr>
@@ -9302,75 +9874,420 @@
           <a:p>
             <a:r>
               <a:rPr lang="en-JP" sz="4000" dirty="0"/>
-              <a:t>My Opinion</a:t>
-            </a:r>
-          </a:p>
-        </p:txBody>
-      </p:sp>
-      <p:sp>
-        <p:nvSpPr>
-          <p:cNvPr id="4" name="正方形/長方形 3">
-            <a:extLst>
-              <a:ext uri="{FF2B5EF4-FFF2-40B4-BE49-F238E27FC236}">
-                <a16:creationId xmlns:a16="http://schemas.microsoft.com/office/drawing/2014/main" id="{D9186BEB-D3A8-4C93-B5B0-435567838C9C}"/>
-              </a:ext>
-            </a:extLst>
-          </p:cNvPr>
-          <p:cNvSpPr/>
+              <a:t>References</a:t>
+            </a:r>
+          </a:p>
+        </p:txBody>
+      </p:sp>
+      <p:sp>
+        <p:nvSpPr>
+          <p:cNvPr id="2" name="TextBox 1">
+            <a:extLst>
+              <a:ext uri="{FF2B5EF4-FFF2-40B4-BE49-F238E27FC236}">
+                <a16:creationId xmlns:a16="http://schemas.microsoft.com/office/drawing/2014/main" id="{8A354E10-C5BA-BE87-2451-351ED5C4E0E6}"/>
+              </a:ext>
+            </a:extLst>
+          </p:cNvPr>
+          <p:cNvSpPr txBox="1"/>
           <p:nvPr/>
         </p:nvSpPr>
         <p:spPr>
           <a:xfrm>
-            <a:off x="449016" y="1314105"/>
-            <a:ext cx="11282319" cy="923330"/>
+            <a:off x="149902" y="1244183"/>
+            <a:ext cx="11887200" cy="5355312"/>
           </a:xfrm>
           <a:prstGeom prst="rect">
             <a:avLst/>
           </a:prstGeom>
+          <a:noFill/>
         </p:spPr>
         <p:txBody>
-          <a:bodyPr wrap="square">
+          <a:bodyPr wrap="square" rtlCol="0">
             <a:spAutoFit/>
           </a:bodyPr>
           <a:lstStyle/>
           <a:p>
             <a:r>
+              <a:rPr lang="ja-JP" altLang="en-US" b="1" dirty="0"/>
+              <a:t>メモリバンクベースの手法</a:t>
+            </a:r>
+            <a:endParaRPr lang="en-US" altLang="ja-JP" b="1" dirty="0"/>
+          </a:p>
+          <a:p>
+            <a:r>
               <a:rPr lang="en-JP" altLang="ja-JP" dirty="0"/>
-              <a:t>・</a:t>
+              <a:t>[1]</a:t>
             </a:r>
             <a:r>
               <a:rPr lang="ja-JP" altLang="en-US" dirty="0"/>
-              <a:t>新しく提案された手法でも過去の手法より苦手な評価項目が存在する。</a:t>
+              <a:t> </a:t>
             </a:r>
             <a:r>
               <a:rPr lang="en-US" altLang="ja-JP" dirty="0"/>
-              <a:t>(</a:t>
-            </a:r>
-            <a:r>
-              <a:rPr lang="ja-JP" altLang="en-US" dirty="0"/>
-              <a:t>平均的な性能は優れているが</a:t>
+              <a:t>Bergman</a:t>
+            </a:r>
+            <a:r>
+              <a:rPr lang="en-JP" altLang="ja-JP" dirty="0"/>
+              <a:t> </a:t>
+            </a:r>
+            <a:r>
+              <a:rPr lang="en-JP" altLang="ja-JP" i="1" dirty="0"/>
+              <a:t>et.al., </a:t>
+            </a:r>
+            <a:r>
+              <a:rPr lang="en-US" dirty="0">
+                <a:solidFill>
+                  <a:srgbClr val="000000"/>
+                </a:solidFill>
+                <a:hlinkClick r:id="rId3"/>
+              </a:rPr>
+              <a:t>“Deep Nearest Neighbor Anomaly Detection</a:t>
+            </a:r>
+            <a:r>
+              <a:rPr lang="en-US" dirty="0">
+                <a:solidFill>
+                  <a:srgbClr val="000000"/>
+                </a:solidFill>
+              </a:rPr>
+              <a:t>”, 2020, </a:t>
             </a:r>
             <a:r>
               <a:rPr lang="en-US" altLang="ja-JP" dirty="0"/>
-              <a:t>)</a:t>
-            </a:r>
-          </a:p>
-          <a:p>
+              <a:t>ICLR 2020</a:t>
+            </a:r>
+          </a:p>
+          <a:p>
+            <a:r>
+              <a:rPr lang="en-JP" altLang="ja-JP" dirty="0"/>
+              <a:t>[</a:t>
+            </a:r>
+            <a:r>
+              <a:rPr lang="en-US" altLang="ja-JP" dirty="0"/>
+              <a:t>2</a:t>
+            </a:r>
+            <a:r>
+              <a:rPr lang="en-JP" altLang="ja-JP" dirty="0"/>
+              <a:t>]</a:t>
+            </a:r>
+            <a:r>
+              <a:rPr lang="en-US" altLang="ja-JP" dirty="0">
+                <a:solidFill>
+                  <a:srgbClr val="000000"/>
+                </a:solidFill>
+              </a:rPr>
+              <a:t> </a:t>
+            </a:r>
+            <a:r>
+              <a:rPr lang="en-US" altLang="ja-JP" dirty="0"/>
+              <a:t>Cohen et.al., </a:t>
+            </a:r>
+            <a:r>
+              <a:rPr lang="en-US" altLang="ja-JP" dirty="0">
+                <a:solidFill>
+                  <a:srgbClr val="000000"/>
+                </a:solidFill>
+                <a:hlinkClick r:id="rId4"/>
+              </a:rPr>
+              <a:t>“Sub-Image Anomaly Detection with Deep Pyramid Correspondences</a:t>
+            </a:r>
+            <a:r>
+              <a:rPr lang="en-US" altLang="ja-JP" dirty="0">
+                <a:hlinkClick r:id="rId5"/>
+              </a:rPr>
+              <a:t>”</a:t>
+            </a:r>
+            <a:r>
+              <a:rPr lang="en-US" altLang="ja-JP" dirty="0">
+                <a:solidFill>
+                  <a:srgbClr val="000000"/>
+                </a:solidFill>
+              </a:rPr>
+              <a:t> 2020, </a:t>
+            </a:r>
+            <a:r>
+              <a:rPr lang="en-US" altLang="ja-JP" dirty="0"/>
+              <a:t>CVPR 2020 </a:t>
+            </a:r>
+          </a:p>
+          <a:p>
+            <a:r>
+              <a:rPr lang="en-JP" altLang="ja-JP" dirty="0"/>
+              <a:t>[</a:t>
+            </a:r>
+            <a:r>
+              <a:rPr lang="en-US" altLang="ja-JP" dirty="0"/>
+              <a:t>3</a:t>
+            </a:r>
+            <a:r>
+              <a:rPr lang="en-JP" altLang="ja-JP" dirty="0"/>
+              <a:t>]</a:t>
+            </a:r>
+            <a:r>
+              <a:rPr lang="en-US" altLang="ja-JP" dirty="0"/>
+              <a:t> </a:t>
+            </a:r>
+            <a:r>
+              <a:rPr lang="en-US" altLang="ja-JP" dirty="0" err="1"/>
+              <a:t>Defard</a:t>
+            </a:r>
+            <a:r>
+              <a:rPr lang="en-US" altLang="ja-JP" dirty="0"/>
+              <a:t> et.al., </a:t>
+            </a:r>
+            <a:r>
+              <a:rPr lang="en-US" altLang="ja-JP" dirty="0">
+                <a:hlinkClick r:id="rId6"/>
+              </a:rPr>
+              <a:t>“</a:t>
+            </a:r>
+            <a:r>
+              <a:rPr lang="en-US" altLang="ja-JP" dirty="0" err="1">
+                <a:hlinkClick r:id="rId6"/>
+              </a:rPr>
+              <a:t>PaDiM</a:t>
+            </a:r>
+            <a:r>
+              <a:rPr lang="en-US" altLang="ja-JP" dirty="0">
+                <a:hlinkClick r:id="rId6"/>
+              </a:rPr>
+              <a:t>: a Patch Distribution Modeling Framework for Anomaly Detection and Localization</a:t>
+            </a:r>
+            <a:r>
+              <a:rPr lang="en-US" altLang="ja-JP" dirty="0">
+                <a:hlinkClick r:id="rId5"/>
+              </a:rPr>
+              <a:t>”</a:t>
+            </a:r>
+            <a:r>
+              <a:rPr lang="en-US" altLang="ja-JP" dirty="0">
+                <a:solidFill>
+                  <a:srgbClr val="000000"/>
+                </a:solidFill>
+              </a:rPr>
+              <a:t> 2020, ICIP</a:t>
+            </a:r>
+            <a:r>
+              <a:rPr lang="ja-JP" altLang="en-US" dirty="0">
+                <a:solidFill>
+                  <a:srgbClr val="000000"/>
+                </a:solidFill>
+              </a:rPr>
+              <a:t> </a:t>
+            </a:r>
+            <a:r>
+              <a:rPr lang="en-US" altLang="ja-JP" dirty="0">
+                <a:solidFill>
+                  <a:srgbClr val="000000"/>
+                </a:solidFill>
+              </a:rPr>
+              <a:t>2021</a:t>
+            </a:r>
             <a:endParaRPr lang="en-US" altLang="ja-JP" dirty="0"/>
           </a:p>
           <a:p>
             <a:r>
-              <a:rPr lang="ja-JP" altLang="en-US"/>
-              <a:t>・</a:t>
-            </a:r>
+              <a:rPr lang="en-JP" altLang="ja-JP" dirty="0"/>
+              <a:t>[</a:t>
+            </a:r>
+            <a:r>
+              <a:rPr lang="en-US" altLang="ja-JP" dirty="0"/>
+              <a:t>4</a:t>
+            </a:r>
+            <a:r>
+              <a:rPr lang="en-JP" altLang="ja-JP" dirty="0"/>
+              <a:t>]</a:t>
+            </a:r>
+            <a:r>
+              <a:rPr lang="en-US" altLang="ja-JP" dirty="0"/>
+              <a:t> Roth et.al., </a:t>
+            </a:r>
+            <a:r>
+              <a:rPr lang="en-US" altLang="ja-JP" dirty="0">
+                <a:hlinkClick r:id="rId5"/>
+              </a:rPr>
+              <a:t>“Towards Total Recall in Industrial Anomaly Detection”</a:t>
+            </a:r>
+            <a:r>
+              <a:rPr lang="en-US" altLang="ja-JP" dirty="0">
+                <a:solidFill>
+                  <a:srgbClr val="000000"/>
+                </a:solidFill>
+              </a:rPr>
+              <a:t> 2021, </a:t>
+            </a:r>
+            <a:r>
+              <a:rPr lang="en-US" altLang="ja-JP" dirty="0"/>
+              <a:t>CVPR 2022</a:t>
+            </a:r>
+          </a:p>
+          <a:p>
             <a:endParaRPr lang="en-US" altLang="ja-JP" dirty="0"/>
+          </a:p>
+          <a:p>
+            <a:endParaRPr lang="en-US" altLang="ja-JP" dirty="0"/>
+          </a:p>
+          <a:p>
+            <a:r>
+              <a:rPr lang="ja-JP" altLang="en-US" b="1" dirty="0"/>
+              <a:t>再構成ベースの手法</a:t>
+            </a:r>
+            <a:endParaRPr lang="en-US" altLang="ja-JP" b="1" dirty="0"/>
+          </a:p>
+          <a:p>
+            <a:r>
+              <a:rPr lang="en-JP" altLang="ja-JP" dirty="0"/>
+              <a:t>[</a:t>
+            </a:r>
+            <a:r>
+              <a:rPr lang="en-US" altLang="ja-JP" dirty="0"/>
+              <a:t>5</a:t>
+            </a:r>
+            <a:r>
+              <a:rPr lang="en-JP" altLang="ja-JP" dirty="0"/>
+              <a:t>]</a:t>
+            </a:r>
+            <a:r>
+              <a:rPr lang="en-US" altLang="ja-JP" dirty="0"/>
+              <a:t> Bergmann et.al., </a:t>
+            </a:r>
+            <a:r>
+              <a:rPr lang="en-US" altLang="ja-JP" dirty="0">
+                <a:hlinkClick r:id="rId7"/>
+              </a:rPr>
+              <a:t>“Improving Unsupervised Defect Segmentation by Applying Structural Similarity to Autoencoders”</a:t>
+            </a:r>
+            <a:r>
+              <a:rPr lang="en-US" altLang="ja-JP" dirty="0">
+                <a:solidFill>
+                  <a:srgbClr val="000000"/>
+                </a:solidFill>
+              </a:rPr>
+              <a:t> 2018, </a:t>
+            </a:r>
+            <a:r>
+              <a:rPr lang="en-US" altLang="ja-JP" dirty="0"/>
+              <a:t>VISAPP 2019</a:t>
+            </a:r>
+          </a:p>
+          <a:p>
+            <a:r>
+              <a:rPr lang="en-JP" altLang="ja-JP" dirty="0"/>
+              <a:t>[</a:t>
+            </a:r>
+            <a:r>
+              <a:rPr lang="en-US" altLang="ja-JP" dirty="0"/>
+              <a:t>6</a:t>
+            </a:r>
+            <a:r>
+              <a:rPr lang="en-JP" altLang="ja-JP" dirty="0"/>
+              <a:t>]</a:t>
+            </a:r>
+            <a:r>
+              <a:rPr lang="en-US" altLang="ja-JP" dirty="0"/>
+              <a:t> You et.al., </a:t>
+            </a:r>
+            <a:r>
+              <a:rPr lang="en-US" altLang="ja-JP" dirty="0">
+                <a:hlinkClick r:id="rId8"/>
+              </a:rPr>
+              <a:t>“ADTR: Anomaly Detection Transformer with Feature Reconstruction”</a:t>
+            </a:r>
+            <a:r>
+              <a:rPr lang="en-US" altLang="ja-JP" dirty="0">
+                <a:solidFill>
+                  <a:srgbClr val="000000"/>
+                </a:solidFill>
+              </a:rPr>
+              <a:t> 2022, </a:t>
+            </a:r>
+            <a:r>
+              <a:rPr lang="en-US" altLang="ja-JP" dirty="0"/>
+              <a:t>ICME 2022</a:t>
+            </a:r>
+          </a:p>
+          <a:p>
+            <a:r>
+              <a:rPr lang="en-JP" altLang="ja-JP" dirty="0"/>
+              <a:t>[</a:t>
+            </a:r>
+            <a:r>
+              <a:rPr lang="en-US" altLang="ja-JP" dirty="0"/>
+              <a:t>7</a:t>
+            </a:r>
+            <a:r>
+              <a:rPr lang="en-JP" altLang="ja-JP" dirty="0"/>
+              <a:t>]</a:t>
+            </a:r>
+            <a:r>
+              <a:rPr lang="en-US" altLang="ja-JP" dirty="0"/>
+              <a:t> Lu et.al., </a:t>
+            </a:r>
+            <a:r>
+              <a:rPr lang="en-US" dirty="0">
+                <a:solidFill>
+                  <a:srgbClr val="000000"/>
+                </a:solidFill>
+                <a:hlinkClick r:id="rId9"/>
+              </a:rPr>
+              <a:t>“Removing Anomalies as Noises for Industrial Defect Localization”</a:t>
+            </a:r>
+            <a:r>
+              <a:rPr lang="en-US" altLang="ja-JP" dirty="0">
+                <a:solidFill>
+                  <a:srgbClr val="000000"/>
+                </a:solidFill>
+              </a:rPr>
+              <a:t> 2023, ICCV 2023</a:t>
+            </a:r>
+          </a:p>
+          <a:p>
+            <a:endParaRPr lang="en-US" altLang="ja-JP" dirty="0">
+              <a:solidFill>
+                <a:srgbClr val="000000"/>
+              </a:solidFill>
+            </a:endParaRPr>
+          </a:p>
+          <a:p>
+            <a:endParaRPr lang="en-US" altLang="ja-JP" dirty="0">
+              <a:solidFill>
+                <a:srgbClr val="000000"/>
+              </a:solidFill>
+            </a:endParaRPr>
+          </a:p>
+          <a:p>
+            <a:endParaRPr lang="en-US" altLang="ja-JP" dirty="0">
+              <a:solidFill>
+                <a:srgbClr val="000000"/>
+              </a:solidFill>
+            </a:endParaRPr>
+          </a:p>
+          <a:p>
+            <a:endParaRPr lang="en-US" altLang="ja-JP" dirty="0">
+              <a:solidFill>
+                <a:srgbClr val="000000"/>
+              </a:solidFill>
+            </a:endParaRPr>
+          </a:p>
+          <a:p>
+            <a:endParaRPr lang="en-US" altLang="ja-JP" dirty="0">
+              <a:solidFill>
+                <a:srgbClr val="000000"/>
+              </a:solidFill>
+            </a:endParaRPr>
+          </a:p>
+          <a:p>
+            <a:endParaRPr lang="en-US" altLang="ja-JP" dirty="0">
+              <a:solidFill>
+                <a:srgbClr val="000000"/>
+              </a:solidFill>
+            </a:endParaRPr>
           </a:p>
         </p:txBody>
       </p:sp>
     </p:spTree>
     <p:extLst>
       <p:ext uri="{BB962C8B-B14F-4D97-AF65-F5344CB8AC3E}">
-        <p14:creationId xmlns:p14="http://schemas.microsoft.com/office/powerpoint/2010/main" val="3422333681"/>
+        <p14:creationId xmlns:p14="http://schemas.microsoft.com/office/powerpoint/2010/main" val="2830937450"/>
       </p:ext>
     </p:extLst>
   </p:cSld>
@@ -9393,17 +10310,11 @@
 </file>
 
 <file path=ppt/slides/slide14.xml><?xml version="1.0" encoding="utf-8"?>
-<p:sld xmlns:a="http://schemas.openxmlformats.org/drawingml/2006/main" xmlns:r="http://schemas.openxmlformats.org/officeDocument/2006/relationships" xmlns:p="http://schemas.openxmlformats.org/presentationml/2006/main">
+<p:sld xmlns:a="http://schemas.openxmlformats.org/drawingml/2006/main" xmlns:r="http://schemas.openxmlformats.org/officeDocument/2006/relationships" xmlns:p="http://schemas.openxmlformats.org/presentationml/2006/main" show="0">
   <p:cSld>
     <p:spTree>
       <p:nvGrpSpPr>
-        <p:cNvPr id="1" name="">
-          <a:extLst>
-            <a:ext uri="{FF2B5EF4-FFF2-40B4-BE49-F238E27FC236}">
-              <a16:creationId xmlns:a16="http://schemas.microsoft.com/office/drawing/2014/main" id="{79A214FC-E6F4-7B59-B279-01A956BB430F}"/>
-            </a:ext>
-          </a:extLst>
-        </p:cNvPr>
+        <p:cNvPr id="1" name=""/>
         <p:cNvGrpSpPr/>
         <p:nvPr/>
       </p:nvGrpSpPr>
@@ -9417,10 +10328,10 @@
       </p:grpSpPr>
       <p:sp>
         <p:nvSpPr>
-          <p:cNvPr id="3" name="Slide Number Placeholder 2">
-            <a:extLst>
-              <a:ext uri="{FF2B5EF4-FFF2-40B4-BE49-F238E27FC236}">
-                <a16:creationId xmlns:a16="http://schemas.microsoft.com/office/drawing/2014/main" id="{64B16C86-23D5-F268-6A8B-5CA7887F9E60}"/>
+          <p:cNvPr id="2" name="Slide Number Placeholder 1">
+            <a:extLst>
+              <a:ext uri="{FF2B5EF4-FFF2-40B4-BE49-F238E27FC236}">
+                <a16:creationId xmlns:a16="http://schemas.microsoft.com/office/drawing/2014/main" id="{5751CFFC-35DF-11CF-319A-7BD996C08093}"/>
               </a:ext>
             </a:extLst>
           </p:cNvPr>
@@ -9456,10 +10367,10 @@
       </p:sp>
       <p:sp>
         <p:nvSpPr>
-          <p:cNvPr id="4" name="TextBox 3">
-            <a:extLst>
-              <a:ext uri="{FF2B5EF4-FFF2-40B4-BE49-F238E27FC236}">
-                <a16:creationId xmlns:a16="http://schemas.microsoft.com/office/drawing/2014/main" id="{DE968B57-7C15-67CE-CDB0-8B1BE675CB57}"/>
+          <p:cNvPr id="3" name="TextBox 3">
+            <a:extLst>
+              <a:ext uri="{FF2B5EF4-FFF2-40B4-BE49-F238E27FC236}">
+                <a16:creationId xmlns:a16="http://schemas.microsoft.com/office/drawing/2014/main" id="{EF5D977A-F8F0-47E5-BD7B-BE57513E752C}"/>
               </a:ext>
             </a:extLst>
           </p:cNvPr>
@@ -9468,8 +10379,8 @@
         </p:nvSpPr>
         <p:spPr>
           <a:xfrm>
-            <a:off x="449017" y="269481"/>
-            <a:ext cx="7135318" cy="707886"/>
+            <a:off x="449017" y="1472206"/>
+            <a:ext cx="11136626" cy="954107"/>
           </a:xfrm>
           <a:prstGeom prst="rect">
             <a:avLst/>
@@ -9482,422 +10393,27 @@
           </a:bodyPr>
           <a:lstStyle/>
           <a:p>
-            <a:r>
-              <a:rPr lang="en-JP" sz="4000" dirty="0"/>
-              <a:t>References</a:t>
-            </a:r>
-          </a:p>
-        </p:txBody>
-      </p:sp>
-      <p:sp>
-        <p:nvSpPr>
-          <p:cNvPr id="2" name="TextBox 1">
-            <a:extLst>
-              <a:ext uri="{FF2B5EF4-FFF2-40B4-BE49-F238E27FC236}">
-                <a16:creationId xmlns:a16="http://schemas.microsoft.com/office/drawing/2014/main" id="{8A354E10-C5BA-BE87-2451-351ED5C4E0E6}"/>
-              </a:ext>
-            </a:extLst>
-          </p:cNvPr>
-          <p:cNvSpPr txBox="1"/>
-          <p:nvPr/>
-        </p:nvSpPr>
-        <p:spPr>
-          <a:xfrm>
-            <a:off x="149902" y="1244183"/>
-            <a:ext cx="11887200" cy="5355312"/>
-          </a:xfrm>
-          <a:prstGeom prst="rect">
-            <a:avLst/>
-          </a:prstGeom>
-          <a:noFill/>
-        </p:spPr>
-        <p:txBody>
-          <a:bodyPr wrap="square" rtlCol="0">
-            <a:spAutoFit/>
-          </a:bodyPr>
-          <a:lstStyle/>
-          <a:p>
-            <a:r>
-              <a:rPr lang="ja-JP" altLang="en-US" b="1" dirty="0"/>
-              <a:t>メモリバンクベースの手法</a:t>
-            </a:r>
-            <a:endParaRPr lang="en-US" altLang="ja-JP" b="1" dirty="0"/>
-          </a:p>
-          <a:p>
-            <a:r>
-              <a:rPr lang="en-JP" altLang="ja-JP" dirty="0"/>
-              <a:t>[1]</a:t>
-            </a:r>
-            <a:r>
-              <a:rPr lang="ja-JP" altLang="en-US" dirty="0"/>
-              <a:t> </a:t>
-            </a:r>
-            <a:r>
-              <a:rPr lang="en-US" altLang="ja-JP" dirty="0"/>
-              <a:t>Bergman</a:t>
-            </a:r>
-            <a:r>
-              <a:rPr lang="en-JP" altLang="ja-JP" dirty="0"/>
-              <a:t> </a:t>
-            </a:r>
-            <a:r>
-              <a:rPr lang="en-JP" altLang="ja-JP" i="1" dirty="0"/>
-              <a:t>et.al., </a:t>
-            </a:r>
-            <a:r>
-              <a:rPr lang="en-US" dirty="0">
-                <a:solidFill>
-                  <a:srgbClr val="000000"/>
-                </a:solidFill>
-                <a:hlinkClick r:id="rId3"/>
-              </a:rPr>
-              <a:t>“Deep Nearest Neighbor Anomaly Detection</a:t>
-            </a:r>
-            <a:r>
-              <a:rPr lang="en-US" dirty="0">
-                <a:solidFill>
-                  <a:srgbClr val="000000"/>
-                </a:solidFill>
-              </a:rPr>
-              <a:t>”, 2020, </a:t>
-            </a:r>
-            <a:r>
-              <a:rPr lang="en-US" altLang="ja-JP" dirty="0"/>
-              <a:t>ICLR 2020</a:t>
-            </a:r>
-          </a:p>
-          <a:p>
-            <a:r>
-              <a:rPr lang="en-JP" altLang="ja-JP" dirty="0"/>
-              <a:t>[</a:t>
-            </a:r>
-            <a:r>
-              <a:rPr lang="en-US" altLang="ja-JP" dirty="0"/>
-              <a:t>2</a:t>
-            </a:r>
-            <a:r>
-              <a:rPr lang="en-JP" altLang="ja-JP" dirty="0"/>
-              <a:t>]</a:t>
-            </a:r>
-            <a:r>
-              <a:rPr lang="en-US" altLang="ja-JP" dirty="0">
-                <a:solidFill>
-                  <a:srgbClr val="000000"/>
-                </a:solidFill>
-              </a:rPr>
-              <a:t> </a:t>
-            </a:r>
-            <a:r>
-              <a:rPr lang="en-US" altLang="ja-JP" dirty="0"/>
-              <a:t>Cohen et.al., </a:t>
-            </a:r>
-            <a:r>
-              <a:rPr lang="en-US" altLang="ja-JP" dirty="0">
-                <a:solidFill>
-                  <a:srgbClr val="000000"/>
-                </a:solidFill>
-                <a:hlinkClick r:id="rId4"/>
-              </a:rPr>
-              <a:t>“Sub-Image Anomaly Detection with Deep Pyramid Correspondences</a:t>
-            </a:r>
-            <a:r>
-              <a:rPr lang="en-US" altLang="ja-JP" dirty="0">
-                <a:hlinkClick r:id="rId5"/>
-              </a:rPr>
-              <a:t>”</a:t>
-            </a:r>
-            <a:r>
-              <a:rPr lang="en-US" altLang="ja-JP" dirty="0">
-                <a:solidFill>
-                  <a:srgbClr val="000000"/>
-                </a:solidFill>
-              </a:rPr>
-              <a:t> 2020, </a:t>
-            </a:r>
-            <a:r>
-              <a:rPr lang="en-US" altLang="ja-JP" dirty="0"/>
-              <a:t>CVPR 2020 </a:t>
-            </a:r>
-          </a:p>
-          <a:p>
-            <a:r>
-              <a:rPr lang="en-JP" altLang="ja-JP" dirty="0"/>
-              <a:t>[</a:t>
-            </a:r>
-            <a:r>
-              <a:rPr lang="en-US" altLang="ja-JP" dirty="0"/>
-              <a:t>3</a:t>
-            </a:r>
-            <a:r>
-              <a:rPr lang="en-JP" altLang="ja-JP" dirty="0"/>
-              <a:t>]</a:t>
-            </a:r>
-            <a:r>
-              <a:rPr lang="en-US" altLang="ja-JP" dirty="0"/>
-              <a:t> </a:t>
-            </a:r>
-            <a:r>
-              <a:rPr lang="en-US" altLang="ja-JP" dirty="0" err="1"/>
-              <a:t>Defard</a:t>
-            </a:r>
-            <a:r>
-              <a:rPr lang="en-US" altLang="ja-JP" dirty="0"/>
-              <a:t> et.al., </a:t>
-            </a:r>
-            <a:r>
-              <a:rPr lang="en-US" altLang="ja-JP" dirty="0">
-                <a:hlinkClick r:id="rId6"/>
-              </a:rPr>
-              <a:t>“</a:t>
-            </a:r>
-            <a:r>
-              <a:rPr lang="en-US" altLang="ja-JP" dirty="0" err="1">
-                <a:hlinkClick r:id="rId6"/>
-              </a:rPr>
-              <a:t>PaDiM</a:t>
-            </a:r>
-            <a:r>
-              <a:rPr lang="en-US" altLang="ja-JP" dirty="0">
-                <a:hlinkClick r:id="rId6"/>
-              </a:rPr>
-              <a:t>: a Patch Distribution Modeling Framework for Anomaly Detection and Localization</a:t>
-            </a:r>
-            <a:r>
-              <a:rPr lang="en-US" altLang="ja-JP" dirty="0">
-                <a:hlinkClick r:id="rId5"/>
-              </a:rPr>
-              <a:t>”</a:t>
-            </a:r>
-            <a:r>
-              <a:rPr lang="en-US" altLang="ja-JP" dirty="0">
-                <a:solidFill>
-                  <a:srgbClr val="000000"/>
-                </a:solidFill>
-              </a:rPr>
-              <a:t> 2020, ICIP</a:t>
-            </a:r>
-            <a:r>
-              <a:rPr lang="ja-JP" altLang="en-US" dirty="0">
-                <a:solidFill>
-                  <a:srgbClr val="000000"/>
-                </a:solidFill>
-              </a:rPr>
-              <a:t> </a:t>
-            </a:r>
-            <a:r>
-              <a:rPr lang="en-US" altLang="ja-JP" dirty="0">
-                <a:solidFill>
-                  <a:srgbClr val="000000"/>
-                </a:solidFill>
-              </a:rPr>
-              <a:t>2021</a:t>
-            </a:r>
-            <a:endParaRPr lang="en-US" altLang="ja-JP" dirty="0"/>
-          </a:p>
-          <a:p>
-            <a:r>
-              <a:rPr lang="en-JP" altLang="ja-JP" dirty="0"/>
-              <a:t>[</a:t>
-            </a:r>
-            <a:r>
-              <a:rPr lang="en-US" altLang="ja-JP" dirty="0"/>
-              <a:t>4</a:t>
-            </a:r>
-            <a:r>
-              <a:rPr lang="en-JP" altLang="ja-JP" dirty="0"/>
-              <a:t>]</a:t>
-            </a:r>
-            <a:r>
-              <a:rPr lang="en-US" altLang="ja-JP" dirty="0"/>
-              <a:t> Roth et.al., </a:t>
-            </a:r>
-            <a:r>
-              <a:rPr lang="en-US" altLang="ja-JP" dirty="0">
-                <a:hlinkClick r:id="rId5"/>
-              </a:rPr>
-              <a:t>“Towards Total Recall in Industrial Anomaly Detection”</a:t>
-            </a:r>
-            <a:r>
-              <a:rPr lang="en-US" altLang="ja-JP" dirty="0">
-                <a:solidFill>
-                  <a:srgbClr val="000000"/>
-                </a:solidFill>
-              </a:rPr>
-              <a:t> 2021, </a:t>
-            </a:r>
-            <a:r>
-              <a:rPr lang="en-US" altLang="ja-JP" dirty="0"/>
-              <a:t>CVPR 2022</a:t>
-            </a:r>
-          </a:p>
-          <a:p>
-            <a:endParaRPr lang="en-US" altLang="ja-JP" dirty="0"/>
-          </a:p>
-          <a:p>
-            <a:endParaRPr lang="en-US" altLang="ja-JP" dirty="0"/>
-          </a:p>
-          <a:p>
-            <a:r>
-              <a:rPr lang="ja-JP" altLang="en-US" b="1" dirty="0"/>
-              <a:t>再構成ベースの手法</a:t>
-            </a:r>
-            <a:endParaRPr lang="en-US" altLang="ja-JP" b="1" dirty="0"/>
-          </a:p>
-          <a:p>
-            <a:r>
-              <a:rPr lang="en-JP" altLang="ja-JP" dirty="0"/>
-              <a:t>[</a:t>
-            </a:r>
-            <a:r>
-              <a:rPr lang="en-US" altLang="ja-JP" dirty="0"/>
-              <a:t>5</a:t>
-            </a:r>
-            <a:r>
-              <a:rPr lang="en-JP" altLang="ja-JP" dirty="0"/>
-              <a:t>]</a:t>
-            </a:r>
-            <a:r>
-              <a:rPr lang="en-US" altLang="ja-JP" dirty="0"/>
-              <a:t> Bergmann et.al., </a:t>
-            </a:r>
-            <a:r>
-              <a:rPr lang="en-US" altLang="ja-JP" dirty="0">
-                <a:hlinkClick r:id="rId7"/>
-              </a:rPr>
-              <a:t>“Improving Unsupervised Defect Segmentation by Applying Structural Similarity to Autoencoders”</a:t>
-            </a:r>
-            <a:r>
-              <a:rPr lang="en-US" altLang="ja-JP" dirty="0">
-                <a:solidFill>
-                  <a:srgbClr val="000000"/>
-                </a:solidFill>
-              </a:rPr>
-              <a:t> 2018, </a:t>
-            </a:r>
-            <a:r>
-              <a:rPr lang="en-US" altLang="ja-JP" dirty="0"/>
-              <a:t>VISAPP 2019</a:t>
-            </a:r>
-          </a:p>
-          <a:p>
-            <a:r>
-              <a:rPr lang="en-JP" altLang="ja-JP" dirty="0"/>
-              <a:t>[</a:t>
-            </a:r>
-            <a:r>
-              <a:rPr lang="en-US" altLang="ja-JP" dirty="0"/>
-              <a:t>6</a:t>
-            </a:r>
-            <a:r>
-              <a:rPr lang="en-JP" altLang="ja-JP" dirty="0"/>
-              <a:t>]</a:t>
-            </a:r>
-            <a:r>
-              <a:rPr lang="en-US" altLang="ja-JP" dirty="0"/>
-              <a:t> You et.al., </a:t>
-            </a:r>
-            <a:r>
-              <a:rPr lang="en-US" altLang="ja-JP" dirty="0">
-                <a:hlinkClick r:id="rId8"/>
-              </a:rPr>
-              <a:t>“ADTR: Anomaly Detection Transformer with Feature Reconstruction”</a:t>
-            </a:r>
-            <a:r>
-              <a:rPr lang="en-US" altLang="ja-JP" dirty="0">
-                <a:solidFill>
-                  <a:srgbClr val="000000"/>
-                </a:solidFill>
-              </a:rPr>
-              <a:t> 2022, </a:t>
-            </a:r>
-            <a:r>
-              <a:rPr lang="en-US" altLang="ja-JP" dirty="0"/>
-              <a:t>ICME 2022</a:t>
-            </a:r>
-          </a:p>
-          <a:p>
-            <a:r>
-              <a:rPr lang="en-JP" altLang="ja-JP" dirty="0"/>
-              <a:t>[</a:t>
-            </a:r>
-            <a:r>
-              <a:rPr lang="en-US" altLang="ja-JP" dirty="0"/>
-              <a:t>7</a:t>
-            </a:r>
-            <a:r>
-              <a:rPr lang="en-JP" altLang="ja-JP" dirty="0"/>
-              <a:t>]</a:t>
-            </a:r>
-            <a:r>
-              <a:rPr lang="en-US" altLang="ja-JP" dirty="0"/>
-              <a:t> Lu et.al., </a:t>
-            </a:r>
-            <a:r>
-              <a:rPr lang="en-US" dirty="0">
-                <a:solidFill>
-                  <a:srgbClr val="000000"/>
-                </a:solidFill>
-                <a:hlinkClick r:id="rId9"/>
-              </a:rPr>
-              <a:t>“Removing Anomalies as Noises for Industrial Defect Localization”</a:t>
-            </a:r>
-            <a:r>
-              <a:rPr lang="en-US" altLang="ja-JP" dirty="0">
-                <a:solidFill>
-                  <a:srgbClr val="000000"/>
-                </a:solidFill>
-              </a:rPr>
-              <a:t> 2023, ICCV 2023</a:t>
-            </a:r>
-          </a:p>
-          <a:p>
-            <a:endParaRPr lang="en-US" altLang="ja-JP" dirty="0">
-              <a:solidFill>
-                <a:srgbClr val="000000"/>
-              </a:solidFill>
-            </a:endParaRPr>
-          </a:p>
-          <a:p>
-            <a:endParaRPr lang="en-US" altLang="ja-JP" dirty="0">
-              <a:solidFill>
-                <a:srgbClr val="000000"/>
-              </a:solidFill>
-            </a:endParaRPr>
-          </a:p>
-          <a:p>
-            <a:endParaRPr lang="en-US" altLang="ja-JP" dirty="0">
-              <a:solidFill>
-                <a:srgbClr val="000000"/>
-              </a:solidFill>
-            </a:endParaRPr>
-          </a:p>
-          <a:p>
-            <a:endParaRPr lang="en-US" altLang="ja-JP" dirty="0">
-              <a:solidFill>
-                <a:srgbClr val="000000"/>
-              </a:solidFill>
-            </a:endParaRPr>
-          </a:p>
-          <a:p>
-            <a:endParaRPr lang="en-US" altLang="ja-JP" dirty="0">
-              <a:solidFill>
-                <a:srgbClr val="000000"/>
-              </a:solidFill>
-            </a:endParaRPr>
-          </a:p>
-          <a:p>
-            <a:endParaRPr lang="en-US" altLang="ja-JP" dirty="0">
-              <a:solidFill>
-                <a:srgbClr val="000000"/>
-              </a:solidFill>
-            </a:endParaRPr>
+            <a:pPr algn="ctr"/>
+            <a:r>
+              <a:rPr lang="ja-JP" altLang="en-US" sz="2800" dirty="0"/>
+              <a:t>以降</a:t>
+            </a:r>
+            <a:endParaRPr lang="en-US" altLang="ja-JP" sz="2800" dirty="0"/>
+          </a:p>
+          <a:p>
+            <a:pPr algn="ctr"/>
+            <a:r>
+              <a:rPr lang="ja-JP" altLang="en-US" sz="2800" dirty="0"/>
+              <a:t>不採用　　ゼミで</a:t>
+            </a:r>
+            <a:endParaRPr lang="en-US" altLang="ja-JP" sz="2800" dirty="0"/>
           </a:p>
         </p:txBody>
       </p:sp>
     </p:spTree>
     <p:extLst>
       <p:ext uri="{BB962C8B-B14F-4D97-AF65-F5344CB8AC3E}">
-        <p14:creationId xmlns:p14="http://schemas.microsoft.com/office/powerpoint/2010/main" val="2830937450"/>
+        <p14:creationId xmlns:p14="http://schemas.microsoft.com/office/powerpoint/2010/main" val="3527193056"/>
       </p:ext>
     </p:extLst>
   </p:cSld>
@@ -9924,7 +10440,13 @@
   <p:cSld>
     <p:spTree>
       <p:nvGrpSpPr>
-        <p:cNvPr id="1" name=""/>
+        <p:cNvPr id="1" name="">
+          <a:extLst>
+            <a:ext uri="{FF2B5EF4-FFF2-40B4-BE49-F238E27FC236}">
+              <a16:creationId xmlns:a16="http://schemas.microsoft.com/office/drawing/2014/main" id="{86F9451F-49B4-342F-683F-0BF43610030D}"/>
+            </a:ext>
+          </a:extLst>
+        </p:cNvPr>
         <p:cNvGrpSpPr/>
         <p:nvPr/>
       </p:nvGrpSpPr>
@@ -9938,60 +10460,142 @@
       </p:grpSpPr>
       <p:sp>
         <p:nvSpPr>
-          <p:cNvPr id="2" name="Slide Number Placeholder 1">
-            <a:extLst>
-              <a:ext uri="{FF2B5EF4-FFF2-40B4-BE49-F238E27FC236}">
-                <a16:creationId xmlns:a16="http://schemas.microsoft.com/office/drawing/2014/main" id="{5751CFFC-35DF-11CF-319A-7BD996C08093}"/>
-              </a:ext>
-            </a:extLst>
-          </p:cNvPr>
-          <p:cNvSpPr>
-            <a:spLocks noGrp="1"/>
-          </p:cNvSpPr>
-          <p:nvPr>
-            <p:ph type="sldNum" sz="quarter" idx="12"/>
-          </p:nvPr>
-        </p:nvSpPr>
-        <p:spPr/>
-        <p:txBody>
-          <a:bodyPr/>
+          <p:cNvPr id="3" name="TextBox 3">
+            <a:extLst>
+              <a:ext uri="{FF2B5EF4-FFF2-40B4-BE49-F238E27FC236}">
+                <a16:creationId xmlns:a16="http://schemas.microsoft.com/office/drawing/2014/main" id="{4FCFBFBC-2EE1-64DE-FE48-B7B621C4B7ED}"/>
+              </a:ext>
+            </a:extLst>
+          </p:cNvPr>
+          <p:cNvSpPr txBox="1"/>
+          <p:nvPr/>
+        </p:nvSpPr>
+        <p:spPr>
+          <a:xfrm>
+            <a:off x="449017" y="269481"/>
+            <a:ext cx="9263394" cy="707886"/>
+          </a:xfrm>
+          <a:prstGeom prst="rect">
+            <a:avLst/>
+          </a:prstGeom>
+          <a:noFill/>
+        </p:spPr>
+        <p:txBody>
+          <a:bodyPr wrap="square" rtlCol="0">
+            <a:spAutoFit/>
+          </a:bodyPr>
+          <a:lstStyle/>
+          <a:p>
+            <a:r>
+              <a:rPr lang="ja-JP" altLang="en-US" sz="4000" dirty="0"/>
+              <a:t>異常検知　背景</a:t>
+            </a:r>
+            <a:endParaRPr lang="en-JP" sz="2800" dirty="0"/>
+          </a:p>
+        </p:txBody>
+      </p:sp>
+      <p:sp>
+        <p:nvSpPr>
+          <p:cNvPr id="4" name="TextBox 3">
+            <a:extLst>
+              <a:ext uri="{FF2B5EF4-FFF2-40B4-BE49-F238E27FC236}">
+                <a16:creationId xmlns:a16="http://schemas.microsoft.com/office/drawing/2014/main" id="{6CF4AC3B-245B-FCB5-B131-008741567EEC}"/>
+              </a:ext>
+            </a:extLst>
+          </p:cNvPr>
+          <p:cNvSpPr txBox="1"/>
+          <p:nvPr/>
+        </p:nvSpPr>
+        <p:spPr>
+          <a:xfrm>
+            <a:off x="449017" y="1472206"/>
+            <a:ext cx="11136626" cy="2246769"/>
+          </a:xfrm>
+          <a:prstGeom prst="rect">
+            <a:avLst/>
+          </a:prstGeom>
+          <a:noFill/>
+        </p:spPr>
+        <p:txBody>
+          <a:bodyPr wrap="square" rtlCol="0">
+            <a:spAutoFit/>
+          </a:bodyPr>
           <a:lstStyle/>
           <a:p>
             <a:pPr algn="ctr"/>
             <a:r>
-              <a:rPr kumimoji="1" lang="en-US" altLang="ja-JP"/>
-              <a:t>-</a:t>
-            </a:r>
-            <a:fld id="{DD4CF77E-606E-4148-BC8B-C5EDFD579810}" type="slidenum">
-              <a:rPr kumimoji="1" lang="ja-JP" altLang="en-US" smtClean="0"/>
-              <a:pPr algn="ctr"/>
-              <a:t>15</a:t>
-            </a:fld>
-            <a:r>
-              <a:rPr kumimoji="1" lang="en-US" altLang="ja-JP"/>
-              <a:t>-</a:t>
-            </a:r>
-            <a:endParaRPr kumimoji="1" lang="ja-JP" altLang="en-US" dirty="0"/>
+              <a:rPr lang="ja-JP" altLang="en-US" sz="2800" dirty="0"/>
+              <a:t>産業上</a:t>
+            </a:r>
+            <a:r>
+              <a:rPr lang="en-US" altLang="ja-JP" sz="2800" dirty="0"/>
+              <a:t>”</a:t>
+            </a:r>
+            <a:r>
+              <a:rPr lang="ja-JP" altLang="en-US" sz="2800" dirty="0"/>
+              <a:t>異常</a:t>
+            </a:r>
+            <a:r>
+              <a:rPr lang="en-US" altLang="ja-JP" sz="2800" dirty="0"/>
+              <a:t>”</a:t>
+            </a:r>
+            <a:r>
+              <a:rPr lang="ja-JP" altLang="en-US" sz="2800" dirty="0"/>
+              <a:t>は稀な現象であり、異常データは不足している。</a:t>
+            </a:r>
+            <a:endParaRPr lang="en-US" altLang="ja-JP" sz="2800" dirty="0"/>
+          </a:p>
+          <a:p>
+            <a:pPr algn="ctr"/>
+            <a:r>
+              <a:rPr lang="ja-JP" altLang="en-US" sz="2800" dirty="0"/>
+              <a:t>⇓</a:t>
+            </a:r>
+            <a:endParaRPr lang="en-US" altLang="ja-JP" sz="2800" dirty="0"/>
+          </a:p>
+          <a:p>
+            <a:pPr algn="ctr"/>
+            <a:r>
+              <a:rPr lang="ja-JP" altLang="en-US" sz="2800" dirty="0"/>
+              <a:t>ならば、大量にある正常データを使ってどうにかできないか？</a:t>
+            </a:r>
+            <a:endParaRPr lang="en-US" altLang="ja-JP" sz="2800" dirty="0"/>
+          </a:p>
+          <a:p>
+            <a:pPr algn="ctr"/>
+            <a:r>
+              <a:rPr lang="ja-JP" altLang="en-US" sz="2800" dirty="0"/>
+              <a:t>⇓</a:t>
+            </a:r>
+            <a:endParaRPr lang="en-US" altLang="ja-JP" sz="2800" dirty="0"/>
+          </a:p>
+          <a:p>
+            <a:pPr algn="ctr"/>
+            <a:r>
+              <a:rPr lang="ja-JP" altLang="en-US" sz="2800" dirty="0"/>
+              <a:t>正常データの特徴をモデルに学ばせて異常を弾こう。</a:t>
+            </a:r>
+            <a:endParaRPr lang="en-US" altLang="ja-JP" sz="2800" dirty="0"/>
           </a:p>
         </p:txBody>
       </p:sp>
     </p:spTree>
     <p:extLst>
       <p:ext uri="{BB962C8B-B14F-4D97-AF65-F5344CB8AC3E}">
-        <p14:creationId xmlns:p14="http://schemas.microsoft.com/office/powerpoint/2010/main" val="3527193056"/>
+        <p14:creationId xmlns:p14="http://schemas.microsoft.com/office/powerpoint/2010/main" val="1658393337"/>
       </p:ext>
     </p:extLst>
   </p:cSld>
   <p:clrMapOvr>
     <a:masterClrMapping/>
   </p:clrMapOvr>
-  <mc:AlternateContent xmlns:mc="http://schemas.openxmlformats.org/markup-compatibility/2006" xmlns:p14="http://schemas.microsoft.com/office/powerpoint/2010/main">
-    <mc:Choice Requires="p14">
+  <mc:AlternateContent xmlns:mc="http://schemas.openxmlformats.org/markup-compatibility/2006">
+    <mc:Choice xmlns:p14="http://schemas.microsoft.com/office/powerpoint/2010/main" Requires="p14">
       <p:transition p14:dur="180">
         <p:fade/>
       </p:transition>
     </mc:Choice>
-    <mc:Fallback xmlns="">
+    <mc:Fallback>
       <p:transition>
         <p:fade/>
       </p:transition>
@@ -11809,342 +12413,6 @@
   <p:cSld>
     <p:spTree>
       <p:nvGrpSpPr>
-        <p:cNvPr id="1" name="">
-          <a:extLst>
-            <a:ext uri="{FF2B5EF4-FFF2-40B4-BE49-F238E27FC236}">
-              <a16:creationId xmlns:a16="http://schemas.microsoft.com/office/drawing/2014/main" id="{86F9451F-49B4-342F-683F-0BF43610030D}"/>
-            </a:ext>
-          </a:extLst>
-        </p:cNvPr>
-        <p:cNvGrpSpPr/>
-        <p:nvPr/>
-      </p:nvGrpSpPr>
-      <p:grpSpPr>
-        <a:xfrm>
-          <a:off x="0" y="0"/>
-          <a:ext cx="0" cy="0"/>
-          <a:chOff x="0" y="0"/>
-          <a:chExt cx="0" cy="0"/>
-        </a:xfrm>
-      </p:grpSpPr>
-      <p:sp>
-        <p:nvSpPr>
-          <p:cNvPr id="3" name="TextBox 3">
-            <a:extLst>
-              <a:ext uri="{FF2B5EF4-FFF2-40B4-BE49-F238E27FC236}">
-                <a16:creationId xmlns:a16="http://schemas.microsoft.com/office/drawing/2014/main" id="{4FCFBFBC-2EE1-64DE-FE48-B7B621C4B7ED}"/>
-              </a:ext>
-            </a:extLst>
-          </p:cNvPr>
-          <p:cNvSpPr txBox="1"/>
-          <p:nvPr/>
-        </p:nvSpPr>
-        <p:spPr>
-          <a:xfrm>
-            <a:off x="449017" y="269481"/>
-            <a:ext cx="9263394" cy="707886"/>
-          </a:xfrm>
-          <a:prstGeom prst="rect">
-            <a:avLst/>
-          </a:prstGeom>
-          <a:noFill/>
-        </p:spPr>
-        <p:txBody>
-          <a:bodyPr wrap="square" rtlCol="0">
-            <a:spAutoFit/>
-          </a:bodyPr>
-          <a:lstStyle/>
-          <a:p>
-            <a:r>
-              <a:rPr lang="ja-JP" altLang="en-US" sz="4000" dirty="0"/>
-              <a:t>異常検知　背景</a:t>
-            </a:r>
-            <a:endParaRPr lang="en-JP" sz="2800" dirty="0"/>
-          </a:p>
-        </p:txBody>
-      </p:sp>
-      <p:sp>
-        <p:nvSpPr>
-          <p:cNvPr id="4" name="TextBox 3">
-            <a:extLst>
-              <a:ext uri="{FF2B5EF4-FFF2-40B4-BE49-F238E27FC236}">
-                <a16:creationId xmlns:a16="http://schemas.microsoft.com/office/drawing/2014/main" id="{6CF4AC3B-245B-FCB5-B131-008741567EEC}"/>
-              </a:ext>
-            </a:extLst>
-          </p:cNvPr>
-          <p:cNvSpPr txBox="1"/>
-          <p:nvPr/>
-        </p:nvSpPr>
-        <p:spPr>
-          <a:xfrm>
-            <a:off x="449017" y="1472206"/>
-            <a:ext cx="11136626" cy="2246769"/>
-          </a:xfrm>
-          <a:prstGeom prst="rect">
-            <a:avLst/>
-          </a:prstGeom>
-          <a:noFill/>
-        </p:spPr>
-        <p:txBody>
-          <a:bodyPr wrap="square" rtlCol="0">
-            <a:spAutoFit/>
-          </a:bodyPr>
-          <a:lstStyle/>
-          <a:p>
-            <a:pPr algn="ctr"/>
-            <a:r>
-              <a:rPr lang="ja-JP" altLang="en-US" sz="2800" dirty="0"/>
-              <a:t>産業上</a:t>
-            </a:r>
-            <a:r>
-              <a:rPr lang="en-US" altLang="ja-JP" sz="2800" dirty="0"/>
-              <a:t>”</a:t>
-            </a:r>
-            <a:r>
-              <a:rPr lang="ja-JP" altLang="en-US" sz="2800" dirty="0"/>
-              <a:t>異常</a:t>
-            </a:r>
-            <a:r>
-              <a:rPr lang="en-US" altLang="ja-JP" sz="2800" dirty="0"/>
-              <a:t>”</a:t>
-            </a:r>
-            <a:r>
-              <a:rPr lang="ja-JP" altLang="en-US" sz="2800" dirty="0"/>
-              <a:t>は稀な現象であり、異常データは不足している。</a:t>
-            </a:r>
-            <a:endParaRPr lang="en-US" altLang="ja-JP" sz="2800" dirty="0"/>
-          </a:p>
-          <a:p>
-            <a:pPr algn="ctr"/>
-            <a:r>
-              <a:rPr lang="ja-JP" altLang="en-US" sz="2800" dirty="0"/>
-              <a:t>⇓</a:t>
-            </a:r>
-            <a:endParaRPr lang="en-US" altLang="ja-JP" sz="2800" dirty="0"/>
-          </a:p>
-          <a:p>
-            <a:pPr algn="ctr"/>
-            <a:r>
-              <a:rPr lang="ja-JP" altLang="en-US" sz="2800" dirty="0"/>
-              <a:t>ならば、大量にある正常データを使ってどうにかできないか？</a:t>
-            </a:r>
-            <a:endParaRPr lang="en-US" altLang="ja-JP" sz="2800" dirty="0"/>
-          </a:p>
-          <a:p>
-            <a:pPr algn="ctr"/>
-            <a:r>
-              <a:rPr lang="ja-JP" altLang="en-US" sz="2800" dirty="0"/>
-              <a:t>⇓</a:t>
-            </a:r>
-            <a:endParaRPr lang="en-US" altLang="ja-JP" sz="2800" dirty="0"/>
-          </a:p>
-          <a:p>
-            <a:pPr algn="ctr"/>
-            <a:r>
-              <a:rPr lang="ja-JP" altLang="en-US" sz="2800" dirty="0"/>
-              <a:t>正常データの特徴をモデルに学ばせて異常を弾こう。</a:t>
-            </a:r>
-            <a:endParaRPr lang="en-US" altLang="ja-JP" sz="2800" dirty="0"/>
-          </a:p>
-        </p:txBody>
-      </p:sp>
-    </p:spTree>
-    <p:extLst>
-      <p:ext uri="{BB962C8B-B14F-4D97-AF65-F5344CB8AC3E}">
-        <p14:creationId xmlns:p14="http://schemas.microsoft.com/office/powerpoint/2010/main" val="1658393337"/>
-      </p:ext>
-    </p:extLst>
-  </p:cSld>
-  <p:clrMapOvr>
-    <a:masterClrMapping/>
-  </p:clrMapOvr>
-  <mc:AlternateContent xmlns:mc="http://schemas.openxmlformats.org/markup-compatibility/2006" xmlns:p14="http://schemas.microsoft.com/office/powerpoint/2010/main">
-    <mc:Choice Requires="p14">
-      <p:transition p14:dur="180">
-        <p:fade/>
-      </p:transition>
-    </mc:Choice>
-    <mc:Fallback xmlns="">
-      <p:transition>
-        <p:fade/>
-      </p:transition>
-    </mc:Fallback>
-  </mc:AlternateContent>
-</p:sld>
-</file>
-
-<file path=ppt/slides/slide20.xml><?xml version="1.0" encoding="utf-8"?>
-<p:sld xmlns:a="http://schemas.openxmlformats.org/drawingml/2006/main" xmlns:r="http://schemas.openxmlformats.org/officeDocument/2006/relationships" xmlns:p="http://schemas.openxmlformats.org/presentationml/2006/main" show="0">
-  <p:cSld>
-    <p:spTree>
-      <p:nvGrpSpPr>
-        <p:cNvPr id="1" name="">
-          <a:extLst>
-            <a:ext uri="{FF2B5EF4-FFF2-40B4-BE49-F238E27FC236}">
-              <a16:creationId xmlns:a16="http://schemas.microsoft.com/office/drawing/2014/main" id="{B952A17A-80FF-DA20-EF66-670AF34F25CA}"/>
-            </a:ext>
-          </a:extLst>
-        </p:cNvPr>
-        <p:cNvGrpSpPr/>
-        <p:nvPr/>
-      </p:nvGrpSpPr>
-      <p:grpSpPr>
-        <a:xfrm>
-          <a:off x="0" y="0"/>
-          <a:ext cx="0" cy="0"/>
-          <a:chOff x="0" y="0"/>
-          <a:chExt cx="0" cy="0"/>
-        </a:xfrm>
-      </p:grpSpPr>
-      <p:sp>
-        <p:nvSpPr>
-          <p:cNvPr id="3" name="Slide Number Placeholder 2">
-            <a:extLst>
-              <a:ext uri="{FF2B5EF4-FFF2-40B4-BE49-F238E27FC236}">
-                <a16:creationId xmlns:a16="http://schemas.microsoft.com/office/drawing/2014/main" id="{27BCBD73-CE08-BAE7-80DD-E0A99D17B396}"/>
-              </a:ext>
-            </a:extLst>
-          </p:cNvPr>
-          <p:cNvSpPr>
-            <a:spLocks noGrp="1"/>
-          </p:cNvSpPr>
-          <p:nvPr>
-            <p:ph type="sldNum" sz="quarter" idx="12"/>
-          </p:nvPr>
-        </p:nvSpPr>
-        <p:spPr/>
-        <p:txBody>
-          <a:bodyPr/>
-          <a:lstStyle/>
-          <a:p>
-            <a:pPr algn="ctr"/>
-            <a:r>
-              <a:rPr kumimoji="1" lang="en-US" altLang="ja-JP"/>
-              <a:t>-</a:t>
-            </a:r>
-            <a:fld id="{DD4CF77E-606E-4148-BC8B-C5EDFD579810}" type="slidenum">
-              <a:rPr kumimoji="1" lang="ja-JP" altLang="en-US" smtClean="0"/>
-              <a:pPr algn="ctr"/>
-              <a:t>20</a:t>
-            </a:fld>
-            <a:r>
-              <a:rPr kumimoji="1" lang="en-US" altLang="ja-JP"/>
-              <a:t>-</a:t>
-            </a:r>
-            <a:endParaRPr kumimoji="1" lang="ja-JP" altLang="en-US" dirty="0"/>
-          </a:p>
-        </p:txBody>
-      </p:sp>
-      <p:sp>
-        <p:nvSpPr>
-          <p:cNvPr id="5" name="テキスト ボックス 4">
-            <a:extLst>
-              <a:ext uri="{FF2B5EF4-FFF2-40B4-BE49-F238E27FC236}">
-                <a16:creationId xmlns:a16="http://schemas.microsoft.com/office/drawing/2014/main" id="{3C91E41B-5EFC-41AD-96AB-8A016199CEB0}"/>
-              </a:ext>
-            </a:extLst>
-          </p:cNvPr>
-          <p:cNvSpPr txBox="1"/>
-          <p:nvPr/>
-        </p:nvSpPr>
-        <p:spPr>
-          <a:xfrm>
-            <a:off x="127977" y="2149790"/>
-            <a:ext cx="10568354" cy="3477875"/>
-          </a:xfrm>
-          <a:prstGeom prst="rect">
-            <a:avLst/>
-          </a:prstGeom>
-          <a:noFill/>
-        </p:spPr>
-        <p:txBody>
-          <a:bodyPr wrap="square" rtlCol="0">
-            <a:spAutoFit/>
-          </a:bodyPr>
-          <a:lstStyle/>
-          <a:p>
-            <a:r>
-              <a:rPr lang="ja-JP" altLang="en-US" sz="4400" dirty="0"/>
-              <a:t>★</a:t>
-            </a:r>
-            <a:r>
-              <a:rPr lang="en-US" altLang="ja-JP" sz="4400" dirty="0"/>
-              <a:t>3</a:t>
-            </a:r>
-            <a:r>
-              <a:rPr lang="ja-JP" altLang="en-US" sz="4400" dirty="0"/>
-              <a:t>大手法のおおまかな紹介</a:t>
-            </a:r>
-            <a:endParaRPr lang="en-US" altLang="ja-JP" sz="4400" dirty="0"/>
-          </a:p>
-          <a:p>
-            <a:r>
-              <a:rPr lang="ja-JP" altLang="en-US" sz="4400" dirty="0"/>
-              <a:t>★</a:t>
-            </a:r>
-            <a:r>
-              <a:rPr kumimoji="1" lang="ja-JP" altLang="en-US" sz="4400" dirty="0"/>
-              <a:t>評価指標の説明　←いらんかも</a:t>
-            </a:r>
-            <a:endParaRPr kumimoji="1" lang="en-US" altLang="ja-JP" sz="4400" dirty="0"/>
-          </a:p>
-          <a:p>
-            <a:r>
-              <a:rPr lang="ja-JP" altLang="en-US" sz="4400" dirty="0"/>
-              <a:t>★自分の理解を書く感じ</a:t>
-            </a:r>
-            <a:endParaRPr lang="en-US" altLang="ja-JP" sz="4400" dirty="0"/>
-          </a:p>
-          <a:p>
-            <a:r>
-              <a:rPr lang="ja-JP" altLang="en-US" sz="4400" dirty="0"/>
-              <a:t>　・メモリバンクベース～</a:t>
-            </a:r>
-            <a:endParaRPr lang="en-US" altLang="ja-JP" sz="4400" dirty="0"/>
-          </a:p>
-          <a:p>
-            <a:r>
-              <a:rPr kumimoji="1" lang="ja-JP" altLang="en-US" sz="4400" dirty="0"/>
-              <a:t>　・再構成ベース</a:t>
-            </a:r>
-            <a:r>
-              <a:rPr lang="ja-JP" altLang="en-US" sz="4400" dirty="0"/>
-              <a:t>～</a:t>
-            </a:r>
-            <a:endParaRPr kumimoji="1" lang="en-US" altLang="ja-JP" sz="4400" dirty="0"/>
-          </a:p>
-        </p:txBody>
-      </p:sp>
-    </p:spTree>
-    <p:extLst>
-      <p:ext uri="{BB962C8B-B14F-4D97-AF65-F5344CB8AC3E}">
-        <p14:creationId xmlns:p14="http://schemas.microsoft.com/office/powerpoint/2010/main" val="3077863960"/>
-      </p:ext>
-    </p:extLst>
-  </p:cSld>
-  <p:clrMapOvr>
-    <a:masterClrMapping/>
-  </p:clrMapOvr>
-  <mc:AlternateContent xmlns:mc="http://schemas.openxmlformats.org/markup-compatibility/2006" xmlns:p14="http://schemas.microsoft.com/office/powerpoint/2010/main">
-    <mc:Choice Requires="p14">
-      <p:transition p14:dur="180">
-        <p:fade/>
-      </p:transition>
-    </mc:Choice>
-    <mc:Fallback xmlns="">
-      <p:transition>
-        <p:fade/>
-      </p:transition>
-    </mc:Fallback>
-  </mc:AlternateContent>
-</p:sld>
-</file>
-
-<file path=ppt/slides/slide3.xml><?xml version="1.0" encoding="utf-8"?>
-<p:sld xmlns:a="http://schemas.openxmlformats.org/drawingml/2006/main" xmlns:r="http://schemas.openxmlformats.org/officeDocument/2006/relationships" xmlns:p="http://schemas.openxmlformats.org/presentationml/2006/main">
-  <p:cSld>
-    <p:spTree>
-      <p:nvGrpSpPr>
         <p:cNvPr id="1" name=""/>
         <p:cNvGrpSpPr/>
         <p:nvPr/>
@@ -12581,7 +12849,174 @@
 </p:sld>
 </file>
 
-<file path=ppt/slides/slide4.xml><?xml version="1.0" encoding="utf-8"?>
+<file path=ppt/slides/slide20.xml><?xml version="1.0" encoding="utf-8"?>
+<p:sld xmlns:a="http://schemas.openxmlformats.org/drawingml/2006/main" xmlns:r="http://schemas.openxmlformats.org/officeDocument/2006/relationships" xmlns:p="http://schemas.openxmlformats.org/presentationml/2006/main" show="0">
+  <p:cSld>
+    <p:spTree>
+      <p:nvGrpSpPr>
+        <p:cNvPr id="1" name="">
+          <a:extLst>
+            <a:ext uri="{FF2B5EF4-FFF2-40B4-BE49-F238E27FC236}">
+              <a16:creationId xmlns:a16="http://schemas.microsoft.com/office/drawing/2014/main" id="{B952A17A-80FF-DA20-EF66-670AF34F25CA}"/>
+            </a:ext>
+          </a:extLst>
+        </p:cNvPr>
+        <p:cNvGrpSpPr/>
+        <p:nvPr/>
+      </p:nvGrpSpPr>
+      <p:grpSpPr>
+        <a:xfrm>
+          <a:off x="0" y="0"/>
+          <a:ext cx="0" cy="0"/>
+          <a:chOff x="0" y="0"/>
+          <a:chExt cx="0" cy="0"/>
+        </a:xfrm>
+      </p:grpSpPr>
+      <p:sp>
+        <p:nvSpPr>
+          <p:cNvPr id="3" name="Slide Number Placeholder 2">
+            <a:extLst>
+              <a:ext uri="{FF2B5EF4-FFF2-40B4-BE49-F238E27FC236}">
+                <a16:creationId xmlns:a16="http://schemas.microsoft.com/office/drawing/2014/main" id="{27BCBD73-CE08-BAE7-80DD-E0A99D17B396}"/>
+              </a:ext>
+            </a:extLst>
+          </p:cNvPr>
+          <p:cNvSpPr>
+            <a:spLocks noGrp="1"/>
+          </p:cNvSpPr>
+          <p:nvPr>
+            <p:ph type="sldNum" sz="quarter" idx="12"/>
+          </p:nvPr>
+        </p:nvSpPr>
+        <p:spPr/>
+        <p:txBody>
+          <a:bodyPr/>
+          <a:lstStyle/>
+          <a:p>
+            <a:pPr algn="ctr"/>
+            <a:r>
+              <a:rPr kumimoji="1" lang="en-US" altLang="ja-JP"/>
+              <a:t>-</a:t>
+            </a:r>
+            <a:fld id="{DD4CF77E-606E-4148-BC8B-C5EDFD579810}" type="slidenum">
+              <a:rPr kumimoji="1" lang="ja-JP" altLang="en-US" smtClean="0"/>
+              <a:pPr algn="ctr"/>
+              <a:t>20</a:t>
+            </a:fld>
+            <a:r>
+              <a:rPr kumimoji="1" lang="en-US" altLang="ja-JP"/>
+              <a:t>-</a:t>
+            </a:r>
+            <a:endParaRPr kumimoji="1" lang="ja-JP" altLang="en-US" dirty="0"/>
+          </a:p>
+        </p:txBody>
+      </p:sp>
+      <p:sp>
+        <p:nvSpPr>
+          <p:cNvPr id="5" name="テキスト ボックス 4">
+            <a:extLst>
+              <a:ext uri="{FF2B5EF4-FFF2-40B4-BE49-F238E27FC236}">
+                <a16:creationId xmlns:a16="http://schemas.microsoft.com/office/drawing/2014/main" id="{3C91E41B-5EFC-41AD-96AB-8A016199CEB0}"/>
+              </a:ext>
+            </a:extLst>
+          </p:cNvPr>
+          <p:cNvSpPr txBox="1"/>
+          <p:nvPr/>
+        </p:nvSpPr>
+        <p:spPr>
+          <a:xfrm>
+            <a:off x="127977" y="2149790"/>
+            <a:ext cx="10568354" cy="3477875"/>
+          </a:xfrm>
+          <a:prstGeom prst="rect">
+            <a:avLst/>
+          </a:prstGeom>
+          <a:noFill/>
+        </p:spPr>
+        <p:txBody>
+          <a:bodyPr wrap="square" rtlCol="0">
+            <a:spAutoFit/>
+          </a:bodyPr>
+          <a:lstStyle/>
+          <a:p>
+            <a:r>
+              <a:rPr lang="ja-JP" altLang="en-US" sz="4400" dirty="0"/>
+              <a:t>★</a:t>
+            </a:r>
+            <a:r>
+              <a:rPr lang="en-US" altLang="ja-JP" sz="4400" dirty="0"/>
+              <a:t>3</a:t>
+            </a:r>
+            <a:r>
+              <a:rPr lang="ja-JP" altLang="en-US" sz="4400" dirty="0"/>
+              <a:t>大手法のおおまかな紹介</a:t>
+            </a:r>
+            <a:endParaRPr lang="en-US" altLang="ja-JP" sz="4400" dirty="0"/>
+          </a:p>
+          <a:p>
+            <a:r>
+              <a:rPr lang="ja-JP" altLang="en-US" sz="4400" dirty="0"/>
+              <a:t>★</a:t>
+            </a:r>
+            <a:r>
+              <a:rPr kumimoji="1" lang="ja-JP" altLang="en-US" sz="4400" dirty="0"/>
+              <a:t>評価指標の説明　←いらんかも</a:t>
+            </a:r>
+            <a:endParaRPr kumimoji="1" lang="en-US" altLang="ja-JP" sz="4400" dirty="0"/>
+          </a:p>
+          <a:p>
+            <a:r>
+              <a:rPr lang="ja-JP" altLang="en-US" sz="4400" dirty="0"/>
+              <a:t>★自分の理解を書く感じ</a:t>
+            </a:r>
+            <a:endParaRPr lang="en-US" altLang="ja-JP" sz="4400" dirty="0"/>
+          </a:p>
+          <a:p>
+            <a:r>
+              <a:rPr lang="ja-JP" altLang="en-US" sz="4400" dirty="0"/>
+              <a:t>　・メモリバンクベース～</a:t>
+            </a:r>
+            <a:endParaRPr lang="en-US" altLang="ja-JP" sz="4400" dirty="0"/>
+          </a:p>
+          <a:p>
+            <a:r>
+              <a:rPr kumimoji="1" lang="ja-JP" altLang="en-US" sz="4400" dirty="0"/>
+              <a:t>　・再構成ベース</a:t>
+            </a:r>
+            <a:r>
+              <a:rPr lang="ja-JP" altLang="en-US" sz="4400" dirty="0"/>
+              <a:t>～</a:t>
+            </a:r>
+            <a:endParaRPr kumimoji="1" lang="en-US" altLang="ja-JP" sz="4400" dirty="0"/>
+          </a:p>
+        </p:txBody>
+      </p:sp>
+    </p:spTree>
+    <p:extLst>
+      <p:ext uri="{BB962C8B-B14F-4D97-AF65-F5344CB8AC3E}">
+        <p14:creationId xmlns:p14="http://schemas.microsoft.com/office/powerpoint/2010/main" val="3077863960"/>
+      </p:ext>
+    </p:extLst>
+  </p:cSld>
+  <p:clrMapOvr>
+    <a:masterClrMapping/>
+  </p:clrMapOvr>
+  <mc:AlternateContent xmlns:mc="http://schemas.openxmlformats.org/markup-compatibility/2006" xmlns:p14="http://schemas.microsoft.com/office/powerpoint/2010/main">
+    <mc:Choice Requires="p14">
+      <p:transition p14:dur="180">
+        <p:fade/>
+      </p:transition>
+    </mc:Choice>
+    <mc:Fallback xmlns="">
+      <p:transition>
+        <p:fade/>
+      </p:transition>
+    </mc:Fallback>
+  </mc:AlternateContent>
+</p:sld>
+</file>
+
+<file path=ppt/slides/slide3.xml><?xml version="1.0" encoding="utf-8"?>
 <p:sld xmlns:a="http://schemas.openxmlformats.org/drawingml/2006/main" xmlns:r="http://schemas.openxmlformats.org/officeDocument/2006/relationships" xmlns:p="http://schemas.openxmlformats.org/presentationml/2006/main">
   <p:cSld>
     <p:spTree>
@@ -12709,6 +13144,544 @@
     <p:extLst>
       <p:ext uri="{BB962C8B-B14F-4D97-AF65-F5344CB8AC3E}">
         <p14:creationId xmlns:p14="http://schemas.microsoft.com/office/powerpoint/2010/main" val="3543279747"/>
+      </p:ext>
+    </p:extLst>
+  </p:cSld>
+  <p:clrMapOvr>
+    <a:masterClrMapping/>
+  </p:clrMapOvr>
+  <mc:AlternateContent xmlns:mc="http://schemas.openxmlformats.org/markup-compatibility/2006" xmlns:p14="http://schemas.microsoft.com/office/powerpoint/2010/main">
+    <mc:Choice Requires="p14">
+      <p:transition p14:dur="180">
+        <p:fade/>
+      </p:transition>
+    </mc:Choice>
+    <mc:Fallback xmlns="">
+      <p:transition>
+        <p:fade/>
+      </p:transition>
+    </mc:Fallback>
+  </mc:AlternateContent>
+</p:sld>
+</file>
+
+<file path=ppt/slides/slide4.xml><?xml version="1.0" encoding="utf-8"?>
+<p:sld xmlns:a="http://schemas.openxmlformats.org/drawingml/2006/main" xmlns:r="http://schemas.openxmlformats.org/officeDocument/2006/relationships" xmlns:p="http://schemas.openxmlformats.org/presentationml/2006/main">
+  <p:cSld>
+    <p:spTree>
+      <p:nvGrpSpPr>
+        <p:cNvPr id="1" name="">
+          <a:extLst>
+            <a:ext uri="{FF2B5EF4-FFF2-40B4-BE49-F238E27FC236}">
+              <a16:creationId xmlns:a16="http://schemas.microsoft.com/office/drawing/2014/main" id="{B952A17A-80FF-DA20-EF66-670AF34F25CA}"/>
+            </a:ext>
+          </a:extLst>
+        </p:cNvPr>
+        <p:cNvGrpSpPr/>
+        <p:nvPr/>
+      </p:nvGrpSpPr>
+      <p:grpSpPr>
+        <a:xfrm>
+          <a:off x="0" y="0"/>
+          <a:ext cx="0" cy="0"/>
+          <a:chOff x="0" y="0"/>
+          <a:chExt cx="0" cy="0"/>
+        </a:xfrm>
+      </p:grpSpPr>
+      <p:pic>
+        <p:nvPicPr>
+          <p:cNvPr id="1026" name="Picture 2">
+            <a:extLst>
+              <a:ext uri="{FF2B5EF4-FFF2-40B4-BE49-F238E27FC236}">
+                <a16:creationId xmlns:a16="http://schemas.microsoft.com/office/drawing/2014/main" id="{D7DD0B40-36EB-6304-F157-3AAB1C61F7EF}"/>
+              </a:ext>
+            </a:extLst>
+          </p:cNvPr>
+          <p:cNvPicPr>
+            <a:picLocks noChangeAspect="1" noChangeArrowheads="1"/>
+          </p:cNvPicPr>
+          <p:nvPr/>
+        </p:nvPicPr>
+        <p:blipFill>
+          <a:blip r:embed="rId3">
+            <a:extLst>
+              <a:ext uri="{28A0092B-C50C-407E-A947-70E740481C1C}">
+                <a14:useLocalDpi xmlns:a14="http://schemas.microsoft.com/office/drawing/2010/main" val="0"/>
+              </a:ext>
+            </a:extLst>
+          </a:blip>
+          <a:srcRect/>
+          <a:stretch>
+            <a:fillRect/>
+          </a:stretch>
+        </p:blipFill>
+        <p:spPr bwMode="auto">
+          <a:xfrm>
+            <a:off x="5671226" y="3699438"/>
+            <a:ext cx="4854103" cy="2680255"/>
+          </a:xfrm>
+          <a:prstGeom prst="rect">
+            <a:avLst/>
+          </a:prstGeom>
+          <a:noFill/>
+          <a:extLst>
+            <a:ext uri="{909E8E84-426E-40DD-AFC4-6F175D3DCCD1}">
+              <a14:hiddenFill xmlns:a14="http://schemas.microsoft.com/office/drawing/2010/main">
+                <a:solidFill>
+                  <a:srgbClr val="FFFFFF"/>
+                </a:solidFill>
+              </a14:hiddenFill>
+            </a:ext>
+          </a:extLst>
+        </p:spPr>
+      </p:pic>
+      <p:sp>
+        <p:nvSpPr>
+          <p:cNvPr id="6" name="矢印: 下 5">
+            <a:extLst>
+              <a:ext uri="{FF2B5EF4-FFF2-40B4-BE49-F238E27FC236}">
+                <a16:creationId xmlns:a16="http://schemas.microsoft.com/office/drawing/2014/main" id="{FA174815-DA0A-8261-ED3D-B7283F49F548}"/>
+              </a:ext>
+            </a:extLst>
+          </p:cNvPr>
+          <p:cNvSpPr/>
+          <p:nvPr/>
+        </p:nvSpPr>
+        <p:spPr>
+          <a:xfrm rot="3316128">
+            <a:off x="8872134" y="3635997"/>
+            <a:ext cx="178853" cy="2381347"/>
+          </a:xfrm>
+          <a:prstGeom prst="downArrow">
+            <a:avLst/>
+          </a:prstGeom>
+          <a:solidFill>
+            <a:schemeClr val="accent1">
+              <a:lumMod val="20000"/>
+              <a:lumOff val="80000"/>
+            </a:schemeClr>
+          </a:solidFill>
+        </p:spPr>
+        <p:style>
+          <a:lnRef idx="2">
+            <a:schemeClr val="accent1">
+              <a:shade val="15000"/>
+            </a:schemeClr>
+          </a:lnRef>
+          <a:fillRef idx="1">
+            <a:schemeClr val="accent1"/>
+          </a:fillRef>
+          <a:effectRef idx="0">
+            <a:schemeClr val="accent1"/>
+          </a:effectRef>
+          <a:fontRef idx="minor">
+            <a:schemeClr val="lt1"/>
+          </a:fontRef>
+        </p:style>
+        <p:txBody>
+          <a:bodyPr rtlCol="0" anchor="ctr"/>
+          <a:lstStyle/>
+          <a:p>
+            <a:pPr algn="ctr"/>
+            <a:endParaRPr kumimoji="1" lang="ja-JP" altLang="en-US"/>
+          </a:p>
+        </p:txBody>
+      </p:sp>
+      <p:sp>
+        <p:nvSpPr>
+          <p:cNvPr id="3" name="Slide Number Placeholder 2">
+            <a:extLst>
+              <a:ext uri="{FF2B5EF4-FFF2-40B4-BE49-F238E27FC236}">
+                <a16:creationId xmlns:a16="http://schemas.microsoft.com/office/drawing/2014/main" id="{27BCBD73-CE08-BAE7-80DD-E0A99D17B396}"/>
+              </a:ext>
+            </a:extLst>
+          </p:cNvPr>
+          <p:cNvSpPr>
+            <a:spLocks noGrp="1"/>
+          </p:cNvSpPr>
+          <p:nvPr>
+            <p:ph type="sldNum" sz="quarter" idx="12"/>
+          </p:nvPr>
+        </p:nvSpPr>
+        <p:spPr/>
+        <p:txBody>
+          <a:bodyPr/>
+          <a:lstStyle/>
+          <a:p>
+            <a:pPr algn="ctr"/>
+            <a:r>
+              <a:rPr kumimoji="1" lang="en-US" altLang="ja-JP"/>
+              <a:t>-</a:t>
+            </a:r>
+            <a:fld id="{DD4CF77E-606E-4148-BC8B-C5EDFD579810}" type="slidenum">
+              <a:rPr kumimoji="1" lang="ja-JP" altLang="en-US" smtClean="0"/>
+              <a:pPr algn="ctr"/>
+              <a:t>4</a:t>
+            </a:fld>
+            <a:r>
+              <a:rPr kumimoji="1" lang="en-US" altLang="ja-JP"/>
+              <a:t>-</a:t>
+            </a:r>
+            <a:endParaRPr kumimoji="1" lang="ja-JP" altLang="en-US" dirty="0"/>
+          </a:p>
+        </p:txBody>
+      </p:sp>
+      <p:sp>
+        <p:nvSpPr>
+          <p:cNvPr id="4" name="TextBox 3">
+            <a:extLst>
+              <a:ext uri="{FF2B5EF4-FFF2-40B4-BE49-F238E27FC236}">
+                <a16:creationId xmlns:a16="http://schemas.microsoft.com/office/drawing/2014/main" id="{58CECEC3-FDFA-4105-AAAB-B509D98AACFD}"/>
+              </a:ext>
+            </a:extLst>
+          </p:cNvPr>
+          <p:cNvSpPr txBox="1"/>
+          <p:nvPr/>
+        </p:nvSpPr>
+        <p:spPr>
+          <a:xfrm>
+            <a:off x="449016" y="269481"/>
+            <a:ext cx="8479084" cy="707886"/>
+          </a:xfrm>
+          <a:prstGeom prst="rect">
+            <a:avLst/>
+          </a:prstGeom>
+          <a:noFill/>
+        </p:spPr>
+        <p:txBody>
+          <a:bodyPr wrap="square" rtlCol="0">
+            <a:spAutoFit/>
+          </a:bodyPr>
+          <a:lstStyle/>
+          <a:p>
+            <a:r>
+              <a:rPr lang="ja-JP" altLang="en-US" sz="4000" dirty="0"/>
+              <a:t>提案手法：</a:t>
+            </a:r>
+            <a:r>
+              <a:rPr lang="en-US" altLang="ja-JP" sz="4000" dirty="0"/>
+              <a:t>DNN  </a:t>
+            </a:r>
+            <a:r>
+              <a:rPr lang="en-US" altLang="ja-JP" sz="2400" dirty="0"/>
+              <a:t>(Deep Nearest-Neighbors)</a:t>
+            </a:r>
+            <a:endParaRPr lang="en-JP" sz="2400" dirty="0"/>
+          </a:p>
+        </p:txBody>
+      </p:sp>
+      <p:sp>
+        <p:nvSpPr>
+          <p:cNvPr id="2" name="テキスト ボックス 1">
+            <a:extLst>
+              <a:ext uri="{FF2B5EF4-FFF2-40B4-BE49-F238E27FC236}">
+                <a16:creationId xmlns:a16="http://schemas.microsoft.com/office/drawing/2014/main" id="{E21702CF-DFF1-403E-B122-F7C9751136B5}"/>
+              </a:ext>
+            </a:extLst>
+          </p:cNvPr>
+          <p:cNvSpPr txBox="1"/>
+          <p:nvPr/>
+        </p:nvSpPr>
+        <p:spPr>
+          <a:xfrm>
+            <a:off x="140676" y="1424354"/>
+            <a:ext cx="10853675" cy="1938992"/>
+          </a:xfrm>
+          <a:prstGeom prst="rect">
+            <a:avLst/>
+          </a:prstGeom>
+          <a:noFill/>
+        </p:spPr>
+        <p:txBody>
+          <a:bodyPr wrap="square" rtlCol="0">
+            <a:spAutoFit/>
+          </a:bodyPr>
+          <a:lstStyle/>
+          <a:p>
+            <a:r>
+              <a:rPr lang="ja-JP" altLang="en-US" sz="2000" dirty="0"/>
+              <a:t>・</a:t>
+            </a:r>
+            <a:r>
+              <a:rPr lang="en-US" altLang="ja-JP" sz="2000" dirty="0" err="1"/>
+              <a:t>imageNet</a:t>
+            </a:r>
+            <a:r>
+              <a:rPr lang="ja-JP" altLang="en-US" sz="2000" dirty="0"/>
+              <a:t>で事前学習された</a:t>
+            </a:r>
+            <a:r>
+              <a:rPr lang="en-US" altLang="ja-JP" sz="2000" dirty="0" err="1"/>
+              <a:t>ResNet</a:t>
+            </a:r>
+            <a:r>
+              <a:rPr lang="ja-JP" altLang="en-US" sz="2000" dirty="0"/>
+              <a:t>を特徴抽出器として利用し、</a:t>
+            </a:r>
+            <a:r>
+              <a:rPr lang="en-US" altLang="ja-JP" sz="2000" u="sng" dirty="0"/>
+              <a:t>KNN</a:t>
+            </a:r>
+            <a:r>
+              <a:rPr lang="ja-JP" altLang="en-US" sz="2000" dirty="0"/>
+              <a:t>を適用する手法。</a:t>
+            </a:r>
+            <a:endParaRPr lang="en-US" altLang="ja-JP" sz="2000" dirty="0"/>
+          </a:p>
+          <a:p>
+            <a:endParaRPr lang="en-US" altLang="ja-JP" sz="2000" dirty="0"/>
+          </a:p>
+          <a:p>
+            <a:r>
+              <a:rPr lang="ja-JP" altLang="en-US" sz="2000" dirty="0"/>
+              <a:t>・</a:t>
+            </a:r>
+            <a:r>
+              <a:rPr lang="en-US" altLang="ja-JP" sz="2000" u="sng" dirty="0"/>
+              <a:t>KNN</a:t>
+            </a:r>
+            <a:r>
+              <a:rPr lang="ja-JP" altLang="en-US" sz="2000" dirty="0"/>
+              <a:t>を採用しているため、データ数に比例してメモリ使用量と計算量が増加する。</a:t>
+            </a:r>
+            <a:endParaRPr lang="en-US" altLang="ja-JP" sz="2000" dirty="0"/>
+          </a:p>
+          <a:p>
+            <a:endParaRPr lang="en-US" altLang="ja-JP" sz="2000" dirty="0"/>
+          </a:p>
+          <a:p>
+            <a:r>
+              <a:rPr lang="en-US" altLang="ja-JP" sz="2000" u="sng" dirty="0"/>
+              <a:t>KNN</a:t>
+            </a:r>
+            <a:r>
+              <a:rPr lang="en-US" altLang="ja-JP" sz="2000" dirty="0"/>
+              <a:t>…</a:t>
+            </a:r>
+            <a:r>
+              <a:rPr lang="ja-JP" altLang="en-US" sz="2000" dirty="0"/>
+              <a:t>入力画像の特徴ベクトルと似ている</a:t>
+            </a:r>
+            <a:r>
+              <a:rPr lang="en-US" altLang="ja-JP" sz="2000" dirty="0"/>
+              <a:t>(</a:t>
+            </a:r>
+            <a:r>
+              <a:rPr lang="ja-JP" altLang="en-US" sz="2000" dirty="0"/>
+              <a:t>距離が近い</a:t>
+            </a:r>
+            <a:r>
+              <a:rPr lang="en-US" altLang="ja-JP" sz="2000" dirty="0"/>
+              <a:t>)</a:t>
+            </a:r>
+            <a:r>
+              <a:rPr lang="ja-JP" altLang="en-US" sz="2000" dirty="0"/>
+              <a:t>上位Ｋ個の特徴ベクトルとの</a:t>
+            </a:r>
+            <a:endParaRPr lang="en-US" altLang="ja-JP" sz="2000" dirty="0"/>
+          </a:p>
+          <a:p>
+            <a:r>
+              <a:rPr lang="ja-JP" altLang="en-US" sz="2000" dirty="0"/>
+              <a:t>　　　 合計距離によって異常か判定する手法。</a:t>
+            </a:r>
+            <a:endParaRPr lang="en-US" altLang="ja-JP" sz="2000" dirty="0"/>
+          </a:p>
+        </p:txBody>
+      </p:sp>
+      <p:sp>
+        <p:nvSpPr>
+          <p:cNvPr id="5" name="正方形/長方形 4">
+            <a:extLst>
+              <a:ext uri="{FF2B5EF4-FFF2-40B4-BE49-F238E27FC236}">
+                <a16:creationId xmlns:a16="http://schemas.microsoft.com/office/drawing/2014/main" id="{B71861AD-9830-7E20-607F-9C25F1115A92}"/>
+              </a:ext>
+            </a:extLst>
+          </p:cNvPr>
+          <p:cNvSpPr/>
+          <p:nvPr/>
+        </p:nvSpPr>
+        <p:spPr>
+          <a:xfrm>
+            <a:off x="8010251" y="6301155"/>
+            <a:ext cx="3505476" cy="215444"/>
+          </a:xfrm>
+          <a:prstGeom prst="rect">
+            <a:avLst/>
+          </a:prstGeom>
+        </p:spPr>
+        <p:txBody>
+          <a:bodyPr wrap="square">
+            <a:spAutoFit/>
+          </a:bodyPr>
+          <a:lstStyle/>
+          <a:p>
+            <a:r>
+              <a:rPr lang="ja-JP" altLang="en-US" sz="800" dirty="0">
+                <a:hlinkClick r:id="rId4"/>
+              </a:rPr>
+              <a:t>https://qiita.com/makotoito/items/c58ebf12f5f179950e68</a:t>
+            </a:r>
+            <a:endParaRPr lang="en-US" altLang="ja-JP" sz="800" dirty="0"/>
+          </a:p>
+        </p:txBody>
+      </p:sp>
+      <p:sp>
+        <p:nvSpPr>
+          <p:cNvPr id="7" name="矢印: 下 6">
+            <a:extLst>
+              <a:ext uri="{FF2B5EF4-FFF2-40B4-BE49-F238E27FC236}">
+                <a16:creationId xmlns:a16="http://schemas.microsoft.com/office/drawing/2014/main" id="{B391A30E-0A0E-7BBF-DEBD-C4E70E2BA450}"/>
+              </a:ext>
+            </a:extLst>
+          </p:cNvPr>
+          <p:cNvSpPr/>
+          <p:nvPr/>
+        </p:nvSpPr>
+        <p:spPr>
+          <a:xfrm rot="17384102">
+            <a:off x="6413614" y="3626268"/>
+            <a:ext cx="178853" cy="2381347"/>
+          </a:xfrm>
+          <a:prstGeom prst="downArrow">
+            <a:avLst/>
+          </a:prstGeom>
+          <a:solidFill>
+            <a:schemeClr val="accent1">
+              <a:lumMod val="20000"/>
+              <a:lumOff val="80000"/>
+            </a:schemeClr>
+          </a:solidFill>
+        </p:spPr>
+        <p:style>
+          <a:lnRef idx="2">
+            <a:schemeClr val="accent1">
+              <a:shade val="15000"/>
+            </a:schemeClr>
+          </a:lnRef>
+          <a:fillRef idx="1">
+            <a:schemeClr val="accent1"/>
+          </a:fillRef>
+          <a:effectRef idx="0">
+            <a:schemeClr val="accent1"/>
+          </a:effectRef>
+          <a:fontRef idx="minor">
+            <a:schemeClr val="lt1"/>
+          </a:fontRef>
+        </p:style>
+        <p:txBody>
+          <a:bodyPr rtlCol="0" anchor="ctr"/>
+          <a:lstStyle/>
+          <a:p>
+            <a:pPr algn="ctr"/>
+            <a:endParaRPr kumimoji="1" lang="ja-JP" altLang="en-US"/>
+          </a:p>
+        </p:txBody>
+      </p:sp>
+      <p:sp>
+        <p:nvSpPr>
+          <p:cNvPr id="8" name="テキスト ボックス 7">
+            <a:extLst>
+              <a:ext uri="{FF2B5EF4-FFF2-40B4-BE49-F238E27FC236}">
+                <a16:creationId xmlns:a16="http://schemas.microsoft.com/office/drawing/2014/main" id="{2F567071-488A-A28C-1AF6-D717BB774C97}"/>
+              </a:ext>
+            </a:extLst>
+          </p:cNvPr>
+          <p:cNvSpPr txBox="1"/>
+          <p:nvPr/>
+        </p:nvSpPr>
+        <p:spPr>
+          <a:xfrm>
+            <a:off x="3853848" y="4271997"/>
+            <a:ext cx="1628634" cy="307777"/>
+          </a:xfrm>
+          <a:prstGeom prst="rect">
+            <a:avLst/>
+          </a:prstGeom>
+          <a:noFill/>
+        </p:spPr>
+        <p:txBody>
+          <a:bodyPr wrap="square" rtlCol="0">
+            <a:spAutoFit/>
+          </a:bodyPr>
+          <a:lstStyle/>
+          <a:p>
+            <a:r>
+              <a:rPr lang="ja-JP" altLang="en-US" sz="1400" dirty="0"/>
+              <a:t>遠い</a:t>
+            </a:r>
+            <a:r>
+              <a:rPr kumimoji="1" lang="en-US" altLang="ja-JP" sz="1400" dirty="0"/>
+              <a:t>(</a:t>
+            </a:r>
+            <a:r>
+              <a:rPr lang="ja-JP" altLang="en-US" sz="1400" dirty="0"/>
+              <a:t>異常</a:t>
+            </a:r>
+            <a:r>
+              <a:rPr kumimoji="1" lang="ja-JP" altLang="en-US" sz="1400" dirty="0"/>
+              <a:t>だろう</a:t>
+            </a:r>
+            <a:r>
+              <a:rPr kumimoji="1" lang="en-US" altLang="ja-JP" sz="1400" dirty="0"/>
+              <a:t>)</a:t>
+            </a:r>
+            <a:endParaRPr kumimoji="1" lang="ja-JP" altLang="en-US" sz="1400" dirty="0"/>
+          </a:p>
+        </p:txBody>
+      </p:sp>
+      <p:sp>
+        <p:nvSpPr>
+          <p:cNvPr id="9" name="テキスト ボックス 8">
+            <a:extLst>
+              <a:ext uri="{FF2B5EF4-FFF2-40B4-BE49-F238E27FC236}">
+                <a16:creationId xmlns:a16="http://schemas.microsoft.com/office/drawing/2014/main" id="{83955474-8788-CC68-58E9-85C0CDE4ED60}"/>
+              </a:ext>
+            </a:extLst>
+          </p:cNvPr>
+          <p:cNvSpPr txBox="1"/>
+          <p:nvPr/>
+        </p:nvSpPr>
+        <p:spPr>
+          <a:xfrm>
+            <a:off x="9931823" y="4018525"/>
+            <a:ext cx="1656034" cy="307777"/>
+          </a:xfrm>
+          <a:prstGeom prst="rect">
+            <a:avLst/>
+          </a:prstGeom>
+          <a:noFill/>
+        </p:spPr>
+        <p:txBody>
+          <a:bodyPr wrap="square" rtlCol="0">
+            <a:spAutoFit/>
+          </a:bodyPr>
+          <a:lstStyle/>
+          <a:p>
+            <a:r>
+              <a:rPr kumimoji="1" lang="ja-JP" altLang="en-US" sz="1400" dirty="0"/>
+              <a:t>近い</a:t>
+            </a:r>
+            <a:r>
+              <a:rPr kumimoji="1" lang="en-US" altLang="ja-JP" sz="1400" dirty="0"/>
+              <a:t>(</a:t>
+            </a:r>
+            <a:r>
+              <a:rPr kumimoji="1" lang="ja-JP" altLang="en-US" sz="1400" dirty="0"/>
+              <a:t>正常だろう</a:t>
+            </a:r>
+            <a:r>
+              <a:rPr kumimoji="1" lang="en-US" altLang="ja-JP" sz="1400" dirty="0"/>
+              <a:t>)</a:t>
+            </a:r>
+            <a:endParaRPr kumimoji="1" lang="ja-JP" altLang="en-US" sz="1400" dirty="0"/>
+          </a:p>
+        </p:txBody>
+      </p:sp>
+    </p:spTree>
+    <p:extLst>
+      <p:ext uri="{BB962C8B-B14F-4D97-AF65-F5344CB8AC3E}">
+        <p14:creationId xmlns:p14="http://schemas.microsoft.com/office/powerpoint/2010/main" val="4167963483"/>
       </p:ext>
     </p:extLst>
   </p:cSld>
@@ -12753,12 +13726,158 @@
           <a:chExt cx="0" cy="0"/>
         </a:xfrm>
       </p:grpSpPr>
+      <p:sp>
+        <p:nvSpPr>
+          <p:cNvPr id="3" name="Slide Number Placeholder 2">
+            <a:extLst>
+              <a:ext uri="{FF2B5EF4-FFF2-40B4-BE49-F238E27FC236}">
+                <a16:creationId xmlns:a16="http://schemas.microsoft.com/office/drawing/2014/main" id="{27BCBD73-CE08-BAE7-80DD-E0A99D17B396}"/>
+              </a:ext>
+            </a:extLst>
+          </p:cNvPr>
+          <p:cNvSpPr>
+            <a:spLocks noGrp="1"/>
+          </p:cNvSpPr>
+          <p:nvPr>
+            <p:ph type="sldNum" sz="quarter" idx="12"/>
+          </p:nvPr>
+        </p:nvSpPr>
+        <p:spPr/>
+        <p:txBody>
+          <a:bodyPr/>
+          <a:lstStyle/>
+          <a:p>
+            <a:pPr algn="ctr"/>
+            <a:r>
+              <a:rPr kumimoji="1" lang="en-US" altLang="ja-JP"/>
+              <a:t>-</a:t>
+            </a:r>
+            <a:fld id="{DD4CF77E-606E-4148-BC8B-C5EDFD579810}" type="slidenum">
+              <a:rPr kumimoji="1" lang="ja-JP" altLang="en-US" smtClean="0"/>
+              <a:pPr algn="ctr"/>
+              <a:t>5</a:t>
+            </a:fld>
+            <a:r>
+              <a:rPr kumimoji="1" lang="en-US" altLang="ja-JP"/>
+              <a:t>-</a:t>
+            </a:r>
+            <a:endParaRPr kumimoji="1" lang="ja-JP" altLang="en-US" dirty="0"/>
+          </a:p>
+        </p:txBody>
+      </p:sp>
+      <p:sp>
+        <p:nvSpPr>
+          <p:cNvPr id="4" name="TextBox 3">
+            <a:extLst>
+              <a:ext uri="{FF2B5EF4-FFF2-40B4-BE49-F238E27FC236}">
+                <a16:creationId xmlns:a16="http://schemas.microsoft.com/office/drawing/2014/main" id="{58CECEC3-FDFA-4105-AAAB-B509D98AACFD}"/>
+              </a:ext>
+            </a:extLst>
+          </p:cNvPr>
+          <p:cNvSpPr txBox="1"/>
+          <p:nvPr/>
+        </p:nvSpPr>
+        <p:spPr>
+          <a:xfrm>
+            <a:off x="449016" y="269481"/>
+            <a:ext cx="9152183" cy="707886"/>
+          </a:xfrm>
+          <a:prstGeom prst="rect">
+            <a:avLst/>
+          </a:prstGeom>
+          <a:noFill/>
+        </p:spPr>
+        <p:txBody>
+          <a:bodyPr wrap="square" rtlCol="0">
+            <a:spAutoFit/>
+          </a:bodyPr>
+          <a:lstStyle/>
+          <a:p>
+            <a:r>
+              <a:rPr lang="ja-JP" altLang="en-US" sz="4000" dirty="0"/>
+              <a:t>提案手法：</a:t>
+            </a:r>
+            <a:r>
+              <a:rPr lang="en-US" altLang="ja-JP" sz="4000" dirty="0"/>
+              <a:t>SPADE</a:t>
+            </a:r>
+            <a:endParaRPr lang="en-JP" sz="4000" dirty="0"/>
+          </a:p>
+        </p:txBody>
+      </p:sp>
+      <p:sp>
+        <p:nvSpPr>
+          <p:cNvPr id="5" name="テキスト ボックス 4">
+            <a:extLst>
+              <a:ext uri="{FF2B5EF4-FFF2-40B4-BE49-F238E27FC236}">
+                <a16:creationId xmlns:a16="http://schemas.microsoft.com/office/drawing/2014/main" id="{C487BEB7-018F-4387-B08F-DFAAFFA88390}"/>
+              </a:ext>
+            </a:extLst>
+          </p:cNvPr>
+          <p:cNvSpPr txBox="1"/>
+          <p:nvPr/>
+        </p:nvSpPr>
+        <p:spPr>
+          <a:xfrm>
+            <a:off x="140677" y="1424354"/>
+            <a:ext cx="10568354" cy="1938992"/>
+          </a:xfrm>
+          <a:prstGeom prst="rect">
+            <a:avLst/>
+          </a:prstGeom>
+          <a:noFill/>
+        </p:spPr>
+        <p:txBody>
+          <a:bodyPr wrap="square" rtlCol="0">
+            <a:spAutoFit/>
+          </a:bodyPr>
+          <a:lstStyle/>
+          <a:p>
+            <a:r>
+              <a:rPr lang="ja-JP" altLang="en-US" sz="2000" dirty="0"/>
+              <a:t>・</a:t>
+            </a:r>
+            <a:r>
+              <a:rPr lang="en-US" altLang="ja-JP" sz="2000" dirty="0"/>
+              <a:t>DNN</a:t>
+            </a:r>
+            <a:r>
+              <a:rPr lang="ja-JP" altLang="en-US" sz="2000" dirty="0"/>
+              <a:t>の特徴抽出器を工夫した手法。</a:t>
+            </a:r>
+            <a:endParaRPr lang="en-US" altLang="ja-JP" sz="2000" dirty="0"/>
+          </a:p>
+          <a:p>
+            <a:endParaRPr lang="en-US" altLang="ja-JP" sz="2000" dirty="0"/>
+          </a:p>
+          <a:p>
+            <a:r>
+              <a:rPr lang="ja-JP" altLang="en-US" sz="2000" dirty="0"/>
+              <a:t>・浅い層＋深い層の特徴マップを利用するように改善。</a:t>
+            </a:r>
+            <a:endParaRPr lang="en-US" altLang="ja-JP" sz="2000" dirty="0"/>
+          </a:p>
+          <a:p>
+            <a:endParaRPr lang="en-US" altLang="ja-JP" sz="2000" dirty="0"/>
+          </a:p>
+          <a:p>
+            <a:r>
+              <a:rPr lang="ja-JP" altLang="en-US" sz="2000" dirty="0"/>
+              <a:t>・ピクセルに注目することで、局所検知が可能に。</a:t>
+            </a:r>
+            <a:endParaRPr kumimoji="1" lang="en-US" altLang="ja-JP" sz="2000" dirty="0"/>
+          </a:p>
+          <a:p>
+            <a:endParaRPr kumimoji="1" lang="en-US" altLang="ja-JP" sz="2000" dirty="0"/>
+          </a:p>
+        </p:txBody>
+      </p:sp>
       <p:pic>
         <p:nvPicPr>
-          <p:cNvPr id="1026" name="Picture 2">
-            <a:extLst>
-              <a:ext uri="{FF2B5EF4-FFF2-40B4-BE49-F238E27FC236}">
-                <a16:creationId xmlns:a16="http://schemas.microsoft.com/office/drawing/2014/main" id="{D7DD0B40-36EB-6304-F157-3AAB1C61F7EF}"/>
+          <p:cNvPr id="2" name="Picture 2">
+            <a:extLst>
+              <a:ext uri="{FF2B5EF4-FFF2-40B4-BE49-F238E27FC236}">
+                <a16:creationId xmlns:a16="http://schemas.microsoft.com/office/drawing/2014/main" id="{ABD6B806-D8B9-5583-FDF4-89474471CE58}"/>
               </a:ext>
             </a:extLst>
           </p:cNvPr>
@@ -12802,10 +13921,10 @@
       </p:pic>
       <p:sp>
         <p:nvSpPr>
-          <p:cNvPr id="6" name="矢印: 下 5">
-            <a:extLst>
-              <a:ext uri="{FF2B5EF4-FFF2-40B4-BE49-F238E27FC236}">
-                <a16:creationId xmlns:a16="http://schemas.microsoft.com/office/drawing/2014/main" id="{FA174815-DA0A-8261-ED3D-B7283F49F548}"/>
+          <p:cNvPr id="6" name="正方形/長方形 5">
+            <a:extLst>
+              <a:ext uri="{FF2B5EF4-FFF2-40B4-BE49-F238E27FC236}">
+                <a16:creationId xmlns:a16="http://schemas.microsoft.com/office/drawing/2014/main" id="{57087E1E-379E-8E5A-A8B6-880FDE560E02}"/>
               </a:ext>
             </a:extLst>
           </p:cNvPr>
@@ -12813,8 +13932,109 @@
           <p:nvPr/>
         </p:nvSpPr>
         <p:spPr>
-          <a:xfrm rot="3316128">
-            <a:off x="8872134" y="3635997"/>
+          <a:xfrm>
+            <a:off x="6789907" y="4033769"/>
+            <a:ext cx="145915" cy="651754"/>
+          </a:xfrm>
+          <a:prstGeom prst="rect">
+            <a:avLst/>
+          </a:prstGeom>
+          <a:solidFill>
+            <a:srgbClr val="FFFF00"/>
+          </a:solidFill>
+        </p:spPr>
+        <p:style>
+          <a:lnRef idx="2">
+            <a:schemeClr val="accent1">
+              <a:shade val="15000"/>
+            </a:schemeClr>
+          </a:lnRef>
+          <a:fillRef idx="1">
+            <a:schemeClr val="accent1"/>
+          </a:fillRef>
+          <a:effectRef idx="0">
+            <a:schemeClr val="accent1"/>
+          </a:effectRef>
+          <a:fontRef idx="minor">
+            <a:schemeClr val="lt1"/>
+          </a:fontRef>
+        </p:style>
+        <p:txBody>
+          <a:bodyPr rtlCol="0" anchor="ctr"/>
+          <a:lstStyle/>
+          <a:p>
+            <a:pPr algn="ctr"/>
+            <a:endParaRPr kumimoji="1" lang="ja-JP" altLang="en-US"/>
+          </a:p>
+        </p:txBody>
+      </p:sp>
+      <p:sp>
+        <p:nvSpPr>
+          <p:cNvPr id="7" name="正方形/長方形 6">
+            <a:extLst>
+              <a:ext uri="{FF2B5EF4-FFF2-40B4-BE49-F238E27FC236}">
+                <a16:creationId xmlns:a16="http://schemas.microsoft.com/office/drawing/2014/main" id="{E075CC01-A8B1-5D7B-7B22-3A6722E06282}"/>
+              </a:ext>
+            </a:extLst>
+          </p:cNvPr>
+          <p:cNvSpPr/>
+          <p:nvPr/>
+        </p:nvSpPr>
+        <p:spPr>
+          <a:xfrm>
+            <a:off x="7100619" y="4157022"/>
+            <a:ext cx="145915" cy="408561"/>
+          </a:xfrm>
+          <a:prstGeom prst="rect">
+            <a:avLst/>
+          </a:prstGeom>
+          <a:solidFill>
+            <a:schemeClr val="tx1">
+              <a:lumMod val="50000"/>
+              <a:lumOff val="50000"/>
+            </a:schemeClr>
+          </a:solidFill>
+        </p:spPr>
+        <p:style>
+          <a:lnRef idx="2">
+            <a:schemeClr val="accent1">
+              <a:shade val="15000"/>
+            </a:schemeClr>
+          </a:lnRef>
+          <a:fillRef idx="1">
+            <a:schemeClr val="accent1"/>
+          </a:fillRef>
+          <a:effectRef idx="0">
+            <a:schemeClr val="accent1"/>
+          </a:effectRef>
+          <a:fontRef idx="minor">
+            <a:schemeClr val="lt1"/>
+          </a:fontRef>
+        </p:style>
+        <p:txBody>
+          <a:bodyPr rtlCol="0" anchor="ctr"/>
+          <a:lstStyle/>
+          <a:p>
+            <a:pPr algn="ctr"/>
+            <a:endParaRPr kumimoji="1" lang="ja-JP" altLang="en-US"/>
+          </a:p>
+        </p:txBody>
+      </p:sp>
+      <p:sp>
+        <p:nvSpPr>
+          <p:cNvPr id="8" name="矢印: 下 7">
+            <a:extLst>
+              <a:ext uri="{FF2B5EF4-FFF2-40B4-BE49-F238E27FC236}">
+                <a16:creationId xmlns:a16="http://schemas.microsoft.com/office/drawing/2014/main" id="{CACDC1F3-EF40-620C-E822-B5BA9125AD6C}"/>
+              </a:ext>
+            </a:extLst>
+          </p:cNvPr>
+          <p:cNvSpPr/>
+          <p:nvPr/>
+        </p:nvSpPr>
+        <p:spPr>
+          <a:xfrm rot="3262658">
+            <a:off x="7965075" y="2161248"/>
             <a:ext cx="178853" cy="2381347"/>
           </a:xfrm>
           <a:prstGeom prst="downArrow">
@@ -12854,49 +14074,10 @@
       </p:sp>
       <p:sp>
         <p:nvSpPr>
-          <p:cNvPr id="3" name="Slide Number Placeholder 2">
-            <a:extLst>
-              <a:ext uri="{FF2B5EF4-FFF2-40B4-BE49-F238E27FC236}">
-                <a16:creationId xmlns:a16="http://schemas.microsoft.com/office/drawing/2014/main" id="{27BCBD73-CE08-BAE7-80DD-E0A99D17B396}"/>
-              </a:ext>
-            </a:extLst>
-          </p:cNvPr>
-          <p:cNvSpPr>
-            <a:spLocks noGrp="1"/>
-          </p:cNvSpPr>
-          <p:nvPr>
-            <p:ph type="sldNum" sz="quarter" idx="12"/>
-          </p:nvPr>
-        </p:nvSpPr>
-        <p:spPr/>
-        <p:txBody>
-          <a:bodyPr/>
-          <a:lstStyle/>
-          <a:p>
-            <a:pPr algn="ctr"/>
-            <a:r>
-              <a:rPr kumimoji="1" lang="en-US" altLang="ja-JP"/>
-              <a:t>-</a:t>
-            </a:r>
-            <a:fld id="{DD4CF77E-606E-4148-BC8B-C5EDFD579810}" type="slidenum">
-              <a:rPr kumimoji="1" lang="ja-JP" altLang="en-US" smtClean="0"/>
-              <a:pPr algn="ctr"/>
-              <a:t>5</a:t>
-            </a:fld>
-            <a:r>
-              <a:rPr kumimoji="1" lang="en-US" altLang="ja-JP"/>
-              <a:t>-</a:t>
-            </a:r>
-            <a:endParaRPr kumimoji="1" lang="ja-JP" altLang="en-US" dirty="0"/>
-          </a:p>
-        </p:txBody>
-      </p:sp>
-      <p:sp>
-        <p:nvSpPr>
-          <p:cNvPr id="4" name="TextBox 3">
-            <a:extLst>
-              <a:ext uri="{FF2B5EF4-FFF2-40B4-BE49-F238E27FC236}">
-                <a16:creationId xmlns:a16="http://schemas.microsoft.com/office/drawing/2014/main" id="{58CECEC3-FDFA-4105-AAAB-B509D98AACFD}"/>
+          <p:cNvPr id="9" name="テキスト ボックス 8">
+            <a:extLst>
+              <a:ext uri="{FF2B5EF4-FFF2-40B4-BE49-F238E27FC236}">
+                <a16:creationId xmlns:a16="http://schemas.microsoft.com/office/drawing/2014/main" id="{EEE3E272-A900-1C64-4815-0DB8F1ED4F0B}"/>
               </a:ext>
             </a:extLst>
           </p:cNvPr>
@@ -12905,8 +14086,8 @@
         </p:nvSpPr>
         <p:spPr>
           <a:xfrm>
-            <a:off x="449016" y="269481"/>
-            <a:ext cx="8479084" cy="707886"/>
+            <a:off x="8445304" y="2277955"/>
+            <a:ext cx="1628634" cy="307777"/>
           </a:xfrm>
           <a:prstGeom prst="rect">
             <a:avLst/>
@@ -12920,146 +14101,19 @@
           <a:lstStyle/>
           <a:p>
             <a:r>
-              <a:rPr lang="ja-JP" altLang="en-US" sz="4000" dirty="0"/>
-              <a:t>提案手法：</a:t>
-            </a:r>
-            <a:r>
-              <a:rPr lang="en-US" altLang="ja-JP" sz="4000" dirty="0"/>
-              <a:t>DNN  </a:t>
-            </a:r>
-            <a:r>
-              <a:rPr lang="en-US" altLang="ja-JP" sz="2400" dirty="0"/>
-              <a:t>(Deep Nearest-Neighbors)</a:t>
-            </a:r>
-            <a:endParaRPr lang="en-JP" sz="2400" dirty="0"/>
-          </a:p>
-        </p:txBody>
-      </p:sp>
-      <p:sp>
-        <p:nvSpPr>
-          <p:cNvPr id="2" name="テキスト ボックス 1">
-            <a:extLst>
-              <a:ext uri="{FF2B5EF4-FFF2-40B4-BE49-F238E27FC236}">
-                <a16:creationId xmlns:a16="http://schemas.microsoft.com/office/drawing/2014/main" id="{E21702CF-DFF1-403E-B122-F7C9751136B5}"/>
-              </a:ext>
-            </a:extLst>
-          </p:cNvPr>
-          <p:cNvSpPr txBox="1"/>
-          <p:nvPr/>
-        </p:nvSpPr>
-        <p:spPr>
-          <a:xfrm>
-            <a:off x="140676" y="1424354"/>
-            <a:ext cx="10853675" cy="1938992"/>
-          </a:xfrm>
-          <a:prstGeom prst="rect">
-            <a:avLst/>
-          </a:prstGeom>
-          <a:noFill/>
-        </p:spPr>
-        <p:txBody>
-          <a:bodyPr wrap="square" rtlCol="0">
-            <a:spAutoFit/>
-          </a:bodyPr>
-          <a:lstStyle/>
-          <a:p>
-            <a:r>
-              <a:rPr lang="ja-JP" altLang="en-US" sz="2000" dirty="0"/>
-              <a:t>・</a:t>
-            </a:r>
-            <a:r>
-              <a:rPr lang="en-US" altLang="ja-JP" sz="2000" dirty="0" err="1"/>
-              <a:t>imageNet</a:t>
-            </a:r>
-            <a:r>
-              <a:rPr lang="ja-JP" altLang="en-US" sz="2000" dirty="0"/>
-              <a:t>で事前学習された</a:t>
-            </a:r>
-            <a:r>
-              <a:rPr lang="en-US" altLang="ja-JP" sz="2000" dirty="0" err="1"/>
-              <a:t>ResNet</a:t>
-            </a:r>
-            <a:r>
-              <a:rPr lang="ja-JP" altLang="en-US" sz="2000" dirty="0"/>
-              <a:t>を特徴抽出器として利用し、</a:t>
-            </a:r>
-            <a:r>
-              <a:rPr lang="en-US" altLang="ja-JP" sz="2000" u="sng" dirty="0"/>
-              <a:t>KNN</a:t>
-            </a:r>
-            <a:r>
-              <a:rPr lang="ja-JP" altLang="en-US" sz="2000" dirty="0"/>
-              <a:t>を適用する手法。</a:t>
-            </a:r>
-            <a:endParaRPr lang="en-US" altLang="ja-JP" sz="2000" dirty="0"/>
-          </a:p>
-          <a:p>
-            <a:endParaRPr lang="en-US" altLang="ja-JP" sz="2000" dirty="0"/>
-          </a:p>
-          <a:p>
-            <a:r>
-              <a:rPr lang="ja-JP" altLang="en-US" sz="2000" dirty="0"/>
-              <a:t>・</a:t>
-            </a:r>
-            <a:r>
-              <a:rPr lang="en-US" altLang="ja-JP" sz="2000" u="sng" dirty="0"/>
-              <a:t>KNN</a:t>
-            </a:r>
-            <a:r>
-              <a:rPr lang="ja-JP" altLang="en-US" sz="2000" dirty="0"/>
-              <a:t>を採用しているため、データ数に比例してメモリ使用量と計算量が増加する。</a:t>
-            </a:r>
-            <a:endParaRPr lang="en-US" altLang="ja-JP" sz="2000" dirty="0"/>
-          </a:p>
-          <a:p>
-            <a:endParaRPr lang="en-US" altLang="ja-JP" sz="2000" dirty="0"/>
-          </a:p>
-          <a:p>
-            <a:r>
-              <a:rPr lang="en-US" altLang="ja-JP" sz="2000" u="sng" dirty="0"/>
-              <a:t>KNN</a:t>
-            </a:r>
-            <a:r>
-              <a:rPr lang="en-US" altLang="ja-JP" sz="2000" dirty="0"/>
-              <a:t>…</a:t>
-            </a:r>
-            <a:r>
-              <a:rPr lang="ja-JP" altLang="en-US" sz="2000" dirty="0"/>
-              <a:t>入力画像の特徴ベクトルと似ている</a:t>
-            </a:r>
-            <a:r>
-              <a:rPr lang="en-US" altLang="ja-JP" sz="2000" dirty="0"/>
-              <a:t>(</a:t>
-            </a:r>
-            <a:r>
-              <a:rPr lang="ja-JP" altLang="en-US" sz="2000" dirty="0"/>
-              <a:t>距離が近い</a:t>
-            </a:r>
-            <a:r>
-              <a:rPr lang="en-US" altLang="ja-JP" sz="2000" dirty="0"/>
-              <a:t>)</a:t>
-            </a:r>
-            <a:r>
-              <a:rPr lang="ja-JP" altLang="en-US" sz="2000" dirty="0"/>
-              <a:t>上位Ｋ個の特徴ベクトルとの</a:t>
-            </a:r>
-            <a:endParaRPr lang="en-US" altLang="ja-JP" sz="2000" dirty="0"/>
-          </a:p>
-          <a:p>
-            <a:r>
-              <a:rPr lang="ja-JP" altLang="en-US" sz="2000" dirty="0"/>
-              <a:t>　　　 合計距離によって異常か判定する手法。</a:t>
-            </a:r>
-            <a:endParaRPr lang="en-US" altLang="ja-JP" sz="2000" dirty="0"/>
-          </a:p>
-        </p:txBody>
-      </p:sp>
-      <p:sp>
-        <p:nvSpPr>
-          <p:cNvPr id="5" name="正方形/長方形 4">
-            <a:extLst>
-              <a:ext uri="{FF2B5EF4-FFF2-40B4-BE49-F238E27FC236}">
-                <a16:creationId xmlns:a16="http://schemas.microsoft.com/office/drawing/2014/main" id="{B71861AD-9830-7E20-607F-9C25F1115A92}"/>
+              <a:rPr lang="ja-JP" altLang="en-US" sz="1400" dirty="0"/>
+              <a:t>複数層を使ってる</a:t>
+            </a:r>
+            <a:endParaRPr kumimoji="1" lang="ja-JP" altLang="en-US" sz="1400" dirty="0"/>
+          </a:p>
+        </p:txBody>
+      </p:sp>
+      <p:sp>
+        <p:nvSpPr>
+          <p:cNvPr id="10" name="正方形/長方形 9">
+            <a:extLst>
+              <a:ext uri="{FF2B5EF4-FFF2-40B4-BE49-F238E27FC236}">
+                <a16:creationId xmlns:a16="http://schemas.microsoft.com/office/drawing/2014/main" id="{78D7CDBE-1399-54A5-BD23-3F53A92AC005}"/>
               </a:ext>
             </a:extLst>
           </p:cNvPr>
@@ -13091,162 +14145,106 @@
           </a:p>
         </p:txBody>
       </p:sp>
-      <p:sp>
-        <p:nvSpPr>
-          <p:cNvPr id="7" name="矢印: 下 6">
-            <a:extLst>
-              <a:ext uri="{FF2B5EF4-FFF2-40B4-BE49-F238E27FC236}">
-                <a16:creationId xmlns:a16="http://schemas.microsoft.com/office/drawing/2014/main" id="{B391A30E-0A0E-7BBF-DEBD-C4E70E2BA450}"/>
-              </a:ext>
-            </a:extLst>
-          </p:cNvPr>
-          <p:cNvSpPr/>
+      <p:cxnSp>
+        <p:nvCxnSpPr>
+          <p:cNvPr id="16" name="コネクタ: 曲線 15">
+            <a:extLst>
+              <a:ext uri="{FF2B5EF4-FFF2-40B4-BE49-F238E27FC236}">
+                <a16:creationId xmlns:a16="http://schemas.microsoft.com/office/drawing/2014/main" id="{BEAC9A3D-46D1-4BA9-B390-6E943F9060C7}"/>
+              </a:ext>
+            </a:extLst>
+          </p:cNvPr>
+          <p:cNvCxnSpPr>
+            <a:cxnSpLocks/>
+          </p:cNvCxnSpPr>
           <p:nvPr/>
-        </p:nvSpPr>
+        </p:nvCxnSpPr>
         <p:spPr>
-          <a:xfrm rot="17384102">
-            <a:off x="6413614" y="3626268"/>
-            <a:ext cx="178853" cy="2381347"/>
+          <a:xfrm flipV="1">
+            <a:off x="6862864" y="4425888"/>
+            <a:ext cx="442811" cy="261264"/>
           </a:xfrm>
-          <a:prstGeom prst="downArrow">
-            <a:avLst/>
+          <a:prstGeom prst="curvedConnector3">
+            <a:avLst>
+              <a:gd name="adj1" fmla="val 113455"/>
+            </a:avLst>
           </a:prstGeom>
-          <a:solidFill>
-            <a:schemeClr val="accent1">
-              <a:lumMod val="20000"/>
-              <a:lumOff val="80000"/>
-            </a:schemeClr>
-          </a:solidFill>
+          <a:ln>
+            <a:solidFill>
+              <a:schemeClr val="accent4">
+                <a:lumMod val="75000"/>
+              </a:schemeClr>
+            </a:solidFill>
+            <a:tailEnd type="triangle"/>
+          </a:ln>
         </p:spPr>
         <p:style>
-          <a:lnRef idx="2">
-            <a:schemeClr val="accent1">
-              <a:shade val="15000"/>
-            </a:schemeClr>
+          <a:lnRef idx="1">
+            <a:schemeClr val="accent1"/>
           </a:lnRef>
-          <a:fillRef idx="1">
+          <a:fillRef idx="0">
             <a:schemeClr val="accent1"/>
           </a:fillRef>
           <a:effectRef idx="0">
             <a:schemeClr val="accent1"/>
           </a:effectRef>
           <a:fontRef idx="minor">
-            <a:schemeClr val="lt1"/>
+            <a:schemeClr val="tx1"/>
           </a:fontRef>
         </p:style>
-        <p:txBody>
-          <a:bodyPr rtlCol="0" anchor="ctr"/>
-          <a:lstStyle/>
-          <a:p>
-            <a:pPr algn="ctr"/>
-            <a:endParaRPr kumimoji="1" lang="ja-JP" altLang="en-US"/>
-          </a:p>
-        </p:txBody>
-      </p:sp>
-      <p:sp>
-        <p:nvSpPr>
-          <p:cNvPr id="8" name="テキスト ボックス 7">
-            <a:extLst>
-              <a:ext uri="{FF2B5EF4-FFF2-40B4-BE49-F238E27FC236}">
-                <a16:creationId xmlns:a16="http://schemas.microsoft.com/office/drawing/2014/main" id="{2F567071-488A-A28C-1AF6-D717BB774C97}"/>
-              </a:ext>
-            </a:extLst>
-          </p:cNvPr>
-          <p:cNvSpPr txBox="1"/>
+      </p:cxnSp>
+      <p:cxnSp>
+        <p:nvCxnSpPr>
+          <p:cNvPr id="31" name="コネクタ: 曲線 30">
+            <a:extLst>
+              <a:ext uri="{FF2B5EF4-FFF2-40B4-BE49-F238E27FC236}">
+                <a16:creationId xmlns:a16="http://schemas.microsoft.com/office/drawing/2014/main" id="{8353AE88-684D-4D1D-A33C-FF8E81807ADD}"/>
+              </a:ext>
+            </a:extLst>
+          </p:cNvPr>
+          <p:cNvCxnSpPr>
+            <a:cxnSpLocks/>
+          </p:cNvCxnSpPr>
           <p:nvPr/>
-        </p:nvSpPr>
+        </p:nvCxnSpPr>
         <p:spPr>
-          <a:xfrm>
-            <a:off x="3853848" y="4271997"/>
-            <a:ext cx="1628634" cy="307777"/>
+          <a:xfrm flipV="1">
+            <a:off x="7115616" y="4454203"/>
+            <a:ext cx="295715" cy="111381"/>
           </a:xfrm>
-          <a:prstGeom prst="rect">
-            <a:avLst/>
+          <a:prstGeom prst="curvedConnector3">
+            <a:avLst>
+              <a:gd name="adj1" fmla="val 127304"/>
+            </a:avLst>
           </a:prstGeom>
-          <a:noFill/>
+          <a:ln>
+            <a:solidFill>
+              <a:schemeClr val="accent4">
+                <a:lumMod val="75000"/>
+              </a:schemeClr>
+            </a:solidFill>
+            <a:tailEnd type="triangle"/>
+          </a:ln>
         </p:spPr>
-        <p:txBody>
-          <a:bodyPr wrap="square" rtlCol="0">
-            <a:spAutoFit/>
-          </a:bodyPr>
-          <a:lstStyle/>
-          <a:p>
-            <a:r>
-              <a:rPr lang="ja-JP" altLang="en-US" sz="1400" dirty="0"/>
-              <a:t>遠い</a:t>
-            </a:r>
-            <a:r>
-              <a:rPr kumimoji="1" lang="en-US" altLang="ja-JP" sz="1400" dirty="0"/>
-              <a:t>(</a:t>
-            </a:r>
-            <a:r>
-              <a:rPr lang="ja-JP" altLang="en-US" sz="1400" dirty="0"/>
-              <a:t>異常</a:t>
-            </a:r>
-            <a:r>
-              <a:rPr kumimoji="1" lang="ja-JP" altLang="en-US" sz="1400" dirty="0"/>
-              <a:t>だろう</a:t>
-            </a:r>
-            <a:r>
-              <a:rPr kumimoji="1" lang="en-US" altLang="ja-JP" sz="1400" dirty="0"/>
-              <a:t>)</a:t>
-            </a:r>
-            <a:endParaRPr kumimoji="1" lang="ja-JP" altLang="en-US" sz="1400" dirty="0"/>
-          </a:p>
-        </p:txBody>
-      </p:sp>
-      <p:sp>
-        <p:nvSpPr>
-          <p:cNvPr id="9" name="テキスト ボックス 8">
-            <a:extLst>
-              <a:ext uri="{FF2B5EF4-FFF2-40B4-BE49-F238E27FC236}">
-                <a16:creationId xmlns:a16="http://schemas.microsoft.com/office/drawing/2014/main" id="{83955474-8788-CC68-58E9-85C0CDE4ED60}"/>
-              </a:ext>
-            </a:extLst>
-          </p:cNvPr>
-          <p:cNvSpPr txBox="1"/>
-          <p:nvPr/>
-        </p:nvSpPr>
-        <p:spPr>
-          <a:xfrm>
-            <a:off x="9931823" y="4018525"/>
-            <a:ext cx="1656034" cy="307777"/>
-          </a:xfrm>
-          <a:prstGeom prst="rect">
-            <a:avLst/>
-          </a:prstGeom>
-          <a:noFill/>
-        </p:spPr>
-        <p:txBody>
-          <a:bodyPr wrap="square" rtlCol="0">
-            <a:spAutoFit/>
-          </a:bodyPr>
-          <a:lstStyle/>
-          <a:p>
-            <a:r>
-              <a:rPr kumimoji="1" lang="ja-JP" altLang="en-US" sz="1400" dirty="0"/>
-              <a:t>近い</a:t>
-            </a:r>
-            <a:r>
-              <a:rPr kumimoji="1" lang="en-US" altLang="ja-JP" sz="1400" dirty="0"/>
-              <a:t>(</a:t>
-            </a:r>
-            <a:r>
-              <a:rPr kumimoji="1" lang="ja-JP" altLang="en-US" sz="1400" dirty="0"/>
-              <a:t>正常だろう</a:t>
-            </a:r>
-            <a:r>
-              <a:rPr kumimoji="1" lang="en-US" altLang="ja-JP" sz="1400" dirty="0"/>
-              <a:t>)</a:t>
-            </a:r>
-            <a:endParaRPr kumimoji="1" lang="ja-JP" altLang="en-US" sz="1400" dirty="0"/>
-          </a:p>
-        </p:txBody>
-      </p:sp>
+        <p:style>
+          <a:lnRef idx="1">
+            <a:schemeClr val="accent1"/>
+          </a:lnRef>
+          <a:fillRef idx="0">
+            <a:schemeClr val="accent1"/>
+          </a:fillRef>
+          <a:effectRef idx="0">
+            <a:schemeClr val="accent1"/>
+          </a:effectRef>
+          <a:fontRef idx="minor">
+            <a:schemeClr val="tx1"/>
+          </a:fontRef>
+        </p:style>
+      </p:cxnSp>
     </p:spTree>
     <p:extLst>
       <p:ext uri="{BB962C8B-B14F-4D97-AF65-F5344CB8AC3E}">
-        <p14:creationId xmlns:p14="http://schemas.microsoft.com/office/powerpoint/2010/main" val="4167963483"/>
+        <p14:creationId xmlns:p14="http://schemas.microsoft.com/office/powerpoint/2010/main" val="4113228319"/>
       </p:ext>
     </p:extLst>
   </p:cSld>
@@ -13321,473 +14319,6 @@
               <a:rPr kumimoji="1" lang="ja-JP" altLang="en-US" smtClean="0"/>
               <a:pPr algn="ctr"/>
               <a:t>6</a:t>
-            </a:fld>
-            <a:r>
-              <a:rPr kumimoji="1" lang="en-US" altLang="ja-JP"/>
-              <a:t>-</a:t>
-            </a:r>
-            <a:endParaRPr kumimoji="1" lang="ja-JP" altLang="en-US" dirty="0"/>
-          </a:p>
-        </p:txBody>
-      </p:sp>
-      <p:sp>
-        <p:nvSpPr>
-          <p:cNvPr id="4" name="TextBox 3">
-            <a:extLst>
-              <a:ext uri="{FF2B5EF4-FFF2-40B4-BE49-F238E27FC236}">
-                <a16:creationId xmlns:a16="http://schemas.microsoft.com/office/drawing/2014/main" id="{58CECEC3-FDFA-4105-AAAB-B509D98AACFD}"/>
-              </a:ext>
-            </a:extLst>
-          </p:cNvPr>
-          <p:cNvSpPr txBox="1"/>
-          <p:nvPr/>
-        </p:nvSpPr>
-        <p:spPr>
-          <a:xfrm>
-            <a:off x="449016" y="269481"/>
-            <a:ext cx="9152183" cy="707886"/>
-          </a:xfrm>
-          <a:prstGeom prst="rect">
-            <a:avLst/>
-          </a:prstGeom>
-          <a:noFill/>
-        </p:spPr>
-        <p:txBody>
-          <a:bodyPr wrap="square" rtlCol="0">
-            <a:spAutoFit/>
-          </a:bodyPr>
-          <a:lstStyle/>
-          <a:p>
-            <a:r>
-              <a:rPr lang="ja-JP" altLang="en-US" sz="4000" dirty="0"/>
-              <a:t>提案手法：</a:t>
-            </a:r>
-            <a:r>
-              <a:rPr lang="en-US" altLang="ja-JP" sz="4000" dirty="0"/>
-              <a:t>SPADE</a:t>
-            </a:r>
-            <a:endParaRPr lang="en-JP" sz="4000" dirty="0"/>
-          </a:p>
-        </p:txBody>
-      </p:sp>
-      <p:sp>
-        <p:nvSpPr>
-          <p:cNvPr id="5" name="テキスト ボックス 4">
-            <a:extLst>
-              <a:ext uri="{FF2B5EF4-FFF2-40B4-BE49-F238E27FC236}">
-                <a16:creationId xmlns:a16="http://schemas.microsoft.com/office/drawing/2014/main" id="{C487BEB7-018F-4387-B08F-DFAAFFA88390}"/>
-              </a:ext>
-            </a:extLst>
-          </p:cNvPr>
-          <p:cNvSpPr txBox="1"/>
-          <p:nvPr/>
-        </p:nvSpPr>
-        <p:spPr>
-          <a:xfrm>
-            <a:off x="140677" y="1424354"/>
-            <a:ext cx="10568354" cy="1938992"/>
-          </a:xfrm>
-          <a:prstGeom prst="rect">
-            <a:avLst/>
-          </a:prstGeom>
-          <a:noFill/>
-        </p:spPr>
-        <p:txBody>
-          <a:bodyPr wrap="square" rtlCol="0">
-            <a:spAutoFit/>
-          </a:bodyPr>
-          <a:lstStyle/>
-          <a:p>
-            <a:r>
-              <a:rPr lang="ja-JP" altLang="en-US" sz="2000" dirty="0"/>
-              <a:t>・</a:t>
-            </a:r>
-            <a:r>
-              <a:rPr lang="en-US" altLang="ja-JP" sz="2000" dirty="0"/>
-              <a:t>DNN</a:t>
-            </a:r>
-            <a:r>
-              <a:rPr lang="ja-JP" altLang="en-US" sz="2000" dirty="0"/>
-              <a:t>の特徴抽出器を工夫した手法。</a:t>
-            </a:r>
-            <a:endParaRPr lang="en-US" altLang="ja-JP" sz="2000" dirty="0"/>
-          </a:p>
-          <a:p>
-            <a:endParaRPr lang="en-US" altLang="ja-JP" sz="2000" dirty="0"/>
-          </a:p>
-          <a:p>
-            <a:r>
-              <a:rPr lang="ja-JP" altLang="en-US" sz="2000" dirty="0"/>
-              <a:t>・浅い層＋深い層の特徴マップを利用するように改善。</a:t>
-            </a:r>
-            <a:endParaRPr lang="en-US" altLang="ja-JP" sz="2000" dirty="0"/>
-          </a:p>
-          <a:p>
-            <a:endParaRPr lang="en-US" altLang="ja-JP" sz="2000" dirty="0"/>
-          </a:p>
-          <a:p>
-            <a:r>
-              <a:rPr lang="ja-JP" altLang="en-US" sz="2000" dirty="0"/>
-              <a:t>・ピクセルに注目することで、局所検知が可能に。</a:t>
-            </a:r>
-            <a:endParaRPr kumimoji="1" lang="en-US" altLang="ja-JP" sz="2000" dirty="0"/>
-          </a:p>
-          <a:p>
-            <a:endParaRPr kumimoji="1" lang="en-US" altLang="ja-JP" sz="2000" dirty="0"/>
-          </a:p>
-        </p:txBody>
-      </p:sp>
-      <p:pic>
-        <p:nvPicPr>
-          <p:cNvPr id="2" name="Picture 2">
-            <a:extLst>
-              <a:ext uri="{FF2B5EF4-FFF2-40B4-BE49-F238E27FC236}">
-                <a16:creationId xmlns:a16="http://schemas.microsoft.com/office/drawing/2014/main" id="{ABD6B806-D8B9-5583-FDF4-89474471CE58}"/>
-              </a:ext>
-            </a:extLst>
-          </p:cNvPr>
-          <p:cNvPicPr>
-            <a:picLocks noChangeAspect="1" noChangeArrowheads="1"/>
-          </p:cNvPicPr>
-          <p:nvPr/>
-        </p:nvPicPr>
-        <p:blipFill>
-          <a:blip r:embed="rId3">
-            <a:extLst>
-              <a:ext uri="{28A0092B-C50C-407E-A947-70E740481C1C}">
-                <a14:useLocalDpi xmlns:a14="http://schemas.microsoft.com/office/drawing/2010/main" val="0"/>
-              </a:ext>
-            </a:extLst>
-          </a:blip>
-          <a:srcRect/>
-          <a:stretch>
-            <a:fillRect/>
-          </a:stretch>
-        </p:blipFill>
-        <p:spPr bwMode="auto">
-          <a:xfrm>
-            <a:off x="5671226" y="3699438"/>
-            <a:ext cx="4854103" cy="2680255"/>
-          </a:xfrm>
-          <a:prstGeom prst="rect">
-            <a:avLst/>
-          </a:prstGeom>
-          <a:noFill/>
-          <a:extLst>
-            <a:ext uri="{909E8E84-426E-40DD-AFC4-6F175D3DCCD1}">
-              <a14:hiddenFill xmlns:a14="http://schemas.microsoft.com/office/drawing/2010/main">
-                <a:solidFill>
-                  <a:srgbClr val="FFFFFF"/>
-                </a:solidFill>
-              </a14:hiddenFill>
-            </a:ext>
-          </a:extLst>
-        </p:spPr>
-      </p:pic>
-      <p:sp>
-        <p:nvSpPr>
-          <p:cNvPr id="6" name="正方形/長方形 5">
-            <a:extLst>
-              <a:ext uri="{FF2B5EF4-FFF2-40B4-BE49-F238E27FC236}">
-                <a16:creationId xmlns:a16="http://schemas.microsoft.com/office/drawing/2014/main" id="{57087E1E-379E-8E5A-A8B6-880FDE560E02}"/>
-              </a:ext>
-            </a:extLst>
-          </p:cNvPr>
-          <p:cNvSpPr/>
-          <p:nvPr/>
-        </p:nvSpPr>
-        <p:spPr>
-          <a:xfrm>
-            <a:off x="6789907" y="4033769"/>
-            <a:ext cx="145915" cy="651754"/>
-          </a:xfrm>
-          <a:prstGeom prst="rect">
-            <a:avLst/>
-          </a:prstGeom>
-          <a:solidFill>
-            <a:srgbClr val="FFFF00"/>
-          </a:solidFill>
-        </p:spPr>
-        <p:style>
-          <a:lnRef idx="2">
-            <a:schemeClr val="accent1">
-              <a:shade val="15000"/>
-            </a:schemeClr>
-          </a:lnRef>
-          <a:fillRef idx="1">
-            <a:schemeClr val="accent1"/>
-          </a:fillRef>
-          <a:effectRef idx="0">
-            <a:schemeClr val="accent1"/>
-          </a:effectRef>
-          <a:fontRef idx="minor">
-            <a:schemeClr val="lt1"/>
-          </a:fontRef>
-        </p:style>
-        <p:txBody>
-          <a:bodyPr rtlCol="0" anchor="ctr"/>
-          <a:lstStyle/>
-          <a:p>
-            <a:pPr algn="ctr"/>
-            <a:endParaRPr kumimoji="1" lang="ja-JP" altLang="en-US"/>
-          </a:p>
-        </p:txBody>
-      </p:sp>
-      <p:sp>
-        <p:nvSpPr>
-          <p:cNvPr id="7" name="正方形/長方形 6">
-            <a:extLst>
-              <a:ext uri="{FF2B5EF4-FFF2-40B4-BE49-F238E27FC236}">
-                <a16:creationId xmlns:a16="http://schemas.microsoft.com/office/drawing/2014/main" id="{E075CC01-A8B1-5D7B-7B22-3A6722E06282}"/>
-              </a:ext>
-            </a:extLst>
-          </p:cNvPr>
-          <p:cNvSpPr/>
-          <p:nvPr/>
-        </p:nvSpPr>
-        <p:spPr>
-          <a:xfrm>
-            <a:off x="7100619" y="4157022"/>
-            <a:ext cx="145915" cy="408561"/>
-          </a:xfrm>
-          <a:prstGeom prst="rect">
-            <a:avLst/>
-          </a:prstGeom>
-          <a:solidFill>
-            <a:schemeClr val="tx1">
-              <a:lumMod val="50000"/>
-              <a:lumOff val="50000"/>
-            </a:schemeClr>
-          </a:solidFill>
-        </p:spPr>
-        <p:style>
-          <a:lnRef idx="2">
-            <a:schemeClr val="accent1">
-              <a:shade val="15000"/>
-            </a:schemeClr>
-          </a:lnRef>
-          <a:fillRef idx="1">
-            <a:schemeClr val="accent1"/>
-          </a:fillRef>
-          <a:effectRef idx="0">
-            <a:schemeClr val="accent1"/>
-          </a:effectRef>
-          <a:fontRef idx="minor">
-            <a:schemeClr val="lt1"/>
-          </a:fontRef>
-        </p:style>
-        <p:txBody>
-          <a:bodyPr rtlCol="0" anchor="ctr"/>
-          <a:lstStyle/>
-          <a:p>
-            <a:pPr algn="ctr"/>
-            <a:endParaRPr kumimoji="1" lang="ja-JP" altLang="en-US"/>
-          </a:p>
-        </p:txBody>
-      </p:sp>
-      <p:sp>
-        <p:nvSpPr>
-          <p:cNvPr id="8" name="矢印: 下 7">
-            <a:extLst>
-              <a:ext uri="{FF2B5EF4-FFF2-40B4-BE49-F238E27FC236}">
-                <a16:creationId xmlns:a16="http://schemas.microsoft.com/office/drawing/2014/main" id="{CACDC1F3-EF40-620C-E822-B5BA9125AD6C}"/>
-              </a:ext>
-            </a:extLst>
-          </p:cNvPr>
-          <p:cNvSpPr/>
-          <p:nvPr/>
-        </p:nvSpPr>
-        <p:spPr>
-          <a:xfrm rot="3262658">
-            <a:off x="7965075" y="2161248"/>
-            <a:ext cx="178853" cy="2381347"/>
-          </a:xfrm>
-          <a:prstGeom prst="downArrow">
-            <a:avLst/>
-          </a:prstGeom>
-          <a:solidFill>
-            <a:schemeClr val="accent1">
-              <a:lumMod val="20000"/>
-              <a:lumOff val="80000"/>
-            </a:schemeClr>
-          </a:solidFill>
-        </p:spPr>
-        <p:style>
-          <a:lnRef idx="2">
-            <a:schemeClr val="accent1">
-              <a:shade val="15000"/>
-            </a:schemeClr>
-          </a:lnRef>
-          <a:fillRef idx="1">
-            <a:schemeClr val="accent1"/>
-          </a:fillRef>
-          <a:effectRef idx="0">
-            <a:schemeClr val="accent1"/>
-          </a:effectRef>
-          <a:fontRef idx="minor">
-            <a:schemeClr val="lt1"/>
-          </a:fontRef>
-        </p:style>
-        <p:txBody>
-          <a:bodyPr rtlCol="0" anchor="ctr"/>
-          <a:lstStyle/>
-          <a:p>
-            <a:pPr algn="ctr"/>
-            <a:endParaRPr kumimoji="1" lang="ja-JP" altLang="en-US"/>
-          </a:p>
-        </p:txBody>
-      </p:sp>
-      <p:sp>
-        <p:nvSpPr>
-          <p:cNvPr id="9" name="テキスト ボックス 8">
-            <a:extLst>
-              <a:ext uri="{FF2B5EF4-FFF2-40B4-BE49-F238E27FC236}">
-                <a16:creationId xmlns:a16="http://schemas.microsoft.com/office/drawing/2014/main" id="{EEE3E272-A900-1C64-4815-0DB8F1ED4F0B}"/>
-              </a:ext>
-            </a:extLst>
-          </p:cNvPr>
-          <p:cNvSpPr txBox="1"/>
-          <p:nvPr/>
-        </p:nvSpPr>
-        <p:spPr>
-          <a:xfrm>
-            <a:off x="8445304" y="2277955"/>
-            <a:ext cx="1628634" cy="307777"/>
-          </a:xfrm>
-          <a:prstGeom prst="rect">
-            <a:avLst/>
-          </a:prstGeom>
-          <a:noFill/>
-        </p:spPr>
-        <p:txBody>
-          <a:bodyPr wrap="square" rtlCol="0">
-            <a:spAutoFit/>
-          </a:bodyPr>
-          <a:lstStyle/>
-          <a:p>
-            <a:r>
-              <a:rPr lang="ja-JP" altLang="en-US" sz="1400" dirty="0"/>
-              <a:t>複数層を使ってる</a:t>
-            </a:r>
-            <a:endParaRPr kumimoji="1" lang="ja-JP" altLang="en-US" sz="1400" dirty="0"/>
-          </a:p>
-        </p:txBody>
-      </p:sp>
-      <p:sp>
-        <p:nvSpPr>
-          <p:cNvPr id="10" name="正方形/長方形 9">
-            <a:extLst>
-              <a:ext uri="{FF2B5EF4-FFF2-40B4-BE49-F238E27FC236}">
-                <a16:creationId xmlns:a16="http://schemas.microsoft.com/office/drawing/2014/main" id="{78D7CDBE-1399-54A5-BD23-3F53A92AC005}"/>
-              </a:ext>
-            </a:extLst>
-          </p:cNvPr>
-          <p:cNvSpPr/>
-          <p:nvPr/>
-        </p:nvSpPr>
-        <p:spPr>
-          <a:xfrm>
-            <a:off x="8010251" y="6301155"/>
-            <a:ext cx="3505476" cy="215444"/>
-          </a:xfrm>
-          <a:prstGeom prst="rect">
-            <a:avLst/>
-          </a:prstGeom>
-        </p:spPr>
-        <p:txBody>
-          <a:bodyPr wrap="square">
-            <a:spAutoFit/>
-          </a:bodyPr>
-          <a:lstStyle/>
-          <a:p>
-            <a:r>
-              <a:rPr lang="ja-JP" altLang="en-US" sz="800" dirty="0">
-                <a:hlinkClick r:id="rId4"/>
-              </a:rPr>
-              <a:t>https://qiita.com/makotoito/items/c58ebf12f5f179950e68</a:t>
-            </a:r>
-            <a:endParaRPr lang="en-US" altLang="ja-JP" sz="800" dirty="0"/>
-          </a:p>
-        </p:txBody>
-      </p:sp>
-    </p:spTree>
-    <p:extLst>
-      <p:ext uri="{BB962C8B-B14F-4D97-AF65-F5344CB8AC3E}">
-        <p14:creationId xmlns:p14="http://schemas.microsoft.com/office/powerpoint/2010/main" val="4113228319"/>
-      </p:ext>
-    </p:extLst>
-  </p:cSld>
-  <p:clrMapOvr>
-    <a:masterClrMapping/>
-  </p:clrMapOvr>
-  <mc:AlternateContent xmlns:mc="http://schemas.openxmlformats.org/markup-compatibility/2006" xmlns:p14="http://schemas.microsoft.com/office/powerpoint/2010/main">
-    <mc:Choice Requires="p14">
-      <p:transition p14:dur="180">
-        <p:fade/>
-      </p:transition>
-    </mc:Choice>
-    <mc:Fallback xmlns="">
-      <p:transition>
-        <p:fade/>
-      </p:transition>
-    </mc:Fallback>
-  </mc:AlternateContent>
-</p:sld>
-</file>
-
-<file path=ppt/slides/slide7.xml><?xml version="1.0" encoding="utf-8"?>
-<p:sld xmlns:a="http://schemas.openxmlformats.org/drawingml/2006/main" xmlns:r="http://schemas.openxmlformats.org/officeDocument/2006/relationships" xmlns:p="http://schemas.openxmlformats.org/presentationml/2006/main">
-  <p:cSld>
-    <p:spTree>
-      <p:nvGrpSpPr>
-        <p:cNvPr id="1" name="">
-          <a:extLst>
-            <a:ext uri="{FF2B5EF4-FFF2-40B4-BE49-F238E27FC236}">
-              <a16:creationId xmlns:a16="http://schemas.microsoft.com/office/drawing/2014/main" id="{B952A17A-80FF-DA20-EF66-670AF34F25CA}"/>
-            </a:ext>
-          </a:extLst>
-        </p:cNvPr>
-        <p:cNvGrpSpPr/>
-        <p:nvPr/>
-      </p:nvGrpSpPr>
-      <p:grpSpPr>
-        <a:xfrm>
-          <a:off x="0" y="0"/>
-          <a:ext cx="0" cy="0"/>
-          <a:chOff x="0" y="0"/>
-          <a:chExt cx="0" cy="0"/>
-        </a:xfrm>
-      </p:grpSpPr>
-      <p:sp>
-        <p:nvSpPr>
-          <p:cNvPr id="3" name="Slide Number Placeholder 2">
-            <a:extLst>
-              <a:ext uri="{FF2B5EF4-FFF2-40B4-BE49-F238E27FC236}">
-                <a16:creationId xmlns:a16="http://schemas.microsoft.com/office/drawing/2014/main" id="{27BCBD73-CE08-BAE7-80DD-E0A99D17B396}"/>
-              </a:ext>
-            </a:extLst>
-          </p:cNvPr>
-          <p:cNvSpPr>
-            <a:spLocks noGrp="1"/>
-          </p:cNvSpPr>
-          <p:nvPr>
-            <p:ph type="sldNum" sz="quarter" idx="12"/>
-          </p:nvPr>
-        </p:nvSpPr>
-        <p:spPr/>
-        <p:txBody>
-          <a:bodyPr/>
-          <a:lstStyle/>
-          <a:p>
-            <a:pPr algn="ctr"/>
-            <a:r>
-              <a:rPr kumimoji="1" lang="en-US" altLang="ja-JP"/>
-              <a:t>-</a:t>
-            </a:r>
-            <a:fld id="{DD4CF77E-606E-4148-BC8B-C5EDFD579810}" type="slidenum">
-              <a:rPr kumimoji="1" lang="ja-JP" altLang="en-US" smtClean="0"/>
-              <a:pPr algn="ctr"/>
-              <a:t>7</a:t>
             </a:fld>
             <a:r>
               <a:rPr kumimoji="1" lang="en-US" altLang="ja-JP"/>
@@ -14609,7 +15140,7 @@
 </p:sld>
 </file>
 
-<file path=ppt/slides/slide8.xml><?xml version="1.0" encoding="utf-8"?>
+<file path=ppt/slides/slide7.xml><?xml version="1.0" encoding="utf-8"?>
 <p:sld xmlns:a="http://schemas.openxmlformats.org/drawingml/2006/main" xmlns:r="http://schemas.openxmlformats.org/officeDocument/2006/relationships" xmlns:p="http://schemas.openxmlformats.org/presentationml/2006/main">
   <p:cSld>
     <p:spTree>
@@ -14661,7 +15192,7 @@
             <a:fld id="{DD4CF77E-606E-4148-BC8B-C5EDFD579810}" type="slidenum">
               <a:rPr kumimoji="1" lang="ja-JP" altLang="en-US" smtClean="0"/>
               <a:pPr algn="ctr"/>
-              <a:t>8</a:t>
+              <a:t>7</a:t>
             </a:fld>
             <a:r>
               <a:rPr kumimoji="1" lang="en-US" altLang="ja-JP" dirty="0"/>
@@ -15015,6 +15546,157 @@
     <p:extLst>
       <p:ext uri="{BB962C8B-B14F-4D97-AF65-F5344CB8AC3E}">
         <p14:creationId xmlns:p14="http://schemas.microsoft.com/office/powerpoint/2010/main" val="1575909704"/>
+      </p:ext>
+    </p:extLst>
+  </p:cSld>
+  <p:clrMapOvr>
+    <a:masterClrMapping/>
+  </p:clrMapOvr>
+  <mc:AlternateContent xmlns:mc="http://schemas.openxmlformats.org/markup-compatibility/2006" xmlns:p14="http://schemas.microsoft.com/office/powerpoint/2010/main">
+    <mc:Choice Requires="p14">
+      <p:transition p14:dur="180">
+        <p:fade/>
+      </p:transition>
+    </mc:Choice>
+    <mc:Fallback xmlns="">
+      <p:transition>
+        <p:fade/>
+      </p:transition>
+    </mc:Fallback>
+  </mc:AlternateContent>
+</p:sld>
+</file>
+
+<file path=ppt/slides/slide8.xml><?xml version="1.0" encoding="utf-8"?>
+<p:sld xmlns:a="http://schemas.openxmlformats.org/drawingml/2006/main" xmlns:r="http://schemas.openxmlformats.org/officeDocument/2006/relationships" xmlns:p="http://schemas.openxmlformats.org/presentationml/2006/main">
+  <p:cSld>
+    <p:spTree>
+      <p:nvGrpSpPr>
+        <p:cNvPr id="1" name=""/>
+        <p:cNvGrpSpPr/>
+        <p:nvPr/>
+      </p:nvGrpSpPr>
+      <p:grpSpPr>
+        <a:xfrm>
+          <a:off x="0" y="0"/>
+          <a:ext cx="0" cy="0"/>
+          <a:chOff x="0" y="0"/>
+          <a:chExt cx="0" cy="0"/>
+        </a:xfrm>
+      </p:grpSpPr>
+      <p:sp>
+        <p:nvSpPr>
+          <p:cNvPr id="3" name="TextBox 3">
+            <a:extLst>
+              <a:ext uri="{FF2B5EF4-FFF2-40B4-BE49-F238E27FC236}">
+                <a16:creationId xmlns:a16="http://schemas.microsoft.com/office/drawing/2014/main" id="{9EEA2E65-8F3A-4926-AD71-F4F0188ED458}"/>
+              </a:ext>
+            </a:extLst>
+          </p:cNvPr>
+          <p:cNvSpPr txBox="1"/>
+          <p:nvPr/>
+        </p:nvSpPr>
+        <p:spPr>
+          <a:xfrm>
+            <a:off x="449017" y="269481"/>
+            <a:ext cx="9263394" cy="707886"/>
+          </a:xfrm>
+          <a:prstGeom prst="rect">
+            <a:avLst/>
+          </a:prstGeom>
+          <a:noFill/>
+        </p:spPr>
+        <p:txBody>
+          <a:bodyPr wrap="square" rtlCol="0">
+            <a:spAutoFit/>
+          </a:bodyPr>
+          <a:lstStyle/>
+          <a:p>
+            <a:r>
+              <a:rPr lang="ja-JP" altLang="en-US" sz="4000" dirty="0"/>
+              <a:t>再構築ベースの手法</a:t>
+            </a:r>
+            <a:endParaRPr lang="en-JP" sz="2800" dirty="0"/>
+          </a:p>
+        </p:txBody>
+      </p:sp>
+      <p:sp>
+        <p:nvSpPr>
+          <p:cNvPr id="4" name="TextBox 3">
+            <a:extLst>
+              <a:ext uri="{FF2B5EF4-FFF2-40B4-BE49-F238E27FC236}">
+                <a16:creationId xmlns:a16="http://schemas.microsoft.com/office/drawing/2014/main" id="{8F89DC98-CEA3-42EA-87B1-A1E4A18DC524}"/>
+              </a:ext>
+            </a:extLst>
+          </p:cNvPr>
+          <p:cNvSpPr txBox="1"/>
+          <p:nvPr/>
+        </p:nvSpPr>
+        <p:spPr>
+          <a:xfrm>
+            <a:off x="449016" y="1472206"/>
+            <a:ext cx="11561751" cy="1692771"/>
+          </a:xfrm>
+          <a:prstGeom prst="rect">
+            <a:avLst/>
+          </a:prstGeom>
+          <a:noFill/>
+        </p:spPr>
+        <p:txBody>
+          <a:bodyPr wrap="square" rtlCol="0">
+            <a:spAutoFit/>
+          </a:bodyPr>
+          <a:lstStyle/>
+          <a:p>
+            <a:r>
+              <a:rPr lang="ja-JP" altLang="en-US" sz="2800" dirty="0"/>
+              <a:t>１．</a:t>
+            </a:r>
+            <a:r>
+              <a:rPr lang="en-US" altLang="ja-JP" sz="2800" dirty="0"/>
+              <a:t>SSIM</a:t>
+            </a:r>
+          </a:p>
+          <a:p>
+            <a:r>
+              <a:rPr lang="ja-JP" altLang="en-US" sz="2800" dirty="0"/>
+              <a:t>２．</a:t>
+            </a:r>
+            <a:r>
+              <a:rPr lang="en-US" altLang="ja-JP" sz="2800" dirty="0"/>
+              <a:t>ADTR</a:t>
+            </a:r>
+          </a:p>
+          <a:p>
+            <a:r>
+              <a:rPr lang="ja-JP" altLang="en-US" sz="2800" dirty="0"/>
+              <a:t>３．</a:t>
+            </a:r>
+            <a:r>
+              <a:rPr lang="en-US" altLang="ja-JP" sz="2800" dirty="0"/>
+              <a:t>Morita et al.(2022)</a:t>
+            </a:r>
+          </a:p>
+          <a:p>
+            <a:r>
+              <a:rPr lang="en-US" altLang="ja-JP" sz="2000" dirty="0"/>
+              <a:t>                  -(</a:t>
+            </a:r>
+            <a:r>
+              <a:rPr lang="en-US" altLang="ja-JP" sz="2000" dirty="0" err="1"/>
+              <a:t>Removing_Anomalies_as_Noises_for_Industrial_Defect_Localization</a:t>
+            </a:r>
+            <a:r>
+              <a:rPr lang="en-US" altLang="ja-JP" sz="2000" dirty="0"/>
+              <a:t>)</a:t>
+            </a:r>
+          </a:p>
+        </p:txBody>
+      </p:sp>
+    </p:spTree>
+    <p:extLst>
+      <p:ext uri="{BB962C8B-B14F-4D97-AF65-F5344CB8AC3E}">
+        <p14:creationId xmlns:p14="http://schemas.microsoft.com/office/powerpoint/2010/main" val="4094854531"/>
       </p:ext>
     </p:extLst>
   </p:cSld>
@@ -15041,7 +15723,13 @@
   <p:cSld>
     <p:spTree>
       <p:nvGrpSpPr>
-        <p:cNvPr id="1" name=""/>
+        <p:cNvPr id="1" name="">
+          <a:extLst>
+            <a:ext uri="{FF2B5EF4-FFF2-40B4-BE49-F238E27FC236}">
+              <a16:creationId xmlns:a16="http://schemas.microsoft.com/office/drawing/2014/main" id="{B952A17A-80FF-DA20-EF66-670AF34F25CA}"/>
+            </a:ext>
+          </a:extLst>
+        </p:cNvPr>
         <p:cNvGrpSpPr/>
         <p:nvPr/>
       </p:nvGrpSpPr>
@@ -15055,10 +15743,49 @@
       </p:grpSpPr>
       <p:sp>
         <p:nvSpPr>
-          <p:cNvPr id="3" name="TextBox 3">
-            <a:extLst>
-              <a:ext uri="{FF2B5EF4-FFF2-40B4-BE49-F238E27FC236}">
-                <a16:creationId xmlns:a16="http://schemas.microsoft.com/office/drawing/2014/main" id="{9EEA2E65-8F3A-4926-AD71-F4F0188ED458}"/>
+          <p:cNvPr id="3" name="Slide Number Placeholder 2">
+            <a:extLst>
+              <a:ext uri="{FF2B5EF4-FFF2-40B4-BE49-F238E27FC236}">
+                <a16:creationId xmlns:a16="http://schemas.microsoft.com/office/drawing/2014/main" id="{27BCBD73-CE08-BAE7-80DD-E0A99D17B396}"/>
+              </a:ext>
+            </a:extLst>
+          </p:cNvPr>
+          <p:cNvSpPr>
+            <a:spLocks noGrp="1"/>
+          </p:cNvSpPr>
+          <p:nvPr>
+            <p:ph type="sldNum" sz="quarter" idx="12"/>
+          </p:nvPr>
+        </p:nvSpPr>
+        <p:spPr/>
+        <p:txBody>
+          <a:bodyPr/>
+          <a:lstStyle/>
+          <a:p>
+            <a:pPr algn="ctr"/>
+            <a:r>
+              <a:rPr kumimoji="1" lang="en-US" altLang="ja-JP"/>
+              <a:t>-</a:t>
+            </a:r>
+            <a:fld id="{DD4CF77E-606E-4148-BC8B-C5EDFD579810}" type="slidenum">
+              <a:rPr kumimoji="1" lang="ja-JP" altLang="en-US" smtClean="0"/>
+              <a:pPr algn="ctr"/>
+              <a:t>9</a:t>
+            </a:fld>
+            <a:r>
+              <a:rPr kumimoji="1" lang="en-US" altLang="ja-JP"/>
+              <a:t>-</a:t>
+            </a:r>
+            <a:endParaRPr kumimoji="1" lang="ja-JP" altLang="en-US" dirty="0"/>
+          </a:p>
+        </p:txBody>
+      </p:sp>
+      <p:sp>
+        <p:nvSpPr>
+          <p:cNvPr id="4" name="TextBox 3">
+            <a:extLst>
+              <a:ext uri="{FF2B5EF4-FFF2-40B4-BE49-F238E27FC236}">
+                <a16:creationId xmlns:a16="http://schemas.microsoft.com/office/drawing/2014/main" id="{58CECEC3-FDFA-4105-AAAB-B509D98AACFD}"/>
               </a:ext>
             </a:extLst>
           </p:cNvPr>
@@ -15067,8 +15794,8 @@
         </p:nvSpPr>
         <p:spPr>
           <a:xfrm>
-            <a:off x="449017" y="269481"/>
-            <a:ext cx="9263394" cy="707886"/>
+            <a:off x="449016" y="269481"/>
+            <a:ext cx="8116249" cy="707886"/>
           </a:xfrm>
           <a:prstGeom prst="rect">
             <a:avLst/>
@@ -15083,81 +15810,263 @@
           <a:p>
             <a:r>
               <a:rPr lang="ja-JP" altLang="en-US" sz="4000" dirty="0"/>
-              <a:t>再構築ベースの手法</a:t>
-            </a:r>
-            <a:endParaRPr lang="en-JP" sz="2800" dirty="0"/>
-          </a:p>
-        </p:txBody>
-      </p:sp>
-      <p:sp>
-        <p:nvSpPr>
-          <p:cNvPr id="4" name="TextBox 3">
-            <a:extLst>
-              <a:ext uri="{FF2B5EF4-FFF2-40B4-BE49-F238E27FC236}">
-                <a16:creationId xmlns:a16="http://schemas.microsoft.com/office/drawing/2014/main" id="{8F89DC98-CEA3-42EA-87B1-A1E4A18DC524}"/>
-              </a:ext>
-            </a:extLst>
-          </p:cNvPr>
-          <p:cNvSpPr txBox="1"/>
+              <a:t>提案手法：</a:t>
+            </a:r>
+            <a:r>
+              <a:rPr lang="en-US" altLang="ja-JP" sz="4000" dirty="0"/>
+              <a:t>SSIM</a:t>
+            </a:r>
+            <a:r>
+              <a:rPr lang="ja-JP" altLang="en-US" sz="4000" dirty="0"/>
+              <a:t> </a:t>
+            </a:r>
+            <a:r>
+              <a:rPr lang="ja-JP" altLang="en-US" sz="1600" dirty="0"/>
+              <a:t>（</a:t>
+            </a:r>
+            <a:r>
+              <a:rPr lang="en-US" altLang="ja-JP" sz="1600" dirty="0"/>
+              <a:t>Structural Similarity</a:t>
+            </a:r>
+            <a:r>
+              <a:rPr lang="ja-JP" altLang="en-US" sz="1600" dirty="0"/>
+              <a:t>）</a:t>
+            </a:r>
+            <a:endParaRPr lang="en-JP" sz="1600" dirty="0"/>
+          </a:p>
+        </p:txBody>
+      </p:sp>
+      <p:sp>
+        <p:nvSpPr>
+          <p:cNvPr id="2" name="正方形/長方形 1">
+            <a:extLst>
+              <a:ext uri="{FF2B5EF4-FFF2-40B4-BE49-F238E27FC236}">
+                <a16:creationId xmlns:a16="http://schemas.microsoft.com/office/drawing/2014/main" id="{C3E1F148-AE59-4527-A32D-DE296172C5F8}"/>
+              </a:ext>
+            </a:extLst>
+          </p:cNvPr>
+          <p:cNvSpPr/>
           <p:nvPr/>
         </p:nvSpPr>
         <p:spPr>
           <a:xfrm>
-            <a:off x="449016" y="1472206"/>
-            <a:ext cx="11561751" cy="1692771"/>
+            <a:off x="449017" y="1452605"/>
+            <a:ext cx="9010800" cy="2308324"/>
           </a:xfrm>
           <a:prstGeom prst="rect">
             <a:avLst/>
           </a:prstGeom>
-          <a:noFill/>
         </p:spPr>
         <p:txBody>
-          <a:bodyPr wrap="square" rtlCol="0">
+          <a:bodyPr wrap="none">
             <a:spAutoFit/>
           </a:bodyPr>
           <a:lstStyle/>
           <a:p>
             <a:r>
-              <a:rPr lang="ja-JP" altLang="en-US" sz="2800" dirty="0"/>
-              <a:t>１．</a:t>
-            </a:r>
-            <a:r>
-              <a:rPr lang="en-US" altLang="ja-JP" sz="2800" dirty="0"/>
-              <a:t>SSIM</a:t>
-            </a:r>
-          </a:p>
-          <a:p>
-            <a:r>
-              <a:rPr lang="ja-JP" altLang="en-US" sz="2800" dirty="0"/>
-              <a:t>２．</a:t>
-            </a:r>
-            <a:r>
-              <a:rPr lang="en-US" altLang="ja-JP" sz="2800" dirty="0"/>
-              <a:t>ADTR</a:t>
-            </a:r>
-          </a:p>
-          <a:p>
-            <a:r>
-              <a:rPr lang="ja-JP" altLang="en-US" sz="2800" dirty="0"/>
-              <a:t>３．</a:t>
-            </a:r>
-            <a:r>
-              <a:rPr lang="en-US" altLang="ja-JP" sz="2800" dirty="0"/>
-              <a:t>Morita et al.(2022)</a:t>
-            </a:r>
-          </a:p>
-          <a:p>
-            <a:r>
-              <a:rPr lang="en-US" altLang="ja-JP" sz="2000" dirty="0"/>
-              <a:t>                  -(</a:t>
-            </a:r>
-            <a:r>
-              <a:rPr lang="en-US" altLang="ja-JP" sz="2000" dirty="0" err="1"/>
-              <a:t>Removing_Anomalies_as_Noises_for_Industrial_Defect_Localization</a:t>
-            </a:r>
-            <a:r>
-              <a:rPr lang="en-US" altLang="ja-JP" sz="2000" dirty="0"/>
+              <a:rPr lang="ja-JP" altLang="en-US" dirty="0"/>
+              <a:t>・再構成誤差の計算にピクセル単位の距離の代わりに</a:t>
+            </a:r>
+            <a:r>
+              <a:rPr lang="ja-JP" altLang="en-US" u="sng" dirty="0"/>
+              <a:t>構造的類似性</a:t>
+            </a:r>
+            <a:r>
+              <a:rPr lang="en-US" altLang="ja-JP" u="sng" dirty="0"/>
+              <a:t>(SSIM)</a:t>
+            </a:r>
+            <a:r>
+              <a:rPr lang="ja-JP" altLang="en-US" dirty="0"/>
+              <a:t>を用いる。</a:t>
+            </a:r>
+            <a:endParaRPr lang="en-US" altLang="ja-JP" dirty="0"/>
+          </a:p>
+          <a:p>
+            <a:endParaRPr lang="en-US" altLang="ja-JP" dirty="0"/>
+          </a:p>
+          <a:p>
+            <a:r>
+              <a:rPr lang="ja-JP" altLang="en-US" dirty="0"/>
+              <a:t>・正常画像のみで訓練した</a:t>
+            </a:r>
+            <a:r>
+              <a:rPr lang="en-US" altLang="ja-JP" dirty="0"/>
+              <a:t>VAE</a:t>
+            </a:r>
+            <a:r>
+              <a:rPr lang="ja-JP" altLang="en-US" dirty="0"/>
+              <a:t>を利用している。</a:t>
+            </a:r>
+            <a:endParaRPr lang="en-US" altLang="ja-JP" dirty="0"/>
+          </a:p>
+          <a:p>
+            <a:endParaRPr lang="en-US" altLang="ja-JP" dirty="0"/>
+          </a:p>
+          <a:p>
+            <a:r>
+              <a:rPr lang="ja-JP" altLang="en-US" dirty="0"/>
+              <a:t>・パッチごとの比較によりエッジ位置のズレに耐性がある。</a:t>
+            </a:r>
+            <a:endParaRPr lang="en-US" altLang="ja-JP" dirty="0"/>
+          </a:p>
+          <a:p>
+            <a:endParaRPr lang="en-US" altLang="ja-JP" dirty="0"/>
+          </a:p>
+          <a:p>
+            <a:endParaRPr lang="en-US" altLang="ja-JP" b="1" dirty="0"/>
+          </a:p>
+          <a:p>
+            <a:r>
+              <a:rPr lang="ja-JP" altLang="en-US" b="1" dirty="0"/>
+              <a:t>構造的類似性</a:t>
+            </a:r>
+            <a:r>
+              <a:rPr lang="en-US" altLang="ja-JP" b="1" dirty="0"/>
+              <a:t>…</a:t>
+            </a:r>
+            <a:r>
+              <a:rPr lang="ja-JP" altLang="en-US" b="1" dirty="0"/>
+              <a:t>輝度＊コントラスト＊構造</a:t>
+            </a:r>
+            <a:r>
+              <a:rPr lang="en-US" altLang="ja-JP" b="1" dirty="0"/>
+              <a:t>(</a:t>
+            </a:r>
+            <a:r>
+              <a:rPr lang="ja-JP" altLang="en-US" b="1" dirty="0"/>
+              <a:t>パターン</a:t>
+            </a:r>
+            <a:r>
+              <a:rPr lang="en-US" altLang="ja-JP" b="1" dirty="0"/>
               <a:t>)</a:t>
+            </a:r>
+            <a:r>
+              <a:rPr lang="ja-JP" altLang="en-US" b="1" dirty="0"/>
+              <a:t>。</a:t>
+            </a:r>
+            <a:endParaRPr lang="en-US" altLang="ja-JP" b="1" dirty="0"/>
+          </a:p>
+        </p:txBody>
+      </p:sp>
+      <p:pic>
+        <p:nvPicPr>
+          <p:cNvPr id="5" name="図 4">
+            <a:extLst>
+              <a:ext uri="{FF2B5EF4-FFF2-40B4-BE49-F238E27FC236}">
+                <a16:creationId xmlns:a16="http://schemas.microsoft.com/office/drawing/2014/main" id="{554349BA-CFC5-443B-93C0-E3804533BDFB}"/>
+              </a:ext>
+            </a:extLst>
+          </p:cNvPr>
+          <p:cNvPicPr>
+            <a:picLocks noChangeAspect="1"/>
+          </p:cNvPicPr>
+          <p:nvPr/>
+        </p:nvPicPr>
+        <p:blipFill>
+          <a:blip r:embed="rId3"/>
+          <a:stretch>
+            <a:fillRect/>
+          </a:stretch>
+        </p:blipFill>
+        <p:spPr>
+          <a:xfrm>
+            <a:off x="6487627" y="3428521"/>
+            <a:ext cx="4934639" cy="3429479"/>
+          </a:xfrm>
+          <a:prstGeom prst="rect">
+            <a:avLst/>
+          </a:prstGeom>
+        </p:spPr>
+      </p:pic>
+      <p:sp>
+        <p:nvSpPr>
+          <p:cNvPr id="6" name="正方形/長方形 5">
+            <a:extLst>
+              <a:ext uri="{FF2B5EF4-FFF2-40B4-BE49-F238E27FC236}">
+                <a16:creationId xmlns:a16="http://schemas.microsoft.com/office/drawing/2014/main" id="{683E3C7D-0692-4175-8F4C-CCF1D7D4629D}"/>
+              </a:ext>
+            </a:extLst>
+          </p:cNvPr>
+          <p:cNvSpPr/>
+          <p:nvPr/>
+        </p:nvSpPr>
+        <p:spPr>
+          <a:xfrm>
+            <a:off x="449017" y="4452378"/>
+            <a:ext cx="5955476" cy="1200329"/>
+          </a:xfrm>
+          <a:prstGeom prst="rect">
+            <a:avLst/>
+          </a:prstGeom>
+        </p:spPr>
+        <p:txBody>
+          <a:bodyPr wrap="none">
+            <a:spAutoFit/>
+          </a:bodyPr>
+          <a:lstStyle/>
+          <a:p>
+            <a:r>
+              <a:rPr lang="ja-JP" altLang="en-US" dirty="0"/>
+              <a:t>右図のような画像</a:t>
+            </a:r>
+            <a:r>
+              <a:rPr lang="ja-JP" altLang="en-US" dirty="0" err="1"/>
+              <a:t>ｐ</a:t>
+            </a:r>
+            <a:r>
+              <a:rPr lang="en-US" altLang="ja-JP" dirty="0"/>
+              <a:t>,</a:t>
+            </a:r>
+            <a:r>
+              <a:rPr lang="ja-JP" altLang="en-US" dirty="0" err="1"/>
+              <a:t>ｑ</a:t>
+            </a:r>
+            <a:r>
+              <a:rPr lang="ja-JP" altLang="en-US" dirty="0"/>
+              <a:t>の組み合わせは輝度のみで</a:t>
+            </a:r>
+            <a:endParaRPr lang="en-US" altLang="ja-JP" dirty="0"/>
+          </a:p>
+          <a:p>
+            <a:r>
+              <a:rPr lang="ja-JP" altLang="en-US" dirty="0"/>
+              <a:t>評価すると、両者が同じものとみなされる場合がある。</a:t>
+            </a:r>
+            <a:endParaRPr lang="en-US" altLang="ja-JP" dirty="0"/>
+          </a:p>
+          <a:p>
+            <a:pPr algn="ctr"/>
+            <a:r>
+              <a:rPr lang="ja-JP" altLang="en-US" dirty="0"/>
+              <a:t>⇩</a:t>
+            </a:r>
+            <a:endParaRPr lang="en-US" altLang="ja-JP" dirty="0"/>
+          </a:p>
+          <a:p>
+            <a:pPr algn="ctr"/>
+            <a:r>
+              <a:rPr lang="ja-JP" altLang="en-US" dirty="0"/>
+              <a:t>構造</a:t>
+            </a:r>
+            <a:r>
+              <a:rPr lang="en-US" altLang="ja-JP" dirty="0"/>
+              <a:t>(</a:t>
+            </a:r>
+            <a:r>
+              <a:rPr lang="ja-JP" altLang="en-US" dirty="0"/>
+              <a:t>欠陥</a:t>
+            </a:r>
+            <a:r>
+              <a:rPr lang="en-US" altLang="ja-JP" dirty="0"/>
+              <a:t>)</a:t>
+            </a:r>
+            <a:r>
+              <a:rPr lang="ja-JP" altLang="en-US" dirty="0"/>
+              <a:t>を見逃してしまう</a:t>
+            </a:r>
+            <a:r>
+              <a:rPr lang="en-US" altLang="ja-JP" dirty="0"/>
+              <a:t>...</a:t>
             </a:r>
           </a:p>
         </p:txBody>
@@ -15165,7 +16074,7 @@
     </p:spTree>
     <p:extLst>
       <p:ext uri="{BB962C8B-B14F-4D97-AF65-F5344CB8AC3E}">
-        <p14:creationId xmlns:p14="http://schemas.microsoft.com/office/powerpoint/2010/main" val="4094854531"/>
+        <p14:creationId xmlns:p14="http://schemas.microsoft.com/office/powerpoint/2010/main" val="2097275022"/>
       </p:ext>
     </p:extLst>
   </p:cSld>

--- a/発表資料/B4_上坂大樹_サーベイ大会資料.pptx
+++ b/発表資料/B4_上坂大樹_サーベイ大会資料.pptx
@@ -216,7 +216,7 @@
           <a:p>
             <a:fld id="{D7BEEBC3-E73B-4C7A-8A9B-630A45928F96}" type="datetimeFigureOut">
               <a:rPr kumimoji="1" lang="ja-JP" altLang="en-US" smtClean="0"/>
-              <a:t>2025/7/2</a:t>
+              <a:t>2025/7/3</a:t>
             </a:fld>
             <a:endParaRPr kumimoji="1" lang="ja-JP" altLang="en-US"/>
           </a:p>
@@ -753,6 +753,31 @@
             <a:endParaRPr lang="en-US" dirty="0"/>
           </a:p>
           <a:p>
+            <a:endParaRPr lang="en-US" dirty="0"/>
+          </a:p>
+          <a:p>
+            <a:endParaRPr lang="en-US" dirty="0"/>
+          </a:p>
+          <a:p>
+            <a:r>
+              <a:rPr lang="ja-JP" altLang="en-US" dirty="0" err="1"/>
+              <a:t>ー</a:t>
+            </a:r>
+            <a:r>
+              <a:rPr lang="ja-JP" altLang="en-US" dirty="0"/>
+              <a:t>ーー</a:t>
+            </a:r>
+            <a:r>
+              <a:rPr lang="ja-JP" altLang="en-US" dirty="0" err="1"/>
+              <a:t>ーーーーーーーーーーーーーーーーーーーーーーーーーーーーーー</a:t>
+            </a:r>
+            <a:r>
+              <a:rPr lang="ja-JP" altLang="en-US" dirty="0"/>
+              <a:t>ー</a:t>
+            </a:r>
+            <a:endParaRPr lang="en-US" dirty="0"/>
+          </a:p>
+          <a:p>
             <a:r>
               <a:rPr lang="ja-JP" altLang="en-US" dirty="0"/>
               <a:t>複数のケースに対応している。</a:t>
@@ -860,11 +885,38 @@
           <a:p>
             <a:r>
               <a:rPr lang="ja-JP" altLang="en-US" b="0" dirty="0"/>
-              <a:t>異常をノイズと見立てて、拡散モデルによって除去を行う検知手法です。</a:t>
+              <a:t>異常をノイズと見立てて、拡散モデルによって除去を行う手法です。</a:t>
             </a:r>
             <a:endParaRPr lang="en-US" b="0" dirty="0"/>
           </a:p>
           <a:p>
+            <a:endParaRPr lang="en-US" b="0" dirty="0"/>
+          </a:p>
+          <a:p>
+            <a:endParaRPr lang="en-US" b="0" dirty="0"/>
+          </a:p>
+          <a:p>
+            <a:endParaRPr lang="en-US" b="0" dirty="0"/>
+          </a:p>
+          <a:p>
+            <a:endParaRPr lang="en-US" b="0" dirty="0"/>
+          </a:p>
+          <a:p>
+            <a:endParaRPr lang="en-US" b="0" dirty="0"/>
+          </a:p>
+          <a:p>
+            <a:r>
+              <a:rPr lang="ja-JP" altLang="en-US" b="0" dirty="0" err="1"/>
+              <a:t>ー</a:t>
+            </a:r>
+            <a:r>
+              <a:rPr lang="ja-JP" altLang="en-US" b="0" dirty="0"/>
+              <a:t>ーー</a:t>
+            </a:r>
+            <a:r>
+              <a:rPr lang="ja-JP" altLang="en-US" b="0" dirty="0" err="1"/>
+              <a:t>ーーーーーーーーーーーーーーーーーーーーーーーーーーーーーーーー</a:t>
+            </a:r>
             <a:endParaRPr lang="en-US" b="0" dirty="0"/>
           </a:p>
           <a:p>
@@ -2195,6 +2247,25 @@
             </a:r>
           </a:p>
           <a:p>
+            <a:endParaRPr lang="en-US" dirty="0"/>
+          </a:p>
+          <a:p>
+            <a:r>
+              <a:rPr lang="ja-JP" altLang="en-US" dirty="0"/>
+              <a:t>両者を採用する</a:t>
+            </a:r>
+            <a:r>
+              <a:rPr lang="ja-JP" altLang="en-US"/>
+              <a:t>ことで互い</a:t>
+            </a:r>
+            <a:r>
+              <a:rPr lang="ja-JP" altLang="en-US" dirty="0"/>
+              <a:t>の弱点を</a:t>
+            </a:r>
+            <a:r>
+              <a:rPr lang="ja-JP" altLang="en-US"/>
+              <a:t>補完しあえるためいい感じに評価できます。</a:t>
+            </a:r>
             <a:endParaRPr lang="en-JP" dirty="0"/>
           </a:p>
         </p:txBody>
@@ -2456,6 +2527,24 @@
             <a:endParaRPr kumimoji="1" lang="en-US" altLang="ja-JP" dirty="0"/>
           </a:p>
           <a:p>
+            <a:endParaRPr kumimoji="1" lang="en-US" altLang="ja-JP" dirty="0"/>
+          </a:p>
+          <a:p>
+            <a:r>
+              <a:rPr kumimoji="1" lang="ja-JP" altLang="en-US" dirty="0" err="1"/>
+              <a:t>ー</a:t>
+            </a:r>
+            <a:r>
+              <a:rPr kumimoji="1" lang="ja-JP" altLang="en-US" dirty="0"/>
+              <a:t>ーー</a:t>
+            </a:r>
+            <a:r>
+              <a:rPr kumimoji="1" lang="ja-JP" altLang="en-US" dirty="0" err="1"/>
+              <a:t>ーーーーーーーーーーーーーーーーーーーーーーーーーーーーーーーー</a:t>
+            </a:r>
+            <a:endParaRPr kumimoji="1" lang="en-US" altLang="ja-JP" dirty="0"/>
+          </a:p>
+          <a:p>
             <a:r>
               <a:rPr kumimoji="1" lang="ja-JP" altLang="en-US" dirty="0"/>
               <a:t>・メモリバンクベースは、　</a:t>
@@ -2983,9 +3072,6 @@
             <a:endParaRPr lang="en-US" dirty="0"/>
           </a:p>
           <a:p>
-            <a:endParaRPr lang="en-US" altLang="ja-JP" dirty="0"/>
-          </a:p>
-          <a:p>
             <a:r>
               <a:rPr kumimoji="1" lang="en-US" altLang="ja-JP" dirty="0"/>
               <a:t>end</a:t>
@@ -2997,6 +3083,38 @@
           </a:p>
           <a:p>
             <a:endParaRPr lang="en-US" dirty="0"/>
+          </a:p>
+          <a:p>
+            <a:pPr marL="0" marR="0" lvl="0" indent="0" algn="l" defTabSz="914400" rtl="0" eaLnBrk="1" fontAlgn="auto" latinLnBrk="0" hangingPunct="1">
+              <a:lnSpc>
+                <a:spcPct val="100000"/>
+              </a:lnSpc>
+              <a:spcBef>
+                <a:spcPts val="0"/>
+              </a:spcBef>
+              <a:spcAft>
+                <a:spcPts val="0"/>
+              </a:spcAft>
+              <a:buClrTx/>
+              <a:buSzTx/>
+              <a:buFontTx/>
+              <a:buNone/>
+              <a:tabLst/>
+              <a:defRPr/>
+            </a:pPr>
+            <a:r>
+              <a:rPr kumimoji="1" lang="ja-JP" altLang="en-US" dirty="0" err="1"/>
+              <a:t>ー</a:t>
+            </a:r>
+            <a:r>
+              <a:rPr kumimoji="1" lang="ja-JP" altLang="en-US" dirty="0"/>
+              <a:t>ーー</a:t>
+            </a:r>
+            <a:r>
+              <a:rPr kumimoji="1" lang="ja-JP" altLang="en-US" dirty="0" err="1"/>
+              <a:t>ーーーーーーーーーーーーーーーーーーーーーーーーーーーーーーーー</a:t>
+            </a:r>
+            <a:endParaRPr lang="en-US" altLang="ja-JP" dirty="0"/>
           </a:p>
           <a:p>
             <a:endParaRPr lang="en-US" dirty="0"/>
@@ -3216,6 +3334,47 @@
             <a:endParaRPr lang="en-US" altLang="ja-JP" dirty="0"/>
           </a:p>
           <a:p>
+            <a:endParaRPr lang="en-US" altLang="ja-JP" dirty="0"/>
+          </a:p>
+          <a:p>
+            <a:pPr marL="0" marR="0" lvl="0" indent="0" algn="l" defTabSz="914400" rtl="0" eaLnBrk="1" fontAlgn="auto" latinLnBrk="0" hangingPunct="1">
+              <a:lnSpc>
+                <a:spcPct val="100000"/>
+              </a:lnSpc>
+              <a:spcBef>
+                <a:spcPts val="0"/>
+              </a:spcBef>
+              <a:spcAft>
+                <a:spcPts val="0"/>
+              </a:spcAft>
+              <a:buClrTx/>
+              <a:buSzTx/>
+              <a:buFontTx/>
+              <a:buNone/>
+              <a:tabLst/>
+              <a:defRPr/>
+            </a:pPr>
+            <a:r>
+              <a:rPr kumimoji="1" lang="ja-JP" altLang="en-US" dirty="0" err="1"/>
+              <a:t>ー</a:t>
+            </a:r>
+            <a:r>
+              <a:rPr kumimoji="1" lang="ja-JP" altLang="en-US" dirty="0"/>
+              <a:t>ーー</a:t>
+            </a:r>
+            <a:r>
+              <a:rPr kumimoji="1" lang="ja-JP" altLang="en-US" dirty="0" err="1"/>
+              <a:t>ーーーーーーーーーーーーーーーーーーーーーーーーーーーーーーーー</a:t>
+            </a:r>
+            <a:endParaRPr lang="en-US" altLang="ja-JP" dirty="0"/>
+          </a:p>
+          <a:p>
+            <a:endParaRPr lang="en-US" altLang="ja-JP" dirty="0"/>
+          </a:p>
+          <a:p>
+            <a:endParaRPr lang="en-US" altLang="ja-JP" dirty="0"/>
+          </a:p>
+          <a:p>
             <a:r>
               <a:rPr lang="ja-JP" altLang="en-US" dirty="0"/>
               <a:t>複数層を採用した意図は、 異なる視点から捉えた特徴ら</a:t>
@@ -3700,12 +3859,9 @@
             <a:endParaRPr lang="en-US" altLang="ja-JP" dirty="0"/>
           </a:p>
           <a:p>
-            <a:endParaRPr lang="en-US" altLang="ja-JP" dirty="0"/>
-          </a:p>
-          <a:p>
             <a:r>
               <a:rPr lang="ja-JP" altLang="en-US" dirty="0"/>
-              <a:t>全てのパッチの各要素</a:t>
+              <a:t>パッチに注目していて、全てのパッチの各要素</a:t>
             </a:r>
             <a:r>
               <a:rPr lang="en-US" altLang="ja-JP" dirty="0"/>
@@ -3737,11 +3893,19 @@
             </a:r>
             <a:r>
               <a:rPr lang="ja-JP" altLang="en-US" dirty="0"/>
-              <a:t>して正常とは</a:t>
+              <a:t>して</a:t>
             </a:r>
             <a:r>
               <a:rPr lang="en-US" altLang="ja-JP" dirty="0"/>
-              <a:t>?</a:t>
+              <a:t>”</a:t>
+            </a:r>
+            <a:r>
+              <a:rPr lang="ja-JP" altLang="en-US" dirty="0"/>
+              <a:t>正常とは何か</a:t>
+            </a:r>
+            <a:r>
+              <a:rPr lang="en-US" altLang="ja-JP" dirty="0"/>
+              <a:t>”</a:t>
             </a:r>
             <a:r>
               <a:rPr lang="ja-JP" altLang="en-US" dirty="0"/>
@@ -3765,6 +3929,24 @@
               <a:rPr lang="ja-JP" altLang="en-US" dirty="0"/>
               <a:t>マスのことです。</a:t>
             </a:r>
+            <a:endParaRPr lang="en-US" altLang="ja-JP" dirty="0"/>
+          </a:p>
+          <a:p>
+            <a:r>
+              <a:rPr lang="ja-JP" altLang="en-US" dirty="0" err="1"/>
+              <a:t>ー</a:t>
+            </a:r>
+            <a:r>
+              <a:rPr lang="ja-JP" altLang="en-US" dirty="0"/>
+              <a:t>ーー</a:t>
+            </a:r>
+            <a:r>
+              <a:rPr lang="ja-JP" altLang="en-US" dirty="0" err="1"/>
+              <a:t>ーーーーーーーーーーーーーーーーーーーーーーーーーーーーーーーーーーーー</a:t>
+            </a:r>
+            <a:endParaRPr lang="en-US" altLang="ja-JP" dirty="0"/>
+          </a:p>
+          <a:p>
             <a:endParaRPr lang="en-US" altLang="ja-JP" dirty="0"/>
           </a:p>
           <a:p>
@@ -3928,7 +4110,7 @@
           <a:p>
             <a:r>
               <a:rPr lang="ja-JP" altLang="en-US" dirty="0"/>
-              <a:t>これは工業製品用の異常検知手法です。先ほどの３つの手法の弱点を克服しています。 </a:t>
+              <a:t>これは工業製品用の異常検知手法です。先ほどの３つの手法の弱点を克服している強力な手法です。 </a:t>
             </a:r>
             <a:r>
               <a:rPr lang="en-US" altLang="ja-JP" dirty="0"/>
@@ -3936,6 +4118,24 @@
             </a:r>
           </a:p>
           <a:p>
+            <a:endParaRPr lang="en-US" altLang="ja-JP" dirty="0"/>
+          </a:p>
+          <a:p>
+            <a:endParaRPr lang="en-US" altLang="ja-JP" dirty="0"/>
+          </a:p>
+          <a:p>
+            <a:r>
+              <a:rPr lang="ja-JP" altLang="en-US" dirty="0" err="1"/>
+              <a:t>ー</a:t>
+            </a:r>
+            <a:r>
+              <a:rPr lang="ja-JP" altLang="en-US" dirty="0"/>
+              <a:t>ーー</a:t>
+            </a:r>
+            <a:r>
+              <a:rPr lang="ja-JP" altLang="en-US" dirty="0" err="1"/>
+              <a:t>ーーーーーーーーーーーーーーーーーーーーーーーーーーーーーー</a:t>
+            </a:r>
             <a:endParaRPr lang="en-US" altLang="ja-JP" dirty="0"/>
           </a:p>
           <a:p>
@@ -4359,6 +4559,41 @@
           <a:lstStyle/>
           <a:p>
             <a:r>
+              <a:rPr lang="ja-JP" altLang="en-US" b="0" dirty="0"/>
+              <a:t>これは再構成誤差に輝度・コントラスト・パターンの３つを採用した手法です。</a:t>
+            </a:r>
+            <a:endParaRPr lang="en-US" altLang="ja-JP" b="0" dirty="0"/>
+          </a:p>
+          <a:p>
+            <a:endParaRPr lang="en-US" altLang="ja-JP" b="1" dirty="0"/>
+          </a:p>
+          <a:p>
+            <a:endParaRPr lang="en-US" altLang="ja-JP" b="1" dirty="0"/>
+          </a:p>
+          <a:p>
+            <a:endParaRPr lang="en-US" altLang="ja-JP" b="1" dirty="0"/>
+          </a:p>
+          <a:p>
+            <a:r>
+              <a:rPr lang="ja-JP" altLang="en-US" b="1" dirty="0" err="1"/>
+              <a:t>ー</a:t>
+            </a:r>
+            <a:r>
+              <a:rPr lang="ja-JP" altLang="en-US" b="1" dirty="0"/>
+              <a:t>ーー</a:t>
+            </a:r>
+            <a:r>
+              <a:rPr lang="ja-JP" altLang="en-US" b="1" dirty="0" err="1"/>
+              <a:t>ーーーーーーーーーーーーーーーーーーーーーーーーーーーーーーーーーーーーーーー</a:t>
+            </a:r>
+            <a:r>
+              <a:rPr lang="ja-JP" altLang="en-US" b="1" dirty="0"/>
+              <a:t>ー</a:t>
+            </a:r>
+            <a:endParaRPr lang="en-US" altLang="ja-JP" b="1" dirty="0"/>
+          </a:p>
+          <a:p>
+            <a:r>
               <a:rPr lang="en-US" altLang="ja-JP" b="1" dirty="0"/>
               <a:t>SSIM</a:t>
             </a:r>
@@ -4433,16 +4668,12 @@
             <a:endParaRPr lang="en-US" dirty="0"/>
           </a:p>
           <a:p>
+            <a:endParaRPr lang="en-US" altLang="ja-JP" dirty="0"/>
+          </a:p>
+          <a:p>
             <a:r>
               <a:rPr lang="ja-JP" altLang="en-US" dirty="0"/>
-              <a:t>強味は誤差の計算に構造的類似性を用いている点です。</a:t>
-            </a:r>
-            <a:endParaRPr lang="en-US" altLang="ja-JP" dirty="0"/>
-          </a:p>
-          <a:p>
-            <a:r>
-              <a:rPr lang="ja-JP" altLang="en-US" dirty="0"/>
-              <a:t>従来の手法ではピクセル単位の距離を使用していたため、</a:t>
+              <a:t>従来の手法では誤差の計算にピクセル単位の距離を使用していたが構造的類似性を用いている点です。</a:t>
             </a:r>
             <a:endParaRPr lang="en-JP" dirty="0"/>
           </a:p>
@@ -4631,7 +4862,7 @@
           <a:p>
             <a:fld id="{8E13C0C7-DE05-4833-8785-D21399826AC3}" type="datetimeFigureOut">
               <a:rPr kumimoji="1" lang="ja-JP" altLang="en-US" smtClean="0"/>
-              <a:t>2025/7/2</a:t>
+              <a:t>2025/7/3</a:t>
             </a:fld>
             <a:endParaRPr kumimoji="1" lang="ja-JP" altLang="en-US"/>
           </a:p>
@@ -4861,7 +5092,7 @@
           <a:p>
             <a:fld id="{8E13C0C7-DE05-4833-8785-D21399826AC3}" type="datetimeFigureOut">
               <a:rPr kumimoji="1" lang="ja-JP" altLang="en-US" smtClean="0"/>
-              <a:t>2025/7/2</a:t>
+              <a:t>2025/7/3</a:t>
             </a:fld>
             <a:endParaRPr kumimoji="1" lang="ja-JP" altLang="en-US"/>
           </a:p>
@@ -5101,7 +5332,7 @@
           <a:p>
             <a:fld id="{8E13C0C7-DE05-4833-8785-D21399826AC3}" type="datetimeFigureOut">
               <a:rPr kumimoji="1" lang="ja-JP" altLang="en-US" smtClean="0"/>
-              <a:t>2025/7/2</a:t>
+              <a:t>2025/7/3</a:t>
             </a:fld>
             <a:endParaRPr kumimoji="1" lang="ja-JP" altLang="en-US"/>
           </a:p>
@@ -5844,7 +6075,7 @@
           <a:p>
             <a:fld id="{8E13C0C7-DE05-4833-8785-D21399826AC3}" type="datetimeFigureOut">
               <a:rPr kumimoji="1" lang="ja-JP" altLang="en-US" smtClean="0"/>
-              <a:t>2025/7/2</a:t>
+              <a:t>2025/7/3</a:t>
             </a:fld>
             <a:endParaRPr kumimoji="1" lang="ja-JP" altLang="en-US"/>
           </a:p>
@@ -6119,7 +6350,7 @@
           <a:p>
             <a:fld id="{8E13C0C7-DE05-4833-8785-D21399826AC3}" type="datetimeFigureOut">
               <a:rPr kumimoji="1" lang="ja-JP" altLang="en-US" smtClean="0"/>
-              <a:t>2025/7/2</a:t>
+              <a:t>2025/7/3</a:t>
             </a:fld>
             <a:endParaRPr kumimoji="1" lang="ja-JP" altLang="en-US"/>
           </a:p>
@@ -6448,7 +6679,7 @@
           <a:p>
             <a:fld id="{8E13C0C7-DE05-4833-8785-D21399826AC3}" type="datetimeFigureOut">
               <a:rPr kumimoji="1" lang="ja-JP" altLang="en-US" smtClean="0"/>
-              <a:t>2025/7/2</a:t>
+              <a:t>2025/7/3</a:t>
             </a:fld>
             <a:endParaRPr kumimoji="1" lang="ja-JP" altLang="en-US"/>
           </a:p>
@@ -6924,7 +7155,7 @@
           <a:p>
             <a:fld id="{8E13C0C7-DE05-4833-8785-D21399826AC3}" type="datetimeFigureOut">
               <a:rPr kumimoji="1" lang="ja-JP" altLang="en-US" smtClean="0"/>
-              <a:t>2025/7/2</a:t>
+              <a:t>2025/7/3</a:t>
             </a:fld>
             <a:endParaRPr kumimoji="1" lang="ja-JP" altLang="en-US"/>
           </a:p>
@@ -7065,7 +7296,7 @@
           <a:p>
             <a:fld id="{8E13C0C7-DE05-4833-8785-D21399826AC3}" type="datetimeFigureOut">
               <a:rPr kumimoji="1" lang="ja-JP" altLang="en-US" smtClean="0"/>
-              <a:t>2025/7/2</a:t>
+              <a:t>2025/7/3</a:t>
             </a:fld>
             <a:endParaRPr kumimoji="1" lang="ja-JP" altLang="en-US"/>
           </a:p>
@@ -7178,7 +7409,7 @@
           <a:p>
             <a:fld id="{8E13C0C7-DE05-4833-8785-D21399826AC3}" type="datetimeFigureOut">
               <a:rPr kumimoji="1" lang="ja-JP" altLang="en-US" smtClean="0"/>
-              <a:t>2025/7/2</a:t>
+              <a:t>2025/7/3</a:t>
             </a:fld>
             <a:endParaRPr kumimoji="1" lang="ja-JP" altLang="en-US"/>
           </a:p>
@@ -7521,7 +7752,7 @@
           <a:p>
             <a:fld id="{8E13C0C7-DE05-4833-8785-D21399826AC3}" type="datetimeFigureOut">
               <a:rPr kumimoji="1" lang="ja-JP" altLang="en-US" smtClean="0"/>
-              <a:t>2025/7/2</a:t>
+              <a:t>2025/7/3</a:t>
             </a:fld>
             <a:endParaRPr kumimoji="1" lang="ja-JP" altLang="en-US"/>
           </a:p>
@@ -7809,7 +8040,7 @@
           <a:p>
             <a:fld id="{8E13C0C7-DE05-4833-8785-D21399826AC3}" type="datetimeFigureOut">
               <a:rPr kumimoji="1" lang="ja-JP" altLang="en-US" smtClean="0"/>
-              <a:t>2025/7/2</a:t>
+              <a:t>2025/7/3</a:t>
             </a:fld>
             <a:endParaRPr kumimoji="1" lang="ja-JP" altLang="en-US"/>
           </a:p>
@@ -8082,7 +8313,7 @@
           <a:p>
             <a:fld id="{8E13C0C7-DE05-4833-8785-D21399826AC3}" type="datetimeFigureOut">
               <a:rPr kumimoji="1" lang="ja-JP" altLang="en-US" smtClean="0"/>
-              <a:t>2025/7/2</a:t>
+              <a:t>2025/7/3</a:t>
             </a:fld>
             <a:endParaRPr kumimoji="1" lang="ja-JP" altLang="en-US"/>
           </a:p>
@@ -10589,13 +10820,13 @@
   <p:clrMapOvr>
     <a:masterClrMapping/>
   </p:clrMapOvr>
-  <mc:AlternateContent xmlns:mc="http://schemas.openxmlformats.org/markup-compatibility/2006">
-    <mc:Choice xmlns:p14="http://schemas.microsoft.com/office/powerpoint/2010/main" Requires="p14">
+  <mc:AlternateContent xmlns:mc="http://schemas.openxmlformats.org/markup-compatibility/2006" xmlns:p14="http://schemas.microsoft.com/office/powerpoint/2010/main">
+    <mc:Choice Requires="p14">
       <p:transition p14:dur="180">
         <p:fade/>
       </p:transition>
     </mc:Choice>
-    <mc:Fallback>
+    <mc:Fallback xmlns="">
       <p:transition>
         <p:fade/>
       </p:transition>
